--- a/Simulation des Sonnensytem.pptx
+++ b/Simulation des Sonnensytem.pptx
@@ -10,10 +10,16 @@
     <p:sldId id="258" r:id="rId4"/>
     <p:sldId id="260" r:id="rId5"/>
     <p:sldId id="261" r:id="rId6"/>
-    <p:sldId id="263" r:id="rId7"/>
-    <p:sldId id="264" r:id="rId8"/>
-    <p:sldId id="265" r:id="rId9"/>
-    <p:sldId id="266" r:id="rId10"/>
+    <p:sldId id="267" r:id="rId7"/>
+    <p:sldId id="268" r:id="rId8"/>
+    <p:sldId id="259" r:id="rId9"/>
+    <p:sldId id="269" r:id="rId10"/>
+    <p:sldId id="270" r:id="rId11"/>
+    <p:sldId id="262" r:id="rId12"/>
+    <p:sldId id="263" r:id="rId13"/>
+    <p:sldId id="264" r:id="rId14"/>
+    <p:sldId id="265" r:id="rId15"/>
+    <p:sldId id="266" r:id="rId16"/>
   </p:sldIdLst>
   <p:sldSz cx="12192000" cy="6858000"/>
   <p:notesSz cx="6858000" cy="9144000"/>
@@ -112,6 +118,11 @@
       </a:defRPr>
     </a:lvl9pPr>
   </p:defaultTextStyle>
+  <p:extLst>
+    <p:ext uri="{EFAFB233-063F-42B5-8137-9DF3F51BA10A}">
+      <p15:sldGuideLst xmlns:p15="http://schemas.microsoft.com/office/powerpoint/2012/main"/>
+    </p:ext>
+  </p:extLst>
 </p:presentation>
 </file>
 
@@ -3931,7 +3942,7 @@
 </p:sld>
 </file>
 
-<file path=ppt/slides/slide2.xml><?xml version="1.0" encoding="utf-8"?>
+<file path=ppt/slides/slide10.xml><?xml version="1.0" encoding="utf-8"?>
 <p:sld xmlns:a="http://schemas.openxmlformats.org/drawingml/2006/main" xmlns:r="http://schemas.openxmlformats.org/officeDocument/2006/relationships" xmlns:p="http://schemas.openxmlformats.org/presentationml/2006/main">
   <p:cSld>
     <p:spTree>
@@ -3953,7 +3964,7 @@
           <p:cNvPr id="2" name="Titel 1">
             <a:extLst>
               <a:ext uri="{FF2B5EF4-FFF2-40B4-BE49-F238E27FC236}">
-                <a16:creationId xmlns:a16="http://schemas.microsoft.com/office/drawing/2014/main" id="{F34C9E2D-611E-48D5-9E3F-60BCC33CC164}"/>
+                <a16:creationId xmlns:a16="http://schemas.microsoft.com/office/drawing/2014/main" id="{42A4BF16-9436-4725-9104-80CB704D1AB3}"/>
               </a:ext>
             </a:extLst>
           </p:cNvPr>
@@ -3971,32 +3982,2117 @@
           <a:p>
             <a:r>
               <a:rPr lang="de-DE" dirty="0"/>
-              <a:t>Inhaltsverzeichnis</a:t>
+              <a:t>Euler-Verfahren</a:t>
             </a:r>
           </a:p>
         </p:txBody>
       </p:sp>
       <p:sp>
         <p:nvSpPr>
-          <p:cNvPr id="3" name="Inhaltsplatzhalter 2">
+          <p:cNvPr id="5" name="Textfeld 4">
             <a:extLst>
               <a:ext uri="{FF2B5EF4-FFF2-40B4-BE49-F238E27FC236}">
-                <a16:creationId xmlns:a16="http://schemas.microsoft.com/office/drawing/2014/main" id="{E8DBC05B-1845-42D4-965C-63A607DCC327}"/>
+                <a16:creationId xmlns:a16="http://schemas.microsoft.com/office/drawing/2014/main" id="{8C5DA050-B659-4D65-AD20-8B301F9FEB10}"/>
               </a:ext>
             </a:extLst>
           </p:cNvPr>
-          <p:cNvSpPr>
-            <a:spLocks noGrp="1"/>
-          </p:cNvSpPr>
-          <p:nvPr>
-            <p:ph idx="1"/>
-          </p:nvPr>
+          <p:cNvSpPr txBox="1"/>
+          <p:nvPr/>
         </p:nvSpPr>
-        <p:spPr/>
+        <p:spPr>
+          <a:xfrm>
+            <a:off x="838200" y="1690688"/>
+            <a:ext cx="5779363" cy="369332"/>
+          </a:xfrm>
+          <a:prstGeom prst="rect">
+            <a:avLst/>
+          </a:prstGeom>
+          <a:noFill/>
+        </p:spPr>
         <p:txBody>
-          <a:bodyPr/>
+          <a:bodyPr wrap="square" rtlCol="0">
+            <a:spAutoFit/>
+          </a:bodyPr>
           <a:lstStyle/>
           <a:p>
+            <a:r>
+              <a:rPr lang="de-DE" dirty="0"/>
+              <a:t>Veränderung der Position = Geschwindigkeit * Zeitsprung</a:t>
+            </a:r>
+          </a:p>
+        </p:txBody>
+      </p:sp>
+      <p:sp>
+        <p:nvSpPr>
+          <p:cNvPr id="6" name="Textfeld 5">
+            <a:extLst>
+              <a:ext uri="{FF2B5EF4-FFF2-40B4-BE49-F238E27FC236}">
+                <a16:creationId xmlns:a16="http://schemas.microsoft.com/office/drawing/2014/main" id="{9731FDAB-B9D9-4229-AD15-D481A86D8969}"/>
+              </a:ext>
+            </a:extLst>
+          </p:cNvPr>
+          <p:cNvSpPr txBox="1"/>
+          <p:nvPr/>
+        </p:nvSpPr>
+        <p:spPr>
+          <a:xfrm>
+            <a:off x="838200" y="2183515"/>
+            <a:ext cx="6485879" cy="369332"/>
+          </a:xfrm>
+          <a:prstGeom prst="rect">
+            <a:avLst/>
+          </a:prstGeom>
+          <a:noFill/>
+        </p:spPr>
+        <p:txBody>
+          <a:bodyPr wrap="square" rtlCol="0">
+            <a:spAutoFit/>
+          </a:bodyPr>
+          <a:lstStyle/>
+          <a:p>
+            <a:r>
+              <a:rPr lang="de-DE" dirty="0"/>
+              <a:t>Veränderung der Geschwindigkeit = Beschleunigung * Zeitsprung</a:t>
+            </a:r>
+          </a:p>
+        </p:txBody>
+      </p:sp>
+      <mc:AlternateContent xmlns:mc="http://schemas.openxmlformats.org/markup-compatibility/2006" xmlns:a14="http://schemas.microsoft.com/office/drawing/2010/main">
+        <mc:Choice Requires="a14">
+          <p:sp>
+            <p:nvSpPr>
+              <p:cNvPr id="10" name="Textfeld 9">
+                <a:extLst>
+                  <a:ext uri="{FF2B5EF4-FFF2-40B4-BE49-F238E27FC236}">
+                    <a16:creationId xmlns:a16="http://schemas.microsoft.com/office/drawing/2014/main" id="{29A068FF-B407-4B83-A30B-93870E9BB5A9}"/>
+                  </a:ext>
+                </a:extLst>
+              </p:cNvPr>
+              <p:cNvSpPr txBox="1"/>
+              <p:nvPr/>
+            </p:nvSpPr>
+            <p:spPr>
+              <a:xfrm>
+                <a:off x="985421" y="3108584"/>
+                <a:ext cx="1841851" cy="276999"/>
+              </a:xfrm>
+              <a:prstGeom prst="rect">
+                <a:avLst/>
+              </a:prstGeom>
+              <a:noFill/>
+            </p:spPr>
+            <p:txBody>
+              <a:bodyPr wrap="none" lIns="0" tIns="0" rIns="0" bIns="0" rtlCol="0">
+                <a:spAutoFit/>
+              </a:bodyPr>
+              <a:lstStyle/>
+              <a:p>
+                <a:pPr/>
+                <a14:m>
+                  <m:oMathPara xmlns:m="http://schemas.openxmlformats.org/officeDocument/2006/math">
+                    <m:oMathParaPr>
+                      <m:jc m:val="centerGroup"/>
+                    </m:oMathParaPr>
+                    <m:oMath xmlns:m="http://schemas.openxmlformats.org/officeDocument/2006/math">
+                      <m:sSub>
+                        <m:sSubPr>
+                          <m:ctrlPr>
+                            <a:rPr lang="de-DE" i="1" smtClean="0">
+                              <a:latin typeface="Cambria Math" panose="02040503050406030204" pitchFamily="18" charset="0"/>
+                            </a:rPr>
+                          </m:ctrlPr>
+                        </m:sSubPr>
+                        <m:e>
+                          <m:acc>
+                            <m:accPr>
+                              <m:chr m:val="⃗"/>
+                              <m:ctrlPr>
+                                <a:rPr lang="de-DE" i="1">
+                                  <a:latin typeface="Cambria Math" panose="02040503050406030204" pitchFamily="18" charset="0"/>
+                                </a:rPr>
+                              </m:ctrlPr>
+                            </m:accPr>
+                            <m:e>
+                              <m:r>
+                                <a:rPr lang="de-DE" i="1">
+                                  <a:latin typeface="Cambria Math" panose="02040503050406030204" pitchFamily="18" charset="0"/>
+                                </a:rPr>
+                                <m:t>𝑥</m:t>
+                              </m:r>
+                            </m:e>
+                          </m:acc>
+                        </m:e>
+                        <m:sub>
+                          <m:r>
+                            <a:rPr lang="de-DE" i="1">
+                              <a:latin typeface="Cambria Math" panose="02040503050406030204" pitchFamily="18" charset="0"/>
+                            </a:rPr>
+                            <m:t>𝑖</m:t>
+                          </m:r>
+                          <m:r>
+                            <a:rPr lang="de-DE" i="0">
+                              <a:latin typeface="Cambria Math" panose="02040503050406030204" pitchFamily="18" charset="0"/>
+                            </a:rPr>
+                            <m:t>+1</m:t>
+                          </m:r>
+                        </m:sub>
+                      </m:sSub>
+                      <m:r>
+                        <a:rPr lang="de-DE" i="0">
+                          <a:latin typeface="Cambria Math" panose="02040503050406030204" pitchFamily="18" charset="0"/>
+                        </a:rPr>
+                        <m:t>=</m:t>
+                      </m:r>
+                      <m:sSub>
+                        <m:sSubPr>
+                          <m:ctrlPr>
+                            <a:rPr lang="de-DE" i="1">
+                              <a:latin typeface="Cambria Math" panose="02040503050406030204" pitchFamily="18" charset="0"/>
+                            </a:rPr>
+                          </m:ctrlPr>
+                        </m:sSubPr>
+                        <m:e>
+                          <m:acc>
+                            <m:accPr>
+                              <m:chr m:val="⃗"/>
+                              <m:ctrlPr>
+                                <a:rPr lang="de-DE" i="1">
+                                  <a:latin typeface="Cambria Math" panose="02040503050406030204" pitchFamily="18" charset="0"/>
+                                </a:rPr>
+                              </m:ctrlPr>
+                            </m:accPr>
+                            <m:e>
+                              <m:r>
+                                <a:rPr lang="de-DE" i="1">
+                                  <a:latin typeface="Cambria Math" panose="02040503050406030204" pitchFamily="18" charset="0"/>
+                                </a:rPr>
+                                <m:t>𝑥</m:t>
+                              </m:r>
+                            </m:e>
+                          </m:acc>
+                        </m:e>
+                        <m:sub>
+                          <m:r>
+                            <a:rPr lang="de-DE" i="1">
+                              <a:latin typeface="Cambria Math" panose="02040503050406030204" pitchFamily="18" charset="0"/>
+                            </a:rPr>
+                            <m:t>𝑖</m:t>
+                          </m:r>
+                        </m:sub>
+                      </m:sSub>
+                      <m:r>
+                        <a:rPr lang="de-DE" i="0">
+                          <a:latin typeface="Cambria Math" panose="02040503050406030204" pitchFamily="18" charset="0"/>
+                        </a:rPr>
+                        <m:t>+</m:t>
+                      </m:r>
+                      <m:sSub>
+                        <m:sSubPr>
+                          <m:ctrlPr>
+                            <a:rPr lang="de-DE" i="1">
+                              <a:latin typeface="Cambria Math" panose="02040503050406030204" pitchFamily="18" charset="0"/>
+                            </a:rPr>
+                          </m:ctrlPr>
+                        </m:sSubPr>
+                        <m:e>
+                          <m:acc>
+                            <m:accPr>
+                              <m:chr m:val="⃗"/>
+                              <m:ctrlPr>
+                                <a:rPr lang="de-DE" i="1">
+                                  <a:latin typeface="Cambria Math" panose="02040503050406030204" pitchFamily="18" charset="0"/>
+                                </a:rPr>
+                              </m:ctrlPr>
+                            </m:accPr>
+                            <m:e>
+                              <m:r>
+                                <a:rPr lang="de-DE" i="1">
+                                  <a:latin typeface="Cambria Math" panose="02040503050406030204" pitchFamily="18" charset="0"/>
+                                </a:rPr>
+                                <m:t>𝑣</m:t>
+                              </m:r>
+                            </m:e>
+                          </m:acc>
+                        </m:e>
+                        <m:sub>
+                          <m:r>
+                            <a:rPr lang="de-DE" i="1">
+                              <a:latin typeface="Cambria Math" panose="02040503050406030204" pitchFamily="18" charset="0"/>
+                            </a:rPr>
+                            <m:t>𝑖</m:t>
+                          </m:r>
+                        </m:sub>
+                      </m:sSub>
+                      <m:r>
+                        <a:rPr lang="de-DE" i="0">
+                          <a:latin typeface="Cambria Math" panose="02040503050406030204" pitchFamily="18" charset="0"/>
+                        </a:rPr>
+                        <m:t>⋅</m:t>
+                      </m:r>
+                      <m:r>
+                        <m:rPr>
+                          <m:sty m:val="p"/>
+                        </m:rPr>
+                        <a:rPr lang="de-DE" i="0">
+                          <a:latin typeface="Cambria Math" panose="02040503050406030204" pitchFamily="18" charset="0"/>
+                        </a:rPr>
+                        <m:t>Δ</m:t>
+                      </m:r>
+                      <m:r>
+                        <a:rPr lang="de-DE" i="1">
+                          <a:latin typeface="Cambria Math" panose="02040503050406030204" pitchFamily="18" charset="0"/>
+                        </a:rPr>
+                        <m:t>𝑡</m:t>
+                      </m:r>
+                    </m:oMath>
+                  </m:oMathPara>
+                </a14:m>
+                <a:endParaRPr lang="de-DE" dirty="0"/>
+              </a:p>
+            </p:txBody>
+          </p:sp>
+        </mc:Choice>
+        <mc:Fallback xmlns="">
+          <p:sp>
+            <p:nvSpPr>
+              <p:cNvPr id="10" name="Textfeld 9">
+                <a:extLst>
+                  <a:ext uri="{FF2B5EF4-FFF2-40B4-BE49-F238E27FC236}">
+                    <a16:creationId xmlns:a16="http://schemas.microsoft.com/office/drawing/2014/main" id="{29A068FF-B407-4B83-A30B-93870E9BB5A9}"/>
+                  </a:ext>
+                </a:extLst>
+              </p:cNvPr>
+              <p:cNvSpPr txBox="1">
+                <a:spLocks noRot="1" noChangeAspect="1" noMove="1" noResize="1" noEditPoints="1" noAdjustHandles="1" noChangeArrowheads="1" noChangeShapeType="1" noTextEdit="1"/>
+              </p:cNvSpPr>
+              <p:nvPr/>
+            </p:nvSpPr>
+            <p:spPr>
+              <a:xfrm>
+                <a:off x="985421" y="3108584"/>
+                <a:ext cx="1841851" cy="276999"/>
+              </a:xfrm>
+              <a:prstGeom prst="rect">
+                <a:avLst/>
+              </a:prstGeom>
+              <a:blipFill>
+                <a:blip r:embed="rId2"/>
+                <a:stretch>
+                  <a:fillRect l="-2980" t="-48889" r="-1987" b="-17778"/>
+                </a:stretch>
+              </a:blipFill>
+            </p:spPr>
+            <p:txBody>
+              <a:bodyPr/>
+              <a:lstStyle/>
+              <a:p>
+                <a:r>
+                  <a:rPr lang="de-DE">
+                    <a:noFill/>
+                  </a:rPr>
+                  <a:t> </a:t>
+                </a:r>
+              </a:p>
+            </p:txBody>
+          </p:sp>
+        </mc:Fallback>
+      </mc:AlternateContent>
+      <mc:AlternateContent xmlns:mc="http://schemas.openxmlformats.org/markup-compatibility/2006" xmlns:a14="http://schemas.microsoft.com/office/drawing/2010/main">
+        <mc:Choice Requires="a14">
+          <p:sp>
+            <p:nvSpPr>
+              <p:cNvPr id="11" name="Textfeld 10">
+                <a:extLst>
+                  <a:ext uri="{FF2B5EF4-FFF2-40B4-BE49-F238E27FC236}">
+                    <a16:creationId xmlns:a16="http://schemas.microsoft.com/office/drawing/2014/main" id="{DDCF665D-FC42-4611-AFFD-3B458ED79415}"/>
+                  </a:ext>
+                </a:extLst>
+              </p:cNvPr>
+              <p:cNvSpPr txBox="1"/>
+              <p:nvPr/>
+            </p:nvSpPr>
+            <p:spPr>
+              <a:xfrm>
+                <a:off x="3249227" y="3094316"/>
+                <a:ext cx="1860061" cy="305533"/>
+              </a:xfrm>
+              <a:prstGeom prst="rect">
+                <a:avLst/>
+              </a:prstGeom>
+              <a:noFill/>
+            </p:spPr>
+            <p:txBody>
+              <a:bodyPr wrap="none" lIns="0" tIns="0" rIns="0" bIns="0" rtlCol="0">
+                <a:spAutoFit/>
+              </a:bodyPr>
+              <a:lstStyle/>
+              <a:p>
+                <a:pPr/>
+                <a14:m>
+                  <m:oMathPara xmlns:m="http://schemas.openxmlformats.org/officeDocument/2006/math">
+                    <m:oMathParaPr>
+                      <m:jc m:val="centerGroup"/>
+                    </m:oMathParaPr>
+                    <m:oMath xmlns:m="http://schemas.openxmlformats.org/officeDocument/2006/math">
+                      <m:sSub>
+                        <m:sSubPr>
+                          <m:ctrlPr>
+                            <a:rPr lang="de-DE" i="1" smtClean="0">
+                              <a:latin typeface="Cambria Math" panose="02040503050406030204" pitchFamily="18" charset="0"/>
+                            </a:rPr>
+                          </m:ctrlPr>
+                        </m:sSubPr>
+                        <m:e>
+                          <m:acc>
+                            <m:accPr>
+                              <m:chr m:val="⃗"/>
+                              <m:ctrlPr>
+                                <a:rPr lang="de-DE" i="1">
+                                  <a:latin typeface="Cambria Math" panose="02040503050406030204" pitchFamily="18" charset="0"/>
+                                </a:rPr>
+                              </m:ctrlPr>
+                            </m:accPr>
+                            <m:e>
+                              <m:sSub>
+                                <m:sSubPr>
+                                  <m:ctrlPr>
+                                    <a:rPr lang="de-DE" i="1">
+                                      <a:latin typeface="Cambria Math" panose="02040503050406030204" pitchFamily="18" charset="0"/>
+                                    </a:rPr>
+                                  </m:ctrlPr>
+                                </m:sSubPr>
+                                <m:e>
+                                  <m:r>
+                                    <a:rPr lang="de-DE" i="1">
+                                      <a:latin typeface="Cambria Math" panose="02040503050406030204" pitchFamily="18" charset="0"/>
+                                    </a:rPr>
+                                    <m:t>𝑣</m:t>
+                                  </m:r>
+                                </m:e>
+                                <m:sub>
+                                  <m:r>
+                                    <a:rPr lang="de-DE" i="1">
+                                      <a:latin typeface="Cambria Math" panose="02040503050406030204" pitchFamily="18" charset="0"/>
+                                    </a:rPr>
+                                    <m:t>𝑖</m:t>
+                                  </m:r>
+                                </m:sub>
+                              </m:sSub>
+                            </m:e>
+                          </m:acc>
+                        </m:e>
+                        <m:sub>
+                          <m:r>
+                            <a:rPr lang="de-DE" i="0">
+                              <a:latin typeface="Cambria Math" panose="02040503050406030204" pitchFamily="18" charset="0"/>
+                            </a:rPr>
+                            <m:t>+1</m:t>
+                          </m:r>
+                        </m:sub>
+                      </m:sSub>
+                      <m:r>
+                        <a:rPr lang="de-DE" i="0">
+                          <a:latin typeface="Cambria Math" panose="02040503050406030204" pitchFamily="18" charset="0"/>
+                        </a:rPr>
+                        <m:t>=</m:t>
+                      </m:r>
+                      <m:sSub>
+                        <m:sSubPr>
+                          <m:ctrlPr>
+                            <a:rPr lang="de-DE" i="1">
+                              <a:latin typeface="Cambria Math" panose="02040503050406030204" pitchFamily="18" charset="0"/>
+                            </a:rPr>
+                          </m:ctrlPr>
+                        </m:sSubPr>
+                        <m:e>
+                          <m:acc>
+                            <m:accPr>
+                              <m:chr m:val="⃗"/>
+                              <m:ctrlPr>
+                                <a:rPr lang="de-DE" i="1">
+                                  <a:latin typeface="Cambria Math" panose="02040503050406030204" pitchFamily="18" charset="0"/>
+                                </a:rPr>
+                              </m:ctrlPr>
+                            </m:accPr>
+                            <m:e>
+                              <m:r>
+                                <a:rPr lang="de-DE" i="1">
+                                  <a:latin typeface="Cambria Math" panose="02040503050406030204" pitchFamily="18" charset="0"/>
+                                </a:rPr>
+                                <m:t>𝑣</m:t>
+                              </m:r>
+                            </m:e>
+                          </m:acc>
+                        </m:e>
+                        <m:sub>
+                          <m:r>
+                            <a:rPr lang="de-DE" i="1">
+                              <a:latin typeface="Cambria Math" panose="02040503050406030204" pitchFamily="18" charset="0"/>
+                            </a:rPr>
+                            <m:t>𝑖</m:t>
+                          </m:r>
+                        </m:sub>
+                      </m:sSub>
+                      <m:r>
+                        <a:rPr lang="de-DE" i="0">
+                          <a:latin typeface="Cambria Math" panose="02040503050406030204" pitchFamily="18" charset="0"/>
+                        </a:rPr>
+                        <m:t>+</m:t>
+                      </m:r>
+                      <m:sSub>
+                        <m:sSubPr>
+                          <m:ctrlPr>
+                            <a:rPr lang="de-DE" i="1">
+                              <a:latin typeface="Cambria Math" panose="02040503050406030204" pitchFamily="18" charset="0"/>
+                            </a:rPr>
+                          </m:ctrlPr>
+                        </m:sSubPr>
+                        <m:e>
+                          <m:acc>
+                            <m:accPr>
+                              <m:chr m:val="⃗"/>
+                              <m:ctrlPr>
+                                <a:rPr lang="de-DE" i="1">
+                                  <a:latin typeface="Cambria Math" panose="02040503050406030204" pitchFamily="18" charset="0"/>
+                                </a:rPr>
+                              </m:ctrlPr>
+                            </m:accPr>
+                            <m:e>
+                              <m:r>
+                                <a:rPr lang="de-DE" i="1">
+                                  <a:latin typeface="Cambria Math" panose="02040503050406030204" pitchFamily="18" charset="0"/>
+                                </a:rPr>
+                                <m:t>𝑎</m:t>
+                              </m:r>
+                            </m:e>
+                          </m:acc>
+                        </m:e>
+                        <m:sub>
+                          <m:r>
+                            <a:rPr lang="de-DE" i="1">
+                              <a:latin typeface="Cambria Math" panose="02040503050406030204" pitchFamily="18" charset="0"/>
+                            </a:rPr>
+                            <m:t>𝑖</m:t>
+                          </m:r>
+                        </m:sub>
+                      </m:sSub>
+                      <m:r>
+                        <a:rPr lang="de-DE" i="0">
+                          <a:latin typeface="Cambria Math" panose="02040503050406030204" pitchFamily="18" charset="0"/>
+                        </a:rPr>
+                        <m:t>⋅</m:t>
+                      </m:r>
+                      <m:r>
+                        <m:rPr>
+                          <m:sty m:val="p"/>
+                        </m:rPr>
+                        <a:rPr lang="de-DE" i="0">
+                          <a:latin typeface="Cambria Math" panose="02040503050406030204" pitchFamily="18" charset="0"/>
+                        </a:rPr>
+                        <m:t>Δ</m:t>
+                      </m:r>
+                      <m:r>
+                        <a:rPr lang="de-DE" i="1">
+                          <a:latin typeface="Cambria Math" panose="02040503050406030204" pitchFamily="18" charset="0"/>
+                        </a:rPr>
+                        <m:t>𝑡</m:t>
+                      </m:r>
+                    </m:oMath>
+                  </m:oMathPara>
+                </a14:m>
+                <a:endParaRPr lang="de-DE" dirty="0"/>
+              </a:p>
+            </p:txBody>
+          </p:sp>
+        </mc:Choice>
+        <mc:Fallback xmlns="">
+          <p:sp>
+            <p:nvSpPr>
+              <p:cNvPr id="11" name="Textfeld 10">
+                <a:extLst>
+                  <a:ext uri="{FF2B5EF4-FFF2-40B4-BE49-F238E27FC236}">
+                    <a16:creationId xmlns:a16="http://schemas.microsoft.com/office/drawing/2014/main" id="{DDCF665D-FC42-4611-AFFD-3B458ED79415}"/>
+                  </a:ext>
+                </a:extLst>
+              </p:cNvPr>
+              <p:cNvSpPr txBox="1">
+                <a:spLocks noRot="1" noChangeAspect="1" noMove="1" noResize="1" noEditPoints="1" noAdjustHandles="1" noChangeArrowheads="1" noChangeShapeType="1" noTextEdit="1"/>
+              </p:cNvSpPr>
+              <p:nvPr/>
+            </p:nvSpPr>
+            <p:spPr>
+              <a:xfrm>
+                <a:off x="3249227" y="3094316"/>
+                <a:ext cx="1860061" cy="305533"/>
+              </a:xfrm>
+              <a:prstGeom prst="rect">
+                <a:avLst/>
+              </a:prstGeom>
+              <a:blipFill>
+                <a:blip r:embed="rId3"/>
+                <a:stretch>
+                  <a:fillRect l="-1311" t="-42000" r="-2295" b="-18000"/>
+                </a:stretch>
+              </a:blipFill>
+            </p:spPr>
+            <p:txBody>
+              <a:bodyPr/>
+              <a:lstStyle/>
+              <a:p>
+                <a:r>
+                  <a:rPr lang="de-DE">
+                    <a:noFill/>
+                  </a:rPr>
+                  <a:t> </a:t>
+                </a:r>
+              </a:p>
+            </p:txBody>
+          </p:sp>
+        </mc:Fallback>
+      </mc:AlternateContent>
+      <mc:AlternateContent xmlns:mc="http://schemas.openxmlformats.org/markup-compatibility/2006" xmlns:a14="http://schemas.microsoft.com/office/drawing/2010/main">
+        <mc:Choice Requires="a14">
+          <p:sp>
+            <p:nvSpPr>
+              <p:cNvPr id="12" name="Textfeld 11">
+                <a:extLst>
+                  <a:ext uri="{FF2B5EF4-FFF2-40B4-BE49-F238E27FC236}">
+                    <a16:creationId xmlns:a16="http://schemas.microsoft.com/office/drawing/2014/main" id="{38D6BF69-067D-47EA-B1C3-37032EA73EBE}"/>
+                  </a:ext>
+                </a:extLst>
+              </p:cNvPr>
+              <p:cNvSpPr txBox="1"/>
+              <p:nvPr/>
+            </p:nvSpPr>
+            <p:spPr>
+              <a:xfrm>
+                <a:off x="889243" y="2654423"/>
+                <a:ext cx="2246052" cy="369332"/>
+              </a:xfrm>
+              <a:prstGeom prst="rect">
+                <a:avLst/>
+              </a:prstGeom>
+              <a:noFill/>
+            </p:spPr>
+            <p:txBody>
+              <a:bodyPr wrap="square" rtlCol="0">
+                <a:spAutoFit/>
+              </a:bodyPr>
+              <a:lstStyle/>
+              <a:p>
+                <a:r>
+                  <a:rPr lang="de-DE" dirty="0"/>
+                  <a:t>Aktuelle Position </a:t>
+                </a:r>
+                <a14:m>
+                  <m:oMath xmlns:m="http://schemas.openxmlformats.org/officeDocument/2006/math">
+                    <m:sSub>
+                      <m:sSubPr>
+                        <m:ctrlPr>
+                          <a:rPr lang="de-DE" i="1" smtClean="0">
+                            <a:latin typeface="Cambria Math" panose="02040503050406030204" pitchFamily="18" charset="0"/>
+                          </a:rPr>
+                        </m:ctrlPr>
+                      </m:sSubPr>
+                      <m:e>
+                        <m:r>
+                          <a:rPr lang="de-DE" b="0" i="1" smtClean="0">
+                            <a:latin typeface="Cambria Math" panose="02040503050406030204" pitchFamily="18" charset="0"/>
+                          </a:rPr>
+                          <m:t>𝑥</m:t>
+                        </m:r>
+                      </m:e>
+                      <m:sub>
+                        <m:r>
+                          <a:rPr lang="de-DE" b="0" i="1" smtClean="0">
+                            <a:latin typeface="Cambria Math" panose="02040503050406030204" pitchFamily="18" charset="0"/>
+                          </a:rPr>
+                          <m:t>𝑖</m:t>
+                        </m:r>
+                      </m:sub>
+                    </m:sSub>
+                  </m:oMath>
+                </a14:m>
+                <a:endParaRPr lang="de-DE" dirty="0"/>
+              </a:p>
+            </p:txBody>
+          </p:sp>
+        </mc:Choice>
+        <mc:Fallback xmlns="">
+          <p:sp>
+            <p:nvSpPr>
+              <p:cNvPr id="12" name="Textfeld 11">
+                <a:extLst>
+                  <a:ext uri="{FF2B5EF4-FFF2-40B4-BE49-F238E27FC236}">
+                    <a16:creationId xmlns:a16="http://schemas.microsoft.com/office/drawing/2014/main" id="{38D6BF69-067D-47EA-B1C3-37032EA73EBE}"/>
+                  </a:ext>
+                </a:extLst>
+              </p:cNvPr>
+              <p:cNvSpPr txBox="1">
+                <a:spLocks noRot="1" noChangeAspect="1" noMove="1" noResize="1" noEditPoints="1" noAdjustHandles="1" noChangeArrowheads="1" noChangeShapeType="1" noTextEdit="1"/>
+              </p:cNvSpPr>
+              <p:nvPr/>
+            </p:nvSpPr>
+            <p:spPr>
+              <a:xfrm>
+                <a:off x="889243" y="2654423"/>
+                <a:ext cx="2246052" cy="369332"/>
+              </a:xfrm>
+              <a:prstGeom prst="rect">
+                <a:avLst/>
+              </a:prstGeom>
+              <a:blipFill>
+                <a:blip r:embed="rId4"/>
+                <a:stretch>
+                  <a:fillRect l="-2446" t="-8197" b="-24590"/>
+                </a:stretch>
+              </a:blipFill>
+            </p:spPr>
+            <p:txBody>
+              <a:bodyPr/>
+              <a:lstStyle/>
+              <a:p>
+                <a:r>
+                  <a:rPr lang="de-DE">
+                    <a:noFill/>
+                  </a:rPr>
+                  <a:t> </a:t>
+                </a:r>
+              </a:p>
+            </p:txBody>
+          </p:sp>
+        </mc:Fallback>
+      </mc:AlternateContent>
+      <mc:AlternateContent xmlns:mc="http://schemas.openxmlformats.org/markup-compatibility/2006" xmlns:a14="http://schemas.microsoft.com/office/drawing/2010/main">
+        <mc:Choice Requires="a14">
+          <p:sp>
+            <p:nvSpPr>
+              <p:cNvPr id="13" name="Textfeld 12">
+                <a:extLst>
+                  <a:ext uri="{FF2B5EF4-FFF2-40B4-BE49-F238E27FC236}">
+                    <a16:creationId xmlns:a16="http://schemas.microsoft.com/office/drawing/2014/main" id="{43B105A8-F268-4473-A4BC-CA19D53F44B7}"/>
+                  </a:ext>
+                </a:extLst>
+              </p:cNvPr>
+              <p:cNvSpPr txBox="1"/>
+              <p:nvPr/>
+            </p:nvSpPr>
+            <p:spPr>
+              <a:xfrm>
+                <a:off x="3135295" y="2654423"/>
+                <a:ext cx="2821621" cy="369332"/>
+              </a:xfrm>
+              <a:prstGeom prst="rect">
+                <a:avLst/>
+              </a:prstGeom>
+              <a:noFill/>
+            </p:spPr>
+            <p:txBody>
+              <a:bodyPr wrap="square" rtlCol="0">
+                <a:spAutoFit/>
+              </a:bodyPr>
+              <a:lstStyle/>
+              <a:p>
+                <a:r>
+                  <a:rPr lang="de-DE" dirty="0"/>
+                  <a:t>Aktuelle Geschwindigkeit </a:t>
+                </a:r>
+                <a14:m>
+                  <m:oMath xmlns:m="http://schemas.openxmlformats.org/officeDocument/2006/math">
+                    <m:sSub>
+                      <m:sSubPr>
+                        <m:ctrlPr>
+                          <a:rPr lang="de-DE" i="1" smtClean="0">
+                            <a:latin typeface="Cambria Math" panose="02040503050406030204" pitchFamily="18" charset="0"/>
+                          </a:rPr>
+                        </m:ctrlPr>
+                      </m:sSubPr>
+                      <m:e>
+                        <m:r>
+                          <a:rPr lang="de-DE" b="0" i="1" smtClean="0">
+                            <a:latin typeface="Cambria Math" panose="02040503050406030204" pitchFamily="18" charset="0"/>
+                          </a:rPr>
+                          <m:t>𝑣</m:t>
+                        </m:r>
+                      </m:e>
+                      <m:sub>
+                        <m:r>
+                          <a:rPr lang="de-DE" b="0" i="1" smtClean="0">
+                            <a:latin typeface="Cambria Math" panose="02040503050406030204" pitchFamily="18" charset="0"/>
+                          </a:rPr>
+                          <m:t>𝑖</m:t>
+                        </m:r>
+                      </m:sub>
+                    </m:sSub>
+                  </m:oMath>
+                </a14:m>
+                <a:endParaRPr lang="de-DE" dirty="0"/>
+              </a:p>
+            </p:txBody>
+          </p:sp>
+        </mc:Choice>
+        <mc:Fallback xmlns="">
+          <p:sp>
+            <p:nvSpPr>
+              <p:cNvPr id="13" name="Textfeld 12">
+                <a:extLst>
+                  <a:ext uri="{FF2B5EF4-FFF2-40B4-BE49-F238E27FC236}">
+                    <a16:creationId xmlns:a16="http://schemas.microsoft.com/office/drawing/2014/main" id="{43B105A8-F268-4473-A4BC-CA19D53F44B7}"/>
+                  </a:ext>
+                </a:extLst>
+              </p:cNvPr>
+              <p:cNvSpPr txBox="1">
+                <a:spLocks noRot="1" noChangeAspect="1" noMove="1" noResize="1" noEditPoints="1" noAdjustHandles="1" noChangeArrowheads="1" noChangeShapeType="1" noTextEdit="1"/>
+              </p:cNvSpPr>
+              <p:nvPr/>
+            </p:nvSpPr>
+            <p:spPr>
+              <a:xfrm>
+                <a:off x="3135295" y="2654423"/>
+                <a:ext cx="2821621" cy="369332"/>
+              </a:xfrm>
+              <a:prstGeom prst="rect">
+                <a:avLst/>
+              </a:prstGeom>
+              <a:blipFill>
+                <a:blip r:embed="rId5"/>
+                <a:stretch>
+                  <a:fillRect l="-1728" t="-8197" b="-24590"/>
+                </a:stretch>
+              </a:blipFill>
+            </p:spPr>
+            <p:txBody>
+              <a:bodyPr/>
+              <a:lstStyle/>
+              <a:p>
+                <a:r>
+                  <a:rPr lang="de-DE">
+                    <a:noFill/>
+                  </a:rPr>
+                  <a:t> </a:t>
+                </a:r>
+              </a:p>
+            </p:txBody>
+          </p:sp>
+        </mc:Fallback>
+      </mc:AlternateContent>
+      <p:sp>
+        <p:nvSpPr>
+          <p:cNvPr id="14" name="Bogen 13">
+            <a:extLst>
+              <a:ext uri="{FF2B5EF4-FFF2-40B4-BE49-F238E27FC236}">
+                <a16:creationId xmlns:a16="http://schemas.microsoft.com/office/drawing/2014/main" id="{EF6EDD51-E49B-4A4D-B9C0-CB89E7DFE513}"/>
+              </a:ext>
+            </a:extLst>
+          </p:cNvPr>
+          <p:cNvSpPr/>
+          <p:nvPr/>
+        </p:nvSpPr>
+        <p:spPr>
+          <a:xfrm rot="20462758">
+            <a:off x="1642368" y="4396341"/>
+            <a:ext cx="6338657" cy="2012040"/>
+          </a:xfrm>
+          <a:prstGeom prst="arc">
+            <a:avLst>
+              <a:gd name="adj1" fmla="val 11600532"/>
+              <a:gd name="adj2" fmla="val 21238932"/>
+            </a:avLst>
+          </a:prstGeom>
+        </p:spPr>
+        <p:style>
+          <a:lnRef idx="1">
+            <a:schemeClr val="accent1"/>
+          </a:lnRef>
+          <a:fillRef idx="0">
+            <a:schemeClr val="accent1"/>
+          </a:fillRef>
+          <a:effectRef idx="0">
+            <a:schemeClr val="accent1"/>
+          </a:effectRef>
+          <a:fontRef idx="minor">
+            <a:schemeClr val="tx1"/>
+          </a:fontRef>
+        </p:style>
+        <p:txBody>
+          <a:bodyPr rtlCol="0" anchor="ctr"/>
+          <a:lstStyle/>
+          <a:p>
+            <a:pPr algn="ctr"/>
+            <a:endParaRPr lang="de-DE"/>
+          </a:p>
+        </p:txBody>
+      </p:sp>
+      <p:sp>
+        <p:nvSpPr>
+          <p:cNvPr id="15" name="Ellipse 14">
+            <a:extLst>
+              <a:ext uri="{FF2B5EF4-FFF2-40B4-BE49-F238E27FC236}">
+                <a16:creationId xmlns:a16="http://schemas.microsoft.com/office/drawing/2014/main" id="{EB25B2BA-3307-492B-972F-54618826E102}"/>
+              </a:ext>
+            </a:extLst>
+          </p:cNvPr>
+          <p:cNvSpPr/>
+          <p:nvPr/>
+        </p:nvSpPr>
+        <p:spPr>
+          <a:xfrm>
+            <a:off x="2254928" y="5521911"/>
+            <a:ext cx="124288" cy="115409"/>
+          </a:xfrm>
+          <a:prstGeom prst="ellipse">
+            <a:avLst/>
+          </a:prstGeom>
+        </p:spPr>
+        <p:style>
+          <a:lnRef idx="2">
+            <a:schemeClr val="dk1">
+              <a:shade val="50000"/>
+            </a:schemeClr>
+          </a:lnRef>
+          <a:fillRef idx="1">
+            <a:schemeClr val="dk1"/>
+          </a:fillRef>
+          <a:effectRef idx="0">
+            <a:schemeClr val="dk1"/>
+          </a:effectRef>
+          <a:fontRef idx="minor">
+            <a:schemeClr val="lt1"/>
+          </a:fontRef>
+        </p:style>
+        <p:txBody>
+          <a:bodyPr rtlCol="0" anchor="ctr"/>
+          <a:lstStyle/>
+          <a:p>
+            <a:pPr algn="ctr"/>
+            <a:endParaRPr lang="de-DE"/>
+          </a:p>
+        </p:txBody>
+      </p:sp>
+      <mc:AlternateContent xmlns:mc="http://schemas.openxmlformats.org/markup-compatibility/2006" xmlns:a14="http://schemas.microsoft.com/office/drawing/2010/main">
+        <mc:Choice Requires="a14">
+          <p:sp>
+            <p:nvSpPr>
+              <p:cNvPr id="16" name="Textfeld 15">
+                <a:extLst>
+                  <a:ext uri="{FF2B5EF4-FFF2-40B4-BE49-F238E27FC236}">
+                    <a16:creationId xmlns:a16="http://schemas.microsoft.com/office/drawing/2014/main" id="{D232E09C-C5CE-425A-A76F-922051689FA0}"/>
+                  </a:ext>
+                </a:extLst>
+              </p:cNvPr>
+              <p:cNvSpPr txBox="1"/>
+              <p:nvPr/>
+            </p:nvSpPr>
+            <p:spPr>
+              <a:xfrm>
+                <a:off x="2339532" y="5406502"/>
+                <a:ext cx="306014" cy="369332"/>
+              </a:xfrm>
+              <a:prstGeom prst="rect">
+                <a:avLst/>
+              </a:prstGeom>
+              <a:noFill/>
+            </p:spPr>
+            <p:txBody>
+              <a:bodyPr wrap="square" rtlCol="0">
+                <a:spAutoFit/>
+              </a:bodyPr>
+              <a:lstStyle/>
+              <a:p>
+                <a:pPr/>
+                <a14:m>
+                  <m:oMathPara xmlns:m="http://schemas.openxmlformats.org/officeDocument/2006/math">
+                    <m:oMathParaPr>
+                      <m:jc m:val="centerGroup"/>
+                    </m:oMathParaPr>
+                    <m:oMath xmlns:m="http://schemas.openxmlformats.org/officeDocument/2006/math">
+                      <m:sSub>
+                        <m:sSubPr>
+                          <m:ctrlPr>
+                            <a:rPr lang="de-DE" i="1" smtClean="0">
+                              <a:latin typeface="Cambria Math" panose="02040503050406030204" pitchFamily="18" charset="0"/>
+                            </a:rPr>
+                          </m:ctrlPr>
+                        </m:sSubPr>
+                        <m:e>
+                          <m:r>
+                            <a:rPr lang="de-DE" b="0" i="1" smtClean="0">
+                              <a:latin typeface="Cambria Math" panose="02040503050406030204" pitchFamily="18" charset="0"/>
+                            </a:rPr>
+                            <m:t>𝑥</m:t>
+                          </m:r>
+                        </m:e>
+                        <m:sub>
+                          <m:r>
+                            <a:rPr lang="de-DE" b="0" i="1" smtClean="0">
+                              <a:latin typeface="Cambria Math" panose="02040503050406030204" pitchFamily="18" charset="0"/>
+                            </a:rPr>
+                            <m:t>𝑖</m:t>
+                          </m:r>
+                        </m:sub>
+                      </m:sSub>
+                    </m:oMath>
+                  </m:oMathPara>
+                </a14:m>
+                <a:endParaRPr lang="de-DE" dirty="0"/>
+              </a:p>
+            </p:txBody>
+          </p:sp>
+        </mc:Choice>
+        <mc:Fallback xmlns="">
+          <p:sp>
+            <p:nvSpPr>
+              <p:cNvPr id="16" name="Textfeld 15">
+                <a:extLst>
+                  <a:ext uri="{FF2B5EF4-FFF2-40B4-BE49-F238E27FC236}">
+                    <a16:creationId xmlns:a16="http://schemas.microsoft.com/office/drawing/2014/main" id="{D232E09C-C5CE-425A-A76F-922051689FA0}"/>
+                  </a:ext>
+                </a:extLst>
+              </p:cNvPr>
+              <p:cNvSpPr txBox="1">
+                <a:spLocks noRot="1" noChangeAspect="1" noMove="1" noResize="1" noEditPoints="1" noAdjustHandles="1" noChangeArrowheads="1" noChangeShapeType="1" noTextEdit="1"/>
+              </p:cNvSpPr>
+              <p:nvPr/>
+            </p:nvSpPr>
+            <p:spPr>
+              <a:xfrm>
+                <a:off x="2339532" y="5406502"/>
+                <a:ext cx="306014" cy="369332"/>
+              </a:xfrm>
+              <a:prstGeom prst="rect">
+                <a:avLst/>
+              </a:prstGeom>
+              <a:blipFill>
+                <a:blip r:embed="rId6"/>
+                <a:stretch>
+                  <a:fillRect r="-10000" b="-1667"/>
+                </a:stretch>
+              </a:blipFill>
+            </p:spPr>
+            <p:txBody>
+              <a:bodyPr/>
+              <a:lstStyle/>
+              <a:p>
+                <a:r>
+                  <a:rPr lang="de-DE">
+                    <a:noFill/>
+                  </a:rPr>
+                  <a:t> </a:t>
+                </a:r>
+              </a:p>
+            </p:txBody>
+          </p:sp>
+        </mc:Fallback>
+      </mc:AlternateContent>
+      <p:cxnSp>
+        <p:nvCxnSpPr>
+          <p:cNvPr id="18" name="Gerade Verbindung mit Pfeil 17">
+            <a:extLst>
+              <a:ext uri="{FF2B5EF4-FFF2-40B4-BE49-F238E27FC236}">
+                <a16:creationId xmlns:a16="http://schemas.microsoft.com/office/drawing/2014/main" id="{8090EB2F-186B-4A6A-BFA1-ECAE77B5909A}"/>
+              </a:ext>
+            </a:extLst>
+          </p:cNvPr>
+          <p:cNvCxnSpPr>
+            <a:cxnSpLocks/>
+            <a:stCxn id="15" idx="7"/>
+          </p:cNvCxnSpPr>
+          <p:nvPr/>
+        </p:nvCxnSpPr>
+        <p:spPr>
+          <a:xfrm flipV="1">
+            <a:off x="2361014" y="4423185"/>
+            <a:ext cx="1366867" cy="1115627"/>
+          </a:xfrm>
+          <a:prstGeom prst="straightConnector1">
+            <a:avLst/>
+          </a:prstGeom>
+          <a:ln>
+            <a:tailEnd type="triangle"/>
+          </a:ln>
+        </p:spPr>
+        <p:style>
+          <a:lnRef idx="3">
+            <a:schemeClr val="accent6"/>
+          </a:lnRef>
+          <a:fillRef idx="0">
+            <a:schemeClr val="accent6"/>
+          </a:fillRef>
+          <a:effectRef idx="2">
+            <a:schemeClr val="accent6"/>
+          </a:effectRef>
+          <a:fontRef idx="minor">
+            <a:schemeClr val="tx1"/>
+          </a:fontRef>
+        </p:style>
+      </p:cxnSp>
+      <mc:AlternateContent xmlns:mc="http://schemas.openxmlformats.org/markup-compatibility/2006" xmlns:a14="http://schemas.microsoft.com/office/drawing/2010/main">
+        <mc:Choice Requires="a14">
+          <p:sp>
+            <p:nvSpPr>
+              <p:cNvPr id="23" name="Textfeld 22">
+                <a:extLst>
+                  <a:ext uri="{FF2B5EF4-FFF2-40B4-BE49-F238E27FC236}">
+                    <a16:creationId xmlns:a16="http://schemas.microsoft.com/office/drawing/2014/main" id="{A41B79FF-134D-4377-AC76-4F014562C7B5}"/>
+                  </a:ext>
+                </a:extLst>
+              </p:cNvPr>
+              <p:cNvSpPr txBox="1"/>
+              <p:nvPr/>
+            </p:nvSpPr>
+            <p:spPr>
+              <a:xfrm rot="19258147">
+                <a:off x="2600011" y="4630753"/>
+                <a:ext cx="790112" cy="369332"/>
+              </a:xfrm>
+              <a:prstGeom prst="rect">
+                <a:avLst/>
+              </a:prstGeom>
+              <a:noFill/>
+            </p:spPr>
+            <p:txBody>
+              <a:bodyPr wrap="square" rtlCol="0">
+                <a:spAutoFit/>
+              </a:bodyPr>
+              <a:lstStyle/>
+              <a:p>
+                <a:pPr/>
+                <a14:m>
+                  <m:oMathPara xmlns:m="http://schemas.openxmlformats.org/officeDocument/2006/math">
+                    <m:oMathParaPr>
+                      <m:jc m:val="centerGroup"/>
+                    </m:oMathParaPr>
+                    <m:oMath xmlns:m="http://schemas.openxmlformats.org/officeDocument/2006/math">
+                      <m:acc>
+                        <m:accPr>
+                          <m:chr m:val="⃗"/>
+                          <m:ctrlPr>
+                            <a:rPr lang="de-DE" i="1" smtClean="0">
+                              <a:latin typeface="Cambria Math" panose="02040503050406030204" pitchFamily="18" charset="0"/>
+                            </a:rPr>
+                          </m:ctrlPr>
+                        </m:accPr>
+                        <m:e>
+                          <m:sSub>
+                            <m:sSubPr>
+                              <m:ctrlPr>
+                                <a:rPr lang="de-DE" i="1" smtClean="0">
+                                  <a:latin typeface="Cambria Math" panose="02040503050406030204" pitchFamily="18" charset="0"/>
+                                </a:rPr>
+                              </m:ctrlPr>
+                            </m:sSubPr>
+                            <m:e>
+                              <m:r>
+                                <a:rPr lang="de-DE" i="1" smtClean="0">
+                                  <a:latin typeface="Cambria Math" panose="02040503050406030204" pitchFamily="18" charset="0"/>
+                                </a:rPr>
+                                <m:t>𝑣</m:t>
+                              </m:r>
+                            </m:e>
+                            <m:sub>
+                              <m:r>
+                                <a:rPr lang="de-DE" i="1" smtClean="0">
+                                  <a:latin typeface="Cambria Math" panose="02040503050406030204" pitchFamily="18" charset="0"/>
+                                </a:rPr>
+                                <m:t>𝑖</m:t>
+                              </m:r>
+                            </m:sub>
+                          </m:sSub>
+                        </m:e>
+                      </m:acc>
+                      <m:r>
+                        <a:rPr lang="de-DE" i="1" smtClean="0">
+                          <a:latin typeface="Cambria Math" panose="02040503050406030204" pitchFamily="18" charset="0"/>
+                        </a:rPr>
+                        <m:t>⋅</m:t>
+                      </m:r>
+                      <m:r>
+                        <m:rPr>
+                          <m:sty m:val="p"/>
+                        </m:rPr>
+                        <a:rPr lang="de-DE" i="1" smtClean="0">
+                          <a:latin typeface="Cambria Math" panose="02040503050406030204" pitchFamily="18" charset="0"/>
+                        </a:rPr>
+                        <m:t>Δ</m:t>
+                      </m:r>
+                      <m:r>
+                        <a:rPr lang="de-DE" i="1" smtClean="0">
+                          <a:latin typeface="Cambria Math" panose="02040503050406030204" pitchFamily="18" charset="0"/>
+                        </a:rPr>
+                        <m:t>𝑡</m:t>
+                      </m:r>
+                    </m:oMath>
+                  </m:oMathPara>
+                </a14:m>
+                <a:endParaRPr lang="de-DE" dirty="0"/>
+              </a:p>
+            </p:txBody>
+          </p:sp>
+        </mc:Choice>
+        <mc:Fallback xmlns="">
+          <p:sp>
+            <p:nvSpPr>
+              <p:cNvPr id="23" name="Textfeld 22">
+                <a:extLst>
+                  <a:ext uri="{FF2B5EF4-FFF2-40B4-BE49-F238E27FC236}">
+                    <a16:creationId xmlns:a16="http://schemas.microsoft.com/office/drawing/2014/main" id="{A41B79FF-134D-4377-AC76-4F014562C7B5}"/>
+                  </a:ext>
+                </a:extLst>
+              </p:cNvPr>
+              <p:cNvSpPr txBox="1">
+                <a:spLocks noRot="1" noChangeAspect="1" noMove="1" noResize="1" noEditPoints="1" noAdjustHandles="1" noChangeArrowheads="1" noChangeShapeType="1" noTextEdit="1"/>
+              </p:cNvSpPr>
+              <p:nvPr/>
+            </p:nvSpPr>
+            <p:spPr>
+              <a:xfrm rot="19258147">
+                <a:off x="2600011" y="4630753"/>
+                <a:ext cx="790112" cy="369332"/>
+              </a:xfrm>
+              <a:prstGeom prst="rect">
+                <a:avLst/>
+              </a:prstGeom>
+              <a:blipFill>
+                <a:blip r:embed="rId7"/>
+                <a:stretch>
+                  <a:fillRect/>
+                </a:stretch>
+              </a:blipFill>
+            </p:spPr>
+            <p:txBody>
+              <a:bodyPr/>
+              <a:lstStyle/>
+              <a:p>
+                <a:r>
+                  <a:rPr lang="de-DE">
+                    <a:noFill/>
+                  </a:rPr>
+                  <a:t> </a:t>
+                </a:r>
+              </a:p>
+            </p:txBody>
+          </p:sp>
+        </mc:Fallback>
+      </mc:AlternateContent>
+      <mc:AlternateContent xmlns:mc="http://schemas.openxmlformats.org/markup-compatibility/2006" xmlns:a14="http://schemas.microsoft.com/office/drawing/2010/main">
+        <mc:Choice Requires="a14">
+          <p:sp>
+            <p:nvSpPr>
+              <p:cNvPr id="25" name="Textfeld 24">
+                <a:extLst>
+                  <a:ext uri="{FF2B5EF4-FFF2-40B4-BE49-F238E27FC236}">
+                    <a16:creationId xmlns:a16="http://schemas.microsoft.com/office/drawing/2014/main" id="{97C79F3C-F1FD-486C-976B-BAADCF5AB4D8}"/>
+                  </a:ext>
+                </a:extLst>
+              </p:cNvPr>
+              <p:cNvSpPr txBox="1"/>
+              <p:nvPr/>
+            </p:nvSpPr>
+            <p:spPr>
+              <a:xfrm>
+                <a:off x="3596356" y="4327960"/>
+                <a:ext cx="306014" cy="369332"/>
+              </a:xfrm>
+              <a:prstGeom prst="rect">
+                <a:avLst/>
+              </a:prstGeom>
+              <a:noFill/>
+            </p:spPr>
+            <p:txBody>
+              <a:bodyPr wrap="square" rtlCol="0">
+                <a:spAutoFit/>
+              </a:bodyPr>
+              <a:lstStyle/>
+              <a:p>
+                <a:pPr/>
+                <a14:m>
+                  <m:oMathPara xmlns:m="http://schemas.openxmlformats.org/officeDocument/2006/math">
+                    <m:oMathParaPr>
+                      <m:jc m:val="centerGroup"/>
+                    </m:oMathParaPr>
+                    <m:oMath xmlns:m="http://schemas.openxmlformats.org/officeDocument/2006/math">
+                      <m:sSub>
+                        <m:sSubPr>
+                          <m:ctrlPr>
+                            <a:rPr lang="de-DE" i="1" smtClean="0">
+                              <a:latin typeface="Cambria Math" panose="02040503050406030204" pitchFamily="18" charset="0"/>
+                            </a:rPr>
+                          </m:ctrlPr>
+                        </m:sSubPr>
+                        <m:e>
+                          <m:r>
+                            <a:rPr lang="de-DE" b="0" i="1" smtClean="0">
+                              <a:latin typeface="Cambria Math" panose="02040503050406030204" pitchFamily="18" charset="0"/>
+                            </a:rPr>
+                            <m:t>𝑥</m:t>
+                          </m:r>
+                        </m:e>
+                        <m:sub>
+                          <m:r>
+                            <a:rPr lang="de-DE" b="0" i="1" smtClean="0">
+                              <a:latin typeface="Cambria Math" panose="02040503050406030204" pitchFamily="18" charset="0"/>
+                            </a:rPr>
+                            <m:t>𝑖</m:t>
+                          </m:r>
+                          <m:r>
+                            <a:rPr lang="de-DE" b="0" i="1" smtClean="0">
+                              <a:latin typeface="Cambria Math" panose="02040503050406030204" pitchFamily="18" charset="0"/>
+                            </a:rPr>
+                            <m:t>+1</m:t>
+                          </m:r>
+                        </m:sub>
+                      </m:sSub>
+                    </m:oMath>
+                  </m:oMathPara>
+                </a14:m>
+                <a:endParaRPr lang="de-DE" dirty="0"/>
+              </a:p>
+            </p:txBody>
+          </p:sp>
+        </mc:Choice>
+        <mc:Fallback xmlns="">
+          <p:sp>
+            <p:nvSpPr>
+              <p:cNvPr id="25" name="Textfeld 24">
+                <a:extLst>
+                  <a:ext uri="{FF2B5EF4-FFF2-40B4-BE49-F238E27FC236}">
+                    <a16:creationId xmlns:a16="http://schemas.microsoft.com/office/drawing/2014/main" id="{97C79F3C-F1FD-486C-976B-BAADCF5AB4D8}"/>
+                  </a:ext>
+                </a:extLst>
+              </p:cNvPr>
+              <p:cNvSpPr txBox="1">
+                <a:spLocks noRot="1" noChangeAspect="1" noMove="1" noResize="1" noEditPoints="1" noAdjustHandles="1" noChangeArrowheads="1" noChangeShapeType="1" noTextEdit="1"/>
+              </p:cNvSpPr>
+              <p:nvPr/>
+            </p:nvSpPr>
+            <p:spPr>
+              <a:xfrm>
+                <a:off x="3596356" y="4327960"/>
+                <a:ext cx="306014" cy="369332"/>
+              </a:xfrm>
+              <a:prstGeom prst="rect">
+                <a:avLst/>
+              </a:prstGeom>
+              <a:blipFill>
+                <a:blip r:embed="rId8"/>
+                <a:stretch>
+                  <a:fillRect r="-80000"/>
+                </a:stretch>
+              </a:blipFill>
+            </p:spPr>
+            <p:txBody>
+              <a:bodyPr/>
+              <a:lstStyle/>
+              <a:p>
+                <a:r>
+                  <a:rPr lang="de-DE">
+                    <a:noFill/>
+                  </a:rPr>
+                  <a:t> </a:t>
+                </a:r>
+              </a:p>
+            </p:txBody>
+          </p:sp>
+        </mc:Fallback>
+      </mc:AlternateContent>
+      <p:sp>
+        <p:nvSpPr>
+          <p:cNvPr id="26" name="Ellipse 25">
+            <a:extLst>
+              <a:ext uri="{FF2B5EF4-FFF2-40B4-BE49-F238E27FC236}">
+                <a16:creationId xmlns:a16="http://schemas.microsoft.com/office/drawing/2014/main" id="{E0D43BD3-5BB8-4980-85CC-7127562B8DEE}"/>
+              </a:ext>
+            </a:extLst>
+          </p:cNvPr>
+          <p:cNvSpPr/>
+          <p:nvPr/>
+        </p:nvSpPr>
+        <p:spPr>
+          <a:xfrm>
+            <a:off x="3692867" y="4324677"/>
+            <a:ext cx="124288" cy="115409"/>
+          </a:xfrm>
+          <a:prstGeom prst="ellipse">
+            <a:avLst/>
+          </a:prstGeom>
+        </p:spPr>
+        <p:style>
+          <a:lnRef idx="2">
+            <a:schemeClr val="accent2">
+              <a:shade val="50000"/>
+            </a:schemeClr>
+          </a:lnRef>
+          <a:fillRef idx="1">
+            <a:schemeClr val="accent2"/>
+          </a:fillRef>
+          <a:effectRef idx="0">
+            <a:schemeClr val="accent2"/>
+          </a:effectRef>
+          <a:fontRef idx="minor">
+            <a:schemeClr val="lt1"/>
+          </a:fontRef>
+        </p:style>
+        <p:txBody>
+          <a:bodyPr rtlCol="0" anchor="ctr"/>
+          <a:lstStyle/>
+          <a:p>
+            <a:pPr algn="ctr"/>
+            <a:endParaRPr lang="de-DE"/>
+          </a:p>
+        </p:txBody>
+      </p:sp>
+      <p:sp>
+        <p:nvSpPr>
+          <p:cNvPr id="29" name="Ellipse 28">
+            <a:extLst>
+              <a:ext uri="{FF2B5EF4-FFF2-40B4-BE49-F238E27FC236}">
+                <a16:creationId xmlns:a16="http://schemas.microsoft.com/office/drawing/2014/main" id="{18A015F3-88A5-4BA7-9C05-0B3ABD075B92}"/>
+              </a:ext>
+            </a:extLst>
+          </p:cNvPr>
+          <p:cNvSpPr/>
+          <p:nvPr/>
+        </p:nvSpPr>
+        <p:spPr>
+          <a:xfrm>
+            <a:off x="5424687" y="3612160"/>
+            <a:ext cx="124288" cy="115409"/>
+          </a:xfrm>
+          <a:prstGeom prst="ellipse">
+            <a:avLst/>
+          </a:prstGeom>
+        </p:spPr>
+        <p:style>
+          <a:lnRef idx="2">
+            <a:schemeClr val="accent3">
+              <a:shade val="50000"/>
+            </a:schemeClr>
+          </a:lnRef>
+          <a:fillRef idx="1">
+            <a:schemeClr val="accent3"/>
+          </a:fillRef>
+          <a:effectRef idx="0">
+            <a:schemeClr val="accent3"/>
+          </a:effectRef>
+          <a:fontRef idx="minor">
+            <a:schemeClr val="lt1"/>
+          </a:fontRef>
+        </p:style>
+        <p:txBody>
+          <a:bodyPr rtlCol="0" anchor="ctr"/>
+          <a:lstStyle/>
+          <a:p>
+            <a:pPr algn="ctr"/>
+            <a:endParaRPr lang="de-DE"/>
+          </a:p>
+        </p:txBody>
+      </p:sp>
+      <mc:AlternateContent xmlns:mc="http://schemas.openxmlformats.org/markup-compatibility/2006" xmlns:a14="http://schemas.microsoft.com/office/drawing/2010/main">
+        <mc:Choice Requires="a14">
+          <p:sp>
+            <p:nvSpPr>
+              <p:cNvPr id="30" name="Textfeld 29">
+                <a:extLst>
+                  <a:ext uri="{FF2B5EF4-FFF2-40B4-BE49-F238E27FC236}">
+                    <a16:creationId xmlns:a16="http://schemas.microsoft.com/office/drawing/2014/main" id="{F916E6E3-4169-4D92-8E6E-60B806F89DA9}"/>
+                  </a:ext>
+                </a:extLst>
+              </p:cNvPr>
+              <p:cNvSpPr txBox="1"/>
+              <p:nvPr/>
+            </p:nvSpPr>
+            <p:spPr>
+              <a:xfrm>
+                <a:off x="5242961" y="3624580"/>
+                <a:ext cx="306014" cy="369332"/>
+              </a:xfrm>
+              <a:prstGeom prst="rect">
+                <a:avLst/>
+              </a:prstGeom>
+              <a:noFill/>
+            </p:spPr>
+            <p:txBody>
+              <a:bodyPr wrap="square" rtlCol="0">
+                <a:spAutoFit/>
+              </a:bodyPr>
+              <a:lstStyle/>
+              <a:p>
+                <a:pPr/>
+                <a14:m>
+                  <m:oMathPara xmlns:m="http://schemas.openxmlformats.org/officeDocument/2006/math">
+                    <m:oMathParaPr>
+                      <m:jc m:val="centerGroup"/>
+                    </m:oMathParaPr>
+                    <m:oMath xmlns:m="http://schemas.openxmlformats.org/officeDocument/2006/math">
+                      <m:sSub>
+                        <m:sSubPr>
+                          <m:ctrlPr>
+                            <a:rPr lang="de-DE" i="1" smtClean="0">
+                              <a:latin typeface="Cambria Math" panose="02040503050406030204" pitchFamily="18" charset="0"/>
+                            </a:rPr>
+                          </m:ctrlPr>
+                        </m:sSubPr>
+                        <m:e>
+                          <m:r>
+                            <a:rPr lang="de-DE" b="0" i="1" smtClean="0">
+                              <a:latin typeface="Cambria Math" panose="02040503050406030204" pitchFamily="18" charset="0"/>
+                            </a:rPr>
+                            <m:t>𝑥</m:t>
+                          </m:r>
+                        </m:e>
+                        <m:sub>
+                          <m:r>
+                            <a:rPr lang="de-DE" b="0" i="1" smtClean="0">
+                              <a:latin typeface="Cambria Math" panose="02040503050406030204" pitchFamily="18" charset="0"/>
+                            </a:rPr>
+                            <m:t>𝑖</m:t>
+                          </m:r>
+                          <m:r>
+                            <a:rPr lang="de-DE" b="0" i="1" smtClean="0">
+                              <a:latin typeface="Cambria Math" panose="02040503050406030204" pitchFamily="18" charset="0"/>
+                            </a:rPr>
+                            <m:t>+2</m:t>
+                          </m:r>
+                        </m:sub>
+                      </m:sSub>
+                    </m:oMath>
+                  </m:oMathPara>
+                </a14:m>
+                <a:endParaRPr lang="de-DE" dirty="0"/>
+              </a:p>
+            </p:txBody>
+          </p:sp>
+        </mc:Choice>
+        <mc:Fallback xmlns="">
+          <p:sp>
+            <p:nvSpPr>
+              <p:cNvPr id="30" name="Textfeld 29">
+                <a:extLst>
+                  <a:ext uri="{FF2B5EF4-FFF2-40B4-BE49-F238E27FC236}">
+                    <a16:creationId xmlns:a16="http://schemas.microsoft.com/office/drawing/2014/main" id="{F916E6E3-4169-4D92-8E6E-60B806F89DA9}"/>
+                  </a:ext>
+                </a:extLst>
+              </p:cNvPr>
+              <p:cNvSpPr txBox="1">
+                <a:spLocks noRot="1" noChangeAspect="1" noMove="1" noResize="1" noEditPoints="1" noAdjustHandles="1" noChangeArrowheads="1" noChangeShapeType="1" noTextEdit="1"/>
+              </p:cNvSpPr>
+              <p:nvPr/>
+            </p:nvSpPr>
+            <p:spPr>
+              <a:xfrm>
+                <a:off x="5242961" y="3624580"/>
+                <a:ext cx="306014" cy="369332"/>
+              </a:xfrm>
+              <a:prstGeom prst="rect">
+                <a:avLst/>
+              </a:prstGeom>
+              <a:blipFill>
+                <a:blip r:embed="rId9"/>
+                <a:stretch>
+                  <a:fillRect r="-82000" b="-1667"/>
+                </a:stretch>
+              </a:blipFill>
+            </p:spPr>
+            <p:txBody>
+              <a:bodyPr/>
+              <a:lstStyle/>
+              <a:p>
+                <a:r>
+                  <a:rPr lang="de-DE">
+                    <a:noFill/>
+                  </a:rPr>
+                  <a:t> </a:t>
+                </a:r>
+              </a:p>
+            </p:txBody>
+          </p:sp>
+        </mc:Fallback>
+      </mc:AlternateContent>
+      <mc:AlternateContent xmlns:mc="http://schemas.openxmlformats.org/markup-compatibility/2006" xmlns:a14="http://schemas.microsoft.com/office/drawing/2010/main">
+        <mc:Choice Requires="a14">
+          <p:sp>
+            <p:nvSpPr>
+              <p:cNvPr id="32" name="Rechteck 31">
+                <a:extLst>
+                  <a:ext uri="{FF2B5EF4-FFF2-40B4-BE49-F238E27FC236}">
+                    <a16:creationId xmlns:a16="http://schemas.microsoft.com/office/drawing/2014/main" id="{28280A1E-7891-41E3-87FC-DDB399295564}"/>
+                  </a:ext>
+                </a:extLst>
+              </p:cNvPr>
+              <p:cNvSpPr/>
+              <p:nvPr/>
+            </p:nvSpPr>
+            <p:spPr>
+              <a:xfrm rot="20232836">
+                <a:off x="4055843" y="3651638"/>
+                <a:ext cx="1016047" cy="397866"/>
+              </a:xfrm>
+              <a:prstGeom prst="rect">
+                <a:avLst/>
+              </a:prstGeom>
+            </p:spPr>
+            <p:txBody>
+              <a:bodyPr wrap="none">
+                <a:spAutoFit/>
+              </a:bodyPr>
+              <a:lstStyle/>
+              <a:p>
+                <a14:m>
+                  <m:oMath xmlns:m="http://schemas.openxmlformats.org/officeDocument/2006/math">
+                    <m:sSub>
+                      <m:sSubPr>
+                        <m:ctrlPr>
+                          <a:rPr lang="de-DE" i="1" smtClean="0">
+                            <a:latin typeface="Cambria Math" panose="02040503050406030204" pitchFamily="18" charset="0"/>
+                          </a:rPr>
+                        </m:ctrlPr>
+                      </m:sSubPr>
+                      <m:e>
+                        <m:acc>
+                          <m:accPr>
+                            <m:chr m:val="⃗"/>
+                            <m:ctrlPr>
+                              <a:rPr lang="de-DE" i="1">
+                                <a:latin typeface="Cambria Math" panose="02040503050406030204" pitchFamily="18" charset="0"/>
+                              </a:rPr>
+                            </m:ctrlPr>
+                          </m:accPr>
+                          <m:e>
+                            <m:sSub>
+                              <m:sSubPr>
+                                <m:ctrlPr>
+                                  <a:rPr lang="de-DE" i="1">
+                                    <a:latin typeface="Cambria Math" panose="02040503050406030204" pitchFamily="18" charset="0"/>
+                                  </a:rPr>
+                                </m:ctrlPr>
+                              </m:sSubPr>
+                              <m:e>
+                                <m:r>
+                                  <a:rPr lang="de-DE" i="1">
+                                    <a:latin typeface="Cambria Math" panose="02040503050406030204" pitchFamily="18" charset="0"/>
+                                  </a:rPr>
+                                  <m:t>𝑣</m:t>
+                                </m:r>
+                              </m:e>
+                              <m:sub>
+                                <m:r>
+                                  <a:rPr lang="de-DE" i="1">
+                                    <a:latin typeface="Cambria Math" panose="02040503050406030204" pitchFamily="18" charset="0"/>
+                                  </a:rPr>
+                                  <m:t>𝑖</m:t>
+                                </m:r>
+                              </m:sub>
+                            </m:sSub>
+                          </m:e>
+                        </m:acc>
+                      </m:e>
+                      <m:sub>
+                        <m:r>
+                          <a:rPr lang="de-DE" i="0">
+                            <a:latin typeface="Cambria Math" panose="02040503050406030204" pitchFamily="18" charset="0"/>
+                          </a:rPr>
+                          <m:t>+1</m:t>
+                        </m:r>
+                      </m:sub>
+                    </m:sSub>
+                  </m:oMath>
+                </a14:m>
+                <a:r>
+                  <a:rPr lang="de-DE" dirty="0"/>
+                  <a:t> </a:t>
+                </a:r>
+                <a14:m>
+                  <m:oMath xmlns:m="http://schemas.openxmlformats.org/officeDocument/2006/math">
+                    <m:r>
+                      <a:rPr lang="de-DE" i="0">
+                        <a:latin typeface="Cambria Math" panose="02040503050406030204" pitchFamily="18" charset="0"/>
+                      </a:rPr>
+                      <m:t>⋅</m:t>
+                    </m:r>
+                    <m:r>
+                      <m:rPr>
+                        <m:sty m:val="p"/>
+                      </m:rPr>
+                      <a:rPr lang="de-DE" i="0">
+                        <a:latin typeface="Cambria Math" panose="02040503050406030204" pitchFamily="18" charset="0"/>
+                      </a:rPr>
+                      <m:t>Δ</m:t>
+                    </m:r>
+                    <m:r>
+                      <a:rPr lang="de-DE" i="1">
+                        <a:latin typeface="Cambria Math" panose="02040503050406030204" pitchFamily="18" charset="0"/>
+                      </a:rPr>
+                      <m:t>𝑡</m:t>
+                    </m:r>
+                  </m:oMath>
+                </a14:m>
+                <a:endParaRPr lang="de-DE" dirty="0"/>
+              </a:p>
+            </p:txBody>
+          </p:sp>
+        </mc:Choice>
+        <mc:Fallback xmlns="">
+          <p:sp>
+            <p:nvSpPr>
+              <p:cNvPr id="32" name="Rechteck 31">
+                <a:extLst>
+                  <a:ext uri="{FF2B5EF4-FFF2-40B4-BE49-F238E27FC236}">
+                    <a16:creationId xmlns:a16="http://schemas.microsoft.com/office/drawing/2014/main" id="{28280A1E-7891-41E3-87FC-DDB399295564}"/>
+                  </a:ext>
+                </a:extLst>
+              </p:cNvPr>
+              <p:cNvSpPr>
+                <a:spLocks noRot="1" noChangeAspect="1" noMove="1" noResize="1" noEditPoints="1" noAdjustHandles="1" noChangeArrowheads="1" noChangeShapeType="1" noTextEdit="1"/>
+              </p:cNvSpPr>
+              <p:nvPr/>
+            </p:nvSpPr>
+            <p:spPr>
+              <a:xfrm rot="20232836">
+                <a:off x="4055843" y="3651638"/>
+                <a:ext cx="1016047" cy="397866"/>
+              </a:xfrm>
+              <a:prstGeom prst="rect">
+                <a:avLst/>
+              </a:prstGeom>
+              <a:blipFill>
+                <a:blip r:embed="rId10"/>
+                <a:stretch>
+                  <a:fillRect/>
+                </a:stretch>
+              </a:blipFill>
+            </p:spPr>
+            <p:txBody>
+              <a:bodyPr/>
+              <a:lstStyle/>
+              <a:p>
+                <a:r>
+                  <a:rPr lang="de-DE">
+                    <a:noFill/>
+                  </a:rPr>
+                  <a:t> </a:t>
+                </a:r>
+              </a:p>
+            </p:txBody>
+          </p:sp>
+        </mc:Fallback>
+      </mc:AlternateContent>
+      <p:cxnSp>
+        <p:nvCxnSpPr>
+          <p:cNvPr id="33" name="Gerade Verbindung mit Pfeil 32">
+            <a:extLst>
+              <a:ext uri="{FF2B5EF4-FFF2-40B4-BE49-F238E27FC236}">
+                <a16:creationId xmlns:a16="http://schemas.microsoft.com/office/drawing/2014/main" id="{0610A389-93E8-45D9-B225-271BBF768CD5}"/>
+              </a:ext>
+            </a:extLst>
+          </p:cNvPr>
+          <p:cNvCxnSpPr>
+            <a:cxnSpLocks/>
+          </p:cNvCxnSpPr>
+          <p:nvPr/>
+        </p:nvCxnSpPr>
+        <p:spPr>
+          <a:xfrm flipV="1">
+            <a:off x="3817155" y="3687802"/>
+            <a:ext cx="1635016" cy="694580"/>
+          </a:xfrm>
+          <a:prstGeom prst="straightConnector1">
+            <a:avLst/>
+          </a:prstGeom>
+          <a:ln>
+            <a:tailEnd type="triangle"/>
+          </a:ln>
+        </p:spPr>
+        <p:style>
+          <a:lnRef idx="3">
+            <a:schemeClr val="accent6"/>
+          </a:lnRef>
+          <a:fillRef idx="0">
+            <a:schemeClr val="accent6"/>
+          </a:fillRef>
+          <a:effectRef idx="2">
+            <a:schemeClr val="accent6"/>
+          </a:effectRef>
+          <a:fontRef idx="minor">
+            <a:schemeClr val="tx1"/>
+          </a:fontRef>
+        </p:style>
+      </p:cxnSp>
+      <p:cxnSp>
+        <p:nvCxnSpPr>
+          <p:cNvPr id="35" name="Gerade Verbindung mit Pfeil 34">
+            <a:extLst>
+              <a:ext uri="{FF2B5EF4-FFF2-40B4-BE49-F238E27FC236}">
+                <a16:creationId xmlns:a16="http://schemas.microsoft.com/office/drawing/2014/main" id="{D05E56F5-B990-4ACC-A627-B964A5CA67A8}"/>
+              </a:ext>
+            </a:extLst>
+          </p:cNvPr>
+          <p:cNvCxnSpPr>
+            <a:cxnSpLocks/>
+          </p:cNvCxnSpPr>
+          <p:nvPr/>
+        </p:nvCxnSpPr>
+        <p:spPr>
+          <a:xfrm flipV="1">
+            <a:off x="5561363" y="3247082"/>
+            <a:ext cx="1928519" cy="398049"/>
+          </a:xfrm>
+          <a:prstGeom prst="straightConnector1">
+            <a:avLst/>
+          </a:prstGeom>
+          <a:ln>
+            <a:tailEnd type="triangle"/>
+          </a:ln>
+        </p:spPr>
+        <p:style>
+          <a:lnRef idx="3">
+            <a:schemeClr val="accent6"/>
+          </a:lnRef>
+          <a:fillRef idx="0">
+            <a:schemeClr val="accent6"/>
+          </a:fillRef>
+          <a:effectRef idx="2">
+            <a:schemeClr val="accent6"/>
+          </a:effectRef>
+          <a:fontRef idx="minor">
+            <a:schemeClr val="tx1"/>
+          </a:fontRef>
+        </p:style>
+      </p:cxnSp>
+      <mc:AlternateContent xmlns:mc="http://schemas.openxmlformats.org/markup-compatibility/2006" xmlns:a14="http://schemas.microsoft.com/office/drawing/2010/main">
+        <mc:Choice Requires="a14">
+          <p:sp>
+            <p:nvSpPr>
+              <p:cNvPr id="37" name="Rechteck 36">
+                <a:extLst>
+                  <a:ext uri="{FF2B5EF4-FFF2-40B4-BE49-F238E27FC236}">
+                    <a16:creationId xmlns:a16="http://schemas.microsoft.com/office/drawing/2014/main" id="{70FA4314-BE49-426C-B0FC-DA2256946956}"/>
+                  </a:ext>
+                </a:extLst>
+              </p:cNvPr>
+              <p:cNvSpPr/>
+              <p:nvPr/>
+            </p:nvSpPr>
+            <p:spPr>
+              <a:xfrm rot="20937038">
+                <a:off x="5771926" y="3040536"/>
+                <a:ext cx="1016047" cy="397866"/>
+              </a:xfrm>
+              <a:prstGeom prst="rect">
+                <a:avLst/>
+              </a:prstGeom>
+            </p:spPr>
+            <p:txBody>
+              <a:bodyPr wrap="none">
+                <a:spAutoFit/>
+              </a:bodyPr>
+              <a:lstStyle/>
+              <a:p>
+                <a14:m>
+                  <m:oMath xmlns:m="http://schemas.openxmlformats.org/officeDocument/2006/math">
+                    <m:sSub>
+                      <m:sSubPr>
+                        <m:ctrlPr>
+                          <a:rPr lang="de-DE" i="1" smtClean="0">
+                            <a:latin typeface="Cambria Math" panose="02040503050406030204" pitchFamily="18" charset="0"/>
+                          </a:rPr>
+                        </m:ctrlPr>
+                      </m:sSubPr>
+                      <m:e>
+                        <m:acc>
+                          <m:accPr>
+                            <m:chr m:val="⃗"/>
+                            <m:ctrlPr>
+                              <a:rPr lang="de-DE" i="1">
+                                <a:latin typeface="Cambria Math" panose="02040503050406030204" pitchFamily="18" charset="0"/>
+                              </a:rPr>
+                            </m:ctrlPr>
+                          </m:accPr>
+                          <m:e>
+                            <m:sSub>
+                              <m:sSubPr>
+                                <m:ctrlPr>
+                                  <a:rPr lang="de-DE" i="1">
+                                    <a:latin typeface="Cambria Math" panose="02040503050406030204" pitchFamily="18" charset="0"/>
+                                  </a:rPr>
+                                </m:ctrlPr>
+                              </m:sSubPr>
+                              <m:e>
+                                <m:r>
+                                  <a:rPr lang="de-DE" i="1">
+                                    <a:latin typeface="Cambria Math" panose="02040503050406030204" pitchFamily="18" charset="0"/>
+                                  </a:rPr>
+                                  <m:t>𝑣</m:t>
+                                </m:r>
+                              </m:e>
+                              <m:sub>
+                                <m:r>
+                                  <a:rPr lang="de-DE" i="1">
+                                    <a:latin typeface="Cambria Math" panose="02040503050406030204" pitchFamily="18" charset="0"/>
+                                  </a:rPr>
+                                  <m:t>𝑖</m:t>
+                                </m:r>
+                              </m:sub>
+                            </m:sSub>
+                          </m:e>
+                        </m:acc>
+                      </m:e>
+                      <m:sub>
+                        <m:r>
+                          <a:rPr lang="de-DE" i="0">
+                            <a:latin typeface="Cambria Math" panose="02040503050406030204" pitchFamily="18" charset="0"/>
+                          </a:rPr>
+                          <m:t>+</m:t>
+                        </m:r>
+                        <m:r>
+                          <a:rPr lang="de-DE" b="0" i="1" smtClean="0">
+                            <a:latin typeface="Cambria Math" panose="02040503050406030204" pitchFamily="18" charset="0"/>
+                          </a:rPr>
+                          <m:t>2</m:t>
+                        </m:r>
+                      </m:sub>
+                    </m:sSub>
+                  </m:oMath>
+                </a14:m>
+                <a:r>
+                  <a:rPr lang="de-DE" dirty="0"/>
+                  <a:t> </a:t>
+                </a:r>
+                <a14:m>
+                  <m:oMath xmlns:m="http://schemas.openxmlformats.org/officeDocument/2006/math">
+                    <m:r>
+                      <a:rPr lang="de-DE" i="0">
+                        <a:latin typeface="Cambria Math" panose="02040503050406030204" pitchFamily="18" charset="0"/>
+                      </a:rPr>
+                      <m:t>⋅</m:t>
+                    </m:r>
+                    <m:r>
+                      <m:rPr>
+                        <m:sty m:val="p"/>
+                      </m:rPr>
+                      <a:rPr lang="de-DE" i="0">
+                        <a:latin typeface="Cambria Math" panose="02040503050406030204" pitchFamily="18" charset="0"/>
+                      </a:rPr>
+                      <m:t>Δ</m:t>
+                    </m:r>
+                    <m:r>
+                      <a:rPr lang="de-DE" i="1">
+                        <a:latin typeface="Cambria Math" panose="02040503050406030204" pitchFamily="18" charset="0"/>
+                      </a:rPr>
+                      <m:t>𝑡</m:t>
+                    </m:r>
+                  </m:oMath>
+                </a14:m>
+                <a:endParaRPr lang="de-DE" dirty="0"/>
+              </a:p>
+            </p:txBody>
+          </p:sp>
+        </mc:Choice>
+        <mc:Fallback xmlns="">
+          <p:sp>
+            <p:nvSpPr>
+              <p:cNvPr id="37" name="Rechteck 36">
+                <a:extLst>
+                  <a:ext uri="{FF2B5EF4-FFF2-40B4-BE49-F238E27FC236}">
+                    <a16:creationId xmlns:a16="http://schemas.microsoft.com/office/drawing/2014/main" id="{70FA4314-BE49-426C-B0FC-DA2256946956}"/>
+                  </a:ext>
+                </a:extLst>
+              </p:cNvPr>
+              <p:cNvSpPr>
+                <a:spLocks noRot="1" noChangeAspect="1" noMove="1" noResize="1" noEditPoints="1" noAdjustHandles="1" noChangeArrowheads="1" noChangeShapeType="1" noTextEdit="1"/>
+              </p:cNvSpPr>
+              <p:nvPr/>
+            </p:nvSpPr>
+            <p:spPr>
+              <a:xfrm rot="20937038">
+                <a:off x="5771926" y="3040536"/>
+                <a:ext cx="1016047" cy="397866"/>
+              </a:xfrm>
+              <a:prstGeom prst="rect">
+                <a:avLst/>
+              </a:prstGeom>
+              <a:blipFill>
+                <a:blip r:embed="rId11"/>
+                <a:stretch>
+                  <a:fillRect/>
+                </a:stretch>
+              </a:blipFill>
+            </p:spPr>
+            <p:txBody>
+              <a:bodyPr/>
+              <a:lstStyle/>
+              <a:p>
+                <a:r>
+                  <a:rPr lang="de-DE">
+                    <a:noFill/>
+                  </a:rPr>
+                  <a:t> </a:t>
+                </a:r>
+              </a:p>
+            </p:txBody>
+          </p:sp>
+        </mc:Fallback>
+      </mc:AlternateContent>
+      <mc:AlternateContent xmlns:mc="http://schemas.openxmlformats.org/markup-compatibility/2006" xmlns:a14="http://schemas.microsoft.com/office/drawing/2010/main">
+        <mc:Choice Requires="a14">
+          <p:sp>
+            <p:nvSpPr>
+              <p:cNvPr id="38" name="Textfeld 37">
+                <a:extLst>
+                  <a:ext uri="{FF2B5EF4-FFF2-40B4-BE49-F238E27FC236}">
+                    <a16:creationId xmlns:a16="http://schemas.microsoft.com/office/drawing/2014/main" id="{12917002-98B2-474C-B7A3-8C6578EF4F6D}"/>
+                  </a:ext>
+                </a:extLst>
+              </p:cNvPr>
+              <p:cNvSpPr txBox="1"/>
+              <p:nvPr/>
+            </p:nvSpPr>
+            <p:spPr>
+              <a:xfrm>
+                <a:off x="7297604" y="3190422"/>
+                <a:ext cx="306014" cy="369332"/>
+              </a:xfrm>
+              <a:prstGeom prst="rect">
+                <a:avLst/>
+              </a:prstGeom>
+              <a:noFill/>
+            </p:spPr>
+            <p:txBody>
+              <a:bodyPr wrap="square" rtlCol="0">
+                <a:spAutoFit/>
+              </a:bodyPr>
+              <a:lstStyle/>
+              <a:p>
+                <a:pPr/>
+                <a14:m>
+                  <m:oMathPara xmlns:m="http://schemas.openxmlformats.org/officeDocument/2006/math">
+                    <m:oMathParaPr>
+                      <m:jc m:val="centerGroup"/>
+                    </m:oMathParaPr>
+                    <m:oMath xmlns:m="http://schemas.openxmlformats.org/officeDocument/2006/math">
+                      <m:sSub>
+                        <m:sSubPr>
+                          <m:ctrlPr>
+                            <a:rPr lang="de-DE" i="1" smtClean="0">
+                              <a:latin typeface="Cambria Math" panose="02040503050406030204" pitchFamily="18" charset="0"/>
+                            </a:rPr>
+                          </m:ctrlPr>
+                        </m:sSubPr>
+                        <m:e>
+                          <m:r>
+                            <a:rPr lang="de-DE" b="0" i="1" smtClean="0">
+                              <a:latin typeface="Cambria Math" panose="02040503050406030204" pitchFamily="18" charset="0"/>
+                            </a:rPr>
+                            <m:t>𝑥</m:t>
+                          </m:r>
+                        </m:e>
+                        <m:sub>
+                          <m:r>
+                            <a:rPr lang="de-DE" b="0" i="1" smtClean="0">
+                              <a:latin typeface="Cambria Math" panose="02040503050406030204" pitchFamily="18" charset="0"/>
+                            </a:rPr>
+                            <m:t>𝑖</m:t>
+                          </m:r>
+                          <m:r>
+                            <a:rPr lang="de-DE" b="0" i="1" smtClean="0">
+                              <a:latin typeface="Cambria Math" panose="02040503050406030204" pitchFamily="18" charset="0"/>
+                            </a:rPr>
+                            <m:t>+3</m:t>
+                          </m:r>
+                        </m:sub>
+                      </m:sSub>
+                    </m:oMath>
+                  </m:oMathPara>
+                </a14:m>
+                <a:endParaRPr lang="de-DE" dirty="0"/>
+              </a:p>
+            </p:txBody>
+          </p:sp>
+        </mc:Choice>
+        <mc:Fallback xmlns="">
+          <p:sp>
+            <p:nvSpPr>
+              <p:cNvPr id="38" name="Textfeld 37">
+                <a:extLst>
+                  <a:ext uri="{FF2B5EF4-FFF2-40B4-BE49-F238E27FC236}">
+                    <a16:creationId xmlns:a16="http://schemas.microsoft.com/office/drawing/2014/main" id="{12917002-98B2-474C-B7A3-8C6578EF4F6D}"/>
+                  </a:ext>
+                </a:extLst>
+              </p:cNvPr>
+              <p:cNvSpPr txBox="1">
+                <a:spLocks noRot="1" noChangeAspect="1" noMove="1" noResize="1" noEditPoints="1" noAdjustHandles="1" noChangeArrowheads="1" noChangeShapeType="1" noTextEdit="1"/>
+              </p:cNvSpPr>
+              <p:nvPr/>
+            </p:nvSpPr>
+            <p:spPr>
+              <a:xfrm>
+                <a:off x="7297604" y="3190422"/>
+                <a:ext cx="306014" cy="369332"/>
+              </a:xfrm>
+              <a:prstGeom prst="rect">
+                <a:avLst/>
+              </a:prstGeom>
+              <a:blipFill>
+                <a:blip r:embed="rId12"/>
+                <a:stretch>
+                  <a:fillRect r="-82000"/>
+                </a:stretch>
+              </a:blipFill>
+            </p:spPr>
+            <p:txBody>
+              <a:bodyPr/>
+              <a:lstStyle/>
+              <a:p>
+                <a:r>
+                  <a:rPr lang="de-DE">
+                    <a:noFill/>
+                  </a:rPr>
+                  <a:t> </a:t>
+                </a:r>
+              </a:p>
+            </p:txBody>
+          </p:sp>
+        </mc:Fallback>
+      </mc:AlternateContent>
+      <p:sp>
+        <p:nvSpPr>
+          <p:cNvPr id="39" name="Ellipse 38">
+            <a:extLst>
+              <a:ext uri="{FF2B5EF4-FFF2-40B4-BE49-F238E27FC236}">
+                <a16:creationId xmlns:a16="http://schemas.microsoft.com/office/drawing/2014/main" id="{95A03AA9-0314-4A1A-B237-872414244725}"/>
+              </a:ext>
+            </a:extLst>
+          </p:cNvPr>
+          <p:cNvSpPr/>
+          <p:nvPr/>
+        </p:nvSpPr>
+        <p:spPr>
+          <a:xfrm>
+            <a:off x="7479330" y="3170660"/>
+            <a:ext cx="124288" cy="115409"/>
+          </a:xfrm>
+          <a:prstGeom prst="ellipse">
+            <a:avLst/>
+          </a:prstGeom>
+        </p:spPr>
+        <p:style>
+          <a:lnRef idx="1">
+            <a:schemeClr val="accent4"/>
+          </a:lnRef>
+          <a:fillRef idx="2">
+            <a:schemeClr val="accent4"/>
+          </a:fillRef>
+          <a:effectRef idx="1">
+            <a:schemeClr val="accent4"/>
+          </a:effectRef>
+          <a:fontRef idx="minor">
+            <a:schemeClr val="dk1"/>
+          </a:fontRef>
+        </p:style>
+        <p:txBody>
+          <a:bodyPr rtlCol="0" anchor="ctr"/>
+          <a:lstStyle/>
+          <a:p>
+            <a:pPr algn="ctr"/>
             <a:endParaRPr lang="de-DE"/>
           </a:p>
         </p:txBody>
@@ -4004,17 +6100,686 @@
     </p:spTree>
     <p:extLst>
       <p:ext uri="{BB962C8B-B14F-4D97-AF65-F5344CB8AC3E}">
-        <p14:creationId xmlns:p14="http://schemas.microsoft.com/office/powerpoint/2010/main" val="1541868476"/>
+        <p14:creationId xmlns:p14="http://schemas.microsoft.com/office/powerpoint/2010/main" val="3302390317"/>
       </p:ext>
     </p:extLst>
   </p:cSld>
   <p:clrMapOvr>
     <a:masterClrMapping/>
   </p:clrMapOvr>
+  <p:timing>
+    <p:tnLst>
+      <p:par>
+        <p:cTn id="1" dur="indefinite" restart="never" nodeType="tmRoot">
+          <p:childTnLst>
+            <p:seq concurrent="1" nextAc="seek">
+              <p:cTn id="2" dur="indefinite" nodeType="mainSeq">
+                <p:childTnLst>
+                  <p:par>
+                    <p:cTn id="3" fill="hold">
+                      <p:stCondLst>
+                        <p:cond delay="indefinite"/>
+                      </p:stCondLst>
+                      <p:childTnLst>
+                        <p:par>
+                          <p:cTn id="4" fill="hold">
+                            <p:stCondLst>
+                              <p:cond delay="0"/>
+                            </p:stCondLst>
+                            <p:childTnLst>
+                              <p:par>
+                                <p:cTn id="5" presetID="1" presetClass="entr" presetSubtype="0" fill="hold" grpId="0" nodeType="clickEffect">
+                                  <p:stCondLst>
+                                    <p:cond delay="0"/>
+                                  </p:stCondLst>
+                                  <p:childTnLst>
+                                    <p:set>
+                                      <p:cBhvr>
+                                        <p:cTn id="6" dur="1" fill="hold">
+                                          <p:stCondLst>
+                                            <p:cond delay="0"/>
+                                          </p:stCondLst>
+                                        </p:cTn>
+                                        <p:tgtEl>
+                                          <p:spTgt spid="12"/>
+                                        </p:tgtEl>
+                                        <p:attrNameLst>
+                                          <p:attrName>style.visibility</p:attrName>
+                                        </p:attrNameLst>
+                                      </p:cBhvr>
+                                      <p:to>
+                                        <p:strVal val="visible"/>
+                                      </p:to>
+                                    </p:set>
+                                  </p:childTnLst>
+                                </p:cTn>
+                              </p:par>
+                              <p:par>
+                                <p:cTn id="7" presetID="1" presetClass="entr" presetSubtype="0" fill="hold" grpId="0" nodeType="withEffect">
+                                  <p:stCondLst>
+                                    <p:cond delay="0"/>
+                                  </p:stCondLst>
+                                  <p:childTnLst>
+                                    <p:set>
+                                      <p:cBhvr>
+                                        <p:cTn id="8" dur="1" fill="hold">
+                                          <p:stCondLst>
+                                            <p:cond delay="0"/>
+                                          </p:stCondLst>
+                                        </p:cTn>
+                                        <p:tgtEl>
+                                          <p:spTgt spid="13"/>
+                                        </p:tgtEl>
+                                        <p:attrNameLst>
+                                          <p:attrName>style.visibility</p:attrName>
+                                        </p:attrNameLst>
+                                      </p:cBhvr>
+                                      <p:to>
+                                        <p:strVal val="visible"/>
+                                      </p:to>
+                                    </p:set>
+                                  </p:childTnLst>
+                                </p:cTn>
+                              </p:par>
+                            </p:childTnLst>
+                          </p:cTn>
+                        </p:par>
+                      </p:childTnLst>
+                    </p:cTn>
+                  </p:par>
+                  <p:par>
+                    <p:cTn id="9" fill="hold">
+                      <p:stCondLst>
+                        <p:cond delay="indefinite"/>
+                      </p:stCondLst>
+                      <p:childTnLst>
+                        <p:par>
+                          <p:cTn id="10" fill="hold">
+                            <p:stCondLst>
+                              <p:cond delay="0"/>
+                            </p:stCondLst>
+                            <p:childTnLst>
+                              <p:par>
+                                <p:cTn id="11" presetID="1" presetClass="entr" presetSubtype="0" fill="hold" grpId="0" nodeType="clickEffect">
+                                  <p:stCondLst>
+                                    <p:cond delay="0"/>
+                                  </p:stCondLst>
+                                  <p:childTnLst>
+                                    <p:set>
+                                      <p:cBhvr>
+                                        <p:cTn id="12" dur="1" fill="hold">
+                                          <p:stCondLst>
+                                            <p:cond delay="0"/>
+                                          </p:stCondLst>
+                                        </p:cTn>
+                                        <p:tgtEl>
+                                          <p:spTgt spid="10"/>
+                                        </p:tgtEl>
+                                        <p:attrNameLst>
+                                          <p:attrName>style.visibility</p:attrName>
+                                        </p:attrNameLst>
+                                      </p:cBhvr>
+                                      <p:to>
+                                        <p:strVal val="visible"/>
+                                      </p:to>
+                                    </p:set>
+                                  </p:childTnLst>
+                                </p:cTn>
+                              </p:par>
+                              <p:par>
+                                <p:cTn id="13" presetID="1" presetClass="entr" presetSubtype="0" fill="hold" grpId="0" nodeType="withEffect">
+                                  <p:stCondLst>
+                                    <p:cond delay="0"/>
+                                  </p:stCondLst>
+                                  <p:childTnLst>
+                                    <p:set>
+                                      <p:cBhvr>
+                                        <p:cTn id="14" dur="1" fill="hold">
+                                          <p:stCondLst>
+                                            <p:cond delay="0"/>
+                                          </p:stCondLst>
+                                        </p:cTn>
+                                        <p:tgtEl>
+                                          <p:spTgt spid="11"/>
+                                        </p:tgtEl>
+                                        <p:attrNameLst>
+                                          <p:attrName>style.visibility</p:attrName>
+                                        </p:attrNameLst>
+                                      </p:cBhvr>
+                                      <p:to>
+                                        <p:strVal val="visible"/>
+                                      </p:to>
+                                    </p:set>
+                                  </p:childTnLst>
+                                </p:cTn>
+                              </p:par>
+                            </p:childTnLst>
+                          </p:cTn>
+                        </p:par>
+                      </p:childTnLst>
+                    </p:cTn>
+                  </p:par>
+                  <p:par>
+                    <p:cTn id="15" fill="hold">
+                      <p:stCondLst>
+                        <p:cond delay="indefinite"/>
+                      </p:stCondLst>
+                      <p:childTnLst>
+                        <p:par>
+                          <p:cTn id="16" fill="hold">
+                            <p:stCondLst>
+                              <p:cond delay="0"/>
+                            </p:stCondLst>
+                            <p:childTnLst>
+                              <p:par>
+                                <p:cTn id="17" presetID="1" presetClass="entr" presetSubtype="0" fill="hold" grpId="0" nodeType="clickEffect">
+                                  <p:stCondLst>
+                                    <p:cond delay="0"/>
+                                  </p:stCondLst>
+                                  <p:childTnLst>
+                                    <p:set>
+                                      <p:cBhvr>
+                                        <p:cTn id="18" dur="1" fill="hold">
+                                          <p:stCondLst>
+                                            <p:cond delay="0"/>
+                                          </p:stCondLst>
+                                        </p:cTn>
+                                        <p:tgtEl>
+                                          <p:spTgt spid="14"/>
+                                        </p:tgtEl>
+                                        <p:attrNameLst>
+                                          <p:attrName>style.visibility</p:attrName>
+                                        </p:attrNameLst>
+                                      </p:cBhvr>
+                                      <p:to>
+                                        <p:strVal val="visible"/>
+                                      </p:to>
+                                    </p:set>
+                                  </p:childTnLst>
+                                </p:cTn>
+                              </p:par>
+                              <p:par>
+                                <p:cTn id="19" presetID="1" presetClass="entr" presetSubtype="0" fill="hold" grpId="0" nodeType="withEffect">
+                                  <p:stCondLst>
+                                    <p:cond delay="0"/>
+                                  </p:stCondLst>
+                                  <p:childTnLst>
+                                    <p:set>
+                                      <p:cBhvr>
+                                        <p:cTn id="20" dur="1" fill="hold">
+                                          <p:stCondLst>
+                                            <p:cond delay="0"/>
+                                          </p:stCondLst>
+                                        </p:cTn>
+                                        <p:tgtEl>
+                                          <p:spTgt spid="15"/>
+                                        </p:tgtEl>
+                                        <p:attrNameLst>
+                                          <p:attrName>style.visibility</p:attrName>
+                                        </p:attrNameLst>
+                                      </p:cBhvr>
+                                      <p:to>
+                                        <p:strVal val="visible"/>
+                                      </p:to>
+                                    </p:set>
+                                  </p:childTnLst>
+                                </p:cTn>
+                              </p:par>
+                              <p:par>
+                                <p:cTn id="21" presetID="1" presetClass="entr" presetSubtype="0" fill="hold" grpId="0" nodeType="withEffect">
+                                  <p:stCondLst>
+                                    <p:cond delay="0"/>
+                                  </p:stCondLst>
+                                  <p:childTnLst>
+                                    <p:set>
+                                      <p:cBhvr>
+                                        <p:cTn id="22" dur="1" fill="hold">
+                                          <p:stCondLst>
+                                            <p:cond delay="0"/>
+                                          </p:stCondLst>
+                                        </p:cTn>
+                                        <p:tgtEl>
+                                          <p:spTgt spid="16"/>
+                                        </p:tgtEl>
+                                        <p:attrNameLst>
+                                          <p:attrName>style.visibility</p:attrName>
+                                        </p:attrNameLst>
+                                      </p:cBhvr>
+                                      <p:to>
+                                        <p:strVal val="visible"/>
+                                      </p:to>
+                                    </p:set>
+                                  </p:childTnLst>
+                                </p:cTn>
+                              </p:par>
+                            </p:childTnLst>
+                          </p:cTn>
+                        </p:par>
+                      </p:childTnLst>
+                    </p:cTn>
+                  </p:par>
+                  <p:par>
+                    <p:cTn id="23" fill="hold">
+                      <p:stCondLst>
+                        <p:cond delay="indefinite"/>
+                      </p:stCondLst>
+                      <p:childTnLst>
+                        <p:par>
+                          <p:cTn id="24" fill="hold">
+                            <p:stCondLst>
+                              <p:cond delay="0"/>
+                            </p:stCondLst>
+                            <p:childTnLst>
+                              <p:par>
+                                <p:cTn id="25" presetID="1" presetClass="entr" presetSubtype="0" fill="hold" nodeType="clickEffect">
+                                  <p:stCondLst>
+                                    <p:cond delay="0"/>
+                                  </p:stCondLst>
+                                  <p:childTnLst>
+                                    <p:set>
+                                      <p:cBhvr>
+                                        <p:cTn id="26" dur="1" fill="hold">
+                                          <p:stCondLst>
+                                            <p:cond delay="0"/>
+                                          </p:stCondLst>
+                                        </p:cTn>
+                                        <p:tgtEl>
+                                          <p:spTgt spid="18"/>
+                                        </p:tgtEl>
+                                        <p:attrNameLst>
+                                          <p:attrName>style.visibility</p:attrName>
+                                        </p:attrNameLst>
+                                      </p:cBhvr>
+                                      <p:to>
+                                        <p:strVal val="visible"/>
+                                      </p:to>
+                                    </p:set>
+                                  </p:childTnLst>
+                                </p:cTn>
+                              </p:par>
+                              <p:par>
+                                <p:cTn id="27" presetID="1" presetClass="entr" presetSubtype="0" fill="hold" grpId="0" nodeType="withEffect">
+                                  <p:stCondLst>
+                                    <p:cond delay="0"/>
+                                  </p:stCondLst>
+                                  <p:childTnLst>
+                                    <p:set>
+                                      <p:cBhvr>
+                                        <p:cTn id="28" dur="1" fill="hold">
+                                          <p:stCondLst>
+                                            <p:cond delay="0"/>
+                                          </p:stCondLst>
+                                        </p:cTn>
+                                        <p:tgtEl>
+                                          <p:spTgt spid="23"/>
+                                        </p:tgtEl>
+                                        <p:attrNameLst>
+                                          <p:attrName>style.visibility</p:attrName>
+                                        </p:attrNameLst>
+                                      </p:cBhvr>
+                                      <p:to>
+                                        <p:strVal val="visible"/>
+                                      </p:to>
+                                    </p:set>
+                                  </p:childTnLst>
+                                </p:cTn>
+                              </p:par>
+                            </p:childTnLst>
+                          </p:cTn>
+                        </p:par>
+                      </p:childTnLst>
+                    </p:cTn>
+                  </p:par>
+                  <p:par>
+                    <p:cTn id="29" fill="hold">
+                      <p:stCondLst>
+                        <p:cond delay="indefinite"/>
+                      </p:stCondLst>
+                      <p:childTnLst>
+                        <p:par>
+                          <p:cTn id="30" fill="hold">
+                            <p:stCondLst>
+                              <p:cond delay="0"/>
+                            </p:stCondLst>
+                            <p:childTnLst>
+                              <p:par>
+                                <p:cTn id="31" presetID="1" presetClass="entr" presetSubtype="0" fill="hold" grpId="0" nodeType="clickEffect">
+                                  <p:stCondLst>
+                                    <p:cond delay="0"/>
+                                  </p:stCondLst>
+                                  <p:childTnLst>
+                                    <p:set>
+                                      <p:cBhvr>
+                                        <p:cTn id="32" dur="1" fill="hold">
+                                          <p:stCondLst>
+                                            <p:cond delay="0"/>
+                                          </p:stCondLst>
+                                        </p:cTn>
+                                        <p:tgtEl>
+                                          <p:spTgt spid="26"/>
+                                        </p:tgtEl>
+                                        <p:attrNameLst>
+                                          <p:attrName>style.visibility</p:attrName>
+                                        </p:attrNameLst>
+                                      </p:cBhvr>
+                                      <p:to>
+                                        <p:strVal val="visible"/>
+                                      </p:to>
+                                    </p:set>
+                                  </p:childTnLst>
+                                </p:cTn>
+                              </p:par>
+                              <p:par>
+                                <p:cTn id="33" presetID="1" presetClass="entr" presetSubtype="0" fill="hold" grpId="0" nodeType="withEffect">
+                                  <p:stCondLst>
+                                    <p:cond delay="0"/>
+                                  </p:stCondLst>
+                                  <p:childTnLst>
+                                    <p:set>
+                                      <p:cBhvr>
+                                        <p:cTn id="34" dur="1" fill="hold">
+                                          <p:stCondLst>
+                                            <p:cond delay="0"/>
+                                          </p:stCondLst>
+                                        </p:cTn>
+                                        <p:tgtEl>
+                                          <p:spTgt spid="25"/>
+                                        </p:tgtEl>
+                                        <p:attrNameLst>
+                                          <p:attrName>style.visibility</p:attrName>
+                                        </p:attrNameLst>
+                                      </p:cBhvr>
+                                      <p:to>
+                                        <p:strVal val="visible"/>
+                                      </p:to>
+                                    </p:set>
+                                  </p:childTnLst>
+                                </p:cTn>
+                              </p:par>
+                            </p:childTnLst>
+                          </p:cTn>
+                        </p:par>
+                      </p:childTnLst>
+                    </p:cTn>
+                  </p:par>
+                  <p:par>
+                    <p:cTn id="35" fill="hold">
+                      <p:stCondLst>
+                        <p:cond delay="indefinite"/>
+                      </p:stCondLst>
+                      <p:childTnLst>
+                        <p:par>
+                          <p:cTn id="36" fill="hold">
+                            <p:stCondLst>
+                              <p:cond delay="0"/>
+                            </p:stCondLst>
+                            <p:childTnLst>
+                              <p:par>
+                                <p:cTn id="37" presetID="1" presetClass="entr" presetSubtype="0" fill="hold" nodeType="clickEffect">
+                                  <p:stCondLst>
+                                    <p:cond delay="0"/>
+                                  </p:stCondLst>
+                                  <p:childTnLst>
+                                    <p:set>
+                                      <p:cBhvr>
+                                        <p:cTn id="38" dur="1" fill="hold">
+                                          <p:stCondLst>
+                                            <p:cond delay="0"/>
+                                          </p:stCondLst>
+                                        </p:cTn>
+                                        <p:tgtEl>
+                                          <p:spTgt spid="33"/>
+                                        </p:tgtEl>
+                                        <p:attrNameLst>
+                                          <p:attrName>style.visibility</p:attrName>
+                                        </p:attrNameLst>
+                                      </p:cBhvr>
+                                      <p:to>
+                                        <p:strVal val="visible"/>
+                                      </p:to>
+                                    </p:set>
+                                  </p:childTnLst>
+                                </p:cTn>
+                              </p:par>
+                              <p:par>
+                                <p:cTn id="39" presetID="1" presetClass="entr" presetSubtype="0" fill="hold" grpId="0" nodeType="withEffect">
+                                  <p:stCondLst>
+                                    <p:cond delay="0"/>
+                                  </p:stCondLst>
+                                  <p:childTnLst>
+                                    <p:set>
+                                      <p:cBhvr>
+                                        <p:cTn id="40" dur="1" fill="hold">
+                                          <p:stCondLst>
+                                            <p:cond delay="0"/>
+                                          </p:stCondLst>
+                                        </p:cTn>
+                                        <p:tgtEl>
+                                          <p:spTgt spid="32"/>
+                                        </p:tgtEl>
+                                        <p:attrNameLst>
+                                          <p:attrName>style.visibility</p:attrName>
+                                        </p:attrNameLst>
+                                      </p:cBhvr>
+                                      <p:to>
+                                        <p:strVal val="visible"/>
+                                      </p:to>
+                                    </p:set>
+                                  </p:childTnLst>
+                                </p:cTn>
+                              </p:par>
+                              <p:par>
+                                <p:cTn id="41" presetID="1" presetClass="entr" presetSubtype="0" fill="hold" grpId="0" nodeType="withEffect">
+                                  <p:stCondLst>
+                                    <p:cond delay="0"/>
+                                  </p:stCondLst>
+                                  <p:childTnLst>
+                                    <p:set>
+                                      <p:cBhvr>
+                                        <p:cTn id="42" dur="1" fill="hold">
+                                          <p:stCondLst>
+                                            <p:cond delay="0"/>
+                                          </p:stCondLst>
+                                        </p:cTn>
+                                        <p:tgtEl>
+                                          <p:spTgt spid="30"/>
+                                        </p:tgtEl>
+                                        <p:attrNameLst>
+                                          <p:attrName>style.visibility</p:attrName>
+                                        </p:attrNameLst>
+                                      </p:cBhvr>
+                                      <p:to>
+                                        <p:strVal val="visible"/>
+                                      </p:to>
+                                    </p:set>
+                                  </p:childTnLst>
+                                </p:cTn>
+                              </p:par>
+                              <p:par>
+                                <p:cTn id="43" presetID="1" presetClass="entr" presetSubtype="0" fill="hold" grpId="0" nodeType="withEffect">
+                                  <p:stCondLst>
+                                    <p:cond delay="0"/>
+                                  </p:stCondLst>
+                                  <p:childTnLst>
+                                    <p:set>
+                                      <p:cBhvr>
+                                        <p:cTn id="44" dur="1" fill="hold">
+                                          <p:stCondLst>
+                                            <p:cond delay="0"/>
+                                          </p:stCondLst>
+                                        </p:cTn>
+                                        <p:tgtEl>
+                                          <p:spTgt spid="29"/>
+                                        </p:tgtEl>
+                                        <p:attrNameLst>
+                                          <p:attrName>style.visibility</p:attrName>
+                                        </p:attrNameLst>
+                                      </p:cBhvr>
+                                      <p:to>
+                                        <p:strVal val="visible"/>
+                                      </p:to>
+                                    </p:set>
+                                  </p:childTnLst>
+                                </p:cTn>
+                              </p:par>
+                              <p:par>
+                                <p:cTn id="45" presetID="1" presetClass="entr" presetSubtype="0" fill="hold" nodeType="withEffect">
+                                  <p:stCondLst>
+                                    <p:cond delay="0"/>
+                                  </p:stCondLst>
+                                  <p:childTnLst>
+                                    <p:set>
+                                      <p:cBhvr>
+                                        <p:cTn id="46" dur="1" fill="hold">
+                                          <p:stCondLst>
+                                            <p:cond delay="0"/>
+                                          </p:stCondLst>
+                                        </p:cTn>
+                                        <p:tgtEl>
+                                          <p:spTgt spid="35"/>
+                                        </p:tgtEl>
+                                        <p:attrNameLst>
+                                          <p:attrName>style.visibility</p:attrName>
+                                        </p:attrNameLst>
+                                      </p:cBhvr>
+                                      <p:to>
+                                        <p:strVal val="visible"/>
+                                      </p:to>
+                                    </p:set>
+                                  </p:childTnLst>
+                                </p:cTn>
+                              </p:par>
+                              <p:par>
+                                <p:cTn id="47" presetID="1" presetClass="entr" presetSubtype="0" fill="hold" grpId="0" nodeType="withEffect">
+                                  <p:stCondLst>
+                                    <p:cond delay="0"/>
+                                  </p:stCondLst>
+                                  <p:childTnLst>
+                                    <p:set>
+                                      <p:cBhvr>
+                                        <p:cTn id="48" dur="1" fill="hold">
+                                          <p:stCondLst>
+                                            <p:cond delay="0"/>
+                                          </p:stCondLst>
+                                        </p:cTn>
+                                        <p:tgtEl>
+                                          <p:spTgt spid="37"/>
+                                        </p:tgtEl>
+                                        <p:attrNameLst>
+                                          <p:attrName>style.visibility</p:attrName>
+                                        </p:attrNameLst>
+                                      </p:cBhvr>
+                                      <p:to>
+                                        <p:strVal val="visible"/>
+                                      </p:to>
+                                    </p:set>
+                                  </p:childTnLst>
+                                </p:cTn>
+                              </p:par>
+                              <p:par>
+                                <p:cTn id="49" presetID="1" presetClass="entr" presetSubtype="0" fill="hold" grpId="0" nodeType="withEffect">
+                                  <p:stCondLst>
+                                    <p:cond delay="0"/>
+                                  </p:stCondLst>
+                                  <p:childTnLst>
+                                    <p:set>
+                                      <p:cBhvr>
+                                        <p:cTn id="50" dur="1" fill="hold">
+                                          <p:stCondLst>
+                                            <p:cond delay="0"/>
+                                          </p:stCondLst>
+                                        </p:cTn>
+                                        <p:tgtEl>
+                                          <p:spTgt spid="39"/>
+                                        </p:tgtEl>
+                                        <p:attrNameLst>
+                                          <p:attrName>style.visibility</p:attrName>
+                                        </p:attrNameLst>
+                                      </p:cBhvr>
+                                      <p:to>
+                                        <p:strVal val="visible"/>
+                                      </p:to>
+                                    </p:set>
+                                  </p:childTnLst>
+                                </p:cTn>
+                              </p:par>
+                              <p:par>
+                                <p:cTn id="51" presetID="1" presetClass="entr" presetSubtype="0" fill="hold" grpId="0" nodeType="withEffect">
+                                  <p:stCondLst>
+                                    <p:cond delay="0"/>
+                                  </p:stCondLst>
+                                  <p:childTnLst>
+                                    <p:set>
+                                      <p:cBhvr>
+                                        <p:cTn id="52" dur="1" fill="hold">
+                                          <p:stCondLst>
+                                            <p:cond delay="0"/>
+                                          </p:stCondLst>
+                                        </p:cTn>
+                                        <p:tgtEl>
+                                          <p:spTgt spid="38"/>
+                                        </p:tgtEl>
+                                        <p:attrNameLst>
+                                          <p:attrName>style.visibility</p:attrName>
+                                        </p:attrNameLst>
+                                      </p:cBhvr>
+                                      <p:to>
+                                        <p:strVal val="visible"/>
+                                      </p:to>
+                                    </p:set>
+                                  </p:childTnLst>
+                                </p:cTn>
+                              </p:par>
+                            </p:childTnLst>
+                          </p:cTn>
+                        </p:par>
+                      </p:childTnLst>
+                    </p:cTn>
+                  </p:par>
+                </p:childTnLst>
+              </p:cTn>
+              <p:prevCondLst>
+                <p:cond evt="onPrev" delay="0">
+                  <p:tgtEl>
+                    <p:sldTgt/>
+                  </p:tgtEl>
+                </p:cond>
+              </p:prevCondLst>
+              <p:nextCondLst>
+                <p:cond evt="onNext" delay="0">
+                  <p:tgtEl>
+                    <p:sldTgt/>
+                  </p:tgtEl>
+                </p:cond>
+              </p:nextCondLst>
+            </p:seq>
+          </p:childTnLst>
+        </p:cTn>
+      </p:par>
+    </p:tnLst>
+    <p:bldLst>
+      <p:bldP spid="10" grpId="0"/>
+      <p:bldP spid="11" grpId="0"/>
+      <p:bldP spid="12" grpId="0"/>
+      <p:bldP spid="13" grpId="0"/>
+      <p:bldP spid="14" grpId="0" animBg="1"/>
+      <p:bldP spid="15" grpId="0" animBg="1"/>
+      <p:bldP spid="16" grpId="0"/>
+      <p:bldP spid="23" grpId="0"/>
+      <p:bldP spid="25" grpId="0"/>
+      <p:bldP spid="26" grpId="0" animBg="1"/>
+      <p:bldP spid="29" grpId="0" animBg="1"/>
+      <p:bldP spid="30" grpId="0"/>
+      <p:bldP spid="32" grpId="0"/>
+      <p:bldP spid="37" grpId="0"/>
+      <p:bldP spid="38" grpId="0"/>
+      <p:bldP spid="39" grpId="0" animBg="1"/>
+    </p:bldLst>
+  </p:timing>
 </p:sld>
 </file>
 
-<file path=ppt/slides/slide3.xml><?xml version="1.0" encoding="utf-8"?>
+<file path=ppt/slides/slide11.xml><?xml version="1.0" encoding="utf-8"?>
 <p:sld xmlns:a="http://schemas.openxmlformats.org/drawingml/2006/main" xmlns:r="http://schemas.openxmlformats.org/officeDocument/2006/relationships" xmlns:p="http://schemas.openxmlformats.org/presentationml/2006/main">
   <p:cSld>
     <p:spTree>
@@ -4036,7 +6801,7 @@
           <p:cNvPr id="2" name="Titel 1">
             <a:extLst>
               <a:ext uri="{FF2B5EF4-FFF2-40B4-BE49-F238E27FC236}">
-                <a16:creationId xmlns:a16="http://schemas.microsoft.com/office/drawing/2014/main" id="{E717D70C-2838-4A73-B529-89BC40A123AA}"/>
+                <a16:creationId xmlns:a16="http://schemas.microsoft.com/office/drawing/2014/main" id="{53C7705D-F3E1-4610-A2B7-62F191AC008C}"/>
               </a:ext>
             </a:extLst>
           </p:cNvPr>
@@ -4054,328 +6819,3599 @@
           <a:p>
             <a:r>
               <a:rPr lang="de-DE" dirty="0"/>
-              <a:t>Allgemeines zur Simulation</a:t>
+              <a:t>Runge </a:t>
             </a:r>
+            <a:r>
+              <a:rPr lang="de-DE" dirty="0" err="1"/>
+              <a:t>Kutta</a:t>
+            </a:r>
+            <a:r>
+              <a:rPr lang="de-DE" dirty="0"/>
+              <a:t> 4-Verfahren</a:t>
+            </a:r>
+          </a:p>
+        </p:txBody>
+      </p:sp>
+      <p:cxnSp>
+        <p:nvCxnSpPr>
+          <p:cNvPr id="5" name="Gerade Verbindung mit Pfeil 4">
+            <a:extLst>
+              <a:ext uri="{FF2B5EF4-FFF2-40B4-BE49-F238E27FC236}">
+                <a16:creationId xmlns:a16="http://schemas.microsoft.com/office/drawing/2014/main" id="{0EF4FD4E-3E21-4CB1-B330-A8ACB18F55F6}"/>
+              </a:ext>
+            </a:extLst>
+          </p:cNvPr>
+          <p:cNvCxnSpPr>
+            <a:cxnSpLocks/>
+          </p:cNvCxnSpPr>
+          <p:nvPr/>
+        </p:nvCxnSpPr>
+        <p:spPr>
+          <a:xfrm flipV="1">
+            <a:off x="1711409" y="2246051"/>
+            <a:ext cx="0" cy="3027285"/>
+          </a:xfrm>
+          <a:prstGeom prst="straightConnector1">
+            <a:avLst/>
+          </a:prstGeom>
+          <a:ln>
+            <a:tailEnd type="triangle"/>
+          </a:ln>
+        </p:spPr>
+        <p:style>
+          <a:lnRef idx="1">
+            <a:schemeClr val="accent1"/>
+          </a:lnRef>
+          <a:fillRef idx="0">
+            <a:schemeClr val="accent1"/>
+          </a:fillRef>
+          <a:effectRef idx="0">
+            <a:schemeClr val="accent1"/>
+          </a:effectRef>
+          <a:fontRef idx="minor">
+            <a:schemeClr val="tx1"/>
+          </a:fontRef>
+        </p:style>
+      </p:cxnSp>
+      <p:cxnSp>
+        <p:nvCxnSpPr>
+          <p:cNvPr id="8" name="Gerade Verbindung mit Pfeil 7">
+            <a:extLst>
+              <a:ext uri="{FF2B5EF4-FFF2-40B4-BE49-F238E27FC236}">
+                <a16:creationId xmlns:a16="http://schemas.microsoft.com/office/drawing/2014/main" id="{2FD73A52-230C-4E8B-AF29-3A2D8125B341}"/>
+              </a:ext>
+            </a:extLst>
+          </p:cNvPr>
+          <p:cNvCxnSpPr>
+            <a:cxnSpLocks/>
+          </p:cNvCxnSpPr>
+          <p:nvPr/>
+        </p:nvCxnSpPr>
+        <p:spPr>
+          <a:xfrm>
+            <a:off x="1471712" y="5095782"/>
+            <a:ext cx="3094608" cy="0"/>
+          </a:xfrm>
+          <a:prstGeom prst="straightConnector1">
+            <a:avLst/>
+          </a:prstGeom>
+          <a:ln>
+            <a:tailEnd type="triangle"/>
+          </a:ln>
+        </p:spPr>
+        <p:style>
+          <a:lnRef idx="1">
+            <a:schemeClr val="accent1"/>
+          </a:lnRef>
+          <a:fillRef idx="0">
+            <a:schemeClr val="accent1"/>
+          </a:fillRef>
+          <a:effectRef idx="0">
+            <a:schemeClr val="accent1"/>
+          </a:effectRef>
+          <a:fontRef idx="minor">
+            <a:schemeClr val="tx1"/>
+          </a:fontRef>
+        </p:style>
+      </p:cxnSp>
+      <p:sp>
+        <p:nvSpPr>
+          <p:cNvPr id="14" name="Ellipse 13">
+            <a:extLst>
+              <a:ext uri="{FF2B5EF4-FFF2-40B4-BE49-F238E27FC236}">
+                <a16:creationId xmlns:a16="http://schemas.microsoft.com/office/drawing/2014/main" id="{014C0FE7-FCF6-42B6-9F24-3A9B268610A7}"/>
+              </a:ext>
+            </a:extLst>
+          </p:cNvPr>
+          <p:cNvSpPr/>
+          <p:nvPr/>
+        </p:nvSpPr>
+        <p:spPr>
+          <a:xfrm>
+            <a:off x="1617450" y="4283493"/>
+            <a:ext cx="149437" cy="115372"/>
+          </a:xfrm>
+          <a:prstGeom prst="ellipse">
+            <a:avLst/>
+          </a:prstGeom>
+        </p:spPr>
+        <p:style>
+          <a:lnRef idx="2">
+            <a:schemeClr val="accent1">
+              <a:shade val="50000"/>
+            </a:schemeClr>
+          </a:lnRef>
+          <a:fillRef idx="1">
+            <a:schemeClr val="accent1"/>
+          </a:fillRef>
+          <a:effectRef idx="0">
+            <a:schemeClr val="accent1"/>
+          </a:effectRef>
+          <a:fontRef idx="minor">
+            <a:schemeClr val="lt1"/>
+          </a:fontRef>
+        </p:style>
+        <p:txBody>
+          <a:bodyPr rtlCol="0" anchor="ctr"/>
+          <a:lstStyle/>
+          <a:p>
+            <a:pPr algn="ctr"/>
+            <a:endParaRPr lang="de-DE"/>
+          </a:p>
+        </p:txBody>
+      </p:sp>
+      <mc:AlternateContent xmlns:mc="http://schemas.openxmlformats.org/markup-compatibility/2006" xmlns:a14="http://schemas.microsoft.com/office/drawing/2010/main">
+        <mc:Choice Requires="a14">
+          <p:sp>
+            <p:nvSpPr>
+              <p:cNvPr id="15" name="Textfeld 14">
+                <a:extLst>
+                  <a:ext uri="{FF2B5EF4-FFF2-40B4-BE49-F238E27FC236}">
+                    <a16:creationId xmlns:a16="http://schemas.microsoft.com/office/drawing/2014/main" id="{2F0E5031-05F3-450D-A2A0-52920973987B}"/>
+                  </a:ext>
+                </a:extLst>
+              </p:cNvPr>
+              <p:cNvSpPr txBox="1"/>
+              <p:nvPr/>
+            </p:nvSpPr>
+            <p:spPr>
+              <a:xfrm>
+                <a:off x="1362592" y="4260365"/>
+                <a:ext cx="301837" cy="276999"/>
+              </a:xfrm>
+              <a:prstGeom prst="rect">
+                <a:avLst/>
+              </a:prstGeom>
+              <a:noFill/>
+            </p:spPr>
+            <p:txBody>
+              <a:bodyPr wrap="square" rtlCol="0">
+                <a:spAutoFit/>
+              </a:bodyPr>
+              <a:lstStyle/>
+              <a:p>
+                <a:pPr/>
+                <a14:m>
+                  <m:oMathPara xmlns:m="http://schemas.openxmlformats.org/officeDocument/2006/math">
+                    <m:oMathParaPr>
+                      <m:jc m:val="centerGroup"/>
+                    </m:oMathParaPr>
+                    <m:oMath xmlns:m="http://schemas.openxmlformats.org/officeDocument/2006/math">
+                      <m:sSub>
+                        <m:sSubPr>
+                          <m:ctrlPr>
+                            <a:rPr lang="de-DE" sz="1200" i="1" smtClean="0">
+                              <a:latin typeface="Cambria Math" panose="02040503050406030204" pitchFamily="18" charset="0"/>
+                            </a:rPr>
+                          </m:ctrlPr>
+                        </m:sSubPr>
+                        <m:e>
+                          <m:r>
+                            <a:rPr lang="de-DE" sz="1200" i="1">
+                              <a:latin typeface="Cambria Math" panose="02040503050406030204" pitchFamily="18" charset="0"/>
+                            </a:rPr>
+                            <m:t>𝑦</m:t>
+                          </m:r>
+                        </m:e>
+                        <m:sub>
+                          <m:r>
+                            <a:rPr lang="de-DE" sz="1200" i="0">
+                              <a:latin typeface="Cambria Math" panose="02040503050406030204" pitchFamily="18" charset="0"/>
+                            </a:rPr>
+                            <m:t>0</m:t>
+                          </m:r>
+                        </m:sub>
+                      </m:sSub>
+                    </m:oMath>
+                  </m:oMathPara>
+                </a14:m>
+                <a:endParaRPr lang="de-DE" sz="1200" dirty="0"/>
+              </a:p>
+            </p:txBody>
+          </p:sp>
+        </mc:Choice>
+        <mc:Fallback xmlns="">
+          <p:sp>
+            <p:nvSpPr>
+              <p:cNvPr id="15" name="Textfeld 14">
+                <a:extLst>
+                  <a:ext uri="{FF2B5EF4-FFF2-40B4-BE49-F238E27FC236}">
+                    <a16:creationId xmlns:a16="http://schemas.microsoft.com/office/drawing/2014/main" id="{2F0E5031-05F3-450D-A2A0-52920973987B}"/>
+                  </a:ext>
+                </a:extLst>
+              </p:cNvPr>
+              <p:cNvSpPr txBox="1">
+                <a:spLocks noRot="1" noChangeAspect="1" noMove="1" noResize="1" noEditPoints="1" noAdjustHandles="1" noChangeArrowheads="1" noChangeShapeType="1" noTextEdit="1"/>
+              </p:cNvSpPr>
+              <p:nvPr/>
+            </p:nvSpPr>
+            <p:spPr>
+              <a:xfrm>
+                <a:off x="1362592" y="4260365"/>
+                <a:ext cx="301837" cy="276999"/>
+              </a:xfrm>
+              <a:prstGeom prst="rect">
+                <a:avLst/>
+              </a:prstGeom>
+              <a:blipFill>
+                <a:blip r:embed="rId2"/>
+                <a:stretch>
+                  <a:fillRect/>
+                </a:stretch>
+              </a:blipFill>
+            </p:spPr>
+            <p:txBody>
+              <a:bodyPr/>
+              <a:lstStyle/>
+              <a:p>
+                <a:r>
+                  <a:rPr lang="de-DE">
+                    <a:noFill/>
+                  </a:rPr>
+                  <a:t> </a:t>
+                </a:r>
+              </a:p>
+            </p:txBody>
+          </p:sp>
+        </mc:Fallback>
+      </mc:AlternateContent>
+      <p:sp>
+        <p:nvSpPr>
+          <p:cNvPr id="17" name="Ellipse 16">
+            <a:extLst>
+              <a:ext uri="{FF2B5EF4-FFF2-40B4-BE49-F238E27FC236}">
+                <a16:creationId xmlns:a16="http://schemas.microsoft.com/office/drawing/2014/main" id="{5F9B91BE-EFDC-4E11-AA61-57A952F8B21D}"/>
+              </a:ext>
+            </a:extLst>
+          </p:cNvPr>
+          <p:cNvSpPr/>
+          <p:nvPr/>
+        </p:nvSpPr>
+        <p:spPr>
+          <a:xfrm>
+            <a:off x="2524452" y="4036398"/>
+            <a:ext cx="149437" cy="115372"/>
+          </a:xfrm>
+          <a:prstGeom prst="ellipse">
+            <a:avLst/>
+          </a:prstGeom>
+        </p:spPr>
+        <p:style>
+          <a:lnRef idx="2">
+            <a:schemeClr val="accent1">
+              <a:shade val="50000"/>
+            </a:schemeClr>
+          </a:lnRef>
+          <a:fillRef idx="1">
+            <a:schemeClr val="accent1"/>
+          </a:fillRef>
+          <a:effectRef idx="0">
+            <a:schemeClr val="accent1"/>
+          </a:effectRef>
+          <a:fontRef idx="minor">
+            <a:schemeClr val="lt1"/>
+          </a:fontRef>
+        </p:style>
+        <p:txBody>
+          <a:bodyPr rtlCol="0" anchor="ctr"/>
+          <a:lstStyle/>
+          <a:p>
+            <a:pPr algn="ctr"/>
+            <a:endParaRPr lang="de-DE"/>
           </a:p>
         </p:txBody>
       </p:sp>
       <p:sp>
         <p:nvSpPr>
-          <p:cNvPr id="3" name="Inhaltsplatzhalter 2">
+          <p:cNvPr id="18" name="Ellipse 17">
             <a:extLst>
               <a:ext uri="{FF2B5EF4-FFF2-40B4-BE49-F238E27FC236}">
-                <a16:creationId xmlns:a16="http://schemas.microsoft.com/office/drawing/2014/main" id="{B90872BD-90A5-4A6D-987E-395BF48837F2}"/>
+                <a16:creationId xmlns:a16="http://schemas.microsoft.com/office/drawing/2014/main" id="{CF094B5C-FF10-4A89-BA67-8729160065C0}"/>
               </a:ext>
             </a:extLst>
           </p:cNvPr>
-          <p:cNvSpPr>
-            <a:spLocks noGrp="1"/>
-          </p:cNvSpPr>
-          <p:nvPr>
-            <p:ph idx="1"/>
-          </p:nvPr>
+          <p:cNvSpPr/>
+          <p:nvPr/>
         </p:nvSpPr>
-        <p:spPr/>
+        <p:spPr>
+          <a:xfrm>
+            <a:off x="2524451" y="3707960"/>
+            <a:ext cx="149437" cy="115372"/>
+          </a:xfrm>
+          <a:prstGeom prst="ellipse">
+            <a:avLst/>
+          </a:prstGeom>
+        </p:spPr>
+        <p:style>
+          <a:lnRef idx="2">
+            <a:schemeClr val="accent1">
+              <a:shade val="50000"/>
+            </a:schemeClr>
+          </a:lnRef>
+          <a:fillRef idx="1">
+            <a:schemeClr val="accent1"/>
+          </a:fillRef>
+          <a:effectRef idx="0">
+            <a:schemeClr val="accent1"/>
+          </a:effectRef>
+          <a:fontRef idx="minor">
+            <a:schemeClr val="lt1"/>
+          </a:fontRef>
+        </p:style>
         <p:txBody>
-          <a:bodyPr>
-            <a:normAutofit fontScale="85000" lnSpcReduction="20000"/>
+          <a:bodyPr rtlCol="0" anchor="ctr"/>
+          <a:lstStyle/>
+          <a:p>
+            <a:pPr algn="ctr"/>
+            <a:endParaRPr lang="de-DE"/>
+          </a:p>
+        </p:txBody>
+      </p:sp>
+      <p:sp>
+        <p:nvSpPr>
+          <p:cNvPr id="25" name="Freihandform: Form 24">
+            <a:extLst>
+              <a:ext uri="{FF2B5EF4-FFF2-40B4-BE49-F238E27FC236}">
+                <a16:creationId xmlns:a16="http://schemas.microsoft.com/office/drawing/2014/main" id="{C3AC4A48-822B-4864-A874-5676275251F1}"/>
+              </a:ext>
+            </a:extLst>
+          </p:cNvPr>
+          <p:cNvSpPr/>
+          <p:nvPr/>
+        </p:nvSpPr>
+        <p:spPr>
+          <a:xfrm>
+            <a:off x="1698832" y="2015231"/>
+            <a:ext cx="1997476" cy="2308194"/>
+          </a:xfrm>
+          <a:custGeom>
+            <a:avLst/>
+            <a:gdLst>
+              <a:gd name="connsiteX0" fmla="*/ 0 w 1997476"/>
+              <a:gd name="connsiteY0" fmla="*/ 2308194 h 2308194"/>
+              <a:gd name="connsiteX1" fmla="*/ 541538 w 1997476"/>
+              <a:gd name="connsiteY1" fmla="*/ 2130641 h 2308194"/>
+              <a:gd name="connsiteX2" fmla="*/ 1083076 w 1997476"/>
+              <a:gd name="connsiteY2" fmla="*/ 1802167 h 2308194"/>
+              <a:gd name="connsiteX3" fmla="*/ 1340529 w 1997476"/>
+              <a:gd name="connsiteY3" fmla="*/ 1518082 h 2308194"/>
+              <a:gd name="connsiteX4" fmla="*/ 1553593 w 1997476"/>
+              <a:gd name="connsiteY4" fmla="*/ 1198486 h 2308194"/>
+              <a:gd name="connsiteX5" fmla="*/ 1740024 w 1997476"/>
+              <a:gd name="connsiteY5" fmla="*/ 816746 h 2308194"/>
+              <a:gd name="connsiteX6" fmla="*/ 1917577 w 1997476"/>
+              <a:gd name="connsiteY6" fmla="*/ 301841 h 2308194"/>
+              <a:gd name="connsiteX7" fmla="*/ 1997476 w 1997476"/>
+              <a:gd name="connsiteY7" fmla="*/ 0 h 2308194"/>
+            </a:gdLst>
+            <a:ahLst/>
+            <a:cxnLst>
+              <a:cxn ang="0">
+                <a:pos x="connsiteX0" y="connsiteY0"/>
+              </a:cxn>
+              <a:cxn ang="0">
+                <a:pos x="connsiteX1" y="connsiteY1"/>
+              </a:cxn>
+              <a:cxn ang="0">
+                <a:pos x="connsiteX2" y="connsiteY2"/>
+              </a:cxn>
+              <a:cxn ang="0">
+                <a:pos x="connsiteX3" y="connsiteY3"/>
+              </a:cxn>
+              <a:cxn ang="0">
+                <a:pos x="connsiteX4" y="connsiteY4"/>
+              </a:cxn>
+              <a:cxn ang="0">
+                <a:pos x="connsiteX5" y="connsiteY5"/>
+              </a:cxn>
+              <a:cxn ang="0">
+                <a:pos x="connsiteX6" y="connsiteY6"/>
+              </a:cxn>
+              <a:cxn ang="0">
+                <a:pos x="connsiteX7" y="connsiteY7"/>
+              </a:cxn>
+            </a:cxnLst>
+            <a:rect l="l" t="t" r="r" b="b"/>
+            <a:pathLst>
+              <a:path w="1997476" h="2308194">
+                <a:moveTo>
+                  <a:pt x="0" y="2308194"/>
+                </a:moveTo>
+                <a:cubicBezTo>
+                  <a:pt x="180513" y="2261586"/>
+                  <a:pt x="361026" y="2214979"/>
+                  <a:pt x="541538" y="2130641"/>
+                </a:cubicBezTo>
+                <a:cubicBezTo>
+                  <a:pt x="722050" y="2046303"/>
+                  <a:pt x="949911" y="1904260"/>
+                  <a:pt x="1083076" y="1802167"/>
+                </a:cubicBezTo>
+                <a:cubicBezTo>
+                  <a:pt x="1216241" y="1700074"/>
+                  <a:pt x="1262110" y="1618695"/>
+                  <a:pt x="1340529" y="1518082"/>
+                </a:cubicBezTo>
+                <a:cubicBezTo>
+                  <a:pt x="1418948" y="1417469"/>
+                  <a:pt x="1487011" y="1315375"/>
+                  <a:pt x="1553593" y="1198486"/>
+                </a:cubicBezTo>
+                <a:cubicBezTo>
+                  <a:pt x="1620176" y="1081597"/>
+                  <a:pt x="1679360" y="966187"/>
+                  <a:pt x="1740024" y="816746"/>
+                </a:cubicBezTo>
+                <a:cubicBezTo>
+                  <a:pt x="1800688" y="667305"/>
+                  <a:pt x="1874668" y="437965"/>
+                  <a:pt x="1917577" y="301841"/>
+                </a:cubicBezTo>
+                <a:cubicBezTo>
+                  <a:pt x="1960486" y="165717"/>
+                  <a:pt x="1991558" y="22194"/>
+                  <a:pt x="1997476" y="0"/>
+                </a:cubicBezTo>
+              </a:path>
+            </a:pathLst>
+          </a:custGeom>
+          <a:noFill/>
+        </p:spPr>
+        <p:style>
+          <a:lnRef idx="2">
+            <a:schemeClr val="accent1">
+              <a:shade val="50000"/>
+            </a:schemeClr>
+          </a:lnRef>
+          <a:fillRef idx="1">
+            <a:schemeClr val="accent1"/>
+          </a:fillRef>
+          <a:effectRef idx="0">
+            <a:schemeClr val="accent1"/>
+          </a:effectRef>
+          <a:fontRef idx="minor">
+            <a:schemeClr val="lt1"/>
+          </a:fontRef>
+        </p:style>
+        <p:txBody>
+          <a:bodyPr rtlCol="0" anchor="ctr"/>
+          <a:lstStyle/>
+          <a:p>
+            <a:pPr algn="ctr"/>
+            <a:endParaRPr lang="de-DE"/>
+          </a:p>
+        </p:txBody>
+      </p:sp>
+      <p:cxnSp>
+        <p:nvCxnSpPr>
+          <p:cNvPr id="27" name="Gerade Verbindung mit Pfeil 26">
+            <a:extLst>
+              <a:ext uri="{FF2B5EF4-FFF2-40B4-BE49-F238E27FC236}">
+                <a16:creationId xmlns:a16="http://schemas.microsoft.com/office/drawing/2014/main" id="{2262EA05-A3D0-4DA0-9E73-556E194AF24D}"/>
+              </a:ext>
+            </a:extLst>
+          </p:cNvPr>
+          <p:cNvCxnSpPr>
+            <a:cxnSpLocks/>
+            <a:stCxn id="25" idx="0"/>
+          </p:cNvCxnSpPr>
+          <p:nvPr/>
+        </p:nvCxnSpPr>
+        <p:spPr>
+          <a:xfrm flipV="1">
+            <a:off x="1698832" y="3823332"/>
+            <a:ext cx="1890944" cy="500093"/>
+          </a:xfrm>
+          <a:prstGeom prst="straightConnector1">
+            <a:avLst/>
+          </a:prstGeom>
+          <a:ln>
+            <a:tailEnd type="triangle"/>
+          </a:ln>
+        </p:spPr>
+        <p:style>
+          <a:lnRef idx="1">
+            <a:schemeClr val="accent1"/>
+          </a:lnRef>
+          <a:fillRef idx="0">
+            <a:schemeClr val="accent1"/>
+          </a:fillRef>
+          <a:effectRef idx="0">
+            <a:schemeClr val="accent1"/>
+          </a:effectRef>
+          <a:fontRef idx="minor">
+            <a:schemeClr val="tx1"/>
+          </a:fontRef>
+        </p:style>
+      </p:cxnSp>
+      <p:cxnSp>
+        <p:nvCxnSpPr>
+          <p:cNvPr id="31" name="Gerade Verbindung mit Pfeil 30">
+            <a:extLst>
+              <a:ext uri="{FF2B5EF4-FFF2-40B4-BE49-F238E27FC236}">
+                <a16:creationId xmlns:a16="http://schemas.microsoft.com/office/drawing/2014/main" id="{EB8F3D3A-8533-4EDD-9B3F-3ECC44B2169F}"/>
+              </a:ext>
+            </a:extLst>
+          </p:cNvPr>
+          <p:cNvCxnSpPr>
+            <a:cxnSpLocks/>
+            <a:stCxn id="17" idx="4"/>
+          </p:cNvCxnSpPr>
+          <p:nvPr/>
+        </p:nvCxnSpPr>
+        <p:spPr>
+          <a:xfrm flipH="1">
+            <a:off x="2599169" y="4151770"/>
+            <a:ext cx="2" cy="944012"/>
+          </a:xfrm>
+          <a:prstGeom prst="straightConnector1">
+            <a:avLst/>
+          </a:prstGeom>
+          <a:ln w="9525" cap="flat" cmpd="sng" algn="ctr">
+            <a:solidFill>
+              <a:schemeClr val="dk1"/>
+            </a:solidFill>
+            <a:prstDash val="dash"/>
+            <a:round/>
+            <a:headEnd type="none" w="med" len="med"/>
+            <a:tailEnd type="none" w="med" len="med"/>
+          </a:ln>
+        </p:spPr>
+        <p:style>
+          <a:lnRef idx="0">
+            <a:scrgbClr r="0" g="0" b="0"/>
+          </a:lnRef>
+          <a:fillRef idx="0">
+            <a:scrgbClr r="0" g="0" b="0"/>
+          </a:fillRef>
+          <a:effectRef idx="0">
+            <a:scrgbClr r="0" g="0" b="0"/>
+          </a:effectRef>
+          <a:fontRef idx="minor">
+            <a:schemeClr val="tx1"/>
+          </a:fontRef>
+        </p:style>
+      </p:cxnSp>
+      <p:cxnSp>
+        <p:nvCxnSpPr>
+          <p:cNvPr id="33" name="Gerade Verbindung mit Pfeil 32">
+            <a:extLst>
+              <a:ext uri="{FF2B5EF4-FFF2-40B4-BE49-F238E27FC236}">
+                <a16:creationId xmlns:a16="http://schemas.microsoft.com/office/drawing/2014/main" id="{686EA2D8-1A25-42DE-8EAC-591BB6C289E6}"/>
+              </a:ext>
+            </a:extLst>
+          </p:cNvPr>
+          <p:cNvCxnSpPr>
+            <a:cxnSpLocks/>
+          </p:cNvCxnSpPr>
+          <p:nvPr/>
+        </p:nvCxnSpPr>
+        <p:spPr>
+          <a:xfrm>
+            <a:off x="3551676" y="2794946"/>
+            <a:ext cx="38100" cy="2300836"/>
+          </a:xfrm>
+          <a:prstGeom prst="straightConnector1">
+            <a:avLst/>
+          </a:prstGeom>
+          <a:ln w="9525" cap="flat" cmpd="sng" algn="ctr">
+            <a:solidFill>
+              <a:schemeClr val="dk1"/>
+            </a:solidFill>
+            <a:prstDash val="dash"/>
+            <a:round/>
+            <a:headEnd type="none" w="med" len="med"/>
+            <a:tailEnd type="none" w="med" len="med"/>
+          </a:ln>
+        </p:spPr>
+        <p:style>
+          <a:lnRef idx="0">
+            <a:scrgbClr r="0" g="0" b="0"/>
+          </a:lnRef>
+          <a:fillRef idx="0">
+            <a:scrgbClr r="0" g="0" b="0"/>
+          </a:fillRef>
+          <a:effectRef idx="0">
+            <a:scrgbClr r="0" g="0" b="0"/>
+          </a:effectRef>
+          <a:fontRef idx="minor">
+            <a:schemeClr val="tx1"/>
+          </a:fontRef>
+        </p:style>
+      </p:cxnSp>
+      <mc:AlternateContent xmlns:mc="http://schemas.openxmlformats.org/markup-compatibility/2006" xmlns:a14="http://schemas.microsoft.com/office/drawing/2010/main">
+        <mc:Choice Requires="a14">
+          <p:sp>
+            <p:nvSpPr>
+              <p:cNvPr id="37" name="Textfeld 36">
+                <a:extLst>
+                  <a:ext uri="{FF2B5EF4-FFF2-40B4-BE49-F238E27FC236}">
+                    <a16:creationId xmlns:a16="http://schemas.microsoft.com/office/drawing/2014/main" id="{078FA9EF-7847-449C-BD5E-CA99E9553822}"/>
+                  </a:ext>
+                </a:extLst>
+              </p:cNvPr>
+              <p:cNvSpPr txBox="1"/>
+              <p:nvPr/>
+            </p:nvSpPr>
+            <p:spPr>
+              <a:xfrm>
+                <a:off x="2237686" y="5055631"/>
+                <a:ext cx="787714" cy="276999"/>
+              </a:xfrm>
+              <a:prstGeom prst="rect">
+                <a:avLst/>
+              </a:prstGeom>
+              <a:noFill/>
+            </p:spPr>
+            <p:txBody>
+              <a:bodyPr wrap="square" rtlCol="0">
+                <a:spAutoFit/>
+              </a:bodyPr>
+              <a:lstStyle/>
+              <a:p>
+                <a:pPr/>
+                <a14:m>
+                  <m:oMathPara xmlns:m="http://schemas.openxmlformats.org/officeDocument/2006/math">
+                    <m:oMathParaPr>
+                      <m:jc m:val="centerGroup"/>
+                    </m:oMathParaPr>
+                    <m:oMath xmlns:m="http://schemas.openxmlformats.org/officeDocument/2006/math">
+                      <m:sSub>
+                        <m:sSubPr>
+                          <m:ctrlPr>
+                            <a:rPr lang="de-DE" sz="1200" i="1" smtClean="0">
+                              <a:latin typeface="Cambria Math" panose="02040503050406030204" pitchFamily="18" charset="0"/>
+                            </a:rPr>
+                          </m:ctrlPr>
+                        </m:sSubPr>
+                        <m:e>
+                          <m:r>
+                            <a:rPr lang="de-DE" sz="1200" b="0" i="1" smtClean="0">
+                              <a:latin typeface="Cambria Math" panose="02040503050406030204" pitchFamily="18" charset="0"/>
+                            </a:rPr>
+                            <m:t>𝑡</m:t>
+                          </m:r>
+                        </m:e>
+                        <m:sub>
+                          <m:r>
+                            <a:rPr lang="de-DE" sz="1200" i="0">
+                              <a:latin typeface="Cambria Math" panose="02040503050406030204" pitchFamily="18" charset="0"/>
+                            </a:rPr>
+                            <m:t>0</m:t>
+                          </m:r>
+                        </m:sub>
+                      </m:sSub>
+                      <m:r>
+                        <a:rPr lang="de-DE" sz="1200" b="0" i="1" smtClean="0">
+                          <a:latin typeface="Cambria Math" panose="02040503050406030204" pitchFamily="18" charset="0"/>
+                        </a:rPr>
+                        <m:t>+</m:t>
+                      </m:r>
+                      <m:r>
+                        <a:rPr lang="de-DE" sz="1200" b="0" i="1" smtClean="0">
+                          <a:latin typeface="Cambria Math" panose="02040503050406030204" pitchFamily="18" charset="0"/>
+                        </a:rPr>
+                        <m:t>h</m:t>
+                      </m:r>
+                      <m:r>
+                        <a:rPr lang="de-DE" sz="1200" b="0" i="1" smtClean="0">
+                          <a:latin typeface="Cambria Math" panose="02040503050406030204" pitchFamily="18" charset="0"/>
+                        </a:rPr>
+                        <m:t>/2</m:t>
+                      </m:r>
+                    </m:oMath>
+                  </m:oMathPara>
+                </a14:m>
+                <a:endParaRPr lang="de-DE" sz="1200" dirty="0"/>
+              </a:p>
+            </p:txBody>
+          </p:sp>
+        </mc:Choice>
+        <mc:Fallback xmlns="">
+          <p:sp>
+            <p:nvSpPr>
+              <p:cNvPr id="37" name="Textfeld 36">
+                <a:extLst>
+                  <a:ext uri="{FF2B5EF4-FFF2-40B4-BE49-F238E27FC236}">
+                    <a16:creationId xmlns:a16="http://schemas.microsoft.com/office/drawing/2014/main" id="{078FA9EF-7847-449C-BD5E-CA99E9553822}"/>
+                  </a:ext>
+                </a:extLst>
+              </p:cNvPr>
+              <p:cNvSpPr txBox="1">
+                <a:spLocks noRot="1" noChangeAspect="1" noMove="1" noResize="1" noEditPoints="1" noAdjustHandles="1" noChangeArrowheads="1" noChangeShapeType="1" noTextEdit="1"/>
+              </p:cNvSpPr>
+              <p:nvPr/>
+            </p:nvSpPr>
+            <p:spPr>
+              <a:xfrm>
+                <a:off x="2237686" y="5055631"/>
+                <a:ext cx="787714" cy="276999"/>
+              </a:xfrm>
+              <a:prstGeom prst="rect">
+                <a:avLst/>
+              </a:prstGeom>
+              <a:blipFill>
+                <a:blip r:embed="rId3"/>
+                <a:stretch>
+                  <a:fillRect b="-4348"/>
+                </a:stretch>
+              </a:blipFill>
+            </p:spPr>
+            <p:txBody>
+              <a:bodyPr/>
+              <a:lstStyle/>
+              <a:p>
+                <a:r>
+                  <a:rPr lang="de-DE">
+                    <a:noFill/>
+                  </a:rPr>
+                  <a:t> </a:t>
+                </a:r>
+              </a:p>
+            </p:txBody>
+          </p:sp>
+        </mc:Fallback>
+      </mc:AlternateContent>
+      <mc:AlternateContent xmlns:mc="http://schemas.openxmlformats.org/markup-compatibility/2006" xmlns:a14="http://schemas.microsoft.com/office/drawing/2010/main">
+        <mc:Choice Requires="a14">
+          <p:sp>
+            <p:nvSpPr>
+              <p:cNvPr id="38" name="Textfeld 37">
+                <a:extLst>
+                  <a:ext uri="{FF2B5EF4-FFF2-40B4-BE49-F238E27FC236}">
+                    <a16:creationId xmlns:a16="http://schemas.microsoft.com/office/drawing/2014/main" id="{531D7BDE-D45E-4FC7-B04A-10D89C9DEB83}"/>
+                  </a:ext>
+                </a:extLst>
+              </p:cNvPr>
+              <p:cNvSpPr txBox="1"/>
+              <p:nvPr/>
+            </p:nvSpPr>
+            <p:spPr>
+              <a:xfrm>
+                <a:off x="3232536" y="5058291"/>
+                <a:ext cx="787714" cy="276999"/>
+              </a:xfrm>
+              <a:prstGeom prst="rect">
+                <a:avLst/>
+              </a:prstGeom>
+              <a:noFill/>
+            </p:spPr>
+            <p:txBody>
+              <a:bodyPr wrap="square" rtlCol="0">
+                <a:spAutoFit/>
+              </a:bodyPr>
+              <a:lstStyle/>
+              <a:p>
+                <a:pPr/>
+                <a14:m>
+                  <m:oMathPara xmlns:m="http://schemas.openxmlformats.org/officeDocument/2006/math">
+                    <m:oMathParaPr>
+                      <m:jc m:val="centerGroup"/>
+                    </m:oMathParaPr>
+                    <m:oMath xmlns:m="http://schemas.openxmlformats.org/officeDocument/2006/math">
+                      <m:sSub>
+                        <m:sSubPr>
+                          <m:ctrlPr>
+                            <a:rPr lang="de-DE" sz="1200" i="1" smtClean="0">
+                              <a:latin typeface="Cambria Math" panose="02040503050406030204" pitchFamily="18" charset="0"/>
+                            </a:rPr>
+                          </m:ctrlPr>
+                        </m:sSubPr>
+                        <m:e>
+                          <m:r>
+                            <a:rPr lang="de-DE" sz="1200" b="0" i="1" smtClean="0">
+                              <a:latin typeface="Cambria Math" panose="02040503050406030204" pitchFamily="18" charset="0"/>
+                            </a:rPr>
+                            <m:t>𝑡</m:t>
+                          </m:r>
+                        </m:e>
+                        <m:sub>
+                          <m:r>
+                            <a:rPr lang="de-DE" sz="1200" i="0">
+                              <a:latin typeface="Cambria Math" panose="02040503050406030204" pitchFamily="18" charset="0"/>
+                            </a:rPr>
+                            <m:t>0</m:t>
+                          </m:r>
+                        </m:sub>
+                      </m:sSub>
+                      <m:r>
+                        <a:rPr lang="de-DE" sz="1200" b="0" i="1" smtClean="0">
+                          <a:latin typeface="Cambria Math" panose="02040503050406030204" pitchFamily="18" charset="0"/>
+                        </a:rPr>
+                        <m:t>+</m:t>
+                      </m:r>
+                      <m:r>
+                        <a:rPr lang="de-DE" sz="1200" b="0" i="1" smtClean="0">
+                          <a:latin typeface="Cambria Math" panose="02040503050406030204" pitchFamily="18" charset="0"/>
+                        </a:rPr>
+                        <m:t>h</m:t>
+                      </m:r>
+                    </m:oMath>
+                  </m:oMathPara>
+                </a14:m>
+                <a:endParaRPr lang="de-DE" sz="1200" dirty="0"/>
+              </a:p>
+            </p:txBody>
+          </p:sp>
+        </mc:Choice>
+        <mc:Fallback xmlns="">
+          <p:sp>
+            <p:nvSpPr>
+              <p:cNvPr id="38" name="Textfeld 37">
+                <a:extLst>
+                  <a:ext uri="{FF2B5EF4-FFF2-40B4-BE49-F238E27FC236}">
+                    <a16:creationId xmlns:a16="http://schemas.microsoft.com/office/drawing/2014/main" id="{531D7BDE-D45E-4FC7-B04A-10D89C9DEB83}"/>
+                  </a:ext>
+                </a:extLst>
+              </p:cNvPr>
+              <p:cNvSpPr txBox="1">
+                <a:spLocks noRot="1" noChangeAspect="1" noMove="1" noResize="1" noEditPoints="1" noAdjustHandles="1" noChangeArrowheads="1" noChangeShapeType="1" noTextEdit="1"/>
+              </p:cNvSpPr>
+              <p:nvPr/>
+            </p:nvSpPr>
+            <p:spPr>
+              <a:xfrm>
+                <a:off x="3232536" y="5058291"/>
+                <a:ext cx="787714" cy="276999"/>
+              </a:xfrm>
+              <a:prstGeom prst="rect">
+                <a:avLst/>
+              </a:prstGeom>
+              <a:blipFill>
+                <a:blip r:embed="rId4"/>
+                <a:stretch>
+                  <a:fillRect/>
+                </a:stretch>
+              </a:blipFill>
+            </p:spPr>
+            <p:txBody>
+              <a:bodyPr/>
+              <a:lstStyle/>
+              <a:p>
+                <a:r>
+                  <a:rPr lang="de-DE">
+                    <a:noFill/>
+                  </a:rPr>
+                  <a:t> </a:t>
+                </a:r>
+              </a:p>
+            </p:txBody>
+          </p:sp>
+        </mc:Fallback>
+      </mc:AlternateContent>
+      <mc:AlternateContent xmlns:mc="http://schemas.openxmlformats.org/markup-compatibility/2006" xmlns:a14="http://schemas.microsoft.com/office/drawing/2010/main">
+        <mc:Choice Requires="a14">
+          <p:sp>
+            <p:nvSpPr>
+              <p:cNvPr id="39" name="Textfeld 38">
+                <a:extLst>
+                  <a:ext uri="{FF2B5EF4-FFF2-40B4-BE49-F238E27FC236}">
+                    <a16:creationId xmlns:a16="http://schemas.microsoft.com/office/drawing/2014/main" id="{3BD7C934-E4FF-4280-8548-C76C969776F3}"/>
+                  </a:ext>
+                </a:extLst>
+              </p:cNvPr>
+              <p:cNvSpPr txBox="1"/>
+              <p:nvPr/>
+            </p:nvSpPr>
+            <p:spPr>
+              <a:xfrm>
+                <a:off x="1636452" y="4997525"/>
+                <a:ext cx="301837" cy="276999"/>
+              </a:xfrm>
+              <a:prstGeom prst="rect">
+                <a:avLst/>
+              </a:prstGeom>
+              <a:noFill/>
+            </p:spPr>
+            <p:txBody>
+              <a:bodyPr wrap="square" rtlCol="0">
+                <a:spAutoFit/>
+              </a:bodyPr>
+              <a:lstStyle/>
+              <a:p>
+                <a:pPr/>
+                <a14:m>
+                  <m:oMathPara xmlns:m="http://schemas.openxmlformats.org/officeDocument/2006/math">
+                    <m:oMathParaPr>
+                      <m:jc m:val="centerGroup"/>
+                    </m:oMathParaPr>
+                    <m:oMath xmlns:m="http://schemas.openxmlformats.org/officeDocument/2006/math">
+                      <m:sSub>
+                        <m:sSubPr>
+                          <m:ctrlPr>
+                            <a:rPr lang="de-DE" sz="1200" i="1" smtClean="0">
+                              <a:latin typeface="Cambria Math" panose="02040503050406030204" pitchFamily="18" charset="0"/>
+                            </a:rPr>
+                          </m:ctrlPr>
+                        </m:sSubPr>
+                        <m:e>
+                          <m:r>
+                            <a:rPr lang="de-DE" sz="1200" b="0" i="1" smtClean="0">
+                              <a:latin typeface="Cambria Math" panose="02040503050406030204" pitchFamily="18" charset="0"/>
+                            </a:rPr>
+                            <m:t>𝑡</m:t>
+                          </m:r>
+                        </m:e>
+                        <m:sub>
+                          <m:r>
+                            <a:rPr lang="de-DE" sz="1200" i="0">
+                              <a:latin typeface="Cambria Math" panose="02040503050406030204" pitchFamily="18" charset="0"/>
+                            </a:rPr>
+                            <m:t>0</m:t>
+                          </m:r>
+                        </m:sub>
+                      </m:sSub>
+                    </m:oMath>
+                  </m:oMathPara>
+                </a14:m>
+                <a:endParaRPr lang="de-DE" sz="1200" dirty="0"/>
+              </a:p>
+            </p:txBody>
+          </p:sp>
+        </mc:Choice>
+        <mc:Fallback xmlns="">
+          <p:sp>
+            <p:nvSpPr>
+              <p:cNvPr id="39" name="Textfeld 38">
+                <a:extLst>
+                  <a:ext uri="{FF2B5EF4-FFF2-40B4-BE49-F238E27FC236}">
+                    <a16:creationId xmlns:a16="http://schemas.microsoft.com/office/drawing/2014/main" id="{3BD7C934-E4FF-4280-8548-C76C969776F3}"/>
+                  </a:ext>
+                </a:extLst>
+              </p:cNvPr>
+              <p:cNvSpPr txBox="1">
+                <a:spLocks noRot="1" noChangeAspect="1" noMove="1" noResize="1" noEditPoints="1" noAdjustHandles="1" noChangeArrowheads="1" noChangeShapeType="1" noTextEdit="1"/>
+              </p:cNvSpPr>
+              <p:nvPr/>
+            </p:nvSpPr>
+            <p:spPr>
+              <a:xfrm>
+                <a:off x="1636452" y="4997525"/>
+                <a:ext cx="301837" cy="276999"/>
+              </a:xfrm>
+              <a:prstGeom prst="rect">
+                <a:avLst/>
+              </a:prstGeom>
+              <a:blipFill>
+                <a:blip r:embed="rId5"/>
+                <a:stretch>
+                  <a:fillRect/>
+                </a:stretch>
+              </a:blipFill>
+            </p:spPr>
+            <p:txBody>
+              <a:bodyPr/>
+              <a:lstStyle/>
+              <a:p>
+                <a:r>
+                  <a:rPr lang="de-DE">
+                    <a:noFill/>
+                  </a:rPr>
+                  <a:t> </a:t>
+                </a:r>
+              </a:p>
+            </p:txBody>
+          </p:sp>
+        </mc:Fallback>
+      </mc:AlternateContent>
+      <mc:AlternateContent xmlns:mc="http://schemas.openxmlformats.org/markup-compatibility/2006" xmlns:a14="http://schemas.microsoft.com/office/drawing/2010/main">
+        <mc:Choice Requires="a14">
+          <p:sp>
+            <p:nvSpPr>
+              <p:cNvPr id="41" name="Textfeld 40">
+                <a:extLst>
+                  <a:ext uri="{FF2B5EF4-FFF2-40B4-BE49-F238E27FC236}">
+                    <a16:creationId xmlns:a16="http://schemas.microsoft.com/office/drawing/2014/main" id="{3F96CD39-0C6A-450E-BF33-ACFA1D6F85FE}"/>
+                  </a:ext>
+                </a:extLst>
+              </p:cNvPr>
+              <p:cNvSpPr txBox="1"/>
+              <p:nvPr/>
+            </p:nvSpPr>
+            <p:spPr>
+              <a:xfrm>
+                <a:off x="1853452" y="4184925"/>
+                <a:ext cx="301837" cy="276999"/>
+              </a:xfrm>
+              <a:prstGeom prst="rect">
+                <a:avLst/>
+              </a:prstGeom>
+              <a:noFill/>
+            </p:spPr>
+            <p:txBody>
+              <a:bodyPr wrap="square" rtlCol="0">
+                <a:spAutoFit/>
+              </a:bodyPr>
+              <a:lstStyle/>
+              <a:p>
+                <a:pPr/>
+                <a14:m>
+                  <m:oMathPara xmlns:m="http://schemas.openxmlformats.org/officeDocument/2006/math">
+                    <m:oMathParaPr>
+                      <m:jc m:val="centerGroup"/>
+                    </m:oMathParaPr>
+                    <m:oMath xmlns:m="http://schemas.openxmlformats.org/officeDocument/2006/math">
+                      <m:sSub>
+                        <m:sSubPr>
+                          <m:ctrlPr>
+                            <a:rPr lang="de-DE" sz="1200" i="1" smtClean="0">
+                              <a:latin typeface="Cambria Math" panose="02040503050406030204" pitchFamily="18" charset="0"/>
+                            </a:rPr>
+                          </m:ctrlPr>
+                        </m:sSubPr>
+                        <m:e>
+                          <m:r>
+                            <a:rPr lang="de-DE" sz="1200" b="0" i="1" smtClean="0">
+                              <a:latin typeface="Cambria Math" panose="02040503050406030204" pitchFamily="18" charset="0"/>
+                            </a:rPr>
+                            <m:t>𝑘</m:t>
+                          </m:r>
+                        </m:e>
+                        <m:sub>
+                          <m:r>
+                            <a:rPr lang="de-DE" sz="1200" b="0" i="0" smtClean="0">
+                              <a:latin typeface="Cambria Math" panose="02040503050406030204" pitchFamily="18" charset="0"/>
+                            </a:rPr>
+                            <m:t>1</m:t>
+                          </m:r>
+                        </m:sub>
+                      </m:sSub>
+                    </m:oMath>
+                  </m:oMathPara>
+                </a14:m>
+                <a:endParaRPr lang="de-DE" sz="1200" dirty="0"/>
+              </a:p>
+            </p:txBody>
+          </p:sp>
+        </mc:Choice>
+        <mc:Fallback xmlns="">
+          <p:sp>
+            <p:nvSpPr>
+              <p:cNvPr id="41" name="Textfeld 40">
+                <a:extLst>
+                  <a:ext uri="{FF2B5EF4-FFF2-40B4-BE49-F238E27FC236}">
+                    <a16:creationId xmlns:a16="http://schemas.microsoft.com/office/drawing/2014/main" id="{3F96CD39-0C6A-450E-BF33-ACFA1D6F85FE}"/>
+                  </a:ext>
+                </a:extLst>
+              </p:cNvPr>
+              <p:cNvSpPr txBox="1">
+                <a:spLocks noRot="1" noChangeAspect="1" noMove="1" noResize="1" noEditPoints="1" noAdjustHandles="1" noChangeArrowheads="1" noChangeShapeType="1" noTextEdit="1"/>
+              </p:cNvSpPr>
+              <p:nvPr/>
+            </p:nvSpPr>
+            <p:spPr>
+              <a:xfrm>
+                <a:off x="1853452" y="4184925"/>
+                <a:ext cx="301837" cy="276999"/>
+              </a:xfrm>
+              <a:prstGeom prst="rect">
+                <a:avLst/>
+              </a:prstGeom>
+              <a:blipFill>
+                <a:blip r:embed="rId6"/>
+                <a:stretch>
+                  <a:fillRect/>
+                </a:stretch>
+              </a:blipFill>
+            </p:spPr>
+            <p:txBody>
+              <a:bodyPr/>
+              <a:lstStyle/>
+              <a:p>
+                <a:r>
+                  <a:rPr lang="de-DE">
+                    <a:noFill/>
+                  </a:rPr>
+                  <a:t> </a:t>
+                </a:r>
+              </a:p>
+            </p:txBody>
+          </p:sp>
+        </mc:Fallback>
+      </mc:AlternateContent>
+      <p:cxnSp>
+        <p:nvCxnSpPr>
+          <p:cNvPr id="43" name="Gerade Verbindung mit Pfeil 42">
+            <a:extLst>
+              <a:ext uri="{FF2B5EF4-FFF2-40B4-BE49-F238E27FC236}">
+                <a16:creationId xmlns:a16="http://schemas.microsoft.com/office/drawing/2014/main" id="{09F2E85B-FE72-40EA-ABE9-3985130B40F0}"/>
+              </a:ext>
+            </a:extLst>
+          </p:cNvPr>
+          <p:cNvCxnSpPr>
+            <a:cxnSpLocks/>
+            <a:stCxn id="17" idx="7"/>
+          </p:cNvCxnSpPr>
+          <p:nvPr/>
+        </p:nvCxnSpPr>
+        <p:spPr>
+          <a:xfrm flipV="1">
+            <a:off x="2652004" y="3644591"/>
+            <a:ext cx="647719" cy="408703"/>
+          </a:xfrm>
+          <a:prstGeom prst="straightConnector1">
+            <a:avLst/>
+          </a:prstGeom>
+          <a:ln>
+            <a:tailEnd type="triangle"/>
+          </a:ln>
+        </p:spPr>
+        <p:style>
+          <a:lnRef idx="1">
+            <a:schemeClr val="accent1"/>
+          </a:lnRef>
+          <a:fillRef idx="0">
+            <a:schemeClr val="accent1"/>
+          </a:fillRef>
+          <a:effectRef idx="0">
+            <a:schemeClr val="accent1"/>
+          </a:effectRef>
+          <a:fontRef idx="minor">
+            <a:schemeClr val="tx1"/>
+          </a:fontRef>
+        </p:style>
+      </p:cxnSp>
+      <p:cxnSp>
+        <p:nvCxnSpPr>
+          <p:cNvPr id="50" name="Gerade Verbindung mit Pfeil 49">
+            <a:extLst>
+              <a:ext uri="{FF2B5EF4-FFF2-40B4-BE49-F238E27FC236}">
+                <a16:creationId xmlns:a16="http://schemas.microsoft.com/office/drawing/2014/main" id="{921C31EB-A9F0-4675-BF41-D0D1F79B774A}"/>
+              </a:ext>
+            </a:extLst>
+          </p:cNvPr>
+          <p:cNvCxnSpPr>
+            <a:cxnSpLocks/>
+            <a:endCxn id="18" idx="3"/>
+          </p:cNvCxnSpPr>
+          <p:nvPr/>
+        </p:nvCxnSpPr>
+        <p:spPr>
+          <a:xfrm flipV="1">
+            <a:off x="1688312" y="3806436"/>
+            <a:ext cx="858024" cy="524304"/>
+          </a:xfrm>
+          <a:prstGeom prst="straightConnector1">
+            <a:avLst/>
+          </a:prstGeom>
+          <a:ln>
+            <a:tailEnd type="triangle"/>
+          </a:ln>
+        </p:spPr>
+        <p:style>
+          <a:lnRef idx="1">
+            <a:schemeClr val="accent1"/>
+          </a:lnRef>
+          <a:fillRef idx="0">
+            <a:schemeClr val="accent1"/>
+          </a:fillRef>
+          <a:effectRef idx="0">
+            <a:schemeClr val="accent1"/>
+          </a:effectRef>
+          <a:fontRef idx="minor">
+            <a:schemeClr val="tx1"/>
+          </a:fontRef>
+        </p:style>
+      </p:cxnSp>
+      <p:cxnSp>
+        <p:nvCxnSpPr>
+          <p:cNvPr id="53" name="Gerade Verbindung mit Pfeil 52">
+            <a:extLst>
+              <a:ext uri="{FF2B5EF4-FFF2-40B4-BE49-F238E27FC236}">
+                <a16:creationId xmlns:a16="http://schemas.microsoft.com/office/drawing/2014/main" id="{5A7A9BD2-0A8E-41CE-ACCC-DBBB81EC3E4B}"/>
+              </a:ext>
+            </a:extLst>
+          </p:cNvPr>
+          <p:cNvCxnSpPr>
+            <a:cxnSpLocks/>
+            <a:stCxn id="18" idx="7"/>
+          </p:cNvCxnSpPr>
+          <p:nvPr/>
+        </p:nvCxnSpPr>
+        <p:spPr>
+          <a:xfrm flipV="1">
+            <a:off x="2652003" y="3301532"/>
+            <a:ext cx="505504" cy="423324"/>
+          </a:xfrm>
+          <a:prstGeom prst="straightConnector1">
+            <a:avLst/>
+          </a:prstGeom>
+          <a:ln>
+            <a:tailEnd type="triangle"/>
+          </a:ln>
+        </p:spPr>
+        <p:style>
+          <a:lnRef idx="1">
+            <a:schemeClr val="accent1"/>
+          </a:lnRef>
+          <a:fillRef idx="0">
+            <a:schemeClr val="accent1"/>
+          </a:fillRef>
+          <a:effectRef idx="0">
+            <a:schemeClr val="accent1"/>
+          </a:effectRef>
+          <a:fontRef idx="minor">
+            <a:schemeClr val="tx1"/>
+          </a:fontRef>
+        </p:style>
+      </p:cxnSp>
+      <p:cxnSp>
+        <p:nvCxnSpPr>
+          <p:cNvPr id="55" name="Gerade Verbindung mit Pfeil 54">
+            <a:extLst>
+              <a:ext uri="{FF2B5EF4-FFF2-40B4-BE49-F238E27FC236}">
+                <a16:creationId xmlns:a16="http://schemas.microsoft.com/office/drawing/2014/main" id="{7BE7C815-9BD8-45FB-B246-3EF13E281A8B}"/>
+              </a:ext>
+            </a:extLst>
+          </p:cNvPr>
+          <p:cNvCxnSpPr>
+            <a:cxnSpLocks/>
+          </p:cNvCxnSpPr>
+          <p:nvPr/>
+        </p:nvCxnSpPr>
+        <p:spPr>
+          <a:xfrm flipV="1">
+            <a:off x="1647379" y="2834120"/>
+            <a:ext cx="1822283" cy="1543722"/>
+          </a:xfrm>
+          <a:prstGeom prst="straightConnector1">
+            <a:avLst/>
+          </a:prstGeom>
+          <a:ln>
+            <a:tailEnd type="triangle"/>
+          </a:ln>
+        </p:spPr>
+        <p:style>
+          <a:lnRef idx="1">
+            <a:schemeClr val="accent1"/>
+          </a:lnRef>
+          <a:fillRef idx="0">
+            <a:schemeClr val="accent1"/>
+          </a:fillRef>
+          <a:effectRef idx="0">
+            <a:schemeClr val="accent1"/>
+          </a:effectRef>
+          <a:fontRef idx="minor">
+            <a:schemeClr val="tx1"/>
+          </a:fontRef>
+        </p:style>
+      </p:cxnSp>
+      <p:cxnSp>
+        <p:nvCxnSpPr>
+          <p:cNvPr id="57" name="Gerade Verbindung mit Pfeil 56">
+            <a:extLst>
+              <a:ext uri="{FF2B5EF4-FFF2-40B4-BE49-F238E27FC236}">
+                <a16:creationId xmlns:a16="http://schemas.microsoft.com/office/drawing/2014/main" id="{6FCBC802-73FB-4FF2-8896-4A8CEE70A1C6}"/>
+              </a:ext>
+            </a:extLst>
+          </p:cNvPr>
+          <p:cNvCxnSpPr>
+            <a:cxnSpLocks/>
+            <a:stCxn id="17" idx="2"/>
+          </p:cNvCxnSpPr>
+          <p:nvPr/>
+        </p:nvCxnSpPr>
+        <p:spPr>
+          <a:xfrm flipH="1">
+            <a:off x="1698832" y="4094084"/>
+            <a:ext cx="825620" cy="36424"/>
+          </a:xfrm>
+          <a:prstGeom prst="straightConnector1">
+            <a:avLst/>
+          </a:prstGeom>
+          <a:ln w="9525" cap="flat" cmpd="sng" algn="ctr">
+            <a:solidFill>
+              <a:schemeClr val="dk1"/>
+            </a:solidFill>
+            <a:prstDash val="dash"/>
+            <a:round/>
+            <a:headEnd type="none" w="med" len="med"/>
+            <a:tailEnd type="none" w="med" len="med"/>
+          </a:ln>
+        </p:spPr>
+        <p:style>
+          <a:lnRef idx="0">
+            <a:scrgbClr r="0" g="0" b="0"/>
+          </a:lnRef>
+          <a:fillRef idx="0">
+            <a:scrgbClr r="0" g="0" b="0"/>
+          </a:fillRef>
+          <a:effectRef idx="0">
+            <a:scrgbClr r="0" g="0" b="0"/>
+          </a:effectRef>
+          <a:fontRef idx="minor">
+            <a:schemeClr val="tx1"/>
+          </a:fontRef>
+        </p:style>
+      </p:cxnSp>
+      <mc:AlternateContent xmlns:mc="http://schemas.openxmlformats.org/markup-compatibility/2006" xmlns:a14="http://schemas.microsoft.com/office/drawing/2010/main">
+        <mc:Choice Requires="a14">
+          <p:sp>
+            <p:nvSpPr>
+              <p:cNvPr id="62" name="Textfeld 61">
+                <a:extLst>
+                  <a:ext uri="{FF2B5EF4-FFF2-40B4-BE49-F238E27FC236}">
+                    <a16:creationId xmlns:a16="http://schemas.microsoft.com/office/drawing/2014/main" id="{AAFAE737-6542-4856-98AD-B23450AF6A59}"/>
+                  </a:ext>
+                </a:extLst>
+              </p:cNvPr>
+              <p:cNvSpPr txBox="1"/>
+              <p:nvPr/>
+            </p:nvSpPr>
+            <p:spPr>
+              <a:xfrm>
+                <a:off x="817484" y="3908706"/>
+                <a:ext cx="1197389" cy="354392"/>
+              </a:xfrm>
+              <a:prstGeom prst="rect">
+                <a:avLst/>
+              </a:prstGeom>
+              <a:noFill/>
+            </p:spPr>
+            <p:txBody>
+              <a:bodyPr wrap="square" rtlCol="0">
+                <a:spAutoFit/>
+              </a:bodyPr>
+              <a:lstStyle/>
+              <a:p>
+                <a:pPr/>
+                <a14:m>
+                  <m:oMathPara xmlns:m="http://schemas.openxmlformats.org/officeDocument/2006/math">
+                    <m:oMathParaPr>
+                      <m:jc m:val="centerGroup"/>
+                    </m:oMathParaPr>
+                    <m:oMath xmlns:m="http://schemas.openxmlformats.org/officeDocument/2006/math">
+                      <m:sSub>
+                        <m:sSubPr>
+                          <m:ctrlPr>
+                            <a:rPr lang="de-DE" sz="900" i="1" smtClean="0">
+                              <a:latin typeface="Cambria Math" panose="02040503050406030204" pitchFamily="18" charset="0"/>
+                            </a:rPr>
+                          </m:ctrlPr>
+                        </m:sSubPr>
+                        <m:e>
+                          <m:r>
+                            <a:rPr lang="de-DE" sz="900" i="1">
+                              <a:latin typeface="Cambria Math" panose="02040503050406030204" pitchFamily="18" charset="0"/>
+                            </a:rPr>
+                            <m:t>𝑦</m:t>
+                          </m:r>
+                        </m:e>
+                        <m:sub>
+                          <m:r>
+                            <a:rPr lang="de-DE" sz="900" i="0">
+                              <a:latin typeface="Cambria Math" panose="02040503050406030204" pitchFamily="18" charset="0"/>
+                            </a:rPr>
+                            <m:t>0</m:t>
+                          </m:r>
+                        </m:sub>
+                      </m:sSub>
+                      <m:r>
+                        <a:rPr lang="de-DE" sz="900" b="0" i="1" smtClean="0">
+                          <a:latin typeface="Cambria Math" panose="02040503050406030204" pitchFamily="18" charset="0"/>
+                        </a:rPr>
+                        <m:t>+</m:t>
+                      </m:r>
+                      <m:f>
+                        <m:fPr>
+                          <m:ctrlPr>
+                            <a:rPr lang="de-DE" sz="900" b="0" i="1" smtClean="0">
+                              <a:latin typeface="Cambria Math" panose="02040503050406030204" pitchFamily="18" charset="0"/>
+                            </a:rPr>
+                          </m:ctrlPr>
+                        </m:fPr>
+                        <m:num>
+                          <m:r>
+                            <a:rPr lang="de-DE" sz="900" b="0" i="1" smtClean="0">
+                              <a:latin typeface="Cambria Math" panose="02040503050406030204" pitchFamily="18" charset="0"/>
+                            </a:rPr>
+                            <m:t>h</m:t>
+                          </m:r>
+                        </m:num>
+                        <m:den>
+                          <m:r>
+                            <a:rPr lang="de-DE" sz="900" b="0" i="1" smtClean="0">
+                              <a:latin typeface="Cambria Math" panose="02040503050406030204" pitchFamily="18" charset="0"/>
+                            </a:rPr>
+                            <m:t>2</m:t>
+                          </m:r>
+                        </m:den>
+                      </m:f>
+                      <m:r>
+                        <a:rPr lang="de-DE" sz="900" b="0" i="1" smtClean="0">
+                          <a:latin typeface="Cambria Math" panose="02040503050406030204" pitchFamily="18" charset="0"/>
+                        </a:rPr>
+                        <m:t>∗</m:t>
+                      </m:r>
+                      <m:sSub>
+                        <m:sSubPr>
+                          <m:ctrlPr>
+                            <a:rPr lang="de-DE" sz="900" i="1" dirty="0" smtClean="0">
+                              <a:latin typeface="Cambria Math" panose="02040503050406030204" pitchFamily="18" charset="0"/>
+                            </a:rPr>
+                          </m:ctrlPr>
+                        </m:sSubPr>
+                        <m:e>
+                          <m:r>
+                            <a:rPr lang="de-DE" sz="900" i="1" dirty="0">
+                              <a:latin typeface="Cambria Math" panose="02040503050406030204" pitchFamily="18" charset="0"/>
+                            </a:rPr>
+                            <m:t>𝑘</m:t>
+                          </m:r>
+                        </m:e>
+                        <m:sub>
+                          <m:r>
+                            <a:rPr lang="de-DE" sz="900" i="0" dirty="0">
+                              <a:latin typeface="Cambria Math" panose="02040503050406030204" pitchFamily="18" charset="0"/>
+                            </a:rPr>
+                            <m:t>1</m:t>
+                          </m:r>
+                        </m:sub>
+                      </m:sSub>
+                    </m:oMath>
+                  </m:oMathPara>
+                </a14:m>
+                <a:endParaRPr lang="de-DE" sz="900" dirty="0"/>
+              </a:p>
+            </p:txBody>
+          </p:sp>
+        </mc:Choice>
+        <mc:Fallback xmlns="">
+          <p:sp>
+            <p:nvSpPr>
+              <p:cNvPr id="62" name="Textfeld 61">
+                <a:extLst>
+                  <a:ext uri="{FF2B5EF4-FFF2-40B4-BE49-F238E27FC236}">
+                    <a16:creationId xmlns:a16="http://schemas.microsoft.com/office/drawing/2014/main" id="{AAFAE737-6542-4856-98AD-B23450AF6A59}"/>
+                  </a:ext>
+                </a:extLst>
+              </p:cNvPr>
+              <p:cNvSpPr txBox="1">
+                <a:spLocks noRot="1" noChangeAspect="1" noMove="1" noResize="1" noEditPoints="1" noAdjustHandles="1" noChangeArrowheads="1" noChangeShapeType="1" noTextEdit="1"/>
+              </p:cNvSpPr>
+              <p:nvPr/>
+            </p:nvSpPr>
+            <p:spPr>
+              <a:xfrm>
+                <a:off x="817484" y="3908706"/>
+                <a:ext cx="1197389" cy="354392"/>
+              </a:xfrm>
+              <a:prstGeom prst="rect">
+                <a:avLst/>
+              </a:prstGeom>
+              <a:blipFill>
+                <a:blip r:embed="rId7"/>
+                <a:stretch>
+                  <a:fillRect/>
+                </a:stretch>
+              </a:blipFill>
+            </p:spPr>
+            <p:txBody>
+              <a:bodyPr/>
+              <a:lstStyle/>
+              <a:p>
+                <a:r>
+                  <a:rPr lang="de-DE">
+                    <a:noFill/>
+                  </a:rPr>
+                  <a:t> </a:t>
+                </a:r>
+              </a:p>
+            </p:txBody>
+          </p:sp>
+        </mc:Fallback>
+      </mc:AlternateContent>
+      <mc:AlternateContent xmlns:mc="http://schemas.openxmlformats.org/markup-compatibility/2006" xmlns:a14="http://schemas.microsoft.com/office/drawing/2010/main">
+        <mc:Choice Requires="a14">
+          <p:sp>
+            <p:nvSpPr>
+              <p:cNvPr id="63" name="Textfeld 62">
+                <a:extLst>
+                  <a:ext uri="{FF2B5EF4-FFF2-40B4-BE49-F238E27FC236}">
+                    <a16:creationId xmlns:a16="http://schemas.microsoft.com/office/drawing/2014/main" id="{BD079805-98B8-4BBD-8602-3457B2413235}"/>
+                  </a:ext>
+                </a:extLst>
+              </p:cNvPr>
+              <p:cNvSpPr txBox="1"/>
+              <p:nvPr/>
+            </p:nvSpPr>
+            <p:spPr>
+              <a:xfrm>
+                <a:off x="795764" y="3600296"/>
+                <a:ext cx="1197389" cy="354392"/>
+              </a:xfrm>
+              <a:prstGeom prst="rect">
+                <a:avLst/>
+              </a:prstGeom>
+              <a:noFill/>
+            </p:spPr>
+            <p:txBody>
+              <a:bodyPr wrap="square" rtlCol="0">
+                <a:spAutoFit/>
+              </a:bodyPr>
+              <a:lstStyle/>
+              <a:p>
+                <a:pPr/>
+                <a14:m>
+                  <m:oMathPara xmlns:m="http://schemas.openxmlformats.org/officeDocument/2006/math">
+                    <m:oMathParaPr>
+                      <m:jc m:val="centerGroup"/>
+                    </m:oMathParaPr>
+                    <m:oMath xmlns:m="http://schemas.openxmlformats.org/officeDocument/2006/math">
+                      <m:sSub>
+                        <m:sSubPr>
+                          <m:ctrlPr>
+                            <a:rPr lang="de-DE" sz="900" i="1" smtClean="0">
+                              <a:latin typeface="Cambria Math" panose="02040503050406030204" pitchFamily="18" charset="0"/>
+                            </a:rPr>
+                          </m:ctrlPr>
+                        </m:sSubPr>
+                        <m:e>
+                          <m:r>
+                            <a:rPr lang="de-DE" sz="900" i="1">
+                              <a:latin typeface="Cambria Math" panose="02040503050406030204" pitchFamily="18" charset="0"/>
+                            </a:rPr>
+                            <m:t>𝑦</m:t>
+                          </m:r>
+                        </m:e>
+                        <m:sub>
+                          <m:r>
+                            <a:rPr lang="de-DE" sz="900" i="0">
+                              <a:latin typeface="Cambria Math" panose="02040503050406030204" pitchFamily="18" charset="0"/>
+                            </a:rPr>
+                            <m:t>0</m:t>
+                          </m:r>
+                        </m:sub>
+                      </m:sSub>
+                      <m:r>
+                        <a:rPr lang="de-DE" sz="900" b="0" i="1" smtClean="0">
+                          <a:latin typeface="Cambria Math" panose="02040503050406030204" pitchFamily="18" charset="0"/>
+                        </a:rPr>
+                        <m:t>+</m:t>
+                      </m:r>
+                      <m:f>
+                        <m:fPr>
+                          <m:ctrlPr>
+                            <a:rPr lang="de-DE" sz="900" b="0" i="1" smtClean="0">
+                              <a:latin typeface="Cambria Math" panose="02040503050406030204" pitchFamily="18" charset="0"/>
+                            </a:rPr>
+                          </m:ctrlPr>
+                        </m:fPr>
+                        <m:num>
+                          <m:r>
+                            <a:rPr lang="de-DE" sz="900" b="0" i="1" smtClean="0">
+                              <a:latin typeface="Cambria Math" panose="02040503050406030204" pitchFamily="18" charset="0"/>
+                            </a:rPr>
+                            <m:t>h</m:t>
+                          </m:r>
+                        </m:num>
+                        <m:den>
+                          <m:r>
+                            <a:rPr lang="de-DE" sz="900" b="0" i="1" smtClean="0">
+                              <a:latin typeface="Cambria Math" panose="02040503050406030204" pitchFamily="18" charset="0"/>
+                            </a:rPr>
+                            <m:t>2</m:t>
+                          </m:r>
+                        </m:den>
+                      </m:f>
+                      <m:r>
+                        <a:rPr lang="de-DE" sz="900" b="0" i="1" smtClean="0">
+                          <a:latin typeface="Cambria Math" panose="02040503050406030204" pitchFamily="18" charset="0"/>
+                        </a:rPr>
+                        <m:t>∗</m:t>
+                      </m:r>
+                      <m:sSub>
+                        <m:sSubPr>
+                          <m:ctrlPr>
+                            <a:rPr lang="de-DE" sz="900" i="1" dirty="0" smtClean="0">
+                              <a:latin typeface="Cambria Math" panose="02040503050406030204" pitchFamily="18" charset="0"/>
+                            </a:rPr>
+                          </m:ctrlPr>
+                        </m:sSubPr>
+                        <m:e>
+                          <m:r>
+                            <a:rPr lang="de-DE" sz="900" i="1" dirty="0">
+                              <a:latin typeface="Cambria Math" panose="02040503050406030204" pitchFamily="18" charset="0"/>
+                            </a:rPr>
+                            <m:t>𝑘</m:t>
+                          </m:r>
+                        </m:e>
+                        <m:sub>
+                          <m:r>
+                            <a:rPr lang="de-DE" sz="900" b="0" i="0" dirty="0" smtClean="0">
+                              <a:latin typeface="Cambria Math" panose="02040503050406030204" pitchFamily="18" charset="0"/>
+                            </a:rPr>
+                            <m:t>2</m:t>
+                          </m:r>
+                        </m:sub>
+                      </m:sSub>
+                    </m:oMath>
+                  </m:oMathPara>
+                </a14:m>
+                <a:endParaRPr lang="de-DE" sz="900" dirty="0"/>
+              </a:p>
+            </p:txBody>
+          </p:sp>
+        </mc:Choice>
+        <mc:Fallback xmlns="">
+          <p:sp>
+            <p:nvSpPr>
+              <p:cNvPr id="63" name="Textfeld 62">
+                <a:extLst>
+                  <a:ext uri="{FF2B5EF4-FFF2-40B4-BE49-F238E27FC236}">
+                    <a16:creationId xmlns:a16="http://schemas.microsoft.com/office/drawing/2014/main" id="{BD079805-98B8-4BBD-8602-3457B2413235}"/>
+                  </a:ext>
+                </a:extLst>
+              </p:cNvPr>
+              <p:cNvSpPr txBox="1">
+                <a:spLocks noRot="1" noChangeAspect="1" noMove="1" noResize="1" noEditPoints="1" noAdjustHandles="1" noChangeArrowheads="1" noChangeShapeType="1" noTextEdit="1"/>
+              </p:cNvSpPr>
+              <p:nvPr/>
+            </p:nvSpPr>
+            <p:spPr>
+              <a:xfrm>
+                <a:off x="795764" y="3600296"/>
+                <a:ext cx="1197389" cy="354392"/>
+              </a:xfrm>
+              <a:prstGeom prst="rect">
+                <a:avLst/>
+              </a:prstGeom>
+              <a:blipFill>
+                <a:blip r:embed="rId8"/>
+                <a:stretch>
+                  <a:fillRect/>
+                </a:stretch>
+              </a:blipFill>
+            </p:spPr>
+            <p:txBody>
+              <a:bodyPr/>
+              <a:lstStyle/>
+              <a:p>
+                <a:r>
+                  <a:rPr lang="de-DE">
+                    <a:noFill/>
+                  </a:rPr>
+                  <a:t> </a:t>
+                </a:r>
+              </a:p>
+            </p:txBody>
+          </p:sp>
+        </mc:Fallback>
+      </mc:AlternateContent>
+      <p:cxnSp>
+        <p:nvCxnSpPr>
+          <p:cNvPr id="64" name="Gerade Verbindung mit Pfeil 63">
+            <a:extLst>
+              <a:ext uri="{FF2B5EF4-FFF2-40B4-BE49-F238E27FC236}">
+                <a16:creationId xmlns:a16="http://schemas.microsoft.com/office/drawing/2014/main" id="{B07AC4AF-A1BE-4F9D-855E-42F870418345}"/>
+              </a:ext>
+            </a:extLst>
+          </p:cNvPr>
+          <p:cNvCxnSpPr>
+            <a:cxnSpLocks/>
+          </p:cNvCxnSpPr>
+          <p:nvPr/>
+        </p:nvCxnSpPr>
+        <p:spPr>
+          <a:xfrm flipH="1">
+            <a:off x="1723987" y="3776116"/>
+            <a:ext cx="830074" cy="16580"/>
+          </a:xfrm>
+          <a:prstGeom prst="straightConnector1">
+            <a:avLst/>
+          </a:prstGeom>
+          <a:ln w="9525" cap="flat" cmpd="sng" algn="ctr">
+            <a:solidFill>
+              <a:schemeClr val="dk1"/>
+            </a:solidFill>
+            <a:prstDash val="dash"/>
+            <a:round/>
+            <a:headEnd type="none" w="med" len="med"/>
+            <a:tailEnd type="none" w="med" len="med"/>
+          </a:ln>
+        </p:spPr>
+        <p:style>
+          <a:lnRef idx="0">
+            <a:scrgbClr r="0" g="0" b="0"/>
+          </a:lnRef>
+          <a:fillRef idx="0">
+            <a:scrgbClr r="0" g="0" b="0"/>
+          </a:fillRef>
+          <a:effectRef idx="0">
+            <a:scrgbClr r="0" g="0" b="0"/>
+          </a:effectRef>
+          <a:fontRef idx="minor">
+            <a:schemeClr val="tx1"/>
+          </a:fontRef>
+        </p:style>
+      </p:cxnSp>
+      <mc:AlternateContent xmlns:mc="http://schemas.openxmlformats.org/markup-compatibility/2006" xmlns:a14="http://schemas.microsoft.com/office/drawing/2010/main">
+        <mc:Choice Requires="a14">
+          <p:sp>
+            <p:nvSpPr>
+              <p:cNvPr id="66" name="Textfeld 65">
+                <a:extLst>
+                  <a:ext uri="{FF2B5EF4-FFF2-40B4-BE49-F238E27FC236}">
+                    <a16:creationId xmlns:a16="http://schemas.microsoft.com/office/drawing/2014/main" id="{E11FC8C0-150F-430B-86F4-50F8324CBFFF}"/>
+                  </a:ext>
+                </a:extLst>
+              </p:cNvPr>
+              <p:cNvSpPr txBox="1"/>
+              <p:nvPr/>
+            </p:nvSpPr>
+            <p:spPr>
+              <a:xfrm>
+                <a:off x="757863" y="2617750"/>
+                <a:ext cx="1197389" cy="354392"/>
+              </a:xfrm>
+              <a:prstGeom prst="rect">
+                <a:avLst/>
+              </a:prstGeom>
+              <a:noFill/>
+            </p:spPr>
+            <p:txBody>
+              <a:bodyPr wrap="square" rtlCol="0">
+                <a:spAutoFit/>
+              </a:bodyPr>
+              <a:lstStyle/>
+              <a:p>
+                <a:pPr/>
+                <a14:m>
+                  <m:oMathPara xmlns:m="http://schemas.openxmlformats.org/officeDocument/2006/math">
+                    <m:oMathParaPr>
+                      <m:jc m:val="centerGroup"/>
+                    </m:oMathParaPr>
+                    <m:oMath xmlns:m="http://schemas.openxmlformats.org/officeDocument/2006/math">
+                      <m:sSub>
+                        <m:sSubPr>
+                          <m:ctrlPr>
+                            <a:rPr lang="de-DE" sz="900" i="1" smtClean="0">
+                              <a:latin typeface="Cambria Math" panose="02040503050406030204" pitchFamily="18" charset="0"/>
+                            </a:rPr>
+                          </m:ctrlPr>
+                        </m:sSubPr>
+                        <m:e>
+                          <m:r>
+                            <a:rPr lang="de-DE" sz="900" i="1">
+                              <a:latin typeface="Cambria Math" panose="02040503050406030204" pitchFamily="18" charset="0"/>
+                            </a:rPr>
+                            <m:t>𝑦</m:t>
+                          </m:r>
+                        </m:e>
+                        <m:sub>
+                          <m:r>
+                            <a:rPr lang="de-DE" sz="900" i="0">
+                              <a:latin typeface="Cambria Math" panose="02040503050406030204" pitchFamily="18" charset="0"/>
+                            </a:rPr>
+                            <m:t>0</m:t>
+                          </m:r>
+                        </m:sub>
+                      </m:sSub>
+                      <m:r>
+                        <a:rPr lang="de-DE" sz="900" b="0" i="1" smtClean="0">
+                          <a:latin typeface="Cambria Math" panose="02040503050406030204" pitchFamily="18" charset="0"/>
+                        </a:rPr>
+                        <m:t>+</m:t>
+                      </m:r>
+                      <m:f>
+                        <m:fPr>
+                          <m:ctrlPr>
+                            <a:rPr lang="de-DE" sz="900" b="0" i="1" smtClean="0">
+                              <a:latin typeface="Cambria Math" panose="02040503050406030204" pitchFamily="18" charset="0"/>
+                            </a:rPr>
+                          </m:ctrlPr>
+                        </m:fPr>
+                        <m:num>
+                          <m:r>
+                            <a:rPr lang="de-DE" sz="900" b="0" i="1" smtClean="0">
+                              <a:latin typeface="Cambria Math" panose="02040503050406030204" pitchFamily="18" charset="0"/>
+                            </a:rPr>
+                            <m:t>h</m:t>
+                          </m:r>
+                        </m:num>
+                        <m:den>
+                          <m:r>
+                            <a:rPr lang="de-DE" sz="900" b="0" i="1" smtClean="0">
+                              <a:latin typeface="Cambria Math" panose="02040503050406030204" pitchFamily="18" charset="0"/>
+                            </a:rPr>
+                            <m:t>2</m:t>
+                          </m:r>
+                        </m:den>
+                      </m:f>
+                      <m:r>
+                        <a:rPr lang="de-DE" sz="900" b="0" i="1" smtClean="0">
+                          <a:latin typeface="Cambria Math" panose="02040503050406030204" pitchFamily="18" charset="0"/>
+                        </a:rPr>
+                        <m:t>∗</m:t>
+                      </m:r>
+                      <m:sSub>
+                        <m:sSubPr>
+                          <m:ctrlPr>
+                            <a:rPr lang="de-DE" sz="900" i="1" dirty="0" smtClean="0">
+                              <a:latin typeface="Cambria Math" panose="02040503050406030204" pitchFamily="18" charset="0"/>
+                            </a:rPr>
+                          </m:ctrlPr>
+                        </m:sSubPr>
+                        <m:e>
+                          <m:r>
+                            <a:rPr lang="de-DE" sz="900" i="1" dirty="0">
+                              <a:latin typeface="Cambria Math" panose="02040503050406030204" pitchFamily="18" charset="0"/>
+                            </a:rPr>
+                            <m:t>𝑘</m:t>
+                          </m:r>
+                        </m:e>
+                        <m:sub>
+                          <m:r>
+                            <a:rPr lang="de-DE" sz="900" b="0" i="0" dirty="0" smtClean="0">
+                              <a:latin typeface="Cambria Math" panose="02040503050406030204" pitchFamily="18" charset="0"/>
+                            </a:rPr>
+                            <m:t>3</m:t>
+                          </m:r>
+                        </m:sub>
+                      </m:sSub>
+                    </m:oMath>
+                  </m:oMathPara>
+                </a14:m>
+                <a:endParaRPr lang="de-DE" sz="900" dirty="0"/>
+              </a:p>
+            </p:txBody>
+          </p:sp>
+        </mc:Choice>
+        <mc:Fallback xmlns="">
+          <p:sp>
+            <p:nvSpPr>
+              <p:cNvPr id="66" name="Textfeld 65">
+                <a:extLst>
+                  <a:ext uri="{FF2B5EF4-FFF2-40B4-BE49-F238E27FC236}">
+                    <a16:creationId xmlns:a16="http://schemas.microsoft.com/office/drawing/2014/main" id="{E11FC8C0-150F-430B-86F4-50F8324CBFFF}"/>
+                  </a:ext>
+                </a:extLst>
+              </p:cNvPr>
+              <p:cNvSpPr txBox="1">
+                <a:spLocks noRot="1" noChangeAspect="1" noMove="1" noResize="1" noEditPoints="1" noAdjustHandles="1" noChangeArrowheads="1" noChangeShapeType="1" noTextEdit="1"/>
+              </p:cNvSpPr>
+              <p:nvPr/>
+            </p:nvSpPr>
+            <p:spPr>
+              <a:xfrm>
+                <a:off x="757863" y="2617750"/>
+                <a:ext cx="1197389" cy="354392"/>
+              </a:xfrm>
+              <a:prstGeom prst="rect">
+                <a:avLst/>
+              </a:prstGeom>
+              <a:blipFill>
+                <a:blip r:embed="rId9"/>
+                <a:stretch>
+                  <a:fillRect/>
+                </a:stretch>
+              </a:blipFill>
+            </p:spPr>
+            <p:txBody>
+              <a:bodyPr/>
+              <a:lstStyle/>
+              <a:p>
+                <a:r>
+                  <a:rPr lang="de-DE">
+                    <a:noFill/>
+                  </a:rPr>
+                  <a:t> </a:t>
+                </a:r>
+              </a:p>
+            </p:txBody>
+          </p:sp>
+        </mc:Fallback>
+      </mc:AlternateContent>
+      <p:cxnSp>
+        <p:nvCxnSpPr>
+          <p:cNvPr id="67" name="Gerade Verbindung mit Pfeil 66">
+            <a:extLst>
+              <a:ext uri="{FF2B5EF4-FFF2-40B4-BE49-F238E27FC236}">
+                <a16:creationId xmlns:a16="http://schemas.microsoft.com/office/drawing/2014/main" id="{B6655BF5-66BD-4242-8DFD-8F896B2B564C}"/>
+              </a:ext>
+            </a:extLst>
+          </p:cNvPr>
+          <p:cNvCxnSpPr>
+            <a:cxnSpLocks/>
+          </p:cNvCxnSpPr>
+          <p:nvPr/>
+        </p:nvCxnSpPr>
+        <p:spPr>
+          <a:xfrm flipH="1">
+            <a:off x="1703838" y="2827241"/>
+            <a:ext cx="1766148" cy="11382"/>
+          </a:xfrm>
+          <a:prstGeom prst="straightConnector1">
+            <a:avLst/>
+          </a:prstGeom>
+          <a:ln w="9525" cap="flat" cmpd="sng" algn="ctr">
+            <a:solidFill>
+              <a:schemeClr val="dk1"/>
+            </a:solidFill>
+            <a:prstDash val="dash"/>
+            <a:round/>
+            <a:headEnd type="none" w="med" len="med"/>
+            <a:tailEnd type="none" w="med" len="med"/>
+          </a:ln>
+        </p:spPr>
+        <p:style>
+          <a:lnRef idx="0">
+            <a:scrgbClr r="0" g="0" b="0"/>
+          </a:lnRef>
+          <a:fillRef idx="0">
+            <a:scrgbClr r="0" g="0" b="0"/>
+          </a:fillRef>
+          <a:effectRef idx="0">
+            <a:scrgbClr r="0" g="0" b="0"/>
+          </a:effectRef>
+          <a:fontRef idx="minor">
+            <a:schemeClr val="tx1"/>
+          </a:fontRef>
+        </p:style>
+      </p:cxnSp>
+      <mc:AlternateContent xmlns:mc="http://schemas.openxmlformats.org/markup-compatibility/2006" xmlns:a14="http://schemas.microsoft.com/office/drawing/2010/main">
+        <mc:Choice Requires="a14">
+          <p:sp>
+            <p:nvSpPr>
+              <p:cNvPr id="69" name="Textfeld 68">
+                <a:extLst>
+                  <a:ext uri="{FF2B5EF4-FFF2-40B4-BE49-F238E27FC236}">
+                    <a16:creationId xmlns:a16="http://schemas.microsoft.com/office/drawing/2014/main" id="{D61E703B-540A-4A01-8DA9-C41A7BBBBA6A}"/>
+                  </a:ext>
+                </a:extLst>
+              </p:cNvPr>
+              <p:cNvSpPr txBox="1"/>
+              <p:nvPr/>
+            </p:nvSpPr>
+            <p:spPr>
+              <a:xfrm>
+                <a:off x="2741241" y="2368666"/>
+                <a:ext cx="745910" cy="276999"/>
+              </a:xfrm>
+              <a:prstGeom prst="rect">
+                <a:avLst/>
+              </a:prstGeom>
+              <a:noFill/>
+            </p:spPr>
+            <p:txBody>
+              <a:bodyPr wrap="none" lIns="0" tIns="0" rIns="0" bIns="0" rtlCol="0">
+                <a:spAutoFit/>
+              </a:bodyPr>
+              <a:lstStyle/>
+              <a:p>
+                <a:pPr/>
+                <a14:m>
+                  <m:oMathPara xmlns:m="http://schemas.openxmlformats.org/officeDocument/2006/math">
+                    <m:oMathParaPr>
+                      <m:jc m:val="centerGroup"/>
+                    </m:oMathParaPr>
+                    <m:oMath xmlns:m="http://schemas.openxmlformats.org/officeDocument/2006/math">
+                      <m:d>
+                        <m:dPr>
+                          <m:ctrlPr>
+                            <a:rPr lang="de-DE" i="1" smtClean="0">
+                              <a:latin typeface="Cambria Math" panose="02040503050406030204" pitchFamily="18" charset="0"/>
+                            </a:rPr>
+                          </m:ctrlPr>
+                        </m:dPr>
+                        <m:e>
+                          <m:sSub>
+                            <m:sSubPr>
+                              <m:ctrlPr>
+                                <a:rPr lang="de-DE" i="1">
+                                  <a:latin typeface="Cambria Math" panose="02040503050406030204" pitchFamily="18" charset="0"/>
+                                </a:rPr>
+                              </m:ctrlPr>
+                            </m:sSubPr>
+                            <m:e>
+                              <m:r>
+                                <a:rPr lang="de-DE" i="1">
+                                  <a:latin typeface="Cambria Math" panose="02040503050406030204" pitchFamily="18" charset="0"/>
+                                </a:rPr>
+                                <m:t>𝑡</m:t>
+                              </m:r>
+                            </m:e>
+                            <m:sub>
+                              <m:r>
+                                <a:rPr lang="de-DE" i="0">
+                                  <a:latin typeface="Cambria Math" panose="02040503050406030204" pitchFamily="18" charset="0"/>
+                                </a:rPr>
+                                <m:t>1</m:t>
+                              </m:r>
+                            </m:sub>
+                          </m:sSub>
+                          <m:r>
+                            <a:rPr lang="de-DE" i="0">
+                              <a:latin typeface="Cambria Math" panose="02040503050406030204" pitchFamily="18" charset="0"/>
+                            </a:rPr>
+                            <m:t>,</m:t>
+                          </m:r>
+                          <m:sSub>
+                            <m:sSubPr>
+                              <m:ctrlPr>
+                                <a:rPr lang="de-DE" i="1">
+                                  <a:latin typeface="Cambria Math" panose="02040503050406030204" pitchFamily="18" charset="0"/>
+                                </a:rPr>
+                              </m:ctrlPr>
+                            </m:sSubPr>
+                            <m:e>
+                              <m:r>
+                                <a:rPr lang="de-DE" i="1">
+                                  <a:latin typeface="Cambria Math" panose="02040503050406030204" pitchFamily="18" charset="0"/>
+                                </a:rPr>
+                                <m:t>𝑦</m:t>
+                              </m:r>
+                            </m:e>
+                            <m:sub>
+                              <m:r>
+                                <a:rPr lang="de-DE" i="0">
+                                  <a:latin typeface="Cambria Math" panose="02040503050406030204" pitchFamily="18" charset="0"/>
+                                </a:rPr>
+                                <m:t>1</m:t>
+                              </m:r>
+                            </m:sub>
+                          </m:sSub>
+                        </m:e>
+                      </m:d>
+                    </m:oMath>
+                  </m:oMathPara>
+                </a14:m>
+                <a:endParaRPr lang="de-DE" dirty="0"/>
+              </a:p>
+            </p:txBody>
+          </p:sp>
+        </mc:Choice>
+        <mc:Fallback xmlns="">
+          <p:sp>
+            <p:nvSpPr>
+              <p:cNvPr id="69" name="Textfeld 68">
+                <a:extLst>
+                  <a:ext uri="{FF2B5EF4-FFF2-40B4-BE49-F238E27FC236}">
+                    <a16:creationId xmlns:a16="http://schemas.microsoft.com/office/drawing/2014/main" id="{D61E703B-540A-4A01-8DA9-C41A7BBBBA6A}"/>
+                  </a:ext>
+                </a:extLst>
+              </p:cNvPr>
+              <p:cNvSpPr txBox="1">
+                <a:spLocks noRot="1" noChangeAspect="1" noMove="1" noResize="1" noEditPoints="1" noAdjustHandles="1" noChangeArrowheads="1" noChangeShapeType="1" noTextEdit="1"/>
+              </p:cNvSpPr>
+              <p:nvPr/>
+            </p:nvSpPr>
+            <p:spPr>
+              <a:xfrm>
+                <a:off x="2741241" y="2368666"/>
+                <a:ext cx="745910" cy="276999"/>
+              </a:xfrm>
+              <a:prstGeom prst="rect">
+                <a:avLst/>
+              </a:prstGeom>
+              <a:blipFill>
+                <a:blip r:embed="rId10"/>
+                <a:stretch>
+                  <a:fillRect b="-26667"/>
+                </a:stretch>
+              </a:blipFill>
+            </p:spPr>
+            <p:txBody>
+              <a:bodyPr/>
+              <a:lstStyle/>
+              <a:p>
+                <a:r>
+                  <a:rPr lang="de-DE">
+                    <a:noFill/>
+                  </a:rPr>
+                  <a:t> </a:t>
+                </a:r>
+              </a:p>
+            </p:txBody>
+          </p:sp>
+        </mc:Fallback>
+      </mc:AlternateContent>
+      <p:sp>
+        <p:nvSpPr>
+          <p:cNvPr id="72" name="Textfeld 71">
+            <a:extLst>
+              <a:ext uri="{FF2B5EF4-FFF2-40B4-BE49-F238E27FC236}">
+                <a16:creationId xmlns:a16="http://schemas.microsoft.com/office/drawing/2014/main" id="{85FBCA3C-E2EE-43CB-A6B6-E235CC0E1317}"/>
+              </a:ext>
+            </a:extLst>
+          </p:cNvPr>
+          <p:cNvSpPr txBox="1"/>
+          <p:nvPr/>
+        </p:nvSpPr>
+        <p:spPr>
+          <a:xfrm>
+            <a:off x="6835806" y="2556769"/>
+            <a:ext cx="3755254" cy="1754326"/>
+          </a:xfrm>
+          <a:prstGeom prst="rect">
+            <a:avLst/>
+          </a:prstGeom>
+          <a:noFill/>
+        </p:spPr>
+        <p:txBody>
+          <a:bodyPr wrap="square" rtlCol="0">
+            <a:spAutoFit/>
           </a:bodyPr>
           <a:lstStyle/>
           <a:p>
-            <a:pPr>
-              <a:buFont typeface="Arial" panose="020B0604020202020204" pitchFamily="34" charset="0"/>
-              <a:buChar char="•"/>
-            </a:pPr>
+            <a:pPr lvl="0"/>
             <a:r>
               <a:rPr lang="de-DE" dirty="0"/>
-              <a:t> Simulation des Sonnensystem</a:t>
+              <a:t>k1 = f(y0, t0)</a:t>
             </a:r>
           </a:p>
           <a:p>
-            <a:pPr>
-              <a:buFont typeface="Arial" panose="020B0604020202020204" pitchFamily="34" charset="0"/>
-              <a:buChar char="•"/>
-            </a:pPr>
-            <a:endParaRPr lang="de-DE" dirty="0"/>
-          </a:p>
-          <a:p>
-            <a:pPr>
-              <a:buFont typeface="Arial" panose="020B0604020202020204" pitchFamily="34" charset="0"/>
-              <a:buChar char="•"/>
-            </a:pPr>
+            <a:pPr lvl="0"/>
             <a:r>
               <a:rPr lang="de-DE" dirty="0"/>
-              <a:t> Erstellt in 3D mit Unity(C#)</a:t>
+              <a:t>k2 = f(y0 + h/2 *k1, t0 + h/2)</a:t>
             </a:r>
           </a:p>
           <a:p>
-            <a:pPr>
-              <a:buFont typeface="Arial" panose="020B0604020202020204" pitchFamily="34" charset="0"/>
-              <a:buChar char="•"/>
-            </a:pPr>
-            <a:endParaRPr lang="de-DE" dirty="0"/>
-          </a:p>
-          <a:p>
-            <a:pPr>
-              <a:buFont typeface="Arial" panose="020B0604020202020204" pitchFamily="34" charset="0"/>
-              <a:buChar char="•"/>
-            </a:pPr>
+            <a:pPr lvl="0"/>
             <a:r>
               <a:rPr lang="de-DE" dirty="0"/>
-              <a:t> Alle Planeten ohne Monde werden simuliert</a:t>
+              <a:t>k3 = f(y0 + h/2 *k2, t0 + h/2)</a:t>
             </a:r>
           </a:p>
           <a:p>
-            <a:pPr>
-              <a:buFont typeface="Arial" panose="020B0604020202020204" pitchFamily="34" charset="0"/>
-              <a:buChar char="•"/>
-            </a:pPr>
-            <a:endParaRPr lang="de-DE" dirty="0"/>
-          </a:p>
-          <a:p>
-            <a:pPr>
-              <a:buFont typeface="Arial" panose="020B0604020202020204" pitchFamily="34" charset="0"/>
-              <a:buChar char="•"/>
-            </a:pPr>
+            <a:pPr lvl="0"/>
             <a:r>
               <a:rPr lang="de-DE" dirty="0"/>
-              <a:t> Möglichkeit Asteroiden zu erstellen</a:t>
+              <a:t>k4 = f(y0 + h * k3, t0 + h)</a:t>
             </a:r>
           </a:p>
           <a:p>
-            <a:pPr>
-              <a:buFont typeface="Arial" panose="020B0604020202020204" pitchFamily="34" charset="0"/>
-              <a:buChar char="•"/>
-            </a:pPr>
+            <a:pPr lvl="0"/>
             <a:endParaRPr lang="de-DE" dirty="0"/>
           </a:p>
           <a:p>
-            <a:pPr>
-              <a:buFont typeface="Arial" panose="020B0604020202020204" pitchFamily="34" charset="0"/>
-              <a:buChar char="•"/>
-            </a:pPr>
             <a:r>
               <a:rPr lang="de-DE" dirty="0"/>
-              <a:t> Startpunkt sind die Daten von 1959 – 2019, jeweils der 1.1.XXXX</a:t>
+              <a:t>y1 = y0 + 1/6 h (k1 + 2k2 + 2k3 + k4)</a:t>
             </a:r>
           </a:p>
-          <a:p>
-            <a:pPr>
-              <a:buFont typeface="Arial" panose="020B0604020202020204" pitchFamily="34" charset="0"/>
-              <a:buChar char="•"/>
-            </a:pPr>
-            <a:endParaRPr lang="de-DE" dirty="0"/>
-          </a:p>
-          <a:p>
-            <a:pPr>
-              <a:buFont typeface="Arial" panose="020B0604020202020204" pitchFamily="34" charset="0"/>
-              <a:buChar char="•"/>
-            </a:pPr>
-            <a:r>
-              <a:rPr lang="de-DE"/>
-              <a:t> Simulationsdaten </a:t>
-            </a:r>
-            <a:r>
-              <a:rPr lang="de-DE" dirty="0"/>
-              <a:t>werden mit den Daten der NASA verglichen</a:t>
-            </a:r>
-          </a:p>
-          <a:p>
-            <a:pPr>
-              <a:buFont typeface="Arial" panose="020B0604020202020204" pitchFamily="34" charset="0"/>
-              <a:buChar char="•"/>
-            </a:pPr>
-            <a:endParaRPr lang="de-DE" dirty="0"/>
-          </a:p>
-          <a:p>
-            <a:pPr>
-              <a:buFont typeface="Arial" panose="020B0604020202020204" pitchFamily="34" charset="0"/>
-              <a:buChar char="•"/>
-            </a:pPr>
-            <a:endParaRPr lang="de-DE" dirty="0"/>
+        </p:txBody>
+      </p:sp>
+      <mc:AlternateContent xmlns:mc="http://schemas.openxmlformats.org/markup-compatibility/2006" xmlns:a14="http://schemas.microsoft.com/office/drawing/2010/main">
+        <mc:Choice Requires="a14">
+          <p:sp>
+            <p:nvSpPr>
+              <p:cNvPr id="73" name="Textfeld 72">
+                <a:extLst>
+                  <a:ext uri="{FF2B5EF4-FFF2-40B4-BE49-F238E27FC236}">
+                    <a16:creationId xmlns:a16="http://schemas.microsoft.com/office/drawing/2014/main" id="{79A33489-4037-4670-8AF2-724FFA09BC93}"/>
+                  </a:ext>
+                </a:extLst>
+              </p:cNvPr>
+              <p:cNvSpPr txBox="1"/>
+              <p:nvPr/>
+            </p:nvSpPr>
+            <p:spPr>
+              <a:xfrm>
+                <a:off x="2946864" y="3616992"/>
+                <a:ext cx="301837" cy="276999"/>
+              </a:xfrm>
+              <a:prstGeom prst="rect">
+                <a:avLst/>
+              </a:prstGeom>
+              <a:noFill/>
+            </p:spPr>
+            <p:txBody>
+              <a:bodyPr wrap="square" rtlCol="0">
+                <a:spAutoFit/>
+              </a:bodyPr>
+              <a:lstStyle/>
+              <a:p>
+                <a:pPr/>
+                <a14:m>
+                  <m:oMathPara xmlns:m="http://schemas.openxmlformats.org/officeDocument/2006/math">
+                    <m:oMathParaPr>
+                      <m:jc m:val="centerGroup"/>
+                    </m:oMathParaPr>
+                    <m:oMath xmlns:m="http://schemas.openxmlformats.org/officeDocument/2006/math">
+                      <m:sSub>
+                        <m:sSubPr>
+                          <m:ctrlPr>
+                            <a:rPr lang="de-DE" sz="1200" i="1" smtClean="0">
+                              <a:latin typeface="Cambria Math" panose="02040503050406030204" pitchFamily="18" charset="0"/>
+                            </a:rPr>
+                          </m:ctrlPr>
+                        </m:sSubPr>
+                        <m:e>
+                          <m:r>
+                            <a:rPr lang="de-DE" sz="1200" b="0" i="1" smtClean="0">
+                              <a:latin typeface="Cambria Math" panose="02040503050406030204" pitchFamily="18" charset="0"/>
+                            </a:rPr>
+                            <m:t>𝑘</m:t>
+                          </m:r>
+                        </m:e>
+                        <m:sub>
+                          <m:r>
+                            <a:rPr lang="de-DE" sz="1200" b="0" i="0" smtClean="0">
+                              <a:latin typeface="Cambria Math" panose="02040503050406030204" pitchFamily="18" charset="0"/>
+                            </a:rPr>
+                            <m:t>2</m:t>
+                          </m:r>
+                        </m:sub>
+                      </m:sSub>
+                    </m:oMath>
+                  </m:oMathPara>
+                </a14:m>
+                <a:endParaRPr lang="de-DE" sz="1200" dirty="0"/>
+              </a:p>
+            </p:txBody>
+          </p:sp>
+        </mc:Choice>
+        <mc:Fallback xmlns="">
+          <p:sp>
+            <p:nvSpPr>
+              <p:cNvPr id="73" name="Textfeld 72">
+                <a:extLst>
+                  <a:ext uri="{FF2B5EF4-FFF2-40B4-BE49-F238E27FC236}">
+                    <a16:creationId xmlns:a16="http://schemas.microsoft.com/office/drawing/2014/main" id="{79A33489-4037-4670-8AF2-724FFA09BC93}"/>
+                  </a:ext>
+                </a:extLst>
+              </p:cNvPr>
+              <p:cNvSpPr txBox="1">
+                <a:spLocks noRot="1" noChangeAspect="1" noMove="1" noResize="1" noEditPoints="1" noAdjustHandles="1" noChangeArrowheads="1" noChangeShapeType="1" noTextEdit="1"/>
+              </p:cNvSpPr>
+              <p:nvPr/>
+            </p:nvSpPr>
+            <p:spPr>
+              <a:xfrm>
+                <a:off x="2946864" y="3616992"/>
+                <a:ext cx="301837" cy="276999"/>
+              </a:xfrm>
+              <a:prstGeom prst="rect">
+                <a:avLst/>
+              </a:prstGeom>
+              <a:blipFill>
+                <a:blip r:embed="rId11"/>
+                <a:stretch>
+                  <a:fillRect/>
+                </a:stretch>
+              </a:blipFill>
+            </p:spPr>
+            <p:txBody>
+              <a:bodyPr/>
+              <a:lstStyle/>
+              <a:p>
+                <a:r>
+                  <a:rPr lang="de-DE">
+                    <a:noFill/>
+                  </a:rPr>
+                  <a:t> </a:t>
+                </a:r>
+              </a:p>
+            </p:txBody>
+          </p:sp>
+        </mc:Fallback>
+      </mc:AlternateContent>
+      <mc:AlternateContent xmlns:mc="http://schemas.openxmlformats.org/markup-compatibility/2006" xmlns:a14="http://schemas.microsoft.com/office/drawing/2010/main">
+        <mc:Choice Requires="a14">
+          <p:sp>
+            <p:nvSpPr>
+              <p:cNvPr id="74" name="Textfeld 73">
+                <a:extLst>
+                  <a:ext uri="{FF2B5EF4-FFF2-40B4-BE49-F238E27FC236}">
+                    <a16:creationId xmlns:a16="http://schemas.microsoft.com/office/drawing/2014/main" id="{D44950D8-5944-419A-A4F9-125AB93969F5}"/>
+                  </a:ext>
+                </a:extLst>
+              </p:cNvPr>
+              <p:cNvSpPr txBox="1"/>
+              <p:nvPr/>
+            </p:nvSpPr>
+            <p:spPr>
+              <a:xfrm>
+                <a:off x="2698418" y="3387697"/>
+                <a:ext cx="301837" cy="276999"/>
+              </a:xfrm>
+              <a:prstGeom prst="rect">
+                <a:avLst/>
+              </a:prstGeom>
+              <a:noFill/>
+            </p:spPr>
+            <p:txBody>
+              <a:bodyPr wrap="square" rtlCol="0">
+                <a:spAutoFit/>
+              </a:bodyPr>
+              <a:lstStyle/>
+              <a:p>
+                <a:pPr/>
+                <a14:m>
+                  <m:oMathPara xmlns:m="http://schemas.openxmlformats.org/officeDocument/2006/math">
+                    <m:oMathParaPr>
+                      <m:jc m:val="centerGroup"/>
+                    </m:oMathParaPr>
+                    <m:oMath xmlns:m="http://schemas.openxmlformats.org/officeDocument/2006/math">
+                      <m:sSub>
+                        <m:sSubPr>
+                          <m:ctrlPr>
+                            <a:rPr lang="de-DE" sz="1200" i="1" smtClean="0">
+                              <a:latin typeface="Cambria Math" panose="02040503050406030204" pitchFamily="18" charset="0"/>
+                            </a:rPr>
+                          </m:ctrlPr>
+                        </m:sSubPr>
+                        <m:e>
+                          <m:r>
+                            <a:rPr lang="de-DE" sz="1200" b="0" i="1" smtClean="0">
+                              <a:latin typeface="Cambria Math" panose="02040503050406030204" pitchFamily="18" charset="0"/>
+                            </a:rPr>
+                            <m:t>𝑘</m:t>
+                          </m:r>
+                        </m:e>
+                        <m:sub>
+                          <m:r>
+                            <a:rPr lang="de-DE" sz="1200" b="0" i="0" smtClean="0">
+                              <a:latin typeface="Cambria Math" panose="02040503050406030204" pitchFamily="18" charset="0"/>
+                            </a:rPr>
+                            <m:t>3</m:t>
+                          </m:r>
+                        </m:sub>
+                      </m:sSub>
+                    </m:oMath>
+                  </m:oMathPara>
+                </a14:m>
+                <a:endParaRPr lang="de-DE" sz="1200" dirty="0"/>
+              </a:p>
+            </p:txBody>
+          </p:sp>
+        </mc:Choice>
+        <mc:Fallback xmlns="">
+          <p:sp>
+            <p:nvSpPr>
+              <p:cNvPr id="74" name="Textfeld 73">
+                <a:extLst>
+                  <a:ext uri="{FF2B5EF4-FFF2-40B4-BE49-F238E27FC236}">
+                    <a16:creationId xmlns:a16="http://schemas.microsoft.com/office/drawing/2014/main" id="{D44950D8-5944-419A-A4F9-125AB93969F5}"/>
+                  </a:ext>
+                </a:extLst>
+              </p:cNvPr>
+              <p:cNvSpPr txBox="1">
+                <a:spLocks noRot="1" noChangeAspect="1" noMove="1" noResize="1" noEditPoints="1" noAdjustHandles="1" noChangeArrowheads="1" noChangeShapeType="1" noTextEdit="1"/>
+              </p:cNvSpPr>
+              <p:nvPr/>
+            </p:nvSpPr>
+            <p:spPr>
+              <a:xfrm>
+                <a:off x="2698418" y="3387697"/>
+                <a:ext cx="301837" cy="276999"/>
+              </a:xfrm>
+              <a:prstGeom prst="rect">
+                <a:avLst/>
+              </a:prstGeom>
+              <a:blipFill>
+                <a:blip r:embed="rId12"/>
+                <a:stretch>
+                  <a:fillRect/>
+                </a:stretch>
+              </a:blipFill>
+            </p:spPr>
+            <p:txBody>
+              <a:bodyPr/>
+              <a:lstStyle/>
+              <a:p>
+                <a:r>
+                  <a:rPr lang="de-DE">
+                    <a:noFill/>
+                  </a:rPr>
+                  <a:t> </a:t>
+                </a:r>
+              </a:p>
+            </p:txBody>
+          </p:sp>
+        </mc:Fallback>
+      </mc:AlternateContent>
+      <mc:AlternateContent xmlns:mc="http://schemas.openxmlformats.org/markup-compatibility/2006" xmlns:a14="http://schemas.microsoft.com/office/drawing/2010/main">
+        <mc:Choice Requires="a14">
+          <p:sp>
+            <p:nvSpPr>
+              <p:cNvPr id="75" name="Textfeld 74">
+                <a:extLst>
+                  <a:ext uri="{FF2B5EF4-FFF2-40B4-BE49-F238E27FC236}">
+                    <a16:creationId xmlns:a16="http://schemas.microsoft.com/office/drawing/2014/main" id="{0A240E59-8D71-4DA3-87E0-5A64486FAF9D}"/>
+                  </a:ext>
+                </a:extLst>
+              </p:cNvPr>
+              <p:cNvSpPr txBox="1"/>
+              <p:nvPr/>
+            </p:nvSpPr>
+            <p:spPr>
+              <a:xfrm>
+                <a:off x="3517509" y="2296855"/>
+                <a:ext cx="301837" cy="276999"/>
+              </a:xfrm>
+              <a:prstGeom prst="rect">
+                <a:avLst/>
+              </a:prstGeom>
+              <a:noFill/>
+            </p:spPr>
+            <p:txBody>
+              <a:bodyPr wrap="square" rtlCol="0">
+                <a:spAutoFit/>
+              </a:bodyPr>
+              <a:lstStyle/>
+              <a:p>
+                <a:pPr/>
+                <a14:m>
+                  <m:oMathPara xmlns:m="http://schemas.openxmlformats.org/officeDocument/2006/math">
+                    <m:oMathParaPr>
+                      <m:jc m:val="centerGroup"/>
+                    </m:oMathParaPr>
+                    <m:oMath xmlns:m="http://schemas.openxmlformats.org/officeDocument/2006/math">
+                      <m:sSub>
+                        <m:sSubPr>
+                          <m:ctrlPr>
+                            <a:rPr lang="de-DE" sz="1200" i="1" smtClean="0">
+                              <a:latin typeface="Cambria Math" panose="02040503050406030204" pitchFamily="18" charset="0"/>
+                            </a:rPr>
+                          </m:ctrlPr>
+                        </m:sSubPr>
+                        <m:e>
+                          <m:r>
+                            <a:rPr lang="de-DE" sz="1200" b="0" i="1" smtClean="0">
+                              <a:latin typeface="Cambria Math" panose="02040503050406030204" pitchFamily="18" charset="0"/>
+                            </a:rPr>
+                            <m:t>𝑘</m:t>
+                          </m:r>
+                        </m:e>
+                        <m:sub>
+                          <m:r>
+                            <a:rPr lang="de-DE" sz="1200" b="0" i="0" smtClean="0">
+                              <a:latin typeface="Cambria Math" panose="02040503050406030204" pitchFamily="18" charset="0"/>
+                            </a:rPr>
+                            <m:t>4</m:t>
+                          </m:r>
+                        </m:sub>
+                      </m:sSub>
+                    </m:oMath>
+                  </m:oMathPara>
+                </a14:m>
+                <a:endParaRPr lang="de-DE" sz="1200" dirty="0"/>
+              </a:p>
+            </p:txBody>
+          </p:sp>
+        </mc:Choice>
+        <mc:Fallback xmlns="">
+          <p:sp>
+            <p:nvSpPr>
+              <p:cNvPr id="75" name="Textfeld 74">
+                <a:extLst>
+                  <a:ext uri="{FF2B5EF4-FFF2-40B4-BE49-F238E27FC236}">
+                    <a16:creationId xmlns:a16="http://schemas.microsoft.com/office/drawing/2014/main" id="{0A240E59-8D71-4DA3-87E0-5A64486FAF9D}"/>
+                  </a:ext>
+                </a:extLst>
+              </p:cNvPr>
+              <p:cNvSpPr txBox="1">
+                <a:spLocks noRot="1" noChangeAspect="1" noMove="1" noResize="1" noEditPoints="1" noAdjustHandles="1" noChangeArrowheads="1" noChangeShapeType="1" noTextEdit="1"/>
+              </p:cNvSpPr>
+              <p:nvPr/>
+            </p:nvSpPr>
+            <p:spPr>
+              <a:xfrm>
+                <a:off x="3517509" y="2296855"/>
+                <a:ext cx="301837" cy="276999"/>
+              </a:xfrm>
+              <a:prstGeom prst="rect">
+                <a:avLst/>
+              </a:prstGeom>
+              <a:blipFill>
+                <a:blip r:embed="rId13"/>
+                <a:stretch>
+                  <a:fillRect/>
+                </a:stretch>
+              </a:blipFill>
+            </p:spPr>
+            <p:txBody>
+              <a:bodyPr/>
+              <a:lstStyle/>
+              <a:p>
+                <a:r>
+                  <a:rPr lang="de-DE">
+                    <a:noFill/>
+                  </a:rPr>
+                  <a:t> </a:t>
+                </a:r>
+              </a:p>
+            </p:txBody>
+          </p:sp>
+        </mc:Fallback>
+      </mc:AlternateContent>
+      <p:cxnSp>
+        <p:nvCxnSpPr>
+          <p:cNvPr id="76" name="Gerade Verbindung mit Pfeil 75">
+            <a:extLst>
+              <a:ext uri="{FF2B5EF4-FFF2-40B4-BE49-F238E27FC236}">
+                <a16:creationId xmlns:a16="http://schemas.microsoft.com/office/drawing/2014/main" id="{238BE3D5-B49E-4ADD-B4D1-7E46AF4A50E6}"/>
+              </a:ext>
+            </a:extLst>
+          </p:cNvPr>
+          <p:cNvCxnSpPr>
+            <a:cxnSpLocks/>
+            <a:stCxn id="19" idx="0"/>
+          </p:cNvCxnSpPr>
+          <p:nvPr/>
+        </p:nvCxnSpPr>
+        <p:spPr>
+          <a:xfrm flipV="1">
+            <a:off x="3558498" y="2095975"/>
+            <a:ext cx="197768" cy="667188"/>
+          </a:xfrm>
+          <a:prstGeom prst="straightConnector1">
+            <a:avLst/>
+          </a:prstGeom>
+          <a:ln>
+            <a:tailEnd type="triangle"/>
+          </a:ln>
+        </p:spPr>
+        <p:style>
+          <a:lnRef idx="1">
+            <a:schemeClr val="accent1"/>
+          </a:lnRef>
+          <a:fillRef idx="0">
+            <a:schemeClr val="accent1"/>
+          </a:fillRef>
+          <a:effectRef idx="0">
+            <a:schemeClr val="accent1"/>
+          </a:effectRef>
+          <a:fontRef idx="minor">
+            <a:schemeClr val="tx1"/>
+          </a:fontRef>
+        </p:style>
+      </p:cxnSp>
+      <p:cxnSp>
+        <p:nvCxnSpPr>
+          <p:cNvPr id="79" name="Gerade Verbindung mit Pfeil 78">
+            <a:extLst>
+              <a:ext uri="{FF2B5EF4-FFF2-40B4-BE49-F238E27FC236}">
+                <a16:creationId xmlns:a16="http://schemas.microsoft.com/office/drawing/2014/main" id="{68351F8D-F7D4-4143-85AC-A384E5CE9FF2}"/>
+              </a:ext>
+            </a:extLst>
+          </p:cNvPr>
+          <p:cNvCxnSpPr>
+            <a:cxnSpLocks/>
+            <a:stCxn id="25" idx="0"/>
+            <a:endCxn id="82" idx="2"/>
+          </p:cNvCxnSpPr>
+          <p:nvPr/>
+        </p:nvCxnSpPr>
+        <p:spPr>
+          <a:xfrm flipV="1">
+            <a:off x="1698832" y="2645665"/>
+            <a:ext cx="1805071" cy="1677760"/>
+          </a:xfrm>
+          <a:prstGeom prst="straightConnector1">
+            <a:avLst/>
+          </a:prstGeom>
+          <a:ln>
+            <a:tailEnd type="triangle"/>
+          </a:ln>
+        </p:spPr>
+        <p:style>
+          <a:lnRef idx="1">
+            <a:schemeClr val="accent1"/>
+          </a:lnRef>
+          <a:fillRef idx="0">
+            <a:schemeClr val="accent1"/>
+          </a:fillRef>
+          <a:effectRef idx="0">
+            <a:schemeClr val="accent1"/>
+          </a:effectRef>
+          <a:fontRef idx="minor">
+            <a:schemeClr val="tx1"/>
+          </a:fontRef>
+        </p:style>
+      </p:cxnSp>
+      <p:sp>
+        <p:nvSpPr>
+          <p:cNvPr id="82" name="Stern: 5 Zacken 81">
+            <a:extLst>
+              <a:ext uri="{FF2B5EF4-FFF2-40B4-BE49-F238E27FC236}">
+                <a16:creationId xmlns:a16="http://schemas.microsoft.com/office/drawing/2014/main" id="{D71B3DFB-EC83-4C34-99B7-4536E681C473}"/>
+              </a:ext>
+            </a:extLst>
+          </p:cNvPr>
+          <p:cNvSpPr/>
+          <p:nvPr/>
+        </p:nvSpPr>
+        <p:spPr>
+          <a:xfrm>
+            <a:off x="3479543" y="2535118"/>
+            <a:ext cx="127552" cy="110547"/>
+          </a:xfrm>
+          <a:prstGeom prst="star5">
+            <a:avLst/>
+          </a:prstGeom>
+        </p:spPr>
+        <p:style>
+          <a:lnRef idx="2">
+            <a:schemeClr val="accent4">
+              <a:shade val="50000"/>
+            </a:schemeClr>
+          </a:lnRef>
+          <a:fillRef idx="1">
+            <a:schemeClr val="accent4"/>
+          </a:fillRef>
+          <a:effectRef idx="0">
+            <a:schemeClr val="accent4"/>
+          </a:effectRef>
+          <a:fontRef idx="minor">
+            <a:schemeClr val="lt1"/>
+          </a:fontRef>
+        </p:style>
+        <p:txBody>
+          <a:bodyPr rtlCol="0" anchor="ctr"/>
+          <a:lstStyle/>
+          <a:p>
+            <a:pPr algn="ctr"/>
+            <a:endParaRPr lang="de-DE"/>
+          </a:p>
+        </p:txBody>
+      </p:sp>
+      <p:sp>
+        <p:nvSpPr>
+          <p:cNvPr id="19" name="Ellipse 18">
+            <a:extLst>
+              <a:ext uri="{FF2B5EF4-FFF2-40B4-BE49-F238E27FC236}">
+                <a16:creationId xmlns:a16="http://schemas.microsoft.com/office/drawing/2014/main" id="{9F6E5D9F-3390-4806-84A0-1A6CF4307411}"/>
+              </a:ext>
+            </a:extLst>
+          </p:cNvPr>
+          <p:cNvSpPr/>
+          <p:nvPr/>
+        </p:nvSpPr>
+        <p:spPr>
+          <a:xfrm>
+            <a:off x="3483779" y="2763163"/>
+            <a:ext cx="149437" cy="115372"/>
+          </a:xfrm>
+          <a:prstGeom prst="ellipse">
+            <a:avLst/>
+          </a:prstGeom>
+        </p:spPr>
+        <p:style>
+          <a:lnRef idx="2">
+            <a:schemeClr val="accent1">
+              <a:shade val="50000"/>
+            </a:schemeClr>
+          </a:lnRef>
+          <a:fillRef idx="1">
+            <a:schemeClr val="accent1"/>
+          </a:fillRef>
+          <a:effectRef idx="0">
+            <a:schemeClr val="accent1"/>
+          </a:effectRef>
+          <a:fontRef idx="minor">
+            <a:schemeClr val="lt1"/>
+          </a:fontRef>
+        </p:style>
+        <p:txBody>
+          <a:bodyPr rtlCol="0" anchor="ctr"/>
+          <a:lstStyle/>
+          <a:p>
+            <a:pPr algn="ctr"/>
+            <a:endParaRPr lang="de-DE"/>
           </a:p>
         </p:txBody>
       </p:sp>
     </p:spTree>
     <p:extLst>
       <p:ext uri="{BB962C8B-B14F-4D97-AF65-F5344CB8AC3E}">
-        <p14:creationId xmlns:p14="http://schemas.microsoft.com/office/powerpoint/2010/main" val="507724446"/>
+        <p14:creationId xmlns:p14="http://schemas.microsoft.com/office/powerpoint/2010/main" val="3472728111"/>
       </p:ext>
     </p:extLst>
   </p:cSld>
   <p:clrMapOvr>
     <a:masterClrMapping/>
   </p:clrMapOvr>
+  <p:timing>
+    <p:tnLst>
+      <p:par>
+        <p:cTn id="1" dur="indefinite" restart="never" nodeType="tmRoot">
+          <p:childTnLst>
+            <p:seq concurrent="1" nextAc="seek">
+              <p:cTn id="2" dur="indefinite" nodeType="mainSeq">
+                <p:childTnLst>
+                  <p:par>
+                    <p:cTn id="3" fill="hold">
+                      <p:stCondLst>
+                        <p:cond delay="indefinite"/>
+                      </p:stCondLst>
+                      <p:childTnLst>
+                        <p:par>
+                          <p:cTn id="4" fill="hold">
+                            <p:stCondLst>
+                              <p:cond delay="0"/>
+                            </p:stCondLst>
+                            <p:childTnLst>
+                              <p:par>
+                                <p:cTn id="5" presetID="1" presetClass="entr" presetSubtype="0" fill="hold" nodeType="clickEffect">
+                                  <p:stCondLst>
+                                    <p:cond delay="0"/>
+                                  </p:stCondLst>
+                                  <p:childTnLst>
+                                    <p:set>
+                                      <p:cBhvr>
+                                        <p:cTn id="6" dur="1" fill="hold">
+                                          <p:stCondLst>
+                                            <p:cond delay="0"/>
+                                          </p:stCondLst>
+                                        </p:cTn>
+                                        <p:tgtEl>
+                                          <p:spTgt spid="27"/>
+                                        </p:tgtEl>
+                                        <p:attrNameLst>
+                                          <p:attrName>style.visibility</p:attrName>
+                                        </p:attrNameLst>
+                                      </p:cBhvr>
+                                      <p:to>
+                                        <p:strVal val="visible"/>
+                                      </p:to>
+                                    </p:set>
+                                  </p:childTnLst>
+                                </p:cTn>
+                              </p:par>
+                              <p:par>
+                                <p:cTn id="7" presetID="1" presetClass="entr" presetSubtype="0" fill="hold" grpId="0" nodeType="withEffect">
+                                  <p:stCondLst>
+                                    <p:cond delay="0"/>
+                                  </p:stCondLst>
+                                  <p:childTnLst>
+                                    <p:set>
+                                      <p:cBhvr>
+                                        <p:cTn id="8" dur="1" fill="hold">
+                                          <p:stCondLst>
+                                            <p:cond delay="0"/>
+                                          </p:stCondLst>
+                                        </p:cTn>
+                                        <p:tgtEl>
+                                          <p:spTgt spid="41"/>
+                                        </p:tgtEl>
+                                        <p:attrNameLst>
+                                          <p:attrName>style.visibility</p:attrName>
+                                        </p:attrNameLst>
+                                      </p:cBhvr>
+                                      <p:to>
+                                        <p:strVal val="visible"/>
+                                      </p:to>
+                                    </p:set>
+                                  </p:childTnLst>
+                                </p:cTn>
+                              </p:par>
+                            </p:childTnLst>
+                          </p:cTn>
+                        </p:par>
+                      </p:childTnLst>
+                    </p:cTn>
+                  </p:par>
+                  <p:par>
+                    <p:cTn id="9" fill="hold">
+                      <p:stCondLst>
+                        <p:cond delay="indefinite"/>
+                      </p:stCondLst>
+                      <p:childTnLst>
+                        <p:par>
+                          <p:cTn id="10" fill="hold">
+                            <p:stCondLst>
+                              <p:cond delay="0"/>
+                            </p:stCondLst>
+                            <p:childTnLst>
+                              <p:par>
+                                <p:cTn id="11" presetID="1" presetClass="entr" presetSubtype="0" fill="hold" grpId="0" nodeType="clickEffect">
+                                  <p:stCondLst>
+                                    <p:cond delay="0"/>
+                                  </p:stCondLst>
+                                  <p:childTnLst>
+                                    <p:set>
+                                      <p:cBhvr>
+                                        <p:cTn id="12" dur="1" fill="hold">
+                                          <p:stCondLst>
+                                            <p:cond delay="0"/>
+                                          </p:stCondLst>
+                                        </p:cTn>
+                                        <p:tgtEl>
+                                          <p:spTgt spid="17"/>
+                                        </p:tgtEl>
+                                        <p:attrNameLst>
+                                          <p:attrName>style.visibility</p:attrName>
+                                        </p:attrNameLst>
+                                      </p:cBhvr>
+                                      <p:to>
+                                        <p:strVal val="visible"/>
+                                      </p:to>
+                                    </p:set>
+                                  </p:childTnLst>
+                                </p:cTn>
+                              </p:par>
+                              <p:par>
+                                <p:cTn id="13" presetID="1" presetClass="entr" presetSubtype="0" fill="hold" nodeType="withEffect">
+                                  <p:stCondLst>
+                                    <p:cond delay="0"/>
+                                  </p:stCondLst>
+                                  <p:childTnLst>
+                                    <p:set>
+                                      <p:cBhvr>
+                                        <p:cTn id="14" dur="1" fill="hold">
+                                          <p:stCondLst>
+                                            <p:cond delay="0"/>
+                                          </p:stCondLst>
+                                        </p:cTn>
+                                        <p:tgtEl>
+                                          <p:spTgt spid="31"/>
+                                        </p:tgtEl>
+                                        <p:attrNameLst>
+                                          <p:attrName>style.visibility</p:attrName>
+                                        </p:attrNameLst>
+                                      </p:cBhvr>
+                                      <p:to>
+                                        <p:strVal val="visible"/>
+                                      </p:to>
+                                    </p:set>
+                                  </p:childTnLst>
+                                </p:cTn>
+                              </p:par>
+                              <p:par>
+                                <p:cTn id="15" presetID="1" presetClass="entr" presetSubtype="0" fill="hold" nodeType="withEffect">
+                                  <p:stCondLst>
+                                    <p:cond delay="0"/>
+                                  </p:stCondLst>
+                                  <p:childTnLst>
+                                    <p:set>
+                                      <p:cBhvr>
+                                        <p:cTn id="16" dur="1" fill="hold">
+                                          <p:stCondLst>
+                                            <p:cond delay="0"/>
+                                          </p:stCondLst>
+                                        </p:cTn>
+                                        <p:tgtEl>
+                                          <p:spTgt spid="57"/>
+                                        </p:tgtEl>
+                                        <p:attrNameLst>
+                                          <p:attrName>style.visibility</p:attrName>
+                                        </p:attrNameLst>
+                                      </p:cBhvr>
+                                      <p:to>
+                                        <p:strVal val="visible"/>
+                                      </p:to>
+                                    </p:set>
+                                  </p:childTnLst>
+                                </p:cTn>
+                              </p:par>
+                              <p:par>
+                                <p:cTn id="17" presetID="1" presetClass="entr" presetSubtype="0" fill="hold" grpId="0" nodeType="withEffect">
+                                  <p:stCondLst>
+                                    <p:cond delay="0"/>
+                                  </p:stCondLst>
+                                  <p:childTnLst>
+                                    <p:set>
+                                      <p:cBhvr>
+                                        <p:cTn id="18" dur="1" fill="hold">
+                                          <p:stCondLst>
+                                            <p:cond delay="0"/>
+                                          </p:stCondLst>
+                                        </p:cTn>
+                                        <p:tgtEl>
+                                          <p:spTgt spid="37"/>
+                                        </p:tgtEl>
+                                        <p:attrNameLst>
+                                          <p:attrName>style.visibility</p:attrName>
+                                        </p:attrNameLst>
+                                      </p:cBhvr>
+                                      <p:to>
+                                        <p:strVal val="visible"/>
+                                      </p:to>
+                                    </p:set>
+                                  </p:childTnLst>
+                                </p:cTn>
+                              </p:par>
+                              <p:par>
+                                <p:cTn id="19" presetID="1" presetClass="entr" presetSubtype="0" fill="hold" grpId="0" nodeType="withEffect">
+                                  <p:stCondLst>
+                                    <p:cond delay="0"/>
+                                  </p:stCondLst>
+                                  <p:childTnLst>
+                                    <p:set>
+                                      <p:cBhvr>
+                                        <p:cTn id="20" dur="1" fill="hold">
+                                          <p:stCondLst>
+                                            <p:cond delay="0"/>
+                                          </p:stCondLst>
+                                        </p:cTn>
+                                        <p:tgtEl>
+                                          <p:spTgt spid="62"/>
+                                        </p:tgtEl>
+                                        <p:attrNameLst>
+                                          <p:attrName>style.visibility</p:attrName>
+                                        </p:attrNameLst>
+                                      </p:cBhvr>
+                                      <p:to>
+                                        <p:strVal val="visible"/>
+                                      </p:to>
+                                    </p:set>
+                                  </p:childTnLst>
+                                </p:cTn>
+                              </p:par>
+                            </p:childTnLst>
+                          </p:cTn>
+                        </p:par>
+                      </p:childTnLst>
+                    </p:cTn>
+                  </p:par>
+                  <p:par>
+                    <p:cTn id="21" fill="hold">
+                      <p:stCondLst>
+                        <p:cond delay="indefinite"/>
+                      </p:stCondLst>
+                      <p:childTnLst>
+                        <p:par>
+                          <p:cTn id="22" fill="hold">
+                            <p:stCondLst>
+                              <p:cond delay="0"/>
+                            </p:stCondLst>
+                            <p:childTnLst>
+                              <p:par>
+                                <p:cTn id="23" presetID="1" presetClass="entr" presetSubtype="0" fill="hold" nodeType="clickEffect">
+                                  <p:stCondLst>
+                                    <p:cond delay="0"/>
+                                  </p:stCondLst>
+                                  <p:childTnLst>
+                                    <p:set>
+                                      <p:cBhvr>
+                                        <p:cTn id="24" dur="1" fill="hold">
+                                          <p:stCondLst>
+                                            <p:cond delay="0"/>
+                                          </p:stCondLst>
+                                        </p:cTn>
+                                        <p:tgtEl>
+                                          <p:spTgt spid="43"/>
+                                        </p:tgtEl>
+                                        <p:attrNameLst>
+                                          <p:attrName>style.visibility</p:attrName>
+                                        </p:attrNameLst>
+                                      </p:cBhvr>
+                                      <p:to>
+                                        <p:strVal val="visible"/>
+                                      </p:to>
+                                    </p:set>
+                                  </p:childTnLst>
+                                </p:cTn>
+                              </p:par>
+                              <p:par>
+                                <p:cTn id="25" presetID="1" presetClass="entr" presetSubtype="0" fill="hold" grpId="0" nodeType="withEffect">
+                                  <p:stCondLst>
+                                    <p:cond delay="0"/>
+                                  </p:stCondLst>
+                                  <p:childTnLst>
+                                    <p:set>
+                                      <p:cBhvr>
+                                        <p:cTn id="26" dur="1" fill="hold">
+                                          <p:stCondLst>
+                                            <p:cond delay="0"/>
+                                          </p:stCondLst>
+                                        </p:cTn>
+                                        <p:tgtEl>
+                                          <p:spTgt spid="73"/>
+                                        </p:tgtEl>
+                                        <p:attrNameLst>
+                                          <p:attrName>style.visibility</p:attrName>
+                                        </p:attrNameLst>
+                                      </p:cBhvr>
+                                      <p:to>
+                                        <p:strVal val="visible"/>
+                                      </p:to>
+                                    </p:set>
+                                  </p:childTnLst>
+                                </p:cTn>
+                              </p:par>
+                            </p:childTnLst>
+                          </p:cTn>
+                        </p:par>
+                      </p:childTnLst>
+                    </p:cTn>
+                  </p:par>
+                  <p:par>
+                    <p:cTn id="27" fill="hold">
+                      <p:stCondLst>
+                        <p:cond delay="indefinite"/>
+                      </p:stCondLst>
+                      <p:childTnLst>
+                        <p:par>
+                          <p:cTn id="28" fill="hold">
+                            <p:stCondLst>
+                              <p:cond delay="0"/>
+                            </p:stCondLst>
+                            <p:childTnLst>
+                              <p:par>
+                                <p:cTn id="29" presetID="1" presetClass="entr" presetSubtype="0" fill="hold" nodeType="clickEffect">
+                                  <p:stCondLst>
+                                    <p:cond delay="0"/>
+                                  </p:stCondLst>
+                                  <p:childTnLst>
+                                    <p:set>
+                                      <p:cBhvr>
+                                        <p:cTn id="30" dur="1" fill="hold">
+                                          <p:stCondLst>
+                                            <p:cond delay="0"/>
+                                          </p:stCondLst>
+                                        </p:cTn>
+                                        <p:tgtEl>
+                                          <p:spTgt spid="50"/>
+                                        </p:tgtEl>
+                                        <p:attrNameLst>
+                                          <p:attrName>style.visibility</p:attrName>
+                                        </p:attrNameLst>
+                                      </p:cBhvr>
+                                      <p:to>
+                                        <p:strVal val="visible"/>
+                                      </p:to>
+                                    </p:set>
+                                  </p:childTnLst>
+                                </p:cTn>
+                              </p:par>
+                              <p:par>
+                                <p:cTn id="31" presetID="1" presetClass="entr" presetSubtype="0" fill="hold" grpId="0" nodeType="withEffect">
+                                  <p:stCondLst>
+                                    <p:cond delay="0"/>
+                                  </p:stCondLst>
+                                  <p:childTnLst>
+                                    <p:set>
+                                      <p:cBhvr>
+                                        <p:cTn id="32" dur="1" fill="hold">
+                                          <p:stCondLst>
+                                            <p:cond delay="0"/>
+                                          </p:stCondLst>
+                                        </p:cTn>
+                                        <p:tgtEl>
+                                          <p:spTgt spid="18"/>
+                                        </p:tgtEl>
+                                        <p:attrNameLst>
+                                          <p:attrName>style.visibility</p:attrName>
+                                        </p:attrNameLst>
+                                      </p:cBhvr>
+                                      <p:to>
+                                        <p:strVal val="visible"/>
+                                      </p:to>
+                                    </p:set>
+                                  </p:childTnLst>
+                                </p:cTn>
+                              </p:par>
+                              <p:par>
+                                <p:cTn id="33" presetID="1" presetClass="entr" presetSubtype="0" fill="hold" nodeType="withEffect">
+                                  <p:stCondLst>
+                                    <p:cond delay="0"/>
+                                  </p:stCondLst>
+                                  <p:childTnLst>
+                                    <p:set>
+                                      <p:cBhvr>
+                                        <p:cTn id="34" dur="1" fill="hold">
+                                          <p:stCondLst>
+                                            <p:cond delay="0"/>
+                                          </p:stCondLst>
+                                        </p:cTn>
+                                        <p:tgtEl>
+                                          <p:spTgt spid="64"/>
+                                        </p:tgtEl>
+                                        <p:attrNameLst>
+                                          <p:attrName>style.visibility</p:attrName>
+                                        </p:attrNameLst>
+                                      </p:cBhvr>
+                                      <p:to>
+                                        <p:strVal val="visible"/>
+                                      </p:to>
+                                    </p:set>
+                                  </p:childTnLst>
+                                </p:cTn>
+                              </p:par>
+                              <p:par>
+                                <p:cTn id="35" presetID="1" presetClass="entr" presetSubtype="0" fill="hold" grpId="0" nodeType="withEffect">
+                                  <p:stCondLst>
+                                    <p:cond delay="0"/>
+                                  </p:stCondLst>
+                                  <p:childTnLst>
+                                    <p:set>
+                                      <p:cBhvr>
+                                        <p:cTn id="36" dur="1" fill="hold">
+                                          <p:stCondLst>
+                                            <p:cond delay="0"/>
+                                          </p:stCondLst>
+                                        </p:cTn>
+                                        <p:tgtEl>
+                                          <p:spTgt spid="63"/>
+                                        </p:tgtEl>
+                                        <p:attrNameLst>
+                                          <p:attrName>style.visibility</p:attrName>
+                                        </p:attrNameLst>
+                                      </p:cBhvr>
+                                      <p:to>
+                                        <p:strVal val="visible"/>
+                                      </p:to>
+                                    </p:set>
+                                  </p:childTnLst>
+                                </p:cTn>
+                              </p:par>
+                            </p:childTnLst>
+                          </p:cTn>
+                        </p:par>
+                      </p:childTnLst>
+                    </p:cTn>
+                  </p:par>
+                  <p:par>
+                    <p:cTn id="37" fill="hold">
+                      <p:stCondLst>
+                        <p:cond delay="indefinite"/>
+                      </p:stCondLst>
+                      <p:childTnLst>
+                        <p:par>
+                          <p:cTn id="38" fill="hold">
+                            <p:stCondLst>
+                              <p:cond delay="0"/>
+                            </p:stCondLst>
+                            <p:childTnLst>
+                              <p:par>
+                                <p:cTn id="39" presetID="1" presetClass="entr" presetSubtype="0" fill="hold" nodeType="clickEffect">
+                                  <p:stCondLst>
+                                    <p:cond delay="0"/>
+                                  </p:stCondLst>
+                                  <p:childTnLst>
+                                    <p:set>
+                                      <p:cBhvr>
+                                        <p:cTn id="40" dur="1" fill="hold">
+                                          <p:stCondLst>
+                                            <p:cond delay="0"/>
+                                          </p:stCondLst>
+                                        </p:cTn>
+                                        <p:tgtEl>
+                                          <p:spTgt spid="53"/>
+                                        </p:tgtEl>
+                                        <p:attrNameLst>
+                                          <p:attrName>style.visibility</p:attrName>
+                                        </p:attrNameLst>
+                                      </p:cBhvr>
+                                      <p:to>
+                                        <p:strVal val="visible"/>
+                                      </p:to>
+                                    </p:set>
+                                  </p:childTnLst>
+                                </p:cTn>
+                              </p:par>
+                              <p:par>
+                                <p:cTn id="41" presetID="1" presetClass="entr" presetSubtype="0" fill="hold" grpId="0" nodeType="withEffect">
+                                  <p:stCondLst>
+                                    <p:cond delay="0"/>
+                                  </p:stCondLst>
+                                  <p:childTnLst>
+                                    <p:set>
+                                      <p:cBhvr>
+                                        <p:cTn id="42" dur="1" fill="hold">
+                                          <p:stCondLst>
+                                            <p:cond delay="0"/>
+                                          </p:stCondLst>
+                                        </p:cTn>
+                                        <p:tgtEl>
+                                          <p:spTgt spid="74"/>
+                                        </p:tgtEl>
+                                        <p:attrNameLst>
+                                          <p:attrName>style.visibility</p:attrName>
+                                        </p:attrNameLst>
+                                      </p:cBhvr>
+                                      <p:to>
+                                        <p:strVal val="visible"/>
+                                      </p:to>
+                                    </p:set>
+                                  </p:childTnLst>
+                                </p:cTn>
+                              </p:par>
+                            </p:childTnLst>
+                          </p:cTn>
+                        </p:par>
+                      </p:childTnLst>
+                    </p:cTn>
+                  </p:par>
+                  <p:par>
+                    <p:cTn id="43" fill="hold">
+                      <p:stCondLst>
+                        <p:cond delay="indefinite"/>
+                      </p:stCondLst>
+                      <p:childTnLst>
+                        <p:par>
+                          <p:cTn id="44" fill="hold">
+                            <p:stCondLst>
+                              <p:cond delay="0"/>
+                            </p:stCondLst>
+                            <p:childTnLst>
+                              <p:par>
+                                <p:cTn id="45" presetID="1" presetClass="entr" presetSubtype="0" fill="hold" nodeType="clickEffect">
+                                  <p:stCondLst>
+                                    <p:cond delay="0"/>
+                                  </p:stCondLst>
+                                  <p:childTnLst>
+                                    <p:set>
+                                      <p:cBhvr>
+                                        <p:cTn id="46" dur="1" fill="hold">
+                                          <p:stCondLst>
+                                            <p:cond delay="0"/>
+                                          </p:stCondLst>
+                                        </p:cTn>
+                                        <p:tgtEl>
+                                          <p:spTgt spid="55"/>
+                                        </p:tgtEl>
+                                        <p:attrNameLst>
+                                          <p:attrName>style.visibility</p:attrName>
+                                        </p:attrNameLst>
+                                      </p:cBhvr>
+                                      <p:to>
+                                        <p:strVal val="visible"/>
+                                      </p:to>
+                                    </p:set>
+                                  </p:childTnLst>
+                                </p:cTn>
+                              </p:par>
+                              <p:par>
+                                <p:cTn id="47" presetID="1" presetClass="entr" presetSubtype="0" fill="hold" grpId="0" nodeType="withEffect">
+                                  <p:stCondLst>
+                                    <p:cond delay="0"/>
+                                  </p:stCondLst>
+                                  <p:childTnLst>
+                                    <p:set>
+                                      <p:cBhvr>
+                                        <p:cTn id="48" dur="1" fill="hold">
+                                          <p:stCondLst>
+                                            <p:cond delay="0"/>
+                                          </p:stCondLst>
+                                        </p:cTn>
+                                        <p:tgtEl>
+                                          <p:spTgt spid="19"/>
+                                        </p:tgtEl>
+                                        <p:attrNameLst>
+                                          <p:attrName>style.visibility</p:attrName>
+                                        </p:attrNameLst>
+                                      </p:cBhvr>
+                                      <p:to>
+                                        <p:strVal val="visible"/>
+                                      </p:to>
+                                    </p:set>
+                                  </p:childTnLst>
+                                </p:cTn>
+                              </p:par>
+                              <p:par>
+                                <p:cTn id="49" presetID="1" presetClass="entr" presetSubtype="0" fill="hold" nodeType="withEffect">
+                                  <p:stCondLst>
+                                    <p:cond delay="0"/>
+                                  </p:stCondLst>
+                                  <p:childTnLst>
+                                    <p:set>
+                                      <p:cBhvr>
+                                        <p:cTn id="50" dur="1" fill="hold">
+                                          <p:stCondLst>
+                                            <p:cond delay="0"/>
+                                          </p:stCondLst>
+                                        </p:cTn>
+                                        <p:tgtEl>
+                                          <p:spTgt spid="67"/>
+                                        </p:tgtEl>
+                                        <p:attrNameLst>
+                                          <p:attrName>style.visibility</p:attrName>
+                                        </p:attrNameLst>
+                                      </p:cBhvr>
+                                      <p:to>
+                                        <p:strVal val="visible"/>
+                                      </p:to>
+                                    </p:set>
+                                  </p:childTnLst>
+                                </p:cTn>
+                              </p:par>
+                              <p:par>
+                                <p:cTn id="51" presetID="1" presetClass="entr" presetSubtype="0" fill="hold" grpId="0" nodeType="withEffect">
+                                  <p:stCondLst>
+                                    <p:cond delay="0"/>
+                                  </p:stCondLst>
+                                  <p:childTnLst>
+                                    <p:set>
+                                      <p:cBhvr>
+                                        <p:cTn id="52" dur="1" fill="hold">
+                                          <p:stCondLst>
+                                            <p:cond delay="0"/>
+                                          </p:stCondLst>
+                                        </p:cTn>
+                                        <p:tgtEl>
+                                          <p:spTgt spid="66"/>
+                                        </p:tgtEl>
+                                        <p:attrNameLst>
+                                          <p:attrName>style.visibility</p:attrName>
+                                        </p:attrNameLst>
+                                      </p:cBhvr>
+                                      <p:to>
+                                        <p:strVal val="visible"/>
+                                      </p:to>
+                                    </p:set>
+                                  </p:childTnLst>
+                                </p:cTn>
+                              </p:par>
+                            </p:childTnLst>
+                          </p:cTn>
+                        </p:par>
+                      </p:childTnLst>
+                    </p:cTn>
+                  </p:par>
+                  <p:par>
+                    <p:cTn id="53" fill="hold">
+                      <p:stCondLst>
+                        <p:cond delay="indefinite"/>
+                      </p:stCondLst>
+                      <p:childTnLst>
+                        <p:par>
+                          <p:cTn id="54" fill="hold">
+                            <p:stCondLst>
+                              <p:cond delay="0"/>
+                            </p:stCondLst>
+                            <p:childTnLst>
+                              <p:par>
+                                <p:cTn id="55" presetID="1" presetClass="entr" presetSubtype="0" fill="hold" nodeType="clickEffect">
+                                  <p:stCondLst>
+                                    <p:cond delay="0"/>
+                                  </p:stCondLst>
+                                  <p:childTnLst>
+                                    <p:set>
+                                      <p:cBhvr>
+                                        <p:cTn id="56" dur="1" fill="hold">
+                                          <p:stCondLst>
+                                            <p:cond delay="0"/>
+                                          </p:stCondLst>
+                                        </p:cTn>
+                                        <p:tgtEl>
+                                          <p:spTgt spid="76"/>
+                                        </p:tgtEl>
+                                        <p:attrNameLst>
+                                          <p:attrName>style.visibility</p:attrName>
+                                        </p:attrNameLst>
+                                      </p:cBhvr>
+                                      <p:to>
+                                        <p:strVal val="visible"/>
+                                      </p:to>
+                                    </p:set>
+                                  </p:childTnLst>
+                                </p:cTn>
+                              </p:par>
+                              <p:par>
+                                <p:cTn id="57" presetID="1" presetClass="entr" presetSubtype="0" fill="hold" grpId="0" nodeType="withEffect">
+                                  <p:stCondLst>
+                                    <p:cond delay="0"/>
+                                  </p:stCondLst>
+                                  <p:childTnLst>
+                                    <p:set>
+                                      <p:cBhvr>
+                                        <p:cTn id="58" dur="1" fill="hold">
+                                          <p:stCondLst>
+                                            <p:cond delay="0"/>
+                                          </p:stCondLst>
+                                        </p:cTn>
+                                        <p:tgtEl>
+                                          <p:spTgt spid="75"/>
+                                        </p:tgtEl>
+                                        <p:attrNameLst>
+                                          <p:attrName>style.visibility</p:attrName>
+                                        </p:attrNameLst>
+                                      </p:cBhvr>
+                                      <p:to>
+                                        <p:strVal val="visible"/>
+                                      </p:to>
+                                    </p:set>
+                                  </p:childTnLst>
+                                </p:cTn>
+                              </p:par>
+                            </p:childTnLst>
+                          </p:cTn>
+                        </p:par>
+                      </p:childTnLst>
+                    </p:cTn>
+                  </p:par>
+                  <p:par>
+                    <p:cTn id="59" fill="hold">
+                      <p:stCondLst>
+                        <p:cond delay="indefinite"/>
+                      </p:stCondLst>
+                      <p:childTnLst>
+                        <p:par>
+                          <p:cTn id="60" fill="hold">
+                            <p:stCondLst>
+                              <p:cond delay="0"/>
+                            </p:stCondLst>
+                            <p:childTnLst>
+                              <p:par>
+                                <p:cTn id="61" presetID="1" presetClass="entr" presetSubtype="0" fill="hold" nodeType="clickEffect">
+                                  <p:stCondLst>
+                                    <p:cond delay="0"/>
+                                  </p:stCondLst>
+                                  <p:childTnLst>
+                                    <p:set>
+                                      <p:cBhvr>
+                                        <p:cTn id="62" dur="1" fill="hold">
+                                          <p:stCondLst>
+                                            <p:cond delay="0"/>
+                                          </p:stCondLst>
+                                        </p:cTn>
+                                        <p:tgtEl>
+                                          <p:spTgt spid="79"/>
+                                        </p:tgtEl>
+                                        <p:attrNameLst>
+                                          <p:attrName>style.visibility</p:attrName>
+                                        </p:attrNameLst>
+                                      </p:cBhvr>
+                                      <p:to>
+                                        <p:strVal val="visible"/>
+                                      </p:to>
+                                    </p:set>
+                                  </p:childTnLst>
+                                </p:cTn>
+                              </p:par>
+                              <p:par>
+                                <p:cTn id="63" presetID="1" presetClass="entr" presetSubtype="0" fill="hold" grpId="0" nodeType="withEffect">
+                                  <p:stCondLst>
+                                    <p:cond delay="0"/>
+                                  </p:stCondLst>
+                                  <p:childTnLst>
+                                    <p:set>
+                                      <p:cBhvr>
+                                        <p:cTn id="64" dur="1" fill="hold">
+                                          <p:stCondLst>
+                                            <p:cond delay="0"/>
+                                          </p:stCondLst>
+                                        </p:cTn>
+                                        <p:tgtEl>
+                                          <p:spTgt spid="82"/>
+                                        </p:tgtEl>
+                                        <p:attrNameLst>
+                                          <p:attrName>style.visibility</p:attrName>
+                                        </p:attrNameLst>
+                                      </p:cBhvr>
+                                      <p:to>
+                                        <p:strVal val="visible"/>
+                                      </p:to>
+                                    </p:set>
+                                  </p:childTnLst>
+                                </p:cTn>
+                              </p:par>
+                              <p:par>
+                                <p:cTn id="65" presetID="1" presetClass="entr" presetSubtype="0" fill="hold" grpId="0" nodeType="withEffect">
+                                  <p:stCondLst>
+                                    <p:cond delay="0"/>
+                                  </p:stCondLst>
+                                  <p:childTnLst>
+                                    <p:set>
+                                      <p:cBhvr>
+                                        <p:cTn id="66" dur="1" fill="hold">
+                                          <p:stCondLst>
+                                            <p:cond delay="0"/>
+                                          </p:stCondLst>
+                                        </p:cTn>
+                                        <p:tgtEl>
+                                          <p:spTgt spid="69"/>
+                                        </p:tgtEl>
+                                        <p:attrNameLst>
+                                          <p:attrName>style.visibility</p:attrName>
+                                        </p:attrNameLst>
+                                      </p:cBhvr>
+                                      <p:to>
+                                        <p:strVal val="visible"/>
+                                      </p:to>
+                                    </p:set>
+                                  </p:childTnLst>
+                                </p:cTn>
+                              </p:par>
+                            </p:childTnLst>
+                          </p:cTn>
+                        </p:par>
+                      </p:childTnLst>
+                    </p:cTn>
+                  </p:par>
+                  <p:par>
+                    <p:cTn id="67" fill="hold">
+                      <p:stCondLst>
+                        <p:cond delay="indefinite"/>
+                      </p:stCondLst>
+                      <p:childTnLst>
+                        <p:par>
+                          <p:cTn id="68" fill="hold">
+                            <p:stCondLst>
+                              <p:cond delay="0"/>
+                            </p:stCondLst>
+                            <p:childTnLst>
+                              <p:par>
+                                <p:cTn id="69" presetID="1" presetClass="entr" presetSubtype="0" fill="hold" grpId="0" nodeType="clickEffect">
+                                  <p:stCondLst>
+                                    <p:cond delay="0"/>
+                                  </p:stCondLst>
+                                  <p:childTnLst>
+                                    <p:set>
+                                      <p:cBhvr>
+                                        <p:cTn id="70" dur="1" fill="hold">
+                                          <p:stCondLst>
+                                            <p:cond delay="0"/>
+                                          </p:stCondLst>
+                                        </p:cTn>
+                                        <p:tgtEl>
+                                          <p:spTgt spid="72"/>
+                                        </p:tgtEl>
+                                        <p:attrNameLst>
+                                          <p:attrName>style.visibility</p:attrName>
+                                        </p:attrNameLst>
+                                      </p:cBhvr>
+                                      <p:to>
+                                        <p:strVal val="visible"/>
+                                      </p:to>
+                                    </p:set>
+                                  </p:childTnLst>
+                                </p:cTn>
+                              </p:par>
+                            </p:childTnLst>
+                          </p:cTn>
+                        </p:par>
+                      </p:childTnLst>
+                    </p:cTn>
+                  </p:par>
+                </p:childTnLst>
+              </p:cTn>
+              <p:prevCondLst>
+                <p:cond evt="onPrev" delay="0">
+                  <p:tgtEl>
+                    <p:sldTgt/>
+                  </p:tgtEl>
+                </p:cond>
+              </p:prevCondLst>
+              <p:nextCondLst>
+                <p:cond evt="onNext" delay="0">
+                  <p:tgtEl>
+                    <p:sldTgt/>
+                  </p:tgtEl>
+                </p:cond>
+              </p:nextCondLst>
+            </p:seq>
+          </p:childTnLst>
+        </p:cTn>
+      </p:par>
+    </p:tnLst>
+    <p:bldLst>
+      <p:bldP spid="17" grpId="0" animBg="1"/>
+      <p:bldP spid="18" grpId="0" animBg="1"/>
+      <p:bldP spid="37" grpId="0"/>
+      <p:bldP spid="41" grpId="0"/>
+      <p:bldP spid="62" grpId="0"/>
+      <p:bldP spid="63" grpId="0"/>
+      <p:bldP spid="66" grpId="0"/>
+      <p:bldP spid="69" grpId="0"/>
+      <p:bldP spid="72" grpId="0"/>
+      <p:bldP spid="73" grpId="0"/>
+      <p:bldP spid="74" grpId="0"/>
+      <p:bldP spid="75" grpId="0"/>
+      <p:bldP spid="82" grpId="0" animBg="1"/>
+      <p:bldP spid="19" grpId="0" animBg="1"/>
+    </p:bldLst>
+  </p:timing>
 </p:sld>
 </file>
 
-<file path=ppt/slides/slide4.xml><?xml version="1.0" encoding="utf-8"?>
-<p:sld xmlns:a="http://schemas.openxmlformats.org/drawingml/2006/main" xmlns:r="http://schemas.openxmlformats.org/officeDocument/2006/relationships" xmlns:p="http://schemas.openxmlformats.org/presentationml/2006/main">
-  <p:cSld>
-    <p:spTree>
-      <p:nvGrpSpPr>
-        <p:cNvPr id="1" name=""/>
-        <p:cNvGrpSpPr/>
-        <p:nvPr/>
-      </p:nvGrpSpPr>
-      <p:grpSpPr>
-        <a:xfrm>
-          <a:off x="0" y="0"/>
-          <a:ext cx="0" cy="0"/>
-          <a:chOff x="0" y="0"/>
-          <a:chExt cx="0" cy="0"/>
-        </a:xfrm>
-      </p:grpSpPr>
-      <p:sp>
-        <p:nvSpPr>
-          <p:cNvPr id="2" name="Titel 1">
-            <a:extLst>
-              <a:ext uri="{FF2B5EF4-FFF2-40B4-BE49-F238E27FC236}">
-                <a16:creationId xmlns:a16="http://schemas.microsoft.com/office/drawing/2014/main" id="{15B3F745-C11D-4C55-B8FE-6C1044F63D3E}"/>
-              </a:ext>
-            </a:extLst>
-          </p:cNvPr>
-          <p:cNvSpPr>
-            <a:spLocks noGrp="1"/>
-          </p:cNvSpPr>
-          <p:nvPr>
-            <p:ph type="title"/>
-          </p:nvPr>
-        </p:nvSpPr>
-        <p:spPr/>
-        <p:txBody>
-          <a:bodyPr/>
-          <a:lstStyle/>
-          <a:p>
-            <a:r>
-              <a:rPr lang="de-DE" dirty="0"/>
-              <a:t>Aarons Teil</a:t>
-            </a:r>
-          </a:p>
-        </p:txBody>
-      </p:sp>
-      <p:sp>
-        <p:nvSpPr>
-          <p:cNvPr id="3" name="Inhaltsplatzhalter 2">
-            <a:extLst>
-              <a:ext uri="{FF2B5EF4-FFF2-40B4-BE49-F238E27FC236}">
-                <a16:creationId xmlns:a16="http://schemas.microsoft.com/office/drawing/2014/main" id="{63F59A15-BE4B-42A1-990B-2D7CC9B16475}"/>
-              </a:ext>
-            </a:extLst>
-          </p:cNvPr>
-          <p:cNvSpPr>
-            <a:spLocks noGrp="1"/>
-          </p:cNvSpPr>
-          <p:nvPr>
-            <p:ph idx="1"/>
-          </p:nvPr>
-        </p:nvSpPr>
-        <p:spPr/>
-        <p:txBody>
-          <a:bodyPr/>
-          <a:lstStyle/>
-          <a:p>
-            <a:endParaRPr lang="de-DE"/>
-          </a:p>
-        </p:txBody>
-      </p:sp>
-    </p:spTree>
-    <p:extLst>
-      <p:ext uri="{BB962C8B-B14F-4D97-AF65-F5344CB8AC3E}">
-        <p14:creationId xmlns:p14="http://schemas.microsoft.com/office/powerpoint/2010/main" val="3566152805"/>
-      </p:ext>
-    </p:extLst>
-  </p:cSld>
-  <p:clrMapOvr>
-    <a:masterClrMapping/>
-  </p:clrMapOvr>
-</p:sld>
-</file>
-
-<file path=ppt/slides/slide5.xml><?xml version="1.0" encoding="utf-8"?>
-<p:sld xmlns:a="http://schemas.openxmlformats.org/drawingml/2006/main" xmlns:r="http://schemas.openxmlformats.org/officeDocument/2006/relationships" xmlns:p="http://schemas.openxmlformats.org/presentationml/2006/main">
-  <p:cSld>
-    <p:spTree>
-      <p:nvGrpSpPr>
-        <p:cNvPr id="1" name=""/>
-        <p:cNvGrpSpPr/>
-        <p:nvPr/>
-      </p:nvGrpSpPr>
-      <p:grpSpPr>
-        <a:xfrm>
-          <a:off x="0" y="0"/>
-          <a:ext cx="0" cy="0"/>
-          <a:chOff x="0" y="0"/>
-          <a:chExt cx="0" cy="0"/>
-        </a:xfrm>
-      </p:grpSpPr>
-      <p:sp>
-        <p:nvSpPr>
-          <p:cNvPr id="2" name="Titel 1">
-            <a:extLst>
-              <a:ext uri="{FF2B5EF4-FFF2-40B4-BE49-F238E27FC236}">
-                <a16:creationId xmlns:a16="http://schemas.microsoft.com/office/drawing/2014/main" id="{B5DA7E70-CD89-4BAC-84AD-BBF70C4B04C8}"/>
-              </a:ext>
-            </a:extLst>
-          </p:cNvPr>
-          <p:cNvSpPr>
-            <a:spLocks noGrp="1"/>
-          </p:cNvSpPr>
-          <p:nvPr>
-            <p:ph type="title"/>
-          </p:nvPr>
-        </p:nvSpPr>
-        <p:spPr/>
-        <p:txBody>
-          <a:bodyPr/>
-          <a:lstStyle/>
-          <a:p>
-            <a:r>
-              <a:rPr lang="de-DE" dirty="0"/>
-              <a:t>Fredes Teil</a:t>
-            </a:r>
-          </a:p>
-        </p:txBody>
-      </p:sp>
-      <p:sp>
-        <p:nvSpPr>
-          <p:cNvPr id="3" name="Inhaltsplatzhalter 2">
-            <a:extLst>
-              <a:ext uri="{FF2B5EF4-FFF2-40B4-BE49-F238E27FC236}">
-                <a16:creationId xmlns:a16="http://schemas.microsoft.com/office/drawing/2014/main" id="{591AF323-B4B4-4E48-A8F6-2496DFCB2EF6}"/>
-              </a:ext>
-            </a:extLst>
-          </p:cNvPr>
-          <p:cNvSpPr>
-            <a:spLocks noGrp="1"/>
-          </p:cNvSpPr>
-          <p:nvPr>
-            <p:ph idx="1"/>
-          </p:nvPr>
-        </p:nvSpPr>
-        <p:spPr/>
-        <p:txBody>
-          <a:bodyPr/>
-          <a:lstStyle/>
-          <a:p>
-            <a:endParaRPr lang="de-DE"/>
-          </a:p>
-        </p:txBody>
-      </p:sp>
-    </p:spTree>
-    <p:extLst>
-      <p:ext uri="{BB962C8B-B14F-4D97-AF65-F5344CB8AC3E}">
-        <p14:creationId xmlns:p14="http://schemas.microsoft.com/office/powerpoint/2010/main" val="1645068661"/>
-      </p:ext>
-    </p:extLst>
-  </p:cSld>
-  <p:clrMapOvr>
-    <a:masterClrMapping/>
-  </p:clrMapOvr>
-</p:sld>
-</file>
-
-<file path=ppt/slides/slide6.xml><?xml version="1.0" encoding="utf-8"?>
+<file path=ppt/slides/slide12.xml><?xml version="1.0" encoding="utf-8"?>
 <p:sld xmlns:a="http://schemas.openxmlformats.org/drawingml/2006/main" xmlns:r="http://schemas.openxmlformats.org/officeDocument/2006/relationships" xmlns:p="http://schemas.openxmlformats.org/presentationml/2006/main">
   <p:cSld>
     <p:spTree>
@@ -4505,7 +10541,7 @@
 </p:sld>
 </file>
 
-<file path=ppt/slides/slide7.xml><?xml version="1.0" encoding="utf-8"?>
+<file path=ppt/slides/slide13.xml><?xml version="1.0" encoding="utf-8"?>
 <p:sld xmlns:a="http://schemas.openxmlformats.org/drawingml/2006/main" xmlns:r="http://schemas.openxmlformats.org/officeDocument/2006/relationships" xmlns:p="http://schemas.openxmlformats.org/presentationml/2006/main">
   <p:cSld>
     <p:spTree>
@@ -4550,8 +10586,8 @@
           </a:p>
         </p:txBody>
       </p:sp>
-      <mc:AlternateContent xmlns:mc="http://schemas.openxmlformats.org/markup-compatibility/2006">
-        <mc:Choice xmlns:a14="http://schemas.microsoft.com/office/drawing/2010/main" Requires="a14">
+      <mc:AlternateContent xmlns:mc="http://schemas.openxmlformats.org/markup-compatibility/2006" xmlns:a14="http://schemas.microsoft.com/office/drawing/2010/main">
+        <mc:Choice Requires="a14">
           <p:sp>
             <p:nvSpPr>
               <p:cNvPr id="3" name="Inhaltsplatzhalter 2">
@@ -4935,7 +10971,7 @@
             </p:txBody>
           </p:sp>
         </mc:Choice>
-        <mc:Fallback>
+        <mc:Fallback xmlns="">
           <p:sp>
             <p:nvSpPr>
               <p:cNvPr id="3" name="Inhaltsplatzhalter 2">
@@ -4988,7 +11024,7 @@
 </p:sld>
 </file>
 
-<file path=ppt/slides/slide8.xml><?xml version="1.0" encoding="utf-8"?>
+<file path=ppt/slides/slide14.xml><?xml version="1.0" encoding="utf-8"?>
 <p:sld xmlns:a="http://schemas.openxmlformats.org/drawingml/2006/main" xmlns:r="http://schemas.openxmlformats.org/officeDocument/2006/relationships" xmlns:p="http://schemas.openxmlformats.org/presentationml/2006/main">
   <p:cSld>
     <p:spTree>
@@ -5142,7 +11178,7 @@
 </p:sld>
 </file>
 
-<file path=ppt/slides/slide9.xml><?xml version="1.0" encoding="utf-8"?>
+<file path=ppt/slides/slide15.xml><?xml version="1.0" encoding="utf-8"?>
 <p:sld xmlns:a="http://schemas.openxmlformats.org/drawingml/2006/main" xmlns:r="http://schemas.openxmlformats.org/officeDocument/2006/relationships" xmlns:p="http://schemas.openxmlformats.org/presentationml/2006/main">
   <p:cSld>
     <p:spTree>
@@ -5212,6 +11248,2878 @@
   <p:clrMapOvr>
     <a:masterClrMapping/>
   </p:clrMapOvr>
+</p:sld>
+</file>
+
+<file path=ppt/slides/slide2.xml><?xml version="1.0" encoding="utf-8"?>
+<p:sld xmlns:a="http://schemas.openxmlformats.org/drawingml/2006/main" xmlns:r="http://schemas.openxmlformats.org/officeDocument/2006/relationships" xmlns:p="http://schemas.openxmlformats.org/presentationml/2006/main">
+  <p:cSld>
+    <p:spTree>
+      <p:nvGrpSpPr>
+        <p:cNvPr id="1" name=""/>
+        <p:cNvGrpSpPr/>
+        <p:nvPr/>
+      </p:nvGrpSpPr>
+      <p:grpSpPr>
+        <a:xfrm>
+          <a:off x="0" y="0"/>
+          <a:ext cx="0" cy="0"/>
+          <a:chOff x="0" y="0"/>
+          <a:chExt cx="0" cy="0"/>
+        </a:xfrm>
+      </p:grpSpPr>
+      <p:sp>
+        <p:nvSpPr>
+          <p:cNvPr id="2" name="Titel 1">
+            <a:extLst>
+              <a:ext uri="{FF2B5EF4-FFF2-40B4-BE49-F238E27FC236}">
+                <a16:creationId xmlns:a16="http://schemas.microsoft.com/office/drawing/2014/main" id="{F34C9E2D-611E-48D5-9E3F-60BCC33CC164}"/>
+              </a:ext>
+            </a:extLst>
+          </p:cNvPr>
+          <p:cNvSpPr>
+            <a:spLocks noGrp="1"/>
+          </p:cNvSpPr>
+          <p:nvPr>
+            <p:ph type="title"/>
+          </p:nvPr>
+        </p:nvSpPr>
+        <p:spPr/>
+        <p:txBody>
+          <a:bodyPr/>
+          <a:lstStyle/>
+          <a:p>
+            <a:r>
+              <a:rPr lang="de-DE" dirty="0"/>
+              <a:t>Inhaltsverzeichnis</a:t>
+            </a:r>
+          </a:p>
+        </p:txBody>
+      </p:sp>
+      <p:sp>
+        <p:nvSpPr>
+          <p:cNvPr id="3" name="Inhaltsplatzhalter 2">
+            <a:extLst>
+              <a:ext uri="{FF2B5EF4-FFF2-40B4-BE49-F238E27FC236}">
+                <a16:creationId xmlns:a16="http://schemas.microsoft.com/office/drawing/2014/main" id="{E8DBC05B-1845-42D4-965C-63A607DCC327}"/>
+              </a:ext>
+            </a:extLst>
+          </p:cNvPr>
+          <p:cNvSpPr>
+            <a:spLocks noGrp="1"/>
+          </p:cNvSpPr>
+          <p:nvPr>
+            <p:ph idx="1"/>
+          </p:nvPr>
+        </p:nvSpPr>
+        <p:spPr/>
+        <p:txBody>
+          <a:bodyPr/>
+          <a:lstStyle/>
+          <a:p>
+            <a:endParaRPr lang="de-DE"/>
+          </a:p>
+        </p:txBody>
+      </p:sp>
+    </p:spTree>
+    <p:extLst>
+      <p:ext uri="{BB962C8B-B14F-4D97-AF65-F5344CB8AC3E}">
+        <p14:creationId xmlns:p14="http://schemas.microsoft.com/office/powerpoint/2010/main" val="1541868476"/>
+      </p:ext>
+    </p:extLst>
+  </p:cSld>
+  <p:clrMapOvr>
+    <a:masterClrMapping/>
+  </p:clrMapOvr>
+</p:sld>
+</file>
+
+<file path=ppt/slides/slide3.xml><?xml version="1.0" encoding="utf-8"?>
+<p:sld xmlns:a="http://schemas.openxmlformats.org/drawingml/2006/main" xmlns:r="http://schemas.openxmlformats.org/officeDocument/2006/relationships" xmlns:p="http://schemas.openxmlformats.org/presentationml/2006/main">
+  <p:cSld>
+    <p:spTree>
+      <p:nvGrpSpPr>
+        <p:cNvPr id="1" name=""/>
+        <p:cNvGrpSpPr/>
+        <p:nvPr/>
+      </p:nvGrpSpPr>
+      <p:grpSpPr>
+        <a:xfrm>
+          <a:off x="0" y="0"/>
+          <a:ext cx="0" cy="0"/>
+          <a:chOff x="0" y="0"/>
+          <a:chExt cx="0" cy="0"/>
+        </a:xfrm>
+      </p:grpSpPr>
+      <p:sp>
+        <p:nvSpPr>
+          <p:cNvPr id="2" name="Titel 1">
+            <a:extLst>
+              <a:ext uri="{FF2B5EF4-FFF2-40B4-BE49-F238E27FC236}">
+                <a16:creationId xmlns:a16="http://schemas.microsoft.com/office/drawing/2014/main" id="{E717D70C-2838-4A73-B529-89BC40A123AA}"/>
+              </a:ext>
+            </a:extLst>
+          </p:cNvPr>
+          <p:cNvSpPr>
+            <a:spLocks noGrp="1"/>
+          </p:cNvSpPr>
+          <p:nvPr>
+            <p:ph type="title"/>
+          </p:nvPr>
+        </p:nvSpPr>
+        <p:spPr/>
+        <p:txBody>
+          <a:bodyPr/>
+          <a:lstStyle/>
+          <a:p>
+            <a:r>
+              <a:rPr lang="de-DE" dirty="0"/>
+              <a:t>Allgemeines zur Simulation</a:t>
+            </a:r>
+          </a:p>
+        </p:txBody>
+      </p:sp>
+      <p:sp>
+        <p:nvSpPr>
+          <p:cNvPr id="3" name="Inhaltsplatzhalter 2">
+            <a:extLst>
+              <a:ext uri="{FF2B5EF4-FFF2-40B4-BE49-F238E27FC236}">
+                <a16:creationId xmlns:a16="http://schemas.microsoft.com/office/drawing/2014/main" id="{B90872BD-90A5-4A6D-987E-395BF48837F2}"/>
+              </a:ext>
+            </a:extLst>
+          </p:cNvPr>
+          <p:cNvSpPr>
+            <a:spLocks noGrp="1"/>
+          </p:cNvSpPr>
+          <p:nvPr>
+            <p:ph idx="1"/>
+          </p:nvPr>
+        </p:nvSpPr>
+        <p:spPr/>
+        <p:txBody>
+          <a:bodyPr>
+            <a:normAutofit fontScale="85000" lnSpcReduction="20000"/>
+          </a:bodyPr>
+          <a:lstStyle/>
+          <a:p>
+            <a:pPr>
+              <a:buFont typeface="Arial" panose="020B0604020202020204" pitchFamily="34" charset="0"/>
+              <a:buChar char="•"/>
+            </a:pPr>
+            <a:r>
+              <a:rPr lang="de-DE" dirty="0"/>
+              <a:t> Simulation des Sonnensystem</a:t>
+            </a:r>
+          </a:p>
+          <a:p>
+            <a:pPr>
+              <a:buFont typeface="Arial" panose="020B0604020202020204" pitchFamily="34" charset="0"/>
+              <a:buChar char="•"/>
+            </a:pPr>
+            <a:endParaRPr lang="de-DE" dirty="0"/>
+          </a:p>
+          <a:p>
+            <a:pPr>
+              <a:buFont typeface="Arial" panose="020B0604020202020204" pitchFamily="34" charset="0"/>
+              <a:buChar char="•"/>
+            </a:pPr>
+            <a:r>
+              <a:rPr lang="de-DE" dirty="0"/>
+              <a:t> Erstellt in 3D mit Unity(C#)</a:t>
+            </a:r>
+          </a:p>
+          <a:p>
+            <a:pPr>
+              <a:buFont typeface="Arial" panose="020B0604020202020204" pitchFamily="34" charset="0"/>
+              <a:buChar char="•"/>
+            </a:pPr>
+            <a:endParaRPr lang="de-DE" dirty="0"/>
+          </a:p>
+          <a:p>
+            <a:pPr>
+              <a:buFont typeface="Arial" panose="020B0604020202020204" pitchFamily="34" charset="0"/>
+              <a:buChar char="•"/>
+            </a:pPr>
+            <a:r>
+              <a:rPr lang="de-DE" dirty="0"/>
+              <a:t> Alle Planeten ohne Monde werden simuliert</a:t>
+            </a:r>
+          </a:p>
+          <a:p>
+            <a:pPr>
+              <a:buFont typeface="Arial" panose="020B0604020202020204" pitchFamily="34" charset="0"/>
+              <a:buChar char="•"/>
+            </a:pPr>
+            <a:endParaRPr lang="de-DE" dirty="0"/>
+          </a:p>
+          <a:p>
+            <a:pPr>
+              <a:buFont typeface="Arial" panose="020B0604020202020204" pitchFamily="34" charset="0"/>
+              <a:buChar char="•"/>
+            </a:pPr>
+            <a:r>
+              <a:rPr lang="de-DE" dirty="0"/>
+              <a:t> Möglichkeit Asteroiden zu erstellen</a:t>
+            </a:r>
+          </a:p>
+          <a:p>
+            <a:pPr>
+              <a:buFont typeface="Arial" panose="020B0604020202020204" pitchFamily="34" charset="0"/>
+              <a:buChar char="•"/>
+            </a:pPr>
+            <a:endParaRPr lang="de-DE" dirty="0"/>
+          </a:p>
+          <a:p>
+            <a:pPr>
+              <a:buFont typeface="Arial" panose="020B0604020202020204" pitchFamily="34" charset="0"/>
+              <a:buChar char="•"/>
+            </a:pPr>
+            <a:r>
+              <a:rPr lang="de-DE" dirty="0"/>
+              <a:t> Startpunkt sind die Daten von 1959 – 2019, jeweils der 1.1.XXXX</a:t>
+            </a:r>
+          </a:p>
+          <a:p>
+            <a:pPr>
+              <a:buFont typeface="Arial" panose="020B0604020202020204" pitchFamily="34" charset="0"/>
+              <a:buChar char="•"/>
+            </a:pPr>
+            <a:endParaRPr lang="de-DE" dirty="0"/>
+          </a:p>
+          <a:p>
+            <a:pPr>
+              <a:buFont typeface="Arial" panose="020B0604020202020204" pitchFamily="34" charset="0"/>
+              <a:buChar char="•"/>
+            </a:pPr>
+            <a:r>
+              <a:rPr lang="de-DE"/>
+              <a:t> Simulationsdaten </a:t>
+            </a:r>
+            <a:r>
+              <a:rPr lang="de-DE" dirty="0"/>
+              <a:t>werden mit den Daten der NASA verglichen</a:t>
+            </a:r>
+          </a:p>
+          <a:p>
+            <a:pPr>
+              <a:buFont typeface="Arial" panose="020B0604020202020204" pitchFamily="34" charset="0"/>
+              <a:buChar char="•"/>
+            </a:pPr>
+            <a:endParaRPr lang="de-DE" dirty="0"/>
+          </a:p>
+          <a:p>
+            <a:pPr>
+              <a:buFont typeface="Arial" panose="020B0604020202020204" pitchFamily="34" charset="0"/>
+              <a:buChar char="•"/>
+            </a:pPr>
+            <a:endParaRPr lang="de-DE" dirty="0"/>
+          </a:p>
+        </p:txBody>
+      </p:sp>
+    </p:spTree>
+    <p:extLst>
+      <p:ext uri="{BB962C8B-B14F-4D97-AF65-F5344CB8AC3E}">
+        <p14:creationId xmlns:p14="http://schemas.microsoft.com/office/powerpoint/2010/main" val="507724446"/>
+      </p:ext>
+    </p:extLst>
+  </p:cSld>
+  <p:clrMapOvr>
+    <a:masterClrMapping/>
+  </p:clrMapOvr>
+</p:sld>
+</file>
+
+<file path=ppt/slides/slide4.xml><?xml version="1.0" encoding="utf-8"?>
+<p:sld xmlns:a="http://schemas.openxmlformats.org/drawingml/2006/main" xmlns:r="http://schemas.openxmlformats.org/officeDocument/2006/relationships" xmlns:p="http://schemas.openxmlformats.org/presentationml/2006/main">
+  <p:cSld>
+    <p:spTree>
+      <p:nvGrpSpPr>
+        <p:cNvPr id="1" name=""/>
+        <p:cNvGrpSpPr/>
+        <p:nvPr/>
+      </p:nvGrpSpPr>
+      <p:grpSpPr>
+        <a:xfrm>
+          <a:off x="0" y="0"/>
+          <a:ext cx="0" cy="0"/>
+          <a:chOff x="0" y="0"/>
+          <a:chExt cx="0" cy="0"/>
+        </a:xfrm>
+      </p:grpSpPr>
+      <p:sp>
+        <p:nvSpPr>
+          <p:cNvPr id="2" name="Titel 1">
+            <a:extLst>
+              <a:ext uri="{FF2B5EF4-FFF2-40B4-BE49-F238E27FC236}">
+                <a16:creationId xmlns:a16="http://schemas.microsoft.com/office/drawing/2014/main" id="{15B3F745-C11D-4C55-B8FE-6C1044F63D3E}"/>
+              </a:ext>
+            </a:extLst>
+          </p:cNvPr>
+          <p:cNvSpPr>
+            <a:spLocks noGrp="1"/>
+          </p:cNvSpPr>
+          <p:nvPr>
+            <p:ph type="title"/>
+          </p:nvPr>
+        </p:nvSpPr>
+        <p:spPr/>
+        <p:txBody>
+          <a:bodyPr/>
+          <a:lstStyle/>
+          <a:p>
+            <a:r>
+              <a:rPr lang="de-DE" dirty="0"/>
+              <a:t>Aarons Teil</a:t>
+            </a:r>
+          </a:p>
+        </p:txBody>
+      </p:sp>
+      <p:sp>
+        <p:nvSpPr>
+          <p:cNvPr id="3" name="Inhaltsplatzhalter 2">
+            <a:extLst>
+              <a:ext uri="{FF2B5EF4-FFF2-40B4-BE49-F238E27FC236}">
+                <a16:creationId xmlns:a16="http://schemas.microsoft.com/office/drawing/2014/main" id="{63F59A15-BE4B-42A1-990B-2D7CC9B16475}"/>
+              </a:ext>
+            </a:extLst>
+          </p:cNvPr>
+          <p:cNvSpPr>
+            <a:spLocks noGrp="1"/>
+          </p:cNvSpPr>
+          <p:nvPr>
+            <p:ph idx="1"/>
+          </p:nvPr>
+        </p:nvSpPr>
+        <p:spPr/>
+        <p:txBody>
+          <a:bodyPr/>
+          <a:lstStyle/>
+          <a:p>
+            <a:endParaRPr lang="de-DE"/>
+          </a:p>
+        </p:txBody>
+      </p:sp>
+    </p:spTree>
+    <p:extLst>
+      <p:ext uri="{BB962C8B-B14F-4D97-AF65-F5344CB8AC3E}">
+        <p14:creationId xmlns:p14="http://schemas.microsoft.com/office/powerpoint/2010/main" val="3566152805"/>
+      </p:ext>
+    </p:extLst>
+  </p:cSld>
+  <p:clrMapOvr>
+    <a:masterClrMapping/>
+  </p:clrMapOvr>
+</p:sld>
+</file>
+
+<file path=ppt/slides/slide5.xml><?xml version="1.0" encoding="utf-8"?>
+<p:sld xmlns:a="http://schemas.openxmlformats.org/drawingml/2006/main" xmlns:r="http://schemas.openxmlformats.org/officeDocument/2006/relationships" xmlns:p="http://schemas.openxmlformats.org/presentationml/2006/main">
+  <p:cSld>
+    <p:spTree>
+      <p:nvGrpSpPr>
+        <p:cNvPr id="1" name=""/>
+        <p:cNvGrpSpPr/>
+        <p:nvPr/>
+      </p:nvGrpSpPr>
+      <p:grpSpPr>
+        <a:xfrm>
+          <a:off x="0" y="0"/>
+          <a:ext cx="0" cy="0"/>
+          <a:chOff x="0" y="0"/>
+          <a:chExt cx="0" cy="0"/>
+        </a:xfrm>
+      </p:grpSpPr>
+      <p:sp>
+        <p:nvSpPr>
+          <p:cNvPr id="2" name="Titel 1">
+            <a:extLst>
+              <a:ext uri="{FF2B5EF4-FFF2-40B4-BE49-F238E27FC236}">
+                <a16:creationId xmlns:a16="http://schemas.microsoft.com/office/drawing/2014/main" id="{B5DA7E70-CD89-4BAC-84AD-BBF70C4B04C8}"/>
+              </a:ext>
+            </a:extLst>
+          </p:cNvPr>
+          <p:cNvSpPr>
+            <a:spLocks noGrp="1"/>
+          </p:cNvSpPr>
+          <p:nvPr>
+            <p:ph type="title"/>
+          </p:nvPr>
+        </p:nvSpPr>
+        <p:spPr/>
+        <p:txBody>
+          <a:bodyPr/>
+          <a:lstStyle/>
+          <a:p>
+            <a:r>
+              <a:rPr lang="de-DE" dirty="0"/>
+              <a:t>Fredes Teil</a:t>
+            </a:r>
+          </a:p>
+        </p:txBody>
+      </p:sp>
+      <p:sp>
+        <p:nvSpPr>
+          <p:cNvPr id="3" name="Inhaltsplatzhalter 2">
+            <a:extLst>
+              <a:ext uri="{FF2B5EF4-FFF2-40B4-BE49-F238E27FC236}">
+                <a16:creationId xmlns:a16="http://schemas.microsoft.com/office/drawing/2014/main" id="{591AF323-B4B4-4E48-A8F6-2496DFCB2EF6}"/>
+              </a:ext>
+            </a:extLst>
+          </p:cNvPr>
+          <p:cNvSpPr>
+            <a:spLocks noGrp="1"/>
+          </p:cNvSpPr>
+          <p:nvPr>
+            <p:ph idx="1"/>
+          </p:nvPr>
+        </p:nvSpPr>
+        <p:spPr/>
+        <p:txBody>
+          <a:bodyPr/>
+          <a:lstStyle/>
+          <a:p>
+            <a:endParaRPr lang="de-DE"/>
+          </a:p>
+        </p:txBody>
+      </p:sp>
+    </p:spTree>
+    <p:extLst>
+      <p:ext uri="{BB962C8B-B14F-4D97-AF65-F5344CB8AC3E}">
+        <p14:creationId xmlns:p14="http://schemas.microsoft.com/office/powerpoint/2010/main" val="1645068661"/>
+      </p:ext>
+    </p:extLst>
+  </p:cSld>
+  <p:clrMapOvr>
+    <a:masterClrMapping/>
+  </p:clrMapOvr>
+</p:sld>
+</file>
+
+<file path=ppt/slides/slide6.xml><?xml version="1.0" encoding="utf-8"?>
+<p:sld xmlns:a="http://schemas.openxmlformats.org/drawingml/2006/main" xmlns:r="http://schemas.openxmlformats.org/officeDocument/2006/relationships" xmlns:p="http://schemas.openxmlformats.org/presentationml/2006/main">
+  <p:cSld>
+    <p:spTree>
+      <p:nvGrpSpPr>
+        <p:cNvPr id="1" name=""/>
+        <p:cNvGrpSpPr/>
+        <p:nvPr/>
+      </p:nvGrpSpPr>
+      <p:grpSpPr>
+        <a:xfrm>
+          <a:off x="0" y="0"/>
+          <a:ext cx="0" cy="0"/>
+          <a:chOff x="0" y="0"/>
+          <a:chExt cx="0" cy="0"/>
+        </a:xfrm>
+      </p:grpSpPr>
+      <p:sp>
+        <p:nvSpPr>
+          <p:cNvPr id="3" name="Untertitel 2">
+            <a:extLst>
+              <a:ext uri="{FF2B5EF4-FFF2-40B4-BE49-F238E27FC236}">
+                <a16:creationId xmlns:a16="http://schemas.microsoft.com/office/drawing/2014/main" id="{6DF055AC-EB51-4367-ACD1-C954B2854764}"/>
+              </a:ext>
+            </a:extLst>
+          </p:cNvPr>
+          <p:cNvSpPr>
+            <a:spLocks noGrp="1"/>
+          </p:cNvSpPr>
+          <p:nvPr>
+            <p:ph type="subTitle" idx="1"/>
+          </p:nvPr>
+        </p:nvSpPr>
+        <p:spPr>
+          <a:xfrm>
+            <a:off x="1603900" y="3006162"/>
+            <a:ext cx="9144000" cy="845675"/>
+          </a:xfrm>
+        </p:spPr>
+        <p:txBody>
+          <a:bodyPr/>
+          <a:lstStyle/>
+          <a:p>
+            <a:r>
+              <a:rPr lang="de-DE" dirty="0"/>
+              <a:t>Wird in einer Milliarde Jahre die Erde die Sonne ungefähr so umrunden wie jetzt?</a:t>
+            </a:r>
+          </a:p>
+          <a:p>
+            <a:endParaRPr lang="de-DE" dirty="0"/>
+          </a:p>
+        </p:txBody>
+      </p:sp>
+    </p:spTree>
+    <p:extLst>
+      <p:ext uri="{BB962C8B-B14F-4D97-AF65-F5344CB8AC3E}">
+        <p14:creationId xmlns:p14="http://schemas.microsoft.com/office/powerpoint/2010/main" val="1524631329"/>
+      </p:ext>
+    </p:extLst>
+  </p:cSld>
+  <p:clrMapOvr>
+    <a:masterClrMapping/>
+  </p:clrMapOvr>
+</p:sld>
+</file>
+
+<file path=ppt/slides/slide7.xml><?xml version="1.0" encoding="utf-8"?>
+<p:sld xmlns:a="http://schemas.openxmlformats.org/drawingml/2006/main" xmlns:r="http://schemas.openxmlformats.org/officeDocument/2006/relationships" xmlns:p="http://schemas.openxmlformats.org/presentationml/2006/main">
+  <p:cSld>
+    <p:spTree>
+      <p:nvGrpSpPr>
+        <p:cNvPr id="1" name=""/>
+        <p:cNvGrpSpPr/>
+        <p:nvPr/>
+      </p:nvGrpSpPr>
+      <p:grpSpPr>
+        <a:xfrm>
+          <a:off x="0" y="0"/>
+          <a:ext cx="0" cy="0"/>
+          <a:chOff x="0" y="0"/>
+          <a:chExt cx="0" cy="0"/>
+        </a:xfrm>
+      </p:grpSpPr>
+      <p:pic>
+        <p:nvPicPr>
+          <p:cNvPr id="7" name="Grafik 6">
+            <a:extLst>
+              <a:ext uri="{FF2B5EF4-FFF2-40B4-BE49-F238E27FC236}">
+                <a16:creationId xmlns:a16="http://schemas.microsoft.com/office/drawing/2014/main" id="{C523875D-C093-45B9-B9B8-1949BDC75372}"/>
+              </a:ext>
+            </a:extLst>
+          </p:cNvPr>
+          <p:cNvPicPr>
+            <a:picLocks noChangeAspect="1"/>
+          </p:cNvPicPr>
+          <p:nvPr/>
+        </p:nvPicPr>
+        <p:blipFill>
+          <a:blip r:embed="rId2">
+            <a:extLst>
+              <a:ext uri="{28A0092B-C50C-407E-A947-70E740481C1C}">
+                <a14:useLocalDpi xmlns:a14="http://schemas.microsoft.com/office/drawing/2010/main" val="0"/>
+              </a:ext>
+            </a:extLst>
+          </a:blip>
+          <a:stretch>
+            <a:fillRect/>
+          </a:stretch>
+        </p:blipFill>
+        <p:spPr>
+          <a:xfrm>
+            <a:off x="1573439" y="2286000"/>
+            <a:ext cx="3429000" cy="2286000"/>
+          </a:xfrm>
+          <a:prstGeom prst="rect">
+            <a:avLst/>
+          </a:prstGeom>
+        </p:spPr>
+      </p:pic>
+      <p:pic>
+        <p:nvPicPr>
+          <p:cNvPr id="1026" name="Picture 2" descr="Bildergebnis für johannes kepler">
+            <a:extLst>
+              <a:ext uri="{FF2B5EF4-FFF2-40B4-BE49-F238E27FC236}">
+                <a16:creationId xmlns:a16="http://schemas.microsoft.com/office/drawing/2014/main" id="{5744BDE3-7DD6-4E3B-AD89-98DE117C299E}"/>
+              </a:ext>
+            </a:extLst>
+          </p:cNvPr>
+          <p:cNvPicPr>
+            <a:picLocks noChangeAspect="1" noChangeArrowheads="1"/>
+          </p:cNvPicPr>
+          <p:nvPr/>
+        </p:nvPicPr>
+        <p:blipFill>
+          <a:blip r:embed="rId3">
+            <a:extLst>
+              <a:ext uri="{28A0092B-C50C-407E-A947-70E740481C1C}">
+                <a14:useLocalDpi xmlns:a14="http://schemas.microsoft.com/office/drawing/2010/main" val="0"/>
+              </a:ext>
+            </a:extLst>
+          </a:blip>
+          <a:srcRect/>
+          <a:stretch>
+            <a:fillRect/>
+          </a:stretch>
+        </p:blipFill>
+        <p:spPr bwMode="auto">
+          <a:xfrm>
+            <a:off x="6947517" y="1660090"/>
+            <a:ext cx="2577483" cy="3537819"/>
+          </a:xfrm>
+          <a:prstGeom prst="rect">
+            <a:avLst/>
+          </a:prstGeom>
+          <a:noFill/>
+          <a:extLst>
+            <a:ext uri="{909E8E84-426E-40DD-AFC4-6F175D3DCCD1}">
+              <a14:hiddenFill xmlns:a14="http://schemas.microsoft.com/office/drawing/2010/main">
+                <a:solidFill>
+                  <a:srgbClr val="FFFFFF"/>
+                </a:solidFill>
+              </a14:hiddenFill>
+            </a:ext>
+          </a:extLst>
+        </p:spPr>
+      </p:pic>
+    </p:spTree>
+    <p:extLst>
+      <p:ext uri="{BB962C8B-B14F-4D97-AF65-F5344CB8AC3E}">
+        <p14:creationId xmlns:p14="http://schemas.microsoft.com/office/powerpoint/2010/main" val="2140267254"/>
+      </p:ext>
+    </p:extLst>
+  </p:cSld>
+  <p:clrMapOvr>
+    <a:masterClrMapping/>
+  </p:clrMapOvr>
+</p:sld>
+</file>
+
+<file path=ppt/slides/slide8.xml><?xml version="1.0" encoding="utf-8"?>
+<p:sld xmlns:a="http://schemas.openxmlformats.org/drawingml/2006/main" xmlns:r="http://schemas.openxmlformats.org/officeDocument/2006/relationships" xmlns:p="http://schemas.openxmlformats.org/presentationml/2006/main">
+  <p:cSld>
+    <p:spTree>
+      <p:nvGrpSpPr>
+        <p:cNvPr id="1" name=""/>
+        <p:cNvGrpSpPr/>
+        <p:nvPr/>
+      </p:nvGrpSpPr>
+      <p:grpSpPr>
+        <a:xfrm>
+          <a:off x="0" y="0"/>
+          <a:ext cx="0" cy="0"/>
+          <a:chOff x="0" y="0"/>
+          <a:chExt cx="0" cy="0"/>
+        </a:xfrm>
+      </p:grpSpPr>
+      <p:sp>
+        <p:nvSpPr>
+          <p:cNvPr id="4" name="Ellipse 3">
+            <a:extLst>
+              <a:ext uri="{FF2B5EF4-FFF2-40B4-BE49-F238E27FC236}">
+                <a16:creationId xmlns:a16="http://schemas.microsoft.com/office/drawing/2014/main" id="{140C0BC4-A530-468E-9B53-3A4C8D73A68E}"/>
+              </a:ext>
+            </a:extLst>
+          </p:cNvPr>
+          <p:cNvSpPr/>
+          <p:nvPr/>
+        </p:nvSpPr>
+        <p:spPr>
+          <a:xfrm>
+            <a:off x="2626311" y="3913435"/>
+            <a:ext cx="1164455" cy="1073599"/>
+          </a:xfrm>
+          <a:prstGeom prst="ellipse">
+            <a:avLst/>
+          </a:prstGeom>
+        </p:spPr>
+        <p:style>
+          <a:lnRef idx="2">
+            <a:schemeClr val="accent4">
+              <a:shade val="50000"/>
+            </a:schemeClr>
+          </a:lnRef>
+          <a:fillRef idx="1">
+            <a:schemeClr val="accent4"/>
+          </a:fillRef>
+          <a:effectRef idx="0">
+            <a:schemeClr val="accent4"/>
+          </a:effectRef>
+          <a:fontRef idx="minor">
+            <a:schemeClr val="lt1"/>
+          </a:fontRef>
+        </p:style>
+        <p:txBody>
+          <a:bodyPr rtlCol="0" anchor="ctr"/>
+          <a:lstStyle/>
+          <a:p>
+            <a:pPr algn="ctr"/>
+            <a:endParaRPr lang="de-DE"/>
+          </a:p>
+        </p:txBody>
+      </p:sp>
+      <p:sp>
+        <p:nvSpPr>
+          <p:cNvPr id="8" name="Ellipse 7">
+            <a:extLst>
+              <a:ext uri="{FF2B5EF4-FFF2-40B4-BE49-F238E27FC236}">
+                <a16:creationId xmlns:a16="http://schemas.microsoft.com/office/drawing/2014/main" id="{0D129BEB-8341-47B2-86DB-31C26330D41C}"/>
+              </a:ext>
+            </a:extLst>
+          </p:cNvPr>
+          <p:cNvSpPr/>
+          <p:nvPr/>
+        </p:nvSpPr>
+        <p:spPr>
+          <a:xfrm>
+            <a:off x="9072013" y="2384259"/>
+            <a:ext cx="196275" cy="199143"/>
+          </a:xfrm>
+          <a:prstGeom prst="ellipse">
+            <a:avLst/>
+          </a:prstGeom>
+        </p:spPr>
+        <p:style>
+          <a:lnRef idx="2">
+            <a:schemeClr val="accent2">
+              <a:shade val="50000"/>
+            </a:schemeClr>
+          </a:lnRef>
+          <a:fillRef idx="1">
+            <a:schemeClr val="accent2"/>
+          </a:fillRef>
+          <a:effectRef idx="0">
+            <a:schemeClr val="accent2"/>
+          </a:effectRef>
+          <a:fontRef idx="minor">
+            <a:schemeClr val="lt1"/>
+          </a:fontRef>
+        </p:style>
+        <p:txBody>
+          <a:bodyPr rtlCol="0" anchor="ctr"/>
+          <a:lstStyle/>
+          <a:p>
+            <a:pPr algn="ctr"/>
+            <a:endParaRPr lang="de-DE"/>
+          </a:p>
+        </p:txBody>
+      </p:sp>
+      <p:sp>
+        <p:nvSpPr>
+          <p:cNvPr id="5" name="Ellipse 4">
+            <a:extLst>
+              <a:ext uri="{FF2B5EF4-FFF2-40B4-BE49-F238E27FC236}">
+                <a16:creationId xmlns:a16="http://schemas.microsoft.com/office/drawing/2014/main" id="{D02A94BE-24B7-4875-9DF9-7486316010D4}"/>
+              </a:ext>
+            </a:extLst>
+          </p:cNvPr>
+          <p:cNvSpPr/>
+          <p:nvPr/>
+        </p:nvSpPr>
+        <p:spPr>
+          <a:xfrm>
+            <a:off x="1651247" y="3231472"/>
+            <a:ext cx="5548543" cy="2645545"/>
+          </a:xfrm>
+          <a:prstGeom prst="ellipse">
+            <a:avLst/>
+          </a:prstGeom>
+          <a:noFill/>
+        </p:spPr>
+        <p:style>
+          <a:lnRef idx="2">
+            <a:schemeClr val="accent1">
+              <a:shade val="50000"/>
+            </a:schemeClr>
+          </a:lnRef>
+          <a:fillRef idx="1">
+            <a:schemeClr val="accent1"/>
+          </a:fillRef>
+          <a:effectRef idx="0">
+            <a:schemeClr val="accent1"/>
+          </a:effectRef>
+          <a:fontRef idx="minor">
+            <a:schemeClr val="lt1"/>
+          </a:fontRef>
+        </p:style>
+        <p:txBody>
+          <a:bodyPr rtlCol="0" anchor="ctr"/>
+          <a:lstStyle/>
+          <a:p>
+            <a:pPr algn="ctr"/>
+            <a:endParaRPr lang="de-DE"/>
+          </a:p>
+        </p:txBody>
+      </p:sp>
+      <p:sp>
+        <p:nvSpPr>
+          <p:cNvPr id="6" name="Ellipse 5">
+            <a:extLst>
+              <a:ext uri="{FF2B5EF4-FFF2-40B4-BE49-F238E27FC236}">
+                <a16:creationId xmlns:a16="http://schemas.microsoft.com/office/drawing/2014/main" id="{CAAB70A7-5770-4DE1-B099-536204E4C1CE}"/>
+              </a:ext>
+            </a:extLst>
+          </p:cNvPr>
+          <p:cNvSpPr/>
+          <p:nvPr/>
+        </p:nvSpPr>
+        <p:spPr>
+          <a:xfrm rot="20898425">
+            <a:off x="932437" y="2285118"/>
+            <a:ext cx="9150682" cy="3934573"/>
+          </a:xfrm>
+          <a:prstGeom prst="ellipse">
+            <a:avLst/>
+          </a:prstGeom>
+          <a:noFill/>
+          <a:ln>
+            <a:solidFill>
+              <a:schemeClr val="accent2"/>
+            </a:solidFill>
+          </a:ln>
+        </p:spPr>
+        <p:style>
+          <a:lnRef idx="2">
+            <a:schemeClr val="accent1">
+              <a:shade val="50000"/>
+            </a:schemeClr>
+          </a:lnRef>
+          <a:fillRef idx="1">
+            <a:schemeClr val="accent1"/>
+          </a:fillRef>
+          <a:effectRef idx="0">
+            <a:schemeClr val="accent1"/>
+          </a:effectRef>
+          <a:fontRef idx="minor">
+            <a:schemeClr val="lt1"/>
+          </a:fontRef>
+        </p:style>
+        <p:txBody>
+          <a:bodyPr rtlCol="0" anchor="ctr"/>
+          <a:lstStyle/>
+          <a:p>
+            <a:pPr algn="ctr"/>
+            <a:endParaRPr lang="de-DE"/>
+          </a:p>
+        </p:txBody>
+      </p:sp>
+      <p:sp>
+        <p:nvSpPr>
+          <p:cNvPr id="7" name="Ellipse 6">
+            <a:extLst>
+              <a:ext uri="{FF2B5EF4-FFF2-40B4-BE49-F238E27FC236}">
+                <a16:creationId xmlns:a16="http://schemas.microsoft.com/office/drawing/2014/main" id="{1238BC71-FAD5-4D0C-9259-8B6D852331F5}"/>
+              </a:ext>
+            </a:extLst>
+          </p:cNvPr>
+          <p:cNvSpPr/>
+          <p:nvPr/>
+        </p:nvSpPr>
+        <p:spPr>
+          <a:xfrm>
+            <a:off x="6590795" y="4917849"/>
+            <a:ext cx="511342" cy="477007"/>
+          </a:xfrm>
+          <a:prstGeom prst="ellipse">
+            <a:avLst/>
+          </a:prstGeom>
+        </p:spPr>
+        <p:style>
+          <a:lnRef idx="2">
+            <a:schemeClr val="accent1">
+              <a:shade val="50000"/>
+            </a:schemeClr>
+          </a:lnRef>
+          <a:fillRef idx="1">
+            <a:schemeClr val="accent1"/>
+          </a:fillRef>
+          <a:effectRef idx="0">
+            <a:schemeClr val="accent1"/>
+          </a:effectRef>
+          <a:fontRef idx="minor">
+            <a:schemeClr val="lt1"/>
+          </a:fontRef>
+        </p:style>
+        <p:txBody>
+          <a:bodyPr rtlCol="0" anchor="ctr"/>
+          <a:lstStyle/>
+          <a:p>
+            <a:pPr algn="ctr"/>
+            <a:endParaRPr lang="de-DE"/>
+          </a:p>
+        </p:txBody>
+      </p:sp>
+      <p:cxnSp>
+        <p:nvCxnSpPr>
+          <p:cNvPr id="10" name="Gerade Verbindung mit Pfeil 9">
+            <a:extLst>
+              <a:ext uri="{FF2B5EF4-FFF2-40B4-BE49-F238E27FC236}">
+                <a16:creationId xmlns:a16="http://schemas.microsoft.com/office/drawing/2014/main" id="{3E2918D5-3ACB-492E-86A2-202E88A8C3AE}"/>
+              </a:ext>
+            </a:extLst>
+          </p:cNvPr>
+          <p:cNvCxnSpPr/>
+          <p:nvPr/>
+        </p:nvCxnSpPr>
+        <p:spPr>
+          <a:xfrm>
+            <a:off x="3790766" y="4678532"/>
+            <a:ext cx="2734321" cy="390618"/>
+          </a:xfrm>
+          <a:prstGeom prst="straightConnector1">
+            <a:avLst/>
+          </a:prstGeom>
+          <a:ln>
+            <a:tailEnd type="triangle"/>
+          </a:ln>
+        </p:spPr>
+        <p:style>
+          <a:lnRef idx="1">
+            <a:schemeClr val="accent1"/>
+          </a:lnRef>
+          <a:fillRef idx="0">
+            <a:schemeClr val="accent1"/>
+          </a:fillRef>
+          <a:effectRef idx="0">
+            <a:schemeClr val="accent1"/>
+          </a:effectRef>
+          <a:fontRef idx="minor">
+            <a:schemeClr val="tx1"/>
+          </a:fontRef>
+        </p:style>
+      </p:cxnSp>
+      <p:cxnSp>
+        <p:nvCxnSpPr>
+          <p:cNvPr id="12" name="Gerade Verbindung mit Pfeil 11">
+            <a:extLst>
+              <a:ext uri="{FF2B5EF4-FFF2-40B4-BE49-F238E27FC236}">
+                <a16:creationId xmlns:a16="http://schemas.microsoft.com/office/drawing/2014/main" id="{A69ED436-32D7-4DC3-8919-364DAC6AFEE7}"/>
+              </a:ext>
+            </a:extLst>
+          </p:cNvPr>
+          <p:cNvCxnSpPr>
+            <a:cxnSpLocks/>
+          </p:cNvCxnSpPr>
+          <p:nvPr/>
+        </p:nvCxnSpPr>
+        <p:spPr>
+          <a:xfrm flipV="1">
+            <a:off x="3823620" y="2490248"/>
+            <a:ext cx="5248393" cy="1762157"/>
+          </a:xfrm>
+          <a:prstGeom prst="straightConnector1">
+            <a:avLst/>
+          </a:prstGeom>
+          <a:ln>
+            <a:tailEnd type="triangle"/>
+          </a:ln>
+        </p:spPr>
+        <p:style>
+          <a:lnRef idx="1">
+            <a:schemeClr val="accent1"/>
+          </a:lnRef>
+          <a:fillRef idx="0">
+            <a:schemeClr val="accent1"/>
+          </a:fillRef>
+          <a:effectRef idx="0">
+            <a:schemeClr val="accent1"/>
+          </a:effectRef>
+          <a:fontRef idx="minor">
+            <a:schemeClr val="tx1"/>
+          </a:fontRef>
+        </p:style>
+      </p:cxnSp>
+      <p:cxnSp>
+        <p:nvCxnSpPr>
+          <p:cNvPr id="14" name="Gerade Verbindung mit Pfeil 13">
+            <a:extLst>
+              <a:ext uri="{FF2B5EF4-FFF2-40B4-BE49-F238E27FC236}">
+                <a16:creationId xmlns:a16="http://schemas.microsoft.com/office/drawing/2014/main" id="{258B7A9A-005B-4225-9CA0-9C83FBF13614}"/>
+              </a:ext>
+            </a:extLst>
+          </p:cNvPr>
+          <p:cNvCxnSpPr>
+            <a:cxnSpLocks/>
+          </p:cNvCxnSpPr>
+          <p:nvPr/>
+        </p:nvCxnSpPr>
+        <p:spPr>
+          <a:xfrm flipH="1">
+            <a:off x="6986728" y="2583402"/>
+            <a:ext cx="2118139" cy="2334447"/>
+          </a:xfrm>
+          <a:prstGeom prst="straightConnector1">
+            <a:avLst/>
+          </a:prstGeom>
+          <a:ln>
+            <a:tailEnd type="triangle"/>
+          </a:ln>
+        </p:spPr>
+        <p:style>
+          <a:lnRef idx="1">
+            <a:schemeClr val="accent1"/>
+          </a:lnRef>
+          <a:fillRef idx="0">
+            <a:schemeClr val="accent1"/>
+          </a:fillRef>
+          <a:effectRef idx="0">
+            <a:schemeClr val="accent1"/>
+          </a:effectRef>
+          <a:fontRef idx="minor">
+            <a:schemeClr val="tx1"/>
+          </a:fontRef>
+        </p:style>
+      </p:cxnSp>
+      <p:sp>
+        <p:nvSpPr>
+          <p:cNvPr id="23" name="Ellipse 22">
+            <a:extLst>
+              <a:ext uri="{FF2B5EF4-FFF2-40B4-BE49-F238E27FC236}">
+                <a16:creationId xmlns:a16="http://schemas.microsoft.com/office/drawing/2014/main" id="{21046CEE-8457-4D3D-BA82-476036D3B07A}"/>
+              </a:ext>
+            </a:extLst>
+          </p:cNvPr>
+          <p:cNvSpPr/>
+          <p:nvPr/>
+        </p:nvSpPr>
+        <p:spPr>
+          <a:xfrm>
+            <a:off x="1434561" y="3107185"/>
+            <a:ext cx="6413300" cy="2858609"/>
+          </a:xfrm>
+          <a:prstGeom prst="ellipse">
+            <a:avLst/>
+          </a:prstGeom>
+          <a:noFill/>
+        </p:spPr>
+        <p:style>
+          <a:lnRef idx="2">
+            <a:schemeClr val="accent1">
+              <a:shade val="50000"/>
+            </a:schemeClr>
+          </a:lnRef>
+          <a:fillRef idx="1">
+            <a:schemeClr val="accent1"/>
+          </a:fillRef>
+          <a:effectRef idx="0">
+            <a:schemeClr val="accent1"/>
+          </a:effectRef>
+          <a:fontRef idx="minor">
+            <a:schemeClr val="lt1"/>
+          </a:fontRef>
+        </p:style>
+        <p:txBody>
+          <a:bodyPr rtlCol="0" anchor="ctr"/>
+          <a:lstStyle/>
+          <a:p>
+            <a:pPr algn="ctr"/>
+            <a:endParaRPr lang="de-DE"/>
+          </a:p>
+        </p:txBody>
+      </p:sp>
+      <p:sp>
+        <p:nvSpPr>
+          <p:cNvPr id="24" name="Ellipse 23">
+            <a:extLst>
+              <a:ext uri="{FF2B5EF4-FFF2-40B4-BE49-F238E27FC236}">
+                <a16:creationId xmlns:a16="http://schemas.microsoft.com/office/drawing/2014/main" id="{223CA4F5-9B54-4FB9-B0FF-005EABD504E1}"/>
+              </a:ext>
+            </a:extLst>
+          </p:cNvPr>
+          <p:cNvSpPr/>
+          <p:nvPr/>
+        </p:nvSpPr>
+        <p:spPr>
+          <a:xfrm>
+            <a:off x="7219298" y="4964625"/>
+            <a:ext cx="511342" cy="477007"/>
+          </a:xfrm>
+          <a:prstGeom prst="ellipse">
+            <a:avLst/>
+          </a:prstGeom>
+        </p:spPr>
+        <p:style>
+          <a:lnRef idx="2">
+            <a:schemeClr val="accent1">
+              <a:shade val="50000"/>
+            </a:schemeClr>
+          </a:lnRef>
+          <a:fillRef idx="1">
+            <a:schemeClr val="accent1"/>
+          </a:fillRef>
+          <a:effectRef idx="0">
+            <a:schemeClr val="accent1"/>
+          </a:effectRef>
+          <a:fontRef idx="minor">
+            <a:schemeClr val="lt1"/>
+          </a:fontRef>
+        </p:style>
+        <p:txBody>
+          <a:bodyPr rtlCol="0" anchor="ctr"/>
+          <a:lstStyle/>
+          <a:p>
+            <a:pPr algn="ctr"/>
+            <a:endParaRPr lang="de-DE"/>
+          </a:p>
+        </p:txBody>
+      </p:sp>
+      <p:cxnSp>
+        <p:nvCxnSpPr>
+          <p:cNvPr id="25" name="Gerade Verbindung mit Pfeil 24">
+            <a:extLst>
+              <a:ext uri="{FF2B5EF4-FFF2-40B4-BE49-F238E27FC236}">
+                <a16:creationId xmlns:a16="http://schemas.microsoft.com/office/drawing/2014/main" id="{5C4D31FA-7F7B-4C6A-A211-BA8618A032D5}"/>
+              </a:ext>
+            </a:extLst>
+          </p:cNvPr>
+          <p:cNvCxnSpPr>
+            <a:cxnSpLocks/>
+            <a:stCxn id="8" idx="3"/>
+            <a:endCxn id="24" idx="7"/>
+          </p:cNvCxnSpPr>
+          <p:nvPr/>
+        </p:nvCxnSpPr>
+        <p:spPr>
+          <a:xfrm flipH="1">
+            <a:off x="7655756" y="2554238"/>
+            <a:ext cx="1445001" cy="2480243"/>
+          </a:xfrm>
+          <a:prstGeom prst="straightConnector1">
+            <a:avLst/>
+          </a:prstGeom>
+          <a:ln>
+            <a:tailEnd type="triangle"/>
+          </a:ln>
+        </p:spPr>
+        <p:style>
+          <a:lnRef idx="1">
+            <a:schemeClr val="accent1"/>
+          </a:lnRef>
+          <a:fillRef idx="0">
+            <a:schemeClr val="accent1"/>
+          </a:fillRef>
+          <a:effectRef idx="0">
+            <a:schemeClr val="accent1"/>
+          </a:effectRef>
+          <a:fontRef idx="minor">
+            <a:schemeClr val="tx1"/>
+          </a:fontRef>
+        </p:style>
+      </p:cxnSp>
+      <p:cxnSp>
+        <p:nvCxnSpPr>
+          <p:cNvPr id="28" name="Gerade Verbindung mit Pfeil 27">
+            <a:extLst>
+              <a:ext uri="{FF2B5EF4-FFF2-40B4-BE49-F238E27FC236}">
+                <a16:creationId xmlns:a16="http://schemas.microsoft.com/office/drawing/2014/main" id="{527C4CDB-6136-441F-884F-F087DDF07F94}"/>
+              </a:ext>
+            </a:extLst>
+          </p:cNvPr>
+          <p:cNvCxnSpPr>
+            <a:cxnSpLocks/>
+            <a:endCxn id="24" idx="2"/>
+          </p:cNvCxnSpPr>
+          <p:nvPr/>
+        </p:nvCxnSpPr>
+        <p:spPr>
+          <a:xfrm>
+            <a:off x="3748131" y="4680540"/>
+            <a:ext cx="3471167" cy="522589"/>
+          </a:xfrm>
+          <a:prstGeom prst="straightConnector1">
+            <a:avLst/>
+          </a:prstGeom>
+          <a:ln>
+            <a:tailEnd type="triangle"/>
+          </a:ln>
+        </p:spPr>
+        <p:style>
+          <a:lnRef idx="1">
+            <a:schemeClr val="accent1"/>
+          </a:lnRef>
+          <a:fillRef idx="0">
+            <a:schemeClr val="accent1"/>
+          </a:fillRef>
+          <a:effectRef idx="0">
+            <a:schemeClr val="accent1"/>
+          </a:effectRef>
+          <a:fontRef idx="minor">
+            <a:schemeClr val="tx1"/>
+          </a:fontRef>
+        </p:style>
+      </p:cxnSp>
+      <p:sp>
+        <p:nvSpPr>
+          <p:cNvPr id="27" name="Textfeld 26">
+            <a:extLst>
+              <a:ext uri="{FF2B5EF4-FFF2-40B4-BE49-F238E27FC236}">
+                <a16:creationId xmlns:a16="http://schemas.microsoft.com/office/drawing/2014/main" id="{E9EE9A81-57E3-4E4E-AC87-89806A07645A}"/>
+              </a:ext>
+            </a:extLst>
+          </p:cNvPr>
+          <p:cNvSpPr txBox="1"/>
+          <p:nvPr/>
+        </p:nvSpPr>
+        <p:spPr>
+          <a:xfrm>
+            <a:off x="4586796" y="363900"/>
+            <a:ext cx="3018407" cy="369332"/>
+          </a:xfrm>
+          <a:prstGeom prst="rect">
+            <a:avLst/>
+          </a:prstGeom>
+          <a:noFill/>
+        </p:spPr>
+        <p:txBody>
+          <a:bodyPr wrap="square" rtlCol="0">
+            <a:spAutoFit/>
+          </a:bodyPr>
+          <a:lstStyle/>
+          <a:p>
+            <a:pPr algn="ctr"/>
+            <a:r>
+              <a:rPr lang="de-DE" dirty="0"/>
+              <a:t>Das N-Körperproblem</a:t>
+            </a:r>
+          </a:p>
+        </p:txBody>
+      </p:sp>
+    </p:spTree>
+    <p:extLst>
+      <p:ext uri="{BB962C8B-B14F-4D97-AF65-F5344CB8AC3E}">
+        <p14:creationId xmlns:p14="http://schemas.microsoft.com/office/powerpoint/2010/main" val="1175387488"/>
+      </p:ext>
+    </p:extLst>
+  </p:cSld>
+  <p:clrMapOvr>
+    <a:masterClrMapping/>
+  </p:clrMapOvr>
+  <p:timing>
+    <p:tnLst>
+      <p:par>
+        <p:cTn id="1" dur="indefinite" restart="never" nodeType="tmRoot">
+          <p:childTnLst>
+            <p:seq concurrent="1" nextAc="seek">
+              <p:cTn id="2" dur="indefinite" nodeType="mainSeq">
+                <p:childTnLst>
+                  <p:par>
+                    <p:cTn id="3" fill="hold">
+                      <p:stCondLst>
+                        <p:cond delay="indefinite"/>
+                      </p:stCondLst>
+                      <p:childTnLst>
+                        <p:par>
+                          <p:cTn id="4" fill="hold">
+                            <p:stCondLst>
+                              <p:cond delay="0"/>
+                            </p:stCondLst>
+                            <p:childTnLst>
+                              <p:par>
+                                <p:cTn id="5" presetID="1" presetClass="entr" presetSubtype="0" fill="hold" grpId="0" nodeType="clickEffect">
+                                  <p:stCondLst>
+                                    <p:cond delay="0"/>
+                                  </p:stCondLst>
+                                  <p:childTnLst>
+                                    <p:set>
+                                      <p:cBhvr>
+                                        <p:cTn id="6" dur="1" fill="hold">
+                                          <p:stCondLst>
+                                            <p:cond delay="0"/>
+                                          </p:stCondLst>
+                                        </p:cTn>
+                                        <p:tgtEl>
+                                          <p:spTgt spid="4"/>
+                                        </p:tgtEl>
+                                        <p:attrNameLst>
+                                          <p:attrName>style.visibility</p:attrName>
+                                        </p:attrNameLst>
+                                      </p:cBhvr>
+                                      <p:to>
+                                        <p:strVal val="visible"/>
+                                      </p:to>
+                                    </p:set>
+                                  </p:childTnLst>
+                                </p:cTn>
+                              </p:par>
+                            </p:childTnLst>
+                          </p:cTn>
+                        </p:par>
+                      </p:childTnLst>
+                    </p:cTn>
+                  </p:par>
+                  <p:par>
+                    <p:cTn id="7" fill="hold">
+                      <p:stCondLst>
+                        <p:cond delay="indefinite"/>
+                      </p:stCondLst>
+                      <p:childTnLst>
+                        <p:par>
+                          <p:cTn id="8" fill="hold">
+                            <p:stCondLst>
+                              <p:cond delay="0"/>
+                            </p:stCondLst>
+                            <p:childTnLst>
+                              <p:par>
+                                <p:cTn id="9" presetID="1" presetClass="entr" presetSubtype="0" fill="hold" grpId="0" nodeType="clickEffect">
+                                  <p:stCondLst>
+                                    <p:cond delay="0"/>
+                                  </p:stCondLst>
+                                  <p:childTnLst>
+                                    <p:set>
+                                      <p:cBhvr>
+                                        <p:cTn id="10" dur="1" fill="hold">
+                                          <p:stCondLst>
+                                            <p:cond delay="0"/>
+                                          </p:stCondLst>
+                                        </p:cTn>
+                                        <p:tgtEl>
+                                          <p:spTgt spid="7"/>
+                                        </p:tgtEl>
+                                        <p:attrNameLst>
+                                          <p:attrName>style.visibility</p:attrName>
+                                        </p:attrNameLst>
+                                      </p:cBhvr>
+                                      <p:to>
+                                        <p:strVal val="visible"/>
+                                      </p:to>
+                                    </p:set>
+                                  </p:childTnLst>
+                                </p:cTn>
+                              </p:par>
+                            </p:childTnLst>
+                          </p:cTn>
+                        </p:par>
+                      </p:childTnLst>
+                    </p:cTn>
+                  </p:par>
+                  <p:par>
+                    <p:cTn id="11" fill="hold">
+                      <p:stCondLst>
+                        <p:cond delay="indefinite"/>
+                      </p:stCondLst>
+                      <p:childTnLst>
+                        <p:par>
+                          <p:cTn id="12" fill="hold">
+                            <p:stCondLst>
+                              <p:cond delay="0"/>
+                            </p:stCondLst>
+                            <p:childTnLst>
+                              <p:par>
+                                <p:cTn id="13" presetID="1" presetClass="entr" presetSubtype="0" fill="hold" grpId="0" nodeType="clickEffect">
+                                  <p:stCondLst>
+                                    <p:cond delay="0"/>
+                                  </p:stCondLst>
+                                  <p:childTnLst>
+                                    <p:set>
+                                      <p:cBhvr>
+                                        <p:cTn id="14" dur="1" fill="hold">
+                                          <p:stCondLst>
+                                            <p:cond delay="0"/>
+                                          </p:stCondLst>
+                                        </p:cTn>
+                                        <p:tgtEl>
+                                          <p:spTgt spid="8"/>
+                                        </p:tgtEl>
+                                        <p:attrNameLst>
+                                          <p:attrName>style.visibility</p:attrName>
+                                        </p:attrNameLst>
+                                      </p:cBhvr>
+                                      <p:to>
+                                        <p:strVal val="visible"/>
+                                      </p:to>
+                                    </p:set>
+                                  </p:childTnLst>
+                                </p:cTn>
+                              </p:par>
+                            </p:childTnLst>
+                          </p:cTn>
+                        </p:par>
+                      </p:childTnLst>
+                    </p:cTn>
+                  </p:par>
+                  <p:par>
+                    <p:cTn id="15" fill="hold">
+                      <p:stCondLst>
+                        <p:cond delay="indefinite"/>
+                      </p:stCondLst>
+                      <p:childTnLst>
+                        <p:par>
+                          <p:cTn id="16" fill="hold">
+                            <p:stCondLst>
+                              <p:cond delay="0"/>
+                            </p:stCondLst>
+                            <p:childTnLst>
+                              <p:par>
+                                <p:cTn id="17" presetID="1" presetClass="entr" presetSubtype="0" fill="hold" grpId="0" nodeType="clickEffect">
+                                  <p:stCondLst>
+                                    <p:cond delay="0"/>
+                                  </p:stCondLst>
+                                  <p:childTnLst>
+                                    <p:set>
+                                      <p:cBhvr>
+                                        <p:cTn id="18" dur="1" fill="hold">
+                                          <p:stCondLst>
+                                            <p:cond delay="0"/>
+                                          </p:stCondLst>
+                                        </p:cTn>
+                                        <p:tgtEl>
+                                          <p:spTgt spid="5"/>
+                                        </p:tgtEl>
+                                        <p:attrNameLst>
+                                          <p:attrName>style.visibility</p:attrName>
+                                        </p:attrNameLst>
+                                      </p:cBhvr>
+                                      <p:to>
+                                        <p:strVal val="visible"/>
+                                      </p:to>
+                                    </p:set>
+                                  </p:childTnLst>
+                                </p:cTn>
+                              </p:par>
+                            </p:childTnLst>
+                          </p:cTn>
+                        </p:par>
+                      </p:childTnLst>
+                    </p:cTn>
+                  </p:par>
+                  <p:par>
+                    <p:cTn id="19" fill="hold">
+                      <p:stCondLst>
+                        <p:cond delay="indefinite"/>
+                      </p:stCondLst>
+                      <p:childTnLst>
+                        <p:par>
+                          <p:cTn id="20" fill="hold">
+                            <p:stCondLst>
+                              <p:cond delay="0"/>
+                            </p:stCondLst>
+                            <p:childTnLst>
+                              <p:par>
+                                <p:cTn id="21" presetID="1" presetClass="entr" presetSubtype="0" fill="hold" grpId="0" nodeType="clickEffect">
+                                  <p:stCondLst>
+                                    <p:cond delay="0"/>
+                                  </p:stCondLst>
+                                  <p:childTnLst>
+                                    <p:set>
+                                      <p:cBhvr>
+                                        <p:cTn id="22" dur="1" fill="hold">
+                                          <p:stCondLst>
+                                            <p:cond delay="0"/>
+                                          </p:stCondLst>
+                                        </p:cTn>
+                                        <p:tgtEl>
+                                          <p:spTgt spid="6"/>
+                                        </p:tgtEl>
+                                        <p:attrNameLst>
+                                          <p:attrName>style.visibility</p:attrName>
+                                        </p:attrNameLst>
+                                      </p:cBhvr>
+                                      <p:to>
+                                        <p:strVal val="visible"/>
+                                      </p:to>
+                                    </p:set>
+                                  </p:childTnLst>
+                                </p:cTn>
+                              </p:par>
+                            </p:childTnLst>
+                          </p:cTn>
+                        </p:par>
+                      </p:childTnLst>
+                    </p:cTn>
+                  </p:par>
+                  <p:par>
+                    <p:cTn id="23" fill="hold">
+                      <p:stCondLst>
+                        <p:cond delay="indefinite"/>
+                      </p:stCondLst>
+                      <p:childTnLst>
+                        <p:par>
+                          <p:cTn id="24" fill="hold">
+                            <p:stCondLst>
+                              <p:cond delay="0"/>
+                            </p:stCondLst>
+                            <p:childTnLst>
+                              <p:par>
+                                <p:cTn id="25" presetID="1" presetClass="entr" presetSubtype="0" fill="hold" nodeType="clickEffect">
+                                  <p:stCondLst>
+                                    <p:cond delay="0"/>
+                                  </p:stCondLst>
+                                  <p:childTnLst>
+                                    <p:set>
+                                      <p:cBhvr>
+                                        <p:cTn id="26" dur="1" fill="hold">
+                                          <p:stCondLst>
+                                            <p:cond delay="0"/>
+                                          </p:stCondLst>
+                                        </p:cTn>
+                                        <p:tgtEl>
+                                          <p:spTgt spid="10"/>
+                                        </p:tgtEl>
+                                        <p:attrNameLst>
+                                          <p:attrName>style.visibility</p:attrName>
+                                        </p:attrNameLst>
+                                      </p:cBhvr>
+                                      <p:to>
+                                        <p:strVal val="visible"/>
+                                      </p:to>
+                                    </p:set>
+                                  </p:childTnLst>
+                                </p:cTn>
+                              </p:par>
+                            </p:childTnLst>
+                          </p:cTn>
+                        </p:par>
+                      </p:childTnLst>
+                    </p:cTn>
+                  </p:par>
+                  <p:par>
+                    <p:cTn id="27" fill="hold">
+                      <p:stCondLst>
+                        <p:cond delay="indefinite"/>
+                      </p:stCondLst>
+                      <p:childTnLst>
+                        <p:par>
+                          <p:cTn id="28" fill="hold">
+                            <p:stCondLst>
+                              <p:cond delay="0"/>
+                            </p:stCondLst>
+                            <p:childTnLst>
+                              <p:par>
+                                <p:cTn id="29" presetID="1" presetClass="entr" presetSubtype="0" fill="hold" nodeType="clickEffect">
+                                  <p:stCondLst>
+                                    <p:cond delay="0"/>
+                                  </p:stCondLst>
+                                  <p:childTnLst>
+                                    <p:set>
+                                      <p:cBhvr>
+                                        <p:cTn id="30" dur="1" fill="hold">
+                                          <p:stCondLst>
+                                            <p:cond delay="0"/>
+                                          </p:stCondLst>
+                                        </p:cTn>
+                                        <p:tgtEl>
+                                          <p:spTgt spid="12"/>
+                                        </p:tgtEl>
+                                        <p:attrNameLst>
+                                          <p:attrName>style.visibility</p:attrName>
+                                        </p:attrNameLst>
+                                      </p:cBhvr>
+                                      <p:to>
+                                        <p:strVal val="visible"/>
+                                      </p:to>
+                                    </p:set>
+                                  </p:childTnLst>
+                                </p:cTn>
+                              </p:par>
+                            </p:childTnLst>
+                          </p:cTn>
+                        </p:par>
+                      </p:childTnLst>
+                    </p:cTn>
+                  </p:par>
+                  <p:par>
+                    <p:cTn id="31" fill="hold">
+                      <p:stCondLst>
+                        <p:cond delay="indefinite"/>
+                      </p:stCondLst>
+                      <p:childTnLst>
+                        <p:par>
+                          <p:cTn id="32" fill="hold">
+                            <p:stCondLst>
+                              <p:cond delay="0"/>
+                            </p:stCondLst>
+                            <p:childTnLst>
+                              <p:par>
+                                <p:cTn id="33" presetID="1" presetClass="entr" presetSubtype="0" fill="hold" nodeType="clickEffect">
+                                  <p:stCondLst>
+                                    <p:cond delay="0"/>
+                                  </p:stCondLst>
+                                  <p:childTnLst>
+                                    <p:set>
+                                      <p:cBhvr>
+                                        <p:cTn id="34" dur="1" fill="hold">
+                                          <p:stCondLst>
+                                            <p:cond delay="0"/>
+                                          </p:stCondLst>
+                                        </p:cTn>
+                                        <p:tgtEl>
+                                          <p:spTgt spid="14"/>
+                                        </p:tgtEl>
+                                        <p:attrNameLst>
+                                          <p:attrName>style.visibility</p:attrName>
+                                        </p:attrNameLst>
+                                      </p:cBhvr>
+                                      <p:to>
+                                        <p:strVal val="visible"/>
+                                      </p:to>
+                                    </p:set>
+                                  </p:childTnLst>
+                                </p:cTn>
+                              </p:par>
+                            </p:childTnLst>
+                          </p:cTn>
+                        </p:par>
+                      </p:childTnLst>
+                    </p:cTn>
+                  </p:par>
+                  <p:par>
+                    <p:cTn id="35" fill="hold">
+                      <p:stCondLst>
+                        <p:cond delay="indefinite"/>
+                      </p:stCondLst>
+                      <p:childTnLst>
+                        <p:par>
+                          <p:cTn id="36" fill="hold">
+                            <p:stCondLst>
+                              <p:cond delay="0"/>
+                            </p:stCondLst>
+                            <p:childTnLst>
+                              <p:par>
+                                <p:cTn id="37" presetID="1" presetClass="exit" presetSubtype="0" fill="hold" grpId="1" nodeType="clickEffect">
+                                  <p:stCondLst>
+                                    <p:cond delay="0"/>
+                                  </p:stCondLst>
+                                  <p:childTnLst>
+                                    <p:set>
+                                      <p:cBhvr>
+                                        <p:cTn id="38" dur="1" fill="hold">
+                                          <p:stCondLst>
+                                            <p:cond delay="0"/>
+                                          </p:stCondLst>
+                                        </p:cTn>
+                                        <p:tgtEl>
+                                          <p:spTgt spid="5"/>
+                                        </p:tgtEl>
+                                        <p:attrNameLst>
+                                          <p:attrName>style.visibility</p:attrName>
+                                        </p:attrNameLst>
+                                      </p:cBhvr>
+                                      <p:to>
+                                        <p:strVal val="hidden"/>
+                                      </p:to>
+                                    </p:set>
+                                  </p:childTnLst>
+                                </p:cTn>
+                              </p:par>
+                              <p:par>
+                                <p:cTn id="39" presetID="1" presetClass="exit" presetSubtype="0" fill="hold" grpId="1" nodeType="withEffect">
+                                  <p:stCondLst>
+                                    <p:cond delay="0"/>
+                                  </p:stCondLst>
+                                  <p:childTnLst>
+                                    <p:set>
+                                      <p:cBhvr>
+                                        <p:cTn id="40" dur="1" fill="hold">
+                                          <p:stCondLst>
+                                            <p:cond delay="0"/>
+                                          </p:stCondLst>
+                                        </p:cTn>
+                                        <p:tgtEl>
+                                          <p:spTgt spid="7"/>
+                                        </p:tgtEl>
+                                        <p:attrNameLst>
+                                          <p:attrName>style.visibility</p:attrName>
+                                        </p:attrNameLst>
+                                      </p:cBhvr>
+                                      <p:to>
+                                        <p:strVal val="hidden"/>
+                                      </p:to>
+                                    </p:set>
+                                  </p:childTnLst>
+                                </p:cTn>
+                              </p:par>
+                              <p:par>
+                                <p:cTn id="41" presetID="1" presetClass="exit" presetSubtype="0" fill="hold" nodeType="withEffect">
+                                  <p:stCondLst>
+                                    <p:cond delay="0"/>
+                                  </p:stCondLst>
+                                  <p:childTnLst>
+                                    <p:set>
+                                      <p:cBhvr>
+                                        <p:cTn id="42" dur="1" fill="hold">
+                                          <p:stCondLst>
+                                            <p:cond delay="0"/>
+                                          </p:stCondLst>
+                                        </p:cTn>
+                                        <p:tgtEl>
+                                          <p:spTgt spid="14"/>
+                                        </p:tgtEl>
+                                        <p:attrNameLst>
+                                          <p:attrName>style.visibility</p:attrName>
+                                        </p:attrNameLst>
+                                      </p:cBhvr>
+                                      <p:to>
+                                        <p:strVal val="hidden"/>
+                                      </p:to>
+                                    </p:set>
+                                  </p:childTnLst>
+                                </p:cTn>
+                              </p:par>
+                              <p:par>
+                                <p:cTn id="43" presetID="1" presetClass="exit" presetSubtype="0" fill="hold" nodeType="withEffect">
+                                  <p:stCondLst>
+                                    <p:cond delay="0"/>
+                                  </p:stCondLst>
+                                  <p:childTnLst>
+                                    <p:set>
+                                      <p:cBhvr>
+                                        <p:cTn id="44" dur="1" fill="hold">
+                                          <p:stCondLst>
+                                            <p:cond delay="0"/>
+                                          </p:stCondLst>
+                                        </p:cTn>
+                                        <p:tgtEl>
+                                          <p:spTgt spid="10"/>
+                                        </p:tgtEl>
+                                        <p:attrNameLst>
+                                          <p:attrName>style.visibility</p:attrName>
+                                        </p:attrNameLst>
+                                      </p:cBhvr>
+                                      <p:to>
+                                        <p:strVal val="hidden"/>
+                                      </p:to>
+                                    </p:set>
+                                  </p:childTnLst>
+                                </p:cTn>
+                              </p:par>
+                              <p:par>
+                                <p:cTn id="45" presetID="1" presetClass="entr" presetSubtype="0" fill="hold" grpId="0" nodeType="withEffect">
+                                  <p:stCondLst>
+                                    <p:cond delay="0"/>
+                                  </p:stCondLst>
+                                  <p:childTnLst>
+                                    <p:set>
+                                      <p:cBhvr>
+                                        <p:cTn id="46" dur="1" fill="hold">
+                                          <p:stCondLst>
+                                            <p:cond delay="0"/>
+                                          </p:stCondLst>
+                                        </p:cTn>
+                                        <p:tgtEl>
+                                          <p:spTgt spid="24"/>
+                                        </p:tgtEl>
+                                        <p:attrNameLst>
+                                          <p:attrName>style.visibility</p:attrName>
+                                        </p:attrNameLst>
+                                      </p:cBhvr>
+                                      <p:to>
+                                        <p:strVal val="visible"/>
+                                      </p:to>
+                                    </p:set>
+                                  </p:childTnLst>
+                                </p:cTn>
+                              </p:par>
+                              <p:par>
+                                <p:cTn id="47" presetID="1" presetClass="entr" presetSubtype="0" fill="hold" grpId="0" nodeType="withEffect">
+                                  <p:stCondLst>
+                                    <p:cond delay="0"/>
+                                  </p:stCondLst>
+                                  <p:childTnLst>
+                                    <p:set>
+                                      <p:cBhvr>
+                                        <p:cTn id="48" dur="1" fill="hold">
+                                          <p:stCondLst>
+                                            <p:cond delay="0"/>
+                                          </p:stCondLst>
+                                        </p:cTn>
+                                        <p:tgtEl>
+                                          <p:spTgt spid="23"/>
+                                        </p:tgtEl>
+                                        <p:attrNameLst>
+                                          <p:attrName>style.visibility</p:attrName>
+                                        </p:attrNameLst>
+                                      </p:cBhvr>
+                                      <p:to>
+                                        <p:strVal val="visible"/>
+                                      </p:to>
+                                    </p:set>
+                                  </p:childTnLst>
+                                </p:cTn>
+                              </p:par>
+                              <p:par>
+                                <p:cTn id="49" presetID="1" presetClass="entr" presetSubtype="0" fill="hold" nodeType="withEffect">
+                                  <p:stCondLst>
+                                    <p:cond delay="0"/>
+                                  </p:stCondLst>
+                                  <p:childTnLst>
+                                    <p:set>
+                                      <p:cBhvr>
+                                        <p:cTn id="50" dur="1" fill="hold">
+                                          <p:stCondLst>
+                                            <p:cond delay="0"/>
+                                          </p:stCondLst>
+                                        </p:cTn>
+                                        <p:tgtEl>
+                                          <p:spTgt spid="25"/>
+                                        </p:tgtEl>
+                                        <p:attrNameLst>
+                                          <p:attrName>style.visibility</p:attrName>
+                                        </p:attrNameLst>
+                                      </p:cBhvr>
+                                      <p:to>
+                                        <p:strVal val="visible"/>
+                                      </p:to>
+                                    </p:set>
+                                  </p:childTnLst>
+                                </p:cTn>
+                              </p:par>
+                              <p:par>
+                                <p:cTn id="51" presetID="1" presetClass="entr" presetSubtype="0" fill="hold" nodeType="withEffect">
+                                  <p:stCondLst>
+                                    <p:cond delay="0"/>
+                                  </p:stCondLst>
+                                  <p:childTnLst>
+                                    <p:set>
+                                      <p:cBhvr>
+                                        <p:cTn id="52" dur="1" fill="hold">
+                                          <p:stCondLst>
+                                            <p:cond delay="0"/>
+                                          </p:stCondLst>
+                                        </p:cTn>
+                                        <p:tgtEl>
+                                          <p:spTgt spid="28"/>
+                                        </p:tgtEl>
+                                        <p:attrNameLst>
+                                          <p:attrName>style.visibility</p:attrName>
+                                        </p:attrNameLst>
+                                      </p:cBhvr>
+                                      <p:to>
+                                        <p:strVal val="visible"/>
+                                      </p:to>
+                                    </p:set>
+                                  </p:childTnLst>
+                                </p:cTn>
+                              </p:par>
+                            </p:childTnLst>
+                          </p:cTn>
+                        </p:par>
+                      </p:childTnLst>
+                    </p:cTn>
+                  </p:par>
+                </p:childTnLst>
+              </p:cTn>
+              <p:prevCondLst>
+                <p:cond evt="onPrev" delay="0">
+                  <p:tgtEl>
+                    <p:sldTgt/>
+                  </p:tgtEl>
+                </p:cond>
+              </p:prevCondLst>
+              <p:nextCondLst>
+                <p:cond evt="onNext" delay="0">
+                  <p:tgtEl>
+                    <p:sldTgt/>
+                  </p:tgtEl>
+                </p:cond>
+              </p:nextCondLst>
+            </p:seq>
+          </p:childTnLst>
+        </p:cTn>
+      </p:par>
+    </p:tnLst>
+    <p:bldLst>
+      <p:bldP spid="4" grpId="0" animBg="1"/>
+      <p:bldP spid="8" grpId="0" animBg="1"/>
+      <p:bldP spid="5" grpId="0" animBg="1"/>
+      <p:bldP spid="5" grpId="1" animBg="1"/>
+      <p:bldP spid="6" grpId="0" animBg="1"/>
+      <p:bldP spid="7" grpId="0" animBg="1"/>
+      <p:bldP spid="7" grpId="1" animBg="1"/>
+      <p:bldP spid="23" grpId="0" animBg="1"/>
+      <p:bldP spid="24" grpId="0" animBg="1"/>
+    </p:bldLst>
+  </p:timing>
+</p:sld>
+</file>
+
+<file path=ppt/slides/slide9.xml><?xml version="1.0" encoding="utf-8"?>
+<p:sld xmlns:a="http://schemas.openxmlformats.org/drawingml/2006/main" xmlns:r="http://schemas.openxmlformats.org/officeDocument/2006/relationships" xmlns:p="http://schemas.openxmlformats.org/presentationml/2006/main">
+  <p:cSld>
+    <p:spTree>
+      <p:nvGrpSpPr>
+        <p:cNvPr id="1" name=""/>
+        <p:cNvGrpSpPr/>
+        <p:nvPr/>
+      </p:nvGrpSpPr>
+      <p:grpSpPr>
+        <a:xfrm>
+          <a:off x="0" y="0"/>
+          <a:ext cx="0" cy="0"/>
+          <a:chOff x="0" y="0"/>
+          <a:chExt cx="0" cy="0"/>
+        </a:xfrm>
+      </p:grpSpPr>
+      <p:sp>
+        <p:nvSpPr>
+          <p:cNvPr id="2" name="Titel 1">
+            <a:extLst>
+              <a:ext uri="{FF2B5EF4-FFF2-40B4-BE49-F238E27FC236}">
+                <a16:creationId xmlns:a16="http://schemas.microsoft.com/office/drawing/2014/main" id="{3D758F7E-CADC-4CFA-842E-2FE3EE11029B}"/>
+              </a:ext>
+            </a:extLst>
+          </p:cNvPr>
+          <p:cNvSpPr>
+            <a:spLocks noGrp="1"/>
+          </p:cNvSpPr>
+          <p:nvPr>
+            <p:ph type="title"/>
+          </p:nvPr>
+        </p:nvSpPr>
+        <p:spPr/>
+        <p:txBody>
+          <a:bodyPr/>
+          <a:lstStyle/>
+          <a:p>
+            <a:r>
+              <a:rPr lang="de-DE" dirty="0"/>
+              <a:t>Numerische Integration</a:t>
+            </a:r>
+          </a:p>
+        </p:txBody>
+      </p:sp>
+      <mc:AlternateContent xmlns:mc="http://schemas.openxmlformats.org/markup-compatibility/2006" xmlns:a14="http://schemas.microsoft.com/office/drawing/2010/main">
+        <mc:Choice Requires="a14">
+          <p:sp>
+            <p:nvSpPr>
+              <p:cNvPr id="4" name="Textfeld 3">
+                <a:extLst>
+                  <a:ext uri="{FF2B5EF4-FFF2-40B4-BE49-F238E27FC236}">
+                    <a16:creationId xmlns:a16="http://schemas.microsoft.com/office/drawing/2014/main" id="{2278AFD7-98DB-4CB0-902E-1AE8508923B8}"/>
+                  </a:ext>
+                </a:extLst>
+              </p:cNvPr>
+              <p:cNvSpPr txBox="1"/>
+              <p:nvPr/>
+            </p:nvSpPr>
+            <p:spPr>
+              <a:xfrm>
+                <a:off x="1003178" y="2523023"/>
+                <a:ext cx="1216240" cy="369332"/>
+              </a:xfrm>
+              <a:prstGeom prst="rect">
+                <a:avLst/>
+              </a:prstGeom>
+              <a:noFill/>
+            </p:spPr>
+            <p:txBody>
+              <a:bodyPr wrap="square" rtlCol="0">
+                <a:spAutoFit/>
+              </a:bodyPr>
+              <a:lstStyle/>
+              <a:p>
+                <a:pPr/>
+                <a14:m>
+                  <m:oMathPara xmlns:m="http://schemas.openxmlformats.org/officeDocument/2006/math">
+                    <m:oMathParaPr>
+                      <m:jc m:val="centerGroup"/>
+                    </m:oMathParaPr>
+                    <m:oMath xmlns:m="http://schemas.openxmlformats.org/officeDocument/2006/math">
+                      <m:r>
+                        <a:rPr lang="de-DE" b="0" i="1" smtClean="0">
+                          <a:latin typeface="Cambria Math" panose="02040503050406030204" pitchFamily="18" charset="0"/>
+                        </a:rPr>
+                        <m:t>𝐹</m:t>
+                      </m:r>
+                      <m:r>
+                        <a:rPr lang="de-DE" b="0" i="1" smtClean="0">
+                          <a:latin typeface="Cambria Math" panose="02040503050406030204" pitchFamily="18" charset="0"/>
+                        </a:rPr>
+                        <m:t>=</m:t>
+                      </m:r>
+                      <m:r>
+                        <a:rPr lang="de-DE" b="0" i="1" smtClean="0">
+                          <a:latin typeface="Cambria Math" panose="02040503050406030204" pitchFamily="18" charset="0"/>
+                        </a:rPr>
+                        <m:t>𝑚</m:t>
+                      </m:r>
+                      <m:r>
+                        <a:rPr lang="de-DE" b="0" i="1" smtClean="0">
+                          <a:latin typeface="Cambria Math" panose="02040503050406030204" pitchFamily="18" charset="0"/>
+                        </a:rPr>
+                        <m:t>∗</m:t>
+                      </m:r>
+                      <m:r>
+                        <a:rPr lang="de-DE" b="0" i="1" smtClean="0">
+                          <a:latin typeface="Cambria Math" panose="02040503050406030204" pitchFamily="18" charset="0"/>
+                        </a:rPr>
+                        <m:t>𝑎</m:t>
+                      </m:r>
+                    </m:oMath>
+                  </m:oMathPara>
+                </a14:m>
+                <a:endParaRPr lang="de-DE" dirty="0"/>
+              </a:p>
+            </p:txBody>
+          </p:sp>
+        </mc:Choice>
+        <mc:Fallback xmlns="">
+          <p:sp>
+            <p:nvSpPr>
+              <p:cNvPr id="4" name="Textfeld 3">
+                <a:extLst>
+                  <a:ext uri="{FF2B5EF4-FFF2-40B4-BE49-F238E27FC236}">
+                    <a16:creationId xmlns:a16="http://schemas.microsoft.com/office/drawing/2014/main" id="{2278AFD7-98DB-4CB0-902E-1AE8508923B8}"/>
+                  </a:ext>
+                </a:extLst>
+              </p:cNvPr>
+              <p:cNvSpPr txBox="1">
+                <a:spLocks noRot="1" noChangeAspect="1" noMove="1" noResize="1" noEditPoints="1" noAdjustHandles="1" noChangeArrowheads="1" noChangeShapeType="1" noTextEdit="1"/>
+              </p:cNvSpPr>
+              <p:nvPr/>
+            </p:nvSpPr>
+            <p:spPr>
+              <a:xfrm>
+                <a:off x="1003178" y="2523023"/>
+                <a:ext cx="1216240" cy="369332"/>
+              </a:xfrm>
+              <a:prstGeom prst="rect">
+                <a:avLst/>
+              </a:prstGeom>
+              <a:blipFill>
+                <a:blip r:embed="rId2"/>
+                <a:stretch>
+                  <a:fillRect/>
+                </a:stretch>
+              </a:blipFill>
+            </p:spPr>
+            <p:txBody>
+              <a:bodyPr/>
+              <a:lstStyle/>
+              <a:p>
+                <a:r>
+                  <a:rPr lang="de-DE">
+                    <a:noFill/>
+                  </a:rPr>
+                  <a:t> </a:t>
+                </a:r>
+              </a:p>
+            </p:txBody>
+          </p:sp>
+        </mc:Fallback>
+      </mc:AlternateContent>
+      <p:cxnSp>
+        <p:nvCxnSpPr>
+          <p:cNvPr id="6" name="Verbinder: gewinkelt 5">
+            <a:extLst>
+              <a:ext uri="{FF2B5EF4-FFF2-40B4-BE49-F238E27FC236}">
+                <a16:creationId xmlns:a16="http://schemas.microsoft.com/office/drawing/2014/main" id="{EC1DCD1B-3C69-4937-832B-66ED16A875F0}"/>
+              </a:ext>
+            </a:extLst>
+          </p:cNvPr>
+          <p:cNvCxnSpPr>
+            <a:cxnSpLocks/>
+          </p:cNvCxnSpPr>
+          <p:nvPr/>
+        </p:nvCxnSpPr>
+        <p:spPr>
+          <a:xfrm>
+            <a:off x="2148396" y="2707689"/>
+            <a:ext cx="816746" cy="523783"/>
+          </a:xfrm>
+          <a:prstGeom prst="bentConnector3">
+            <a:avLst/>
+          </a:prstGeom>
+          <a:ln>
+            <a:tailEnd type="triangle"/>
+          </a:ln>
+        </p:spPr>
+        <p:style>
+          <a:lnRef idx="1">
+            <a:schemeClr val="accent1"/>
+          </a:lnRef>
+          <a:fillRef idx="0">
+            <a:schemeClr val="accent1"/>
+          </a:fillRef>
+          <a:effectRef idx="0">
+            <a:schemeClr val="accent1"/>
+          </a:effectRef>
+          <a:fontRef idx="minor">
+            <a:schemeClr val="tx1"/>
+          </a:fontRef>
+        </p:style>
+      </p:cxnSp>
+      <mc:AlternateContent xmlns:mc="http://schemas.openxmlformats.org/markup-compatibility/2006" xmlns:a14="http://schemas.microsoft.com/office/drawing/2010/main">
+        <mc:Choice Requires="a14">
+          <p:sp>
+            <p:nvSpPr>
+              <p:cNvPr id="7" name="Textfeld 6">
+                <a:extLst>
+                  <a:ext uri="{FF2B5EF4-FFF2-40B4-BE49-F238E27FC236}">
+                    <a16:creationId xmlns:a16="http://schemas.microsoft.com/office/drawing/2014/main" id="{8028247A-050A-4AC5-B44B-A6FE87669940}"/>
+                  </a:ext>
+                </a:extLst>
+              </p:cNvPr>
+              <p:cNvSpPr txBox="1"/>
+              <p:nvPr/>
+            </p:nvSpPr>
+            <p:spPr>
+              <a:xfrm>
+                <a:off x="3031724" y="3046806"/>
+                <a:ext cx="1491449" cy="369332"/>
+              </a:xfrm>
+              <a:prstGeom prst="rect">
+                <a:avLst/>
+              </a:prstGeom>
+              <a:noFill/>
+            </p:spPr>
+            <p:txBody>
+              <a:bodyPr wrap="square" rtlCol="0">
+                <a:spAutoFit/>
+              </a:bodyPr>
+              <a:lstStyle/>
+              <a:p>
+                <a:pPr/>
+                <a14:m>
+                  <m:oMathPara xmlns:m="http://schemas.openxmlformats.org/officeDocument/2006/math">
+                    <m:oMathParaPr>
+                      <m:jc m:val="centerGroup"/>
+                    </m:oMathParaPr>
+                    <m:oMath xmlns:m="http://schemas.openxmlformats.org/officeDocument/2006/math">
+                      <m:r>
+                        <a:rPr lang="de-DE" b="0" i="1" smtClean="0">
+                          <a:latin typeface="Cambria Math" panose="02040503050406030204" pitchFamily="18" charset="0"/>
+                        </a:rPr>
+                        <m:t>𝑎</m:t>
+                      </m:r>
+                      <m:r>
+                        <a:rPr lang="de-DE" b="0" i="1" smtClean="0">
+                          <a:latin typeface="Cambria Math" panose="02040503050406030204" pitchFamily="18" charset="0"/>
+                        </a:rPr>
+                        <m:t>=</m:t>
+                      </m:r>
+                      <m:r>
+                        <a:rPr lang="de-DE" b="0" i="1" smtClean="0">
+                          <a:latin typeface="Cambria Math" panose="02040503050406030204" pitchFamily="18" charset="0"/>
+                        </a:rPr>
+                        <m:t>𝐹</m:t>
+                      </m:r>
+                      <m:r>
+                        <a:rPr lang="de-DE" b="0" i="1" smtClean="0">
+                          <a:latin typeface="Cambria Math" panose="02040503050406030204" pitchFamily="18" charset="0"/>
+                        </a:rPr>
+                        <m:t>/</m:t>
+                      </m:r>
+                      <m:r>
+                        <a:rPr lang="de-DE" b="0" i="1" smtClean="0">
+                          <a:latin typeface="Cambria Math" panose="02040503050406030204" pitchFamily="18" charset="0"/>
+                        </a:rPr>
+                        <m:t>𝑚</m:t>
+                      </m:r>
+                    </m:oMath>
+                  </m:oMathPara>
+                </a14:m>
+                <a:endParaRPr lang="de-DE" dirty="0"/>
+              </a:p>
+            </p:txBody>
+          </p:sp>
+        </mc:Choice>
+        <mc:Fallback xmlns="">
+          <p:sp>
+            <p:nvSpPr>
+              <p:cNvPr id="7" name="Textfeld 6">
+                <a:extLst>
+                  <a:ext uri="{FF2B5EF4-FFF2-40B4-BE49-F238E27FC236}">
+                    <a16:creationId xmlns:a16="http://schemas.microsoft.com/office/drawing/2014/main" id="{8028247A-050A-4AC5-B44B-A6FE87669940}"/>
+                  </a:ext>
+                </a:extLst>
+              </p:cNvPr>
+              <p:cNvSpPr txBox="1">
+                <a:spLocks noRot="1" noChangeAspect="1" noMove="1" noResize="1" noEditPoints="1" noAdjustHandles="1" noChangeArrowheads="1" noChangeShapeType="1" noTextEdit="1"/>
+              </p:cNvSpPr>
+              <p:nvPr/>
+            </p:nvSpPr>
+            <p:spPr>
+              <a:xfrm>
+                <a:off x="3031724" y="3046806"/>
+                <a:ext cx="1491449" cy="369332"/>
+              </a:xfrm>
+              <a:prstGeom prst="rect">
+                <a:avLst/>
+              </a:prstGeom>
+              <a:blipFill>
+                <a:blip r:embed="rId3"/>
+                <a:stretch>
+                  <a:fillRect b="-13333"/>
+                </a:stretch>
+              </a:blipFill>
+            </p:spPr>
+            <p:txBody>
+              <a:bodyPr/>
+              <a:lstStyle/>
+              <a:p>
+                <a:r>
+                  <a:rPr lang="de-DE">
+                    <a:noFill/>
+                  </a:rPr>
+                  <a:t> </a:t>
+                </a:r>
+              </a:p>
+            </p:txBody>
+          </p:sp>
+        </mc:Fallback>
+      </mc:AlternateContent>
+      <p:sp>
+        <p:nvSpPr>
+          <p:cNvPr id="8" name="Textfeld 7">
+            <a:extLst>
+              <a:ext uri="{FF2B5EF4-FFF2-40B4-BE49-F238E27FC236}">
+                <a16:creationId xmlns:a16="http://schemas.microsoft.com/office/drawing/2014/main" id="{B376C27D-2ABE-4447-88F7-8E94891F456C}"/>
+              </a:ext>
+            </a:extLst>
+          </p:cNvPr>
+          <p:cNvSpPr txBox="1"/>
+          <p:nvPr/>
+        </p:nvSpPr>
+        <p:spPr>
+          <a:xfrm>
+            <a:off x="1003176" y="1837678"/>
+            <a:ext cx="3755255" cy="369332"/>
+          </a:xfrm>
+          <a:prstGeom prst="rect">
+            <a:avLst/>
+          </a:prstGeom>
+          <a:noFill/>
+        </p:spPr>
+        <p:txBody>
+          <a:bodyPr wrap="square" rtlCol="0">
+            <a:spAutoFit/>
+          </a:bodyPr>
+          <a:lstStyle/>
+          <a:p>
+            <a:r>
+              <a:rPr lang="de-DE" dirty="0"/>
+              <a:t>F=Kraft, m=Masse, a=Beschleunigung</a:t>
+            </a:r>
+          </a:p>
+        </p:txBody>
+      </p:sp>
+      <p:sp>
+        <p:nvSpPr>
+          <p:cNvPr id="9" name="Textfeld 8">
+            <a:extLst>
+              <a:ext uri="{FF2B5EF4-FFF2-40B4-BE49-F238E27FC236}">
+                <a16:creationId xmlns:a16="http://schemas.microsoft.com/office/drawing/2014/main" id="{3F1EB1B6-3E85-4B80-BC71-15F963A4C1EF}"/>
+              </a:ext>
+            </a:extLst>
+          </p:cNvPr>
+          <p:cNvSpPr txBox="1"/>
+          <p:nvPr/>
+        </p:nvSpPr>
+        <p:spPr>
+          <a:xfrm>
+            <a:off x="1118586" y="3710866"/>
+            <a:ext cx="4243527" cy="646331"/>
+          </a:xfrm>
+          <a:prstGeom prst="rect">
+            <a:avLst/>
+          </a:prstGeom>
+          <a:noFill/>
+        </p:spPr>
+        <p:txBody>
+          <a:bodyPr wrap="square" rtlCol="0">
+            <a:spAutoFit/>
+          </a:bodyPr>
+          <a:lstStyle/>
+          <a:p>
+            <a:r>
+              <a:rPr lang="de-DE" dirty="0"/>
+              <a:t>Die Beschleunigung ist die Änderung der Geschwindigkeit über eine gewisse Zeit</a:t>
+            </a:r>
+          </a:p>
+        </p:txBody>
+      </p:sp>
+      <p:cxnSp>
+        <p:nvCxnSpPr>
+          <p:cNvPr id="11" name="Gerade Verbindung mit Pfeil 10">
+            <a:extLst>
+              <a:ext uri="{FF2B5EF4-FFF2-40B4-BE49-F238E27FC236}">
+                <a16:creationId xmlns:a16="http://schemas.microsoft.com/office/drawing/2014/main" id="{C92812C7-849B-4F9F-9A81-1FE579F03D64}"/>
+              </a:ext>
+            </a:extLst>
+          </p:cNvPr>
+          <p:cNvCxnSpPr>
+            <a:stCxn id="9" idx="3"/>
+          </p:cNvCxnSpPr>
+          <p:nvPr/>
+        </p:nvCxnSpPr>
+        <p:spPr>
+          <a:xfrm flipV="1">
+            <a:off x="5362113" y="4030462"/>
+            <a:ext cx="816745" cy="3570"/>
+          </a:xfrm>
+          <a:prstGeom prst="straightConnector1">
+            <a:avLst/>
+          </a:prstGeom>
+          <a:ln>
+            <a:tailEnd type="triangle"/>
+          </a:ln>
+        </p:spPr>
+        <p:style>
+          <a:lnRef idx="1">
+            <a:schemeClr val="accent1"/>
+          </a:lnRef>
+          <a:fillRef idx="0">
+            <a:schemeClr val="accent1"/>
+          </a:fillRef>
+          <a:effectRef idx="0">
+            <a:schemeClr val="accent1"/>
+          </a:effectRef>
+          <a:fontRef idx="minor">
+            <a:schemeClr val="tx1"/>
+          </a:fontRef>
+        </p:style>
+      </p:cxnSp>
+      <mc:AlternateContent xmlns:mc="http://schemas.openxmlformats.org/markup-compatibility/2006" xmlns:a14="http://schemas.microsoft.com/office/drawing/2010/main">
+        <mc:Choice Requires="a14">
+          <p:sp>
+            <p:nvSpPr>
+              <p:cNvPr id="12" name="Textfeld 11">
+                <a:extLst>
+                  <a:ext uri="{FF2B5EF4-FFF2-40B4-BE49-F238E27FC236}">
+                    <a16:creationId xmlns:a16="http://schemas.microsoft.com/office/drawing/2014/main" id="{66D4B41E-2455-41D2-B684-0C65AF61F3CE}"/>
+                  </a:ext>
+                </a:extLst>
+              </p:cNvPr>
+              <p:cNvSpPr txBox="1"/>
+              <p:nvPr/>
+            </p:nvSpPr>
+            <p:spPr>
+              <a:xfrm>
+                <a:off x="5973194" y="3721339"/>
+                <a:ext cx="1713390" cy="618246"/>
+              </a:xfrm>
+              <a:prstGeom prst="rect">
+                <a:avLst/>
+              </a:prstGeom>
+              <a:noFill/>
+            </p:spPr>
+            <p:txBody>
+              <a:bodyPr wrap="square" rtlCol="0">
+                <a:spAutoFit/>
+              </a:bodyPr>
+              <a:lstStyle/>
+              <a:p>
+                <a:pPr/>
+                <a14:m>
+                  <m:oMathPara xmlns:m="http://schemas.openxmlformats.org/officeDocument/2006/math">
+                    <m:oMathParaPr>
+                      <m:jc m:val="centerGroup"/>
+                    </m:oMathParaPr>
+                    <m:oMath xmlns:m="http://schemas.openxmlformats.org/officeDocument/2006/math">
+                      <m:f>
+                        <m:fPr>
+                          <m:ctrlPr>
+                            <a:rPr lang="de-DE" b="0" i="1" smtClean="0">
+                              <a:latin typeface="Cambria Math" panose="02040503050406030204" pitchFamily="18" charset="0"/>
+                            </a:rPr>
+                          </m:ctrlPr>
+                        </m:fPr>
+                        <m:num>
+                          <m:r>
+                            <a:rPr lang="de-DE" b="0" i="1" smtClean="0">
+                              <a:latin typeface="Cambria Math" panose="02040503050406030204" pitchFamily="18" charset="0"/>
+                            </a:rPr>
+                            <m:t>𝑑𝑣</m:t>
+                          </m:r>
+                        </m:num>
+                        <m:den>
+                          <m:r>
+                            <a:rPr lang="de-DE" b="0" i="1" smtClean="0">
+                              <a:latin typeface="Cambria Math" panose="02040503050406030204" pitchFamily="18" charset="0"/>
+                            </a:rPr>
+                            <m:t>𝑑𝑡</m:t>
+                          </m:r>
+                        </m:den>
+                      </m:f>
+                      <m:r>
+                        <a:rPr lang="de-DE" b="0" i="1" smtClean="0">
+                          <a:latin typeface="Cambria Math" panose="02040503050406030204" pitchFamily="18" charset="0"/>
+                        </a:rPr>
+                        <m:t>=</m:t>
+                      </m:r>
+                      <m:r>
+                        <a:rPr lang="de-DE" b="0" i="1" smtClean="0">
+                          <a:latin typeface="Cambria Math" panose="02040503050406030204" pitchFamily="18" charset="0"/>
+                        </a:rPr>
+                        <m:t>𝑎</m:t>
+                      </m:r>
+                    </m:oMath>
+                  </m:oMathPara>
+                </a14:m>
+                <a:endParaRPr lang="de-DE" dirty="0"/>
+              </a:p>
+            </p:txBody>
+          </p:sp>
+        </mc:Choice>
+        <mc:Fallback xmlns="">
+          <p:sp>
+            <p:nvSpPr>
+              <p:cNvPr id="12" name="Textfeld 11">
+                <a:extLst>
+                  <a:ext uri="{FF2B5EF4-FFF2-40B4-BE49-F238E27FC236}">
+                    <a16:creationId xmlns:a16="http://schemas.microsoft.com/office/drawing/2014/main" id="{66D4B41E-2455-41D2-B684-0C65AF61F3CE}"/>
+                  </a:ext>
+                </a:extLst>
+              </p:cNvPr>
+              <p:cNvSpPr txBox="1">
+                <a:spLocks noRot="1" noChangeAspect="1" noMove="1" noResize="1" noEditPoints="1" noAdjustHandles="1" noChangeArrowheads="1" noChangeShapeType="1" noTextEdit="1"/>
+              </p:cNvSpPr>
+              <p:nvPr/>
+            </p:nvSpPr>
+            <p:spPr>
+              <a:xfrm>
+                <a:off x="5973194" y="3721339"/>
+                <a:ext cx="1713390" cy="618246"/>
+              </a:xfrm>
+              <a:prstGeom prst="rect">
+                <a:avLst/>
+              </a:prstGeom>
+              <a:blipFill>
+                <a:blip r:embed="rId4"/>
+                <a:stretch>
+                  <a:fillRect/>
+                </a:stretch>
+              </a:blipFill>
+            </p:spPr>
+            <p:txBody>
+              <a:bodyPr/>
+              <a:lstStyle/>
+              <a:p>
+                <a:r>
+                  <a:rPr lang="de-DE">
+                    <a:noFill/>
+                  </a:rPr>
+                  <a:t> </a:t>
+                </a:r>
+              </a:p>
+            </p:txBody>
+          </p:sp>
+        </mc:Fallback>
+      </mc:AlternateContent>
+      <p:sp>
+        <p:nvSpPr>
+          <p:cNvPr id="13" name="Textfeld 12">
+            <a:extLst>
+              <a:ext uri="{FF2B5EF4-FFF2-40B4-BE49-F238E27FC236}">
+                <a16:creationId xmlns:a16="http://schemas.microsoft.com/office/drawing/2014/main" id="{AB10EE11-2435-4759-B176-360B7BEAE89B}"/>
+              </a:ext>
+            </a:extLst>
+          </p:cNvPr>
+          <p:cNvSpPr txBox="1"/>
+          <p:nvPr/>
+        </p:nvSpPr>
+        <p:spPr>
+          <a:xfrm>
+            <a:off x="1118585" y="4789726"/>
+            <a:ext cx="4243527" cy="646331"/>
+          </a:xfrm>
+          <a:prstGeom prst="rect">
+            <a:avLst/>
+          </a:prstGeom>
+          <a:noFill/>
+        </p:spPr>
+        <p:txBody>
+          <a:bodyPr wrap="square" rtlCol="0">
+            <a:spAutoFit/>
+          </a:bodyPr>
+          <a:lstStyle/>
+          <a:p>
+            <a:r>
+              <a:rPr lang="de-DE" dirty="0"/>
+              <a:t>Die Geschwindigkeit ist die Änderung der Position über eine gewisse Zeit</a:t>
+            </a:r>
+          </a:p>
+        </p:txBody>
+      </p:sp>
+      <p:cxnSp>
+        <p:nvCxnSpPr>
+          <p:cNvPr id="14" name="Gerade Verbindung mit Pfeil 13">
+            <a:extLst>
+              <a:ext uri="{FF2B5EF4-FFF2-40B4-BE49-F238E27FC236}">
+                <a16:creationId xmlns:a16="http://schemas.microsoft.com/office/drawing/2014/main" id="{145FB2DB-2161-4924-8D07-8B4FA4B3B40A}"/>
+              </a:ext>
+            </a:extLst>
+          </p:cNvPr>
+          <p:cNvCxnSpPr/>
+          <p:nvPr/>
+        </p:nvCxnSpPr>
+        <p:spPr>
+          <a:xfrm flipV="1">
+            <a:off x="5362113" y="5035118"/>
+            <a:ext cx="816745" cy="3570"/>
+          </a:xfrm>
+          <a:prstGeom prst="straightConnector1">
+            <a:avLst/>
+          </a:prstGeom>
+          <a:ln>
+            <a:tailEnd type="triangle"/>
+          </a:ln>
+        </p:spPr>
+        <p:style>
+          <a:lnRef idx="1">
+            <a:schemeClr val="accent1"/>
+          </a:lnRef>
+          <a:fillRef idx="0">
+            <a:schemeClr val="accent1"/>
+          </a:fillRef>
+          <a:effectRef idx="0">
+            <a:schemeClr val="accent1"/>
+          </a:effectRef>
+          <a:fontRef idx="minor">
+            <a:schemeClr val="tx1"/>
+          </a:fontRef>
+        </p:style>
+      </p:cxnSp>
+      <mc:AlternateContent xmlns:mc="http://schemas.openxmlformats.org/markup-compatibility/2006" xmlns:a14="http://schemas.microsoft.com/office/drawing/2010/main">
+        <mc:Choice Requires="a14">
+          <p:sp>
+            <p:nvSpPr>
+              <p:cNvPr id="15" name="Textfeld 14">
+                <a:extLst>
+                  <a:ext uri="{FF2B5EF4-FFF2-40B4-BE49-F238E27FC236}">
+                    <a16:creationId xmlns:a16="http://schemas.microsoft.com/office/drawing/2014/main" id="{50D66CCD-4799-4908-841D-6F40A119F206}"/>
+                  </a:ext>
+                </a:extLst>
+              </p:cNvPr>
+              <p:cNvSpPr txBox="1"/>
+              <p:nvPr/>
+            </p:nvSpPr>
+            <p:spPr>
+              <a:xfrm>
+                <a:off x="5973194" y="4725995"/>
+                <a:ext cx="1713390" cy="618246"/>
+              </a:xfrm>
+              <a:prstGeom prst="rect">
+                <a:avLst/>
+              </a:prstGeom>
+              <a:noFill/>
+            </p:spPr>
+            <p:txBody>
+              <a:bodyPr wrap="square" rtlCol="0">
+                <a:spAutoFit/>
+              </a:bodyPr>
+              <a:lstStyle/>
+              <a:p>
+                <a:pPr/>
+                <a14:m>
+                  <m:oMathPara xmlns:m="http://schemas.openxmlformats.org/officeDocument/2006/math">
+                    <m:oMathParaPr>
+                      <m:jc m:val="centerGroup"/>
+                    </m:oMathParaPr>
+                    <m:oMath xmlns:m="http://schemas.openxmlformats.org/officeDocument/2006/math">
+                      <m:f>
+                        <m:fPr>
+                          <m:ctrlPr>
+                            <a:rPr lang="de-DE" b="0" i="1" smtClean="0">
+                              <a:latin typeface="Cambria Math" panose="02040503050406030204" pitchFamily="18" charset="0"/>
+                            </a:rPr>
+                          </m:ctrlPr>
+                        </m:fPr>
+                        <m:num>
+                          <m:r>
+                            <a:rPr lang="de-DE" b="0" i="1" smtClean="0">
+                              <a:latin typeface="Cambria Math" panose="02040503050406030204" pitchFamily="18" charset="0"/>
+                            </a:rPr>
+                            <m:t>𝑑𝑥</m:t>
+                          </m:r>
+                        </m:num>
+                        <m:den>
+                          <m:r>
+                            <a:rPr lang="de-DE" b="0" i="1" smtClean="0">
+                              <a:latin typeface="Cambria Math" panose="02040503050406030204" pitchFamily="18" charset="0"/>
+                            </a:rPr>
+                            <m:t>𝑑𝑡</m:t>
+                          </m:r>
+                        </m:den>
+                      </m:f>
+                      <m:r>
+                        <a:rPr lang="de-DE" b="0" i="1" smtClean="0">
+                          <a:latin typeface="Cambria Math" panose="02040503050406030204" pitchFamily="18" charset="0"/>
+                        </a:rPr>
+                        <m:t>=</m:t>
+                      </m:r>
+                      <m:r>
+                        <a:rPr lang="de-DE" b="0" i="1" smtClean="0">
+                          <a:latin typeface="Cambria Math" panose="02040503050406030204" pitchFamily="18" charset="0"/>
+                        </a:rPr>
+                        <m:t>𝑣</m:t>
+                      </m:r>
+                    </m:oMath>
+                  </m:oMathPara>
+                </a14:m>
+                <a:endParaRPr lang="de-DE" dirty="0"/>
+              </a:p>
+            </p:txBody>
+          </p:sp>
+        </mc:Choice>
+        <mc:Fallback xmlns="">
+          <p:sp>
+            <p:nvSpPr>
+              <p:cNvPr id="15" name="Textfeld 14">
+                <a:extLst>
+                  <a:ext uri="{FF2B5EF4-FFF2-40B4-BE49-F238E27FC236}">
+                    <a16:creationId xmlns:a16="http://schemas.microsoft.com/office/drawing/2014/main" id="{50D66CCD-4799-4908-841D-6F40A119F206}"/>
+                  </a:ext>
+                </a:extLst>
+              </p:cNvPr>
+              <p:cNvSpPr txBox="1">
+                <a:spLocks noRot="1" noChangeAspect="1" noMove="1" noResize="1" noEditPoints="1" noAdjustHandles="1" noChangeArrowheads="1" noChangeShapeType="1" noTextEdit="1"/>
+              </p:cNvSpPr>
+              <p:nvPr/>
+            </p:nvSpPr>
+            <p:spPr>
+              <a:xfrm>
+                <a:off x="5973194" y="4725995"/>
+                <a:ext cx="1713390" cy="618246"/>
+              </a:xfrm>
+              <a:prstGeom prst="rect">
+                <a:avLst/>
+              </a:prstGeom>
+              <a:blipFill>
+                <a:blip r:embed="rId5"/>
+                <a:stretch>
+                  <a:fillRect/>
+                </a:stretch>
+              </a:blipFill>
+            </p:spPr>
+            <p:txBody>
+              <a:bodyPr/>
+              <a:lstStyle/>
+              <a:p>
+                <a:r>
+                  <a:rPr lang="de-DE">
+                    <a:noFill/>
+                  </a:rPr>
+                  <a:t> </a:t>
+                </a:r>
+              </a:p>
+            </p:txBody>
+          </p:sp>
+        </mc:Fallback>
+      </mc:AlternateContent>
+    </p:spTree>
+    <p:extLst>
+      <p:ext uri="{BB962C8B-B14F-4D97-AF65-F5344CB8AC3E}">
+        <p14:creationId xmlns:p14="http://schemas.microsoft.com/office/powerpoint/2010/main" val="964636640"/>
+      </p:ext>
+    </p:extLst>
+  </p:cSld>
+  <p:clrMapOvr>
+    <a:masterClrMapping/>
+  </p:clrMapOvr>
+  <p:timing>
+    <p:tnLst>
+      <p:par>
+        <p:cTn id="1" dur="indefinite" restart="never" nodeType="tmRoot">
+          <p:childTnLst>
+            <p:seq concurrent="1" nextAc="seek">
+              <p:cTn id="2" dur="indefinite" nodeType="mainSeq">
+                <p:childTnLst>
+                  <p:par>
+                    <p:cTn id="3" fill="hold">
+                      <p:stCondLst>
+                        <p:cond delay="indefinite"/>
+                      </p:stCondLst>
+                      <p:childTnLst>
+                        <p:par>
+                          <p:cTn id="4" fill="hold">
+                            <p:stCondLst>
+                              <p:cond delay="0"/>
+                            </p:stCondLst>
+                            <p:childTnLst>
+                              <p:par>
+                                <p:cTn id="5" presetID="1" presetClass="entr" presetSubtype="0" fill="hold" grpId="0" nodeType="clickEffect">
+                                  <p:stCondLst>
+                                    <p:cond delay="0"/>
+                                  </p:stCondLst>
+                                  <p:childTnLst>
+                                    <p:set>
+                                      <p:cBhvr>
+                                        <p:cTn id="6" dur="1" fill="hold">
+                                          <p:stCondLst>
+                                            <p:cond delay="0"/>
+                                          </p:stCondLst>
+                                        </p:cTn>
+                                        <p:tgtEl>
+                                          <p:spTgt spid="9"/>
+                                        </p:tgtEl>
+                                        <p:attrNameLst>
+                                          <p:attrName>style.visibility</p:attrName>
+                                        </p:attrNameLst>
+                                      </p:cBhvr>
+                                      <p:to>
+                                        <p:strVal val="visible"/>
+                                      </p:to>
+                                    </p:set>
+                                  </p:childTnLst>
+                                </p:cTn>
+                              </p:par>
+                              <p:par>
+                                <p:cTn id="7" presetID="1" presetClass="entr" presetSubtype="0" fill="hold" nodeType="withEffect">
+                                  <p:stCondLst>
+                                    <p:cond delay="0"/>
+                                  </p:stCondLst>
+                                  <p:childTnLst>
+                                    <p:set>
+                                      <p:cBhvr>
+                                        <p:cTn id="8" dur="1" fill="hold">
+                                          <p:stCondLst>
+                                            <p:cond delay="0"/>
+                                          </p:stCondLst>
+                                        </p:cTn>
+                                        <p:tgtEl>
+                                          <p:spTgt spid="11"/>
+                                        </p:tgtEl>
+                                        <p:attrNameLst>
+                                          <p:attrName>style.visibility</p:attrName>
+                                        </p:attrNameLst>
+                                      </p:cBhvr>
+                                      <p:to>
+                                        <p:strVal val="visible"/>
+                                      </p:to>
+                                    </p:set>
+                                  </p:childTnLst>
+                                </p:cTn>
+                              </p:par>
+                              <p:par>
+                                <p:cTn id="9" presetID="1" presetClass="entr" presetSubtype="0" fill="hold" grpId="0" nodeType="withEffect">
+                                  <p:stCondLst>
+                                    <p:cond delay="0"/>
+                                  </p:stCondLst>
+                                  <p:childTnLst>
+                                    <p:set>
+                                      <p:cBhvr>
+                                        <p:cTn id="10" dur="1" fill="hold">
+                                          <p:stCondLst>
+                                            <p:cond delay="0"/>
+                                          </p:stCondLst>
+                                        </p:cTn>
+                                        <p:tgtEl>
+                                          <p:spTgt spid="12"/>
+                                        </p:tgtEl>
+                                        <p:attrNameLst>
+                                          <p:attrName>style.visibility</p:attrName>
+                                        </p:attrNameLst>
+                                      </p:cBhvr>
+                                      <p:to>
+                                        <p:strVal val="visible"/>
+                                      </p:to>
+                                    </p:set>
+                                  </p:childTnLst>
+                                </p:cTn>
+                              </p:par>
+                            </p:childTnLst>
+                          </p:cTn>
+                        </p:par>
+                      </p:childTnLst>
+                    </p:cTn>
+                  </p:par>
+                  <p:par>
+                    <p:cTn id="11" fill="hold">
+                      <p:stCondLst>
+                        <p:cond delay="indefinite"/>
+                      </p:stCondLst>
+                      <p:childTnLst>
+                        <p:par>
+                          <p:cTn id="12" fill="hold">
+                            <p:stCondLst>
+                              <p:cond delay="0"/>
+                            </p:stCondLst>
+                            <p:childTnLst>
+                              <p:par>
+                                <p:cTn id="13" presetID="1" presetClass="entr" presetSubtype="0" fill="hold" grpId="0" nodeType="clickEffect">
+                                  <p:stCondLst>
+                                    <p:cond delay="0"/>
+                                  </p:stCondLst>
+                                  <p:childTnLst>
+                                    <p:set>
+                                      <p:cBhvr>
+                                        <p:cTn id="14" dur="1" fill="hold">
+                                          <p:stCondLst>
+                                            <p:cond delay="0"/>
+                                          </p:stCondLst>
+                                        </p:cTn>
+                                        <p:tgtEl>
+                                          <p:spTgt spid="13"/>
+                                        </p:tgtEl>
+                                        <p:attrNameLst>
+                                          <p:attrName>style.visibility</p:attrName>
+                                        </p:attrNameLst>
+                                      </p:cBhvr>
+                                      <p:to>
+                                        <p:strVal val="visible"/>
+                                      </p:to>
+                                    </p:set>
+                                  </p:childTnLst>
+                                </p:cTn>
+                              </p:par>
+                              <p:par>
+                                <p:cTn id="15" presetID="1" presetClass="entr" presetSubtype="0" fill="hold" nodeType="withEffect">
+                                  <p:stCondLst>
+                                    <p:cond delay="0"/>
+                                  </p:stCondLst>
+                                  <p:childTnLst>
+                                    <p:set>
+                                      <p:cBhvr>
+                                        <p:cTn id="16" dur="1" fill="hold">
+                                          <p:stCondLst>
+                                            <p:cond delay="0"/>
+                                          </p:stCondLst>
+                                        </p:cTn>
+                                        <p:tgtEl>
+                                          <p:spTgt spid="14"/>
+                                        </p:tgtEl>
+                                        <p:attrNameLst>
+                                          <p:attrName>style.visibility</p:attrName>
+                                        </p:attrNameLst>
+                                      </p:cBhvr>
+                                      <p:to>
+                                        <p:strVal val="visible"/>
+                                      </p:to>
+                                    </p:set>
+                                  </p:childTnLst>
+                                </p:cTn>
+                              </p:par>
+                              <p:par>
+                                <p:cTn id="17" presetID="1" presetClass="entr" presetSubtype="0" fill="hold" grpId="0" nodeType="withEffect">
+                                  <p:stCondLst>
+                                    <p:cond delay="0"/>
+                                  </p:stCondLst>
+                                  <p:childTnLst>
+                                    <p:set>
+                                      <p:cBhvr>
+                                        <p:cTn id="18" dur="1" fill="hold">
+                                          <p:stCondLst>
+                                            <p:cond delay="0"/>
+                                          </p:stCondLst>
+                                        </p:cTn>
+                                        <p:tgtEl>
+                                          <p:spTgt spid="15"/>
+                                        </p:tgtEl>
+                                        <p:attrNameLst>
+                                          <p:attrName>style.visibility</p:attrName>
+                                        </p:attrNameLst>
+                                      </p:cBhvr>
+                                      <p:to>
+                                        <p:strVal val="visible"/>
+                                      </p:to>
+                                    </p:set>
+                                  </p:childTnLst>
+                                </p:cTn>
+                              </p:par>
+                            </p:childTnLst>
+                          </p:cTn>
+                        </p:par>
+                      </p:childTnLst>
+                    </p:cTn>
+                  </p:par>
+                </p:childTnLst>
+              </p:cTn>
+              <p:prevCondLst>
+                <p:cond evt="onPrev" delay="0">
+                  <p:tgtEl>
+                    <p:sldTgt/>
+                  </p:tgtEl>
+                </p:cond>
+              </p:prevCondLst>
+              <p:nextCondLst>
+                <p:cond evt="onNext" delay="0">
+                  <p:tgtEl>
+                    <p:sldTgt/>
+                  </p:tgtEl>
+                </p:cond>
+              </p:nextCondLst>
+            </p:seq>
+          </p:childTnLst>
+        </p:cTn>
+      </p:par>
+    </p:tnLst>
+    <p:bldLst>
+      <p:bldP spid="9" grpId="0"/>
+      <p:bldP spid="12" grpId="0"/>
+      <p:bldP spid="13" grpId="0"/>
+      <p:bldP spid="15" grpId="0"/>
+    </p:bldLst>
+  </p:timing>
 </p:sld>
 </file>
 

--- a/Simulation des Sonnensytem.pptx
+++ b/Simulation des Sonnensytem.pptx
@@ -9,17 +9,30 @@
     <p:sldId id="257" r:id="rId3"/>
     <p:sldId id="258" r:id="rId4"/>
     <p:sldId id="260" r:id="rId5"/>
-    <p:sldId id="261" r:id="rId6"/>
-    <p:sldId id="267" r:id="rId7"/>
-    <p:sldId id="268" r:id="rId8"/>
-    <p:sldId id="259" r:id="rId9"/>
-    <p:sldId id="269" r:id="rId10"/>
-    <p:sldId id="270" r:id="rId11"/>
-    <p:sldId id="262" r:id="rId12"/>
-    <p:sldId id="263" r:id="rId13"/>
-    <p:sldId id="264" r:id="rId14"/>
-    <p:sldId id="265" r:id="rId15"/>
-    <p:sldId id="266" r:id="rId16"/>
+    <p:sldId id="271" r:id="rId6"/>
+    <p:sldId id="272" r:id="rId7"/>
+    <p:sldId id="273" r:id="rId8"/>
+    <p:sldId id="274" r:id="rId9"/>
+    <p:sldId id="275" r:id="rId10"/>
+    <p:sldId id="276" r:id="rId11"/>
+    <p:sldId id="277" r:id="rId12"/>
+    <p:sldId id="278" r:id="rId13"/>
+    <p:sldId id="279" r:id="rId14"/>
+    <p:sldId id="280" r:id="rId15"/>
+    <p:sldId id="281" r:id="rId16"/>
+    <p:sldId id="282" r:id="rId17"/>
+    <p:sldId id="283" r:id="rId18"/>
+    <p:sldId id="261" r:id="rId19"/>
+    <p:sldId id="267" r:id="rId20"/>
+    <p:sldId id="268" r:id="rId21"/>
+    <p:sldId id="259" r:id="rId22"/>
+    <p:sldId id="269" r:id="rId23"/>
+    <p:sldId id="270" r:id="rId24"/>
+    <p:sldId id="262" r:id="rId25"/>
+    <p:sldId id="263" r:id="rId26"/>
+    <p:sldId id="264" r:id="rId27"/>
+    <p:sldId id="265" r:id="rId28"/>
+    <p:sldId id="266" r:id="rId29"/>
   </p:sldIdLst>
   <p:sldSz cx="12192000" cy="6858000"/>
   <p:notesSz cx="6858000" cy="9144000"/>
@@ -3943,6 +3956,4382 @@
 </file>
 
 <file path=ppt/slides/slide10.xml><?xml version="1.0" encoding="utf-8"?>
+<p:sld xmlns:a="http://schemas.openxmlformats.org/drawingml/2006/main" xmlns:r="http://schemas.openxmlformats.org/officeDocument/2006/relationships" xmlns:p="http://schemas.openxmlformats.org/presentationml/2006/main">
+  <p:cSld>
+    <p:spTree>
+      <p:nvGrpSpPr>
+        <p:cNvPr id="1" name=""/>
+        <p:cNvGrpSpPr/>
+        <p:nvPr/>
+      </p:nvGrpSpPr>
+      <p:grpSpPr>
+        <a:xfrm>
+          <a:off x="0" y="0"/>
+          <a:ext cx="0" cy="0"/>
+          <a:chOff x="0" y="0"/>
+          <a:chExt cx="0" cy="0"/>
+        </a:xfrm>
+      </p:grpSpPr>
+      <p:sp>
+        <p:nvSpPr>
+          <p:cNvPr id="2" name="Titel 1">
+            <a:extLst>
+              <a:ext uri="{FF2B5EF4-FFF2-40B4-BE49-F238E27FC236}">
+                <a16:creationId xmlns:a16="http://schemas.microsoft.com/office/drawing/2014/main" id="{2BBBB310-2A5C-44B8-BFF9-07AF0AD489C7}"/>
+              </a:ext>
+            </a:extLst>
+          </p:cNvPr>
+          <p:cNvSpPr>
+            <a:spLocks noGrp="1"/>
+          </p:cNvSpPr>
+          <p:nvPr>
+            <p:ph type="title"/>
+          </p:nvPr>
+        </p:nvSpPr>
+        <p:spPr/>
+        <p:txBody>
+          <a:bodyPr/>
+          <a:lstStyle/>
+          <a:p>
+            <a:r>
+              <a:rPr lang="de-DE" dirty="0"/>
+              <a:t>Ellipsen im Raum</a:t>
+            </a:r>
+          </a:p>
+        </p:txBody>
+      </p:sp>
+      <p:pic>
+        <p:nvPicPr>
+          <p:cNvPr id="4" name="Grafik 3">
+            <a:extLst>
+              <a:ext uri="{FF2B5EF4-FFF2-40B4-BE49-F238E27FC236}">
+                <a16:creationId xmlns:a16="http://schemas.microsoft.com/office/drawing/2014/main" id="{9E5B9982-6225-4186-98E6-DF3335EBBE65}"/>
+              </a:ext>
+            </a:extLst>
+          </p:cNvPr>
+          <p:cNvPicPr>
+            <a:picLocks noChangeAspect="1"/>
+          </p:cNvPicPr>
+          <p:nvPr/>
+        </p:nvPicPr>
+        <p:blipFill>
+          <a:blip r:embed="rId2">
+            <a:extLst>
+              <a:ext uri="{28A0092B-C50C-407E-A947-70E740481C1C}">
+                <a14:useLocalDpi xmlns:a14="http://schemas.microsoft.com/office/drawing/2010/main" val="0"/>
+              </a:ext>
+            </a:extLst>
+          </a:blip>
+          <a:stretch>
+            <a:fillRect/>
+          </a:stretch>
+        </p:blipFill>
+        <p:spPr>
+          <a:xfrm>
+            <a:off x="692084" y="1922002"/>
+            <a:ext cx="5403916" cy="3013995"/>
+          </a:xfrm>
+          <a:prstGeom prst="rect">
+            <a:avLst/>
+          </a:prstGeom>
+        </p:spPr>
+      </p:pic>
+      <p:pic>
+        <p:nvPicPr>
+          <p:cNvPr id="5" name="Grafik 4">
+            <a:extLst>
+              <a:ext uri="{FF2B5EF4-FFF2-40B4-BE49-F238E27FC236}">
+                <a16:creationId xmlns:a16="http://schemas.microsoft.com/office/drawing/2014/main" id="{1456A0D1-F21B-418D-8511-080281F6D257}"/>
+              </a:ext>
+            </a:extLst>
+          </p:cNvPr>
+          <p:cNvPicPr>
+            <a:picLocks noChangeAspect="1"/>
+          </p:cNvPicPr>
+          <p:nvPr/>
+        </p:nvPicPr>
+        <p:blipFill>
+          <a:blip r:embed="rId3">
+            <a:extLst>
+              <a:ext uri="{28A0092B-C50C-407E-A947-70E740481C1C}">
+                <a14:useLocalDpi xmlns:a14="http://schemas.microsoft.com/office/drawing/2010/main" val="0"/>
+              </a:ext>
+            </a:extLst>
+          </a:blip>
+          <a:stretch>
+            <a:fillRect/>
+          </a:stretch>
+        </p:blipFill>
+        <p:spPr>
+          <a:xfrm>
+            <a:off x="5501326" y="2880013"/>
+            <a:ext cx="5998590" cy="3345670"/>
+          </a:xfrm>
+          <a:prstGeom prst="rect">
+            <a:avLst/>
+          </a:prstGeom>
+        </p:spPr>
+      </p:pic>
+    </p:spTree>
+    <p:extLst>
+      <p:ext uri="{BB962C8B-B14F-4D97-AF65-F5344CB8AC3E}">
+        <p14:creationId xmlns:p14="http://schemas.microsoft.com/office/powerpoint/2010/main" val="2234233382"/>
+      </p:ext>
+    </p:extLst>
+  </p:cSld>
+  <p:clrMapOvr>
+    <a:masterClrMapping/>
+  </p:clrMapOvr>
+</p:sld>
+</file>
+
+<file path=ppt/slides/slide11.xml><?xml version="1.0" encoding="utf-8"?>
+<p:sld xmlns:a="http://schemas.openxmlformats.org/drawingml/2006/main" xmlns:r="http://schemas.openxmlformats.org/officeDocument/2006/relationships" xmlns:p="http://schemas.openxmlformats.org/presentationml/2006/main">
+  <p:cSld>
+    <p:spTree>
+      <p:nvGrpSpPr>
+        <p:cNvPr id="1" name=""/>
+        <p:cNvGrpSpPr/>
+        <p:nvPr/>
+      </p:nvGrpSpPr>
+      <p:grpSpPr>
+        <a:xfrm>
+          <a:off x="0" y="0"/>
+          <a:ext cx="0" cy="0"/>
+          <a:chOff x="0" y="0"/>
+          <a:chExt cx="0" cy="0"/>
+        </a:xfrm>
+      </p:grpSpPr>
+      <p:sp>
+        <p:nvSpPr>
+          <p:cNvPr id="2" name="Titel 1">
+            <a:extLst>
+              <a:ext uri="{FF2B5EF4-FFF2-40B4-BE49-F238E27FC236}">
+                <a16:creationId xmlns:a16="http://schemas.microsoft.com/office/drawing/2014/main" id="{F13E0713-AB48-471E-8395-53A35199A25A}"/>
+              </a:ext>
+            </a:extLst>
+          </p:cNvPr>
+          <p:cNvSpPr>
+            <a:spLocks noGrp="1"/>
+          </p:cNvSpPr>
+          <p:nvPr>
+            <p:ph type="title"/>
+          </p:nvPr>
+        </p:nvSpPr>
+        <p:spPr/>
+        <p:txBody>
+          <a:bodyPr/>
+          <a:lstStyle/>
+          <a:p>
+            <a:r>
+              <a:rPr lang="de-DE" dirty="0"/>
+              <a:t>Ellipsen im Raum</a:t>
+            </a:r>
+          </a:p>
+        </p:txBody>
+      </p:sp>
+      <p:pic>
+        <p:nvPicPr>
+          <p:cNvPr id="4" name="Inhaltsplatzhalter 4">
+            <a:extLst>
+              <a:ext uri="{FF2B5EF4-FFF2-40B4-BE49-F238E27FC236}">
+                <a16:creationId xmlns:a16="http://schemas.microsoft.com/office/drawing/2014/main" id="{291F4B1B-4CC2-4DDE-902F-864D97535ED5}"/>
+              </a:ext>
+            </a:extLst>
+          </p:cNvPr>
+          <p:cNvPicPr>
+            <a:picLocks noChangeAspect="1"/>
+          </p:cNvPicPr>
+          <p:nvPr/>
+        </p:nvPicPr>
+        <p:blipFill>
+          <a:blip r:embed="rId2">
+            <a:extLst>
+              <a:ext uri="{28A0092B-C50C-407E-A947-70E740481C1C}">
+                <a14:useLocalDpi xmlns:a14="http://schemas.microsoft.com/office/drawing/2010/main" val="0"/>
+              </a:ext>
+            </a:extLst>
+          </a:blip>
+          <a:stretch>
+            <a:fillRect/>
+          </a:stretch>
+        </p:blipFill>
+        <p:spPr>
+          <a:xfrm>
+            <a:off x="762785" y="2064892"/>
+            <a:ext cx="5496612" cy="3065696"/>
+          </a:xfrm>
+          <a:prstGeom prst="rect">
+            <a:avLst/>
+          </a:prstGeom>
+        </p:spPr>
+      </p:pic>
+      <p:pic>
+        <p:nvPicPr>
+          <p:cNvPr id="5" name="Grafik 4">
+            <a:extLst>
+              <a:ext uri="{FF2B5EF4-FFF2-40B4-BE49-F238E27FC236}">
+                <a16:creationId xmlns:a16="http://schemas.microsoft.com/office/drawing/2014/main" id="{7C88E6DB-EB10-4CB9-813A-34DFA3A1ABDF}"/>
+              </a:ext>
+            </a:extLst>
+          </p:cNvPr>
+          <p:cNvPicPr>
+            <a:picLocks noChangeAspect="1"/>
+          </p:cNvPicPr>
+          <p:nvPr/>
+        </p:nvPicPr>
+        <p:blipFill>
+          <a:blip r:embed="rId3">
+            <a:extLst>
+              <a:ext uri="{28A0092B-C50C-407E-A947-70E740481C1C}">
+                <a14:useLocalDpi xmlns:a14="http://schemas.microsoft.com/office/drawing/2010/main" val="0"/>
+              </a:ext>
+            </a:extLst>
+          </a:blip>
+          <a:stretch>
+            <a:fillRect/>
+          </a:stretch>
+        </p:blipFill>
+        <p:spPr>
+          <a:xfrm>
+            <a:off x="6412584" y="2064892"/>
+            <a:ext cx="5496612" cy="3065696"/>
+          </a:xfrm>
+          <a:prstGeom prst="rect">
+            <a:avLst/>
+          </a:prstGeom>
+        </p:spPr>
+      </p:pic>
+    </p:spTree>
+    <p:extLst>
+      <p:ext uri="{BB962C8B-B14F-4D97-AF65-F5344CB8AC3E}">
+        <p14:creationId xmlns:p14="http://schemas.microsoft.com/office/powerpoint/2010/main" val="121402544"/>
+      </p:ext>
+    </p:extLst>
+  </p:cSld>
+  <p:clrMapOvr>
+    <a:masterClrMapping/>
+  </p:clrMapOvr>
+</p:sld>
+</file>
+
+<file path=ppt/slides/slide12.xml><?xml version="1.0" encoding="utf-8"?>
+<p:sld xmlns:a="http://schemas.openxmlformats.org/drawingml/2006/main" xmlns:r="http://schemas.openxmlformats.org/officeDocument/2006/relationships" xmlns:p="http://schemas.openxmlformats.org/presentationml/2006/main">
+  <p:cSld>
+    <p:spTree>
+      <p:nvGrpSpPr>
+        <p:cNvPr id="1" name=""/>
+        <p:cNvGrpSpPr/>
+        <p:nvPr/>
+      </p:nvGrpSpPr>
+      <p:grpSpPr>
+        <a:xfrm>
+          <a:off x="0" y="0"/>
+          <a:ext cx="0" cy="0"/>
+          <a:chOff x="0" y="0"/>
+          <a:chExt cx="0" cy="0"/>
+        </a:xfrm>
+      </p:grpSpPr>
+      <p:sp>
+        <p:nvSpPr>
+          <p:cNvPr id="2" name="Titel 1">
+            <a:extLst>
+              <a:ext uri="{FF2B5EF4-FFF2-40B4-BE49-F238E27FC236}">
+                <a16:creationId xmlns:a16="http://schemas.microsoft.com/office/drawing/2014/main" id="{8936B36D-583F-46D6-89EC-D4356E037F85}"/>
+              </a:ext>
+            </a:extLst>
+          </p:cNvPr>
+          <p:cNvSpPr>
+            <a:spLocks noGrp="1"/>
+          </p:cNvSpPr>
+          <p:nvPr>
+            <p:ph type="title"/>
+          </p:nvPr>
+        </p:nvSpPr>
+        <p:spPr/>
+        <p:txBody>
+          <a:bodyPr/>
+          <a:lstStyle/>
+          <a:p>
+            <a:r>
+              <a:rPr lang="de-DE" dirty="0"/>
+              <a:t>Ellipsen im Raum</a:t>
+            </a:r>
+          </a:p>
+        </p:txBody>
+      </p:sp>
+      <p:sp>
+        <p:nvSpPr>
+          <p:cNvPr id="3" name="Inhaltsplatzhalter 2">
+            <a:extLst>
+              <a:ext uri="{FF2B5EF4-FFF2-40B4-BE49-F238E27FC236}">
+                <a16:creationId xmlns:a16="http://schemas.microsoft.com/office/drawing/2014/main" id="{711D8B92-76A7-4998-B341-9AC583436B7C}"/>
+              </a:ext>
+            </a:extLst>
+          </p:cNvPr>
+          <p:cNvSpPr>
+            <a:spLocks noGrp="1"/>
+          </p:cNvSpPr>
+          <p:nvPr>
+            <p:ph idx="1"/>
+          </p:nvPr>
+        </p:nvSpPr>
+        <p:spPr>
+          <a:xfrm>
+            <a:off x="1097280" y="1845734"/>
+            <a:ext cx="3834228" cy="4023360"/>
+          </a:xfrm>
+        </p:spPr>
+        <p:txBody>
+          <a:bodyPr/>
+          <a:lstStyle/>
+          <a:p>
+            <a:pPr lvl="1"/>
+            <a:r>
+              <a:rPr lang="de-DE" sz="2400" dirty="0"/>
+              <a:t>Ellipsen liegen (wie andere 2D Objekte) immer auf einer Ebene</a:t>
+            </a:r>
+          </a:p>
+          <a:p>
+            <a:endParaRPr lang="de-DE" dirty="0"/>
+          </a:p>
+        </p:txBody>
+      </p:sp>
+      <p:pic>
+        <p:nvPicPr>
+          <p:cNvPr id="4" name="Inhaltsplatzhalter 4">
+            <a:extLst>
+              <a:ext uri="{FF2B5EF4-FFF2-40B4-BE49-F238E27FC236}">
+                <a16:creationId xmlns:a16="http://schemas.microsoft.com/office/drawing/2014/main" id="{439954A9-A0B7-44BB-8670-8D2D0B4EBE18}"/>
+              </a:ext>
+            </a:extLst>
+          </p:cNvPr>
+          <p:cNvPicPr>
+            <a:picLocks noChangeAspect="1"/>
+          </p:cNvPicPr>
+          <p:nvPr/>
+        </p:nvPicPr>
+        <p:blipFill>
+          <a:blip r:embed="rId2">
+            <a:extLst>
+              <a:ext uri="{28A0092B-C50C-407E-A947-70E740481C1C}">
+                <a14:useLocalDpi xmlns:a14="http://schemas.microsoft.com/office/drawing/2010/main" val="0"/>
+              </a:ext>
+            </a:extLst>
+          </a:blip>
+          <a:stretch>
+            <a:fillRect/>
+          </a:stretch>
+        </p:blipFill>
+        <p:spPr>
+          <a:xfrm>
+            <a:off x="5051838" y="1845734"/>
+            <a:ext cx="6708853" cy="3741815"/>
+          </a:xfrm>
+          <a:prstGeom prst="rect">
+            <a:avLst/>
+          </a:prstGeom>
+        </p:spPr>
+      </p:pic>
+    </p:spTree>
+    <p:extLst>
+      <p:ext uri="{BB962C8B-B14F-4D97-AF65-F5344CB8AC3E}">
+        <p14:creationId xmlns:p14="http://schemas.microsoft.com/office/powerpoint/2010/main" val="3041818316"/>
+      </p:ext>
+    </p:extLst>
+  </p:cSld>
+  <p:clrMapOvr>
+    <a:masterClrMapping/>
+  </p:clrMapOvr>
+</p:sld>
+</file>
+
+<file path=ppt/slides/slide13.xml><?xml version="1.0" encoding="utf-8"?>
+<p:sld xmlns:a="http://schemas.openxmlformats.org/drawingml/2006/main" xmlns:r="http://schemas.openxmlformats.org/officeDocument/2006/relationships" xmlns:p="http://schemas.openxmlformats.org/presentationml/2006/main">
+  <p:cSld>
+    <p:spTree>
+      <p:nvGrpSpPr>
+        <p:cNvPr id="1" name=""/>
+        <p:cNvGrpSpPr/>
+        <p:nvPr/>
+      </p:nvGrpSpPr>
+      <p:grpSpPr>
+        <a:xfrm>
+          <a:off x="0" y="0"/>
+          <a:ext cx="0" cy="0"/>
+          <a:chOff x="0" y="0"/>
+          <a:chExt cx="0" cy="0"/>
+        </a:xfrm>
+      </p:grpSpPr>
+      <p:sp>
+        <p:nvSpPr>
+          <p:cNvPr id="2" name="Titel 1">
+            <a:extLst>
+              <a:ext uri="{FF2B5EF4-FFF2-40B4-BE49-F238E27FC236}">
+                <a16:creationId xmlns:a16="http://schemas.microsoft.com/office/drawing/2014/main" id="{CB56E28E-8051-45D1-8B90-2D2DA49AC07C}"/>
+              </a:ext>
+            </a:extLst>
+          </p:cNvPr>
+          <p:cNvSpPr>
+            <a:spLocks noGrp="1"/>
+          </p:cNvSpPr>
+          <p:nvPr>
+            <p:ph type="title"/>
+          </p:nvPr>
+        </p:nvSpPr>
+        <p:spPr/>
+        <p:txBody>
+          <a:bodyPr/>
+          <a:lstStyle/>
+          <a:p>
+            <a:r>
+              <a:rPr lang="de-DE" dirty="0"/>
+              <a:t>Ellipsen im Raum</a:t>
+            </a:r>
+          </a:p>
+        </p:txBody>
+      </p:sp>
+      <p:sp>
+        <p:nvSpPr>
+          <p:cNvPr id="3" name="Inhaltsplatzhalter 2">
+            <a:extLst>
+              <a:ext uri="{FF2B5EF4-FFF2-40B4-BE49-F238E27FC236}">
+                <a16:creationId xmlns:a16="http://schemas.microsoft.com/office/drawing/2014/main" id="{A788712B-8AE9-4352-A77D-D0676CED2A3C}"/>
+              </a:ext>
+            </a:extLst>
+          </p:cNvPr>
+          <p:cNvSpPr>
+            <a:spLocks noGrp="1"/>
+          </p:cNvSpPr>
+          <p:nvPr>
+            <p:ph idx="1"/>
+          </p:nvPr>
+        </p:nvSpPr>
+        <p:spPr>
+          <a:xfrm>
+            <a:off x="1097280" y="1845734"/>
+            <a:ext cx="3920197" cy="4023360"/>
+          </a:xfrm>
+        </p:spPr>
+        <p:txBody>
+          <a:bodyPr/>
+          <a:lstStyle/>
+          <a:p>
+            <a:pPr lvl="1"/>
+            <a:r>
+              <a:rPr lang="de-DE" sz="2400" dirty="0"/>
+              <a:t>2 Winkel:</a:t>
+            </a:r>
+          </a:p>
+          <a:p>
+            <a:pPr lvl="2"/>
+            <a:r>
+              <a:rPr lang="de-DE" sz="2400" dirty="0"/>
+              <a:t>ι : Inklination ,Winkel zwischen Gerade und X Achse (auf der XY-Ebene)</a:t>
+            </a:r>
+          </a:p>
+          <a:p>
+            <a:pPr lvl="2"/>
+            <a:r>
+              <a:rPr lang="de-DE" sz="2400" dirty="0"/>
+              <a:t>Ω : Winkel des Aufsteigenden Knotens, Winkel zwischen Gerade und X-Achse (auf der XZ-Ebene)</a:t>
+            </a:r>
+          </a:p>
+          <a:p>
+            <a:endParaRPr lang="de-DE" dirty="0"/>
+          </a:p>
+        </p:txBody>
+      </p:sp>
+      <p:pic>
+        <p:nvPicPr>
+          <p:cNvPr id="4" name="Grafik 3">
+            <a:extLst>
+              <a:ext uri="{FF2B5EF4-FFF2-40B4-BE49-F238E27FC236}">
+                <a16:creationId xmlns:a16="http://schemas.microsoft.com/office/drawing/2014/main" id="{BFB4F82F-0041-4C49-9172-44B4EDA085F6}"/>
+              </a:ext>
+            </a:extLst>
+          </p:cNvPr>
+          <p:cNvPicPr>
+            <a:picLocks noChangeAspect="1"/>
+          </p:cNvPicPr>
+          <p:nvPr/>
+        </p:nvPicPr>
+        <p:blipFill>
+          <a:blip r:embed="rId2">
+            <a:extLst>
+              <a:ext uri="{28A0092B-C50C-407E-A947-70E740481C1C}">
+                <a14:useLocalDpi xmlns:a14="http://schemas.microsoft.com/office/drawing/2010/main" val="0"/>
+              </a:ext>
+            </a:extLst>
+          </a:blip>
+          <a:stretch>
+            <a:fillRect/>
+          </a:stretch>
+        </p:blipFill>
+        <p:spPr>
+          <a:xfrm>
+            <a:off x="4802157" y="1845734"/>
+            <a:ext cx="7785355" cy="4342226"/>
+          </a:xfrm>
+          <a:prstGeom prst="rect">
+            <a:avLst/>
+          </a:prstGeom>
+        </p:spPr>
+      </p:pic>
+    </p:spTree>
+    <p:extLst>
+      <p:ext uri="{BB962C8B-B14F-4D97-AF65-F5344CB8AC3E}">
+        <p14:creationId xmlns:p14="http://schemas.microsoft.com/office/powerpoint/2010/main" val="3215928086"/>
+      </p:ext>
+    </p:extLst>
+  </p:cSld>
+  <p:clrMapOvr>
+    <a:masterClrMapping/>
+  </p:clrMapOvr>
+</p:sld>
+</file>
+
+<file path=ppt/slides/slide14.xml><?xml version="1.0" encoding="utf-8"?>
+<p:sld xmlns:a="http://schemas.openxmlformats.org/drawingml/2006/main" xmlns:r="http://schemas.openxmlformats.org/officeDocument/2006/relationships" xmlns:p="http://schemas.openxmlformats.org/presentationml/2006/main">
+  <p:cSld>
+    <p:spTree>
+      <p:nvGrpSpPr>
+        <p:cNvPr id="1" name=""/>
+        <p:cNvGrpSpPr/>
+        <p:nvPr/>
+      </p:nvGrpSpPr>
+      <p:grpSpPr>
+        <a:xfrm>
+          <a:off x="0" y="0"/>
+          <a:ext cx="0" cy="0"/>
+          <a:chOff x="0" y="0"/>
+          <a:chExt cx="0" cy="0"/>
+        </a:xfrm>
+      </p:grpSpPr>
+      <p:sp>
+        <p:nvSpPr>
+          <p:cNvPr id="2" name="Titel 1">
+            <a:extLst>
+              <a:ext uri="{FF2B5EF4-FFF2-40B4-BE49-F238E27FC236}">
+                <a16:creationId xmlns:a16="http://schemas.microsoft.com/office/drawing/2014/main" id="{AF999897-E2A4-47FC-A235-7CD966EB509A}"/>
+              </a:ext>
+            </a:extLst>
+          </p:cNvPr>
+          <p:cNvSpPr>
+            <a:spLocks noGrp="1"/>
+          </p:cNvSpPr>
+          <p:nvPr>
+            <p:ph type="title"/>
+          </p:nvPr>
+        </p:nvSpPr>
+        <p:spPr/>
+        <p:txBody>
+          <a:bodyPr/>
+          <a:lstStyle/>
+          <a:p>
+            <a:r>
+              <a:rPr lang="de-DE" dirty="0"/>
+              <a:t>Ellipsen im Raum</a:t>
+            </a:r>
+          </a:p>
+        </p:txBody>
+      </p:sp>
+      <p:pic>
+        <p:nvPicPr>
+          <p:cNvPr id="4" name="Inhaltsplatzhalter 4">
+            <a:extLst>
+              <a:ext uri="{FF2B5EF4-FFF2-40B4-BE49-F238E27FC236}">
+                <a16:creationId xmlns:a16="http://schemas.microsoft.com/office/drawing/2014/main" id="{A4DDF90A-5D17-49E4-8B61-3887B2AB2C8B}"/>
+              </a:ext>
+            </a:extLst>
+          </p:cNvPr>
+          <p:cNvPicPr>
+            <a:picLocks noGrp="1" noChangeAspect="1"/>
+          </p:cNvPicPr>
+          <p:nvPr>
+            <p:ph idx="1"/>
+          </p:nvPr>
+        </p:nvPicPr>
+        <p:blipFill>
+          <a:blip r:embed="rId2">
+            <a:extLst>
+              <a:ext uri="{28A0092B-C50C-407E-A947-70E740481C1C}">
+                <a14:useLocalDpi xmlns:a14="http://schemas.microsoft.com/office/drawing/2010/main" val="0"/>
+              </a:ext>
+            </a:extLst>
+          </a:blip>
+          <a:stretch>
+            <a:fillRect/>
+          </a:stretch>
+        </p:blipFill>
+        <p:spPr>
+          <a:xfrm>
+            <a:off x="771708" y="1869010"/>
+            <a:ext cx="5948473" cy="3688286"/>
+          </a:xfrm>
+        </p:spPr>
+      </p:pic>
+      <p:pic>
+        <p:nvPicPr>
+          <p:cNvPr id="5" name="Grafik 4">
+            <a:extLst>
+              <a:ext uri="{FF2B5EF4-FFF2-40B4-BE49-F238E27FC236}">
+                <a16:creationId xmlns:a16="http://schemas.microsoft.com/office/drawing/2014/main" id="{0B2618BB-52EE-4D5C-A735-EF5B7C958479}"/>
+              </a:ext>
+            </a:extLst>
+          </p:cNvPr>
+          <p:cNvPicPr>
+            <a:picLocks noChangeAspect="1"/>
+          </p:cNvPicPr>
+          <p:nvPr/>
+        </p:nvPicPr>
+        <p:blipFill>
+          <a:blip r:embed="rId3">
+            <a:extLst>
+              <a:ext uri="{28A0092B-C50C-407E-A947-70E740481C1C}">
+                <a14:useLocalDpi xmlns:a14="http://schemas.microsoft.com/office/drawing/2010/main" val="0"/>
+              </a:ext>
+            </a:extLst>
+          </a:blip>
+          <a:stretch>
+            <a:fillRect/>
+          </a:stretch>
+        </p:blipFill>
+        <p:spPr>
+          <a:xfrm>
+            <a:off x="5526076" y="2267108"/>
+            <a:ext cx="6374175" cy="3952237"/>
+          </a:xfrm>
+          <a:prstGeom prst="rect">
+            <a:avLst/>
+          </a:prstGeom>
+        </p:spPr>
+      </p:pic>
+    </p:spTree>
+    <p:extLst>
+      <p:ext uri="{BB962C8B-B14F-4D97-AF65-F5344CB8AC3E}">
+        <p14:creationId xmlns:p14="http://schemas.microsoft.com/office/powerpoint/2010/main" val="1212821318"/>
+      </p:ext>
+    </p:extLst>
+  </p:cSld>
+  <p:clrMapOvr>
+    <a:masterClrMapping/>
+  </p:clrMapOvr>
+</p:sld>
+</file>
+
+<file path=ppt/slides/slide15.xml><?xml version="1.0" encoding="utf-8"?>
+<p:sld xmlns:a="http://schemas.openxmlformats.org/drawingml/2006/main" xmlns:r="http://schemas.openxmlformats.org/officeDocument/2006/relationships" xmlns:p="http://schemas.openxmlformats.org/presentationml/2006/main">
+  <p:cSld>
+    <p:spTree>
+      <p:nvGrpSpPr>
+        <p:cNvPr id="1" name=""/>
+        <p:cNvGrpSpPr/>
+        <p:nvPr/>
+      </p:nvGrpSpPr>
+      <p:grpSpPr>
+        <a:xfrm>
+          <a:off x="0" y="0"/>
+          <a:ext cx="0" cy="0"/>
+          <a:chOff x="0" y="0"/>
+          <a:chExt cx="0" cy="0"/>
+        </a:xfrm>
+      </p:grpSpPr>
+      <p:sp>
+        <p:nvSpPr>
+          <p:cNvPr id="2" name="Titel 1">
+            <a:extLst>
+              <a:ext uri="{FF2B5EF4-FFF2-40B4-BE49-F238E27FC236}">
+                <a16:creationId xmlns:a16="http://schemas.microsoft.com/office/drawing/2014/main" id="{528EFA4A-682B-4D0C-A349-59E27EAADC02}"/>
+              </a:ext>
+            </a:extLst>
+          </p:cNvPr>
+          <p:cNvSpPr>
+            <a:spLocks noGrp="1"/>
+          </p:cNvSpPr>
+          <p:nvPr>
+            <p:ph type="title"/>
+          </p:nvPr>
+        </p:nvSpPr>
+        <p:spPr/>
+        <p:txBody>
+          <a:bodyPr/>
+          <a:lstStyle/>
+          <a:p>
+            <a:r>
+              <a:rPr lang="de-DE" dirty="0"/>
+              <a:t>Ellipsen im Raum</a:t>
+            </a:r>
+          </a:p>
+        </p:txBody>
+      </p:sp>
+      <p:sp>
+        <p:nvSpPr>
+          <p:cNvPr id="3" name="Inhaltsplatzhalter 2">
+            <a:extLst>
+              <a:ext uri="{FF2B5EF4-FFF2-40B4-BE49-F238E27FC236}">
+                <a16:creationId xmlns:a16="http://schemas.microsoft.com/office/drawing/2014/main" id="{9B59C435-4F43-40EF-A4A0-845434CB5367}"/>
+              </a:ext>
+            </a:extLst>
+          </p:cNvPr>
+          <p:cNvSpPr>
+            <a:spLocks noGrp="1"/>
+          </p:cNvSpPr>
+          <p:nvPr>
+            <p:ph idx="1"/>
+          </p:nvPr>
+        </p:nvSpPr>
+        <p:spPr>
+          <a:xfrm>
+            <a:off x="1097280" y="1845734"/>
+            <a:ext cx="3162105" cy="4023360"/>
+          </a:xfrm>
+        </p:spPr>
+        <p:txBody>
+          <a:bodyPr/>
+          <a:lstStyle/>
+          <a:p>
+            <a:pPr lvl="1"/>
+            <a:r>
+              <a:rPr lang="el-GR" sz="2400" dirty="0"/>
+              <a:t>ω</a:t>
+            </a:r>
+            <a:r>
+              <a:rPr lang="de-DE" sz="2400" dirty="0"/>
+              <a:t> : Argument der </a:t>
+            </a:r>
+            <a:r>
+              <a:rPr lang="de-DE" sz="2400" dirty="0" err="1"/>
+              <a:t>Periapsis</a:t>
+            </a:r>
+            <a:r>
+              <a:rPr lang="de-DE" sz="2400" dirty="0"/>
+              <a:t>, der Winkel zwischen Aufsteigenden Knoten und </a:t>
+            </a:r>
+            <a:r>
+              <a:rPr lang="de-DE" sz="2400" dirty="0" err="1"/>
+              <a:t>Periapsis</a:t>
+            </a:r>
+            <a:r>
+              <a:rPr lang="de-DE" sz="2400" dirty="0"/>
+              <a:t> (auf unserer Ebene)</a:t>
+            </a:r>
+          </a:p>
+          <a:p>
+            <a:endParaRPr lang="de-DE" dirty="0"/>
+          </a:p>
+        </p:txBody>
+      </p:sp>
+      <p:pic>
+        <p:nvPicPr>
+          <p:cNvPr id="4" name="Grafik 3">
+            <a:extLst>
+              <a:ext uri="{FF2B5EF4-FFF2-40B4-BE49-F238E27FC236}">
+                <a16:creationId xmlns:a16="http://schemas.microsoft.com/office/drawing/2014/main" id="{08CAFD06-E2F7-418B-BBC3-2E14617256EF}"/>
+              </a:ext>
+            </a:extLst>
+          </p:cNvPr>
+          <p:cNvPicPr>
+            <a:picLocks noChangeAspect="1"/>
+          </p:cNvPicPr>
+          <p:nvPr/>
+        </p:nvPicPr>
+        <p:blipFill>
+          <a:blip r:embed="rId2">
+            <a:extLst>
+              <a:ext uri="{28A0092B-C50C-407E-A947-70E740481C1C}">
+                <a14:useLocalDpi xmlns:a14="http://schemas.microsoft.com/office/drawing/2010/main" val="0"/>
+              </a:ext>
+            </a:extLst>
+          </a:blip>
+          <a:stretch>
+            <a:fillRect/>
+          </a:stretch>
+        </p:blipFill>
+        <p:spPr>
+          <a:xfrm>
+            <a:off x="4702629" y="1845734"/>
+            <a:ext cx="7043067" cy="4366976"/>
+          </a:xfrm>
+          <a:prstGeom prst="rect">
+            <a:avLst/>
+          </a:prstGeom>
+        </p:spPr>
+      </p:pic>
+    </p:spTree>
+    <p:extLst>
+      <p:ext uri="{BB962C8B-B14F-4D97-AF65-F5344CB8AC3E}">
+        <p14:creationId xmlns:p14="http://schemas.microsoft.com/office/powerpoint/2010/main" val="103145691"/>
+      </p:ext>
+    </p:extLst>
+  </p:cSld>
+  <p:clrMapOvr>
+    <a:masterClrMapping/>
+  </p:clrMapOvr>
+</p:sld>
+</file>
+
+<file path=ppt/slides/slide16.xml><?xml version="1.0" encoding="utf-8"?>
+<p:sld xmlns:a="http://schemas.openxmlformats.org/drawingml/2006/main" xmlns:r="http://schemas.openxmlformats.org/officeDocument/2006/relationships" xmlns:p="http://schemas.openxmlformats.org/presentationml/2006/main">
+  <p:cSld>
+    <p:spTree>
+      <p:nvGrpSpPr>
+        <p:cNvPr id="1" name=""/>
+        <p:cNvGrpSpPr/>
+        <p:nvPr/>
+      </p:nvGrpSpPr>
+      <p:grpSpPr>
+        <a:xfrm>
+          <a:off x="0" y="0"/>
+          <a:ext cx="0" cy="0"/>
+          <a:chOff x="0" y="0"/>
+          <a:chExt cx="0" cy="0"/>
+        </a:xfrm>
+      </p:grpSpPr>
+      <p:pic>
+        <p:nvPicPr>
+          <p:cNvPr id="4" name="Grafik 3">
+            <a:extLst>
+              <a:ext uri="{FF2B5EF4-FFF2-40B4-BE49-F238E27FC236}">
+                <a16:creationId xmlns:a16="http://schemas.microsoft.com/office/drawing/2014/main" id="{21BBF382-990F-4B63-91BA-FAC48CFF97FA}"/>
+              </a:ext>
+            </a:extLst>
+          </p:cNvPr>
+          <p:cNvPicPr>
+            <a:picLocks noChangeAspect="1"/>
+          </p:cNvPicPr>
+          <p:nvPr/>
+        </p:nvPicPr>
+        <p:blipFill>
+          <a:blip r:embed="rId2"/>
+          <a:stretch>
+            <a:fillRect/>
+          </a:stretch>
+        </p:blipFill>
+        <p:spPr>
+          <a:xfrm>
+            <a:off x="4185239" y="1117600"/>
+            <a:ext cx="7851251" cy="5184885"/>
+          </a:xfrm>
+          <a:prstGeom prst="rect">
+            <a:avLst/>
+          </a:prstGeom>
+        </p:spPr>
+      </p:pic>
+      <p:sp>
+        <p:nvSpPr>
+          <p:cNvPr id="2" name="Titel 1">
+            <a:extLst>
+              <a:ext uri="{FF2B5EF4-FFF2-40B4-BE49-F238E27FC236}">
+                <a16:creationId xmlns:a16="http://schemas.microsoft.com/office/drawing/2014/main" id="{42C7900E-ADA3-492B-9B10-61FE62ECAF16}"/>
+              </a:ext>
+            </a:extLst>
+          </p:cNvPr>
+          <p:cNvSpPr>
+            <a:spLocks noGrp="1"/>
+          </p:cNvSpPr>
+          <p:nvPr>
+            <p:ph type="title"/>
+          </p:nvPr>
+        </p:nvSpPr>
+        <p:spPr/>
+        <p:txBody>
+          <a:bodyPr/>
+          <a:lstStyle/>
+          <a:p>
+            <a:r>
+              <a:rPr lang="de-DE" dirty="0"/>
+              <a:t>Simulation von Planeten</a:t>
+            </a:r>
+          </a:p>
+        </p:txBody>
+      </p:sp>
+      <mc:AlternateContent xmlns:mc="http://schemas.openxmlformats.org/markup-compatibility/2006">
+        <mc:Choice xmlns:a14="http://schemas.microsoft.com/office/drawing/2010/main" Requires="a14">
+          <p:sp>
+            <p:nvSpPr>
+              <p:cNvPr id="3" name="Inhaltsplatzhalter 2">
+                <a:extLst>
+                  <a:ext uri="{FF2B5EF4-FFF2-40B4-BE49-F238E27FC236}">
+                    <a16:creationId xmlns:a16="http://schemas.microsoft.com/office/drawing/2014/main" id="{2B956305-ED2D-4F15-8B20-611DA4D5CBF5}"/>
+                  </a:ext>
+                </a:extLst>
+              </p:cNvPr>
+              <p:cNvSpPr>
+                <a:spLocks noGrp="1"/>
+              </p:cNvSpPr>
+              <p:nvPr>
+                <p:ph idx="1"/>
+              </p:nvPr>
+            </p:nvSpPr>
+            <p:spPr>
+              <a:xfrm>
+                <a:off x="1097280" y="1845734"/>
+                <a:ext cx="3732628" cy="4023360"/>
+              </a:xfrm>
+            </p:spPr>
+            <p:txBody>
+              <a:bodyPr/>
+              <a:lstStyle/>
+              <a:p>
+                <a:r>
+                  <a:rPr lang="de-DE" sz="2400" dirty="0"/>
+                  <a:t>Errechnen der Kräfte, die zu genau dieser Ellipse führen</a:t>
+                </a:r>
+              </a:p>
+              <a:p>
+                <a:pPr lvl="1"/>
+                <a14:m>
+                  <m:oMath xmlns:m="http://schemas.openxmlformats.org/officeDocument/2006/math">
+                    <m:d>
+                      <m:dPr>
+                        <m:begChr m:val="|"/>
+                        <m:endChr m:val="|"/>
+                        <m:ctrlPr>
+                          <a:rPr lang="de-DE" sz="2400" i="1">
+                            <a:solidFill>
+                              <a:srgbClr val="0070C0"/>
+                            </a:solidFill>
+                            <a:latin typeface="Cambria Math" panose="02040503050406030204" pitchFamily="18" charset="0"/>
+                          </a:rPr>
+                        </m:ctrlPr>
+                      </m:dPr>
+                      <m:e>
+                        <m:r>
+                          <a:rPr lang="de-DE" sz="2400" i="1">
+                            <a:solidFill>
+                              <a:srgbClr val="0070C0"/>
+                            </a:solidFill>
+                            <a:latin typeface="Cambria Math" panose="02040503050406030204" pitchFamily="18" charset="0"/>
+                          </a:rPr>
+                          <m:t>𝑣</m:t>
+                        </m:r>
+                      </m:e>
+                    </m:d>
+                  </m:oMath>
+                </a14:m>
+                <a:r>
+                  <a:rPr lang="de-DE" sz="2400" dirty="0">
+                    <a:solidFill>
+                      <a:srgbClr val="0070C0"/>
+                    </a:solidFill>
+                  </a:rPr>
+                  <a:t> </a:t>
+                </a:r>
+                <a:r>
+                  <a:rPr lang="de-DE" sz="2400" dirty="0"/>
+                  <a:t>: Initiale Bewegung</a:t>
+                </a:r>
+              </a:p>
+              <a:p>
+                <a:pPr lvl="1"/>
+                <a14:m>
+                  <m:oMath xmlns:m="http://schemas.openxmlformats.org/officeDocument/2006/math">
+                    <m:acc>
+                      <m:accPr>
+                        <m:chr m:val="⃗"/>
+                        <m:ctrlPr>
+                          <a:rPr lang="de-DE" sz="2400" i="1">
+                            <a:solidFill>
+                              <a:srgbClr val="0070C0"/>
+                            </a:solidFill>
+                            <a:latin typeface="Cambria Math" panose="02040503050406030204" pitchFamily="18" charset="0"/>
+                          </a:rPr>
+                        </m:ctrlPr>
+                      </m:accPr>
+                      <m:e>
+                        <m:r>
+                          <a:rPr lang="de-DE" sz="2400" i="1">
+                            <a:solidFill>
+                              <a:srgbClr val="0070C0"/>
+                            </a:solidFill>
+                            <a:latin typeface="Cambria Math" panose="02040503050406030204" pitchFamily="18" charset="0"/>
+                          </a:rPr>
+                          <m:t>𝑣</m:t>
+                        </m:r>
+                      </m:e>
+                    </m:acc>
+                  </m:oMath>
+                </a14:m>
+                <a:r>
+                  <a:rPr lang="de-DE" sz="2400" dirty="0">
+                    <a:solidFill>
+                      <a:srgbClr val="0070C0"/>
+                    </a:solidFill>
+                  </a:rPr>
+                  <a:t> </a:t>
+                </a:r>
+                <a:r>
+                  <a:rPr lang="de-DE" sz="2400" dirty="0"/>
+                  <a:t>: Richtung der initialen Bewegung</a:t>
+                </a:r>
+              </a:p>
+              <a:p>
+                <a:pPr lvl="1"/>
+                <a14:m>
+                  <m:oMath xmlns:m="http://schemas.openxmlformats.org/officeDocument/2006/math">
+                    <m:d>
+                      <m:dPr>
+                        <m:begChr m:val="|"/>
+                        <m:endChr m:val="|"/>
+                        <m:ctrlPr>
+                          <a:rPr lang="de-DE" sz="2400" i="1">
+                            <a:solidFill>
+                              <a:srgbClr val="FF0000"/>
+                            </a:solidFill>
+                            <a:latin typeface="Cambria Math" panose="02040503050406030204" pitchFamily="18" charset="0"/>
+                          </a:rPr>
+                        </m:ctrlPr>
+                      </m:dPr>
+                      <m:e>
+                        <m:r>
+                          <a:rPr lang="de-DE" sz="2400" i="1">
+                            <a:solidFill>
+                              <a:srgbClr val="FF0000"/>
+                            </a:solidFill>
+                            <a:latin typeface="Cambria Math" panose="02040503050406030204" pitchFamily="18" charset="0"/>
+                          </a:rPr>
+                          <m:t>𝑎</m:t>
+                        </m:r>
+                      </m:e>
+                    </m:d>
+                  </m:oMath>
+                </a14:m>
+                <a:r>
+                  <a:rPr lang="de-DE" sz="2400" dirty="0"/>
+                  <a:t> : Beschleunigung</a:t>
+                </a:r>
+              </a:p>
+              <a:p>
+                <a:pPr lvl="1"/>
+                <a14:m>
+                  <m:oMath xmlns:m="http://schemas.openxmlformats.org/officeDocument/2006/math">
+                    <m:acc>
+                      <m:accPr>
+                        <m:chr m:val="⃗"/>
+                        <m:ctrlPr>
+                          <a:rPr lang="de-DE" sz="2400" i="1">
+                            <a:solidFill>
+                              <a:srgbClr val="FF0000"/>
+                            </a:solidFill>
+                            <a:latin typeface="Cambria Math" panose="02040503050406030204" pitchFamily="18" charset="0"/>
+                          </a:rPr>
+                        </m:ctrlPr>
+                      </m:accPr>
+                      <m:e>
+                        <m:r>
+                          <a:rPr lang="de-DE" sz="2400" i="1">
+                            <a:solidFill>
+                              <a:srgbClr val="FF0000"/>
+                            </a:solidFill>
+                            <a:latin typeface="Cambria Math" panose="02040503050406030204" pitchFamily="18" charset="0"/>
+                          </a:rPr>
+                          <m:t>𝑎</m:t>
+                        </m:r>
+                      </m:e>
+                    </m:acc>
+                  </m:oMath>
+                </a14:m>
+                <a:r>
+                  <a:rPr lang="de-DE" sz="2400" dirty="0">
+                    <a:solidFill>
+                      <a:srgbClr val="FF0000"/>
+                    </a:solidFill>
+                  </a:rPr>
+                  <a:t> </a:t>
+                </a:r>
+                <a:r>
+                  <a:rPr lang="de-DE" sz="2400" dirty="0"/>
+                  <a:t>: Richtung der Beschleunigung</a:t>
+                </a:r>
+              </a:p>
+              <a:p>
+                <a:endParaRPr lang="de-DE" dirty="0"/>
+              </a:p>
+            </p:txBody>
+          </p:sp>
+        </mc:Choice>
+        <mc:Fallback>
+          <p:sp>
+            <p:nvSpPr>
+              <p:cNvPr id="3" name="Inhaltsplatzhalter 2">
+                <a:extLst>
+                  <a:ext uri="{FF2B5EF4-FFF2-40B4-BE49-F238E27FC236}">
+                    <a16:creationId xmlns:a16="http://schemas.microsoft.com/office/drawing/2014/main" id="{2B956305-ED2D-4F15-8B20-611DA4D5CBF5}"/>
+                  </a:ext>
+                </a:extLst>
+              </p:cNvPr>
+              <p:cNvSpPr>
+                <a:spLocks noGrp="1" noRot="1" noChangeAspect="1" noMove="1" noResize="1" noEditPoints="1" noAdjustHandles="1" noChangeArrowheads="1" noChangeShapeType="1" noTextEdit="1"/>
+              </p:cNvSpPr>
+              <p:nvPr>
+                <p:ph idx="1"/>
+              </p:nvPr>
+            </p:nvSpPr>
+            <p:spPr>
+              <a:xfrm>
+                <a:off x="1097280" y="1845734"/>
+                <a:ext cx="3732628" cy="4023360"/>
+              </a:xfrm>
+              <a:blipFill>
+                <a:blip r:embed="rId3"/>
+                <a:stretch>
+                  <a:fillRect l="-2451" t="-2121" r="-1471"/>
+                </a:stretch>
+              </a:blipFill>
+            </p:spPr>
+            <p:txBody>
+              <a:bodyPr/>
+              <a:lstStyle/>
+              <a:p>
+                <a:r>
+                  <a:rPr lang="de-DE">
+                    <a:noFill/>
+                  </a:rPr>
+                  <a:t> </a:t>
+                </a:r>
+              </a:p>
+            </p:txBody>
+          </p:sp>
+        </mc:Fallback>
+      </mc:AlternateContent>
+      <mc:AlternateContent xmlns:mc="http://schemas.openxmlformats.org/markup-compatibility/2006">
+        <mc:Choice xmlns:a14="http://schemas.microsoft.com/office/drawing/2010/main" Requires="a14">
+          <p:sp>
+            <p:nvSpPr>
+              <p:cNvPr id="5" name="Rechteck 4">
+                <a:extLst>
+                  <a:ext uri="{FF2B5EF4-FFF2-40B4-BE49-F238E27FC236}">
+                    <a16:creationId xmlns:a16="http://schemas.microsoft.com/office/drawing/2014/main" id="{3AD3C72B-C35D-4B45-88D3-78D9A870C6B1}"/>
+                  </a:ext>
+                </a:extLst>
+              </p:cNvPr>
+              <p:cNvSpPr/>
+              <p:nvPr/>
+            </p:nvSpPr>
+            <p:spPr>
+              <a:xfrm>
+                <a:off x="4437308" y="2268705"/>
+                <a:ext cx="3317383" cy="910699"/>
+              </a:xfrm>
+              <a:prstGeom prst="rect">
+                <a:avLst/>
+              </a:prstGeom>
+            </p:spPr>
+            <p:txBody>
+              <a:bodyPr wrap="none">
+                <a:spAutoFit/>
+              </a:bodyPr>
+              <a:lstStyle/>
+              <a:p>
+                <a14:m>
+                  <m:oMathPara xmlns:m="http://schemas.openxmlformats.org/officeDocument/2006/math">
+                    <m:oMathParaPr>
+                      <m:jc m:val="centerGroup"/>
+                    </m:oMathParaPr>
+                    <m:oMath xmlns:m="http://schemas.openxmlformats.org/officeDocument/2006/math">
+                      <m:r>
+                        <a:rPr lang="de-DE" smtClean="0">
+                          <a:latin typeface="Cambria Math" panose="02040503050406030204" pitchFamily="18" charset="0"/>
+                        </a:rPr>
+                        <m:t>|</m:t>
+                      </m:r>
+                      <m:r>
+                        <a:rPr lang="de-DE" i="1">
+                          <a:latin typeface="Cambria Math" panose="02040503050406030204" pitchFamily="18" charset="0"/>
+                        </a:rPr>
+                        <m:t>𝑣</m:t>
+                      </m:r>
+                      <m:r>
+                        <a:rPr lang="de-DE" i="0">
+                          <a:latin typeface="Cambria Math" panose="02040503050406030204" pitchFamily="18" charset="0"/>
+                        </a:rPr>
+                        <m:t>| = </m:t>
+                      </m:r>
+                      <m:rad>
+                        <m:radPr>
+                          <m:degHide m:val="on"/>
+                          <m:ctrlPr>
+                            <a:rPr lang="de-DE" i="1">
+                              <a:latin typeface="Cambria Math" panose="02040503050406030204" pitchFamily="18" charset="0"/>
+                            </a:rPr>
+                          </m:ctrlPr>
+                        </m:radPr>
+                        <m:deg/>
+                        <m:e>
+                          <m:d>
+                            <m:dPr>
+                              <m:begChr m:val=""/>
+                              <m:ctrlPr>
+                                <a:rPr lang="de-DE" i="1">
+                                  <a:latin typeface="Cambria Math" panose="02040503050406030204" pitchFamily="18" charset="0"/>
+                                </a:rPr>
+                              </m:ctrlPr>
+                            </m:dPr>
+                            <m:e>
+                              <m:r>
+                                <a:rPr lang="de-DE" i="1">
+                                  <a:latin typeface="Cambria Math" panose="02040503050406030204" pitchFamily="18" charset="0"/>
+                                </a:rPr>
+                                <m:t>𝐺</m:t>
+                              </m:r>
+                              <m:r>
+                                <a:rPr lang="de-DE" i="0">
+                                  <a:latin typeface="Cambria Math" panose="02040503050406030204" pitchFamily="18" charset="0"/>
+                                </a:rPr>
+                                <m:t>∗</m:t>
+                              </m:r>
+                              <m:d>
+                                <m:dPr>
+                                  <m:ctrlPr>
+                                    <a:rPr lang="de-DE" i="1">
+                                      <a:latin typeface="Cambria Math" panose="02040503050406030204" pitchFamily="18" charset="0"/>
+                                    </a:rPr>
+                                  </m:ctrlPr>
+                                </m:dPr>
+                                <m:e>
+                                  <m:r>
+                                    <a:rPr lang="de-DE" i="1">
+                                      <a:latin typeface="Cambria Math" panose="02040503050406030204" pitchFamily="18" charset="0"/>
+                                    </a:rPr>
+                                    <m:t>𝑀</m:t>
+                                  </m:r>
+                                  <m:r>
+                                    <a:rPr lang="de-DE" i="0">
+                                      <a:latin typeface="Cambria Math" panose="02040503050406030204" pitchFamily="18" charset="0"/>
+                                    </a:rPr>
+                                    <m:t>+</m:t>
+                                  </m:r>
+                                  <m:r>
+                                    <a:rPr lang="de-DE" i="1">
+                                      <a:latin typeface="Cambria Math" panose="02040503050406030204" pitchFamily="18" charset="0"/>
+                                    </a:rPr>
+                                    <m:t>𝑚</m:t>
+                                  </m:r>
+                                </m:e>
+                              </m:d>
+                              <m:r>
+                                <a:rPr lang="de-DE" i="0">
+                                  <a:latin typeface="Cambria Math" panose="02040503050406030204" pitchFamily="18" charset="0"/>
+                                </a:rPr>
+                                <m:t>∗(</m:t>
+                              </m:r>
+                              <m:f>
+                                <m:fPr>
+                                  <m:ctrlPr>
+                                    <a:rPr lang="de-DE" i="1">
+                                      <a:latin typeface="Cambria Math" panose="02040503050406030204" pitchFamily="18" charset="0"/>
+                                    </a:rPr>
+                                  </m:ctrlPr>
+                                </m:fPr>
+                                <m:num>
+                                  <m:r>
+                                    <a:rPr lang="de-DE" i="0">
+                                      <a:latin typeface="Cambria Math" panose="02040503050406030204" pitchFamily="18" charset="0"/>
+                                    </a:rPr>
+                                    <m:t>2</m:t>
+                                  </m:r>
+                                </m:num>
+                                <m:den>
+                                  <m:r>
+                                    <a:rPr lang="de-DE" i="1">
+                                      <a:latin typeface="Cambria Math" panose="02040503050406030204" pitchFamily="18" charset="0"/>
+                                    </a:rPr>
+                                    <m:t>𝑟</m:t>
+                                  </m:r>
+                                </m:den>
+                              </m:f>
+                              <m:r>
+                                <a:rPr lang="de-DE" i="0">
+                                  <a:latin typeface="Cambria Math" panose="02040503050406030204" pitchFamily="18" charset="0"/>
+                                </a:rPr>
+                                <m:t>−</m:t>
+                              </m:r>
+                              <m:f>
+                                <m:fPr>
+                                  <m:ctrlPr>
+                                    <a:rPr lang="de-DE" i="1">
+                                      <a:latin typeface="Cambria Math" panose="02040503050406030204" pitchFamily="18" charset="0"/>
+                                    </a:rPr>
+                                  </m:ctrlPr>
+                                </m:fPr>
+                                <m:num>
+                                  <m:r>
+                                    <a:rPr lang="de-DE" i="0">
+                                      <a:latin typeface="Cambria Math" panose="02040503050406030204" pitchFamily="18" charset="0"/>
+                                    </a:rPr>
+                                    <m:t>1</m:t>
+                                  </m:r>
+                                </m:num>
+                                <m:den>
+                                  <m:r>
+                                    <a:rPr lang="de-DE" i="1">
+                                      <a:latin typeface="Cambria Math" panose="02040503050406030204" pitchFamily="18" charset="0"/>
+                                    </a:rPr>
+                                    <m:t>𝑎</m:t>
+                                  </m:r>
+                                </m:den>
+                              </m:f>
+                            </m:e>
+                          </m:d>
+                        </m:e>
+                      </m:rad>
+                    </m:oMath>
+                  </m:oMathPara>
+                </a14:m>
+                <a:endParaRPr lang="de-DE" dirty="0"/>
+              </a:p>
+            </p:txBody>
+          </p:sp>
+        </mc:Choice>
+        <mc:Fallback>
+          <p:sp>
+            <p:nvSpPr>
+              <p:cNvPr id="5" name="Rechteck 4">
+                <a:extLst>
+                  <a:ext uri="{FF2B5EF4-FFF2-40B4-BE49-F238E27FC236}">
+                    <a16:creationId xmlns:a16="http://schemas.microsoft.com/office/drawing/2014/main" id="{3AD3C72B-C35D-4B45-88D3-78D9A870C6B1}"/>
+                  </a:ext>
+                </a:extLst>
+              </p:cNvPr>
+              <p:cNvSpPr>
+                <a:spLocks noRot="1" noChangeAspect="1" noMove="1" noResize="1" noEditPoints="1" noAdjustHandles="1" noChangeArrowheads="1" noChangeShapeType="1" noTextEdit="1"/>
+              </p:cNvSpPr>
+              <p:nvPr/>
+            </p:nvSpPr>
+            <p:spPr>
+              <a:xfrm>
+                <a:off x="4437308" y="2268705"/>
+                <a:ext cx="3317383" cy="910699"/>
+              </a:xfrm>
+              <a:prstGeom prst="rect">
+                <a:avLst/>
+              </a:prstGeom>
+              <a:blipFill>
+                <a:blip r:embed="rId4"/>
+                <a:stretch>
+                  <a:fillRect/>
+                </a:stretch>
+              </a:blipFill>
+            </p:spPr>
+            <p:txBody>
+              <a:bodyPr/>
+              <a:lstStyle/>
+              <a:p>
+                <a:r>
+                  <a:rPr lang="de-DE">
+                    <a:noFill/>
+                  </a:rPr>
+                  <a:t> </a:t>
+                </a:r>
+              </a:p>
+            </p:txBody>
+          </p:sp>
+        </mc:Fallback>
+      </mc:AlternateContent>
+      <mc:AlternateContent xmlns:mc="http://schemas.openxmlformats.org/markup-compatibility/2006">
+        <mc:Choice xmlns:a14="http://schemas.microsoft.com/office/drawing/2010/main" Requires="a14">
+          <p:sp>
+            <p:nvSpPr>
+              <p:cNvPr id="6" name="Rechteck 5">
+                <a:extLst>
+                  <a:ext uri="{FF2B5EF4-FFF2-40B4-BE49-F238E27FC236}">
+                    <a16:creationId xmlns:a16="http://schemas.microsoft.com/office/drawing/2014/main" id="{D05A27B2-D8CF-4F6C-9B8B-1B753FF916D4}"/>
+                  </a:ext>
+                </a:extLst>
+              </p:cNvPr>
+              <p:cNvSpPr/>
+              <p:nvPr/>
+            </p:nvSpPr>
+            <p:spPr>
+              <a:xfrm>
+                <a:off x="4437308" y="4010401"/>
+                <a:ext cx="1521314" cy="564898"/>
+              </a:xfrm>
+              <a:prstGeom prst="rect">
+                <a:avLst/>
+              </a:prstGeom>
+            </p:spPr>
+            <p:txBody>
+              <a:bodyPr wrap="none">
+                <a:spAutoFit/>
+              </a:bodyPr>
+              <a:lstStyle/>
+              <a:p>
+                <a14:m>
+                  <m:oMathPara xmlns:m="http://schemas.openxmlformats.org/officeDocument/2006/math">
+                    <m:oMathParaPr>
+                      <m:jc m:val="centerGroup"/>
+                    </m:oMathParaPr>
+                    <m:oMath xmlns:m="http://schemas.openxmlformats.org/officeDocument/2006/math">
+                      <m:r>
+                        <a:rPr lang="de-DE" smtClean="0">
+                          <a:latin typeface="Cambria Math" panose="02040503050406030204" pitchFamily="18" charset="0"/>
+                        </a:rPr>
+                        <m:t>|</m:t>
+                      </m:r>
+                      <m:r>
+                        <a:rPr lang="de-DE" i="1">
+                          <a:latin typeface="Cambria Math" panose="02040503050406030204" pitchFamily="18" charset="0"/>
+                        </a:rPr>
+                        <m:t>𝑎</m:t>
+                      </m:r>
+                      <m:r>
+                        <a:rPr lang="de-DE" i="0">
+                          <a:latin typeface="Cambria Math" panose="02040503050406030204" pitchFamily="18" charset="0"/>
+                        </a:rPr>
+                        <m:t>| = </m:t>
+                      </m:r>
+                      <m:r>
+                        <a:rPr lang="de-DE" i="1">
+                          <a:latin typeface="Cambria Math" panose="02040503050406030204" pitchFamily="18" charset="0"/>
+                        </a:rPr>
+                        <m:t>𝐺</m:t>
+                      </m:r>
+                      <m:r>
+                        <a:rPr lang="de-DE" i="0">
+                          <a:latin typeface="Cambria Math" panose="02040503050406030204" pitchFamily="18" charset="0"/>
+                        </a:rPr>
+                        <m:t>∗</m:t>
+                      </m:r>
+                      <m:f>
+                        <m:fPr>
+                          <m:ctrlPr>
+                            <a:rPr lang="de-DE" i="1">
+                              <a:latin typeface="Cambria Math" panose="02040503050406030204" pitchFamily="18" charset="0"/>
+                            </a:rPr>
+                          </m:ctrlPr>
+                        </m:fPr>
+                        <m:num>
+                          <m:r>
+                            <a:rPr lang="de-DE" i="1">
+                              <a:latin typeface="Cambria Math" panose="02040503050406030204" pitchFamily="18" charset="0"/>
+                            </a:rPr>
+                            <m:t>𝑚</m:t>
+                          </m:r>
+                        </m:num>
+                        <m:den>
+                          <m:sSup>
+                            <m:sSupPr>
+                              <m:ctrlPr>
+                                <a:rPr lang="de-DE" i="1">
+                                  <a:latin typeface="Cambria Math" panose="02040503050406030204" pitchFamily="18" charset="0"/>
+                                </a:rPr>
+                              </m:ctrlPr>
+                            </m:sSupPr>
+                            <m:e>
+                              <m:r>
+                                <a:rPr lang="de-DE" i="1">
+                                  <a:latin typeface="Cambria Math" panose="02040503050406030204" pitchFamily="18" charset="0"/>
+                                </a:rPr>
+                                <m:t>𝑟</m:t>
+                              </m:r>
+                            </m:e>
+                            <m:sup>
+                              <m:r>
+                                <a:rPr lang="de-DE" i="0">
+                                  <a:latin typeface="Cambria Math" panose="02040503050406030204" pitchFamily="18" charset="0"/>
+                                </a:rPr>
+                                <m:t>2</m:t>
+                              </m:r>
+                            </m:sup>
+                          </m:sSup>
+                        </m:den>
+                      </m:f>
+                    </m:oMath>
+                  </m:oMathPara>
+                </a14:m>
+                <a:endParaRPr lang="de-DE" dirty="0"/>
+              </a:p>
+            </p:txBody>
+          </p:sp>
+        </mc:Choice>
+        <mc:Fallback>
+          <p:sp>
+            <p:nvSpPr>
+              <p:cNvPr id="6" name="Rechteck 5">
+                <a:extLst>
+                  <a:ext uri="{FF2B5EF4-FFF2-40B4-BE49-F238E27FC236}">
+                    <a16:creationId xmlns:a16="http://schemas.microsoft.com/office/drawing/2014/main" id="{D05A27B2-D8CF-4F6C-9B8B-1B753FF916D4}"/>
+                  </a:ext>
+                </a:extLst>
+              </p:cNvPr>
+              <p:cNvSpPr>
+                <a:spLocks noRot="1" noChangeAspect="1" noMove="1" noResize="1" noEditPoints="1" noAdjustHandles="1" noChangeArrowheads="1" noChangeShapeType="1" noTextEdit="1"/>
+              </p:cNvSpPr>
+              <p:nvPr/>
+            </p:nvSpPr>
+            <p:spPr>
+              <a:xfrm>
+                <a:off x="4437308" y="4010401"/>
+                <a:ext cx="1521314" cy="564898"/>
+              </a:xfrm>
+              <a:prstGeom prst="rect">
+                <a:avLst/>
+              </a:prstGeom>
+              <a:blipFill>
+                <a:blip r:embed="rId5"/>
+                <a:stretch>
+                  <a:fillRect/>
+                </a:stretch>
+              </a:blipFill>
+            </p:spPr>
+            <p:txBody>
+              <a:bodyPr/>
+              <a:lstStyle/>
+              <a:p>
+                <a:r>
+                  <a:rPr lang="de-DE">
+                    <a:noFill/>
+                  </a:rPr>
+                  <a:t> </a:t>
+                </a:r>
+              </a:p>
+            </p:txBody>
+          </p:sp>
+        </mc:Fallback>
+      </mc:AlternateContent>
+    </p:spTree>
+    <p:extLst>
+      <p:ext uri="{BB962C8B-B14F-4D97-AF65-F5344CB8AC3E}">
+        <p14:creationId xmlns:p14="http://schemas.microsoft.com/office/powerpoint/2010/main" val="3742209393"/>
+      </p:ext>
+    </p:extLst>
+  </p:cSld>
+  <p:clrMapOvr>
+    <a:masterClrMapping/>
+  </p:clrMapOvr>
+</p:sld>
+</file>
+
+<file path=ppt/slides/slide17.xml><?xml version="1.0" encoding="utf-8"?>
+<p:sld xmlns:a="http://schemas.openxmlformats.org/drawingml/2006/main" xmlns:r="http://schemas.openxmlformats.org/officeDocument/2006/relationships" xmlns:p="http://schemas.openxmlformats.org/presentationml/2006/main">
+  <p:cSld>
+    <p:spTree>
+      <p:nvGrpSpPr>
+        <p:cNvPr id="1" name=""/>
+        <p:cNvGrpSpPr/>
+        <p:nvPr/>
+      </p:nvGrpSpPr>
+      <p:grpSpPr>
+        <a:xfrm>
+          <a:off x="0" y="0"/>
+          <a:ext cx="0" cy="0"/>
+          <a:chOff x="0" y="0"/>
+          <a:chExt cx="0" cy="0"/>
+        </a:xfrm>
+      </p:grpSpPr>
+      <p:pic>
+        <p:nvPicPr>
+          <p:cNvPr id="4" name="Grafik 3">
+            <a:extLst>
+              <a:ext uri="{FF2B5EF4-FFF2-40B4-BE49-F238E27FC236}">
+                <a16:creationId xmlns:a16="http://schemas.microsoft.com/office/drawing/2014/main" id="{B05B27BC-6DB0-49C0-AC46-AFA8CA7AD7DB}"/>
+              </a:ext>
+            </a:extLst>
+          </p:cNvPr>
+          <p:cNvPicPr>
+            <a:picLocks noChangeAspect="1"/>
+          </p:cNvPicPr>
+          <p:nvPr/>
+        </p:nvPicPr>
+        <p:blipFill>
+          <a:blip r:embed="rId2"/>
+          <a:stretch>
+            <a:fillRect/>
+          </a:stretch>
+        </p:blipFill>
+        <p:spPr>
+          <a:xfrm>
+            <a:off x="4580633" y="1090506"/>
+            <a:ext cx="7672233" cy="5066663"/>
+          </a:xfrm>
+          <a:prstGeom prst="rect">
+            <a:avLst/>
+          </a:prstGeom>
+        </p:spPr>
+      </p:pic>
+      <p:sp>
+        <p:nvSpPr>
+          <p:cNvPr id="2" name="Titel 1">
+            <a:extLst>
+              <a:ext uri="{FF2B5EF4-FFF2-40B4-BE49-F238E27FC236}">
+                <a16:creationId xmlns:a16="http://schemas.microsoft.com/office/drawing/2014/main" id="{5A822936-64A0-4A3F-8A52-5F7EE3947714}"/>
+              </a:ext>
+            </a:extLst>
+          </p:cNvPr>
+          <p:cNvSpPr>
+            <a:spLocks noGrp="1"/>
+          </p:cNvSpPr>
+          <p:nvPr>
+            <p:ph type="title"/>
+          </p:nvPr>
+        </p:nvSpPr>
+        <p:spPr/>
+        <p:txBody>
+          <a:bodyPr/>
+          <a:lstStyle/>
+          <a:p>
+            <a:r>
+              <a:rPr lang="de-DE" dirty="0"/>
+              <a:t>Simulation von Planeten</a:t>
+            </a:r>
+          </a:p>
+        </p:txBody>
+      </p:sp>
+      <mc:AlternateContent xmlns:mc="http://schemas.openxmlformats.org/markup-compatibility/2006">
+        <mc:Choice xmlns:a14="http://schemas.microsoft.com/office/drawing/2010/main" Requires="a14">
+          <p:sp>
+            <p:nvSpPr>
+              <p:cNvPr id="3" name="Inhaltsplatzhalter 2">
+                <a:extLst>
+                  <a:ext uri="{FF2B5EF4-FFF2-40B4-BE49-F238E27FC236}">
+                    <a16:creationId xmlns:a16="http://schemas.microsoft.com/office/drawing/2014/main" id="{7A1DA469-6245-46B3-B515-85E0A6A94F76}"/>
+                  </a:ext>
+                </a:extLst>
+              </p:cNvPr>
+              <p:cNvSpPr>
+                <a:spLocks noGrp="1"/>
+              </p:cNvSpPr>
+              <p:nvPr>
+                <p:ph idx="1"/>
+              </p:nvPr>
+            </p:nvSpPr>
+            <p:spPr>
+              <a:xfrm>
+                <a:off x="1097280" y="1845734"/>
+                <a:ext cx="4081210" cy="4023360"/>
+              </a:xfrm>
+            </p:spPr>
+            <p:txBody>
+              <a:bodyPr/>
+              <a:lstStyle/>
+              <a:p>
+                <a14:m>
+                  <m:oMath xmlns:m="http://schemas.openxmlformats.org/officeDocument/2006/math">
+                    <m:acc>
+                      <m:accPr>
+                        <m:chr m:val="⃗"/>
+                        <m:ctrlPr>
+                          <a:rPr lang="de-DE" sz="2400" i="1" smtClean="0">
+                            <a:solidFill>
+                              <a:srgbClr val="FF0000"/>
+                            </a:solidFill>
+                            <a:latin typeface="Cambria Math" panose="02040503050406030204" pitchFamily="18" charset="0"/>
+                          </a:rPr>
+                        </m:ctrlPr>
+                      </m:accPr>
+                      <m:e>
+                        <m:r>
+                          <a:rPr lang="de-DE" sz="2400" i="1">
+                            <a:solidFill>
+                              <a:srgbClr val="FF0000"/>
+                            </a:solidFill>
+                            <a:latin typeface="Cambria Math" panose="02040503050406030204" pitchFamily="18" charset="0"/>
+                          </a:rPr>
+                          <m:t>𝑎</m:t>
+                        </m:r>
+                      </m:e>
+                    </m:acc>
+                  </m:oMath>
+                </a14:m>
+                <a:r>
+                  <a:rPr lang="de-DE" sz="2400" dirty="0"/>
+                  <a:t> : Wirkt in Richtung der anziehenden Masse</a:t>
+                </a:r>
+              </a:p>
+              <a:p>
+                <a14:m>
+                  <m:oMath xmlns:m="http://schemas.openxmlformats.org/officeDocument/2006/math">
+                    <m:acc>
+                      <m:accPr>
+                        <m:chr m:val="⃗"/>
+                        <m:ctrlPr>
+                          <a:rPr lang="de-DE" sz="2400" i="1">
+                            <a:solidFill>
+                              <a:srgbClr val="0070C0"/>
+                            </a:solidFill>
+                            <a:latin typeface="Cambria Math" panose="02040503050406030204" pitchFamily="18" charset="0"/>
+                          </a:rPr>
+                        </m:ctrlPr>
+                      </m:accPr>
+                      <m:e>
+                        <m:r>
+                          <a:rPr lang="de-DE" sz="2400" i="1">
+                            <a:solidFill>
+                              <a:srgbClr val="0070C0"/>
+                            </a:solidFill>
+                            <a:latin typeface="Cambria Math" panose="02040503050406030204" pitchFamily="18" charset="0"/>
+                          </a:rPr>
+                          <m:t>𝑣</m:t>
+                        </m:r>
+                      </m:e>
+                    </m:acc>
+                  </m:oMath>
+                </a14:m>
+                <a:r>
+                  <a:rPr lang="de-DE" sz="2400" dirty="0"/>
+                  <a:t> : Tangential zur Ellipse (Orthogonale Gerade der Winkelhalbierenden)</a:t>
+                </a:r>
+              </a:p>
+              <a:p>
+                <a:endParaRPr lang="de-DE" dirty="0"/>
+              </a:p>
+            </p:txBody>
+          </p:sp>
+        </mc:Choice>
+        <mc:Fallback>
+          <p:sp>
+            <p:nvSpPr>
+              <p:cNvPr id="3" name="Inhaltsplatzhalter 2">
+                <a:extLst>
+                  <a:ext uri="{FF2B5EF4-FFF2-40B4-BE49-F238E27FC236}">
+                    <a16:creationId xmlns:a16="http://schemas.microsoft.com/office/drawing/2014/main" id="{7A1DA469-6245-46B3-B515-85E0A6A94F76}"/>
+                  </a:ext>
+                </a:extLst>
+              </p:cNvPr>
+              <p:cNvSpPr>
+                <a:spLocks noGrp="1" noRot="1" noChangeAspect="1" noMove="1" noResize="1" noEditPoints="1" noAdjustHandles="1" noChangeArrowheads="1" noChangeShapeType="1" noTextEdit="1"/>
+              </p:cNvSpPr>
+              <p:nvPr>
+                <p:ph idx="1"/>
+              </p:nvPr>
+            </p:nvSpPr>
+            <p:spPr>
+              <a:xfrm>
+                <a:off x="1097280" y="1845734"/>
+                <a:ext cx="4081210" cy="4023360"/>
+              </a:xfrm>
+              <a:blipFill>
+                <a:blip r:embed="rId3"/>
+                <a:stretch>
+                  <a:fillRect l="-2242" t="-3182"/>
+                </a:stretch>
+              </a:blipFill>
+            </p:spPr>
+            <p:txBody>
+              <a:bodyPr/>
+              <a:lstStyle/>
+              <a:p>
+                <a:r>
+                  <a:rPr lang="de-DE">
+                    <a:noFill/>
+                  </a:rPr>
+                  <a:t> </a:t>
+                </a:r>
+              </a:p>
+            </p:txBody>
+          </p:sp>
+        </mc:Fallback>
+      </mc:AlternateContent>
+    </p:spTree>
+    <p:extLst>
+      <p:ext uri="{BB962C8B-B14F-4D97-AF65-F5344CB8AC3E}">
+        <p14:creationId xmlns:p14="http://schemas.microsoft.com/office/powerpoint/2010/main" val="3733539858"/>
+      </p:ext>
+    </p:extLst>
+  </p:cSld>
+  <p:clrMapOvr>
+    <a:masterClrMapping/>
+  </p:clrMapOvr>
+</p:sld>
+</file>
+
+<file path=ppt/slides/slide18.xml><?xml version="1.0" encoding="utf-8"?>
+<p:sld xmlns:a="http://schemas.openxmlformats.org/drawingml/2006/main" xmlns:r="http://schemas.openxmlformats.org/officeDocument/2006/relationships" xmlns:p="http://schemas.openxmlformats.org/presentationml/2006/main">
+  <p:cSld>
+    <p:spTree>
+      <p:nvGrpSpPr>
+        <p:cNvPr id="1" name=""/>
+        <p:cNvGrpSpPr/>
+        <p:nvPr/>
+      </p:nvGrpSpPr>
+      <p:grpSpPr>
+        <a:xfrm>
+          <a:off x="0" y="0"/>
+          <a:ext cx="0" cy="0"/>
+          <a:chOff x="0" y="0"/>
+          <a:chExt cx="0" cy="0"/>
+        </a:xfrm>
+      </p:grpSpPr>
+      <p:sp>
+        <p:nvSpPr>
+          <p:cNvPr id="2" name="Titel 1">
+            <a:extLst>
+              <a:ext uri="{FF2B5EF4-FFF2-40B4-BE49-F238E27FC236}">
+                <a16:creationId xmlns:a16="http://schemas.microsoft.com/office/drawing/2014/main" id="{B5DA7E70-CD89-4BAC-84AD-BBF70C4B04C8}"/>
+              </a:ext>
+            </a:extLst>
+          </p:cNvPr>
+          <p:cNvSpPr>
+            <a:spLocks noGrp="1"/>
+          </p:cNvSpPr>
+          <p:nvPr>
+            <p:ph type="title"/>
+          </p:nvPr>
+        </p:nvSpPr>
+        <p:spPr/>
+        <p:txBody>
+          <a:bodyPr/>
+          <a:lstStyle/>
+          <a:p>
+            <a:r>
+              <a:rPr lang="de-DE" dirty="0"/>
+              <a:t>Fredes Teil</a:t>
+            </a:r>
+          </a:p>
+        </p:txBody>
+      </p:sp>
+      <p:sp>
+        <p:nvSpPr>
+          <p:cNvPr id="3" name="Inhaltsplatzhalter 2">
+            <a:extLst>
+              <a:ext uri="{FF2B5EF4-FFF2-40B4-BE49-F238E27FC236}">
+                <a16:creationId xmlns:a16="http://schemas.microsoft.com/office/drawing/2014/main" id="{591AF323-B4B4-4E48-A8F6-2496DFCB2EF6}"/>
+              </a:ext>
+            </a:extLst>
+          </p:cNvPr>
+          <p:cNvSpPr>
+            <a:spLocks noGrp="1"/>
+          </p:cNvSpPr>
+          <p:nvPr>
+            <p:ph idx="1"/>
+          </p:nvPr>
+        </p:nvSpPr>
+        <p:spPr/>
+        <p:txBody>
+          <a:bodyPr/>
+          <a:lstStyle/>
+          <a:p>
+            <a:endParaRPr lang="de-DE"/>
+          </a:p>
+        </p:txBody>
+      </p:sp>
+    </p:spTree>
+    <p:extLst>
+      <p:ext uri="{BB962C8B-B14F-4D97-AF65-F5344CB8AC3E}">
+        <p14:creationId xmlns:p14="http://schemas.microsoft.com/office/powerpoint/2010/main" val="1645068661"/>
+      </p:ext>
+    </p:extLst>
+  </p:cSld>
+  <p:clrMapOvr>
+    <a:masterClrMapping/>
+  </p:clrMapOvr>
+</p:sld>
+</file>
+
+<file path=ppt/slides/slide19.xml><?xml version="1.0" encoding="utf-8"?>
+<p:sld xmlns:a="http://schemas.openxmlformats.org/drawingml/2006/main" xmlns:r="http://schemas.openxmlformats.org/officeDocument/2006/relationships" xmlns:p="http://schemas.openxmlformats.org/presentationml/2006/main">
+  <p:cSld>
+    <p:spTree>
+      <p:nvGrpSpPr>
+        <p:cNvPr id="1" name=""/>
+        <p:cNvGrpSpPr/>
+        <p:nvPr/>
+      </p:nvGrpSpPr>
+      <p:grpSpPr>
+        <a:xfrm>
+          <a:off x="0" y="0"/>
+          <a:ext cx="0" cy="0"/>
+          <a:chOff x="0" y="0"/>
+          <a:chExt cx="0" cy="0"/>
+        </a:xfrm>
+      </p:grpSpPr>
+      <p:sp>
+        <p:nvSpPr>
+          <p:cNvPr id="3" name="Untertitel 2">
+            <a:extLst>
+              <a:ext uri="{FF2B5EF4-FFF2-40B4-BE49-F238E27FC236}">
+                <a16:creationId xmlns:a16="http://schemas.microsoft.com/office/drawing/2014/main" id="{6DF055AC-EB51-4367-ACD1-C954B2854764}"/>
+              </a:ext>
+            </a:extLst>
+          </p:cNvPr>
+          <p:cNvSpPr>
+            <a:spLocks noGrp="1"/>
+          </p:cNvSpPr>
+          <p:nvPr>
+            <p:ph type="subTitle" idx="1"/>
+          </p:nvPr>
+        </p:nvSpPr>
+        <p:spPr>
+          <a:xfrm>
+            <a:off x="1603900" y="3006162"/>
+            <a:ext cx="9144000" cy="845675"/>
+          </a:xfrm>
+        </p:spPr>
+        <p:txBody>
+          <a:bodyPr/>
+          <a:lstStyle/>
+          <a:p>
+            <a:r>
+              <a:rPr lang="de-DE" dirty="0"/>
+              <a:t>Wird in einer Milliarde Jahre die Erde die Sonne ungefähr so umrunden wie jetzt?</a:t>
+            </a:r>
+          </a:p>
+          <a:p>
+            <a:endParaRPr lang="de-DE" dirty="0"/>
+          </a:p>
+        </p:txBody>
+      </p:sp>
+    </p:spTree>
+    <p:extLst>
+      <p:ext uri="{BB962C8B-B14F-4D97-AF65-F5344CB8AC3E}">
+        <p14:creationId xmlns:p14="http://schemas.microsoft.com/office/powerpoint/2010/main" val="1524631329"/>
+      </p:ext>
+    </p:extLst>
+  </p:cSld>
+  <p:clrMapOvr>
+    <a:masterClrMapping/>
+  </p:clrMapOvr>
+</p:sld>
+</file>
+
+<file path=ppt/slides/slide2.xml><?xml version="1.0" encoding="utf-8"?>
+<p:sld xmlns:a="http://schemas.openxmlformats.org/drawingml/2006/main" xmlns:r="http://schemas.openxmlformats.org/officeDocument/2006/relationships" xmlns:p="http://schemas.openxmlformats.org/presentationml/2006/main">
+  <p:cSld>
+    <p:spTree>
+      <p:nvGrpSpPr>
+        <p:cNvPr id="1" name=""/>
+        <p:cNvGrpSpPr/>
+        <p:nvPr/>
+      </p:nvGrpSpPr>
+      <p:grpSpPr>
+        <a:xfrm>
+          <a:off x="0" y="0"/>
+          <a:ext cx="0" cy="0"/>
+          <a:chOff x="0" y="0"/>
+          <a:chExt cx="0" cy="0"/>
+        </a:xfrm>
+      </p:grpSpPr>
+      <p:sp>
+        <p:nvSpPr>
+          <p:cNvPr id="2" name="Titel 1">
+            <a:extLst>
+              <a:ext uri="{FF2B5EF4-FFF2-40B4-BE49-F238E27FC236}">
+                <a16:creationId xmlns:a16="http://schemas.microsoft.com/office/drawing/2014/main" id="{F34C9E2D-611E-48D5-9E3F-60BCC33CC164}"/>
+              </a:ext>
+            </a:extLst>
+          </p:cNvPr>
+          <p:cNvSpPr>
+            <a:spLocks noGrp="1"/>
+          </p:cNvSpPr>
+          <p:nvPr>
+            <p:ph type="title"/>
+          </p:nvPr>
+        </p:nvSpPr>
+        <p:spPr/>
+        <p:txBody>
+          <a:bodyPr/>
+          <a:lstStyle/>
+          <a:p>
+            <a:r>
+              <a:rPr lang="de-DE" dirty="0"/>
+              <a:t>Inhaltsverzeichnis</a:t>
+            </a:r>
+          </a:p>
+        </p:txBody>
+      </p:sp>
+      <p:sp>
+        <p:nvSpPr>
+          <p:cNvPr id="3" name="Inhaltsplatzhalter 2">
+            <a:extLst>
+              <a:ext uri="{FF2B5EF4-FFF2-40B4-BE49-F238E27FC236}">
+                <a16:creationId xmlns:a16="http://schemas.microsoft.com/office/drawing/2014/main" id="{E8DBC05B-1845-42D4-965C-63A607DCC327}"/>
+              </a:ext>
+            </a:extLst>
+          </p:cNvPr>
+          <p:cNvSpPr>
+            <a:spLocks noGrp="1"/>
+          </p:cNvSpPr>
+          <p:nvPr>
+            <p:ph idx="1"/>
+          </p:nvPr>
+        </p:nvSpPr>
+        <p:spPr/>
+        <p:txBody>
+          <a:bodyPr/>
+          <a:lstStyle/>
+          <a:p>
+            <a:endParaRPr lang="de-DE"/>
+          </a:p>
+        </p:txBody>
+      </p:sp>
+    </p:spTree>
+    <p:extLst>
+      <p:ext uri="{BB962C8B-B14F-4D97-AF65-F5344CB8AC3E}">
+        <p14:creationId xmlns:p14="http://schemas.microsoft.com/office/powerpoint/2010/main" val="1541868476"/>
+      </p:ext>
+    </p:extLst>
+  </p:cSld>
+  <p:clrMapOvr>
+    <a:masterClrMapping/>
+  </p:clrMapOvr>
+</p:sld>
+</file>
+
+<file path=ppt/slides/slide20.xml><?xml version="1.0" encoding="utf-8"?>
+<p:sld xmlns:a="http://schemas.openxmlformats.org/drawingml/2006/main" xmlns:r="http://schemas.openxmlformats.org/officeDocument/2006/relationships" xmlns:p="http://schemas.openxmlformats.org/presentationml/2006/main">
+  <p:cSld>
+    <p:spTree>
+      <p:nvGrpSpPr>
+        <p:cNvPr id="1" name=""/>
+        <p:cNvGrpSpPr/>
+        <p:nvPr/>
+      </p:nvGrpSpPr>
+      <p:grpSpPr>
+        <a:xfrm>
+          <a:off x="0" y="0"/>
+          <a:ext cx="0" cy="0"/>
+          <a:chOff x="0" y="0"/>
+          <a:chExt cx="0" cy="0"/>
+        </a:xfrm>
+      </p:grpSpPr>
+      <p:pic>
+        <p:nvPicPr>
+          <p:cNvPr id="7" name="Grafik 6">
+            <a:extLst>
+              <a:ext uri="{FF2B5EF4-FFF2-40B4-BE49-F238E27FC236}">
+                <a16:creationId xmlns:a16="http://schemas.microsoft.com/office/drawing/2014/main" id="{C523875D-C093-45B9-B9B8-1949BDC75372}"/>
+              </a:ext>
+            </a:extLst>
+          </p:cNvPr>
+          <p:cNvPicPr>
+            <a:picLocks noChangeAspect="1"/>
+          </p:cNvPicPr>
+          <p:nvPr/>
+        </p:nvPicPr>
+        <p:blipFill>
+          <a:blip r:embed="rId2">
+            <a:extLst>
+              <a:ext uri="{28A0092B-C50C-407E-A947-70E740481C1C}">
+                <a14:useLocalDpi xmlns:a14="http://schemas.microsoft.com/office/drawing/2010/main" val="0"/>
+              </a:ext>
+            </a:extLst>
+          </a:blip>
+          <a:stretch>
+            <a:fillRect/>
+          </a:stretch>
+        </p:blipFill>
+        <p:spPr>
+          <a:xfrm>
+            <a:off x="1573439" y="2286000"/>
+            <a:ext cx="3429000" cy="2286000"/>
+          </a:xfrm>
+          <a:prstGeom prst="rect">
+            <a:avLst/>
+          </a:prstGeom>
+        </p:spPr>
+      </p:pic>
+      <p:pic>
+        <p:nvPicPr>
+          <p:cNvPr id="1026" name="Picture 2" descr="Bildergebnis für johannes kepler">
+            <a:extLst>
+              <a:ext uri="{FF2B5EF4-FFF2-40B4-BE49-F238E27FC236}">
+                <a16:creationId xmlns:a16="http://schemas.microsoft.com/office/drawing/2014/main" id="{5744BDE3-7DD6-4E3B-AD89-98DE117C299E}"/>
+              </a:ext>
+            </a:extLst>
+          </p:cNvPr>
+          <p:cNvPicPr>
+            <a:picLocks noChangeAspect="1" noChangeArrowheads="1"/>
+          </p:cNvPicPr>
+          <p:nvPr/>
+        </p:nvPicPr>
+        <p:blipFill>
+          <a:blip r:embed="rId3">
+            <a:extLst>
+              <a:ext uri="{28A0092B-C50C-407E-A947-70E740481C1C}">
+                <a14:useLocalDpi xmlns:a14="http://schemas.microsoft.com/office/drawing/2010/main" val="0"/>
+              </a:ext>
+            </a:extLst>
+          </a:blip>
+          <a:srcRect/>
+          <a:stretch>
+            <a:fillRect/>
+          </a:stretch>
+        </p:blipFill>
+        <p:spPr bwMode="auto">
+          <a:xfrm>
+            <a:off x="6947517" y="1660090"/>
+            <a:ext cx="2577483" cy="3537819"/>
+          </a:xfrm>
+          <a:prstGeom prst="rect">
+            <a:avLst/>
+          </a:prstGeom>
+          <a:noFill/>
+          <a:extLst>
+            <a:ext uri="{909E8E84-426E-40DD-AFC4-6F175D3DCCD1}">
+              <a14:hiddenFill xmlns:a14="http://schemas.microsoft.com/office/drawing/2010/main">
+                <a:solidFill>
+                  <a:srgbClr val="FFFFFF"/>
+                </a:solidFill>
+              </a14:hiddenFill>
+            </a:ext>
+          </a:extLst>
+        </p:spPr>
+      </p:pic>
+    </p:spTree>
+    <p:extLst>
+      <p:ext uri="{BB962C8B-B14F-4D97-AF65-F5344CB8AC3E}">
+        <p14:creationId xmlns:p14="http://schemas.microsoft.com/office/powerpoint/2010/main" val="2140267254"/>
+      </p:ext>
+    </p:extLst>
+  </p:cSld>
+  <p:clrMapOvr>
+    <a:masterClrMapping/>
+  </p:clrMapOvr>
+</p:sld>
+</file>
+
+<file path=ppt/slides/slide21.xml><?xml version="1.0" encoding="utf-8"?>
+<p:sld xmlns:a="http://schemas.openxmlformats.org/drawingml/2006/main" xmlns:r="http://schemas.openxmlformats.org/officeDocument/2006/relationships" xmlns:p="http://schemas.openxmlformats.org/presentationml/2006/main">
+  <p:cSld>
+    <p:spTree>
+      <p:nvGrpSpPr>
+        <p:cNvPr id="1" name=""/>
+        <p:cNvGrpSpPr/>
+        <p:nvPr/>
+      </p:nvGrpSpPr>
+      <p:grpSpPr>
+        <a:xfrm>
+          <a:off x="0" y="0"/>
+          <a:ext cx="0" cy="0"/>
+          <a:chOff x="0" y="0"/>
+          <a:chExt cx="0" cy="0"/>
+        </a:xfrm>
+      </p:grpSpPr>
+      <p:sp>
+        <p:nvSpPr>
+          <p:cNvPr id="4" name="Ellipse 3">
+            <a:extLst>
+              <a:ext uri="{FF2B5EF4-FFF2-40B4-BE49-F238E27FC236}">
+                <a16:creationId xmlns:a16="http://schemas.microsoft.com/office/drawing/2014/main" id="{140C0BC4-A530-468E-9B53-3A4C8D73A68E}"/>
+              </a:ext>
+            </a:extLst>
+          </p:cNvPr>
+          <p:cNvSpPr/>
+          <p:nvPr/>
+        </p:nvSpPr>
+        <p:spPr>
+          <a:xfrm>
+            <a:off x="2626311" y="3913435"/>
+            <a:ext cx="1164455" cy="1073599"/>
+          </a:xfrm>
+          <a:prstGeom prst="ellipse">
+            <a:avLst/>
+          </a:prstGeom>
+        </p:spPr>
+        <p:style>
+          <a:lnRef idx="2">
+            <a:schemeClr val="accent4">
+              <a:shade val="50000"/>
+            </a:schemeClr>
+          </a:lnRef>
+          <a:fillRef idx="1">
+            <a:schemeClr val="accent4"/>
+          </a:fillRef>
+          <a:effectRef idx="0">
+            <a:schemeClr val="accent4"/>
+          </a:effectRef>
+          <a:fontRef idx="minor">
+            <a:schemeClr val="lt1"/>
+          </a:fontRef>
+        </p:style>
+        <p:txBody>
+          <a:bodyPr rtlCol="0" anchor="ctr"/>
+          <a:lstStyle/>
+          <a:p>
+            <a:pPr algn="ctr"/>
+            <a:endParaRPr lang="de-DE"/>
+          </a:p>
+        </p:txBody>
+      </p:sp>
+      <p:sp>
+        <p:nvSpPr>
+          <p:cNvPr id="8" name="Ellipse 7">
+            <a:extLst>
+              <a:ext uri="{FF2B5EF4-FFF2-40B4-BE49-F238E27FC236}">
+                <a16:creationId xmlns:a16="http://schemas.microsoft.com/office/drawing/2014/main" id="{0D129BEB-8341-47B2-86DB-31C26330D41C}"/>
+              </a:ext>
+            </a:extLst>
+          </p:cNvPr>
+          <p:cNvSpPr/>
+          <p:nvPr/>
+        </p:nvSpPr>
+        <p:spPr>
+          <a:xfrm>
+            <a:off x="9072013" y="2384259"/>
+            <a:ext cx="196275" cy="199143"/>
+          </a:xfrm>
+          <a:prstGeom prst="ellipse">
+            <a:avLst/>
+          </a:prstGeom>
+        </p:spPr>
+        <p:style>
+          <a:lnRef idx="2">
+            <a:schemeClr val="accent2">
+              <a:shade val="50000"/>
+            </a:schemeClr>
+          </a:lnRef>
+          <a:fillRef idx="1">
+            <a:schemeClr val="accent2"/>
+          </a:fillRef>
+          <a:effectRef idx="0">
+            <a:schemeClr val="accent2"/>
+          </a:effectRef>
+          <a:fontRef idx="minor">
+            <a:schemeClr val="lt1"/>
+          </a:fontRef>
+        </p:style>
+        <p:txBody>
+          <a:bodyPr rtlCol="0" anchor="ctr"/>
+          <a:lstStyle/>
+          <a:p>
+            <a:pPr algn="ctr"/>
+            <a:endParaRPr lang="de-DE"/>
+          </a:p>
+        </p:txBody>
+      </p:sp>
+      <p:sp>
+        <p:nvSpPr>
+          <p:cNvPr id="5" name="Ellipse 4">
+            <a:extLst>
+              <a:ext uri="{FF2B5EF4-FFF2-40B4-BE49-F238E27FC236}">
+                <a16:creationId xmlns:a16="http://schemas.microsoft.com/office/drawing/2014/main" id="{D02A94BE-24B7-4875-9DF9-7486316010D4}"/>
+              </a:ext>
+            </a:extLst>
+          </p:cNvPr>
+          <p:cNvSpPr/>
+          <p:nvPr/>
+        </p:nvSpPr>
+        <p:spPr>
+          <a:xfrm>
+            <a:off x="1651247" y="3231472"/>
+            <a:ext cx="5548543" cy="2645545"/>
+          </a:xfrm>
+          <a:prstGeom prst="ellipse">
+            <a:avLst/>
+          </a:prstGeom>
+          <a:noFill/>
+        </p:spPr>
+        <p:style>
+          <a:lnRef idx="2">
+            <a:schemeClr val="accent1">
+              <a:shade val="50000"/>
+            </a:schemeClr>
+          </a:lnRef>
+          <a:fillRef idx="1">
+            <a:schemeClr val="accent1"/>
+          </a:fillRef>
+          <a:effectRef idx="0">
+            <a:schemeClr val="accent1"/>
+          </a:effectRef>
+          <a:fontRef idx="minor">
+            <a:schemeClr val="lt1"/>
+          </a:fontRef>
+        </p:style>
+        <p:txBody>
+          <a:bodyPr rtlCol="0" anchor="ctr"/>
+          <a:lstStyle/>
+          <a:p>
+            <a:pPr algn="ctr"/>
+            <a:endParaRPr lang="de-DE"/>
+          </a:p>
+        </p:txBody>
+      </p:sp>
+      <p:sp>
+        <p:nvSpPr>
+          <p:cNvPr id="6" name="Ellipse 5">
+            <a:extLst>
+              <a:ext uri="{FF2B5EF4-FFF2-40B4-BE49-F238E27FC236}">
+                <a16:creationId xmlns:a16="http://schemas.microsoft.com/office/drawing/2014/main" id="{CAAB70A7-5770-4DE1-B099-536204E4C1CE}"/>
+              </a:ext>
+            </a:extLst>
+          </p:cNvPr>
+          <p:cNvSpPr/>
+          <p:nvPr/>
+        </p:nvSpPr>
+        <p:spPr>
+          <a:xfrm rot="20898425">
+            <a:off x="932437" y="2285118"/>
+            <a:ext cx="9150682" cy="3934573"/>
+          </a:xfrm>
+          <a:prstGeom prst="ellipse">
+            <a:avLst/>
+          </a:prstGeom>
+          <a:noFill/>
+          <a:ln>
+            <a:solidFill>
+              <a:schemeClr val="accent2"/>
+            </a:solidFill>
+          </a:ln>
+        </p:spPr>
+        <p:style>
+          <a:lnRef idx="2">
+            <a:schemeClr val="accent1">
+              <a:shade val="50000"/>
+            </a:schemeClr>
+          </a:lnRef>
+          <a:fillRef idx="1">
+            <a:schemeClr val="accent1"/>
+          </a:fillRef>
+          <a:effectRef idx="0">
+            <a:schemeClr val="accent1"/>
+          </a:effectRef>
+          <a:fontRef idx="minor">
+            <a:schemeClr val="lt1"/>
+          </a:fontRef>
+        </p:style>
+        <p:txBody>
+          <a:bodyPr rtlCol="0" anchor="ctr"/>
+          <a:lstStyle/>
+          <a:p>
+            <a:pPr algn="ctr"/>
+            <a:endParaRPr lang="de-DE"/>
+          </a:p>
+        </p:txBody>
+      </p:sp>
+      <p:sp>
+        <p:nvSpPr>
+          <p:cNvPr id="7" name="Ellipse 6">
+            <a:extLst>
+              <a:ext uri="{FF2B5EF4-FFF2-40B4-BE49-F238E27FC236}">
+                <a16:creationId xmlns:a16="http://schemas.microsoft.com/office/drawing/2014/main" id="{1238BC71-FAD5-4D0C-9259-8B6D852331F5}"/>
+              </a:ext>
+            </a:extLst>
+          </p:cNvPr>
+          <p:cNvSpPr/>
+          <p:nvPr/>
+        </p:nvSpPr>
+        <p:spPr>
+          <a:xfrm>
+            <a:off x="6590795" y="4917849"/>
+            <a:ext cx="511342" cy="477007"/>
+          </a:xfrm>
+          <a:prstGeom prst="ellipse">
+            <a:avLst/>
+          </a:prstGeom>
+        </p:spPr>
+        <p:style>
+          <a:lnRef idx="2">
+            <a:schemeClr val="accent1">
+              <a:shade val="50000"/>
+            </a:schemeClr>
+          </a:lnRef>
+          <a:fillRef idx="1">
+            <a:schemeClr val="accent1"/>
+          </a:fillRef>
+          <a:effectRef idx="0">
+            <a:schemeClr val="accent1"/>
+          </a:effectRef>
+          <a:fontRef idx="minor">
+            <a:schemeClr val="lt1"/>
+          </a:fontRef>
+        </p:style>
+        <p:txBody>
+          <a:bodyPr rtlCol="0" anchor="ctr"/>
+          <a:lstStyle/>
+          <a:p>
+            <a:pPr algn="ctr"/>
+            <a:endParaRPr lang="de-DE"/>
+          </a:p>
+        </p:txBody>
+      </p:sp>
+      <p:cxnSp>
+        <p:nvCxnSpPr>
+          <p:cNvPr id="10" name="Gerade Verbindung mit Pfeil 9">
+            <a:extLst>
+              <a:ext uri="{FF2B5EF4-FFF2-40B4-BE49-F238E27FC236}">
+                <a16:creationId xmlns:a16="http://schemas.microsoft.com/office/drawing/2014/main" id="{3E2918D5-3ACB-492E-86A2-202E88A8C3AE}"/>
+              </a:ext>
+            </a:extLst>
+          </p:cNvPr>
+          <p:cNvCxnSpPr/>
+          <p:nvPr/>
+        </p:nvCxnSpPr>
+        <p:spPr>
+          <a:xfrm>
+            <a:off x="3790766" y="4678532"/>
+            <a:ext cx="2734321" cy="390618"/>
+          </a:xfrm>
+          <a:prstGeom prst="straightConnector1">
+            <a:avLst/>
+          </a:prstGeom>
+          <a:ln>
+            <a:tailEnd type="triangle"/>
+          </a:ln>
+        </p:spPr>
+        <p:style>
+          <a:lnRef idx="1">
+            <a:schemeClr val="accent1"/>
+          </a:lnRef>
+          <a:fillRef idx="0">
+            <a:schemeClr val="accent1"/>
+          </a:fillRef>
+          <a:effectRef idx="0">
+            <a:schemeClr val="accent1"/>
+          </a:effectRef>
+          <a:fontRef idx="minor">
+            <a:schemeClr val="tx1"/>
+          </a:fontRef>
+        </p:style>
+      </p:cxnSp>
+      <p:cxnSp>
+        <p:nvCxnSpPr>
+          <p:cNvPr id="12" name="Gerade Verbindung mit Pfeil 11">
+            <a:extLst>
+              <a:ext uri="{FF2B5EF4-FFF2-40B4-BE49-F238E27FC236}">
+                <a16:creationId xmlns:a16="http://schemas.microsoft.com/office/drawing/2014/main" id="{A69ED436-32D7-4DC3-8919-364DAC6AFEE7}"/>
+              </a:ext>
+            </a:extLst>
+          </p:cNvPr>
+          <p:cNvCxnSpPr>
+            <a:cxnSpLocks/>
+          </p:cNvCxnSpPr>
+          <p:nvPr/>
+        </p:nvCxnSpPr>
+        <p:spPr>
+          <a:xfrm flipV="1">
+            <a:off x="3823620" y="2490248"/>
+            <a:ext cx="5248393" cy="1762157"/>
+          </a:xfrm>
+          <a:prstGeom prst="straightConnector1">
+            <a:avLst/>
+          </a:prstGeom>
+          <a:ln>
+            <a:tailEnd type="triangle"/>
+          </a:ln>
+        </p:spPr>
+        <p:style>
+          <a:lnRef idx="1">
+            <a:schemeClr val="accent1"/>
+          </a:lnRef>
+          <a:fillRef idx="0">
+            <a:schemeClr val="accent1"/>
+          </a:fillRef>
+          <a:effectRef idx="0">
+            <a:schemeClr val="accent1"/>
+          </a:effectRef>
+          <a:fontRef idx="minor">
+            <a:schemeClr val="tx1"/>
+          </a:fontRef>
+        </p:style>
+      </p:cxnSp>
+      <p:cxnSp>
+        <p:nvCxnSpPr>
+          <p:cNvPr id="14" name="Gerade Verbindung mit Pfeil 13">
+            <a:extLst>
+              <a:ext uri="{FF2B5EF4-FFF2-40B4-BE49-F238E27FC236}">
+                <a16:creationId xmlns:a16="http://schemas.microsoft.com/office/drawing/2014/main" id="{258B7A9A-005B-4225-9CA0-9C83FBF13614}"/>
+              </a:ext>
+            </a:extLst>
+          </p:cNvPr>
+          <p:cNvCxnSpPr>
+            <a:cxnSpLocks/>
+          </p:cNvCxnSpPr>
+          <p:nvPr/>
+        </p:nvCxnSpPr>
+        <p:spPr>
+          <a:xfrm flipH="1">
+            <a:off x="6986728" y="2583402"/>
+            <a:ext cx="2118139" cy="2334447"/>
+          </a:xfrm>
+          <a:prstGeom prst="straightConnector1">
+            <a:avLst/>
+          </a:prstGeom>
+          <a:ln>
+            <a:tailEnd type="triangle"/>
+          </a:ln>
+        </p:spPr>
+        <p:style>
+          <a:lnRef idx="1">
+            <a:schemeClr val="accent1"/>
+          </a:lnRef>
+          <a:fillRef idx="0">
+            <a:schemeClr val="accent1"/>
+          </a:fillRef>
+          <a:effectRef idx="0">
+            <a:schemeClr val="accent1"/>
+          </a:effectRef>
+          <a:fontRef idx="minor">
+            <a:schemeClr val="tx1"/>
+          </a:fontRef>
+        </p:style>
+      </p:cxnSp>
+      <p:sp>
+        <p:nvSpPr>
+          <p:cNvPr id="23" name="Ellipse 22">
+            <a:extLst>
+              <a:ext uri="{FF2B5EF4-FFF2-40B4-BE49-F238E27FC236}">
+                <a16:creationId xmlns:a16="http://schemas.microsoft.com/office/drawing/2014/main" id="{21046CEE-8457-4D3D-BA82-476036D3B07A}"/>
+              </a:ext>
+            </a:extLst>
+          </p:cNvPr>
+          <p:cNvSpPr/>
+          <p:nvPr/>
+        </p:nvSpPr>
+        <p:spPr>
+          <a:xfrm>
+            <a:off x="1434561" y="3107185"/>
+            <a:ext cx="6413300" cy="2858609"/>
+          </a:xfrm>
+          <a:prstGeom prst="ellipse">
+            <a:avLst/>
+          </a:prstGeom>
+          <a:noFill/>
+        </p:spPr>
+        <p:style>
+          <a:lnRef idx="2">
+            <a:schemeClr val="accent1">
+              <a:shade val="50000"/>
+            </a:schemeClr>
+          </a:lnRef>
+          <a:fillRef idx="1">
+            <a:schemeClr val="accent1"/>
+          </a:fillRef>
+          <a:effectRef idx="0">
+            <a:schemeClr val="accent1"/>
+          </a:effectRef>
+          <a:fontRef idx="minor">
+            <a:schemeClr val="lt1"/>
+          </a:fontRef>
+        </p:style>
+        <p:txBody>
+          <a:bodyPr rtlCol="0" anchor="ctr"/>
+          <a:lstStyle/>
+          <a:p>
+            <a:pPr algn="ctr"/>
+            <a:endParaRPr lang="de-DE"/>
+          </a:p>
+        </p:txBody>
+      </p:sp>
+      <p:sp>
+        <p:nvSpPr>
+          <p:cNvPr id="24" name="Ellipse 23">
+            <a:extLst>
+              <a:ext uri="{FF2B5EF4-FFF2-40B4-BE49-F238E27FC236}">
+                <a16:creationId xmlns:a16="http://schemas.microsoft.com/office/drawing/2014/main" id="{223CA4F5-9B54-4FB9-B0FF-005EABD504E1}"/>
+              </a:ext>
+            </a:extLst>
+          </p:cNvPr>
+          <p:cNvSpPr/>
+          <p:nvPr/>
+        </p:nvSpPr>
+        <p:spPr>
+          <a:xfrm>
+            <a:off x="7219298" y="4964625"/>
+            <a:ext cx="511342" cy="477007"/>
+          </a:xfrm>
+          <a:prstGeom prst="ellipse">
+            <a:avLst/>
+          </a:prstGeom>
+        </p:spPr>
+        <p:style>
+          <a:lnRef idx="2">
+            <a:schemeClr val="accent1">
+              <a:shade val="50000"/>
+            </a:schemeClr>
+          </a:lnRef>
+          <a:fillRef idx="1">
+            <a:schemeClr val="accent1"/>
+          </a:fillRef>
+          <a:effectRef idx="0">
+            <a:schemeClr val="accent1"/>
+          </a:effectRef>
+          <a:fontRef idx="minor">
+            <a:schemeClr val="lt1"/>
+          </a:fontRef>
+        </p:style>
+        <p:txBody>
+          <a:bodyPr rtlCol="0" anchor="ctr"/>
+          <a:lstStyle/>
+          <a:p>
+            <a:pPr algn="ctr"/>
+            <a:endParaRPr lang="de-DE"/>
+          </a:p>
+        </p:txBody>
+      </p:sp>
+      <p:cxnSp>
+        <p:nvCxnSpPr>
+          <p:cNvPr id="25" name="Gerade Verbindung mit Pfeil 24">
+            <a:extLst>
+              <a:ext uri="{FF2B5EF4-FFF2-40B4-BE49-F238E27FC236}">
+                <a16:creationId xmlns:a16="http://schemas.microsoft.com/office/drawing/2014/main" id="{5C4D31FA-7F7B-4C6A-A211-BA8618A032D5}"/>
+              </a:ext>
+            </a:extLst>
+          </p:cNvPr>
+          <p:cNvCxnSpPr>
+            <a:cxnSpLocks/>
+            <a:stCxn id="8" idx="3"/>
+            <a:endCxn id="24" idx="7"/>
+          </p:cNvCxnSpPr>
+          <p:nvPr/>
+        </p:nvCxnSpPr>
+        <p:spPr>
+          <a:xfrm flipH="1">
+            <a:off x="7655756" y="2554238"/>
+            <a:ext cx="1445001" cy="2480243"/>
+          </a:xfrm>
+          <a:prstGeom prst="straightConnector1">
+            <a:avLst/>
+          </a:prstGeom>
+          <a:ln>
+            <a:tailEnd type="triangle"/>
+          </a:ln>
+        </p:spPr>
+        <p:style>
+          <a:lnRef idx="1">
+            <a:schemeClr val="accent1"/>
+          </a:lnRef>
+          <a:fillRef idx="0">
+            <a:schemeClr val="accent1"/>
+          </a:fillRef>
+          <a:effectRef idx="0">
+            <a:schemeClr val="accent1"/>
+          </a:effectRef>
+          <a:fontRef idx="minor">
+            <a:schemeClr val="tx1"/>
+          </a:fontRef>
+        </p:style>
+      </p:cxnSp>
+      <p:cxnSp>
+        <p:nvCxnSpPr>
+          <p:cNvPr id="28" name="Gerade Verbindung mit Pfeil 27">
+            <a:extLst>
+              <a:ext uri="{FF2B5EF4-FFF2-40B4-BE49-F238E27FC236}">
+                <a16:creationId xmlns:a16="http://schemas.microsoft.com/office/drawing/2014/main" id="{527C4CDB-6136-441F-884F-F087DDF07F94}"/>
+              </a:ext>
+            </a:extLst>
+          </p:cNvPr>
+          <p:cNvCxnSpPr>
+            <a:cxnSpLocks/>
+            <a:endCxn id="24" idx="2"/>
+          </p:cNvCxnSpPr>
+          <p:nvPr/>
+        </p:nvCxnSpPr>
+        <p:spPr>
+          <a:xfrm>
+            <a:off x="3748131" y="4680540"/>
+            <a:ext cx="3471167" cy="522589"/>
+          </a:xfrm>
+          <a:prstGeom prst="straightConnector1">
+            <a:avLst/>
+          </a:prstGeom>
+          <a:ln>
+            <a:tailEnd type="triangle"/>
+          </a:ln>
+        </p:spPr>
+        <p:style>
+          <a:lnRef idx="1">
+            <a:schemeClr val="accent1"/>
+          </a:lnRef>
+          <a:fillRef idx="0">
+            <a:schemeClr val="accent1"/>
+          </a:fillRef>
+          <a:effectRef idx="0">
+            <a:schemeClr val="accent1"/>
+          </a:effectRef>
+          <a:fontRef idx="minor">
+            <a:schemeClr val="tx1"/>
+          </a:fontRef>
+        </p:style>
+      </p:cxnSp>
+      <p:sp>
+        <p:nvSpPr>
+          <p:cNvPr id="27" name="Textfeld 26">
+            <a:extLst>
+              <a:ext uri="{FF2B5EF4-FFF2-40B4-BE49-F238E27FC236}">
+                <a16:creationId xmlns:a16="http://schemas.microsoft.com/office/drawing/2014/main" id="{E9EE9A81-57E3-4E4E-AC87-89806A07645A}"/>
+              </a:ext>
+            </a:extLst>
+          </p:cNvPr>
+          <p:cNvSpPr txBox="1"/>
+          <p:nvPr/>
+        </p:nvSpPr>
+        <p:spPr>
+          <a:xfrm>
+            <a:off x="4586796" y="363900"/>
+            <a:ext cx="3018407" cy="369332"/>
+          </a:xfrm>
+          <a:prstGeom prst="rect">
+            <a:avLst/>
+          </a:prstGeom>
+          <a:noFill/>
+        </p:spPr>
+        <p:txBody>
+          <a:bodyPr wrap="square" rtlCol="0">
+            <a:spAutoFit/>
+          </a:bodyPr>
+          <a:lstStyle/>
+          <a:p>
+            <a:pPr algn="ctr"/>
+            <a:r>
+              <a:rPr lang="de-DE" dirty="0"/>
+              <a:t>Das N-Körperproblem</a:t>
+            </a:r>
+          </a:p>
+        </p:txBody>
+      </p:sp>
+    </p:spTree>
+    <p:extLst>
+      <p:ext uri="{BB962C8B-B14F-4D97-AF65-F5344CB8AC3E}">
+        <p14:creationId xmlns:p14="http://schemas.microsoft.com/office/powerpoint/2010/main" val="1175387488"/>
+      </p:ext>
+    </p:extLst>
+  </p:cSld>
+  <p:clrMapOvr>
+    <a:masterClrMapping/>
+  </p:clrMapOvr>
+  <p:timing>
+    <p:tnLst>
+      <p:par>
+        <p:cTn id="1" dur="indefinite" restart="never" nodeType="tmRoot">
+          <p:childTnLst>
+            <p:seq concurrent="1" nextAc="seek">
+              <p:cTn id="2" dur="indefinite" nodeType="mainSeq">
+                <p:childTnLst>
+                  <p:par>
+                    <p:cTn id="3" fill="hold">
+                      <p:stCondLst>
+                        <p:cond delay="indefinite"/>
+                      </p:stCondLst>
+                      <p:childTnLst>
+                        <p:par>
+                          <p:cTn id="4" fill="hold">
+                            <p:stCondLst>
+                              <p:cond delay="0"/>
+                            </p:stCondLst>
+                            <p:childTnLst>
+                              <p:par>
+                                <p:cTn id="5" presetID="1" presetClass="entr" presetSubtype="0" fill="hold" grpId="0" nodeType="clickEffect">
+                                  <p:stCondLst>
+                                    <p:cond delay="0"/>
+                                  </p:stCondLst>
+                                  <p:childTnLst>
+                                    <p:set>
+                                      <p:cBhvr>
+                                        <p:cTn id="6" dur="1" fill="hold">
+                                          <p:stCondLst>
+                                            <p:cond delay="0"/>
+                                          </p:stCondLst>
+                                        </p:cTn>
+                                        <p:tgtEl>
+                                          <p:spTgt spid="4"/>
+                                        </p:tgtEl>
+                                        <p:attrNameLst>
+                                          <p:attrName>style.visibility</p:attrName>
+                                        </p:attrNameLst>
+                                      </p:cBhvr>
+                                      <p:to>
+                                        <p:strVal val="visible"/>
+                                      </p:to>
+                                    </p:set>
+                                  </p:childTnLst>
+                                </p:cTn>
+                              </p:par>
+                            </p:childTnLst>
+                          </p:cTn>
+                        </p:par>
+                      </p:childTnLst>
+                    </p:cTn>
+                  </p:par>
+                  <p:par>
+                    <p:cTn id="7" fill="hold">
+                      <p:stCondLst>
+                        <p:cond delay="indefinite"/>
+                      </p:stCondLst>
+                      <p:childTnLst>
+                        <p:par>
+                          <p:cTn id="8" fill="hold">
+                            <p:stCondLst>
+                              <p:cond delay="0"/>
+                            </p:stCondLst>
+                            <p:childTnLst>
+                              <p:par>
+                                <p:cTn id="9" presetID="1" presetClass="entr" presetSubtype="0" fill="hold" grpId="0" nodeType="clickEffect">
+                                  <p:stCondLst>
+                                    <p:cond delay="0"/>
+                                  </p:stCondLst>
+                                  <p:childTnLst>
+                                    <p:set>
+                                      <p:cBhvr>
+                                        <p:cTn id="10" dur="1" fill="hold">
+                                          <p:stCondLst>
+                                            <p:cond delay="0"/>
+                                          </p:stCondLst>
+                                        </p:cTn>
+                                        <p:tgtEl>
+                                          <p:spTgt spid="7"/>
+                                        </p:tgtEl>
+                                        <p:attrNameLst>
+                                          <p:attrName>style.visibility</p:attrName>
+                                        </p:attrNameLst>
+                                      </p:cBhvr>
+                                      <p:to>
+                                        <p:strVal val="visible"/>
+                                      </p:to>
+                                    </p:set>
+                                  </p:childTnLst>
+                                </p:cTn>
+                              </p:par>
+                            </p:childTnLst>
+                          </p:cTn>
+                        </p:par>
+                      </p:childTnLst>
+                    </p:cTn>
+                  </p:par>
+                  <p:par>
+                    <p:cTn id="11" fill="hold">
+                      <p:stCondLst>
+                        <p:cond delay="indefinite"/>
+                      </p:stCondLst>
+                      <p:childTnLst>
+                        <p:par>
+                          <p:cTn id="12" fill="hold">
+                            <p:stCondLst>
+                              <p:cond delay="0"/>
+                            </p:stCondLst>
+                            <p:childTnLst>
+                              <p:par>
+                                <p:cTn id="13" presetID="1" presetClass="entr" presetSubtype="0" fill="hold" grpId="0" nodeType="clickEffect">
+                                  <p:stCondLst>
+                                    <p:cond delay="0"/>
+                                  </p:stCondLst>
+                                  <p:childTnLst>
+                                    <p:set>
+                                      <p:cBhvr>
+                                        <p:cTn id="14" dur="1" fill="hold">
+                                          <p:stCondLst>
+                                            <p:cond delay="0"/>
+                                          </p:stCondLst>
+                                        </p:cTn>
+                                        <p:tgtEl>
+                                          <p:spTgt spid="8"/>
+                                        </p:tgtEl>
+                                        <p:attrNameLst>
+                                          <p:attrName>style.visibility</p:attrName>
+                                        </p:attrNameLst>
+                                      </p:cBhvr>
+                                      <p:to>
+                                        <p:strVal val="visible"/>
+                                      </p:to>
+                                    </p:set>
+                                  </p:childTnLst>
+                                </p:cTn>
+                              </p:par>
+                            </p:childTnLst>
+                          </p:cTn>
+                        </p:par>
+                      </p:childTnLst>
+                    </p:cTn>
+                  </p:par>
+                  <p:par>
+                    <p:cTn id="15" fill="hold">
+                      <p:stCondLst>
+                        <p:cond delay="indefinite"/>
+                      </p:stCondLst>
+                      <p:childTnLst>
+                        <p:par>
+                          <p:cTn id="16" fill="hold">
+                            <p:stCondLst>
+                              <p:cond delay="0"/>
+                            </p:stCondLst>
+                            <p:childTnLst>
+                              <p:par>
+                                <p:cTn id="17" presetID="1" presetClass="entr" presetSubtype="0" fill="hold" grpId="0" nodeType="clickEffect">
+                                  <p:stCondLst>
+                                    <p:cond delay="0"/>
+                                  </p:stCondLst>
+                                  <p:childTnLst>
+                                    <p:set>
+                                      <p:cBhvr>
+                                        <p:cTn id="18" dur="1" fill="hold">
+                                          <p:stCondLst>
+                                            <p:cond delay="0"/>
+                                          </p:stCondLst>
+                                        </p:cTn>
+                                        <p:tgtEl>
+                                          <p:spTgt spid="5"/>
+                                        </p:tgtEl>
+                                        <p:attrNameLst>
+                                          <p:attrName>style.visibility</p:attrName>
+                                        </p:attrNameLst>
+                                      </p:cBhvr>
+                                      <p:to>
+                                        <p:strVal val="visible"/>
+                                      </p:to>
+                                    </p:set>
+                                  </p:childTnLst>
+                                </p:cTn>
+                              </p:par>
+                            </p:childTnLst>
+                          </p:cTn>
+                        </p:par>
+                      </p:childTnLst>
+                    </p:cTn>
+                  </p:par>
+                  <p:par>
+                    <p:cTn id="19" fill="hold">
+                      <p:stCondLst>
+                        <p:cond delay="indefinite"/>
+                      </p:stCondLst>
+                      <p:childTnLst>
+                        <p:par>
+                          <p:cTn id="20" fill="hold">
+                            <p:stCondLst>
+                              <p:cond delay="0"/>
+                            </p:stCondLst>
+                            <p:childTnLst>
+                              <p:par>
+                                <p:cTn id="21" presetID="1" presetClass="entr" presetSubtype="0" fill="hold" grpId="0" nodeType="clickEffect">
+                                  <p:stCondLst>
+                                    <p:cond delay="0"/>
+                                  </p:stCondLst>
+                                  <p:childTnLst>
+                                    <p:set>
+                                      <p:cBhvr>
+                                        <p:cTn id="22" dur="1" fill="hold">
+                                          <p:stCondLst>
+                                            <p:cond delay="0"/>
+                                          </p:stCondLst>
+                                        </p:cTn>
+                                        <p:tgtEl>
+                                          <p:spTgt spid="6"/>
+                                        </p:tgtEl>
+                                        <p:attrNameLst>
+                                          <p:attrName>style.visibility</p:attrName>
+                                        </p:attrNameLst>
+                                      </p:cBhvr>
+                                      <p:to>
+                                        <p:strVal val="visible"/>
+                                      </p:to>
+                                    </p:set>
+                                  </p:childTnLst>
+                                </p:cTn>
+                              </p:par>
+                            </p:childTnLst>
+                          </p:cTn>
+                        </p:par>
+                      </p:childTnLst>
+                    </p:cTn>
+                  </p:par>
+                  <p:par>
+                    <p:cTn id="23" fill="hold">
+                      <p:stCondLst>
+                        <p:cond delay="indefinite"/>
+                      </p:stCondLst>
+                      <p:childTnLst>
+                        <p:par>
+                          <p:cTn id="24" fill="hold">
+                            <p:stCondLst>
+                              <p:cond delay="0"/>
+                            </p:stCondLst>
+                            <p:childTnLst>
+                              <p:par>
+                                <p:cTn id="25" presetID="1" presetClass="entr" presetSubtype="0" fill="hold" nodeType="clickEffect">
+                                  <p:stCondLst>
+                                    <p:cond delay="0"/>
+                                  </p:stCondLst>
+                                  <p:childTnLst>
+                                    <p:set>
+                                      <p:cBhvr>
+                                        <p:cTn id="26" dur="1" fill="hold">
+                                          <p:stCondLst>
+                                            <p:cond delay="0"/>
+                                          </p:stCondLst>
+                                        </p:cTn>
+                                        <p:tgtEl>
+                                          <p:spTgt spid="10"/>
+                                        </p:tgtEl>
+                                        <p:attrNameLst>
+                                          <p:attrName>style.visibility</p:attrName>
+                                        </p:attrNameLst>
+                                      </p:cBhvr>
+                                      <p:to>
+                                        <p:strVal val="visible"/>
+                                      </p:to>
+                                    </p:set>
+                                  </p:childTnLst>
+                                </p:cTn>
+                              </p:par>
+                            </p:childTnLst>
+                          </p:cTn>
+                        </p:par>
+                      </p:childTnLst>
+                    </p:cTn>
+                  </p:par>
+                  <p:par>
+                    <p:cTn id="27" fill="hold">
+                      <p:stCondLst>
+                        <p:cond delay="indefinite"/>
+                      </p:stCondLst>
+                      <p:childTnLst>
+                        <p:par>
+                          <p:cTn id="28" fill="hold">
+                            <p:stCondLst>
+                              <p:cond delay="0"/>
+                            </p:stCondLst>
+                            <p:childTnLst>
+                              <p:par>
+                                <p:cTn id="29" presetID="1" presetClass="entr" presetSubtype="0" fill="hold" nodeType="clickEffect">
+                                  <p:stCondLst>
+                                    <p:cond delay="0"/>
+                                  </p:stCondLst>
+                                  <p:childTnLst>
+                                    <p:set>
+                                      <p:cBhvr>
+                                        <p:cTn id="30" dur="1" fill="hold">
+                                          <p:stCondLst>
+                                            <p:cond delay="0"/>
+                                          </p:stCondLst>
+                                        </p:cTn>
+                                        <p:tgtEl>
+                                          <p:spTgt spid="12"/>
+                                        </p:tgtEl>
+                                        <p:attrNameLst>
+                                          <p:attrName>style.visibility</p:attrName>
+                                        </p:attrNameLst>
+                                      </p:cBhvr>
+                                      <p:to>
+                                        <p:strVal val="visible"/>
+                                      </p:to>
+                                    </p:set>
+                                  </p:childTnLst>
+                                </p:cTn>
+                              </p:par>
+                            </p:childTnLst>
+                          </p:cTn>
+                        </p:par>
+                      </p:childTnLst>
+                    </p:cTn>
+                  </p:par>
+                  <p:par>
+                    <p:cTn id="31" fill="hold">
+                      <p:stCondLst>
+                        <p:cond delay="indefinite"/>
+                      </p:stCondLst>
+                      <p:childTnLst>
+                        <p:par>
+                          <p:cTn id="32" fill="hold">
+                            <p:stCondLst>
+                              <p:cond delay="0"/>
+                            </p:stCondLst>
+                            <p:childTnLst>
+                              <p:par>
+                                <p:cTn id="33" presetID="1" presetClass="entr" presetSubtype="0" fill="hold" nodeType="clickEffect">
+                                  <p:stCondLst>
+                                    <p:cond delay="0"/>
+                                  </p:stCondLst>
+                                  <p:childTnLst>
+                                    <p:set>
+                                      <p:cBhvr>
+                                        <p:cTn id="34" dur="1" fill="hold">
+                                          <p:stCondLst>
+                                            <p:cond delay="0"/>
+                                          </p:stCondLst>
+                                        </p:cTn>
+                                        <p:tgtEl>
+                                          <p:spTgt spid="14"/>
+                                        </p:tgtEl>
+                                        <p:attrNameLst>
+                                          <p:attrName>style.visibility</p:attrName>
+                                        </p:attrNameLst>
+                                      </p:cBhvr>
+                                      <p:to>
+                                        <p:strVal val="visible"/>
+                                      </p:to>
+                                    </p:set>
+                                  </p:childTnLst>
+                                </p:cTn>
+                              </p:par>
+                            </p:childTnLst>
+                          </p:cTn>
+                        </p:par>
+                      </p:childTnLst>
+                    </p:cTn>
+                  </p:par>
+                  <p:par>
+                    <p:cTn id="35" fill="hold">
+                      <p:stCondLst>
+                        <p:cond delay="indefinite"/>
+                      </p:stCondLst>
+                      <p:childTnLst>
+                        <p:par>
+                          <p:cTn id="36" fill="hold">
+                            <p:stCondLst>
+                              <p:cond delay="0"/>
+                            </p:stCondLst>
+                            <p:childTnLst>
+                              <p:par>
+                                <p:cTn id="37" presetID="1" presetClass="exit" presetSubtype="0" fill="hold" grpId="1" nodeType="clickEffect">
+                                  <p:stCondLst>
+                                    <p:cond delay="0"/>
+                                  </p:stCondLst>
+                                  <p:childTnLst>
+                                    <p:set>
+                                      <p:cBhvr>
+                                        <p:cTn id="38" dur="1" fill="hold">
+                                          <p:stCondLst>
+                                            <p:cond delay="0"/>
+                                          </p:stCondLst>
+                                        </p:cTn>
+                                        <p:tgtEl>
+                                          <p:spTgt spid="5"/>
+                                        </p:tgtEl>
+                                        <p:attrNameLst>
+                                          <p:attrName>style.visibility</p:attrName>
+                                        </p:attrNameLst>
+                                      </p:cBhvr>
+                                      <p:to>
+                                        <p:strVal val="hidden"/>
+                                      </p:to>
+                                    </p:set>
+                                  </p:childTnLst>
+                                </p:cTn>
+                              </p:par>
+                              <p:par>
+                                <p:cTn id="39" presetID="1" presetClass="exit" presetSubtype="0" fill="hold" grpId="1" nodeType="withEffect">
+                                  <p:stCondLst>
+                                    <p:cond delay="0"/>
+                                  </p:stCondLst>
+                                  <p:childTnLst>
+                                    <p:set>
+                                      <p:cBhvr>
+                                        <p:cTn id="40" dur="1" fill="hold">
+                                          <p:stCondLst>
+                                            <p:cond delay="0"/>
+                                          </p:stCondLst>
+                                        </p:cTn>
+                                        <p:tgtEl>
+                                          <p:spTgt spid="7"/>
+                                        </p:tgtEl>
+                                        <p:attrNameLst>
+                                          <p:attrName>style.visibility</p:attrName>
+                                        </p:attrNameLst>
+                                      </p:cBhvr>
+                                      <p:to>
+                                        <p:strVal val="hidden"/>
+                                      </p:to>
+                                    </p:set>
+                                  </p:childTnLst>
+                                </p:cTn>
+                              </p:par>
+                              <p:par>
+                                <p:cTn id="41" presetID="1" presetClass="exit" presetSubtype="0" fill="hold" nodeType="withEffect">
+                                  <p:stCondLst>
+                                    <p:cond delay="0"/>
+                                  </p:stCondLst>
+                                  <p:childTnLst>
+                                    <p:set>
+                                      <p:cBhvr>
+                                        <p:cTn id="42" dur="1" fill="hold">
+                                          <p:stCondLst>
+                                            <p:cond delay="0"/>
+                                          </p:stCondLst>
+                                        </p:cTn>
+                                        <p:tgtEl>
+                                          <p:spTgt spid="14"/>
+                                        </p:tgtEl>
+                                        <p:attrNameLst>
+                                          <p:attrName>style.visibility</p:attrName>
+                                        </p:attrNameLst>
+                                      </p:cBhvr>
+                                      <p:to>
+                                        <p:strVal val="hidden"/>
+                                      </p:to>
+                                    </p:set>
+                                  </p:childTnLst>
+                                </p:cTn>
+                              </p:par>
+                              <p:par>
+                                <p:cTn id="43" presetID="1" presetClass="exit" presetSubtype="0" fill="hold" nodeType="withEffect">
+                                  <p:stCondLst>
+                                    <p:cond delay="0"/>
+                                  </p:stCondLst>
+                                  <p:childTnLst>
+                                    <p:set>
+                                      <p:cBhvr>
+                                        <p:cTn id="44" dur="1" fill="hold">
+                                          <p:stCondLst>
+                                            <p:cond delay="0"/>
+                                          </p:stCondLst>
+                                        </p:cTn>
+                                        <p:tgtEl>
+                                          <p:spTgt spid="10"/>
+                                        </p:tgtEl>
+                                        <p:attrNameLst>
+                                          <p:attrName>style.visibility</p:attrName>
+                                        </p:attrNameLst>
+                                      </p:cBhvr>
+                                      <p:to>
+                                        <p:strVal val="hidden"/>
+                                      </p:to>
+                                    </p:set>
+                                  </p:childTnLst>
+                                </p:cTn>
+                              </p:par>
+                              <p:par>
+                                <p:cTn id="45" presetID="1" presetClass="entr" presetSubtype="0" fill="hold" grpId="0" nodeType="withEffect">
+                                  <p:stCondLst>
+                                    <p:cond delay="0"/>
+                                  </p:stCondLst>
+                                  <p:childTnLst>
+                                    <p:set>
+                                      <p:cBhvr>
+                                        <p:cTn id="46" dur="1" fill="hold">
+                                          <p:stCondLst>
+                                            <p:cond delay="0"/>
+                                          </p:stCondLst>
+                                        </p:cTn>
+                                        <p:tgtEl>
+                                          <p:spTgt spid="24"/>
+                                        </p:tgtEl>
+                                        <p:attrNameLst>
+                                          <p:attrName>style.visibility</p:attrName>
+                                        </p:attrNameLst>
+                                      </p:cBhvr>
+                                      <p:to>
+                                        <p:strVal val="visible"/>
+                                      </p:to>
+                                    </p:set>
+                                  </p:childTnLst>
+                                </p:cTn>
+                              </p:par>
+                              <p:par>
+                                <p:cTn id="47" presetID="1" presetClass="entr" presetSubtype="0" fill="hold" grpId="0" nodeType="withEffect">
+                                  <p:stCondLst>
+                                    <p:cond delay="0"/>
+                                  </p:stCondLst>
+                                  <p:childTnLst>
+                                    <p:set>
+                                      <p:cBhvr>
+                                        <p:cTn id="48" dur="1" fill="hold">
+                                          <p:stCondLst>
+                                            <p:cond delay="0"/>
+                                          </p:stCondLst>
+                                        </p:cTn>
+                                        <p:tgtEl>
+                                          <p:spTgt spid="23"/>
+                                        </p:tgtEl>
+                                        <p:attrNameLst>
+                                          <p:attrName>style.visibility</p:attrName>
+                                        </p:attrNameLst>
+                                      </p:cBhvr>
+                                      <p:to>
+                                        <p:strVal val="visible"/>
+                                      </p:to>
+                                    </p:set>
+                                  </p:childTnLst>
+                                </p:cTn>
+                              </p:par>
+                              <p:par>
+                                <p:cTn id="49" presetID="1" presetClass="entr" presetSubtype="0" fill="hold" nodeType="withEffect">
+                                  <p:stCondLst>
+                                    <p:cond delay="0"/>
+                                  </p:stCondLst>
+                                  <p:childTnLst>
+                                    <p:set>
+                                      <p:cBhvr>
+                                        <p:cTn id="50" dur="1" fill="hold">
+                                          <p:stCondLst>
+                                            <p:cond delay="0"/>
+                                          </p:stCondLst>
+                                        </p:cTn>
+                                        <p:tgtEl>
+                                          <p:spTgt spid="25"/>
+                                        </p:tgtEl>
+                                        <p:attrNameLst>
+                                          <p:attrName>style.visibility</p:attrName>
+                                        </p:attrNameLst>
+                                      </p:cBhvr>
+                                      <p:to>
+                                        <p:strVal val="visible"/>
+                                      </p:to>
+                                    </p:set>
+                                  </p:childTnLst>
+                                </p:cTn>
+                              </p:par>
+                              <p:par>
+                                <p:cTn id="51" presetID="1" presetClass="entr" presetSubtype="0" fill="hold" nodeType="withEffect">
+                                  <p:stCondLst>
+                                    <p:cond delay="0"/>
+                                  </p:stCondLst>
+                                  <p:childTnLst>
+                                    <p:set>
+                                      <p:cBhvr>
+                                        <p:cTn id="52" dur="1" fill="hold">
+                                          <p:stCondLst>
+                                            <p:cond delay="0"/>
+                                          </p:stCondLst>
+                                        </p:cTn>
+                                        <p:tgtEl>
+                                          <p:spTgt spid="28"/>
+                                        </p:tgtEl>
+                                        <p:attrNameLst>
+                                          <p:attrName>style.visibility</p:attrName>
+                                        </p:attrNameLst>
+                                      </p:cBhvr>
+                                      <p:to>
+                                        <p:strVal val="visible"/>
+                                      </p:to>
+                                    </p:set>
+                                  </p:childTnLst>
+                                </p:cTn>
+                              </p:par>
+                            </p:childTnLst>
+                          </p:cTn>
+                        </p:par>
+                      </p:childTnLst>
+                    </p:cTn>
+                  </p:par>
+                </p:childTnLst>
+              </p:cTn>
+              <p:prevCondLst>
+                <p:cond evt="onPrev" delay="0">
+                  <p:tgtEl>
+                    <p:sldTgt/>
+                  </p:tgtEl>
+                </p:cond>
+              </p:prevCondLst>
+              <p:nextCondLst>
+                <p:cond evt="onNext" delay="0">
+                  <p:tgtEl>
+                    <p:sldTgt/>
+                  </p:tgtEl>
+                </p:cond>
+              </p:nextCondLst>
+            </p:seq>
+          </p:childTnLst>
+        </p:cTn>
+      </p:par>
+    </p:tnLst>
+    <p:bldLst>
+      <p:bldP spid="4" grpId="0" animBg="1"/>
+      <p:bldP spid="8" grpId="0" animBg="1"/>
+      <p:bldP spid="5" grpId="0" animBg="1"/>
+      <p:bldP spid="5" grpId="1" animBg="1"/>
+      <p:bldP spid="6" grpId="0" animBg="1"/>
+      <p:bldP spid="7" grpId="0" animBg="1"/>
+      <p:bldP spid="7" grpId="1" animBg="1"/>
+      <p:bldP spid="23" grpId="0" animBg="1"/>
+      <p:bldP spid="24" grpId="0" animBg="1"/>
+    </p:bldLst>
+  </p:timing>
+</p:sld>
+</file>
+
+<file path=ppt/slides/slide22.xml><?xml version="1.0" encoding="utf-8"?>
+<p:sld xmlns:a="http://schemas.openxmlformats.org/drawingml/2006/main" xmlns:r="http://schemas.openxmlformats.org/officeDocument/2006/relationships" xmlns:p="http://schemas.openxmlformats.org/presentationml/2006/main">
+  <p:cSld>
+    <p:spTree>
+      <p:nvGrpSpPr>
+        <p:cNvPr id="1" name=""/>
+        <p:cNvGrpSpPr/>
+        <p:nvPr/>
+      </p:nvGrpSpPr>
+      <p:grpSpPr>
+        <a:xfrm>
+          <a:off x="0" y="0"/>
+          <a:ext cx="0" cy="0"/>
+          <a:chOff x="0" y="0"/>
+          <a:chExt cx="0" cy="0"/>
+        </a:xfrm>
+      </p:grpSpPr>
+      <p:sp>
+        <p:nvSpPr>
+          <p:cNvPr id="2" name="Titel 1">
+            <a:extLst>
+              <a:ext uri="{FF2B5EF4-FFF2-40B4-BE49-F238E27FC236}">
+                <a16:creationId xmlns:a16="http://schemas.microsoft.com/office/drawing/2014/main" id="{3D758F7E-CADC-4CFA-842E-2FE3EE11029B}"/>
+              </a:ext>
+            </a:extLst>
+          </p:cNvPr>
+          <p:cNvSpPr>
+            <a:spLocks noGrp="1"/>
+          </p:cNvSpPr>
+          <p:nvPr>
+            <p:ph type="title"/>
+          </p:nvPr>
+        </p:nvSpPr>
+        <p:spPr/>
+        <p:txBody>
+          <a:bodyPr/>
+          <a:lstStyle/>
+          <a:p>
+            <a:r>
+              <a:rPr lang="de-DE" dirty="0"/>
+              <a:t>Numerische Integration</a:t>
+            </a:r>
+          </a:p>
+        </p:txBody>
+      </p:sp>
+      <mc:AlternateContent xmlns:mc="http://schemas.openxmlformats.org/markup-compatibility/2006" xmlns:a14="http://schemas.microsoft.com/office/drawing/2010/main">
+        <mc:Choice Requires="a14">
+          <p:sp>
+            <p:nvSpPr>
+              <p:cNvPr id="4" name="Textfeld 3">
+                <a:extLst>
+                  <a:ext uri="{FF2B5EF4-FFF2-40B4-BE49-F238E27FC236}">
+                    <a16:creationId xmlns:a16="http://schemas.microsoft.com/office/drawing/2014/main" id="{2278AFD7-98DB-4CB0-902E-1AE8508923B8}"/>
+                  </a:ext>
+                </a:extLst>
+              </p:cNvPr>
+              <p:cNvSpPr txBox="1"/>
+              <p:nvPr/>
+            </p:nvSpPr>
+            <p:spPr>
+              <a:xfrm>
+                <a:off x="1003178" y="2523023"/>
+                <a:ext cx="1216240" cy="369332"/>
+              </a:xfrm>
+              <a:prstGeom prst="rect">
+                <a:avLst/>
+              </a:prstGeom>
+              <a:noFill/>
+            </p:spPr>
+            <p:txBody>
+              <a:bodyPr wrap="square" rtlCol="0">
+                <a:spAutoFit/>
+              </a:bodyPr>
+              <a:lstStyle/>
+              <a:p>
+                <a:pPr/>
+                <a14:m>
+                  <m:oMathPara xmlns:m="http://schemas.openxmlformats.org/officeDocument/2006/math">
+                    <m:oMathParaPr>
+                      <m:jc m:val="centerGroup"/>
+                    </m:oMathParaPr>
+                    <m:oMath xmlns:m="http://schemas.openxmlformats.org/officeDocument/2006/math">
+                      <m:r>
+                        <a:rPr lang="de-DE" b="0" i="1" smtClean="0">
+                          <a:latin typeface="Cambria Math" panose="02040503050406030204" pitchFamily="18" charset="0"/>
+                        </a:rPr>
+                        <m:t>𝐹</m:t>
+                      </m:r>
+                      <m:r>
+                        <a:rPr lang="de-DE" b="0" i="1" smtClean="0">
+                          <a:latin typeface="Cambria Math" panose="02040503050406030204" pitchFamily="18" charset="0"/>
+                        </a:rPr>
+                        <m:t>=</m:t>
+                      </m:r>
+                      <m:r>
+                        <a:rPr lang="de-DE" b="0" i="1" smtClean="0">
+                          <a:latin typeface="Cambria Math" panose="02040503050406030204" pitchFamily="18" charset="0"/>
+                        </a:rPr>
+                        <m:t>𝑚</m:t>
+                      </m:r>
+                      <m:r>
+                        <a:rPr lang="de-DE" b="0" i="1" smtClean="0">
+                          <a:latin typeface="Cambria Math" panose="02040503050406030204" pitchFamily="18" charset="0"/>
+                        </a:rPr>
+                        <m:t>∗</m:t>
+                      </m:r>
+                      <m:r>
+                        <a:rPr lang="de-DE" b="0" i="1" smtClean="0">
+                          <a:latin typeface="Cambria Math" panose="02040503050406030204" pitchFamily="18" charset="0"/>
+                        </a:rPr>
+                        <m:t>𝑎</m:t>
+                      </m:r>
+                    </m:oMath>
+                  </m:oMathPara>
+                </a14:m>
+                <a:endParaRPr lang="de-DE" dirty="0"/>
+              </a:p>
+            </p:txBody>
+          </p:sp>
+        </mc:Choice>
+        <mc:Fallback xmlns="">
+          <p:sp>
+            <p:nvSpPr>
+              <p:cNvPr id="4" name="Textfeld 3">
+                <a:extLst>
+                  <a:ext uri="{FF2B5EF4-FFF2-40B4-BE49-F238E27FC236}">
+                    <a16:creationId xmlns:a16="http://schemas.microsoft.com/office/drawing/2014/main" id="{2278AFD7-98DB-4CB0-902E-1AE8508923B8}"/>
+                  </a:ext>
+                </a:extLst>
+              </p:cNvPr>
+              <p:cNvSpPr txBox="1">
+                <a:spLocks noRot="1" noChangeAspect="1" noMove="1" noResize="1" noEditPoints="1" noAdjustHandles="1" noChangeArrowheads="1" noChangeShapeType="1" noTextEdit="1"/>
+              </p:cNvSpPr>
+              <p:nvPr/>
+            </p:nvSpPr>
+            <p:spPr>
+              <a:xfrm>
+                <a:off x="1003178" y="2523023"/>
+                <a:ext cx="1216240" cy="369332"/>
+              </a:xfrm>
+              <a:prstGeom prst="rect">
+                <a:avLst/>
+              </a:prstGeom>
+              <a:blipFill>
+                <a:blip r:embed="rId2"/>
+                <a:stretch>
+                  <a:fillRect/>
+                </a:stretch>
+              </a:blipFill>
+            </p:spPr>
+            <p:txBody>
+              <a:bodyPr/>
+              <a:lstStyle/>
+              <a:p>
+                <a:r>
+                  <a:rPr lang="de-DE">
+                    <a:noFill/>
+                  </a:rPr>
+                  <a:t> </a:t>
+                </a:r>
+              </a:p>
+            </p:txBody>
+          </p:sp>
+        </mc:Fallback>
+      </mc:AlternateContent>
+      <p:cxnSp>
+        <p:nvCxnSpPr>
+          <p:cNvPr id="6" name="Verbinder: gewinkelt 5">
+            <a:extLst>
+              <a:ext uri="{FF2B5EF4-FFF2-40B4-BE49-F238E27FC236}">
+                <a16:creationId xmlns:a16="http://schemas.microsoft.com/office/drawing/2014/main" id="{EC1DCD1B-3C69-4937-832B-66ED16A875F0}"/>
+              </a:ext>
+            </a:extLst>
+          </p:cNvPr>
+          <p:cNvCxnSpPr>
+            <a:cxnSpLocks/>
+          </p:cNvCxnSpPr>
+          <p:nvPr/>
+        </p:nvCxnSpPr>
+        <p:spPr>
+          <a:xfrm>
+            <a:off x="2148396" y="2707689"/>
+            <a:ext cx="816746" cy="523783"/>
+          </a:xfrm>
+          <a:prstGeom prst="bentConnector3">
+            <a:avLst/>
+          </a:prstGeom>
+          <a:ln>
+            <a:tailEnd type="triangle"/>
+          </a:ln>
+        </p:spPr>
+        <p:style>
+          <a:lnRef idx="1">
+            <a:schemeClr val="accent1"/>
+          </a:lnRef>
+          <a:fillRef idx="0">
+            <a:schemeClr val="accent1"/>
+          </a:fillRef>
+          <a:effectRef idx="0">
+            <a:schemeClr val="accent1"/>
+          </a:effectRef>
+          <a:fontRef idx="minor">
+            <a:schemeClr val="tx1"/>
+          </a:fontRef>
+        </p:style>
+      </p:cxnSp>
+      <mc:AlternateContent xmlns:mc="http://schemas.openxmlformats.org/markup-compatibility/2006" xmlns:a14="http://schemas.microsoft.com/office/drawing/2010/main">
+        <mc:Choice Requires="a14">
+          <p:sp>
+            <p:nvSpPr>
+              <p:cNvPr id="7" name="Textfeld 6">
+                <a:extLst>
+                  <a:ext uri="{FF2B5EF4-FFF2-40B4-BE49-F238E27FC236}">
+                    <a16:creationId xmlns:a16="http://schemas.microsoft.com/office/drawing/2014/main" id="{8028247A-050A-4AC5-B44B-A6FE87669940}"/>
+                  </a:ext>
+                </a:extLst>
+              </p:cNvPr>
+              <p:cNvSpPr txBox="1"/>
+              <p:nvPr/>
+            </p:nvSpPr>
+            <p:spPr>
+              <a:xfrm>
+                <a:off x="3031724" y="3046806"/>
+                <a:ext cx="1491449" cy="369332"/>
+              </a:xfrm>
+              <a:prstGeom prst="rect">
+                <a:avLst/>
+              </a:prstGeom>
+              <a:noFill/>
+            </p:spPr>
+            <p:txBody>
+              <a:bodyPr wrap="square" rtlCol="0">
+                <a:spAutoFit/>
+              </a:bodyPr>
+              <a:lstStyle/>
+              <a:p>
+                <a:pPr/>
+                <a14:m>
+                  <m:oMathPara xmlns:m="http://schemas.openxmlformats.org/officeDocument/2006/math">
+                    <m:oMathParaPr>
+                      <m:jc m:val="centerGroup"/>
+                    </m:oMathParaPr>
+                    <m:oMath xmlns:m="http://schemas.openxmlformats.org/officeDocument/2006/math">
+                      <m:r>
+                        <a:rPr lang="de-DE" b="0" i="1" smtClean="0">
+                          <a:latin typeface="Cambria Math" panose="02040503050406030204" pitchFamily="18" charset="0"/>
+                        </a:rPr>
+                        <m:t>𝑎</m:t>
+                      </m:r>
+                      <m:r>
+                        <a:rPr lang="de-DE" b="0" i="1" smtClean="0">
+                          <a:latin typeface="Cambria Math" panose="02040503050406030204" pitchFamily="18" charset="0"/>
+                        </a:rPr>
+                        <m:t>=</m:t>
+                      </m:r>
+                      <m:r>
+                        <a:rPr lang="de-DE" b="0" i="1" smtClean="0">
+                          <a:latin typeface="Cambria Math" panose="02040503050406030204" pitchFamily="18" charset="0"/>
+                        </a:rPr>
+                        <m:t>𝐹</m:t>
+                      </m:r>
+                      <m:r>
+                        <a:rPr lang="de-DE" b="0" i="1" smtClean="0">
+                          <a:latin typeface="Cambria Math" panose="02040503050406030204" pitchFamily="18" charset="0"/>
+                        </a:rPr>
+                        <m:t>/</m:t>
+                      </m:r>
+                      <m:r>
+                        <a:rPr lang="de-DE" b="0" i="1" smtClean="0">
+                          <a:latin typeface="Cambria Math" panose="02040503050406030204" pitchFamily="18" charset="0"/>
+                        </a:rPr>
+                        <m:t>𝑚</m:t>
+                      </m:r>
+                    </m:oMath>
+                  </m:oMathPara>
+                </a14:m>
+                <a:endParaRPr lang="de-DE" dirty="0"/>
+              </a:p>
+            </p:txBody>
+          </p:sp>
+        </mc:Choice>
+        <mc:Fallback xmlns="">
+          <p:sp>
+            <p:nvSpPr>
+              <p:cNvPr id="7" name="Textfeld 6">
+                <a:extLst>
+                  <a:ext uri="{FF2B5EF4-FFF2-40B4-BE49-F238E27FC236}">
+                    <a16:creationId xmlns:a16="http://schemas.microsoft.com/office/drawing/2014/main" id="{8028247A-050A-4AC5-B44B-A6FE87669940}"/>
+                  </a:ext>
+                </a:extLst>
+              </p:cNvPr>
+              <p:cNvSpPr txBox="1">
+                <a:spLocks noRot="1" noChangeAspect="1" noMove="1" noResize="1" noEditPoints="1" noAdjustHandles="1" noChangeArrowheads="1" noChangeShapeType="1" noTextEdit="1"/>
+              </p:cNvSpPr>
+              <p:nvPr/>
+            </p:nvSpPr>
+            <p:spPr>
+              <a:xfrm>
+                <a:off x="3031724" y="3046806"/>
+                <a:ext cx="1491449" cy="369332"/>
+              </a:xfrm>
+              <a:prstGeom prst="rect">
+                <a:avLst/>
+              </a:prstGeom>
+              <a:blipFill>
+                <a:blip r:embed="rId3"/>
+                <a:stretch>
+                  <a:fillRect b="-13333"/>
+                </a:stretch>
+              </a:blipFill>
+            </p:spPr>
+            <p:txBody>
+              <a:bodyPr/>
+              <a:lstStyle/>
+              <a:p>
+                <a:r>
+                  <a:rPr lang="de-DE">
+                    <a:noFill/>
+                  </a:rPr>
+                  <a:t> </a:t>
+                </a:r>
+              </a:p>
+            </p:txBody>
+          </p:sp>
+        </mc:Fallback>
+      </mc:AlternateContent>
+      <p:sp>
+        <p:nvSpPr>
+          <p:cNvPr id="8" name="Textfeld 7">
+            <a:extLst>
+              <a:ext uri="{FF2B5EF4-FFF2-40B4-BE49-F238E27FC236}">
+                <a16:creationId xmlns:a16="http://schemas.microsoft.com/office/drawing/2014/main" id="{B376C27D-2ABE-4447-88F7-8E94891F456C}"/>
+              </a:ext>
+            </a:extLst>
+          </p:cNvPr>
+          <p:cNvSpPr txBox="1"/>
+          <p:nvPr/>
+        </p:nvSpPr>
+        <p:spPr>
+          <a:xfrm>
+            <a:off x="1003176" y="1837678"/>
+            <a:ext cx="3755255" cy="369332"/>
+          </a:xfrm>
+          <a:prstGeom prst="rect">
+            <a:avLst/>
+          </a:prstGeom>
+          <a:noFill/>
+        </p:spPr>
+        <p:txBody>
+          <a:bodyPr wrap="square" rtlCol="0">
+            <a:spAutoFit/>
+          </a:bodyPr>
+          <a:lstStyle/>
+          <a:p>
+            <a:r>
+              <a:rPr lang="de-DE" dirty="0"/>
+              <a:t>F=Kraft, m=Masse, a=Beschleunigung</a:t>
+            </a:r>
+          </a:p>
+        </p:txBody>
+      </p:sp>
+      <p:sp>
+        <p:nvSpPr>
+          <p:cNvPr id="9" name="Textfeld 8">
+            <a:extLst>
+              <a:ext uri="{FF2B5EF4-FFF2-40B4-BE49-F238E27FC236}">
+                <a16:creationId xmlns:a16="http://schemas.microsoft.com/office/drawing/2014/main" id="{3F1EB1B6-3E85-4B80-BC71-15F963A4C1EF}"/>
+              </a:ext>
+            </a:extLst>
+          </p:cNvPr>
+          <p:cNvSpPr txBox="1"/>
+          <p:nvPr/>
+        </p:nvSpPr>
+        <p:spPr>
+          <a:xfrm>
+            <a:off x="1118586" y="3710866"/>
+            <a:ext cx="4243527" cy="646331"/>
+          </a:xfrm>
+          <a:prstGeom prst="rect">
+            <a:avLst/>
+          </a:prstGeom>
+          <a:noFill/>
+        </p:spPr>
+        <p:txBody>
+          <a:bodyPr wrap="square" rtlCol="0">
+            <a:spAutoFit/>
+          </a:bodyPr>
+          <a:lstStyle/>
+          <a:p>
+            <a:r>
+              <a:rPr lang="de-DE" dirty="0"/>
+              <a:t>Die Beschleunigung ist die Änderung der Geschwindigkeit über eine gewisse Zeit</a:t>
+            </a:r>
+          </a:p>
+        </p:txBody>
+      </p:sp>
+      <p:cxnSp>
+        <p:nvCxnSpPr>
+          <p:cNvPr id="11" name="Gerade Verbindung mit Pfeil 10">
+            <a:extLst>
+              <a:ext uri="{FF2B5EF4-FFF2-40B4-BE49-F238E27FC236}">
+                <a16:creationId xmlns:a16="http://schemas.microsoft.com/office/drawing/2014/main" id="{C92812C7-849B-4F9F-9A81-1FE579F03D64}"/>
+              </a:ext>
+            </a:extLst>
+          </p:cNvPr>
+          <p:cNvCxnSpPr>
+            <a:stCxn id="9" idx="3"/>
+          </p:cNvCxnSpPr>
+          <p:nvPr/>
+        </p:nvCxnSpPr>
+        <p:spPr>
+          <a:xfrm flipV="1">
+            <a:off x="5362113" y="4030462"/>
+            <a:ext cx="816745" cy="3570"/>
+          </a:xfrm>
+          <a:prstGeom prst="straightConnector1">
+            <a:avLst/>
+          </a:prstGeom>
+          <a:ln>
+            <a:tailEnd type="triangle"/>
+          </a:ln>
+        </p:spPr>
+        <p:style>
+          <a:lnRef idx="1">
+            <a:schemeClr val="accent1"/>
+          </a:lnRef>
+          <a:fillRef idx="0">
+            <a:schemeClr val="accent1"/>
+          </a:fillRef>
+          <a:effectRef idx="0">
+            <a:schemeClr val="accent1"/>
+          </a:effectRef>
+          <a:fontRef idx="minor">
+            <a:schemeClr val="tx1"/>
+          </a:fontRef>
+        </p:style>
+      </p:cxnSp>
+      <mc:AlternateContent xmlns:mc="http://schemas.openxmlformats.org/markup-compatibility/2006" xmlns:a14="http://schemas.microsoft.com/office/drawing/2010/main">
+        <mc:Choice Requires="a14">
+          <p:sp>
+            <p:nvSpPr>
+              <p:cNvPr id="12" name="Textfeld 11">
+                <a:extLst>
+                  <a:ext uri="{FF2B5EF4-FFF2-40B4-BE49-F238E27FC236}">
+                    <a16:creationId xmlns:a16="http://schemas.microsoft.com/office/drawing/2014/main" id="{66D4B41E-2455-41D2-B684-0C65AF61F3CE}"/>
+                  </a:ext>
+                </a:extLst>
+              </p:cNvPr>
+              <p:cNvSpPr txBox="1"/>
+              <p:nvPr/>
+            </p:nvSpPr>
+            <p:spPr>
+              <a:xfrm>
+                <a:off x="5973194" y="3721339"/>
+                <a:ext cx="1713390" cy="618246"/>
+              </a:xfrm>
+              <a:prstGeom prst="rect">
+                <a:avLst/>
+              </a:prstGeom>
+              <a:noFill/>
+            </p:spPr>
+            <p:txBody>
+              <a:bodyPr wrap="square" rtlCol="0">
+                <a:spAutoFit/>
+              </a:bodyPr>
+              <a:lstStyle/>
+              <a:p>
+                <a:pPr/>
+                <a14:m>
+                  <m:oMathPara xmlns:m="http://schemas.openxmlformats.org/officeDocument/2006/math">
+                    <m:oMathParaPr>
+                      <m:jc m:val="centerGroup"/>
+                    </m:oMathParaPr>
+                    <m:oMath xmlns:m="http://schemas.openxmlformats.org/officeDocument/2006/math">
+                      <m:f>
+                        <m:fPr>
+                          <m:ctrlPr>
+                            <a:rPr lang="de-DE" b="0" i="1" smtClean="0">
+                              <a:latin typeface="Cambria Math" panose="02040503050406030204" pitchFamily="18" charset="0"/>
+                            </a:rPr>
+                          </m:ctrlPr>
+                        </m:fPr>
+                        <m:num>
+                          <m:r>
+                            <a:rPr lang="de-DE" b="0" i="1" smtClean="0">
+                              <a:latin typeface="Cambria Math" panose="02040503050406030204" pitchFamily="18" charset="0"/>
+                            </a:rPr>
+                            <m:t>𝑑𝑣</m:t>
+                          </m:r>
+                        </m:num>
+                        <m:den>
+                          <m:r>
+                            <a:rPr lang="de-DE" b="0" i="1" smtClean="0">
+                              <a:latin typeface="Cambria Math" panose="02040503050406030204" pitchFamily="18" charset="0"/>
+                            </a:rPr>
+                            <m:t>𝑑𝑡</m:t>
+                          </m:r>
+                        </m:den>
+                      </m:f>
+                      <m:r>
+                        <a:rPr lang="de-DE" b="0" i="1" smtClean="0">
+                          <a:latin typeface="Cambria Math" panose="02040503050406030204" pitchFamily="18" charset="0"/>
+                        </a:rPr>
+                        <m:t>=</m:t>
+                      </m:r>
+                      <m:r>
+                        <a:rPr lang="de-DE" b="0" i="1" smtClean="0">
+                          <a:latin typeface="Cambria Math" panose="02040503050406030204" pitchFamily="18" charset="0"/>
+                        </a:rPr>
+                        <m:t>𝑎</m:t>
+                      </m:r>
+                    </m:oMath>
+                  </m:oMathPara>
+                </a14:m>
+                <a:endParaRPr lang="de-DE" dirty="0"/>
+              </a:p>
+            </p:txBody>
+          </p:sp>
+        </mc:Choice>
+        <mc:Fallback xmlns="">
+          <p:sp>
+            <p:nvSpPr>
+              <p:cNvPr id="12" name="Textfeld 11">
+                <a:extLst>
+                  <a:ext uri="{FF2B5EF4-FFF2-40B4-BE49-F238E27FC236}">
+                    <a16:creationId xmlns:a16="http://schemas.microsoft.com/office/drawing/2014/main" id="{66D4B41E-2455-41D2-B684-0C65AF61F3CE}"/>
+                  </a:ext>
+                </a:extLst>
+              </p:cNvPr>
+              <p:cNvSpPr txBox="1">
+                <a:spLocks noRot="1" noChangeAspect="1" noMove="1" noResize="1" noEditPoints="1" noAdjustHandles="1" noChangeArrowheads="1" noChangeShapeType="1" noTextEdit="1"/>
+              </p:cNvSpPr>
+              <p:nvPr/>
+            </p:nvSpPr>
+            <p:spPr>
+              <a:xfrm>
+                <a:off x="5973194" y="3721339"/>
+                <a:ext cx="1713390" cy="618246"/>
+              </a:xfrm>
+              <a:prstGeom prst="rect">
+                <a:avLst/>
+              </a:prstGeom>
+              <a:blipFill>
+                <a:blip r:embed="rId4"/>
+                <a:stretch>
+                  <a:fillRect/>
+                </a:stretch>
+              </a:blipFill>
+            </p:spPr>
+            <p:txBody>
+              <a:bodyPr/>
+              <a:lstStyle/>
+              <a:p>
+                <a:r>
+                  <a:rPr lang="de-DE">
+                    <a:noFill/>
+                  </a:rPr>
+                  <a:t> </a:t>
+                </a:r>
+              </a:p>
+            </p:txBody>
+          </p:sp>
+        </mc:Fallback>
+      </mc:AlternateContent>
+      <p:sp>
+        <p:nvSpPr>
+          <p:cNvPr id="13" name="Textfeld 12">
+            <a:extLst>
+              <a:ext uri="{FF2B5EF4-FFF2-40B4-BE49-F238E27FC236}">
+                <a16:creationId xmlns:a16="http://schemas.microsoft.com/office/drawing/2014/main" id="{AB10EE11-2435-4759-B176-360B7BEAE89B}"/>
+              </a:ext>
+            </a:extLst>
+          </p:cNvPr>
+          <p:cNvSpPr txBox="1"/>
+          <p:nvPr/>
+        </p:nvSpPr>
+        <p:spPr>
+          <a:xfrm>
+            <a:off x="1118585" y="4789726"/>
+            <a:ext cx="4243527" cy="646331"/>
+          </a:xfrm>
+          <a:prstGeom prst="rect">
+            <a:avLst/>
+          </a:prstGeom>
+          <a:noFill/>
+        </p:spPr>
+        <p:txBody>
+          <a:bodyPr wrap="square" rtlCol="0">
+            <a:spAutoFit/>
+          </a:bodyPr>
+          <a:lstStyle/>
+          <a:p>
+            <a:r>
+              <a:rPr lang="de-DE" dirty="0"/>
+              <a:t>Die Geschwindigkeit ist die Änderung der Position über eine gewisse Zeit</a:t>
+            </a:r>
+          </a:p>
+        </p:txBody>
+      </p:sp>
+      <p:cxnSp>
+        <p:nvCxnSpPr>
+          <p:cNvPr id="14" name="Gerade Verbindung mit Pfeil 13">
+            <a:extLst>
+              <a:ext uri="{FF2B5EF4-FFF2-40B4-BE49-F238E27FC236}">
+                <a16:creationId xmlns:a16="http://schemas.microsoft.com/office/drawing/2014/main" id="{145FB2DB-2161-4924-8D07-8B4FA4B3B40A}"/>
+              </a:ext>
+            </a:extLst>
+          </p:cNvPr>
+          <p:cNvCxnSpPr/>
+          <p:nvPr/>
+        </p:nvCxnSpPr>
+        <p:spPr>
+          <a:xfrm flipV="1">
+            <a:off x="5362113" y="5035118"/>
+            <a:ext cx="816745" cy="3570"/>
+          </a:xfrm>
+          <a:prstGeom prst="straightConnector1">
+            <a:avLst/>
+          </a:prstGeom>
+          <a:ln>
+            <a:tailEnd type="triangle"/>
+          </a:ln>
+        </p:spPr>
+        <p:style>
+          <a:lnRef idx="1">
+            <a:schemeClr val="accent1"/>
+          </a:lnRef>
+          <a:fillRef idx="0">
+            <a:schemeClr val="accent1"/>
+          </a:fillRef>
+          <a:effectRef idx="0">
+            <a:schemeClr val="accent1"/>
+          </a:effectRef>
+          <a:fontRef idx="minor">
+            <a:schemeClr val="tx1"/>
+          </a:fontRef>
+        </p:style>
+      </p:cxnSp>
+      <mc:AlternateContent xmlns:mc="http://schemas.openxmlformats.org/markup-compatibility/2006" xmlns:a14="http://schemas.microsoft.com/office/drawing/2010/main">
+        <mc:Choice Requires="a14">
+          <p:sp>
+            <p:nvSpPr>
+              <p:cNvPr id="15" name="Textfeld 14">
+                <a:extLst>
+                  <a:ext uri="{FF2B5EF4-FFF2-40B4-BE49-F238E27FC236}">
+                    <a16:creationId xmlns:a16="http://schemas.microsoft.com/office/drawing/2014/main" id="{50D66CCD-4799-4908-841D-6F40A119F206}"/>
+                  </a:ext>
+                </a:extLst>
+              </p:cNvPr>
+              <p:cNvSpPr txBox="1"/>
+              <p:nvPr/>
+            </p:nvSpPr>
+            <p:spPr>
+              <a:xfrm>
+                <a:off x="5973194" y="4725995"/>
+                <a:ext cx="1713390" cy="618246"/>
+              </a:xfrm>
+              <a:prstGeom prst="rect">
+                <a:avLst/>
+              </a:prstGeom>
+              <a:noFill/>
+            </p:spPr>
+            <p:txBody>
+              <a:bodyPr wrap="square" rtlCol="0">
+                <a:spAutoFit/>
+              </a:bodyPr>
+              <a:lstStyle/>
+              <a:p>
+                <a:pPr/>
+                <a14:m>
+                  <m:oMathPara xmlns:m="http://schemas.openxmlformats.org/officeDocument/2006/math">
+                    <m:oMathParaPr>
+                      <m:jc m:val="centerGroup"/>
+                    </m:oMathParaPr>
+                    <m:oMath xmlns:m="http://schemas.openxmlformats.org/officeDocument/2006/math">
+                      <m:f>
+                        <m:fPr>
+                          <m:ctrlPr>
+                            <a:rPr lang="de-DE" b="0" i="1" smtClean="0">
+                              <a:latin typeface="Cambria Math" panose="02040503050406030204" pitchFamily="18" charset="0"/>
+                            </a:rPr>
+                          </m:ctrlPr>
+                        </m:fPr>
+                        <m:num>
+                          <m:r>
+                            <a:rPr lang="de-DE" b="0" i="1" smtClean="0">
+                              <a:latin typeface="Cambria Math" panose="02040503050406030204" pitchFamily="18" charset="0"/>
+                            </a:rPr>
+                            <m:t>𝑑𝑥</m:t>
+                          </m:r>
+                        </m:num>
+                        <m:den>
+                          <m:r>
+                            <a:rPr lang="de-DE" b="0" i="1" smtClean="0">
+                              <a:latin typeface="Cambria Math" panose="02040503050406030204" pitchFamily="18" charset="0"/>
+                            </a:rPr>
+                            <m:t>𝑑𝑡</m:t>
+                          </m:r>
+                        </m:den>
+                      </m:f>
+                      <m:r>
+                        <a:rPr lang="de-DE" b="0" i="1" smtClean="0">
+                          <a:latin typeface="Cambria Math" panose="02040503050406030204" pitchFamily="18" charset="0"/>
+                        </a:rPr>
+                        <m:t>=</m:t>
+                      </m:r>
+                      <m:r>
+                        <a:rPr lang="de-DE" b="0" i="1" smtClean="0">
+                          <a:latin typeface="Cambria Math" panose="02040503050406030204" pitchFamily="18" charset="0"/>
+                        </a:rPr>
+                        <m:t>𝑣</m:t>
+                      </m:r>
+                    </m:oMath>
+                  </m:oMathPara>
+                </a14:m>
+                <a:endParaRPr lang="de-DE" dirty="0"/>
+              </a:p>
+            </p:txBody>
+          </p:sp>
+        </mc:Choice>
+        <mc:Fallback xmlns="">
+          <p:sp>
+            <p:nvSpPr>
+              <p:cNvPr id="15" name="Textfeld 14">
+                <a:extLst>
+                  <a:ext uri="{FF2B5EF4-FFF2-40B4-BE49-F238E27FC236}">
+                    <a16:creationId xmlns:a16="http://schemas.microsoft.com/office/drawing/2014/main" id="{50D66CCD-4799-4908-841D-6F40A119F206}"/>
+                  </a:ext>
+                </a:extLst>
+              </p:cNvPr>
+              <p:cNvSpPr txBox="1">
+                <a:spLocks noRot="1" noChangeAspect="1" noMove="1" noResize="1" noEditPoints="1" noAdjustHandles="1" noChangeArrowheads="1" noChangeShapeType="1" noTextEdit="1"/>
+              </p:cNvSpPr>
+              <p:nvPr/>
+            </p:nvSpPr>
+            <p:spPr>
+              <a:xfrm>
+                <a:off x="5973194" y="4725995"/>
+                <a:ext cx="1713390" cy="618246"/>
+              </a:xfrm>
+              <a:prstGeom prst="rect">
+                <a:avLst/>
+              </a:prstGeom>
+              <a:blipFill>
+                <a:blip r:embed="rId5"/>
+                <a:stretch>
+                  <a:fillRect/>
+                </a:stretch>
+              </a:blipFill>
+            </p:spPr>
+            <p:txBody>
+              <a:bodyPr/>
+              <a:lstStyle/>
+              <a:p>
+                <a:r>
+                  <a:rPr lang="de-DE">
+                    <a:noFill/>
+                  </a:rPr>
+                  <a:t> </a:t>
+                </a:r>
+              </a:p>
+            </p:txBody>
+          </p:sp>
+        </mc:Fallback>
+      </mc:AlternateContent>
+    </p:spTree>
+    <p:extLst>
+      <p:ext uri="{BB962C8B-B14F-4D97-AF65-F5344CB8AC3E}">
+        <p14:creationId xmlns:p14="http://schemas.microsoft.com/office/powerpoint/2010/main" val="964636640"/>
+      </p:ext>
+    </p:extLst>
+  </p:cSld>
+  <p:clrMapOvr>
+    <a:masterClrMapping/>
+  </p:clrMapOvr>
+  <p:timing>
+    <p:tnLst>
+      <p:par>
+        <p:cTn id="1" dur="indefinite" restart="never" nodeType="tmRoot">
+          <p:childTnLst>
+            <p:seq concurrent="1" nextAc="seek">
+              <p:cTn id="2" dur="indefinite" nodeType="mainSeq">
+                <p:childTnLst>
+                  <p:par>
+                    <p:cTn id="3" fill="hold">
+                      <p:stCondLst>
+                        <p:cond delay="indefinite"/>
+                      </p:stCondLst>
+                      <p:childTnLst>
+                        <p:par>
+                          <p:cTn id="4" fill="hold">
+                            <p:stCondLst>
+                              <p:cond delay="0"/>
+                            </p:stCondLst>
+                            <p:childTnLst>
+                              <p:par>
+                                <p:cTn id="5" presetID="1" presetClass="entr" presetSubtype="0" fill="hold" grpId="0" nodeType="clickEffect">
+                                  <p:stCondLst>
+                                    <p:cond delay="0"/>
+                                  </p:stCondLst>
+                                  <p:childTnLst>
+                                    <p:set>
+                                      <p:cBhvr>
+                                        <p:cTn id="6" dur="1" fill="hold">
+                                          <p:stCondLst>
+                                            <p:cond delay="0"/>
+                                          </p:stCondLst>
+                                        </p:cTn>
+                                        <p:tgtEl>
+                                          <p:spTgt spid="9"/>
+                                        </p:tgtEl>
+                                        <p:attrNameLst>
+                                          <p:attrName>style.visibility</p:attrName>
+                                        </p:attrNameLst>
+                                      </p:cBhvr>
+                                      <p:to>
+                                        <p:strVal val="visible"/>
+                                      </p:to>
+                                    </p:set>
+                                  </p:childTnLst>
+                                </p:cTn>
+                              </p:par>
+                              <p:par>
+                                <p:cTn id="7" presetID="1" presetClass="entr" presetSubtype="0" fill="hold" nodeType="withEffect">
+                                  <p:stCondLst>
+                                    <p:cond delay="0"/>
+                                  </p:stCondLst>
+                                  <p:childTnLst>
+                                    <p:set>
+                                      <p:cBhvr>
+                                        <p:cTn id="8" dur="1" fill="hold">
+                                          <p:stCondLst>
+                                            <p:cond delay="0"/>
+                                          </p:stCondLst>
+                                        </p:cTn>
+                                        <p:tgtEl>
+                                          <p:spTgt spid="11"/>
+                                        </p:tgtEl>
+                                        <p:attrNameLst>
+                                          <p:attrName>style.visibility</p:attrName>
+                                        </p:attrNameLst>
+                                      </p:cBhvr>
+                                      <p:to>
+                                        <p:strVal val="visible"/>
+                                      </p:to>
+                                    </p:set>
+                                  </p:childTnLst>
+                                </p:cTn>
+                              </p:par>
+                              <p:par>
+                                <p:cTn id="9" presetID="1" presetClass="entr" presetSubtype="0" fill="hold" grpId="0" nodeType="withEffect">
+                                  <p:stCondLst>
+                                    <p:cond delay="0"/>
+                                  </p:stCondLst>
+                                  <p:childTnLst>
+                                    <p:set>
+                                      <p:cBhvr>
+                                        <p:cTn id="10" dur="1" fill="hold">
+                                          <p:stCondLst>
+                                            <p:cond delay="0"/>
+                                          </p:stCondLst>
+                                        </p:cTn>
+                                        <p:tgtEl>
+                                          <p:spTgt spid="12"/>
+                                        </p:tgtEl>
+                                        <p:attrNameLst>
+                                          <p:attrName>style.visibility</p:attrName>
+                                        </p:attrNameLst>
+                                      </p:cBhvr>
+                                      <p:to>
+                                        <p:strVal val="visible"/>
+                                      </p:to>
+                                    </p:set>
+                                  </p:childTnLst>
+                                </p:cTn>
+                              </p:par>
+                            </p:childTnLst>
+                          </p:cTn>
+                        </p:par>
+                      </p:childTnLst>
+                    </p:cTn>
+                  </p:par>
+                  <p:par>
+                    <p:cTn id="11" fill="hold">
+                      <p:stCondLst>
+                        <p:cond delay="indefinite"/>
+                      </p:stCondLst>
+                      <p:childTnLst>
+                        <p:par>
+                          <p:cTn id="12" fill="hold">
+                            <p:stCondLst>
+                              <p:cond delay="0"/>
+                            </p:stCondLst>
+                            <p:childTnLst>
+                              <p:par>
+                                <p:cTn id="13" presetID="1" presetClass="entr" presetSubtype="0" fill="hold" grpId="0" nodeType="clickEffect">
+                                  <p:stCondLst>
+                                    <p:cond delay="0"/>
+                                  </p:stCondLst>
+                                  <p:childTnLst>
+                                    <p:set>
+                                      <p:cBhvr>
+                                        <p:cTn id="14" dur="1" fill="hold">
+                                          <p:stCondLst>
+                                            <p:cond delay="0"/>
+                                          </p:stCondLst>
+                                        </p:cTn>
+                                        <p:tgtEl>
+                                          <p:spTgt spid="13"/>
+                                        </p:tgtEl>
+                                        <p:attrNameLst>
+                                          <p:attrName>style.visibility</p:attrName>
+                                        </p:attrNameLst>
+                                      </p:cBhvr>
+                                      <p:to>
+                                        <p:strVal val="visible"/>
+                                      </p:to>
+                                    </p:set>
+                                  </p:childTnLst>
+                                </p:cTn>
+                              </p:par>
+                              <p:par>
+                                <p:cTn id="15" presetID="1" presetClass="entr" presetSubtype="0" fill="hold" nodeType="withEffect">
+                                  <p:stCondLst>
+                                    <p:cond delay="0"/>
+                                  </p:stCondLst>
+                                  <p:childTnLst>
+                                    <p:set>
+                                      <p:cBhvr>
+                                        <p:cTn id="16" dur="1" fill="hold">
+                                          <p:stCondLst>
+                                            <p:cond delay="0"/>
+                                          </p:stCondLst>
+                                        </p:cTn>
+                                        <p:tgtEl>
+                                          <p:spTgt spid="14"/>
+                                        </p:tgtEl>
+                                        <p:attrNameLst>
+                                          <p:attrName>style.visibility</p:attrName>
+                                        </p:attrNameLst>
+                                      </p:cBhvr>
+                                      <p:to>
+                                        <p:strVal val="visible"/>
+                                      </p:to>
+                                    </p:set>
+                                  </p:childTnLst>
+                                </p:cTn>
+                              </p:par>
+                              <p:par>
+                                <p:cTn id="17" presetID="1" presetClass="entr" presetSubtype="0" fill="hold" grpId="0" nodeType="withEffect">
+                                  <p:stCondLst>
+                                    <p:cond delay="0"/>
+                                  </p:stCondLst>
+                                  <p:childTnLst>
+                                    <p:set>
+                                      <p:cBhvr>
+                                        <p:cTn id="18" dur="1" fill="hold">
+                                          <p:stCondLst>
+                                            <p:cond delay="0"/>
+                                          </p:stCondLst>
+                                        </p:cTn>
+                                        <p:tgtEl>
+                                          <p:spTgt spid="15"/>
+                                        </p:tgtEl>
+                                        <p:attrNameLst>
+                                          <p:attrName>style.visibility</p:attrName>
+                                        </p:attrNameLst>
+                                      </p:cBhvr>
+                                      <p:to>
+                                        <p:strVal val="visible"/>
+                                      </p:to>
+                                    </p:set>
+                                  </p:childTnLst>
+                                </p:cTn>
+                              </p:par>
+                            </p:childTnLst>
+                          </p:cTn>
+                        </p:par>
+                      </p:childTnLst>
+                    </p:cTn>
+                  </p:par>
+                </p:childTnLst>
+              </p:cTn>
+              <p:prevCondLst>
+                <p:cond evt="onPrev" delay="0">
+                  <p:tgtEl>
+                    <p:sldTgt/>
+                  </p:tgtEl>
+                </p:cond>
+              </p:prevCondLst>
+              <p:nextCondLst>
+                <p:cond evt="onNext" delay="0">
+                  <p:tgtEl>
+                    <p:sldTgt/>
+                  </p:tgtEl>
+                </p:cond>
+              </p:nextCondLst>
+            </p:seq>
+          </p:childTnLst>
+        </p:cTn>
+      </p:par>
+    </p:tnLst>
+    <p:bldLst>
+      <p:bldP spid="9" grpId="0"/>
+      <p:bldP spid="12" grpId="0"/>
+      <p:bldP spid="13" grpId="0"/>
+      <p:bldP spid="15" grpId="0"/>
+    </p:bldLst>
+  </p:timing>
+</p:sld>
+</file>
+
+<file path=ppt/slides/slide23.xml><?xml version="1.0" encoding="utf-8"?>
 <p:sld xmlns:a="http://schemas.openxmlformats.org/drawingml/2006/main" xmlns:r="http://schemas.openxmlformats.org/officeDocument/2006/relationships" xmlns:p="http://schemas.openxmlformats.org/presentationml/2006/main">
   <p:cSld>
     <p:spTree>
@@ -6779,7 +11168,7 @@
 </p:sld>
 </file>
 
-<file path=ppt/slides/slide11.xml><?xml version="1.0" encoding="utf-8"?>
+<file path=ppt/slides/slide24.xml><?xml version="1.0" encoding="utf-8"?>
 <p:sld xmlns:a="http://schemas.openxmlformats.org/drawingml/2006/main" xmlns:r="http://schemas.openxmlformats.org/officeDocument/2006/relationships" xmlns:p="http://schemas.openxmlformats.org/presentationml/2006/main">
   <p:cSld>
     <p:spTree>
@@ -10411,7 +14800,7 @@
 </p:sld>
 </file>
 
-<file path=ppt/slides/slide12.xml><?xml version="1.0" encoding="utf-8"?>
+<file path=ppt/slides/slide25.xml><?xml version="1.0" encoding="utf-8"?>
 <p:sld xmlns:a="http://schemas.openxmlformats.org/drawingml/2006/main" xmlns:r="http://schemas.openxmlformats.org/officeDocument/2006/relationships" xmlns:p="http://schemas.openxmlformats.org/presentationml/2006/main">
   <p:cSld>
     <p:spTree>
@@ -10541,7 +14930,7 @@
 </p:sld>
 </file>
 
-<file path=ppt/slides/slide13.xml><?xml version="1.0" encoding="utf-8"?>
+<file path=ppt/slides/slide26.xml><?xml version="1.0" encoding="utf-8"?>
 <p:sld xmlns:a="http://schemas.openxmlformats.org/drawingml/2006/main" xmlns:r="http://schemas.openxmlformats.org/officeDocument/2006/relationships" xmlns:p="http://schemas.openxmlformats.org/presentationml/2006/main">
   <p:cSld>
     <p:spTree>
@@ -11024,7 +15413,7 @@
 </p:sld>
 </file>
 
-<file path=ppt/slides/slide14.xml><?xml version="1.0" encoding="utf-8"?>
+<file path=ppt/slides/slide27.xml><?xml version="1.0" encoding="utf-8"?>
 <p:sld xmlns:a="http://schemas.openxmlformats.org/drawingml/2006/main" xmlns:r="http://schemas.openxmlformats.org/officeDocument/2006/relationships" xmlns:p="http://schemas.openxmlformats.org/presentationml/2006/main">
   <p:cSld>
     <p:spTree>
@@ -11178,7 +15567,7 @@
 </p:sld>
 </file>
 
-<file path=ppt/slides/slide15.xml><?xml version="1.0" encoding="utf-8"?>
+<file path=ppt/slides/slide28.xml><?xml version="1.0" encoding="utf-8"?>
 <p:sld xmlns:a="http://schemas.openxmlformats.org/drawingml/2006/main" xmlns:r="http://schemas.openxmlformats.org/officeDocument/2006/relationships" xmlns:p="http://schemas.openxmlformats.org/presentationml/2006/main">
   <p:cSld>
     <p:spTree>
@@ -11242,89 +15631,6 @@
     <p:extLst>
       <p:ext uri="{BB962C8B-B14F-4D97-AF65-F5344CB8AC3E}">
         <p14:creationId xmlns:p14="http://schemas.microsoft.com/office/powerpoint/2010/main" val="383596964"/>
-      </p:ext>
-    </p:extLst>
-  </p:cSld>
-  <p:clrMapOvr>
-    <a:masterClrMapping/>
-  </p:clrMapOvr>
-</p:sld>
-</file>
-
-<file path=ppt/slides/slide2.xml><?xml version="1.0" encoding="utf-8"?>
-<p:sld xmlns:a="http://schemas.openxmlformats.org/drawingml/2006/main" xmlns:r="http://schemas.openxmlformats.org/officeDocument/2006/relationships" xmlns:p="http://schemas.openxmlformats.org/presentationml/2006/main">
-  <p:cSld>
-    <p:spTree>
-      <p:nvGrpSpPr>
-        <p:cNvPr id="1" name=""/>
-        <p:cNvGrpSpPr/>
-        <p:nvPr/>
-      </p:nvGrpSpPr>
-      <p:grpSpPr>
-        <a:xfrm>
-          <a:off x="0" y="0"/>
-          <a:ext cx="0" cy="0"/>
-          <a:chOff x="0" y="0"/>
-          <a:chExt cx="0" cy="0"/>
-        </a:xfrm>
-      </p:grpSpPr>
-      <p:sp>
-        <p:nvSpPr>
-          <p:cNvPr id="2" name="Titel 1">
-            <a:extLst>
-              <a:ext uri="{FF2B5EF4-FFF2-40B4-BE49-F238E27FC236}">
-                <a16:creationId xmlns:a16="http://schemas.microsoft.com/office/drawing/2014/main" id="{F34C9E2D-611E-48D5-9E3F-60BCC33CC164}"/>
-              </a:ext>
-            </a:extLst>
-          </p:cNvPr>
-          <p:cNvSpPr>
-            <a:spLocks noGrp="1"/>
-          </p:cNvSpPr>
-          <p:nvPr>
-            <p:ph type="title"/>
-          </p:nvPr>
-        </p:nvSpPr>
-        <p:spPr/>
-        <p:txBody>
-          <a:bodyPr/>
-          <a:lstStyle/>
-          <a:p>
-            <a:r>
-              <a:rPr lang="de-DE" dirty="0"/>
-              <a:t>Inhaltsverzeichnis</a:t>
-            </a:r>
-          </a:p>
-        </p:txBody>
-      </p:sp>
-      <p:sp>
-        <p:nvSpPr>
-          <p:cNvPr id="3" name="Inhaltsplatzhalter 2">
-            <a:extLst>
-              <a:ext uri="{FF2B5EF4-FFF2-40B4-BE49-F238E27FC236}">
-                <a16:creationId xmlns:a16="http://schemas.microsoft.com/office/drawing/2014/main" id="{E8DBC05B-1845-42D4-965C-63A607DCC327}"/>
-              </a:ext>
-            </a:extLst>
-          </p:cNvPr>
-          <p:cNvSpPr>
-            <a:spLocks noGrp="1"/>
-          </p:cNvSpPr>
-          <p:nvPr>
-            <p:ph idx="1"/>
-          </p:nvPr>
-        </p:nvSpPr>
-        <p:spPr/>
-        <p:txBody>
-          <a:bodyPr/>
-          <a:lstStyle/>
-          <a:p>
-            <a:endParaRPr lang="de-DE"/>
-          </a:p>
-        </p:txBody>
-      </p:sp>
-    </p:spTree>
-    <p:extLst>
-      <p:ext uri="{BB962C8B-B14F-4D97-AF65-F5344CB8AC3E}">
-        <p14:creationId xmlns:p14="http://schemas.microsoft.com/office/powerpoint/2010/main" val="1541868476"/>
       </p:ext>
     </p:extLst>
   </p:cSld>
@@ -11629,12 +15935,42 @@
           <a:chExt cx="0" cy="0"/>
         </a:xfrm>
       </p:grpSpPr>
+      <p:pic>
+        <p:nvPicPr>
+          <p:cNvPr id="6" name="Grafik 5">
+            <a:extLst>
+              <a:ext uri="{FF2B5EF4-FFF2-40B4-BE49-F238E27FC236}">
+                <a16:creationId xmlns:a16="http://schemas.microsoft.com/office/drawing/2014/main" id="{7944C31D-C537-47E0-9432-4018BE054DB5}"/>
+              </a:ext>
+            </a:extLst>
+          </p:cNvPr>
+          <p:cNvPicPr>
+            <a:picLocks noChangeAspect="1"/>
+          </p:cNvPicPr>
+          <p:nvPr/>
+        </p:nvPicPr>
+        <p:blipFill>
+          <a:blip r:embed="rId2"/>
+          <a:stretch>
+            <a:fillRect/>
+          </a:stretch>
+        </p:blipFill>
+        <p:spPr>
+          <a:xfrm>
+            <a:off x="3509106" y="687754"/>
+            <a:ext cx="8072643" cy="5302308"/>
+          </a:xfrm>
+          <a:prstGeom prst="rect">
+            <a:avLst/>
+          </a:prstGeom>
+        </p:spPr>
+      </p:pic>
       <p:sp>
         <p:nvSpPr>
           <p:cNvPr id="2" name="Titel 1">
             <a:extLst>
               <a:ext uri="{FF2B5EF4-FFF2-40B4-BE49-F238E27FC236}">
-                <a16:creationId xmlns:a16="http://schemas.microsoft.com/office/drawing/2014/main" id="{B5DA7E70-CD89-4BAC-84AD-BBF70C4B04C8}"/>
+                <a16:creationId xmlns:a16="http://schemas.microsoft.com/office/drawing/2014/main" id="{CB3AEFDA-080A-4F4B-B6EF-F660BA29B1D4}"/>
               </a:ext>
             </a:extLst>
           </p:cNvPr>
@@ -11652,40 +15988,201 @@
           <a:p>
             <a:r>
               <a:rPr lang="de-DE" dirty="0"/>
-              <a:t>Fredes Teil</a:t>
+              <a:t>Physik</a:t>
             </a:r>
           </a:p>
         </p:txBody>
       </p:sp>
+      <mc:AlternateContent xmlns:mc="http://schemas.openxmlformats.org/markup-compatibility/2006">
+        <mc:Choice xmlns:a14="http://schemas.microsoft.com/office/drawing/2010/main" Requires="a14">
+          <p:sp>
+            <p:nvSpPr>
+              <p:cNvPr id="5" name="Textfeld 4">
+                <a:extLst>
+                  <a:ext uri="{FF2B5EF4-FFF2-40B4-BE49-F238E27FC236}">
+                    <a16:creationId xmlns:a16="http://schemas.microsoft.com/office/drawing/2014/main" id="{E3782390-F5B1-4604-BF86-2D1A26F2C6BB}"/>
+                  </a:ext>
+                </a:extLst>
+              </p:cNvPr>
+              <p:cNvSpPr txBox="1"/>
+              <p:nvPr/>
+            </p:nvSpPr>
+            <p:spPr>
+              <a:xfrm>
+                <a:off x="1097280" y="2143980"/>
+                <a:ext cx="1381212" cy="609077"/>
+              </a:xfrm>
+              <a:prstGeom prst="rect">
+                <a:avLst/>
+              </a:prstGeom>
+              <a:noFill/>
+            </p:spPr>
+            <p:txBody>
+              <a:bodyPr wrap="none" rtlCol="0">
+                <a:spAutoFit/>
+              </a:bodyPr>
+              <a:lstStyle/>
+              <a:p>
+                <a14:m>
+                  <m:oMathPara xmlns:m="http://schemas.openxmlformats.org/officeDocument/2006/math">
+                    <m:oMathParaPr>
+                      <m:jc m:val="centerGroup"/>
+                    </m:oMathParaPr>
+                    <m:oMath xmlns:m="http://schemas.openxmlformats.org/officeDocument/2006/math">
+                      <m:r>
+                        <a:rPr lang="de-DE" i="1" smtClean="0">
+                          <a:solidFill>
+                            <a:srgbClr val="FF0000"/>
+                          </a:solidFill>
+                        </a:rPr>
+                        <m:t>𝐹</m:t>
+                      </m:r>
+                      <m:r>
+                        <a:rPr lang="de-DE" i="1"/>
+                        <m:t> = </m:t>
+                      </m:r>
+                      <m:r>
+                        <a:rPr lang="de-DE" i="1"/>
+                        <m:t>𝐺</m:t>
+                      </m:r>
+                      <m:f>
+                        <m:fPr>
+                          <m:ctrlPr>
+                            <a:rPr lang="de-DE" i="1"/>
+                          </m:ctrlPr>
+                        </m:fPr>
+                        <m:num>
+                          <m:r>
+                            <a:rPr lang="de-DE" i="1" smtClean="0">
+                              <a:solidFill>
+                                <a:srgbClr val="FFFF00"/>
+                              </a:solidFill>
+                            </a:rPr>
+                            <m:t>𝑀</m:t>
+                          </m:r>
+                          <m:r>
+                            <a:rPr lang="de-DE" i="1" smtClean="0">
+                              <a:solidFill>
+                                <a:srgbClr val="0070C0"/>
+                              </a:solidFill>
+                            </a:rPr>
+                            <m:t>𝑚</m:t>
+                          </m:r>
+                        </m:num>
+                        <m:den>
+                          <m:sSup>
+                            <m:sSupPr>
+                              <m:ctrlPr>
+                                <a:rPr lang="de-DE" i="1"/>
+                              </m:ctrlPr>
+                            </m:sSupPr>
+                            <m:e>
+                              <m:r>
+                                <a:rPr lang="de-DE" i="1"/>
+                                <m:t>𝑟</m:t>
+                              </m:r>
+                            </m:e>
+                            <m:sup>
+                              <m:r>
+                                <a:rPr lang="de-DE" i="1"/>
+                                <m:t>2</m:t>
+                              </m:r>
+                            </m:sup>
+                          </m:sSup>
+                        </m:den>
+                      </m:f>
+                    </m:oMath>
+                  </m:oMathPara>
+                </a14:m>
+                <a:endParaRPr lang="de-DE" dirty="0"/>
+              </a:p>
+            </p:txBody>
+          </p:sp>
+        </mc:Choice>
+        <mc:Fallback>
+          <p:sp>
+            <p:nvSpPr>
+              <p:cNvPr id="5" name="Textfeld 4">
+                <a:extLst>
+                  <a:ext uri="{FF2B5EF4-FFF2-40B4-BE49-F238E27FC236}">
+                    <a16:creationId xmlns:a16="http://schemas.microsoft.com/office/drawing/2014/main" id="{E3782390-F5B1-4604-BF86-2D1A26F2C6BB}"/>
+                  </a:ext>
+                </a:extLst>
+              </p:cNvPr>
+              <p:cNvSpPr txBox="1">
+                <a:spLocks noRot="1" noChangeAspect="1" noMove="1" noResize="1" noEditPoints="1" noAdjustHandles="1" noChangeArrowheads="1" noChangeShapeType="1" noTextEdit="1"/>
+              </p:cNvSpPr>
+              <p:nvPr/>
+            </p:nvSpPr>
+            <p:spPr>
+              <a:xfrm>
+                <a:off x="1097280" y="2143980"/>
+                <a:ext cx="1381212" cy="609077"/>
+              </a:xfrm>
+              <a:prstGeom prst="rect">
+                <a:avLst/>
+              </a:prstGeom>
+              <a:blipFill>
+                <a:blip r:embed="rId3"/>
+                <a:stretch>
+                  <a:fillRect/>
+                </a:stretch>
+              </a:blipFill>
+            </p:spPr>
+            <p:txBody>
+              <a:bodyPr/>
+              <a:lstStyle/>
+              <a:p>
+                <a:r>
+                  <a:rPr lang="de-DE">
+                    <a:noFill/>
+                  </a:rPr>
+                  <a:t> </a:t>
+                </a:r>
+              </a:p>
+            </p:txBody>
+          </p:sp>
+        </mc:Fallback>
+      </mc:AlternateContent>
       <p:sp>
         <p:nvSpPr>
-          <p:cNvPr id="3" name="Inhaltsplatzhalter 2">
+          <p:cNvPr id="8" name="Textfeld 7">
             <a:extLst>
               <a:ext uri="{FF2B5EF4-FFF2-40B4-BE49-F238E27FC236}">
-                <a16:creationId xmlns:a16="http://schemas.microsoft.com/office/drawing/2014/main" id="{591AF323-B4B4-4E48-A8F6-2496DFCB2EF6}"/>
+                <a16:creationId xmlns:a16="http://schemas.microsoft.com/office/drawing/2014/main" id="{9A9EF480-B834-44A7-B751-860F4F9C7E8B}"/>
               </a:ext>
             </a:extLst>
           </p:cNvPr>
-          <p:cNvSpPr>
-            <a:spLocks noGrp="1"/>
-          </p:cNvSpPr>
-          <p:nvPr>
-            <p:ph idx="1"/>
-          </p:nvPr>
+          <p:cNvSpPr txBox="1"/>
+          <p:nvPr/>
         </p:nvSpPr>
-        <p:spPr/>
+        <p:spPr>
+          <a:xfrm>
+            <a:off x="1097280" y="4822093"/>
+            <a:ext cx="4795800" cy="369332"/>
+          </a:xfrm>
+          <a:prstGeom prst="rect">
+            <a:avLst/>
+          </a:prstGeom>
+          <a:noFill/>
+        </p:spPr>
         <p:txBody>
-          <a:bodyPr/>
+          <a:bodyPr wrap="none" rtlCol="0">
+            <a:spAutoFit/>
+          </a:bodyPr>
           <a:lstStyle/>
           <a:p>
-            <a:endParaRPr lang="de-DE"/>
+            <a:r>
+              <a:rPr lang="de-DE" dirty="0"/>
+              <a:t>Massen ziehen sich gegenseitig mit der Kraft F an</a:t>
+            </a:r>
           </a:p>
         </p:txBody>
       </p:sp>
     </p:spTree>
     <p:extLst>
       <p:ext uri="{BB962C8B-B14F-4D97-AF65-F5344CB8AC3E}">
-        <p14:creationId xmlns:p14="http://schemas.microsoft.com/office/powerpoint/2010/main" val="1645068661"/>
+        <p14:creationId xmlns:p14="http://schemas.microsoft.com/office/powerpoint/2010/main" val="2943605444"/>
       </p:ext>
     </p:extLst>
   </p:cSld>
@@ -11712,12 +16209,42 @@
           <a:chExt cx="0" cy="0"/>
         </a:xfrm>
       </p:grpSpPr>
+      <p:pic>
+        <p:nvPicPr>
+          <p:cNvPr id="7" name="Grafik 6">
+            <a:extLst>
+              <a:ext uri="{FF2B5EF4-FFF2-40B4-BE49-F238E27FC236}">
+                <a16:creationId xmlns:a16="http://schemas.microsoft.com/office/drawing/2014/main" id="{73E34D0B-E35D-4ED2-A428-5351806E80D0}"/>
+              </a:ext>
+            </a:extLst>
+          </p:cNvPr>
+          <p:cNvPicPr>
+            <a:picLocks noChangeAspect="1"/>
+          </p:cNvPicPr>
+          <p:nvPr/>
+        </p:nvPicPr>
+        <p:blipFill>
+          <a:blip r:embed="rId2"/>
+          <a:stretch>
+            <a:fillRect/>
+          </a:stretch>
+        </p:blipFill>
+        <p:spPr>
+          <a:xfrm>
+            <a:off x="3559587" y="757558"/>
+            <a:ext cx="7872652" cy="5170948"/>
+          </a:xfrm>
+          <a:prstGeom prst="rect">
+            <a:avLst/>
+          </a:prstGeom>
+        </p:spPr>
+      </p:pic>
       <p:sp>
         <p:nvSpPr>
-          <p:cNvPr id="3" name="Untertitel 2">
+          <p:cNvPr id="2" name="Titel 1">
             <a:extLst>
               <a:ext uri="{FF2B5EF4-FFF2-40B4-BE49-F238E27FC236}">
-                <a16:creationId xmlns:a16="http://schemas.microsoft.com/office/drawing/2014/main" id="{6DF055AC-EB51-4367-ACD1-C954B2854764}"/>
+                <a16:creationId xmlns:a16="http://schemas.microsoft.com/office/drawing/2014/main" id="{F776A91C-2F55-4A34-A958-2E07FA93466B}"/>
               </a:ext>
             </a:extLst>
           </p:cNvPr>
@@ -11725,33 +16252,331 @@
             <a:spLocks noGrp="1"/>
           </p:cNvSpPr>
           <p:nvPr>
-            <p:ph type="subTitle" idx="1"/>
+            <p:ph type="title"/>
           </p:nvPr>
+        </p:nvSpPr>
+        <p:spPr/>
+        <p:txBody>
+          <a:bodyPr/>
+          <a:lstStyle/>
+          <a:p>
+            <a:r>
+              <a:rPr lang="de-DE" dirty="0"/>
+              <a:t>Physik</a:t>
+            </a:r>
+          </a:p>
+        </p:txBody>
+      </p:sp>
+      <mc:AlternateContent xmlns:mc="http://schemas.openxmlformats.org/markup-compatibility/2006">
+        <mc:Choice xmlns:a14="http://schemas.microsoft.com/office/drawing/2010/main" Requires="a14">
+          <p:sp>
+            <p:nvSpPr>
+              <p:cNvPr id="5" name="Textfeld 4">
+                <a:extLst>
+                  <a:ext uri="{FF2B5EF4-FFF2-40B4-BE49-F238E27FC236}">
+                    <a16:creationId xmlns:a16="http://schemas.microsoft.com/office/drawing/2014/main" id="{F2028A3F-C171-44B5-8FD7-3EA20EEB43CE}"/>
+                  </a:ext>
+                </a:extLst>
+              </p:cNvPr>
+              <p:cNvSpPr txBox="1"/>
+              <p:nvPr/>
+            </p:nvSpPr>
+            <p:spPr>
+              <a:xfrm>
+                <a:off x="1097280" y="2143980"/>
+                <a:ext cx="1381212" cy="609077"/>
+              </a:xfrm>
+              <a:prstGeom prst="rect">
+                <a:avLst/>
+              </a:prstGeom>
+              <a:noFill/>
+            </p:spPr>
+            <p:txBody>
+              <a:bodyPr wrap="none" rtlCol="0">
+                <a:spAutoFit/>
+              </a:bodyPr>
+              <a:lstStyle/>
+              <a:p>
+                <a14:m>
+                  <m:oMathPara xmlns:m="http://schemas.openxmlformats.org/officeDocument/2006/math">
+                    <m:oMathParaPr>
+                      <m:jc m:val="centerGroup"/>
+                    </m:oMathParaPr>
+                    <m:oMath xmlns:m="http://schemas.openxmlformats.org/officeDocument/2006/math">
+                      <m:r>
+                        <a:rPr lang="de-DE" i="1" smtClean="0">
+                          <a:solidFill>
+                            <a:srgbClr val="FF0000"/>
+                          </a:solidFill>
+                        </a:rPr>
+                        <m:t>𝐹</m:t>
+                      </m:r>
+                      <m:r>
+                        <a:rPr lang="de-DE" i="1"/>
+                        <m:t> = </m:t>
+                      </m:r>
+                      <m:r>
+                        <a:rPr lang="de-DE" i="1"/>
+                        <m:t>𝐺</m:t>
+                      </m:r>
+                      <m:f>
+                        <m:fPr>
+                          <m:ctrlPr>
+                            <a:rPr lang="de-DE" i="1"/>
+                          </m:ctrlPr>
+                        </m:fPr>
+                        <m:num>
+                          <m:r>
+                            <a:rPr lang="de-DE" i="1" smtClean="0">
+                              <a:solidFill>
+                                <a:srgbClr val="FFFF00"/>
+                              </a:solidFill>
+                            </a:rPr>
+                            <m:t>𝑀</m:t>
+                          </m:r>
+                          <m:r>
+                            <a:rPr lang="de-DE" i="1" smtClean="0">
+                              <a:solidFill>
+                                <a:srgbClr val="0070C0"/>
+                              </a:solidFill>
+                            </a:rPr>
+                            <m:t>𝑚</m:t>
+                          </m:r>
+                        </m:num>
+                        <m:den>
+                          <m:sSup>
+                            <m:sSupPr>
+                              <m:ctrlPr>
+                                <a:rPr lang="de-DE" i="1"/>
+                              </m:ctrlPr>
+                            </m:sSupPr>
+                            <m:e>
+                              <m:r>
+                                <a:rPr lang="de-DE" i="1"/>
+                                <m:t>𝑟</m:t>
+                              </m:r>
+                            </m:e>
+                            <m:sup>
+                              <m:r>
+                                <a:rPr lang="de-DE" i="1"/>
+                                <m:t>2</m:t>
+                              </m:r>
+                            </m:sup>
+                          </m:sSup>
+                        </m:den>
+                      </m:f>
+                    </m:oMath>
+                  </m:oMathPara>
+                </a14:m>
+                <a:endParaRPr lang="de-DE" dirty="0"/>
+              </a:p>
+            </p:txBody>
+          </p:sp>
+        </mc:Choice>
+        <mc:Fallback>
+          <p:sp>
+            <p:nvSpPr>
+              <p:cNvPr id="5" name="Textfeld 4">
+                <a:extLst>
+                  <a:ext uri="{FF2B5EF4-FFF2-40B4-BE49-F238E27FC236}">
+                    <a16:creationId xmlns:a16="http://schemas.microsoft.com/office/drawing/2014/main" id="{F2028A3F-C171-44B5-8FD7-3EA20EEB43CE}"/>
+                  </a:ext>
+                </a:extLst>
+              </p:cNvPr>
+              <p:cNvSpPr txBox="1">
+                <a:spLocks noRot="1" noChangeAspect="1" noMove="1" noResize="1" noEditPoints="1" noAdjustHandles="1" noChangeArrowheads="1" noChangeShapeType="1" noTextEdit="1"/>
+              </p:cNvSpPr>
+              <p:nvPr/>
+            </p:nvSpPr>
+            <p:spPr>
+              <a:xfrm>
+                <a:off x="1097280" y="2143980"/>
+                <a:ext cx="1381212" cy="609077"/>
+              </a:xfrm>
+              <a:prstGeom prst="rect">
+                <a:avLst/>
+              </a:prstGeom>
+              <a:blipFill>
+                <a:blip r:embed="rId3"/>
+                <a:stretch>
+                  <a:fillRect/>
+                </a:stretch>
+              </a:blipFill>
+            </p:spPr>
+            <p:txBody>
+              <a:bodyPr/>
+              <a:lstStyle/>
+              <a:p>
+                <a:r>
+                  <a:rPr lang="de-DE">
+                    <a:noFill/>
+                  </a:rPr>
+                  <a:t> </a:t>
+                </a:r>
+              </a:p>
+            </p:txBody>
+          </p:sp>
+        </mc:Fallback>
+      </mc:AlternateContent>
+      <mc:AlternateContent xmlns:mc="http://schemas.openxmlformats.org/markup-compatibility/2006">
+        <mc:Choice xmlns:a14="http://schemas.microsoft.com/office/drawing/2010/main" Requires="a14">
+          <p:sp>
+            <p:nvSpPr>
+              <p:cNvPr id="6" name="Textfeld 5">
+                <a:extLst>
+                  <a:ext uri="{FF2B5EF4-FFF2-40B4-BE49-F238E27FC236}">
+                    <a16:creationId xmlns:a16="http://schemas.microsoft.com/office/drawing/2014/main" id="{994AF172-00EE-4A68-A8D8-4DA1692F0F29}"/>
+                  </a:ext>
+                </a:extLst>
+              </p:cNvPr>
+              <p:cNvSpPr txBox="1"/>
+              <p:nvPr/>
+            </p:nvSpPr>
+            <p:spPr>
+              <a:xfrm>
+                <a:off x="1097280" y="2818127"/>
+                <a:ext cx="922047" cy="610873"/>
+              </a:xfrm>
+              <a:prstGeom prst="rect">
+                <a:avLst/>
+              </a:prstGeom>
+              <a:noFill/>
+            </p:spPr>
+            <p:txBody>
+              <a:bodyPr wrap="none" rtlCol="0">
+                <a:spAutoFit/>
+              </a:bodyPr>
+              <a:lstStyle/>
+              <a:p>
+                <a14:m>
+                  <m:oMathPara xmlns:m="http://schemas.openxmlformats.org/officeDocument/2006/math">
+                    <m:oMathParaPr>
+                      <m:jc m:val="centerGroup"/>
+                    </m:oMathParaPr>
+                    <m:oMath xmlns:m="http://schemas.openxmlformats.org/officeDocument/2006/math">
+                      <m:r>
+                        <a:rPr lang="de-DE" i="1"/>
+                        <m:t>𝑎</m:t>
+                      </m:r>
+                      <m:r>
+                        <a:rPr lang="de-DE" i="1"/>
+                        <m:t> =</m:t>
+                      </m:r>
+                      <m:f>
+                        <m:fPr>
+                          <m:ctrlPr>
+                            <a:rPr lang="de-DE" i="1"/>
+                          </m:ctrlPr>
+                        </m:fPr>
+                        <m:num>
+                          <m:r>
+                            <a:rPr lang="de-DE" i="1" smtClean="0">
+                              <a:solidFill>
+                                <a:srgbClr val="00B050"/>
+                              </a:solidFill>
+                            </a:rPr>
+                            <m:t>𝐹</m:t>
+                          </m:r>
+                        </m:num>
+                        <m:den>
+                          <m:r>
+                            <a:rPr lang="de-DE" i="1"/>
+                            <m:t>𝑚</m:t>
+                          </m:r>
+                        </m:den>
+                      </m:f>
+                    </m:oMath>
+                  </m:oMathPara>
+                </a14:m>
+                <a:endParaRPr lang="de-DE" dirty="0"/>
+              </a:p>
+            </p:txBody>
+          </p:sp>
+        </mc:Choice>
+        <mc:Fallback>
+          <p:sp>
+            <p:nvSpPr>
+              <p:cNvPr id="6" name="Textfeld 5">
+                <a:extLst>
+                  <a:ext uri="{FF2B5EF4-FFF2-40B4-BE49-F238E27FC236}">
+                    <a16:creationId xmlns:a16="http://schemas.microsoft.com/office/drawing/2014/main" id="{994AF172-00EE-4A68-A8D8-4DA1692F0F29}"/>
+                  </a:ext>
+                </a:extLst>
+              </p:cNvPr>
+              <p:cNvSpPr txBox="1">
+                <a:spLocks noRot="1" noChangeAspect="1" noMove="1" noResize="1" noEditPoints="1" noAdjustHandles="1" noChangeArrowheads="1" noChangeShapeType="1" noTextEdit="1"/>
+              </p:cNvSpPr>
+              <p:nvPr/>
+            </p:nvSpPr>
+            <p:spPr>
+              <a:xfrm>
+                <a:off x="1097280" y="2818127"/>
+                <a:ext cx="922047" cy="610873"/>
+              </a:xfrm>
+              <a:prstGeom prst="rect">
+                <a:avLst/>
+              </a:prstGeom>
+              <a:blipFill>
+                <a:blip r:embed="rId4"/>
+                <a:stretch>
+                  <a:fillRect/>
+                </a:stretch>
+              </a:blipFill>
+            </p:spPr>
+            <p:txBody>
+              <a:bodyPr/>
+              <a:lstStyle/>
+              <a:p>
+                <a:r>
+                  <a:rPr lang="de-DE">
+                    <a:noFill/>
+                  </a:rPr>
+                  <a:t> </a:t>
+                </a:r>
+              </a:p>
+            </p:txBody>
+          </p:sp>
+        </mc:Fallback>
+      </mc:AlternateContent>
+      <p:sp>
+        <p:nvSpPr>
+          <p:cNvPr id="8" name="Textfeld 7">
+            <a:extLst>
+              <a:ext uri="{FF2B5EF4-FFF2-40B4-BE49-F238E27FC236}">
+                <a16:creationId xmlns:a16="http://schemas.microsoft.com/office/drawing/2014/main" id="{E0A3926D-AB6C-4400-8190-F4E4201C7FA5}"/>
+              </a:ext>
+            </a:extLst>
+          </p:cNvPr>
+          <p:cNvSpPr txBox="1"/>
+          <p:nvPr/>
         </p:nvSpPr>
         <p:spPr>
           <a:xfrm>
-            <a:off x="1603900" y="3006162"/>
-            <a:ext cx="9144000" cy="845675"/>
+            <a:off x="1097280" y="4853354"/>
+            <a:ext cx="6048515" cy="369332"/>
           </a:xfrm>
+          <a:prstGeom prst="rect">
+            <a:avLst/>
+          </a:prstGeom>
+          <a:noFill/>
         </p:spPr>
         <p:txBody>
-          <a:bodyPr/>
+          <a:bodyPr wrap="none" rtlCol="0">
+            <a:spAutoFit/>
+          </a:bodyPr>
           <a:lstStyle/>
           <a:p>
             <a:r>
               <a:rPr lang="de-DE" dirty="0"/>
-              <a:t>Wird in einer Milliarde Jahre die Erde die Sonne ungefähr so umrunden wie jetzt?</a:t>
+              <a:t>Objekte mit geringeren Massen werden schneller beschleunigt.</a:t>
             </a:r>
-          </a:p>
-          <a:p>
-            <a:endParaRPr lang="de-DE" dirty="0"/>
           </a:p>
         </p:txBody>
       </p:sp>
     </p:spTree>
     <p:extLst>
       <p:ext uri="{BB962C8B-B14F-4D97-AF65-F5344CB8AC3E}">
-        <p14:creationId xmlns:p14="http://schemas.microsoft.com/office/powerpoint/2010/main" val="1524631329"/>
+        <p14:creationId xmlns:p14="http://schemas.microsoft.com/office/powerpoint/2010/main" val="1055875117"/>
       </p:ext>
     </p:extLst>
   </p:cSld>
@@ -11780,10 +16605,10 @@
       </p:grpSpPr>
       <p:pic>
         <p:nvPicPr>
-          <p:cNvPr id="7" name="Grafik 6">
+          <p:cNvPr id="4" name="Grafik 3">
             <a:extLst>
               <a:ext uri="{FF2B5EF4-FFF2-40B4-BE49-F238E27FC236}">
-                <a16:creationId xmlns:a16="http://schemas.microsoft.com/office/drawing/2014/main" id="{C523875D-C093-45B9-B9B8-1949BDC75372}"/>
+                <a16:creationId xmlns:a16="http://schemas.microsoft.com/office/drawing/2014/main" id="{B53D92F0-4653-4AF6-A628-67333F687D28}"/>
               </a:ext>
             </a:extLst>
           </p:cNvPr>
@@ -11793,78 +16618,86 @@
           <p:nvPr/>
         </p:nvPicPr>
         <p:blipFill>
-          <a:blip r:embed="rId2">
-            <a:extLst>
-              <a:ext uri="{28A0092B-C50C-407E-A947-70E740481C1C}">
-                <a14:useLocalDpi xmlns:a14="http://schemas.microsoft.com/office/drawing/2010/main" val="0"/>
-              </a:ext>
-            </a:extLst>
-          </a:blip>
+          <a:blip r:embed="rId2"/>
           <a:stretch>
             <a:fillRect/>
           </a:stretch>
         </p:blipFill>
         <p:spPr>
           <a:xfrm>
-            <a:off x="1573439" y="2286000"/>
-            <a:ext cx="3429000" cy="2286000"/>
+            <a:off x="4450702" y="396735"/>
+            <a:ext cx="8544416" cy="5612179"/>
           </a:xfrm>
           <a:prstGeom prst="rect">
             <a:avLst/>
           </a:prstGeom>
         </p:spPr>
       </p:pic>
-      <p:pic>
-        <p:nvPicPr>
-          <p:cNvPr id="1026" name="Picture 2" descr="Bildergebnis für johannes kepler">
+      <p:sp>
+        <p:nvSpPr>
+          <p:cNvPr id="2" name="Titel 1">
             <a:extLst>
               <a:ext uri="{FF2B5EF4-FFF2-40B4-BE49-F238E27FC236}">
-                <a16:creationId xmlns:a16="http://schemas.microsoft.com/office/drawing/2014/main" id="{5744BDE3-7DD6-4E3B-AD89-98DE117C299E}"/>
+                <a16:creationId xmlns:a16="http://schemas.microsoft.com/office/drawing/2014/main" id="{6B07DC93-74A4-42E7-8D9F-A6EB5E11594F}"/>
               </a:ext>
             </a:extLst>
           </p:cNvPr>
-          <p:cNvPicPr>
-            <a:picLocks noChangeAspect="1" noChangeArrowheads="1"/>
-          </p:cNvPicPr>
-          <p:nvPr/>
-        </p:nvPicPr>
-        <p:blipFill>
-          <a:blip r:embed="rId3">
+          <p:cNvSpPr>
+            <a:spLocks noGrp="1"/>
+          </p:cNvSpPr>
+          <p:nvPr>
+            <p:ph type="title"/>
+          </p:nvPr>
+        </p:nvSpPr>
+        <p:spPr/>
+        <p:txBody>
+          <a:bodyPr/>
+          <a:lstStyle/>
+          <a:p>
+            <a:r>
+              <a:rPr lang="de-DE" dirty="0"/>
+              <a:t>Physik</a:t>
+            </a:r>
+          </a:p>
+        </p:txBody>
+      </p:sp>
+      <p:sp>
+        <p:nvSpPr>
+          <p:cNvPr id="3" name="Inhaltsplatzhalter 2">
             <a:extLst>
-              <a:ext uri="{28A0092B-C50C-407E-A947-70E740481C1C}">
-                <a14:useLocalDpi xmlns:a14="http://schemas.microsoft.com/office/drawing/2010/main" val="0"/>
+              <a:ext uri="{FF2B5EF4-FFF2-40B4-BE49-F238E27FC236}">
+                <a16:creationId xmlns:a16="http://schemas.microsoft.com/office/drawing/2014/main" id="{3A92F2CB-18D0-4DAB-A52E-A07F6AF4EF33}"/>
               </a:ext>
             </a:extLst>
-          </a:blip>
-          <a:srcRect/>
-          <a:stretch>
-            <a:fillRect/>
-          </a:stretch>
-        </p:blipFill>
-        <p:spPr bwMode="auto">
+          </p:cNvPr>
+          <p:cNvSpPr>
+            <a:spLocks noGrp="1"/>
+          </p:cNvSpPr>
+          <p:nvPr>
+            <p:ph idx="1"/>
+          </p:nvPr>
+        </p:nvSpPr>
+        <p:spPr>
           <a:xfrm>
-            <a:off x="6947517" y="1660090"/>
-            <a:ext cx="2577483" cy="3537819"/>
+            <a:off x="1097280" y="1845734"/>
+            <a:ext cx="3540034" cy="4023360"/>
           </a:xfrm>
-          <a:prstGeom prst="rect">
-            <a:avLst/>
-          </a:prstGeom>
-          <a:noFill/>
-          <a:extLst>
-            <a:ext uri="{909E8E84-426E-40DD-AFC4-6F175D3DCCD1}">
-              <a14:hiddenFill xmlns:a14="http://schemas.microsoft.com/office/drawing/2010/main">
-                <a:solidFill>
-                  <a:srgbClr val="FFFFFF"/>
-                </a:solidFill>
-              </a14:hiddenFill>
-            </a:ext>
-          </a:extLst>
         </p:spPr>
-      </p:pic>
+        <p:txBody>
+          <a:bodyPr/>
+          <a:lstStyle/>
+          <a:p>
+            <a:r>
+              <a:rPr lang="de-DE" dirty="0"/>
+              <a:t>Durch Vektoraddition des initialen Impulses v und der Beschleunigung a ergibt sich eine elliptische Bahn</a:t>
+            </a:r>
+          </a:p>
+        </p:txBody>
+      </p:sp>
     </p:spTree>
     <p:extLst>
       <p:ext uri="{BB962C8B-B14F-4D97-AF65-F5344CB8AC3E}">
-        <p14:creationId xmlns:p14="http://schemas.microsoft.com/office/powerpoint/2010/main" val="2140267254"/>
+        <p14:creationId xmlns:p14="http://schemas.microsoft.com/office/powerpoint/2010/main" val="1713086499"/>
       </p:ext>
     </p:extLst>
   </p:cSld>
@@ -11891,1223 +16724,132 @@
           <a:chExt cx="0" cy="0"/>
         </a:xfrm>
       </p:grpSpPr>
-      <p:sp>
-        <p:nvSpPr>
-          <p:cNvPr id="4" name="Ellipse 3">
+      <p:pic>
+        <p:nvPicPr>
+          <p:cNvPr id="4" name="Grafik 3">
             <a:extLst>
               <a:ext uri="{FF2B5EF4-FFF2-40B4-BE49-F238E27FC236}">
-                <a16:creationId xmlns:a16="http://schemas.microsoft.com/office/drawing/2014/main" id="{140C0BC4-A530-468E-9B53-3A4C8D73A68E}"/>
+                <a16:creationId xmlns:a16="http://schemas.microsoft.com/office/drawing/2014/main" id="{FE363B70-7D7C-4F67-BD36-9F56552D8FCC}"/>
               </a:ext>
             </a:extLst>
           </p:cNvPr>
-          <p:cNvSpPr/>
+          <p:cNvPicPr>
+            <a:picLocks noChangeAspect="1"/>
+          </p:cNvPicPr>
           <p:nvPr/>
-        </p:nvSpPr>
+        </p:nvPicPr>
+        <p:blipFill>
+          <a:blip r:embed="rId2"/>
+          <a:stretch>
+            <a:fillRect/>
+          </a:stretch>
+        </p:blipFill>
         <p:spPr>
           <a:xfrm>
-            <a:off x="2626311" y="3913435"/>
-            <a:ext cx="1164455" cy="1073599"/>
+            <a:off x="5697289" y="494522"/>
+            <a:ext cx="8596196" cy="5646189"/>
           </a:xfrm>
-          <a:prstGeom prst="ellipse">
+          <a:prstGeom prst="rect">
             <a:avLst/>
           </a:prstGeom>
         </p:spPr>
-        <p:style>
-          <a:lnRef idx="2">
-            <a:schemeClr val="accent4">
-              <a:shade val="50000"/>
-            </a:schemeClr>
-          </a:lnRef>
-          <a:fillRef idx="1">
-            <a:schemeClr val="accent4"/>
-          </a:fillRef>
-          <a:effectRef idx="0">
-            <a:schemeClr val="accent4"/>
-          </a:effectRef>
-          <a:fontRef idx="minor">
-            <a:schemeClr val="lt1"/>
-          </a:fontRef>
-        </p:style>
+      </p:pic>
+      <p:sp>
+        <p:nvSpPr>
+          <p:cNvPr id="2" name="Titel 1">
+            <a:extLst>
+              <a:ext uri="{FF2B5EF4-FFF2-40B4-BE49-F238E27FC236}">
+                <a16:creationId xmlns:a16="http://schemas.microsoft.com/office/drawing/2014/main" id="{77FCCA17-28E7-4D3B-8465-7DA8A95D586C}"/>
+              </a:ext>
+            </a:extLst>
+          </p:cNvPr>
+          <p:cNvSpPr>
+            <a:spLocks noGrp="1"/>
+          </p:cNvSpPr>
+          <p:nvPr>
+            <p:ph type="title"/>
+          </p:nvPr>
+        </p:nvSpPr>
+        <p:spPr/>
         <p:txBody>
-          <a:bodyPr rtlCol="0" anchor="ctr"/>
+          <a:bodyPr/>
           <a:lstStyle/>
           <a:p>
-            <a:pPr algn="ctr"/>
-            <a:endParaRPr lang="de-DE"/>
+            <a:r>
+              <a:rPr lang="de-DE" dirty="0"/>
+              <a:t>Ellipsen</a:t>
+            </a:r>
           </a:p>
         </p:txBody>
       </p:sp>
       <p:sp>
         <p:nvSpPr>
-          <p:cNvPr id="8" name="Ellipse 7">
+          <p:cNvPr id="3" name="Inhaltsplatzhalter 2">
             <a:extLst>
               <a:ext uri="{FF2B5EF4-FFF2-40B4-BE49-F238E27FC236}">
-                <a16:creationId xmlns:a16="http://schemas.microsoft.com/office/drawing/2014/main" id="{0D129BEB-8341-47B2-86DB-31C26330D41C}"/>
+                <a16:creationId xmlns:a16="http://schemas.microsoft.com/office/drawing/2014/main" id="{A6E43457-BBEE-4989-B75D-9CFD6E1077C0}"/>
               </a:ext>
             </a:extLst>
           </p:cNvPr>
-          <p:cNvSpPr/>
-          <p:nvPr/>
+          <p:cNvSpPr>
+            <a:spLocks noGrp="1"/>
+          </p:cNvSpPr>
+          <p:nvPr>
+            <p:ph idx="1"/>
+          </p:nvPr>
         </p:nvSpPr>
         <p:spPr>
           <a:xfrm>
-            <a:off x="9072013" y="2384259"/>
-            <a:ext cx="196275" cy="199143"/>
+            <a:off x="1097280" y="1845734"/>
+            <a:ext cx="4178105" cy="4023360"/>
           </a:xfrm>
-          <a:prstGeom prst="ellipse">
-            <a:avLst/>
-          </a:prstGeom>
-        </p:spPr>
-        <p:style>
-          <a:lnRef idx="2">
-            <a:schemeClr val="accent2">
-              <a:shade val="50000"/>
-            </a:schemeClr>
-          </a:lnRef>
-          <a:fillRef idx="1">
-            <a:schemeClr val="accent2"/>
-          </a:fillRef>
-          <a:effectRef idx="0">
-            <a:schemeClr val="accent2"/>
-          </a:effectRef>
-          <a:fontRef idx="minor">
-            <a:schemeClr val="lt1"/>
-          </a:fontRef>
-        </p:style>
-        <p:txBody>
-          <a:bodyPr rtlCol="0" anchor="ctr"/>
-          <a:lstStyle/>
-          <a:p>
-            <a:pPr algn="ctr"/>
-            <a:endParaRPr lang="de-DE"/>
-          </a:p>
-        </p:txBody>
-      </p:sp>
-      <p:sp>
-        <p:nvSpPr>
-          <p:cNvPr id="5" name="Ellipse 4">
-            <a:extLst>
-              <a:ext uri="{FF2B5EF4-FFF2-40B4-BE49-F238E27FC236}">
-                <a16:creationId xmlns:a16="http://schemas.microsoft.com/office/drawing/2014/main" id="{D02A94BE-24B7-4875-9DF9-7486316010D4}"/>
-              </a:ext>
-            </a:extLst>
-          </p:cNvPr>
-          <p:cNvSpPr/>
-          <p:nvPr/>
-        </p:nvSpPr>
-        <p:spPr>
-          <a:xfrm>
-            <a:off x="1651247" y="3231472"/>
-            <a:ext cx="5548543" cy="2645545"/>
-          </a:xfrm>
-          <a:prstGeom prst="ellipse">
-            <a:avLst/>
-          </a:prstGeom>
-          <a:noFill/>
-        </p:spPr>
-        <p:style>
-          <a:lnRef idx="2">
-            <a:schemeClr val="accent1">
-              <a:shade val="50000"/>
-            </a:schemeClr>
-          </a:lnRef>
-          <a:fillRef idx="1">
-            <a:schemeClr val="accent1"/>
-          </a:fillRef>
-          <a:effectRef idx="0">
-            <a:schemeClr val="accent1"/>
-          </a:effectRef>
-          <a:fontRef idx="minor">
-            <a:schemeClr val="lt1"/>
-          </a:fontRef>
-        </p:style>
-        <p:txBody>
-          <a:bodyPr rtlCol="0" anchor="ctr"/>
-          <a:lstStyle/>
-          <a:p>
-            <a:pPr algn="ctr"/>
-            <a:endParaRPr lang="de-DE"/>
-          </a:p>
-        </p:txBody>
-      </p:sp>
-      <p:sp>
-        <p:nvSpPr>
-          <p:cNvPr id="6" name="Ellipse 5">
-            <a:extLst>
-              <a:ext uri="{FF2B5EF4-FFF2-40B4-BE49-F238E27FC236}">
-                <a16:creationId xmlns:a16="http://schemas.microsoft.com/office/drawing/2014/main" id="{CAAB70A7-5770-4DE1-B099-536204E4C1CE}"/>
-              </a:ext>
-            </a:extLst>
-          </p:cNvPr>
-          <p:cNvSpPr/>
-          <p:nvPr/>
-        </p:nvSpPr>
-        <p:spPr>
-          <a:xfrm rot="20898425">
-            <a:off x="932437" y="2285118"/>
-            <a:ext cx="9150682" cy="3934573"/>
-          </a:xfrm>
-          <a:prstGeom prst="ellipse">
-            <a:avLst/>
-          </a:prstGeom>
-          <a:noFill/>
-          <a:ln>
-            <a:solidFill>
-              <a:schemeClr val="accent2"/>
-            </a:solidFill>
-          </a:ln>
-        </p:spPr>
-        <p:style>
-          <a:lnRef idx="2">
-            <a:schemeClr val="accent1">
-              <a:shade val="50000"/>
-            </a:schemeClr>
-          </a:lnRef>
-          <a:fillRef idx="1">
-            <a:schemeClr val="accent1"/>
-          </a:fillRef>
-          <a:effectRef idx="0">
-            <a:schemeClr val="accent1"/>
-          </a:effectRef>
-          <a:fontRef idx="minor">
-            <a:schemeClr val="lt1"/>
-          </a:fontRef>
-        </p:style>
-        <p:txBody>
-          <a:bodyPr rtlCol="0" anchor="ctr"/>
-          <a:lstStyle/>
-          <a:p>
-            <a:pPr algn="ctr"/>
-            <a:endParaRPr lang="de-DE"/>
-          </a:p>
-        </p:txBody>
-      </p:sp>
-      <p:sp>
-        <p:nvSpPr>
-          <p:cNvPr id="7" name="Ellipse 6">
-            <a:extLst>
-              <a:ext uri="{FF2B5EF4-FFF2-40B4-BE49-F238E27FC236}">
-                <a16:creationId xmlns:a16="http://schemas.microsoft.com/office/drawing/2014/main" id="{1238BC71-FAD5-4D0C-9259-8B6D852331F5}"/>
-              </a:ext>
-            </a:extLst>
-          </p:cNvPr>
-          <p:cNvSpPr/>
-          <p:nvPr/>
-        </p:nvSpPr>
-        <p:spPr>
-          <a:xfrm>
-            <a:off x="6590795" y="4917849"/>
-            <a:ext cx="511342" cy="477007"/>
-          </a:xfrm>
-          <a:prstGeom prst="ellipse">
-            <a:avLst/>
-          </a:prstGeom>
-        </p:spPr>
-        <p:style>
-          <a:lnRef idx="2">
-            <a:schemeClr val="accent1">
-              <a:shade val="50000"/>
-            </a:schemeClr>
-          </a:lnRef>
-          <a:fillRef idx="1">
-            <a:schemeClr val="accent1"/>
-          </a:fillRef>
-          <a:effectRef idx="0">
-            <a:schemeClr val="accent1"/>
-          </a:effectRef>
-          <a:fontRef idx="minor">
-            <a:schemeClr val="lt1"/>
-          </a:fontRef>
-        </p:style>
-        <p:txBody>
-          <a:bodyPr rtlCol="0" anchor="ctr"/>
-          <a:lstStyle/>
-          <a:p>
-            <a:pPr algn="ctr"/>
-            <a:endParaRPr lang="de-DE"/>
-          </a:p>
-        </p:txBody>
-      </p:sp>
-      <p:cxnSp>
-        <p:nvCxnSpPr>
-          <p:cNvPr id="10" name="Gerade Verbindung mit Pfeil 9">
-            <a:extLst>
-              <a:ext uri="{FF2B5EF4-FFF2-40B4-BE49-F238E27FC236}">
-                <a16:creationId xmlns:a16="http://schemas.microsoft.com/office/drawing/2014/main" id="{3E2918D5-3ACB-492E-86A2-202E88A8C3AE}"/>
-              </a:ext>
-            </a:extLst>
-          </p:cNvPr>
-          <p:cNvCxnSpPr/>
-          <p:nvPr/>
-        </p:nvCxnSpPr>
-        <p:spPr>
-          <a:xfrm>
-            <a:off x="3790766" y="4678532"/>
-            <a:ext cx="2734321" cy="390618"/>
-          </a:xfrm>
-          <a:prstGeom prst="straightConnector1">
-            <a:avLst/>
-          </a:prstGeom>
-          <a:ln>
-            <a:tailEnd type="triangle"/>
-          </a:ln>
-        </p:spPr>
-        <p:style>
-          <a:lnRef idx="1">
-            <a:schemeClr val="accent1"/>
-          </a:lnRef>
-          <a:fillRef idx="0">
-            <a:schemeClr val="accent1"/>
-          </a:fillRef>
-          <a:effectRef idx="0">
-            <a:schemeClr val="accent1"/>
-          </a:effectRef>
-          <a:fontRef idx="minor">
-            <a:schemeClr val="tx1"/>
-          </a:fontRef>
-        </p:style>
-      </p:cxnSp>
-      <p:cxnSp>
-        <p:nvCxnSpPr>
-          <p:cNvPr id="12" name="Gerade Verbindung mit Pfeil 11">
-            <a:extLst>
-              <a:ext uri="{FF2B5EF4-FFF2-40B4-BE49-F238E27FC236}">
-                <a16:creationId xmlns:a16="http://schemas.microsoft.com/office/drawing/2014/main" id="{A69ED436-32D7-4DC3-8919-364DAC6AFEE7}"/>
-              </a:ext>
-            </a:extLst>
-          </p:cNvPr>
-          <p:cNvCxnSpPr>
-            <a:cxnSpLocks/>
-          </p:cNvCxnSpPr>
-          <p:nvPr/>
-        </p:nvCxnSpPr>
-        <p:spPr>
-          <a:xfrm flipV="1">
-            <a:off x="3823620" y="2490248"/>
-            <a:ext cx="5248393" cy="1762157"/>
-          </a:xfrm>
-          <a:prstGeom prst="straightConnector1">
-            <a:avLst/>
-          </a:prstGeom>
-          <a:ln>
-            <a:tailEnd type="triangle"/>
-          </a:ln>
-        </p:spPr>
-        <p:style>
-          <a:lnRef idx="1">
-            <a:schemeClr val="accent1"/>
-          </a:lnRef>
-          <a:fillRef idx="0">
-            <a:schemeClr val="accent1"/>
-          </a:fillRef>
-          <a:effectRef idx="0">
-            <a:schemeClr val="accent1"/>
-          </a:effectRef>
-          <a:fontRef idx="minor">
-            <a:schemeClr val="tx1"/>
-          </a:fontRef>
-        </p:style>
-      </p:cxnSp>
-      <p:cxnSp>
-        <p:nvCxnSpPr>
-          <p:cNvPr id="14" name="Gerade Verbindung mit Pfeil 13">
-            <a:extLst>
-              <a:ext uri="{FF2B5EF4-FFF2-40B4-BE49-F238E27FC236}">
-                <a16:creationId xmlns:a16="http://schemas.microsoft.com/office/drawing/2014/main" id="{258B7A9A-005B-4225-9CA0-9C83FBF13614}"/>
-              </a:ext>
-            </a:extLst>
-          </p:cNvPr>
-          <p:cNvCxnSpPr>
-            <a:cxnSpLocks/>
-          </p:cNvCxnSpPr>
-          <p:nvPr/>
-        </p:nvCxnSpPr>
-        <p:spPr>
-          <a:xfrm flipH="1">
-            <a:off x="6986728" y="2583402"/>
-            <a:ext cx="2118139" cy="2334447"/>
-          </a:xfrm>
-          <a:prstGeom prst="straightConnector1">
-            <a:avLst/>
-          </a:prstGeom>
-          <a:ln>
-            <a:tailEnd type="triangle"/>
-          </a:ln>
-        </p:spPr>
-        <p:style>
-          <a:lnRef idx="1">
-            <a:schemeClr val="accent1"/>
-          </a:lnRef>
-          <a:fillRef idx="0">
-            <a:schemeClr val="accent1"/>
-          </a:fillRef>
-          <a:effectRef idx="0">
-            <a:schemeClr val="accent1"/>
-          </a:effectRef>
-          <a:fontRef idx="minor">
-            <a:schemeClr val="tx1"/>
-          </a:fontRef>
-        </p:style>
-      </p:cxnSp>
-      <p:sp>
-        <p:nvSpPr>
-          <p:cNvPr id="23" name="Ellipse 22">
-            <a:extLst>
-              <a:ext uri="{FF2B5EF4-FFF2-40B4-BE49-F238E27FC236}">
-                <a16:creationId xmlns:a16="http://schemas.microsoft.com/office/drawing/2014/main" id="{21046CEE-8457-4D3D-BA82-476036D3B07A}"/>
-              </a:ext>
-            </a:extLst>
-          </p:cNvPr>
-          <p:cNvSpPr/>
-          <p:nvPr/>
-        </p:nvSpPr>
-        <p:spPr>
-          <a:xfrm>
-            <a:off x="1434561" y="3107185"/>
-            <a:ext cx="6413300" cy="2858609"/>
-          </a:xfrm>
-          <a:prstGeom prst="ellipse">
-            <a:avLst/>
-          </a:prstGeom>
-          <a:noFill/>
-        </p:spPr>
-        <p:style>
-          <a:lnRef idx="2">
-            <a:schemeClr val="accent1">
-              <a:shade val="50000"/>
-            </a:schemeClr>
-          </a:lnRef>
-          <a:fillRef idx="1">
-            <a:schemeClr val="accent1"/>
-          </a:fillRef>
-          <a:effectRef idx="0">
-            <a:schemeClr val="accent1"/>
-          </a:effectRef>
-          <a:fontRef idx="minor">
-            <a:schemeClr val="lt1"/>
-          </a:fontRef>
-        </p:style>
-        <p:txBody>
-          <a:bodyPr rtlCol="0" anchor="ctr"/>
-          <a:lstStyle/>
-          <a:p>
-            <a:pPr algn="ctr"/>
-            <a:endParaRPr lang="de-DE"/>
-          </a:p>
-        </p:txBody>
-      </p:sp>
-      <p:sp>
-        <p:nvSpPr>
-          <p:cNvPr id="24" name="Ellipse 23">
-            <a:extLst>
-              <a:ext uri="{FF2B5EF4-FFF2-40B4-BE49-F238E27FC236}">
-                <a16:creationId xmlns:a16="http://schemas.microsoft.com/office/drawing/2014/main" id="{223CA4F5-9B54-4FB9-B0FF-005EABD504E1}"/>
-              </a:ext>
-            </a:extLst>
-          </p:cNvPr>
-          <p:cNvSpPr/>
-          <p:nvPr/>
-        </p:nvSpPr>
-        <p:spPr>
-          <a:xfrm>
-            <a:off x="7219298" y="4964625"/>
-            <a:ext cx="511342" cy="477007"/>
-          </a:xfrm>
-          <a:prstGeom prst="ellipse">
-            <a:avLst/>
-          </a:prstGeom>
-        </p:spPr>
-        <p:style>
-          <a:lnRef idx="2">
-            <a:schemeClr val="accent1">
-              <a:shade val="50000"/>
-            </a:schemeClr>
-          </a:lnRef>
-          <a:fillRef idx="1">
-            <a:schemeClr val="accent1"/>
-          </a:fillRef>
-          <a:effectRef idx="0">
-            <a:schemeClr val="accent1"/>
-          </a:effectRef>
-          <a:fontRef idx="minor">
-            <a:schemeClr val="lt1"/>
-          </a:fontRef>
-        </p:style>
-        <p:txBody>
-          <a:bodyPr rtlCol="0" anchor="ctr"/>
-          <a:lstStyle/>
-          <a:p>
-            <a:pPr algn="ctr"/>
-            <a:endParaRPr lang="de-DE"/>
-          </a:p>
-        </p:txBody>
-      </p:sp>
-      <p:cxnSp>
-        <p:nvCxnSpPr>
-          <p:cNvPr id="25" name="Gerade Verbindung mit Pfeil 24">
-            <a:extLst>
-              <a:ext uri="{FF2B5EF4-FFF2-40B4-BE49-F238E27FC236}">
-                <a16:creationId xmlns:a16="http://schemas.microsoft.com/office/drawing/2014/main" id="{5C4D31FA-7F7B-4C6A-A211-BA8618A032D5}"/>
-              </a:ext>
-            </a:extLst>
-          </p:cNvPr>
-          <p:cNvCxnSpPr>
-            <a:cxnSpLocks/>
-            <a:stCxn id="8" idx="3"/>
-            <a:endCxn id="24" idx="7"/>
-          </p:cNvCxnSpPr>
-          <p:nvPr/>
-        </p:nvCxnSpPr>
-        <p:spPr>
-          <a:xfrm flipH="1">
-            <a:off x="7655756" y="2554238"/>
-            <a:ext cx="1445001" cy="2480243"/>
-          </a:xfrm>
-          <a:prstGeom prst="straightConnector1">
-            <a:avLst/>
-          </a:prstGeom>
-          <a:ln>
-            <a:tailEnd type="triangle"/>
-          </a:ln>
-        </p:spPr>
-        <p:style>
-          <a:lnRef idx="1">
-            <a:schemeClr val="accent1"/>
-          </a:lnRef>
-          <a:fillRef idx="0">
-            <a:schemeClr val="accent1"/>
-          </a:fillRef>
-          <a:effectRef idx="0">
-            <a:schemeClr val="accent1"/>
-          </a:effectRef>
-          <a:fontRef idx="minor">
-            <a:schemeClr val="tx1"/>
-          </a:fontRef>
-        </p:style>
-      </p:cxnSp>
-      <p:cxnSp>
-        <p:nvCxnSpPr>
-          <p:cNvPr id="28" name="Gerade Verbindung mit Pfeil 27">
-            <a:extLst>
-              <a:ext uri="{FF2B5EF4-FFF2-40B4-BE49-F238E27FC236}">
-                <a16:creationId xmlns:a16="http://schemas.microsoft.com/office/drawing/2014/main" id="{527C4CDB-6136-441F-884F-F087DDF07F94}"/>
-              </a:ext>
-            </a:extLst>
-          </p:cNvPr>
-          <p:cNvCxnSpPr>
-            <a:cxnSpLocks/>
-            <a:endCxn id="24" idx="2"/>
-          </p:cNvCxnSpPr>
-          <p:nvPr/>
-        </p:nvCxnSpPr>
-        <p:spPr>
-          <a:xfrm>
-            <a:off x="3748131" y="4680540"/>
-            <a:ext cx="3471167" cy="522589"/>
-          </a:xfrm>
-          <a:prstGeom prst="straightConnector1">
-            <a:avLst/>
-          </a:prstGeom>
-          <a:ln>
-            <a:tailEnd type="triangle"/>
-          </a:ln>
-        </p:spPr>
-        <p:style>
-          <a:lnRef idx="1">
-            <a:schemeClr val="accent1"/>
-          </a:lnRef>
-          <a:fillRef idx="0">
-            <a:schemeClr val="accent1"/>
-          </a:fillRef>
-          <a:effectRef idx="0">
-            <a:schemeClr val="accent1"/>
-          </a:effectRef>
-          <a:fontRef idx="minor">
-            <a:schemeClr val="tx1"/>
-          </a:fontRef>
-        </p:style>
-      </p:cxnSp>
-      <p:sp>
-        <p:nvSpPr>
-          <p:cNvPr id="27" name="Textfeld 26">
-            <a:extLst>
-              <a:ext uri="{FF2B5EF4-FFF2-40B4-BE49-F238E27FC236}">
-                <a16:creationId xmlns:a16="http://schemas.microsoft.com/office/drawing/2014/main" id="{E9EE9A81-57E3-4E4E-AC87-89806A07645A}"/>
-              </a:ext>
-            </a:extLst>
-          </p:cNvPr>
-          <p:cNvSpPr txBox="1"/>
-          <p:nvPr/>
-        </p:nvSpPr>
-        <p:spPr>
-          <a:xfrm>
-            <a:off x="4586796" y="363900"/>
-            <a:ext cx="3018407" cy="369332"/>
-          </a:xfrm>
-          <a:prstGeom prst="rect">
-            <a:avLst/>
-          </a:prstGeom>
-          <a:noFill/>
         </p:spPr>
         <p:txBody>
-          <a:bodyPr wrap="square" rtlCol="0">
-            <a:spAutoFit/>
-          </a:bodyPr>
+          <a:bodyPr/>
           <a:lstStyle/>
           <a:p>
-            <a:pPr algn="ctr"/>
+            <a:pPr lvl="1"/>
             <a:r>
-              <a:rPr lang="de-DE" dirty="0"/>
-              <a:t>Das N-Körperproblem</a:t>
+              <a:rPr lang="de-DE" sz="2400" dirty="0"/>
+              <a:t>Geometrische Kurve</a:t>
             </a:r>
+          </a:p>
+          <a:p>
+            <a:pPr lvl="1"/>
+            <a:r>
+              <a:rPr lang="de-DE" sz="2400" dirty="0"/>
+              <a:t>Menge an Punkten für die gilt:</a:t>
+            </a:r>
+          </a:p>
+          <a:p>
+            <a:pPr lvl="2"/>
+            <a:r>
+              <a:rPr lang="de-DE" sz="2400" dirty="0"/>
+              <a:t>a + b = konstant</a:t>
+            </a:r>
+          </a:p>
+          <a:p>
+            <a:pPr lvl="1"/>
+            <a:r>
+              <a:rPr lang="de-DE" sz="2400" dirty="0"/>
+              <a:t>C := Zentrum der Ellipse, Mittelpunkt auf der Geraden zwischen F1 und F2</a:t>
+            </a:r>
+          </a:p>
+          <a:p>
+            <a:endParaRPr lang="de-DE" dirty="0"/>
           </a:p>
         </p:txBody>
       </p:sp>
     </p:spTree>
     <p:extLst>
       <p:ext uri="{BB962C8B-B14F-4D97-AF65-F5344CB8AC3E}">
-        <p14:creationId xmlns:p14="http://schemas.microsoft.com/office/powerpoint/2010/main" val="1175387488"/>
+        <p14:creationId xmlns:p14="http://schemas.microsoft.com/office/powerpoint/2010/main" val="2793527185"/>
       </p:ext>
     </p:extLst>
   </p:cSld>
   <p:clrMapOvr>
     <a:masterClrMapping/>
   </p:clrMapOvr>
-  <p:timing>
-    <p:tnLst>
-      <p:par>
-        <p:cTn id="1" dur="indefinite" restart="never" nodeType="tmRoot">
-          <p:childTnLst>
-            <p:seq concurrent="1" nextAc="seek">
-              <p:cTn id="2" dur="indefinite" nodeType="mainSeq">
-                <p:childTnLst>
-                  <p:par>
-                    <p:cTn id="3" fill="hold">
-                      <p:stCondLst>
-                        <p:cond delay="indefinite"/>
-                      </p:stCondLst>
-                      <p:childTnLst>
-                        <p:par>
-                          <p:cTn id="4" fill="hold">
-                            <p:stCondLst>
-                              <p:cond delay="0"/>
-                            </p:stCondLst>
-                            <p:childTnLst>
-                              <p:par>
-                                <p:cTn id="5" presetID="1" presetClass="entr" presetSubtype="0" fill="hold" grpId="0" nodeType="clickEffect">
-                                  <p:stCondLst>
-                                    <p:cond delay="0"/>
-                                  </p:stCondLst>
-                                  <p:childTnLst>
-                                    <p:set>
-                                      <p:cBhvr>
-                                        <p:cTn id="6" dur="1" fill="hold">
-                                          <p:stCondLst>
-                                            <p:cond delay="0"/>
-                                          </p:stCondLst>
-                                        </p:cTn>
-                                        <p:tgtEl>
-                                          <p:spTgt spid="4"/>
-                                        </p:tgtEl>
-                                        <p:attrNameLst>
-                                          <p:attrName>style.visibility</p:attrName>
-                                        </p:attrNameLst>
-                                      </p:cBhvr>
-                                      <p:to>
-                                        <p:strVal val="visible"/>
-                                      </p:to>
-                                    </p:set>
-                                  </p:childTnLst>
-                                </p:cTn>
-                              </p:par>
-                            </p:childTnLst>
-                          </p:cTn>
-                        </p:par>
-                      </p:childTnLst>
-                    </p:cTn>
-                  </p:par>
-                  <p:par>
-                    <p:cTn id="7" fill="hold">
-                      <p:stCondLst>
-                        <p:cond delay="indefinite"/>
-                      </p:stCondLst>
-                      <p:childTnLst>
-                        <p:par>
-                          <p:cTn id="8" fill="hold">
-                            <p:stCondLst>
-                              <p:cond delay="0"/>
-                            </p:stCondLst>
-                            <p:childTnLst>
-                              <p:par>
-                                <p:cTn id="9" presetID="1" presetClass="entr" presetSubtype="0" fill="hold" grpId="0" nodeType="clickEffect">
-                                  <p:stCondLst>
-                                    <p:cond delay="0"/>
-                                  </p:stCondLst>
-                                  <p:childTnLst>
-                                    <p:set>
-                                      <p:cBhvr>
-                                        <p:cTn id="10" dur="1" fill="hold">
-                                          <p:stCondLst>
-                                            <p:cond delay="0"/>
-                                          </p:stCondLst>
-                                        </p:cTn>
-                                        <p:tgtEl>
-                                          <p:spTgt spid="7"/>
-                                        </p:tgtEl>
-                                        <p:attrNameLst>
-                                          <p:attrName>style.visibility</p:attrName>
-                                        </p:attrNameLst>
-                                      </p:cBhvr>
-                                      <p:to>
-                                        <p:strVal val="visible"/>
-                                      </p:to>
-                                    </p:set>
-                                  </p:childTnLst>
-                                </p:cTn>
-                              </p:par>
-                            </p:childTnLst>
-                          </p:cTn>
-                        </p:par>
-                      </p:childTnLst>
-                    </p:cTn>
-                  </p:par>
-                  <p:par>
-                    <p:cTn id="11" fill="hold">
-                      <p:stCondLst>
-                        <p:cond delay="indefinite"/>
-                      </p:stCondLst>
-                      <p:childTnLst>
-                        <p:par>
-                          <p:cTn id="12" fill="hold">
-                            <p:stCondLst>
-                              <p:cond delay="0"/>
-                            </p:stCondLst>
-                            <p:childTnLst>
-                              <p:par>
-                                <p:cTn id="13" presetID="1" presetClass="entr" presetSubtype="0" fill="hold" grpId="0" nodeType="clickEffect">
-                                  <p:stCondLst>
-                                    <p:cond delay="0"/>
-                                  </p:stCondLst>
-                                  <p:childTnLst>
-                                    <p:set>
-                                      <p:cBhvr>
-                                        <p:cTn id="14" dur="1" fill="hold">
-                                          <p:stCondLst>
-                                            <p:cond delay="0"/>
-                                          </p:stCondLst>
-                                        </p:cTn>
-                                        <p:tgtEl>
-                                          <p:spTgt spid="8"/>
-                                        </p:tgtEl>
-                                        <p:attrNameLst>
-                                          <p:attrName>style.visibility</p:attrName>
-                                        </p:attrNameLst>
-                                      </p:cBhvr>
-                                      <p:to>
-                                        <p:strVal val="visible"/>
-                                      </p:to>
-                                    </p:set>
-                                  </p:childTnLst>
-                                </p:cTn>
-                              </p:par>
-                            </p:childTnLst>
-                          </p:cTn>
-                        </p:par>
-                      </p:childTnLst>
-                    </p:cTn>
-                  </p:par>
-                  <p:par>
-                    <p:cTn id="15" fill="hold">
-                      <p:stCondLst>
-                        <p:cond delay="indefinite"/>
-                      </p:stCondLst>
-                      <p:childTnLst>
-                        <p:par>
-                          <p:cTn id="16" fill="hold">
-                            <p:stCondLst>
-                              <p:cond delay="0"/>
-                            </p:stCondLst>
-                            <p:childTnLst>
-                              <p:par>
-                                <p:cTn id="17" presetID="1" presetClass="entr" presetSubtype="0" fill="hold" grpId="0" nodeType="clickEffect">
-                                  <p:stCondLst>
-                                    <p:cond delay="0"/>
-                                  </p:stCondLst>
-                                  <p:childTnLst>
-                                    <p:set>
-                                      <p:cBhvr>
-                                        <p:cTn id="18" dur="1" fill="hold">
-                                          <p:stCondLst>
-                                            <p:cond delay="0"/>
-                                          </p:stCondLst>
-                                        </p:cTn>
-                                        <p:tgtEl>
-                                          <p:spTgt spid="5"/>
-                                        </p:tgtEl>
-                                        <p:attrNameLst>
-                                          <p:attrName>style.visibility</p:attrName>
-                                        </p:attrNameLst>
-                                      </p:cBhvr>
-                                      <p:to>
-                                        <p:strVal val="visible"/>
-                                      </p:to>
-                                    </p:set>
-                                  </p:childTnLst>
-                                </p:cTn>
-                              </p:par>
-                            </p:childTnLst>
-                          </p:cTn>
-                        </p:par>
-                      </p:childTnLst>
-                    </p:cTn>
-                  </p:par>
-                  <p:par>
-                    <p:cTn id="19" fill="hold">
-                      <p:stCondLst>
-                        <p:cond delay="indefinite"/>
-                      </p:stCondLst>
-                      <p:childTnLst>
-                        <p:par>
-                          <p:cTn id="20" fill="hold">
-                            <p:stCondLst>
-                              <p:cond delay="0"/>
-                            </p:stCondLst>
-                            <p:childTnLst>
-                              <p:par>
-                                <p:cTn id="21" presetID="1" presetClass="entr" presetSubtype="0" fill="hold" grpId="0" nodeType="clickEffect">
-                                  <p:stCondLst>
-                                    <p:cond delay="0"/>
-                                  </p:stCondLst>
-                                  <p:childTnLst>
-                                    <p:set>
-                                      <p:cBhvr>
-                                        <p:cTn id="22" dur="1" fill="hold">
-                                          <p:stCondLst>
-                                            <p:cond delay="0"/>
-                                          </p:stCondLst>
-                                        </p:cTn>
-                                        <p:tgtEl>
-                                          <p:spTgt spid="6"/>
-                                        </p:tgtEl>
-                                        <p:attrNameLst>
-                                          <p:attrName>style.visibility</p:attrName>
-                                        </p:attrNameLst>
-                                      </p:cBhvr>
-                                      <p:to>
-                                        <p:strVal val="visible"/>
-                                      </p:to>
-                                    </p:set>
-                                  </p:childTnLst>
-                                </p:cTn>
-                              </p:par>
-                            </p:childTnLst>
-                          </p:cTn>
-                        </p:par>
-                      </p:childTnLst>
-                    </p:cTn>
-                  </p:par>
-                  <p:par>
-                    <p:cTn id="23" fill="hold">
-                      <p:stCondLst>
-                        <p:cond delay="indefinite"/>
-                      </p:stCondLst>
-                      <p:childTnLst>
-                        <p:par>
-                          <p:cTn id="24" fill="hold">
-                            <p:stCondLst>
-                              <p:cond delay="0"/>
-                            </p:stCondLst>
-                            <p:childTnLst>
-                              <p:par>
-                                <p:cTn id="25" presetID="1" presetClass="entr" presetSubtype="0" fill="hold" nodeType="clickEffect">
-                                  <p:stCondLst>
-                                    <p:cond delay="0"/>
-                                  </p:stCondLst>
-                                  <p:childTnLst>
-                                    <p:set>
-                                      <p:cBhvr>
-                                        <p:cTn id="26" dur="1" fill="hold">
-                                          <p:stCondLst>
-                                            <p:cond delay="0"/>
-                                          </p:stCondLst>
-                                        </p:cTn>
-                                        <p:tgtEl>
-                                          <p:spTgt spid="10"/>
-                                        </p:tgtEl>
-                                        <p:attrNameLst>
-                                          <p:attrName>style.visibility</p:attrName>
-                                        </p:attrNameLst>
-                                      </p:cBhvr>
-                                      <p:to>
-                                        <p:strVal val="visible"/>
-                                      </p:to>
-                                    </p:set>
-                                  </p:childTnLst>
-                                </p:cTn>
-                              </p:par>
-                            </p:childTnLst>
-                          </p:cTn>
-                        </p:par>
-                      </p:childTnLst>
-                    </p:cTn>
-                  </p:par>
-                  <p:par>
-                    <p:cTn id="27" fill="hold">
-                      <p:stCondLst>
-                        <p:cond delay="indefinite"/>
-                      </p:stCondLst>
-                      <p:childTnLst>
-                        <p:par>
-                          <p:cTn id="28" fill="hold">
-                            <p:stCondLst>
-                              <p:cond delay="0"/>
-                            </p:stCondLst>
-                            <p:childTnLst>
-                              <p:par>
-                                <p:cTn id="29" presetID="1" presetClass="entr" presetSubtype="0" fill="hold" nodeType="clickEffect">
-                                  <p:stCondLst>
-                                    <p:cond delay="0"/>
-                                  </p:stCondLst>
-                                  <p:childTnLst>
-                                    <p:set>
-                                      <p:cBhvr>
-                                        <p:cTn id="30" dur="1" fill="hold">
-                                          <p:stCondLst>
-                                            <p:cond delay="0"/>
-                                          </p:stCondLst>
-                                        </p:cTn>
-                                        <p:tgtEl>
-                                          <p:spTgt spid="12"/>
-                                        </p:tgtEl>
-                                        <p:attrNameLst>
-                                          <p:attrName>style.visibility</p:attrName>
-                                        </p:attrNameLst>
-                                      </p:cBhvr>
-                                      <p:to>
-                                        <p:strVal val="visible"/>
-                                      </p:to>
-                                    </p:set>
-                                  </p:childTnLst>
-                                </p:cTn>
-                              </p:par>
-                            </p:childTnLst>
-                          </p:cTn>
-                        </p:par>
-                      </p:childTnLst>
-                    </p:cTn>
-                  </p:par>
-                  <p:par>
-                    <p:cTn id="31" fill="hold">
-                      <p:stCondLst>
-                        <p:cond delay="indefinite"/>
-                      </p:stCondLst>
-                      <p:childTnLst>
-                        <p:par>
-                          <p:cTn id="32" fill="hold">
-                            <p:stCondLst>
-                              <p:cond delay="0"/>
-                            </p:stCondLst>
-                            <p:childTnLst>
-                              <p:par>
-                                <p:cTn id="33" presetID="1" presetClass="entr" presetSubtype="0" fill="hold" nodeType="clickEffect">
-                                  <p:stCondLst>
-                                    <p:cond delay="0"/>
-                                  </p:stCondLst>
-                                  <p:childTnLst>
-                                    <p:set>
-                                      <p:cBhvr>
-                                        <p:cTn id="34" dur="1" fill="hold">
-                                          <p:stCondLst>
-                                            <p:cond delay="0"/>
-                                          </p:stCondLst>
-                                        </p:cTn>
-                                        <p:tgtEl>
-                                          <p:spTgt spid="14"/>
-                                        </p:tgtEl>
-                                        <p:attrNameLst>
-                                          <p:attrName>style.visibility</p:attrName>
-                                        </p:attrNameLst>
-                                      </p:cBhvr>
-                                      <p:to>
-                                        <p:strVal val="visible"/>
-                                      </p:to>
-                                    </p:set>
-                                  </p:childTnLst>
-                                </p:cTn>
-                              </p:par>
-                            </p:childTnLst>
-                          </p:cTn>
-                        </p:par>
-                      </p:childTnLst>
-                    </p:cTn>
-                  </p:par>
-                  <p:par>
-                    <p:cTn id="35" fill="hold">
-                      <p:stCondLst>
-                        <p:cond delay="indefinite"/>
-                      </p:stCondLst>
-                      <p:childTnLst>
-                        <p:par>
-                          <p:cTn id="36" fill="hold">
-                            <p:stCondLst>
-                              <p:cond delay="0"/>
-                            </p:stCondLst>
-                            <p:childTnLst>
-                              <p:par>
-                                <p:cTn id="37" presetID="1" presetClass="exit" presetSubtype="0" fill="hold" grpId="1" nodeType="clickEffect">
-                                  <p:stCondLst>
-                                    <p:cond delay="0"/>
-                                  </p:stCondLst>
-                                  <p:childTnLst>
-                                    <p:set>
-                                      <p:cBhvr>
-                                        <p:cTn id="38" dur="1" fill="hold">
-                                          <p:stCondLst>
-                                            <p:cond delay="0"/>
-                                          </p:stCondLst>
-                                        </p:cTn>
-                                        <p:tgtEl>
-                                          <p:spTgt spid="5"/>
-                                        </p:tgtEl>
-                                        <p:attrNameLst>
-                                          <p:attrName>style.visibility</p:attrName>
-                                        </p:attrNameLst>
-                                      </p:cBhvr>
-                                      <p:to>
-                                        <p:strVal val="hidden"/>
-                                      </p:to>
-                                    </p:set>
-                                  </p:childTnLst>
-                                </p:cTn>
-                              </p:par>
-                              <p:par>
-                                <p:cTn id="39" presetID="1" presetClass="exit" presetSubtype="0" fill="hold" grpId="1" nodeType="withEffect">
-                                  <p:stCondLst>
-                                    <p:cond delay="0"/>
-                                  </p:stCondLst>
-                                  <p:childTnLst>
-                                    <p:set>
-                                      <p:cBhvr>
-                                        <p:cTn id="40" dur="1" fill="hold">
-                                          <p:stCondLst>
-                                            <p:cond delay="0"/>
-                                          </p:stCondLst>
-                                        </p:cTn>
-                                        <p:tgtEl>
-                                          <p:spTgt spid="7"/>
-                                        </p:tgtEl>
-                                        <p:attrNameLst>
-                                          <p:attrName>style.visibility</p:attrName>
-                                        </p:attrNameLst>
-                                      </p:cBhvr>
-                                      <p:to>
-                                        <p:strVal val="hidden"/>
-                                      </p:to>
-                                    </p:set>
-                                  </p:childTnLst>
-                                </p:cTn>
-                              </p:par>
-                              <p:par>
-                                <p:cTn id="41" presetID="1" presetClass="exit" presetSubtype="0" fill="hold" nodeType="withEffect">
-                                  <p:stCondLst>
-                                    <p:cond delay="0"/>
-                                  </p:stCondLst>
-                                  <p:childTnLst>
-                                    <p:set>
-                                      <p:cBhvr>
-                                        <p:cTn id="42" dur="1" fill="hold">
-                                          <p:stCondLst>
-                                            <p:cond delay="0"/>
-                                          </p:stCondLst>
-                                        </p:cTn>
-                                        <p:tgtEl>
-                                          <p:spTgt spid="14"/>
-                                        </p:tgtEl>
-                                        <p:attrNameLst>
-                                          <p:attrName>style.visibility</p:attrName>
-                                        </p:attrNameLst>
-                                      </p:cBhvr>
-                                      <p:to>
-                                        <p:strVal val="hidden"/>
-                                      </p:to>
-                                    </p:set>
-                                  </p:childTnLst>
-                                </p:cTn>
-                              </p:par>
-                              <p:par>
-                                <p:cTn id="43" presetID="1" presetClass="exit" presetSubtype="0" fill="hold" nodeType="withEffect">
-                                  <p:stCondLst>
-                                    <p:cond delay="0"/>
-                                  </p:stCondLst>
-                                  <p:childTnLst>
-                                    <p:set>
-                                      <p:cBhvr>
-                                        <p:cTn id="44" dur="1" fill="hold">
-                                          <p:stCondLst>
-                                            <p:cond delay="0"/>
-                                          </p:stCondLst>
-                                        </p:cTn>
-                                        <p:tgtEl>
-                                          <p:spTgt spid="10"/>
-                                        </p:tgtEl>
-                                        <p:attrNameLst>
-                                          <p:attrName>style.visibility</p:attrName>
-                                        </p:attrNameLst>
-                                      </p:cBhvr>
-                                      <p:to>
-                                        <p:strVal val="hidden"/>
-                                      </p:to>
-                                    </p:set>
-                                  </p:childTnLst>
-                                </p:cTn>
-                              </p:par>
-                              <p:par>
-                                <p:cTn id="45" presetID="1" presetClass="entr" presetSubtype="0" fill="hold" grpId="0" nodeType="withEffect">
-                                  <p:stCondLst>
-                                    <p:cond delay="0"/>
-                                  </p:stCondLst>
-                                  <p:childTnLst>
-                                    <p:set>
-                                      <p:cBhvr>
-                                        <p:cTn id="46" dur="1" fill="hold">
-                                          <p:stCondLst>
-                                            <p:cond delay="0"/>
-                                          </p:stCondLst>
-                                        </p:cTn>
-                                        <p:tgtEl>
-                                          <p:spTgt spid="24"/>
-                                        </p:tgtEl>
-                                        <p:attrNameLst>
-                                          <p:attrName>style.visibility</p:attrName>
-                                        </p:attrNameLst>
-                                      </p:cBhvr>
-                                      <p:to>
-                                        <p:strVal val="visible"/>
-                                      </p:to>
-                                    </p:set>
-                                  </p:childTnLst>
-                                </p:cTn>
-                              </p:par>
-                              <p:par>
-                                <p:cTn id="47" presetID="1" presetClass="entr" presetSubtype="0" fill="hold" grpId="0" nodeType="withEffect">
-                                  <p:stCondLst>
-                                    <p:cond delay="0"/>
-                                  </p:stCondLst>
-                                  <p:childTnLst>
-                                    <p:set>
-                                      <p:cBhvr>
-                                        <p:cTn id="48" dur="1" fill="hold">
-                                          <p:stCondLst>
-                                            <p:cond delay="0"/>
-                                          </p:stCondLst>
-                                        </p:cTn>
-                                        <p:tgtEl>
-                                          <p:spTgt spid="23"/>
-                                        </p:tgtEl>
-                                        <p:attrNameLst>
-                                          <p:attrName>style.visibility</p:attrName>
-                                        </p:attrNameLst>
-                                      </p:cBhvr>
-                                      <p:to>
-                                        <p:strVal val="visible"/>
-                                      </p:to>
-                                    </p:set>
-                                  </p:childTnLst>
-                                </p:cTn>
-                              </p:par>
-                              <p:par>
-                                <p:cTn id="49" presetID="1" presetClass="entr" presetSubtype="0" fill="hold" nodeType="withEffect">
-                                  <p:stCondLst>
-                                    <p:cond delay="0"/>
-                                  </p:stCondLst>
-                                  <p:childTnLst>
-                                    <p:set>
-                                      <p:cBhvr>
-                                        <p:cTn id="50" dur="1" fill="hold">
-                                          <p:stCondLst>
-                                            <p:cond delay="0"/>
-                                          </p:stCondLst>
-                                        </p:cTn>
-                                        <p:tgtEl>
-                                          <p:spTgt spid="25"/>
-                                        </p:tgtEl>
-                                        <p:attrNameLst>
-                                          <p:attrName>style.visibility</p:attrName>
-                                        </p:attrNameLst>
-                                      </p:cBhvr>
-                                      <p:to>
-                                        <p:strVal val="visible"/>
-                                      </p:to>
-                                    </p:set>
-                                  </p:childTnLst>
-                                </p:cTn>
-                              </p:par>
-                              <p:par>
-                                <p:cTn id="51" presetID="1" presetClass="entr" presetSubtype="0" fill="hold" nodeType="withEffect">
-                                  <p:stCondLst>
-                                    <p:cond delay="0"/>
-                                  </p:stCondLst>
-                                  <p:childTnLst>
-                                    <p:set>
-                                      <p:cBhvr>
-                                        <p:cTn id="52" dur="1" fill="hold">
-                                          <p:stCondLst>
-                                            <p:cond delay="0"/>
-                                          </p:stCondLst>
-                                        </p:cTn>
-                                        <p:tgtEl>
-                                          <p:spTgt spid="28"/>
-                                        </p:tgtEl>
-                                        <p:attrNameLst>
-                                          <p:attrName>style.visibility</p:attrName>
-                                        </p:attrNameLst>
-                                      </p:cBhvr>
-                                      <p:to>
-                                        <p:strVal val="visible"/>
-                                      </p:to>
-                                    </p:set>
-                                  </p:childTnLst>
-                                </p:cTn>
-                              </p:par>
-                            </p:childTnLst>
-                          </p:cTn>
-                        </p:par>
-                      </p:childTnLst>
-                    </p:cTn>
-                  </p:par>
-                </p:childTnLst>
-              </p:cTn>
-              <p:prevCondLst>
-                <p:cond evt="onPrev" delay="0">
-                  <p:tgtEl>
-                    <p:sldTgt/>
-                  </p:tgtEl>
-                </p:cond>
-              </p:prevCondLst>
-              <p:nextCondLst>
-                <p:cond evt="onNext" delay="0">
-                  <p:tgtEl>
-                    <p:sldTgt/>
-                  </p:tgtEl>
-                </p:cond>
-              </p:nextCondLst>
-            </p:seq>
-          </p:childTnLst>
-        </p:cTn>
-      </p:par>
-    </p:tnLst>
-    <p:bldLst>
-      <p:bldP spid="4" grpId="0" animBg="1"/>
-      <p:bldP spid="8" grpId="0" animBg="1"/>
-      <p:bldP spid="5" grpId="0" animBg="1"/>
-      <p:bldP spid="5" grpId="1" animBg="1"/>
-      <p:bldP spid="6" grpId="0" animBg="1"/>
-      <p:bldP spid="7" grpId="0" animBg="1"/>
-      <p:bldP spid="7" grpId="1" animBg="1"/>
-      <p:bldP spid="23" grpId="0" animBg="1"/>
-      <p:bldP spid="24" grpId="0" animBg="1"/>
-    </p:bldLst>
-  </p:timing>
 </p:sld>
 </file>
 
@@ -13128,12 +16870,42 @@
           <a:chExt cx="0" cy="0"/>
         </a:xfrm>
       </p:grpSpPr>
+      <p:pic>
+        <p:nvPicPr>
+          <p:cNvPr id="4" name="Grafik 3">
+            <a:extLst>
+              <a:ext uri="{FF2B5EF4-FFF2-40B4-BE49-F238E27FC236}">
+                <a16:creationId xmlns:a16="http://schemas.microsoft.com/office/drawing/2014/main" id="{6C682E71-EFD0-478E-B6EC-FBD1FDE2577C}"/>
+              </a:ext>
+            </a:extLst>
+          </p:cNvPr>
+          <p:cNvPicPr>
+            <a:picLocks noChangeAspect="1"/>
+          </p:cNvPicPr>
+          <p:nvPr/>
+        </p:nvPicPr>
+        <p:blipFill>
+          <a:blip r:embed="rId2"/>
+          <a:stretch>
+            <a:fillRect/>
+          </a:stretch>
+        </p:blipFill>
+        <p:spPr>
+          <a:xfrm>
+            <a:off x="5769429" y="-661109"/>
+            <a:ext cx="10461704" cy="6858000"/>
+          </a:xfrm>
+          <a:prstGeom prst="rect">
+            <a:avLst/>
+          </a:prstGeom>
+        </p:spPr>
+      </p:pic>
       <p:sp>
         <p:nvSpPr>
           <p:cNvPr id="2" name="Titel 1">
             <a:extLst>
               <a:ext uri="{FF2B5EF4-FFF2-40B4-BE49-F238E27FC236}">
-                <a16:creationId xmlns:a16="http://schemas.microsoft.com/office/drawing/2014/main" id="{3D758F7E-CADC-4CFA-842E-2FE3EE11029B}"/>
+                <a16:creationId xmlns:a16="http://schemas.microsoft.com/office/drawing/2014/main" id="{1D7E0ACF-991B-4FE0-9DB0-70DCCBC8A0DB}"/>
               </a:ext>
             </a:extLst>
           </p:cNvPr>
@@ -13151,975 +16923,73 @@
           <a:p>
             <a:r>
               <a:rPr lang="de-DE" dirty="0"/>
-              <a:t>Numerische Integration</a:t>
-            </a:r>
-          </a:p>
-        </p:txBody>
-      </p:sp>
-      <mc:AlternateContent xmlns:mc="http://schemas.openxmlformats.org/markup-compatibility/2006" xmlns:a14="http://schemas.microsoft.com/office/drawing/2010/main">
-        <mc:Choice Requires="a14">
-          <p:sp>
-            <p:nvSpPr>
-              <p:cNvPr id="4" name="Textfeld 3">
-                <a:extLst>
-                  <a:ext uri="{FF2B5EF4-FFF2-40B4-BE49-F238E27FC236}">
-                    <a16:creationId xmlns:a16="http://schemas.microsoft.com/office/drawing/2014/main" id="{2278AFD7-98DB-4CB0-902E-1AE8508923B8}"/>
-                  </a:ext>
-                </a:extLst>
-              </p:cNvPr>
-              <p:cNvSpPr txBox="1"/>
-              <p:nvPr/>
-            </p:nvSpPr>
-            <p:spPr>
-              <a:xfrm>
-                <a:off x="1003178" y="2523023"/>
-                <a:ext cx="1216240" cy="369332"/>
-              </a:xfrm>
-              <a:prstGeom prst="rect">
-                <a:avLst/>
-              </a:prstGeom>
-              <a:noFill/>
-            </p:spPr>
-            <p:txBody>
-              <a:bodyPr wrap="square" rtlCol="0">
-                <a:spAutoFit/>
-              </a:bodyPr>
-              <a:lstStyle/>
-              <a:p>
-                <a:pPr/>
-                <a14:m>
-                  <m:oMathPara xmlns:m="http://schemas.openxmlformats.org/officeDocument/2006/math">
-                    <m:oMathParaPr>
-                      <m:jc m:val="centerGroup"/>
-                    </m:oMathParaPr>
-                    <m:oMath xmlns:m="http://schemas.openxmlformats.org/officeDocument/2006/math">
-                      <m:r>
-                        <a:rPr lang="de-DE" b="0" i="1" smtClean="0">
-                          <a:latin typeface="Cambria Math" panose="02040503050406030204" pitchFamily="18" charset="0"/>
-                        </a:rPr>
-                        <m:t>𝐹</m:t>
-                      </m:r>
-                      <m:r>
-                        <a:rPr lang="de-DE" b="0" i="1" smtClean="0">
-                          <a:latin typeface="Cambria Math" panose="02040503050406030204" pitchFamily="18" charset="0"/>
-                        </a:rPr>
-                        <m:t>=</m:t>
-                      </m:r>
-                      <m:r>
-                        <a:rPr lang="de-DE" b="0" i="1" smtClean="0">
-                          <a:latin typeface="Cambria Math" panose="02040503050406030204" pitchFamily="18" charset="0"/>
-                        </a:rPr>
-                        <m:t>𝑚</m:t>
-                      </m:r>
-                      <m:r>
-                        <a:rPr lang="de-DE" b="0" i="1" smtClean="0">
-                          <a:latin typeface="Cambria Math" panose="02040503050406030204" pitchFamily="18" charset="0"/>
-                        </a:rPr>
-                        <m:t>∗</m:t>
-                      </m:r>
-                      <m:r>
-                        <a:rPr lang="de-DE" b="0" i="1" smtClean="0">
-                          <a:latin typeface="Cambria Math" panose="02040503050406030204" pitchFamily="18" charset="0"/>
-                        </a:rPr>
-                        <m:t>𝑎</m:t>
-                      </m:r>
-                    </m:oMath>
-                  </m:oMathPara>
-                </a14:m>
-                <a:endParaRPr lang="de-DE" dirty="0"/>
-              </a:p>
-            </p:txBody>
-          </p:sp>
-        </mc:Choice>
-        <mc:Fallback xmlns="">
-          <p:sp>
-            <p:nvSpPr>
-              <p:cNvPr id="4" name="Textfeld 3">
-                <a:extLst>
-                  <a:ext uri="{FF2B5EF4-FFF2-40B4-BE49-F238E27FC236}">
-                    <a16:creationId xmlns:a16="http://schemas.microsoft.com/office/drawing/2014/main" id="{2278AFD7-98DB-4CB0-902E-1AE8508923B8}"/>
-                  </a:ext>
-                </a:extLst>
-              </p:cNvPr>
-              <p:cNvSpPr txBox="1">
-                <a:spLocks noRot="1" noChangeAspect="1" noMove="1" noResize="1" noEditPoints="1" noAdjustHandles="1" noChangeArrowheads="1" noChangeShapeType="1" noTextEdit="1"/>
-              </p:cNvSpPr>
-              <p:nvPr/>
-            </p:nvSpPr>
-            <p:spPr>
-              <a:xfrm>
-                <a:off x="1003178" y="2523023"/>
-                <a:ext cx="1216240" cy="369332"/>
-              </a:xfrm>
-              <a:prstGeom prst="rect">
-                <a:avLst/>
-              </a:prstGeom>
-              <a:blipFill>
-                <a:blip r:embed="rId2"/>
-                <a:stretch>
-                  <a:fillRect/>
-                </a:stretch>
-              </a:blipFill>
-            </p:spPr>
-            <p:txBody>
-              <a:bodyPr/>
-              <a:lstStyle/>
-              <a:p>
-                <a:r>
-                  <a:rPr lang="de-DE">
-                    <a:noFill/>
-                  </a:rPr>
-                  <a:t> </a:t>
-                </a:r>
-              </a:p>
-            </p:txBody>
-          </p:sp>
-        </mc:Fallback>
-      </mc:AlternateContent>
-      <p:cxnSp>
-        <p:nvCxnSpPr>
-          <p:cNvPr id="6" name="Verbinder: gewinkelt 5">
-            <a:extLst>
-              <a:ext uri="{FF2B5EF4-FFF2-40B4-BE49-F238E27FC236}">
-                <a16:creationId xmlns:a16="http://schemas.microsoft.com/office/drawing/2014/main" id="{EC1DCD1B-3C69-4937-832B-66ED16A875F0}"/>
-              </a:ext>
-            </a:extLst>
-          </p:cNvPr>
-          <p:cNvCxnSpPr>
-            <a:cxnSpLocks/>
-          </p:cNvCxnSpPr>
-          <p:nvPr/>
-        </p:nvCxnSpPr>
-        <p:spPr>
-          <a:xfrm>
-            <a:off x="2148396" y="2707689"/>
-            <a:ext cx="816746" cy="523783"/>
-          </a:xfrm>
-          <a:prstGeom prst="bentConnector3">
-            <a:avLst/>
-          </a:prstGeom>
-          <a:ln>
-            <a:tailEnd type="triangle"/>
-          </a:ln>
-        </p:spPr>
-        <p:style>
-          <a:lnRef idx="1">
-            <a:schemeClr val="accent1"/>
-          </a:lnRef>
-          <a:fillRef idx="0">
-            <a:schemeClr val="accent1"/>
-          </a:fillRef>
-          <a:effectRef idx="0">
-            <a:schemeClr val="accent1"/>
-          </a:effectRef>
-          <a:fontRef idx="minor">
-            <a:schemeClr val="tx1"/>
-          </a:fontRef>
-        </p:style>
-      </p:cxnSp>
-      <mc:AlternateContent xmlns:mc="http://schemas.openxmlformats.org/markup-compatibility/2006" xmlns:a14="http://schemas.microsoft.com/office/drawing/2010/main">
-        <mc:Choice Requires="a14">
-          <p:sp>
-            <p:nvSpPr>
-              <p:cNvPr id="7" name="Textfeld 6">
-                <a:extLst>
-                  <a:ext uri="{FF2B5EF4-FFF2-40B4-BE49-F238E27FC236}">
-                    <a16:creationId xmlns:a16="http://schemas.microsoft.com/office/drawing/2014/main" id="{8028247A-050A-4AC5-B44B-A6FE87669940}"/>
-                  </a:ext>
-                </a:extLst>
-              </p:cNvPr>
-              <p:cNvSpPr txBox="1"/>
-              <p:nvPr/>
-            </p:nvSpPr>
-            <p:spPr>
-              <a:xfrm>
-                <a:off x="3031724" y="3046806"/>
-                <a:ext cx="1491449" cy="369332"/>
-              </a:xfrm>
-              <a:prstGeom prst="rect">
-                <a:avLst/>
-              </a:prstGeom>
-              <a:noFill/>
-            </p:spPr>
-            <p:txBody>
-              <a:bodyPr wrap="square" rtlCol="0">
-                <a:spAutoFit/>
-              </a:bodyPr>
-              <a:lstStyle/>
-              <a:p>
-                <a:pPr/>
-                <a14:m>
-                  <m:oMathPara xmlns:m="http://schemas.openxmlformats.org/officeDocument/2006/math">
-                    <m:oMathParaPr>
-                      <m:jc m:val="centerGroup"/>
-                    </m:oMathParaPr>
-                    <m:oMath xmlns:m="http://schemas.openxmlformats.org/officeDocument/2006/math">
-                      <m:r>
-                        <a:rPr lang="de-DE" b="0" i="1" smtClean="0">
-                          <a:latin typeface="Cambria Math" panose="02040503050406030204" pitchFamily="18" charset="0"/>
-                        </a:rPr>
-                        <m:t>𝑎</m:t>
-                      </m:r>
-                      <m:r>
-                        <a:rPr lang="de-DE" b="0" i="1" smtClean="0">
-                          <a:latin typeface="Cambria Math" panose="02040503050406030204" pitchFamily="18" charset="0"/>
-                        </a:rPr>
-                        <m:t>=</m:t>
-                      </m:r>
-                      <m:r>
-                        <a:rPr lang="de-DE" b="0" i="1" smtClean="0">
-                          <a:latin typeface="Cambria Math" panose="02040503050406030204" pitchFamily="18" charset="0"/>
-                        </a:rPr>
-                        <m:t>𝐹</m:t>
-                      </m:r>
-                      <m:r>
-                        <a:rPr lang="de-DE" b="0" i="1" smtClean="0">
-                          <a:latin typeface="Cambria Math" panose="02040503050406030204" pitchFamily="18" charset="0"/>
-                        </a:rPr>
-                        <m:t>/</m:t>
-                      </m:r>
-                      <m:r>
-                        <a:rPr lang="de-DE" b="0" i="1" smtClean="0">
-                          <a:latin typeface="Cambria Math" panose="02040503050406030204" pitchFamily="18" charset="0"/>
-                        </a:rPr>
-                        <m:t>𝑚</m:t>
-                      </m:r>
-                    </m:oMath>
-                  </m:oMathPara>
-                </a14:m>
-                <a:endParaRPr lang="de-DE" dirty="0"/>
-              </a:p>
-            </p:txBody>
-          </p:sp>
-        </mc:Choice>
-        <mc:Fallback xmlns="">
-          <p:sp>
-            <p:nvSpPr>
-              <p:cNvPr id="7" name="Textfeld 6">
-                <a:extLst>
-                  <a:ext uri="{FF2B5EF4-FFF2-40B4-BE49-F238E27FC236}">
-                    <a16:creationId xmlns:a16="http://schemas.microsoft.com/office/drawing/2014/main" id="{8028247A-050A-4AC5-B44B-A6FE87669940}"/>
-                  </a:ext>
-                </a:extLst>
-              </p:cNvPr>
-              <p:cNvSpPr txBox="1">
-                <a:spLocks noRot="1" noChangeAspect="1" noMove="1" noResize="1" noEditPoints="1" noAdjustHandles="1" noChangeArrowheads="1" noChangeShapeType="1" noTextEdit="1"/>
-              </p:cNvSpPr>
-              <p:nvPr/>
-            </p:nvSpPr>
-            <p:spPr>
-              <a:xfrm>
-                <a:off x="3031724" y="3046806"/>
-                <a:ext cx="1491449" cy="369332"/>
-              </a:xfrm>
-              <a:prstGeom prst="rect">
-                <a:avLst/>
-              </a:prstGeom>
-              <a:blipFill>
-                <a:blip r:embed="rId3"/>
-                <a:stretch>
-                  <a:fillRect b="-13333"/>
-                </a:stretch>
-              </a:blipFill>
-            </p:spPr>
-            <p:txBody>
-              <a:bodyPr/>
-              <a:lstStyle/>
-              <a:p>
-                <a:r>
-                  <a:rPr lang="de-DE">
-                    <a:noFill/>
-                  </a:rPr>
-                  <a:t> </a:t>
-                </a:r>
-              </a:p>
-            </p:txBody>
-          </p:sp>
-        </mc:Fallback>
-      </mc:AlternateContent>
-      <p:sp>
-        <p:nvSpPr>
-          <p:cNvPr id="8" name="Textfeld 7">
-            <a:extLst>
-              <a:ext uri="{FF2B5EF4-FFF2-40B4-BE49-F238E27FC236}">
-                <a16:creationId xmlns:a16="http://schemas.microsoft.com/office/drawing/2014/main" id="{B376C27D-2ABE-4447-88F7-8E94891F456C}"/>
-              </a:ext>
-            </a:extLst>
-          </p:cNvPr>
-          <p:cNvSpPr txBox="1"/>
-          <p:nvPr/>
-        </p:nvSpPr>
-        <p:spPr>
-          <a:xfrm>
-            <a:off x="1003176" y="1837678"/>
-            <a:ext cx="3755255" cy="369332"/>
-          </a:xfrm>
-          <a:prstGeom prst="rect">
-            <a:avLst/>
-          </a:prstGeom>
-          <a:noFill/>
-        </p:spPr>
-        <p:txBody>
-          <a:bodyPr wrap="square" rtlCol="0">
-            <a:spAutoFit/>
-          </a:bodyPr>
-          <a:lstStyle/>
-          <a:p>
-            <a:r>
-              <a:rPr lang="de-DE" dirty="0"/>
-              <a:t>F=Kraft, m=Masse, a=Beschleunigung</a:t>
+              <a:t>Ellipsen</a:t>
             </a:r>
           </a:p>
         </p:txBody>
       </p:sp>
       <p:sp>
         <p:nvSpPr>
-          <p:cNvPr id="9" name="Textfeld 8">
+          <p:cNvPr id="3" name="Inhaltsplatzhalter 2">
             <a:extLst>
               <a:ext uri="{FF2B5EF4-FFF2-40B4-BE49-F238E27FC236}">
-                <a16:creationId xmlns:a16="http://schemas.microsoft.com/office/drawing/2014/main" id="{3F1EB1B6-3E85-4B80-BC71-15F963A4C1EF}"/>
+                <a16:creationId xmlns:a16="http://schemas.microsoft.com/office/drawing/2014/main" id="{FE51EEFC-8D8F-40AE-9A38-677518DB16F7}"/>
               </a:ext>
             </a:extLst>
           </p:cNvPr>
-          <p:cNvSpPr txBox="1"/>
-          <p:nvPr/>
+          <p:cNvSpPr>
+            <a:spLocks noGrp="1"/>
+          </p:cNvSpPr>
+          <p:nvPr>
+            <p:ph idx="1"/>
+          </p:nvPr>
         </p:nvSpPr>
         <p:spPr>
           <a:xfrm>
-            <a:off x="1118586" y="3710866"/>
-            <a:ext cx="4243527" cy="646331"/>
+            <a:off x="1097280" y="1845734"/>
+            <a:ext cx="4459458" cy="4023360"/>
           </a:xfrm>
-          <a:prstGeom prst="rect">
-            <a:avLst/>
-          </a:prstGeom>
-          <a:noFill/>
         </p:spPr>
         <p:txBody>
-          <a:bodyPr wrap="square" rtlCol="0">
-            <a:spAutoFit/>
-          </a:bodyPr>
+          <a:bodyPr/>
           <a:lstStyle/>
           <a:p>
+            <a:pPr lvl="1"/>
             <a:r>
-              <a:rPr lang="de-DE" dirty="0"/>
-              <a:t>Die Beschleunigung ist die Änderung der Geschwindigkeit über eine gewisse Zeit</a:t>
+              <a:rPr lang="de-DE" sz="2400" dirty="0"/>
+              <a:t>a := Große Halbachse (Semi-Major-Axis), ein Maß für die Größe der Ellipse</a:t>
             </a:r>
+          </a:p>
+          <a:p>
+            <a:pPr lvl="1"/>
+            <a:r>
+              <a:rPr lang="de-DE" sz="2400" dirty="0"/>
+              <a:t>e := Exzentrizität (</a:t>
+            </a:r>
+            <a:r>
+              <a:rPr lang="de-DE" sz="2400" dirty="0" err="1"/>
+              <a:t>Eccentricity</a:t>
+            </a:r>
+            <a:r>
+              <a:rPr lang="de-DE" sz="2400" dirty="0"/>
+              <a:t>), ein Maß für die Stauchung der Ellipse, beschreibt den Abstand der Brennpunkte vom Zentrum </a:t>
+            </a:r>
+          </a:p>
+          <a:p>
+            <a:endParaRPr lang="de-DE" dirty="0"/>
           </a:p>
         </p:txBody>
       </p:sp>
-      <p:cxnSp>
-        <p:nvCxnSpPr>
-          <p:cNvPr id="11" name="Gerade Verbindung mit Pfeil 10">
-            <a:extLst>
-              <a:ext uri="{FF2B5EF4-FFF2-40B4-BE49-F238E27FC236}">
-                <a16:creationId xmlns:a16="http://schemas.microsoft.com/office/drawing/2014/main" id="{C92812C7-849B-4F9F-9A81-1FE579F03D64}"/>
-              </a:ext>
-            </a:extLst>
-          </p:cNvPr>
-          <p:cNvCxnSpPr>
-            <a:stCxn id="9" idx="3"/>
-          </p:cNvCxnSpPr>
-          <p:nvPr/>
-        </p:nvCxnSpPr>
-        <p:spPr>
-          <a:xfrm flipV="1">
-            <a:off x="5362113" y="4030462"/>
-            <a:ext cx="816745" cy="3570"/>
-          </a:xfrm>
-          <a:prstGeom prst="straightConnector1">
-            <a:avLst/>
-          </a:prstGeom>
-          <a:ln>
-            <a:tailEnd type="triangle"/>
-          </a:ln>
-        </p:spPr>
-        <p:style>
-          <a:lnRef idx="1">
-            <a:schemeClr val="accent1"/>
-          </a:lnRef>
-          <a:fillRef idx="0">
-            <a:schemeClr val="accent1"/>
-          </a:fillRef>
-          <a:effectRef idx="0">
-            <a:schemeClr val="accent1"/>
-          </a:effectRef>
-          <a:fontRef idx="minor">
-            <a:schemeClr val="tx1"/>
-          </a:fontRef>
-        </p:style>
-      </p:cxnSp>
-      <mc:AlternateContent xmlns:mc="http://schemas.openxmlformats.org/markup-compatibility/2006" xmlns:a14="http://schemas.microsoft.com/office/drawing/2010/main">
-        <mc:Choice Requires="a14">
-          <p:sp>
-            <p:nvSpPr>
-              <p:cNvPr id="12" name="Textfeld 11">
-                <a:extLst>
-                  <a:ext uri="{FF2B5EF4-FFF2-40B4-BE49-F238E27FC236}">
-                    <a16:creationId xmlns:a16="http://schemas.microsoft.com/office/drawing/2014/main" id="{66D4B41E-2455-41D2-B684-0C65AF61F3CE}"/>
-                  </a:ext>
-                </a:extLst>
-              </p:cNvPr>
-              <p:cNvSpPr txBox="1"/>
-              <p:nvPr/>
-            </p:nvSpPr>
-            <p:spPr>
-              <a:xfrm>
-                <a:off x="5973194" y="3721339"/>
-                <a:ext cx="1713390" cy="618246"/>
-              </a:xfrm>
-              <a:prstGeom prst="rect">
-                <a:avLst/>
-              </a:prstGeom>
-              <a:noFill/>
-            </p:spPr>
-            <p:txBody>
-              <a:bodyPr wrap="square" rtlCol="0">
-                <a:spAutoFit/>
-              </a:bodyPr>
-              <a:lstStyle/>
-              <a:p>
-                <a:pPr/>
-                <a14:m>
-                  <m:oMathPara xmlns:m="http://schemas.openxmlformats.org/officeDocument/2006/math">
-                    <m:oMathParaPr>
-                      <m:jc m:val="centerGroup"/>
-                    </m:oMathParaPr>
-                    <m:oMath xmlns:m="http://schemas.openxmlformats.org/officeDocument/2006/math">
-                      <m:f>
-                        <m:fPr>
-                          <m:ctrlPr>
-                            <a:rPr lang="de-DE" b="0" i="1" smtClean="0">
-                              <a:latin typeface="Cambria Math" panose="02040503050406030204" pitchFamily="18" charset="0"/>
-                            </a:rPr>
-                          </m:ctrlPr>
-                        </m:fPr>
-                        <m:num>
-                          <m:r>
-                            <a:rPr lang="de-DE" b="0" i="1" smtClean="0">
-                              <a:latin typeface="Cambria Math" panose="02040503050406030204" pitchFamily="18" charset="0"/>
-                            </a:rPr>
-                            <m:t>𝑑𝑣</m:t>
-                          </m:r>
-                        </m:num>
-                        <m:den>
-                          <m:r>
-                            <a:rPr lang="de-DE" b="0" i="1" smtClean="0">
-                              <a:latin typeface="Cambria Math" panose="02040503050406030204" pitchFamily="18" charset="0"/>
-                            </a:rPr>
-                            <m:t>𝑑𝑡</m:t>
-                          </m:r>
-                        </m:den>
-                      </m:f>
-                      <m:r>
-                        <a:rPr lang="de-DE" b="0" i="1" smtClean="0">
-                          <a:latin typeface="Cambria Math" panose="02040503050406030204" pitchFamily="18" charset="0"/>
-                        </a:rPr>
-                        <m:t>=</m:t>
-                      </m:r>
-                      <m:r>
-                        <a:rPr lang="de-DE" b="0" i="1" smtClean="0">
-                          <a:latin typeface="Cambria Math" panose="02040503050406030204" pitchFamily="18" charset="0"/>
-                        </a:rPr>
-                        <m:t>𝑎</m:t>
-                      </m:r>
-                    </m:oMath>
-                  </m:oMathPara>
-                </a14:m>
-                <a:endParaRPr lang="de-DE" dirty="0"/>
-              </a:p>
-            </p:txBody>
-          </p:sp>
-        </mc:Choice>
-        <mc:Fallback xmlns="">
-          <p:sp>
-            <p:nvSpPr>
-              <p:cNvPr id="12" name="Textfeld 11">
-                <a:extLst>
-                  <a:ext uri="{FF2B5EF4-FFF2-40B4-BE49-F238E27FC236}">
-                    <a16:creationId xmlns:a16="http://schemas.microsoft.com/office/drawing/2014/main" id="{66D4B41E-2455-41D2-B684-0C65AF61F3CE}"/>
-                  </a:ext>
-                </a:extLst>
-              </p:cNvPr>
-              <p:cNvSpPr txBox="1">
-                <a:spLocks noRot="1" noChangeAspect="1" noMove="1" noResize="1" noEditPoints="1" noAdjustHandles="1" noChangeArrowheads="1" noChangeShapeType="1" noTextEdit="1"/>
-              </p:cNvSpPr>
-              <p:nvPr/>
-            </p:nvSpPr>
-            <p:spPr>
-              <a:xfrm>
-                <a:off x="5973194" y="3721339"/>
-                <a:ext cx="1713390" cy="618246"/>
-              </a:xfrm>
-              <a:prstGeom prst="rect">
-                <a:avLst/>
-              </a:prstGeom>
-              <a:blipFill>
-                <a:blip r:embed="rId4"/>
-                <a:stretch>
-                  <a:fillRect/>
-                </a:stretch>
-              </a:blipFill>
-            </p:spPr>
-            <p:txBody>
-              <a:bodyPr/>
-              <a:lstStyle/>
-              <a:p>
-                <a:r>
-                  <a:rPr lang="de-DE">
-                    <a:noFill/>
-                  </a:rPr>
-                  <a:t> </a:t>
-                </a:r>
-              </a:p>
-            </p:txBody>
-          </p:sp>
-        </mc:Fallback>
-      </mc:AlternateContent>
-      <p:sp>
-        <p:nvSpPr>
-          <p:cNvPr id="13" name="Textfeld 12">
-            <a:extLst>
-              <a:ext uri="{FF2B5EF4-FFF2-40B4-BE49-F238E27FC236}">
-                <a16:creationId xmlns:a16="http://schemas.microsoft.com/office/drawing/2014/main" id="{AB10EE11-2435-4759-B176-360B7BEAE89B}"/>
-              </a:ext>
-            </a:extLst>
-          </p:cNvPr>
-          <p:cNvSpPr txBox="1"/>
-          <p:nvPr/>
-        </p:nvSpPr>
-        <p:spPr>
-          <a:xfrm>
-            <a:off x="1118585" y="4789726"/>
-            <a:ext cx="4243527" cy="646331"/>
-          </a:xfrm>
-          <a:prstGeom prst="rect">
-            <a:avLst/>
-          </a:prstGeom>
-          <a:noFill/>
-        </p:spPr>
-        <p:txBody>
-          <a:bodyPr wrap="square" rtlCol="0">
-            <a:spAutoFit/>
-          </a:bodyPr>
-          <a:lstStyle/>
-          <a:p>
-            <a:r>
-              <a:rPr lang="de-DE" dirty="0"/>
-              <a:t>Die Geschwindigkeit ist die Änderung der Position über eine gewisse Zeit</a:t>
-            </a:r>
-          </a:p>
-        </p:txBody>
-      </p:sp>
-      <p:cxnSp>
-        <p:nvCxnSpPr>
-          <p:cNvPr id="14" name="Gerade Verbindung mit Pfeil 13">
-            <a:extLst>
-              <a:ext uri="{FF2B5EF4-FFF2-40B4-BE49-F238E27FC236}">
-                <a16:creationId xmlns:a16="http://schemas.microsoft.com/office/drawing/2014/main" id="{145FB2DB-2161-4924-8D07-8B4FA4B3B40A}"/>
-              </a:ext>
-            </a:extLst>
-          </p:cNvPr>
-          <p:cNvCxnSpPr/>
-          <p:nvPr/>
-        </p:nvCxnSpPr>
-        <p:spPr>
-          <a:xfrm flipV="1">
-            <a:off x="5362113" y="5035118"/>
-            <a:ext cx="816745" cy="3570"/>
-          </a:xfrm>
-          <a:prstGeom prst="straightConnector1">
-            <a:avLst/>
-          </a:prstGeom>
-          <a:ln>
-            <a:tailEnd type="triangle"/>
-          </a:ln>
-        </p:spPr>
-        <p:style>
-          <a:lnRef idx="1">
-            <a:schemeClr val="accent1"/>
-          </a:lnRef>
-          <a:fillRef idx="0">
-            <a:schemeClr val="accent1"/>
-          </a:fillRef>
-          <a:effectRef idx="0">
-            <a:schemeClr val="accent1"/>
-          </a:effectRef>
-          <a:fontRef idx="minor">
-            <a:schemeClr val="tx1"/>
-          </a:fontRef>
-        </p:style>
-      </p:cxnSp>
-      <mc:AlternateContent xmlns:mc="http://schemas.openxmlformats.org/markup-compatibility/2006" xmlns:a14="http://schemas.microsoft.com/office/drawing/2010/main">
-        <mc:Choice Requires="a14">
-          <p:sp>
-            <p:nvSpPr>
-              <p:cNvPr id="15" name="Textfeld 14">
-                <a:extLst>
-                  <a:ext uri="{FF2B5EF4-FFF2-40B4-BE49-F238E27FC236}">
-                    <a16:creationId xmlns:a16="http://schemas.microsoft.com/office/drawing/2014/main" id="{50D66CCD-4799-4908-841D-6F40A119F206}"/>
-                  </a:ext>
-                </a:extLst>
-              </p:cNvPr>
-              <p:cNvSpPr txBox="1"/>
-              <p:nvPr/>
-            </p:nvSpPr>
-            <p:spPr>
-              <a:xfrm>
-                <a:off x="5973194" y="4725995"/>
-                <a:ext cx="1713390" cy="618246"/>
-              </a:xfrm>
-              <a:prstGeom prst="rect">
-                <a:avLst/>
-              </a:prstGeom>
-              <a:noFill/>
-            </p:spPr>
-            <p:txBody>
-              <a:bodyPr wrap="square" rtlCol="0">
-                <a:spAutoFit/>
-              </a:bodyPr>
-              <a:lstStyle/>
-              <a:p>
-                <a:pPr/>
-                <a14:m>
-                  <m:oMathPara xmlns:m="http://schemas.openxmlformats.org/officeDocument/2006/math">
-                    <m:oMathParaPr>
-                      <m:jc m:val="centerGroup"/>
-                    </m:oMathParaPr>
-                    <m:oMath xmlns:m="http://schemas.openxmlformats.org/officeDocument/2006/math">
-                      <m:f>
-                        <m:fPr>
-                          <m:ctrlPr>
-                            <a:rPr lang="de-DE" b="0" i="1" smtClean="0">
-                              <a:latin typeface="Cambria Math" panose="02040503050406030204" pitchFamily="18" charset="0"/>
-                            </a:rPr>
-                          </m:ctrlPr>
-                        </m:fPr>
-                        <m:num>
-                          <m:r>
-                            <a:rPr lang="de-DE" b="0" i="1" smtClean="0">
-                              <a:latin typeface="Cambria Math" panose="02040503050406030204" pitchFamily="18" charset="0"/>
-                            </a:rPr>
-                            <m:t>𝑑𝑥</m:t>
-                          </m:r>
-                        </m:num>
-                        <m:den>
-                          <m:r>
-                            <a:rPr lang="de-DE" b="0" i="1" smtClean="0">
-                              <a:latin typeface="Cambria Math" panose="02040503050406030204" pitchFamily="18" charset="0"/>
-                            </a:rPr>
-                            <m:t>𝑑𝑡</m:t>
-                          </m:r>
-                        </m:den>
-                      </m:f>
-                      <m:r>
-                        <a:rPr lang="de-DE" b="0" i="1" smtClean="0">
-                          <a:latin typeface="Cambria Math" panose="02040503050406030204" pitchFamily="18" charset="0"/>
-                        </a:rPr>
-                        <m:t>=</m:t>
-                      </m:r>
-                      <m:r>
-                        <a:rPr lang="de-DE" b="0" i="1" smtClean="0">
-                          <a:latin typeface="Cambria Math" panose="02040503050406030204" pitchFamily="18" charset="0"/>
-                        </a:rPr>
-                        <m:t>𝑣</m:t>
-                      </m:r>
-                    </m:oMath>
-                  </m:oMathPara>
-                </a14:m>
-                <a:endParaRPr lang="de-DE" dirty="0"/>
-              </a:p>
-            </p:txBody>
-          </p:sp>
-        </mc:Choice>
-        <mc:Fallback xmlns="">
-          <p:sp>
-            <p:nvSpPr>
-              <p:cNvPr id="15" name="Textfeld 14">
-                <a:extLst>
-                  <a:ext uri="{FF2B5EF4-FFF2-40B4-BE49-F238E27FC236}">
-                    <a16:creationId xmlns:a16="http://schemas.microsoft.com/office/drawing/2014/main" id="{50D66CCD-4799-4908-841D-6F40A119F206}"/>
-                  </a:ext>
-                </a:extLst>
-              </p:cNvPr>
-              <p:cNvSpPr txBox="1">
-                <a:spLocks noRot="1" noChangeAspect="1" noMove="1" noResize="1" noEditPoints="1" noAdjustHandles="1" noChangeArrowheads="1" noChangeShapeType="1" noTextEdit="1"/>
-              </p:cNvSpPr>
-              <p:nvPr/>
-            </p:nvSpPr>
-            <p:spPr>
-              <a:xfrm>
-                <a:off x="5973194" y="4725995"/>
-                <a:ext cx="1713390" cy="618246"/>
-              </a:xfrm>
-              <a:prstGeom prst="rect">
-                <a:avLst/>
-              </a:prstGeom>
-              <a:blipFill>
-                <a:blip r:embed="rId5"/>
-                <a:stretch>
-                  <a:fillRect/>
-                </a:stretch>
-              </a:blipFill>
-            </p:spPr>
-            <p:txBody>
-              <a:bodyPr/>
-              <a:lstStyle/>
-              <a:p>
-                <a:r>
-                  <a:rPr lang="de-DE">
-                    <a:noFill/>
-                  </a:rPr>
-                  <a:t> </a:t>
-                </a:r>
-              </a:p>
-            </p:txBody>
-          </p:sp>
-        </mc:Fallback>
-      </mc:AlternateContent>
     </p:spTree>
     <p:extLst>
       <p:ext uri="{BB962C8B-B14F-4D97-AF65-F5344CB8AC3E}">
-        <p14:creationId xmlns:p14="http://schemas.microsoft.com/office/powerpoint/2010/main" val="964636640"/>
+        <p14:creationId xmlns:p14="http://schemas.microsoft.com/office/powerpoint/2010/main" val="1217889313"/>
       </p:ext>
     </p:extLst>
   </p:cSld>
   <p:clrMapOvr>
     <a:masterClrMapping/>
   </p:clrMapOvr>
-  <p:timing>
-    <p:tnLst>
-      <p:par>
-        <p:cTn id="1" dur="indefinite" restart="never" nodeType="tmRoot">
-          <p:childTnLst>
-            <p:seq concurrent="1" nextAc="seek">
-              <p:cTn id="2" dur="indefinite" nodeType="mainSeq">
-                <p:childTnLst>
-                  <p:par>
-                    <p:cTn id="3" fill="hold">
-                      <p:stCondLst>
-                        <p:cond delay="indefinite"/>
-                      </p:stCondLst>
-                      <p:childTnLst>
-                        <p:par>
-                          <p:cTn id="4" fill="hold">
-                            <p:stCondLst>
-                              <p:cond delay="0"/>
-                            </p:stCondLst>
-                            <p:childTnLst>
-                              <p:par>
-                                <p:cTn id="5" presetID="1" presetClass="entr" presetSubtype="0" fill="hold" grpId="0" nodeType="clickEffect">
-                                  <p:stCondLst>
-                                    <p:cond delay="0"/>
-                                  </p:stCondLst>
-                                  <p:childTnLst>
-                                    <p:set>
-                                      <p:cBhvr>
-                                        <p:cTn id="6" dur="1" fill="hold">
-                                          <p:stCondLst>
-                                            <p:cond delay="0"/>
-                                          </p:stCondLst>
-                                        </p:cTn>
-                                        <p:tgtEl>
-                                          <p:spTgt spid="9"/>
-                                        </p:tgtEl>
-                                        <p:attrNameLst>
-                                          <p:attrName>style.visibility</p:attrName>
-                                        </p:attrNameLst>
-                                      </p:cBhvr>
-                                      <p:to>
-                                        <p:strVal val="visible"/>
-                                      </p:to>
-                                    </p:set>
-                                  </p:childTnLst>
-                                </p:cTn>
-                              </p:par>
-                              <p:par>
-                                <p:cTn id="7" presetID="1" presetClass="entr" presetSubtype="0" fill="hold" nodeType="withEffect">
-                                  <p:stCondLst>
-                                    <p:cond delay="0"/>
-                                  </p:stCondLst>
-                                  <p:childTnLst>
-                                    <p:set>
-                                      <p:cBhvr>
-                                        <p:cTn id="8" dur="1" fill="hold">
-                                          <p:stCondLst>
-                                            <p:cond delay="0"/>
-                                          </p:stCondLst>
-                                        </p:cTn>
-                                        <p:tgtEl>
-                                          <p:spTgt spid="11"/>
-                                        </p:tgtEl>
-                                        <p:attrNameLst>
-                                          <p:attrName>style.visibility</p:attrName>
-                                        </p:attrNameLst>
-                                      </p:cBhvr>
-                                      <p:to>
-                                        <p:strVal val="visible"/>
-                                      </p:to>
-                                    </p:set>
-                                  </p:childTnLst>
-                                </p:cTn>
-                              </p:par>
-                              <p:par>
-                                <p:cTn id="9" presetID="1" presetClass="entr" presetSubtype="0" fill="hold" grpId="0" nodeType="withEffect">
-                                  <p:stCondLst>
-                                    <p:cond delay="0"/>
-                                  </p:stCondLst>
-                                  <p:childTnLst>
-                                    <p:set>
-                                      <p:cBhvr>
-                                        <p:cTn id="10" dur="1" fill="hold">
-                                          <p:stCondLst>
-                                            <p:cond delay="0"/>
-                                          </p:stCondLst>
-                                        </p:cTn>
-                                        <p:tgtEl>
-                                          <p:spTgt spid="12"/>
-                                        </p:tgtEl>
-                                        <p:attrNameLst>
-                                          <p:attrName>style.visibility</p:attrName>
-                                        </p:attrNameLst>
-                                      </p:cBhvr>
-                                      <p:to>
-                                        <p:strVal val="visible"/>
-                                      </p:to>
-                                    </p:set>
-                                  </p:childTnLst>
-                                </p:cTn>
-                              </p:par>
-                            </p:childTnLst>
-                          </p:cTn>
-                        </p:par>
-                      </p:childTnLst>
-                    </p:cTn>
-                  </p:par>
-                  <p:par>
-                    <p:cTn id="11" fill="hold">
-                      <p:stCondLst>
-                        <p:cond delay="indefinite"/>
-                      </p:stCondLst>
-                      <p:childTnLst>
-                        <p:par>
-                          <p:cTn id="12" fill="hold">
-                            <p:stCondLst>
-                              <p:cond delay="0"/>
-                            </p:stCondLst>
-                            <p:childTnLst>
-                              <p:par>
-                                <p:cTn id="13" presetID="1" presetClass="entr" presetSubtype="0" fill="hold" grpId="0" nodeType="clickEffect">
-                                  <p:stCondLst>
-                                    <p:cond delay="0"/>
-                                  </p:stCondLst>
-                                  <p:childTnLst>
-                                    <p:set>
-                                      <p:cBhvr>
-                                        <p:cTn id="14" dur="1" fill="hold">
-                                          <p:stCondLst>
-                                            <p:cond delay="0"/>
-                                          </p:stCondLst>
-                                        </p:cTn>
-                                        <p:tgtEl>
-                                          <p:spTgt spid="13"/>
-                                        </p:tgtEl>
-                                        <p:attrNameLst>
-                                          <p:attrName>style.visibility</p:attrName>
-                                        </p:attrNameLst>
-                                      </p:cBhvr>
-                                      <p:to>
-                                        <p:strVal val="visible"/>
-                                      </p:to>
-                                    </p:set>
-                                  </p:childTnLst>
-                                </p:cTn>
-                              </p:par>
-                              <p:par>
-                                <p:cTn id="15" presetID="1" presetClass="entr" presetSubtype="0" fill="hold" nodeType="withEffect">
-                                  <p:stCondLst>
-                                    <p:cond delay="0"/>
-                                  </p:stCondLst>
-                                  <p:childTnLst>
-                                    <p:set>
-                                      <p:cBhvr>
-                                        <p:cTn id="16" dur="1" fill="hold">
-                                          <p:stCondLst>
-                                            <p:cond delay="0"/>
-                                          </p:stCondLst>
-                                        </p:cTn>
-                                        <p:tgtEl>
-                                          <p:spTgt spid="14"/>
-                                        </p:tgtEl>
-                                        <p:attrNameLst>
-                                          <p:attrName>style.visibility</p:attrName>
-                                        </p:attrNameLst>
-                                      </p:cBhvr>
-                                      <p:to>
-                                        <p:strVal val="visible"/>
-                                      </p:to>
-                                    </p:set>
-                                  </p:childTnLst>
-                                </p:cTn>
-                              </p:par>
-                              <p:par>
-                                <p:cTn id="17" presetID="1" presetClass="entr" presetSubtype="0" fill="hold" grpId="0" nodeType="withEffect">
-                                  <p:stCondLst>
-                                    <p:cond delay="0"/>
-                                  </p:stCondLst>
-                                  <p:childTnLst>
-                                    <p:set>
-                                      <p:cBhvr>
-                                        <p:cTn id="18" dur="1" fill="hold">
-                                          <p:stCondLst>
-                                            <p:cond delay="0"/>
-                                          </p:stCondLst>
-                                        </p:cTn>
-                                        <p:tgtEl>
-                                          <p:spTgt spid="15"/>
-                                        </p:tgtEl>
-                                        <p:attrNameLst>
-                                          <p:attrName>style.visibility</p:attrName>
-                                        </p:attrNameLst>
-                                      </p:cBhvr>
-                                      <p:to>
-                                        <p:strVal val="visible"/>
-                                      </p:to>
-                                    </p:set>
-                                  </p:childTnLst>
-                                </p:cTn>
-                              </p:par>
-                            </p:childTnLst>
-                          </p:cTn>
-                        </p:par>
-                      </p:childTnLst>
-                    </p:cTn>
-                  </p:par>
-                </p:childTnLst>
-              </p:cTn>
-              <p:prevCondLst>
-                <p:cond evt="onPrev" delay="0">
-                  <p:tgtEl>
-                    <p:sldTgt/>
-                  </p:tgtEl>
-                </p:cond>
-              </p:prevCondLst>
-              <p:nextCondLst>
-                <p:cond evt="onNext" delay="0">
-                  <p:tgtEl>
-                    <p:sldTgt/>
-                  </p:tgtEl>
-                </p:cond>
-              </p:nextCondLst>
-            </p:seq>
-          </p:childTnLst>
-        </p:cTn>
-      </p:par>
-    </p:tnLst>
-    <p:bldLst>
-      <p:bldP spid="9" grpId="0"/>
-      <p:bldP spid="12" grpId="0"/>
-      <p:bldP spid="13" grpId="0"/>
-      <p:bldP spid="15" grpId="0"/>
-    </p:bldLst>
-  </p:timing>
 </p:sld>
 </file>
 

--- a/Simulation des Sonnensytem.pptx
+++ b/Simulation des Sonnensytem.pptx
@@ -8,31 +8,29 @@
     <p:sldId id="256" r:id="rId2"/>
     <p:sldId id="257" r:id="rId3"/>
     <p:sldId id="258" r:id="rId4"/>
-    <p:sldId id="260" r:id="rId5"/>
-    <p:sldId id="271" r:id="rId6"/>
-    <p:sldId id="272" r:id="rId7"/>
-    <p:sldId id="273" r:id="rId8"/>
-    <p:sldId id="274" r:id="rId9"/>
-    <p:sldId id="275" r:id="rId10"/>
-    <p:sldId id="276" r:id="rId11"/>
-    <p:sldId id="277" r:id="rId12"/>
-    <p:sldId id="278" r:id="rId13"/>
-    <p:sldId id="279" r:id="rId14"/>
-    <p:sldId id="280" r:id="rId15"/>
-    <p:sldId id="281" r:id="rId16"/>
-    <p:sldId id="282" r:id="rId17"/>
-    <p:sldId id="283" r:id="rId18"/>
-    <p:sldId id="261" r:id="rId19"/>
-    <p:sldId id="267" r:id="rId20"/>
-    <p:sldId id="268" r:id="rId21"/>
-    <p:sldId id="259" r:id="rId22"/>
-    <p:sldId id="269" r:id="rId23"/>
-    <p:sldId id="270" r:id="rId24"/>
-    <p:sldId id="262" r:id="rId25"/>
-    <p:sldId id="263" r:id="rId26"/>
-    <p:sldId id="264" r:id="rId27"/>
-    <p:sldId id="265" r:id="rId28"/>
-    <p:sldId id="266" r:id="rId29"/>
+    <p:sldId id="271" r:id="rId5"/>
+    <p:sldId id="272" r:id="rId6"/>
+    <p:sldId id="273" r:id="rId7"/>
+    <p:sldId id="274" r:id="rId8"/>
+    <p:sldId id="275" r:id="rId9"/>
+    <p:sldId id="276" r:id="rId10"/>
+    <p:sldId id="277" r:id="rId11"/>
+    <p:sldId id="278" r:id="rId12"/>
+    <p:sldId id="279" r:id="rId13"/>
+    <p:sldId id="280" r:id="rId14"/>
+    <p:sldId id="281" r:id="rId15"/>
+    <p:sldId id="282" r:id="rId16"/>
+    <p:sldId id="283" r:id="rId17"/>
+    <p:sldId id="267" r:id="rId18"/>
+    <p:sldId id="268" r:id="rId19"/>
+    <p:sldId id="259" r:id="rId20"/>
+    <p:sldId id="269" r:id="rId21"/>
+    <p:sldId id="270" r:id="rId22"/>
+    <p:sldId id="262" r:id="rId23"/>
+    <p:sldId id="266" r:id="rId24"/>
+    <p:sldId id="263" r:id="rId25"/>
+    <p:sldId id="264" r:id="rId26"/>
+    <p:sldId id="265" r:id="rId27"/>
   </p:sldIdLst>
   <p:sldSz cx="12192000" cy="6858000"/>
   <p:notesSz cx="6858000" cy="9144000"/>
@@ -3859,11 +3857,11 @@
           <a:p>
             <a:r>
               <a:rPr lang="de-DE" dirty="0"/>
-              <a:t>Simulation des </a:t>
+              <a:t>Simulation unseres </a:t>
             </a:r>
             <a:r>
               <a:rPr lang="de-DE" dirty="0" err="1"/>
-              <a:t>Sonnensytem</a:t>
+              <a:t>Sonnensytems</a:t>
             </a:r>
             <a:endParaRPr lang="de-DE" dirty="0"/>
           </a:p>
@@ -3956,136 +3954,6 @@
 </file>
 
 <file path=ppt/slides/slide10.xml><?xml version="1.0" encoding="utf-8"?>
-<p:sld xmlns:a="http://schemas.openxmlformats.org/drawingml/2006/main" xmlns:r="http://schemas.openxmlformats.org/officeDocument/2006/relationships" xmlns:p="http://schemas.openxmlformats.org/presentationml/2006/main">
-  <p:cSld>
-    <p:spTree>
-      <p:nvGrpSpPr>
-        <p:cNvPr id="1" name=""/>
-        <p:cNvGrpSpPr/>
-        <p:nvPr/>
-      </p:nvGrpSpPr>
-      <p:grpSpPr>
-        <a:xfrm>
-          <a:off x="0" y="0"/>
-          <a:ext cx="0" cy="0"/>
-          <a:chOff x="0" y="0"/>
-          <a:chExt cx="0" cy="0"/>
-        </a:xfrm>
-      </p:grpSpPr>
-      <p:sp>
-        <p:nvSpPr>
-          <p:cNvPr id="2" name="Titel 1">
-            <a:extLst>
-              <a:ext uri="{FF2B5EF4-FFF2-40B4-BE49-F238E27FC236}">
-                <a16:creationId xmlns:a16="http://schemas.microsoft.com/office/drawing/2014/main" id="{2BBBB310-2A5C-44B8-BFF9-07AF0AD489C7}"/>
-              </a:ext>
-            </a:extLst>
-          </p:cNvPr>
-          <p:cNvSpPr>
-            <a:spLocks noGrp="1"/>
-          </p:cNvSpPr>
-          <p:nvPr>
-            <p:ph type="title"/>
-          </p:nvPr>
-        </p:nvSpPr>
-        <p:spPr/>
-        <p:txBody>
-          <a:bodyPr/>
-          <a:lstStyle/>
-          <a:p>
-            <a:r>
-              <a:rPr lang="de-DE" dirty="0"/>
-              <a:t>Ellipsen im Raum</a:t>
-            </a:r>
-          </a:p>
-        </p:txBody>
-      </p:sp>
-      <p:pic>
-        <p:nvPicPr>
-          <p:cNvPr id="4" name="Grafik 3">
-            <a:extLst>
-              <a:ext uri="{FF2B5EF4-FFF2-40B4-BE49-F238E27FC236}">
-                <a16:creationId xmlns:a16="http://schemas.microsoft.com/office/drawing/2014/main" id="{9E5B9982-6225-4186-98E6-DF3335EBBE65}"/>
-              </a:ext>
-            </a:extLst>
-          </p:cNvPr>
-          <p:cNvPicPr>
-            <a:picLocks noChangeAspect="1"/>
-          </p:cNvPicPr>
-          <p:nvPr/>
-        </p:nvPicPr>
-        <p:blipFill>
-          <a:blip r:embed="rId2">
-            <a:extLst>
-              <a:ext uri="{28A0092B-C50C-407E-A947-70E740481C1C}">
-                <a14:useLocalDpi xmlns:a14="http://schemas.microsoft.com/office/drawing/2010/main" val="0"/>
-              </a:ext>
-            </a:extLst>
-          </a:blip>
-          <a:stretch>
-            <a:fillRect/>
-          </a:stretch>
-        </p:blipFill>
-        <p:spPr>
-          <a:xfrm>
-            <a:off x="692084" y="1922002"/>
-            <a:ext cx="5403916" cy="3013995"/>
-          </a:xfrm>
-          <a:prstGeom prst="rect">
-            <a:avLst/>
-          </a:prstGeom>
-        </p:spPr>
-      </p:pic>
-      <p:pic>
-        <p:nvPicPr>
-          <p:cNvPr id="5" name="Grafik 4">
-            <a:extLst>
-              <a:ext uri="{FF2B5EF4-FFF2-40B4-BE49-F238E27FC236}">
-                <a16:creationId xmlns:a16="http://schemas.microsoft.com/office/drawing/2014/main" id="{1456A0D1-F21B-418D-8511-080281F6D257}"/>
-              </a:ext>
-            </a:extLst>
-          </p:cNvPr>
-          <p:cNvPicPr>
-            <a:picLocks noChangeAspect="1"/>
-          </p:cNvPicPr>
-          <p:nvPr/>
-        </p:nvPicPr>
-        <p:blipFill>
-          <a:blip r:embed="rId3">
-            <a:extLst>
-              <a:ext uri="{28A0092B-C50C-407E-A947-70E740481C1C}">
-                <a14:useLocalDpi xmlns:a14="http://schemas.microsoft.com/office/drawing/2010/main" val="0"/>
-              </a:ext>
-            </a:extLst>
-          </a:blip>
-          <a:stretch>
-            <a:fillRect/>
-          </a:stretch>
-        </p:blipFill>
-        <p:spPr>
-          <a:xfrm>
-            <a:off x="5501326" y="2880013"/>
-            <a:ext cx="5998590" cy="3345670"/>
-          </a:xfrm>
-          <a:prstGeom prst="rect">
-            <a:avLst/>
-          </a:prstGeom>
-        </p:spPr>
-      </p:pic>
-    </p:spTree>
-    <p:extLst>
-      <p:ext uri="{BB962C8B-B14F-4D97-AF65-F5344CB8AC3E}">
-        <p14:creationId xmlns:p14="http://schemas.microsoft.com/office/powerpoint/2010/main" val="2234233382"/>
-      </p:ext>
-    </p:extLst>
-  </p:cSld>
-  <p:clrMapOvr>
-    <a:masterClrMapping/>
-  </p:clrMapOvr>
-</p:sld>
-</file>
-
-<file path=ppt/slides/slide11.xml><?xml version="1.0" encoding="utf-8"?>
 <p:sld xmlns:a="http://schemas.openxmlformats.org/drawingml/2006/main" xmlns:r="http://schemas.openxmlformats.org/officeDocument/2006/relationships" xmlns:p="http://schemas.openxmlformats.org/presentationml/2006/main">
   <p:cSld>
     <p:spTree>
@@ -4215,7 +4083,7 @@
 </p:sld>
 </file>
 
-<file path=ppt/slides/slide12.xml><?xml version="1.0" encoding="utf-8"?>
+<file path=ppt/slides/slide11.xml><?xml version="1.0" encoding="utf-8"?>
 <p:sld xmlns:a="http://schemas.openxmlformats.org/drawingml/2006/main" xmlns:r="http://schemas.openxmlformats.org/officeDocument/2006/relationships" xmlns:p="http://schemas.openxmlformats.org/presentationml/2006/main">
   <p:cSld>
     <p:spTree>
@@ -4346,7 +4214,7 @@
 </p:sld>
 </file>
 
-<file path=ppt/slides/slide13.xml><?xml version="1.0" encoding="utf-8"?>
+<file path=ppt/slides/slide12.xml><?xml version="1.0" encoding="utf-8"?>
 <p:sld xmlns:a="http://schemas.openxmlformats.org/drawingml/2006/main" xmlns:r="http://schemas.openxmlformats.org/officeDocument/2006/relationships" xmlns:p="http://schemas.openxmlformats.org/presentationml/2006/main">
   <p:cSld>
     <p:spTree>
@@ -4491,7 +4359,7 @@
 </p:sld>
 </file>
 
-<file path=ppt/slides/slide14.xml><?xml version="1.0" encoding="utf-8"?>
+<file path=ppt/slides/slide13.xml><?xml version="1.0" encoding="utf-8"?>
 <p:sld xmlns:a="http://schemas.openxmlformats.org/drawingml/2006/main" xmlns:r="http://schemas.openxmlformats.org/officeDocument/2006/relationships" xmlns:p="http://schemas.openxmlformats.org/presentationml/2006/main">
   <p:cSld>
     <p:spTree>
@@ -4620,7 +4488,7 @@
 </p:sld>
 </file>
 
-<file path=ppt/slides/slide15.xml><?xml version="1.0" encoding="utf-8"?>
+<file path=ppt/slides/slide14.xml><?xml version="1.0" encoding="utf-8"?>
 <p:sld xmlns:a="http://schemas.openxmlformats.org/drawingml/2006/main" xmlns:r="http://schemas.openxmlformats.org/officeDocument/2006/relationships" xmlns:p="http://schemas.openxmlformats.org/presentationml/2006/main">
   <p:cSld>
     <p:spTree>
@@ -4771,7 +4639,7 @@
 </p:sld>
 </file>
 
-<file path=ppt/slides/slide16.xml><?xml version="1.0" encoding="utf-8"?>
+<file path=ppt/slides/slide15.xml><?xml version="1.0" encoding="utf-8"?>
 <p:sld xmlns:a="http://schemas.openxmlformats.org/drawingml/2006/main" xmlns:r="http://schemas.openxmlformats.org/officeDocument/2006/relationships" xmlns:p="http://schemas.openxmlformats.org/presentationml/2006/main">
   <p:cSld>
     <p:spTree>
@@ -5095,8 +4963,8 @@
           </p:sp>
         </mc:Fallback>
       </mc:AlternateContent>
-      <mc:AlternateContent xmlns:mc="http://schemas.openxmlformats.org/markup-compatibility/2006">
-        <mc:Choice xmlns:a14="http://schemas.microsoft.com/office/drawing/2010/main" Requires="a14">
+      <mc:AlternateContent xmlns:mc="http://schemas.openxmlformats.org/markup-compatibility/2006" xmlns:a14="http://schemas.microsoft.com/office/drawing/2010/main">
+        <mc:Choice Requires="a14">
           <p:sp>
             <p:nvSpPr>
               <p:cNvPr id="5" name="Rechteck 4">
@@ -5124,6 +4992,7 @@
               </a:bodyPr>
               <a:lstStyle/>
               <a:p>
+                <a:pPr/>
                 <a14:m>
                   <m:oMathPara xmlns:m="http://schemas.openxmlformats.org/officeDocument/2006/math">
                     <m:oMathParaPr>
@@ -5284,7 +5153,7 @@
             </p:txBody>
           </p:sp>
         </mc:Choice>
-        <mc:Fallback>
+        <mc:Fallback xmlns="">
           <p:sp>
             <p:nvSpPr>
               <p:cNvPr id="5" name="Rechteck 4">
@@ -5329,8 +5198,8 @@
           </p:sp>
         </mc:Fallback>
       </mc:AlternateContent>
-      <mc:AlternateContent xmlns:mc="http://schemas.openxmlformats.org/markup-compatibility/2006">
-        <mc:Choice xmlns:a14="http://schemas.microsoft.com/office/drawing/2010/main" Requires="a14">
+      <mc:AlternateContent xmlns:mc="http://schemas.openxmlformats.org/markup-compatibility/2006" xmlns:a14="http://schemas.microsoft.com/office/drawing/2010/main">
+        <mc:Choice Requires="a14">
           <p:sp>
             <p:nvSpPr>
               <p:cNvPr id="6" name="Rechteck 5">
@@ -5358,6 +5227,7 @@
               </a:bodyPr>
               <a:lstStyle/>
               <a:p>
+                <a:pPr/>
                 <a14:m>
                   <m:oMathPara xmlns:m="http://schemas.openxmlformats.org/officeDocument/2006/math">
                     <m:oMathParaPr>
@@ -5446,7 +5316,7 @@
             </p:txBody>
           </p:sp>
         </mc:Choice>
-        <mc:Fallback>
+        <mc:Fallback xmlns="">
           <p:sp>
             <p:nvSpPr>
               <p:cNvPr id="6" name="Rechteck 5">
@@ -5504,7 +5374,7 @@
 </p:sld>
 </file>
 
-<file path=ppt/slides/slide17.xml><?xml version="1.0" encoding="utf-8"?>
+<file path=ppt/slides/slide16.xml><?xml version="1.0" encoding="utf-8"?>
 <p:sld xmlns:a="http://schemas.openxmlformats.org/drawingml/2006/main" xmlns:r="http://schemas.openxmlformats.org/officeDocument/2006/relationships" xmlns:p="http://schemas.openxmlformats.org/presentationml/2006/main">
   <p:cSld>
     <p:spTree>
@@ -5579,8 +5449,8 @@
           </a:p>
         </p:txBody>
       </p:sp>
-      <mc:AlternateContent xmlns:mc="http://schemas.openxmlformats.org/markup-compatibility/2006">
-        <mc:Choice xmlns:a14="http://schemas.microsoft.com/office/drawing/2010/main" Requires="a14">
+      <mc:AlternateContent xmlns:mc="http://schemas.openxmlformats.org/markup-compatibility/2006" xmlns:a14="http://schemas.microsoft.com/office/drawing/2010/main">
+        <mc:Choice Requires="a14">
           <p:sp>
             <p:nvSpPr>
               <p:cNvPr id="3" name="Inhaltsplatzhalter 2">
@@ -5680,7 +5550,7 @@
             </p:txBody>
           </p:sp>
         </mc:Choice>
-        <mc:Fallback>
+        <mc:Fallback xmlns="">
           <p:sp>
             <p:nvSpPr>
               <p:cNvPr id="3" name="Inhaltsplatzhalter 2">
@@ -5737,90 +5607,7 @@
 </p:sld>
 </file>
 
-<file path=ppt/slides/slide18.xml><?xml version="1.0" encoding="utf-8"?>
-<p:sld xmlns:a="http://schemas.openxmlformats.org/drawingml/2006/main" xmlns:r="http://schemas.openxmlformats.org/officeDocument/2006/relationships" xmlns:p="http://schemas.openxmlformats.org/presentationml/2006/main">
-  <p:cSld>
-    <p:spTree>
-      <p:nvGrpSpPr>
-        <p:cNvPr id="1" name=""/>
-        <p:cNvGrpSpPr/>
-        <p:nvPr/>
-      </p:nvGrpSpPr>
-      <p:grpSpPr>
-        <a:xfrm>
-          <a:off x="0" y="0"/>
-          <a:ext cx="0" cy="0"/>
-          <a:chOff x="0" y="0"/>
-          <a:chExt cx="0" cy="0"/>
-        </a:xfrm>
-      </p:grpSpPr>
-      <p:sp>
-        <p:nvSpPr>
-          <p:cNvPr id="2" name="Titel 1">
-            <a:extLst>
-              <a:ext uri="{FF2B5EF4-FFF2-40B4-BE49-F238E27FC236}">
-                <a16:creationId xmlns:a16="http://schemas.microsoft.com/office/drawing/2014/main" id="{B5DA7E70-CD89-4BAC-84AD-BBF70C4B04C8}"/>
-              </a:ext>
-            </a:extLst>
-          </p:cNvPr>
-          <p:cNvSpPr>
-            <a:spLocks noGrp="1"/>
-          </p:cNvSpPr>
-          <p:nvPr>
-            <p:ph type="title"/>
-          </p:nvPr>
-        </p:nvSpPr>
-        <p:spPr/>
-        <p:txBody>
-          <a:bodyPr/>
-          <a:lstStyle/>
-          <a:p>
-            <a:r>
-              <a:rPr lang="de-DE" dirty="0"/>
-              <a:t>Fredes Teil</a:t>
-            </a:r>
-          </a:p>
-        </p:txBody>
-      </p:sp>
-      <p:sp>
-        <p:nvSpPr>
-          <p:cNvPr id="3" name="Inhaltsplatzhalter 2">
-            <a:extLst>
-              <a:ext uri="{FF2B5EF4-FFF2-40B4-BE49-F238E27FC236}">
-                <a16:creationId xmlns:a16="http://schemas.microsoft.com/office/drawing/2014/main" id="{591AF323-B4B4-4E48-A8F6-2496DFCB2EF6}"/>
-              </a:ext>
-            </a:extLst>
-          </p:cNvPr>
-          <p:cNvSpPr>
-            <a:spLocks noGrp="1"/>
-          </p:cNvSpPr>
-          <p:nvPr>
-            <p:ph idx="1"/>
-          </p:nvPr>
-        </p:nvSpPr>
-        <p:spPr/>
-        <p:txBody>
-          <a:bodyPr/>
-          <a:lstStyle/>
-          <a:p>
-            <a:endParaRPr lang="de-DE"/>
-          </a:p>
-        </p:txBody>
-      </p:sp>
-    </p:spTree>
-    <p:extLst>
-      <p:ext uri="{BB962C8B-B14F-4D97-AF65-F5344CB8AC3E}">
-        <p14:creationId xmlns:p14="http://schemas.microsoft.com/office/powerpoint/2010/main" val="1645068661"/>
-      </p:ext>
-    </p:extLst>
-  </p:cSld>
-  <p:clrMapOvr>
-    <a:masterClrMapping/>
-  </p:clrMapOvr>
-</p:sld>
-</file>
-
-<file path=ppt/slides/slide19.xml><?xml version="1.0" encoding="utf-8"?>
+<file path=ppt/slides/slide17.xml><?xml version="1.0" encoding="utf-8"?>
 <p:sld xmlns:a="http://schemas.openxmlformats.org/drawingml/2006/main" xmlns:r="http://schemas.openxmlformats.org/officeDocument/2006/relationships" xmlns:p="http://schemas.openxmlformats.org/presentationml/2006/main">
   <p:cSld>
     <p:spTree>
@@ -5886,90 +5673,7 @@
 </p:sld>
 </file>
 
-<file path=ppt/slides/slide2.xml><?xml version="1.0" encoding="utf-8"?>
-<p:sld xmlns:a="http://schemas.openxmlformats.org/drawingml/2006/main" xmlns:r="http://schemas.openxmlformats.org/officeDocument/2006/relationships" xmlns:p="http://schemas.openxmlformats.org/presentationml/2006/main">
-  <p:cSld>
-    <p:spTree>
-      <p:nvGrpSpPr>
-        <p:cNvPr id="1" name=""/>
-        <p:cNvGrpSpPr/>
-        <p:nvPr/>
-      </p:nvGrpSpPr>
-      <p:grpSpPr>
-        <a:xfrm>
-          <a:off x="0" y="0"/>
-          <a:ext cx="0" cy="0"/>
-          <a:chOff x="0" y="0"/>
-          <a:chExt cx="0" cy="0"/>
-        </a:xfrm>
-      </p:grpSpPr>
-      <p:sp>
-        <p:nvSpPr>
-          <p:cNvPr id="2" name="Titel 1">
-            <a:extLst>
-              <a:ext uri="{FF2B5EF4-FFF2-40B4-BE49-F238E27FC236}">
-                <a16:creationId xmlns:a16="http://schemas.microsoft.com/office/drawing/2014/main" id="{F34C9E2D-611E-48D5-9E3F-60BCC33CC164}"/>
-              </a:ext>
-            </a:extLst>
-          </p:cNvPr>
-          <p:cNvSpPr>
-            <a:spLocks noGrp="1"/>
-          </p:cNvSpPr>
-          <p:nvPr>
-            <p:ph type="title"/>
-          </p:nvPr>
-        </p:nvSpPr>
-        <p:spPr/>
-        <p:txBody>
-          <a:bodyPr/>
-          <a:lstStyle/>
-          <a:p>
-            <a:r>
-              <a:rPr lang="de-DE" dirty="0"/>
-              <a:t>Inhaltsverzeichnis</a:t>
-            </a:r>
-          </a:p>
-        </p:txBody>
-      </p:sp>
-      <p:sp>
-        <p:nvSpPr>
-          <p:cNvPr id="3" name="Inhaltsplatzhalter 2">
-            <a:extLst>
-              <a:ext uri="{FF2B5EF4-FFF2-40B4-BE49-F238E27FC236}">
-                <a16:creationId xmlns:a16="http://schemas.microsoft.com/office/drawing/2014/main" id="{E8DBC05B-1845-42D4-965C-63A607DCC327}"/>
-              </a:ext>
-            </a:extLst>
-          </p:cNvPr>
-          <p:cNvSpPr>
-            <a:spLocks noGrp="1"/>
-          </p:cNvSpPr>
-          <p:nvPr>
-            <p:ph idx="1"/>
-          </p:nvPr>
-        </p:nvSpPr>
-        <p:spPr/>
-        <p:txBody>
-          <a:bodyPr/>
-          <a:lstStyle/>
-          <a:p>
-            <a:endParaRPr lang="de-DE"/>
-          </a:p>
-        </p:txBody>
-      </p:sp>
-    </p:spTree>
-    <p:extLst>
-      <p:ext uri="{BB962C8B-B14F-4D97-AF65-F5344CB8AC3E}">
-        <p14:creationId xmlns:p14="http://schemas.microsoft.com/office/powerpoint/2010/main" val="1541868476"/>
-      </p:ext>
-    </p:extLst>
-  </p:cSld>
-  <p:clrMapOvr>
-    <a:masterClrMapping/>
-  </p:clrMapOvr>
-</p:sld>
-</file>
-
-<file path=ppt/slides/slide20.xml><?xml version="1.0" encoding="utf-8"?>
+<file path=ppt/slides/slide18.xml><?xml version="1.0" encoding="utf-8"?>
 <p:sld xmlns:a="http://schemas.openxmlformats.org/drawingml/2006/main" xmlns:r="http://schemas.openxmlformats.org/officeDocument/2006/relationships" xmlns:p="http://schemas.openxmlformats.org/presentationml/2006/main">
   <p:cSld>
     <p:spTree>
@@ -6014,7 +5718,7 @@
         </p:blipFill>
         <p:spPr>
           <a:xfrm>
-            <a:off x="1573439" y="2286000"/>
+            <a:off x="1363715" y="1916885"/>
             <a:ext cx="3429000" cy="2286000"/>
           </a:xfrm>
           <a:prstGeom prst="rect">
@@ -6051,7 +5755,7 @@
         </p:blipFill>
         <p:spPr bwMode="auto">
           <a:xfrm>
-            <a:off x="6947517" y="1660090"/>
+            <a:off x="7652193" y="770857"/>
             <a:ext cx="2577483" cy="3537819"/>
           </a:xfrm>
           <a:prstGeom prst="rect">
@@ -6082,7 +5786,7 @@
 </p:sld>
 </file>
 
-<file path=ppt/slides/slide21.xml><?xml version="1.0" encoding="utf-8"?>
+<file path=ppt/slides/slide19.xml><?xml version="1.0" encoding="utf-8"?>
 <p:sld xmlns:a="http://schemas.openxmlformats.org/drawingml/2006/main" xmlns:r="http://schemas.openxmlformats.org/officeDocument/2006/relationships" xmlns:p="http://schemas.openxmlformats.org/presentationml/2006/main">
   <p:cSld>
     <p:spTree>
@@ -6113,7 +5817,7 @@
         </p:nvSpPr>
         <p:spPr>
           <a:xfrm>
-            <a:off x="2626311" y="3913435"/>
+            <a:off x="2571896" y="3779211"/>
             <a:ext cx="1164455" cy="1073599"/>
           </a:xfrm>
           <a:prstGeom prst="ellipse">
@@ -6121,16 +5825,14 @@
           </a:prstGeom>
         </p:spPr>
         <p:style>
-          <a:lnRef idx="2">
-            <a:schemeClr val="accent4">
-              <a:shade val="50000"/>
-            </a:schemeClr>
+          <a:lnRef idx="1">
+            <a:schemeClr val="accent1"/>
           </a:lnRef>
-          <a:fillRef idx="1">
-            <a:schemeClr val="accent4"/>
+          <a:fillRef idx="3">
+            <a:schemeClr val="accent1"/>
           </a:fillRef>
-          <a:effectRef idx="0">
-            <a:schemeClr val="accent4"/>
+          <a:effectRef idx="2">
+            <a:schemeClr val="accent1"/>
           </a:effectRef>
           <a:fontRef idx="minor">
             <a:schemeClr val="lt1"/>
@@ -6159,7 +5861,7 @@
         </p:nvSpPr>
         <p:spPr>
           <a:xfrm>
-            <a:off x="9072013" y="2384259"/>
+            <a:off x="9017598" y="2250035"/>
             <a:ext cx="196275" cy="199143"/>
           </a:xfrm>
           <a:prstGeom prst="ellipse">
@@ -6167,15 +5869,13 @@
           </a:prstGeom>
         </p:spPr>
         <p:style>
-          <a:lnRef idx="2">
-            <a:schemeClr val="accent2">
-              <a:shade val="50000"/>
-            </a:schemeClr>
+          <a:lnRef idx="1">
+            <a:schemeClr val="accent2"/>
           </a:lnRef>
-          <a:fillRef idx="1">
+          <a:fillRef idx="3">
             <a:schemeClr val="accent2"/>
           </a:fillRef>
-          <a:effectRef idx="0">
+          <a:effectRef idx="2">
             <a:schemeClr val="accent2"/>
           </a:effectRef>
           <a:fontRef idx="minor">
@@ -6205,7 +5905,7 @@
         </p:nvSpPr>
         <p:spPr>
           <a:xfrm>
-            <a:off x="1651247" y="3231472"/>
+            <a:off x="1596832" y="3097248"/>
             <a:ext cx="5548543" cy="2645545"/>
           </a:xfrm>
           <a:prstGeom prst="ellipse">
@@ -6252,7 +5952,7 @@
         </p:nvSpPr>
         <p:spPr>
           <a:xfrm rot="20898425">
-            <a:off x="932437" y="2285118"/>
+            <a:off x="853958" y="2150895"/>
             <a:ext cx="9150682" cy="3934573"/>
           </a:xfrm>
           <a:prstGeom prst="ellipse">
@@ -6304,7 +6004,7 @@
         </p:nvSpPr>
         <p:spPr>
           <a:xfrm>
-            <a:off x="6590795" y="4917849"/>
+            <a:off x="6536380" y="4783625"/>
             <a:ext cx="511342" cy="477007"/>
           </a:xfrm>
           <a:prstGeom prst="ellipse">
@@ -6317,8 +6017,8 @@
               <a:shade val="50000"/>
             </a:schemeClr>
           </a:lnRef>
-          <a:fillRef idx="1">
-            <a:schemeClr val="accent1"/>
+          <a:fillRef idx="1002">
+            <a:schemeClr val="lt2"/>
           </a:fillRef>
           <a:effectRef idx="0">
             <a:schemeClr val="accent1"/>
@@ -6350,7 +6050,7 @@
         </p:nvCxnSpPr>
         <p:spPr>
           <a:xfrm>
-            <a:off x="3790766" y="4678532"/>
+            <a:off x="3736351" y="4544308"/>
             <a:ext cx="2734321" cy="390618"/>
           </a:xfrm>
           <a:prstGeom prst="straightConnector1">
@@ -6391,7 +6091,7 @@
         </p:nvCxnSpPr>
         <p:spPr>
           <a:xfrm flipV="1">
-            <a:off x="3823620" y="2490248"/>
+            <a:off x="3769205" y="2356024"/>
             <a:ext cx="5248393" cy="1762157"/>
           </a:xfrm>
           <a:prstGeom prst="straightConnector1">
@@ -6432,7 +6132,7 @@
         </p:nvCxnSpPr>
         <p:spPr>
           <a:xfrm flipH="1">
-            <a:off x="6986728" y="2583402"/>
+            <a:off x="6932313" y="2449178"/>
             <a:ext cx="2118139" cy="2334447"/>
           </a:xfrm>
           <a:prstGeom prst="straightConnector1">
@@ -6471,7 +6171,7 @@
         </p:nvSpPr>
         <p:spPr>
           <a:xfrm>
-            <a:off x="1434561" y="3107185"/>
+            <a:off x="1380146" y="2972961"/>
             <a:ext cx="6413300" cy="2858609"/>
           </a:xfrm>
           <a:prstGeom prst="ellipse">
@@ -6518,7 +6218,7 @@
         </p:nvSpPr>
         <p:spPr>
           <a:xfrm>
-            <a:off x="7219298" y="4964625"/>
+            <a:off x="7164883" y="4830401"/>
             <a:ext cx="511342" cy="477007"/>
           </a:xfrm>
           <a:prstGeom prst="ellipse">
@@ -6527,15 +6227,15 @@
         </p:spPr>
         <p:style>
           <a:lnRef idx="2">
-            <a:schemeClr val="accent1">
+            <a:schemeClr val="accent6">
               <a:shade val="50000"/>
             </a:schemeClr>
           </a:lnRef>
-          <a:fillRef idx="1">
-            <a:schemeClr val="accent1"/>
+          <a:fillRef idx="1002">
+            <a:schemeClr val="lt2"/>
           </a:fillRef>
           <a:effectRef idx="0">
-            <a:schemeClr val="accent1"/>
+            <a:schemeClr val="accent6"/>
           </a:effectRef>
           <a:fontRef idx="minor">
             <a:schemeClr val="lt1"/>
@@ -6568,7 +6268,7 @@
         </p:nvCxnSpPr>
         <p:spPr>
           <a:xfrm flipH="1">
-            <a:off x="7655756" y="2554238"/>
+            <a:off x="7601341" y="2420014"/>
             <a:ext cx="1445001" cy="2480243"/>
           </a:xfrm>
           <a:prstGeom prst="straightConnector1">
@@ -6610,7 +6310,7 @@
         </p:nvCxnSpPr>
         <p:spPr>
           <a:xfrm>
-            <a:off x="3748131" y="4680540"/>
+            <a:off x="3693716" y="4546316"/>
             <a:ext cx="3471167" cy="522589"/>
           </a:xfrm>
           <a:prstGeom prst="straightConnector1">
@@ -6637,33 +6337,30 @@
       </p:cxnSp>
       <p:sp>
         <p:nvSpPr>
-          <p:cNvPr id="27" name="Textfeld 26">
+          <p:cNvPr id="15" name="Titel 1">
             <a:extLst>
               <a:ext uri="{FF2B5EF4-FFF2-40B4-BE49-F238E27FC236}">
-                <a16:creationId xmlns:a16="http://schemas.microsoft.com/office/drawing/2014/main" id="{E9EE9A81-57E3-4E4E-AC87-89806A07645A}"/>
+                <a16:creationId xmlns:a16="http://schemas.microsoft.com/office/drawing/2014/main" id="{44F202C9-FE31-4BD3-AC5A-8CD824379E06}"/>
               </a:ext>
             </a:extLst>
           </p:cNvPr>
-          <p:cNvSpPr txBox="1"/>
-          <p:nvPr/>
+          <p:cNvSpPr>
+            <a:spLocks noGrp="1"/>
+          </p:cNvSpPr>
+          <p:nvPr>
+            <p:ph type="title"/>
+          </p:nvPr>
         </p:nvSpPr>
         <p:spPr>
           <a:xfrm>
-            <a:off x="4586796" y="363900"/>
-            <a:ext cx="3018407" cy="369332"/>
+            <a:off x="1097280" y="286603"/>
+            <a:ext cx="10058400" cy="1450757"/>
           </a:xfrm>
-          <a:prstGeom prst="rect">
-            <a:avLst/>
-          </a:prstGeom>
-          <a:noFill/>
         </p:spPr>
         <p:txBody>
-          <a:bodyPr wrap="square" rtlCol="0">
-            <a:spAutoFit/>
-          </a:bodyPr>
+          <a:bodyPr/>
           <a:lstStyle/>
           <a:p>
-            <a:pPr algn="ctr"/>
             <a:r>
               <a:rPr lang="de-DE" dirty="0"/>
               <a:t>Das N-Körperproblem</a:t>
@@ -7319,7 +7016,90 @@
 </p:sld>
 </file>
 
-<file path=ppt/slides/slide22.xml><?xml version="1.0" encoding="utf-8"?>
+<file path=ppt/slides/slide2.xml><?xml version="1.0" encoding="utf-8"?>
+<p:sld xmlns:a="http://schemas.openxmlformats.org/drawingml/2006/main" xmlns:r="http://schemas.openxmlformats.org/officeDocument/2006/relationships" xmlns:p="http://schemas.openxmlformats.org/presentationml/2006/main">
+  <p:cSld>
+    <p:spTree>
+      <p:nvGrpSpPr>
+        <p:cNvPr id="1" name=""/>
+        <p:cNvGrpSpPr/>
+        <p:nvPr/>
+      </p:nvGrpSpPr>
+      <p:grpSpPr>
+        <a:xfrm>
+          <a:off x="0" y="0"/>
+          <a:ext cx="0" cy="0"/>
+          <a:chOff x="0" y="0"/>
+          <a:chExt cx="0" cy="0"/>
+        </a:xfrm>
+      </p:grpSpPr>
+      <p:sp>
+        <p:nvSpPr>
+          <p:cNvPr id="2" name="Titel 1">
+            <a:extLst>
+              <a:ext uri="{FF2B5EF4-FFF2-40B4-BE49-F238E27FC236}">
+                <a16:creationId xmlns:a16="http://schemas.microsoft.com/office/drawing/2014/main" id="{F34C9E2D-611E-48D5-9E3F-60BCC33CC164}"/>
+              </a:ext>
+            </a:extLst>
+          </p:cNvPr>
+          <p:cNvSpPr>
+            <a:spLocks noGrp="1"/>
+          </p:cNvSpPr>
+          <p:nvPr>
+            <p:ph type="title"/>
+          </p:nvPr>
+        </p:nvSpPr>
+        <p:spPr/>
+        <p:txBody>
+          <a:bodyPr/>
+          <a:lstStyle/>
+          <a:p>
+            <a:r>
+              <a:rPr lang="de-DE" dirty="0"/>
+              <a:t>Inhaltsverzeichnis</a:t>
+            </a:r>
+          </a:p>
+        </p:txBody>
+      </p:sp>
+      <p:sp>
+        <p:nvSpPr>
+          <p:cNvPr id="3" name="Inhaltsplatzhalter 2">
+            <a:extLst>
+              <a:ext uri="{FF2B5EF4-FFF2-40B4-BE49-F238E27FC236}">
+                <a16:creationId xmlns:a16="http://schemas.microsoft.com/office/drawing/2014/main" id="{E8DBC05B-1845-42D4-965C-63A607DCC327}"/>
+              </a:ext>
+            </a:extLst>
+          </p:cNvPr>
+          <p:cNvSpPr>
+            <a:spLocks noGrp="1"/>
+          </p:cNvSpPr>
+          <p:nvPr>
+            <p:ph idx="1"/>
+          </p:nvPr>
+        </p:nvSpPr>
+        <p:spPr/>
+        <p:txBody>
+          <a:bodyPr/>
+          <a:lstStyle/>
+          <a:p>
+            <a:endParaRPr lang="de-DE"/>
+          </a:p>
+        </p:txBody>
+      </p:sp>
+    </p:spTree>
+    <p:extLst>
+      <p:ext uri="{BB962C8B-B14F-4D97-AF65-F5344CB8AC3E}">
+        <p14:creationId xmlns:p14="http://schemas.microsoft.com/office/powerpoint/2010/main" val="1541868476"/>
+      </p:ext>
+    </p:extLst>
+  </p:cSld>
+  <p:clrMapOvr>
+    <a:masterClrMapping/>
+  </p:clrMapOvr>
+</p:sld>
+</file>
+
+<file path=ppt/slides/slide20.xml><?xml version="1.0" encoding="utf-8"?>
 <p:sld xmlns:a="http://schemas.openxmlformats.org/drawingml/2006/main" xmlns:r="http://schemas.openxmlformats.org/officeDocument/2006/relationships" xmlns:p="http://schemas.openxmlformats.org/presentationml/2006/main">
   <p:cSld>
     <p:spTree>
@@ -8331,7 +8111,7 @@
 </p:sld>
 </file>
 
-<file path=ppt/slides/slide23.xml><?xml version="1.0" encoding="utf-8"?>
+<file path=ppt/slides/slide21.xml><?xml version="1.0" encoding="utf-8"?>
 <p:sld xmlns:a="http://schemas.openxmlformats.org/drawingml/2006/main" xmlns:r="http://schemas.openxmlformats.org/officeDocument/2006/relationships" xmlns:p="http://schemas.openxmlformats.org/presentationml/2006/main">
   <p:cSld>
     <p:spTree>
@@ -11168,7 +10948,7 @@
 </p:sld>
 </file>
 
-<file path=ppt/slides/slide24.xml><?xml version="1.0" encoding="utf-8"?>
+<file path=ppt/slides/slide22.xml><?xml version="1.0" encoding="utf-8"?>
 <p:sld xmlns:a="http://schemas.openxmlformats.org/drawingml/2006/main" xmlns:r="http://schemas.openxmlformats.org/officeDocument/2006/relationships" xmlns:p="http://schemas.openxmlformats.org/presentationml/2006/main">
   <p:cSld>
     <p:spTree>
@@ -14800,7 +14580,80 @@
 </p:sld>
 </file>
 
-<file path=ppt/slides/slide25.xml><?xml version="1.0" encoding="utf-8"?>
+<file path=ppt/slides/slide23.xml><?xml version="1.0" encoding="utf-8"?>
+<p:sld xmlns:a="http://schemas.openxmlformats.org/drawingml/2006/main" xmlns:r="http://schemas.openxmlformats.org/officeDocument/2006/relationships" xmlns:p="http://schemas.openxmlformats.org/presentationml/2006/main">
+  <p:cSld>
+    <p:spTree>
+      <p:nvGrpSpPr>
+        <p:cNvPr id="1" name=""/>
+        <p:cNvGrpSpPr/>
+        <p:nvPr/>
+      </p:nvGrpSpPr>
+      <p:grpSpPr>
+        <a:xfrm>
+          <a:off x="0" y="0"/>
+          <a:ext cx="0" cy="0"/>
+          <a:chOff x="0" y="0"/>
+          <a:chExt cx="0" cy="0"/>
+        </a:xfrm>
+      </p:grpSpPr>
+      <p:sp>
+        <p:nvSpPr>
+          <p:cNvPr id="2" name="Textfeld 1">
+            <a:extLst>
+              <a:ext uri="{FF2B5EF4-FFF2-40B4-BE49-F238E27FC236}">
+                <a16:creationId xmlns:a16="http://schemas.microsoft.com/office/drawing/2014/main" id="{63B187C0-C636-4DF9-BEF3-02B7CAF8B31A}"/>
+              </a:ext>
+            </a:extLst>
+          </p:cNvPr>
+          <p:cNvSpPr txBox="1"/>
+          <p:nvPr/>
+        </p:nvSpPr>
+        <p:spPr>
+          <a:xfrm>
+            <a:off x="3407328" y="3136612"/>
+            <a:ext cx="5377343" cy="584775"/>
+          </a:xfrm>
+          <a:prstGeom prst="rect">
+            <a:avLst/>
+          </a:prstGeom>
+          <a:noFill/>
+        </p:spPr>
+        <p:txBody>
+          <a:bodyPr wrap="square" rtlCol="0">
+            <a:spAutoFit/>
+          </a:bodyPr>
+          <a:lstStyle/>
+          <a:p>
+            <a:pPr algn="ctr"/>
+            <a:r>
+              <a:rPr lang="de-DE" sz="3200" dirty="0"/>
+              <a:t>Weiter geht’s im Programm </a:t>
+            </a:r>
+            <a:r>
+              <a:rPr lang="de-DE" sz="3200" dirty="0">
+                <a:sym typeface="Wingdings" panose="05000000000000000000" pitchFamily="2" charset="2"/>
+              </a:rPr>
+              <a:t></a:t>
+            </a:r>
+            <a:endParaRPr lang="de-DE" sz="3200" dirty="0"/>
+          </a:p>
+        </p:txBody>
+      </p:sp>
+    </p:spTree>
+    <p:extLst>
+      <p:ext uri="{BB962C8B-B14F-4D97-AF65-F5344CB8AC3E}">
+        <p14:creationId xmlns:p14="http://schemas.microsoft.com/office/powerpoint/2010/main" val="383596964"/>
+      </p:ext>
+    </p:extLst>
+  </p:cSld>
+  <p:clrMapOvr>
+    <a:masterClrMapping/>
+  </p:clrMapOvr>
+</p:sld>
+</file>
+
+<file path=ppt/slides/slide24.xml><?xml version="1.0" encoding="utf-8"?>
 <p:sld xmlns:a="http://schemas.openxmlformats.org/drawingml/2006/main" xmlns:r="http://schemas.openxmlformats.org/officeDocument/2006/relationships" xmlns:p="http://schemas.openxmlformats.org/presentationml/2006/main">
   <p:cSld>
     <p:spTree>
@@ -14930,7 +14783,7 @@
 </p:sld>
 </file>
 
-<file path=ppt/slides/slide26.xml><?xml version="1.0" encoding="utf-8"?>
+<file path=ppt/slides/slide25.xml><?xml version="1.0" encoding="utf-8"?>
 <p:sld xmlns:a="http://schemas.openxmlformats.org/drawingml/2006/main" xmlns:r="http://schemas.openxmlformats.org/officeDocument/2006/relationships" xmlns:p="http://schemas.openxmlformats.org/presentationml/2006/main">
   <p:cSld>
     <p:spTree>
@@ -15413,7 +15266,7 @@
 </p:sld>
 </file>
 
-<file path=ppt/slides/slide27.xml><?xml version="1.0" encoding="utf-8"?>
+<file path=ppt/slides/slide26.xml><?xml version="1.0" encoding="utf-8"?>
 <p:sld xmlns:a="http://schemas.openxmlformats.org/drawingml/2006/main" xmlns:r="http://schemas.openxmlformats.org/officeDocument/2006/relationships" xmlns:p="http://schemas.openxmlformats.org/presentationml/2006/main">
   <p:cSld>
     <p:spTree>
@@ -15558,79 +15411,6 @@
     <p:extLst>
       <p:ext uri="{BB962C8B-B14F-4D97-AF65-F5344CB8AC3E}">
         <p14:creationId xmlns:p14="http://schemas.microsoft.com/office/powerpoint/2010/main" val="1544745022"/>
-      </p:ext>
-    </p:extLst>
-  </p:cSld>
-  <p:clrMapOvr>
-    <a:masterClrMapping/>
-  </p:clrMapOvr>
-</p:sld>
-</file>
-
-<file path=ppt/slides/slide28.xml><?xml version="1.0" encoding="utf-8"?>
-<p:sld xmlns:a="http://schemas.openxmlformats.org/drawingml/2006/main" xmlns:r="http://schemas.openxmlformats.org/officeDocument/2006/relationships" xmlns:p="http://schemas.openxmlformats.org/presentationml/2006/main">
-  <p:cSld>
-    <p:spTree>
-      <p:nvGrpSpPr>
-        <p:cNvPr id="1" name=""/>
-        <p:cNvGrpSpPr/>
-        <p:nvPr/>
-      </p:nvGrpSpPr>
-      <p:grpSpPr>
-        <a:xfrm>
-          <a:off x="0" y="0"/>
-          <a:ext cx="0" cy="0"/>
-          <a:chOff x="0" y="0"/>
-          <a:chExt cx="0" cy="0"/>
-        </a:xfrm>
-      </p:grpSpPr>
-      <p:sp>
-        <p:nvSpPr>
-          <p:cNvPr id="2" name="Textfeld 1">
-            <a:extLst>
-              <a:ext uri="{FF2B5EF4-FFF2-40B4-BE49-F238E27FC236}">
-                <a16:creationId xmlns:a16="http://schemas.microsoft.com/office/drawing/2014/main" id="{63B187C0-C636-4DF9-BEF3-02B7CAF8B31A}"/>
-              </a:ext>
-            </a:extLst>
-          </p:cNvPr>
-          <p:cNvSpPr txBox="1"/>
-          <p:nvPr/>
-        </p:nvSpPr>
-        <p:spPr>
-          <a:xfrm>
-            <a:off x="3407328" y="3136612"/>
-            <a:ext cx="5377343" cy="584775"/>
-          </a:xfrm>
-          <a:prstGeom prst="rect">
-            <a:avLst/>
-          </a:prstGeom>
-          <a:noFill/>
-        </p:spPr>
-        <p:txBody>
-          <a:bodyPr wrap="square" rtlCol="0">
-            <a:spAutoFit/>
-          </a:bodyPr>
-          <a:lstStyle/>
-          <a:p>
-            <a:pPr algn="ctr"/>
-            <a:r>
-              <a:rPr lang="de-DE" sz="3200" dirty="0"/>
-              <a:t>Weiter geht’s im Programm </a:t>
-            </a:r>
-            <a:r>
-              <a:rPr lang="de-DE" sz="3200" dirty="0">
-                <a:sym typeface="Wingdings" panose="05000000000000000000" pitchFamily="2" charset="2"/>
-              </a:rPr>
-              <a:t></a:t>
-            </a:r>
-            <a:endParaRPr lang="de-DE" sz="3200" dirty="0"/>
-          </a:p>
-        </p:txBody>
-      </p:sp>
-    </p:spTree>
-    <p:extLst>
-      <p:ext uri="{BB962C8B-B14F-4D97-AF65-F5344CB8AC3E}">
-        <p14:creationId xmlns:p14="http://schemas.microsoft.com/office/powerpoint/2010/main" val="383596964"/>
       </p:ext>
     </p:extLst>
   </p:cSld>
@@ -15836,89 +15616,6 @@
 </file>
 
 <file path=ppt/slides/slide4.xml><?xml version="1.0" encoding="utf-8"?>
-<p:sld xmlns:a="http://schemas.openxmlformats.org/drawingml/2006/main" xmlns:r="http://schemas.openxmlformats.org/officeDocument/2006/relationships" xmlns:p="http://schemas.openxmlformats.org/presentationml/2006/main">
-  <p:cSld>
-    <p:spTree>
-      <p:nvGrpSpPr>
-        <p:cNvPr id="1" name=""/>
-        <p:cNvGrpSpPr/>
-        <p:nvPr/>
-      </p:nvGrpSpPr>
-      <p:grpSpPr>
-        <a:xfrm>
-          <a:off x="0" y="0"/>
-          <a:ext cx="0" cy="0"/>
-          <a:chOff x="0" y="0"/>
-          <a:chExt cx="0" cy="0"/>
-        </a:xfrm>
-      </p:grpSpPr>
-      <p:sp>
-        <p:nvSpPr>
-          <p:cNvPr id="2" name="Titel 1">
-            <a:extLst>
-              <a:ext uri="{FF2B5EF4-FFF2-40B4-BE49-F238E27FC236}">
-                <a16:creationId xmlns:a16="http://schemas.microsoft.com/office/drawing/2014/main" id="{15B3F745-C11D-4C55-B8FE-6C1044F63D3E}"/>
-              </a:ext>
-            </a:extLst>
-          </p:cNvPr>
-          <p:cNvSpPr>
-            <a:spLocks noGrp="1"/>
-          </p:cNvSpPr>
-          <p:nvPr>
-            <p:ph type="title"/>
-          </p:nvPr>
-        </p:nvSpPr>
-        <p:spPr/>
-        <p:txBody>
-          <a:bodyPr/>
-          <a:lstStyle/>
-          <a:p>
-            <a:r>
-              <a:rPr lang="de-DE" dirty="0"/>
-              <a:t>Aarons Teil</a:t>
-            </a:r>
-          </a:p>
-        </p:txBody>
-      </p:sp>
-      <p:sp>
-        <p:nvSpPr>
-          <p:cNvPr id="3" name="Inhaltsplatzhalter 2">
-            <a:extLst>
-              <a:ext uri="{FF2B5EF4-FFF2-40B4-BE49-F238E27FC236}">
-                <a16:creationId xmlns:a16="http://schemas.microsoft.com/office/drawing/2014/main" id="{63F59A15-BE4B-42A1-990B-2D7CC9B16475}"/>
-              </a:ext>
-            </a:extLst>
-          </p:cNvPr>
-          <p:cNvSpPr>
-            <a:spLocks noGrp="1"/>
-          </p:cNvSpPr>
-          <p:nvPr>
-            <p:ph idx="1"/>
-          </p:nvPr>
-        </p:nvSpPr>
-        <p:spPr/>
-        <p:txBody>
-          <a:bodyPr/>
-          <a:lstStyle/>
-          <a:p>
-            <a:endParaRPr lang="de-DE"/>
-          </a:p>
-        </p:txBody>
-      </p:sp>
-    </p:spTree>
-    <p:extLst>
-      <p:ext uri="{BB962C8B-B14F-4D97-AF65-F5344CB8AC3E}">
-        <p14:creationId xmlns:p14="http://schemas.microsoft.com/office/powerpoint/2010/main" val="3566152805"/>
-      </p:ext>
-    </p:extLst>
-  </p:cSld>
-  <p:clrMapOvr>
-    <a:masterClrMapping/>
-  </p:clrMapOvr>
-</p:sld>
-</file>
-
-<file path=ppt/slides/slide5.xml><?xml version="1.0" encoding="utf-8"?>
 <p:sld xmlns:a="http://schemas.openxmlformats.org/drawingml/2006/main" xmlns:r="http://schemas.openxmlformats.org/officeDocument/2006/relationships" xmlns:p="http://schemas.openxmlformats.org/presentationml/2006/main">
   <p:cSld>
     <p:spTree>
@@ -15993,8 +15690,8 @@
           </a:p>
         </p:txBody>
       </p:sp>
-      <mc:AlternateContent xmlns:mc="http://schemas.openxmlformats.org/markup-compatibility/2006">
-        <mc:Choice xmlns:a14="http://schemas.microsoft.com/office/drawing/2010/main" Requires="a14">
+      <mc:AlternateContent xmlns:mc="http://schemas.openxmlformats.org/markup-compatibility/2006" xmlns:a14="http://schemas.microsoft.com/office/drawing/2010/main">
+        <mc:Choice Requires="a14">
           <p:sp>
             <p:nvSpPr>
               <p:cNvPr id="5" name="Textfeld 4">
@@ -16023,6 +15720,7 @@
               </a:bodyPr>
               <a:lstStyle/>
               <a:p>
+                <a:pPr/>
                 <a14:m>
                   <m:oMathPara xmlns:m="http://schemas.openxmlformats.org/officeDocument/2006/math">
                     <m:oMathParaPr>
@@ -16034,21 +15732,28 @@
                           <a:solidFill>
                             <a:srgbClr val="FF0000"/>
                           </a:solidFill>
+                          <a:latin typeface="Cambria Math" panose="02040503050406030204" pitchFamily="18" charset="0"/>
                         </a:rPr>
                         <m:t>𝐹</m:t>
                       </m:r>
                       <m:r>
-                        <a:rPr lang="de-DE" i="1"/>
+                        <a:rPr lang="de-DE" i="1">
+                          <a:latin typeface="Cambria Math" panose="02040503050406030204" pitchFamily="18" charset="0"/>
+                        </a:rPr>
                         <m:t> = </m:t>
                       </m:r>
                       <m:r>
-                        <a:rPr lang="de-DE" i="1"/>
+                        <a:rPr lang="de-DE" i="1">
+                          <a:latin typeface="Cambria Math" panose="02040503050406030204" pitchFamily="18" charset="0"/>
+                        </a:rPr>
                         <m:t>𝐺</m:t>
                       </m:r>
                       <m:f>
                         <m:fPr>
                           <m:ctrlPr>
-                            <a:rPr lang="de-DE" i="1"/>
+                            <a:rPr lang="de-DE" i="1">
+                              <a:latin typeface="Cambria Math" panose="02040503050406030204" pitchFamily="18" charset="0"/>
+                            </a:rPr>
                           </m:ctrlPr>
                         </m:fPr>
                         <m:num>
@@ -16057,6 +15762,7 @@
                               <a:solidFill>
                                 <a:srgbClr val="FFFF00"/>
                               </a:solidFill>
+                              <a:latin typeface="Cambria Math" panose="02040503050406030204" pitchFamily="18" charset="0"/>
                             </a:rPr>
                             <m:t>𝑀</m:t>
                           </m:r>
@@ -16065,6 +15771,7 @@
                               <a:solidFill>
                                 <a:srgbClr val="0070C0"/>
                               </a:solidFill>
+                              <a:latin typeface="Cambria Math" panose="02040503050406030204" pitchFamily="18" charset="0"/>
                             </a:rPr>
                             <m:t>𝑚</m:t>
                           </m:r>
@@ -16073,18 +15780,24 @@
                           <m:sSup>
                             <m:sSupPr>
                               <m:ctrlPr>
-                                <a:rPr lang="de-DE" i="1"/>
+                                <a:rPr lang="de-DE" i="1">
+                                  <a:latin typeface="Cambria Math" panose="02040503050406030204" pitchFamily="18" charset="0"/>
+                                </a:rPr>
                               </m:ctrlPr>
                             </m:sSupPr>
                             <m:e>
                               <m:r>
-                                <a:rPr lang="de-DE" i="1"/>
+                                <a:rPr lang="de-DE" i="1">
+                                  <a:latin typeface="Cambria Math" panose="02040503050406030204" pitchFamily="18" charset="0"/>
+                                </a:rPr>
                                 <m:t>𝑟</m:t>
                               </m:r>
                             </m:e>
                             <m:sup>
                               <m:r>
-                                <a:rPr lang="de-DE" i="1"/>
+                                <a:rPr lang="de-DE" i="1">
+                                  <a:latin typeface="Cambria Math" panose="02040503050406030204" pitchFamily="18" charset="0"/>
+                                </a:rPr>
                                 <m:t>2</m:t>
                               </m:r>
                             </m:sup>
@@ -16099,7 +15812,7 @@
             </p:txBody>
           </p:sp>
         </mc:Choice>
-        <mc:Fallback>
+        <mc:Fallback xmlns="">
           <p:sp>
             <p:nvSpPr>
               <p:cNvPr id="5" name="Textfeld 4">
@@ -16192,7 +15905,7 @@
 </p:sld>
 </file>
 
-<file path=ppt/slides/slide6.xml><?xml version="1.0" encoding="utf-8"?>
+<file path=ppt/slides/slide5.xml><?xml version="1.0" encoding="utf-8"?>
 <p:sld xmlns:a="http://schemas.openxmlformats.org/drawingml/2006/main" xmlns:r="http://schemas.openxmlformats.org/officeDocument/2006/relationships" xmlns:p="http://schemas.openxmlformats.org/presentationml/2006/main">
   <p:cSld>
     <p:spTree>
@@ -16267,8 +15980,8 @@
           </a:p>
         </p:txBody>
       </p:sp>
-      <mc:AlternateContent xmlns:mc="http://schemas.openxmlformats.org/markup-compatibility/2006">
-        <mc:Choice xmlns:a14="http://schemas.microsoft.com/office/drawing/2010/main" Requires="a14">
+      <mc:AlternateContent xmlns:mc="http://schemas.openxmlformats.org/markup-compatibility/2006" xmlns:a14="http://schemas.microsoft.com/office/drawing/2010/main">
+        <mc:Choice Requires="a14">
           <p:sp>
             <p:nvSpPr>
               <p:cNvPr id="5" name="Textfeld 4">
@@ -16297,6 +16010,7 @@
               </a:bodyPr>
               <a:lstStyle/>
               <a:p>
+                <a:pPr/>
                 <a14:m>
                   <m:oMathPara xmlns:m="http://schemas.openxmlformats.org/officeDocument/2006/math">
                     <m:oMathParaPr>
@@ -16308,21 +16022,28 @@
                           <a:solidFill>
                             <a:srgbClr val="FF0000"/>
                           </a:solidFill>
+                          <a:latin typeface="Cambria Math" panose="02040503050406030204" pitchFamily="18" charset="0"/>
                         </a:rPr>
                         <m:t>𝐹</m:t>
                       </m:r>
                       <m:r>
-                        <a:rPr lang="de-DE" i="1"/>
+                        <a:rPr lang="de-DE" i="1">
+                          <a:latin typeface="Cambria Math" panose="02040503050406030204" pitchFamily="18" charset="0"/>
+                        </a:rPr>
                         <m:t> = </m:t>
                       </m:r>
                       <m:r>
-                        <a:rPr lang="de-DE" i="1"/>
+                        <a:rPr lang="de-DE" i="1">
+                          <a:latin typeface="Cambria Math" panose="02040503050406030204" pitchFamily="18" charset="0"/>
+                        </a:rPr>
                         <m:t>𝐺</m:t>
                       </m:r>
                       <m:f>
                         <m:fPr>
                           <m:ctrlPr>
-                            <a:rPr lang="de-DE" i="1"/>
+                            <a:rPr lang="de-DE" i="1">
+                              <a:latin typeface="Cambria Math" panose="02040503050406030204" pitchFamily="18" charset="0"/>
+                            </a:rPr>
                           </m:ctrlPr>
                         </m:fPr>
                         <m:num>
@@ -16331,6 +16052,7 @@
                               <a:solidFill>
                                 <a:srgbClr val="FFFF00"/>
                               </a:solidFill>
+                              <a:latin typeface="Cambria Math" panose="02040503050406030204" pitchFamily="18" charset="0"/>
                             </a:rPr>
                             <m:t>𝑀</m:t>
                           </m:r>
@@ -16339,6 +16061,7 @@
                               <a:solidFill>
                                 <a:srgbClr val="0070C0"/>
                               </a:solidFill>
+                              <a:latin typeface="Cambria Math" panose="02040503050406030204" pitchFamily="18" charset="0"/>
                             </a:rPr>
                             <m:t>𝑚</m:t>
                           </m:r>
@@ -16347,18 +16070,24 @@
                           <m:sSup>
                             <m:sSupPr>
                               <m:ctrlPr>
-                                <a:rPr lang="de-DE" i="1"/>
+                                <a:rPr lang="de-DE" i="1">
+                                  <a:latin typeface="Cambria Math" panose="02040503050406030204" pitchFamily="18" charset="0"/>
+                                </a:rPr>
                               </m:ctrlPr>
                             </m:sSupPr>
                             <m:e>
                               <m:r>
-                                <a:rPr lang="de-DE" i="1"/>
+                                <a:rPr lang="de-DE" i="1">
+                                  <a:latin typeface="Cambria Math" panose="02040503050406030204" pitchFamily="18" charset="0"/>
+                                </a:rPr>
                                 <m:t>𝑟</m:t>
                               </m:r>
                             </m:e>
                             <m:sup>
                               <m:r>
-                                <a:rPr lang="de-DE" i="1"/>
+                                <a:rPr lang="de-DE" i="1">
+                                  <a:latin typeface="Cambria Math" panose="02040503050406030204" pitchFamily="18" charset="0"/>
+                                </a:rPr>
                                 <m:t>2</m:t>
                               </m:r>
                             </m:sup>
@@ -16373,7 +16102,7 @@
             </p:txBody>
           </p:sp>
         </mc:Choice>
-        <mc:Fallback>
+        <mc:Fallback xmlns="">
           <p:sp>
             <p:nvSpPr>
               <p:cNvPr id="5" name="Textfeld 4">
@@ -16418,8 +16147,8 @@
           </p:sp>
         </mc:Fallback>
       </mc:AlternateContent>
-      <mc:AlternateContent xmlns:mc="http://schemas.openxmlformats.org/markup-compatibility/2006">
-        <mc:Choice xmlns:a14="http://schemas.microsoft.com/office/drawing/2010/main" Requires="a14">
+      <mc:AlternateContent xmlns:mc="http://schemas.openxmlformats.org/markup-compatibility/2006" xmlns:a14="http://schemas.microsoft.com/office/drawing/2010/main">
+        <mc:Choice Requires="a14">
           <p:sp>
             <p:nvSpPr>
               <p:cNvPr id="6" name="Textfeld 5">
@@ -16448,6 +16177,7 @@
               </a:bodyPr>
               <a:lstStyle/>
               <a:p>
+                <a:pPr/>
                 <a14:m>
                   <m:oMathPara xmlns:m="http://schemas.openxmlformats.org/officeDocument/2006/math">
                     <m:oMathParaPr>
@@ -16455,17 +16185,23 @@
                     </m:oMathParaPr>
                     <m:oMath xmlns:m="http://schemas.openxmlformats.org/officeDocument/2006/math">
                       <m:r>
-                        <a:rPr lang="de-DE" i="1"/>
+                        <a:rPr lang="de-DE" i="1">
+                          <a:latin typeface="Cambria Math" panose="02040503050406030204" pitchFamily="18" charset="0"/>
+                        </a:rPr>
                         <m:t>𝑎</m:t>
                       </m:r>
                       <m:r>
-                        <a:rPr lang="de-DE" i="1"/>
+                        <a:rPr lang="de-DE" i="1">
+                          <a:latin typeface="Cambria Math" panose="02040503050406030204" pitchFamily="18" charset="0"/>
+                        </a:rPr>
                         <m:t> =</m:t>
                       </m:r>
                       <m:f>
                         <m:fPr>
                           <m:ctrlPr>
-                            <a:rPr lang="de-DE" i="1"/>
+                            <a:rPr lang="de-DE" i="1">
+                              <a:latin typeface="Cambria Math" panose="02040503050406030204" pitchFamily="18" charset="0"/>
+                            </a:rPr>
                           </m:ctrlPr>
                         </m:fPr>
                         <m:num>
@@ -16474,13 +16210,16 @@
                               <a:solidFill>
                                 <a:srgbClr val="00B050"/>
                               </a:solidFill>
+                              <a:latin typeface="Cambria Math" panose="02040503050406030204" pitchFamily="18" charset="0"/>
                             </a:rPr>
                             <m:t>𝐹</m:t>
                           </m:r>
                         </m:num>
                         <m:den>
                           <m:r>
-                            <a:rPr lang="de-DE" i="1"/>
+                            <a:rPr lang="de-DE" i="1">
+                              <a:latin typeface="Cambria Math" panose="02040503050406030204" pitchFamily="18" charset="0"/>
+                            </a:rPr>
                             <m:t>𝑚</m:t>
                           </m:r>
                         </m:den>
@@ -16493,7 +16232,7 @@
             </p:txBody>
           </p:sp>
         </mc:Choice>
-        <mc:Fallback>
+        <mc:Fallback xmlns="">
           <p:sp>
             <p:nvSpPr>
               <p:cNvPr id="6" name="Textfeld 5">
@@ -16586,7 +16325,7 @@
 </p:sld>
 </file>
 
-<file path=ppt/slides/slide7.xml><?xml version="1.0" encoding="utf-8"?>
+<file path=ppt/slides/slide6.xml><?xml version="1.0" encoding="utf-8"?>
 <p:sld xmlns:a="http://schemas.openxmlformats.org/drawingml/2006/main" xmlns:r="http://schemas.openxmlformats.org/officeDocument/2006/relationships" xmlns:p="http://schemas.openxmlformats.org/presentationml/2006/main">
   <p:cSld>
     <p:spTree>
@@ -16707,7 +16446,7 @@
 </p:sld>
 </file>
 
-<file path=ppt/slides/slide8.xml><?xml version="1.0" encoding="utf-8"?>
+<file path=ppt/slides/slide7.xml><?xml version="1.0" encoding="utf-8"?>
 <p:sld xmlns:a="http://schemas.openxmlformats.org/drawingml/2006/main" xmlns:r="http://schemas.openxmlformats.org/officeDocument/2006/relationships" xmlns:p="http://schemas.openxmlformats.org/presentationml/2006/main">
   <p:cSld>
     <p:spTree>
@@ -16853,7 +16592,7 @@
 </p:sld>
 </file>
 
-<file path=ppt/slides/slide9.xml><?xml version="1.0" encoding="utf-8"?>
+<file path=ppt/slides/slide8.xml><?xml version="1.0" encoding="utf-8"?>
 <p:sld xmlns:a="http://schemas.openxmlformats.org/drawingml/2006/main" xmlns:r="http://schemas.openxmlformats.org/officeDocument/2006/relationships" xmlns:p="http://schemas.openxmlformats.org/presentationml/2006/main">
   <p:cSld>
     <p:spTree>
@@ -16984,6 +16723,136 @@
     <p:extLst>
       <p:ext uri="{BB962C8B-B14F-4D97-AF65-F5344CB8AC3E}">
         <p14:creationId xmlns:p14="http://schemas.microsoft.com/office/powerpoint/2010/main" val="1217889313"/>
+      </p:ext>
+    </p:extLst>
+  </p:cSld>
+  <p:clrMapOvr>
+    <a:masterClrMapping/>
+  </p:clrMapOvr>
+</p:sld>
+</file>
+
+<file path=ppt/slides/slide9.xml><?xml version="1.0" encoding="utf-8"?>
+<p:sld xmlns:a="http://schemas.openxmlformats.org/drawingml/2006/main" xmlns:r="http://schemas.openxmlformats.org/officeDocument/2006/relationships" xmlns:p="http://schemas.openxmlformats.org/presentationml/2006/main">
+  <p:cSld>
+    <p:spTree>
+      <p:nvGrpSpPr>
+        <p:cNvPr id="1" name=""/>
+        <p:cNvGrpSpPr/>
+        <p:nvPr/>
+      </p:nvGrpSpPr>
+      <p:grpSpPr>
+        <a:xfrm>
+          <a:off x="0" y="0"/>
+          <a:ext cx="0" cy="0"/>
+          <a:chOff x="0" y="0"/>
+          <a:chExt cx="0" cy="0"/>
+        </a:xfrm>
+      </p:grpSpPr>
+      <p:sp>
+        <p:nvSpPr>
+          <p:cNvPr id="2" name="Titel 1">
+            <a:extLst>
+              <a:ext uri="{FF2B5EF4-FFF2-40B4-BE49-F238E27FC236}">
+                <a16:creationId xmlns:a16="http://schemas.microsoft.com/office/drawing/2014/main" id="{2BBBB310-2A5C-44B8-BFF9-07AF0AD489C7}"/>
+              </a:ext>
+            </a:extLst>
+          </p:cNvPr>
+          <p:cNvSpPr>
+            <a:spLocks noGrp="1"/>
+          </p:cNvSpPr>
+          <p:nvPr>
+            <p:ph type="title"/>
+          </p:nvPr>
+        </p:nvSpPr>
+        <p:spPr/>
+        <p:txBody>
+          <a:bodyPr/>
+          <a:lstStyle/>
+          <a:p>
+            <a:r>
+              <a:rPr lang="de-DE" dirty="0"/>
+              <a:t>Ellipsen im Raum</a:t>
+            </a:r>
+          </a:p>
+        </p:txBody>
+      </p:sp>
+      <p:pic>
+        <p:nvPicPr>
+          <p:cNvPr id="4" name="Grafik 3">
+            <a:extLst>
+              <a:ext uri="{FF2B5EF4-FFF2-40B4-BE49-F238E27FC236}">
+                <a16:creationId xmlns:a16="http://schemas.microsoft.com/office/drawing/2014/main" id="{9E5B9982-6225-4186-98E6-DF3335EBBE65}"/>
+              </a:ext>
+            </a:extLst>
+          </p:cNvPr>
+          <p:cNvPicPr>
+            <a:picLocks noChangeAspect="1"/>
+          </p:cNvPicPr>
+          <p:nvPr/>
+        </p:nvPicPr>
+        <p:blipFill>
+          <a:blip r:embed="rId2">
+            <a:extLst>
+              <a:ext uri="{28A0092B-C50C-407E-A947-70E740481C1C}">
+                <a14:useLocalDpi xmlns:a14="http://schemas.microsoft.com/office/drawing/2010/main" val="0"/>
+              </a:ext>
+            </a:extLst>
+          </a:blip>
+          <a:stretch>
+            <a:fillRect/>
+          </a:stretch>
+        </p:blipFill>
+        <p:spPr>
+          <a:xfrm>
+            <a:off x="692084" y="1922002"/>
+            <a:ext cx="5403916" cy="3013995"/>
+          </a:xfrm>
+          <a:prstGeom prst="rect">
+            <a:avLst/>
+          </a:prstGeom>
+        </p:spPr>
+      </p:pic>
+      <p:pic>
+        <p:nvPicPr>
+          <p:cNvPr id="5" name="Grafik 4">
+            <a:extLst>
+              <a:ext uri="{FF2B5EF4-FFF2-40B4-BE49-F238E27FC236}">
+                <a16:creationId xmlns:a16="http://schemas.microsoft.com/office/drawing/2014/main" id="{1456A0D1-F21B-418D-8511-080281F6D257}"/>
+              </a:ext>
+            </a:extLst>
+          </p:cNvPr>
+          <p:cNvPicPr>
+            <a:picLocks noChangeAspect="1"/>
+          </p:cNvPicPr>
+          <p:nvPr/>
+        </p:nvPicPr>
+        <p:blipFill>
+          <a:blip r:embed="rId3">
+            <a:extLst>
+              <a:ext uri="{28A0092B-C50C-407E-A947-70E740481C1C}">
+                <a14:useLocalDpi xmlns:a14="http://schemas.microsoft.com/office/drawing/2010/main" val="0"/>
+              </a:ext>
+            </a:extLst>
+          </a:blip>
+          <a:stretch>
+            <a:fillRect/>
+          </a:stretch>
+        </p:blipFill>
+        <p:spPr>
+          <a:xfrm>
+            <a:off x="5501326" y="2880013"/>
+            <a:ext cx="5998590" cy="3345670"/>
+          </a:xfrm>
+          <a:prstGeom prst="rect">
+            <a:avLst/>
+          </a:prstGeom>
+        </p:spPr>
+      </p:pic>
+    </p:spTree>
+    <p:extLst>
+      <p:ext uri="{BB962C8B-B14F-4D97-AF65-F5344CB8AC3E}">
+        <p14:creationId xmlns:p14="http://schemas.microsoft.com/office/powerpoint/2010/main" val="2234233382"/>
       </p:ext>
     </p:extLst>
   </p:cSld>

--- a/Simulation des Sonnensytem.pptx
+++ b/Simulation des Sonnensytem.pptx
@@ -22,15 +22,17 @@
     <p:sldId id="282" r:id="rId16"/>
     <p:sldId id="283" r:id="rId17"/>
     <p:sldId id="267" r:id="rId18"/>
-    <p:sldId id="268" r:id="rId19"/>
+    <p:sldId id="284" r:id="rId19"/>
     <p:sldId id="259" r:id="rId20"/>
-    <p:sldId id="269" r:id="rId21"/>
-    <p:sldId id="270" r:id="rId22"/>
-    <p:sldId id="262" r:id="rId23"/>
-    <p:sldId id="266" r:id="rId24"/>
-    <p:sldId id="263" r:id="rId25"/>
-    <p:sldId id="264" r:id="rId26"/>
-    <p:sldId id="265" r:id="rId27"/>
+    <p:sldId id="286" r:id="rId21"/>
+    <p:sldId id="269" r:id="rId22"/>
+    <p:sldId id="270" r:id="rId23"/>
+    <p:sldId id="262" r:id="rId24"/>
+    <p:sldId id="285" r:id="rId25"/>
+    <p:sldId id="266" r:id="rId26"/>
+    <p:sldId id="263" r:id="rId27"/>
+    <p:sldId id="264" r:id="rId28"/>
+    <p:sldId id="265" r:id="rId29"/>
   </p:sldIdLst>
   <p:sldSz cx="12192000" cy="6858000"/>
   <p:notesSz cx="6858000" cy="9144000"/>
@@ -5690,12 +5692,122 @@
           <a:chExt cx="0" cy="0"/>
         </a:xfrm>
       </p:grpSpPr>
+      <p:sp>
+        <p:nvSpPr>
+          <p:cNvPr id="2" name="Titel 1">
+            <a:extLst>
+              <a:ext uri="{FF2B5EF4-FFF2-40B4-BE49-F238E27FC236}">
+                <a16:creationId xmlns:a16="http://schemas.microsoft.com/office/drawing/2014/main" id="{5A822936-64A0-4A3F-8A52-5F7EE3947714}"/>
+              </a:ext>
+            </a:extLst>
+          </p:cNvPr>
+          <p:cNvSpPr>
+            <a:spLocks noGrp="1"/>
+          </p:cNvSpPr>
+          <p:nvPr>
+            <p:ph type="title"/>
+          </p:nvPr>
+        </p:nvSpPr>
+        <p:spPr/>
+        <p:txBody>
+          <a:bodyPr/>
+          <a:lstStyle/>
+          <a:p>
+            <a:r>
+              <a:rPr lang="de-DE" dirty="0"/>
+              <a:t>Das Zwei-Körperproblem</a:t>
+            </a:r>
+          </a:p>
+        </p:txBody>
+      </p:sp>
+      <p:sp>
+        <p:nvSpPr>
+          <p:cNvPr id="3" name="Inhaltsplatzhalter 2">
+            <a:extLst>
+              <a:ext uri="{FF2B5EF4-FFF2-40B4-BE49-F238E27FC236}">
+                <a16:creationId xmlns:a16="http://schemas.microsoft.com/office/drawing/2014/main" id="{7A1DA469-6245-46B3-B515-85E0A6A94F76}"/>
+              </a:ext>
+            </a:extLst>
+          </p:cNvPr>
+          <p:cNvSpPr>
+            <a:spLocks noGrp="1"/>
+          </p:cNvSpPr>
+          <p:nvPr>
+            <p:ph idx="1"/>
+          </p:nvPr>
+        </p:nvSpPr>
+        <p:spPr>
+          <a:xfrm>
+            <a:off x="1097280" y="1845734"/>
+            <a:ext cx="4081210" cy="4023360"/>
+          </a:xfrm>
+        </p:spPr>
+        <p:txBody>
+          <a:bodyPr/>
+          <a:lstStyle/>
+          <a:p>
+            <a:r>
+              <a:rPr lang="de-DE" dirty="0"/>
+              <a:t>- Johannes Kepler gab Regeln an, wie sich ein Planet um einen Stern bewegt</a:t>
+            </a:r>
+          </a:p>
+          <a:p>
+            <a:r>
+              <a:rPr lang="de-DE" dirty="0"/>
+              <a:t>- Durch Newton mathematisch begründet</a:t>
+            </a:r>
+          </a:p>
+          <a:p>
+            <a:endParaRPr lang="de-DE" dirty="0"/>
+          </a:p>
+          <a:p>
+            <a:r>
+              <a:rPr lang="de-DE" dirty="0"/>
+              <a:t>Aber: Was geschieht bei mehr als zwei Planeten?</a:t>
+            </a:r>
+          </a:p>
+          <a:p>
+            <a:pPr marL="0" indent="0">
+              <a:buNone/>
+            </a:pPr>
+            <a:r>
+              <a:rPr lang="de-DE" dirty="0"/>
+              <a:t>-&gt; Eingeschränktes Drei-Körperproblem</a:t>
+            </a:r>
+          </a:p>
+          <a:p>
+            <a:pPr marL="0" indent="0">
+              <a:buNone/>
+            </a:pPr>
+            <a:r>
+              <a:rPr lang="de-DE" dirty="0"/>
+              <a:t>-&gt; Karl </a:t>
+            </a:r>
+            <a:r>
+              <a:rPr lang="de-DE" dirty="0" err="1"/>
+              <a:t>Frithiof</a:t>
+            </a:r>
+            <a:r>
+              <a:rPr lang="de-DE" dirty="0"/>
+              <a:t> </a:t>
+            </a:r>
+            <a:r>
+              <a:rPr lang="de-DE" dirty="0" err="1"/>
+              <a:t>Sundman</a:t>
+            </a:r>
+            <a:r>
+              <a:rPr lang="de-DE" dirty="0"/>
+              <a:t> (unendliche mathematische Reihe)</a:t>
+            </a:r>
+          </a:p>
+        </p:txBody>
+      </p:sp>
       <p:pic>
         <p:nvPicPr>
-          <p:cNvPr id="7" name="Grafik 6">
+          <p:cNvPr id="6" name="Grafik 5">
             <a:extLst>
               <a:ext uri="{FF2B5EF4-FFF2-40B4-BE49-F238E27FC236}">
-                <a16:creationId xmlns:a16="http://schemas.microsoft.com/office/drawing/2014/main" id="{C523875D-C093-45B9-B9B8-1949BDC75372}"/>
+                <a16:creationId xmlns:a16="http://schemas.microsoft.com/office/drawing/2014/main" id="{6FC36FF9-2399-4769-A3C3-73ED419EDB43}"/>
               </a:ext>
             </a:extLst>
           </p:cNvPr>
@@ -5718,7 +5830,7 @@
         </p:blipFill>
         <p:spPr>
           <a:xfrm>
-            <a:off x="1363715" y="1916885"/>
+            <a:off x="6742600" y="2714414"/>
             <a:ext cx="3429000" cy="2286000"/>
           </a:xfrm>
           <a:prstGeom prst="rect">
@@ -5726,57 +5838,10 @@
           </a:prstGeom>
         </p:spPr>
       </p:pic>
-      <p:pic>
-        <p:nvPicPr>
-          <p:cNvPr id="1026" name="Picture 2" descr="Bildergebnis für johannes kepler">
-            <a:extLst>
-              <a:ext uri="{FF2B5EF4-FFF2-40B4-BE49-F238E27FC236}">
-                <a16:creationId xmlns:a16="http://schemas.microsoft.com/office/drawing/2014/main" id="{5744BDE3-7DD6-4E3B-AD89-98DE117C299E}"/>
-              </a:ext>
-            </a:extLst>
-          </p:cNvPr>
-          <p:cNvPicPr>
-            <a:picLocks noChangeAspect="1" noChangeArrowheads="1"/>
-          </p:cNvPicPr>
-          <p:nvPr/>
-        </p:nvPicPr>
-        <p:blipFill>
-          <a:blip r:embed="rId3">
-            <a:extLst>
-              <a:ext uri="{28A0092B-C50C-407E-A947-70E740481C1C}">
-                <a14:useLocalDpi xmlns:a14="http://schemas.microsoft.com/office/drawing/2010/main" val="0"/>
-              </a:ext>
-            </a:extLst>
-          </a:blip>
-          <a:srcRect/>
-          <a:stretch>
-            <a:fillRect/>
-          </a:stretch>
-        </p:blipFill>
-        <p:spPr bwMode="auto">
-          <a:xfrm>
-            <a:off x="7652193" y="770857"/>
-            <a:ext cx="2577483" cy="3537819"/>
-          </a:xfrm>
-          <a:prstGeom prst="rect">
-            <a:avLst/>
-          </a:prstGeom>
-          <a:noFill/>
-          <a:extLst>
-            <a:ext uri="{909E8E84-426E-40DD-AFC4-6F175D3DCCD1}">
-              <a14:hiddenFill xmlns:a14="http://schemas.microsoft.com/office/drawing/2010/main">
-                <a:solidFill>
-                  <a:srgbClr val="FFFFFF"/>
-                </a:solidFill>
-              </a14:hiddenFill>
-            </a:ext>
-          </a:extLst>
-        </p:spPr>
-      </p:pic>
     </p:spTree>
     <p:extLst>
       <p:ext uri="{BB962C8B-B14F-4D97-AF65-F5344CB8AC3E}">
-        <p14:creationId xmlns:p14="http://schemas.microsoft.com/office/powerpoint/2010/main" val="2140267254"/>
+        <p14:creationId xmlns:p14="http://schemas.microsoft.com/office/powerpoint/2010/main" val="3553322401"/>
       </p:ext>
     </p:extLst>
   </p:cSld>
@@ -7139,7 +7204,180 @@
           <a:p>
             <a:r>
               <a:rPr lang="de-DE" dirty="0"/>
-              <a:t>Numerische Integration</a:t>
+              <a:t>Numerische Verfahren</a:t>
+            </a:r>
+          </a:p>
+        </p:txBody>
+      </p:sp>
+      <p:pic>
+        <p:nvPicPr>
+          <p:cNvPr id="1028" name="Picture 4" descr="Bildergebnis für numerische integration">
+            <a:extLst>
+              <a:ext uri="{FF2B5EF4-FFF2-40B4-BE49-F238E27FC236}">
+                <a16:creationId xmlns:a16="http://schemas.microsoft.com/office/drawing/2014/main" id="{90573B2F-315B-40E8-AD0D-90C35A30D6E3}"/>
+              </a:ext>
+            </a:extLst>
+          </p:cNvPr>
+          <p:cNvPicPr>
+            <a:picLocks noChangeAspect="1" noChangeArrowheads="1"/>
+          </p:cNvPicPr>
+          <p:nvPr/>
+        </p:nvPicPr>
+        <p:blipFill>
+          <a:blip r:embed="rId2">
+            <a:extLst>
+              <a:ext uri="{28A0092B-C50C-407E-A947-70E740481C1C}">
+                <a14:useLocalDpi xmlns:a14="http://schemas.microsoft.com/office/drawing/2010/main" val="0"/>
+              </a:ext>
+            </a:extLst>
+          </a:blip>
+          <a:srcRect/>
+          <a:stretch>
+            <a:fillRect/>
+          </a:stretch>
+        </p:blipFill>
+        <p:spPr bwMode="auto">
+          <a:xfrm>
+            <a:off x="6921196" y="2082593"/>
+            <a:ext cx="3139842" cy="2692814"/>
+          </a:xfrm>
+          <a:prstGeom prst="rect">
+            <a:avLst/>
+          </a:prstGeom>
+          <a:noFill/>
+          <a:extLst>
+            <a:ext uri="{909E8E84-426E-40DD-AFC4-6F175D3DCCD1}">
+              <a14:hiddenFill xmlns:a14="http://schemas.microsoft.com/office/drawing/2010/main">
+                <a:solidFill>
+                  <a:srgbClr val="FFFFFF"/>
+                </a:solidFill>
+              </a14:hiddenFill>
+            </a:ext>
+          </a:extLst>
+        </p:spPr>
+      </p:pic>
+      <p:sp>
+        <p:nvSpPr>
+          <p:cNvPr id="19" name="Textfeld 18">
+            <a:extLst>
+              <a:ext uri="{FF2B5EF4-FFF2-40B4-BE49-F238E27FC236}">
+                <a16:creationId xmlns:a16="http://schemas.microsoft.com/office/drawing/2014/main" id="{C72BD406-91B2-42C3-8720-B719F35E4C0C}"/>
+              </a:ext>
+            </a:extLst>
+          </p:cNvPr>
+          <p:cNvSpPr txBox="1"/>
+          <p:nvPr/>
+        </p:nvSpPr>
+        <p:spPr>
+          <a:xfrm>
+            <a:off x="1193757" y="1736359"/>
+            <a:ext cx="4077049" cy="2862322"/>
+          </a:xfrm>
+          <a:prstGeom prst="rect">
+            <a:avLst/>
+          </a:prstGeom>
+          <a:noFill/>
+        </p:spPr>
+        <p:txBody>
+          <a:bodyPr wrap="square" rtlCol="0">
+            <a:spAutoFit/>
+          </a:bodyPr>
+          <a:lstStyle/>
+          <a:p>
+            <a:endParaRPr lang="de-DE" dirty="0"/>
+          </a:p>
+          <a:p>
+            <a:r>
+              <a:rPr lang="de-DE" dirty="0"/>
+              <a:t>Exakte Lösung nicht möglich -&gt; Annähern</a:t>
+            </a:r>
+          </a:p>
+          <a:p>
+            <a:endParaRPr lang="de-DE" dirty="0"/>
+          </a:p>
+          <a:p>
+            <a:endParaRPr lang="de-DE" dirty="0"/>
+          </a:p>
+          <a:p>
+            <a:r>
+              <a:rPr lang="de-DE" dirty="0"/>
+              <a:t>Voraussetzung ist eine Anfangssituation</a:t>
+            </a:r>
+          </a:p>
+          <a:p>
+            <a:endParaRPr lang="de-DE" dirty="0"/>
+          </a:p>
+          <a:p>
+            <a:endParaRPr lang="de-DE" dirty="0"/>
+          </a:p>
+          <a:p>
+            <a:r>
+              <a:rPr lang="de-DE" dirty="0"/>
+              <a:t>Ersetzen der Funktion durch Zahlenwerte</a:t>
+            </a:r>
+          </a:p>
+          <a:p>
+            <a:endParaRPr lang="de-DE" dirty="0"/>
+          </a:p>
+          <a:p>
+            <a:endParaRPr lang="de-DE" dirty="0"/>
+          </a:p>
+        </p:txBody>
+      </p:sp>
+    </p:spTree>
+    <p:extLst>
+      <p:ext uri="{BB962C8B-B14F-4D97-AF65-F5344CB8AC3E}">
+        <p14:creationId xmlns:p14="http://schemas.microsoft.com/office/powerpoint/2010/main" val="375006603"/>
+      </p:ext>
+    </p:extLst>
+  </p:cSld>
+  <p:clrMapOvr>
+    <a:masterClrMapping/>
+  </p:clrMapOvr>
+</p:sld>
+</file>
+
+<file path=ppt/slides/slide21.xml><?xml version="1.0" encoding="utf-8"?>
+<p:sld xmlns:a="http://schemas.openxmlformats.org/drawingml/2006/main" xmlns:r="http://schemas.openxmlformats.org/officeDocument/2006/relationships" xmlns:p="http://schemas.openxmlformats.org/presentationml/2006/main">
+  <p:cSld>
+    <p:spTree>
+      <p:nvGrpSpPr>
+        <p:cNvPr id="1" name=""/>
+        <p:cNvGrpSpPr/>
+        <p:nvPr/>
+      </p:nvGrpSpPr>
+      <p:grpSpPr>
+        <a:xfrm>
+          <a:off x="0" y="0"/>
+          <a:ext cx="0" cy="0"/>
+          <a:chOff x="0" y="0"/>
+          <a:chExt cx="0" cy="0"/>
+        </a:xfrm>
+      </p:grpSpPr>
+      <p:sp>
+        <p:nvSpPr>
+          <p:cNvPr id="2" name="Titel 1">
+            <a:extLst>
+              <a:ext uri="{FF2B5EF4-FFF2-40B4-BE49-F238E27FC236}">
+                <a16:creationId xmlns:a16="http://schemas.microsoft.com/office/drawing/2014/main" id="{3D758F7E-CADC-4CFA-842E-2FE3EE11029B}"/>
+              </a:ext>
+            </a:extLst>
+          </p:cNvPr>
+          <p:cNvSpPr>
+            <a:spLocks noGrp="1"/>
+          </p:cNvSpPr>
+          <p:nvPr>
+            <p:ph type="title"/>
+          </p:nvPr>
+        </p:nvSpPr>
+        <p:spPr/>
+        <p:txBody>
+          <a:bodyPr/>
+          <a:lstStyle/>
+          <a:p>
+            <a:r>
+              <a:rPr lang="de-DE" dirty="0"/>
+              <a:t>Voraussetzungen</a:t>
             </a:r>
           </a:p>
         </p:txBody>
@@ -8111,7 +8349,7 @@
 </p:sld>
 </file>
 
-<file path=ppt/slides/slide21.xml><?xml version="1.0" encoding="utf-8"?>
+<file path=ppt/slides/slide22.xml><?xml version="1.0" encoding="utf-8"?>
 <p:sld xmlns:a="http://schemas.openxmlformats.org/drawingml/2006/main" xmlns:r="http://schemas.openxmlformats.org/officeDocument/2006/relationships" xmlns:p="http://schemas.openxmlformats.org/presentationml/2006/main">
   <p:cSld>
     <p:spTree>
@@ -8226,8 +8464,8 @@
           </a:p>
         </p:txBody>
       </p:sp>
-      <mc:AlternateContent xmlns:mc="http://schemas.openxmlformats.org/markup-compatibility/2006" xmlns:a14="http://schemas.microsoft.com/office/drawing/2010/main">
-        <mc:Choice Requires="a14">
+      <mc:AlternateContent xmlns:mc="http://schemas.openxmlformats.org/markup-compatibility/2006">
+        <mc:Choice xmlns:a14="http://schemas.microsoft.com/office/drawing/2010/main" Requires="a14">
           <p:sp>
             <p:nvSpPr>
               <p:cNvPr id="10" name="Textfeld 9">
@@ -8421,7 +8659,7 @@
             </p:txBody>
           </p:sp>
         </mc:Choice>
-        <mc:Fallback xmlns="">
+        <mc:Fallback>
           <p:sp>
             <p:nvSpPr>
               <p:cNvPr id="10" name="Textfeld 9">
@@ -8719,8 +8957,8 @@
           </p:sp>
         </mc:Fallback>
       </mc:AlternateContent>
-      <mc:AlternateContent xmlns:mc="http://schemas.openxmlformats.org/markup-compatibility/2006" xmlns:a14="http://schemas.microsoft.com/office/drawing/2010/main">
-        <mc:Choice Requires="a14">
+      <mc:AlternateContent xmlns:mc="http://schemas.openxmlformats.org/markup-compatibility/2006">
+        <mc:Choice xmlns:a14="http://schemas.microsoft.com/office/drawing/2010/main" Requires="a14">
           <p:sp>
             <p:nvSpPr>
               <p:cNvPr id="12" name="Textfeld 11">
@@ -8787,7 +9025,7 @@
             </p:txBody>
           </p:sp>
         </mc:Choice>
-        <mc:Fallback xmlns="">
+        <mc:Fallback>
           <p:sp>
             <p:nvSpPr>
               <p:cNvPr id="12" name="Textfeld 11">
@@ -9038,8 +9276,8 @@
           </a:p>
         </p:txBody>
       </p:sp>
-      <mc:AlternateContent xmlns:mc="http://schemas.openxmlformats.org/markup-compatibility/2006" xmlns:a14="http://schemas.microsoft.com/office/drawing/2010/main">
-        <mc:Choice Requires="a14">
+      <mc:AlternateContent xmlns:mc="http://schemas.openxmlformats.org/markup-compatibility/2006">
+        <mc:Choice xmlns:a14="http://schemas.microsoft.com/office/drawing/2010/main" Requires="a14">
           <p:sp>
             <p:nvSpPr>
               <p:cNvPr id="16" name="Textfeld 15">
@@ -9108,7 +9346,7 @@
             </p:txBody>
           </p:sp>
         </mc:Choice>
-        <mc:Fallback xmlns="">
+        <mc:Fallback>
           <p:sp>
             <p:nvSpPr>
               <p:cNvPr id="16" name="Textfeld 15">
@@ -9195,8 +9433,8 @@
           </a:fontRef>
         </p:style>
       </p:cxnSp>
-      <mc:AlternateContent xmlns:mc="http://schemas.openxmlformats.org/markup-compatibility/2006" xmlns:a14="http://schemas.microsoft.com/office/drawing/2010/main">
-        <mc:Choice Requires="a14">
+      <mc:AlternateContent xmlns:mc="http://schemas.openxmlformats.org/markup-compatibility/2006">
+        <mc:Choice xmlns:a14="http://schemas.microsoft.com/office/drawing/2010/main" Requires="a14">
           <p:sp>
             <p:nvSpPr>
               <p:cNvPr id="23" name="Textfeld 22">
@@ -9298,7 +9536,7 @@
             </p:txBody>
           </p:sp>
         </mc:Choice>
-        <mc:Fallback xmlns="">
+        <mc:Fallback>
           <p:sp>
             <p:nvSpPr>
               <p:cNvPr id="23" name="Textfeld 22">
@@ -9343,8 +9581,8 @@
           </p:sp>
         </mc:Fallback>
       </mc:AlternateContent>
-      <mc:AlternateContent xmlns:mc="http://schemas.openxmlformats.org/markup-compatibility/2006" xmlns:a14="http://schemas.microsoft.com/office/drawing/2010/main">
-        <mc:Choice Requires="a14">
+      <mc:AlternateContent xmlns:mc="http://schemas.openxmlformats.org/markup-compatibility/2006">
+        <mc:Choice xmlns:a14="http://schemas.microsoft.com/office/drawing/2010/main" Requires="a14">
           <p:sp>
             <p:nvSpPr>
               <p:cNvPr id="25" name="Textfeld 24">
@@ -9419,7 +9657,7 @@
             </p:txBody>
           </p:sp>
         </mc:Choice>
-        <mc:Fallback xmlns="">
+        <mc:Fallback>
           <p:sp>
             <p:nvSpPr>
               <p:cNvPr id="25" name="Textfeld 24">
@@ -9556,8 +9794,8 @@
           </a:p>
         </p:txBody>
       </p:sp>
-      <mc:AlternateContent xmlns:mc="http://schemas.openxmlformats.org/markup-compatibility/2006" xmlns:a14="http://schemas.microsoft.com/office/drawing/2010/main">
-        <mc:Choice Requires="a14">
+      <mc:AlternateContent xmlns:mc="http://schemas.openxmlformats.org/markup-compatibility/2006">
+        <mc:Choice xmlns:a14="http://schemas.microsoft.com/office/drawing/2010/main" Requires="a14">
           <p:sp>
             <p:nvSpPr>
               <p:cNvPr id="30" name="Textfeld 29">
@@ -9632,7 +9870,7 @@
             </p:txBody>
           </p:sp>
         </mc:Choice>
-        <mc:Fallback xmlns="">
+        <mc:Fallback>
           <p:sp>
             <p:nvSpPr>
               <p:cNvPr id="30" name="Textfeld 29">
@@ -9677,8 +9915,8 @@
           </p:sp>
         </mc:Fallback>
       </mc:AlternateContent>
-      <mc:AlternateContent xmlns:mc="http://schemas.openxmlformats.org/markup-compatibility/2006" xmlns:a14="http://schemas.microsoft.com/office/drawing/2010/main">
-        <mc:Choice Requires="a14">
+      <mc:AlternateContent xmlns:mc="http://schemas.openxmlformats.org/markup-compatibility/2006">
+        <mc:Choice xmlns:a14="http://schemas.microsoft.com/office/drawing/2010/main" Requires="a14">
           <p:sp>
             <p:nvSpPr>
               <p:cNvPr id="32" name="Rechteck 31">
@@ -9800,7 +10038,7 @@
             </p:txBody>
           </p:sp>
         </mc:Choice>
-        <mc:Fallback xmlns="">
+        <mc:Fallback>
           <p:sp>
             <p:nvSpPr>
               <p:cNvPr id="32" name="Rechteck 31">
@@ -10101,8 +10339,8 @@
           </p:sp>
         </mc:Fallback>
       </mc:AlternateContent>
-      <mc:AlternateContent xmlns:mc="http://schemas.openxmlformats.org/markup-compatibility/2006" xmlns:a14="http://schemas.microsoft.com/office/drawing/2010/main">
-        <mc:Choice Requires="a14">
+      <mc:AlternateContent xmlns:mc="http://schemas.openxmlformats.org/markup-compatibility/2006">
+        <mc:Choice xmlns:a14="http://schemas.microsoft.com/office/drawing/2010/main" Requires="a14">
           <p:sp>
             <p:nvSpPr>
               <p:cNvPr id="38" name="Textfeld 37">
@@ -10177,7 +10415,7 @@
             </p:txBody>
           </p:sp>
         </mc:Choice>
-        <mc:Fallback xmlns="">
+        <mc:Fallback>
           <p:sp>
             <p:nvSpPr>
               <p:cNvPr id="38" name="Textfeld 37">
@@ -10948,7 +11186,7 @@
 </p:sld>
 </file>
 
-<file path=ppt/slides/slide22.xml><?xml version="1.0" encoding="utf-8"?>
+<file path=ppt/slides/slide23.xml><?xml version="1.0" encoding="utf-8"?>
 <p:sld xmlns:a="http://schemas.openxmlformats.org/drawingml/2006/main" xmlns:r="http://schemas.openxmlformats.org/officeDocument/2006/relationships" xmlns:p="http://schemas.openxmlformats.org/presentationml/2006/main">
   <p:cSld>
     <p:spTree>
@@ -11444,22 +11682,19 @@
               </a:path>
             </a:pathLst>
           </a:custGeom>
-          <a:noFill/>
         </p:spPr>
         <p:style>
           <a:lnRef idx="2">
-            <a:schemeClr val="accent1">
-              <a:shade val="50000"/>
-            </a:schemeClr>
+            <a:schemeClr val="dk1"/>
           </a:lnRef>
-          <a:fillRef idx="1">
-            <a:schemeClr val="accent1"/>
+          <a:fillRef idx="0">
+            <a:schemeClr val="dk1"/>
           </a:fillRef>
-          <a:effectRef idx="0">
-            <a:schemeClr val="accent1"/>
+          <a:effectRef idx="1">
+            <a:schemeClr val="dk1"/>
           </a:effectRef>
           <a:fontRef idx="minor">
-            <a:schemeClr val="lt1"/>
+            <a:schemeClr val="tx1"/>
           </a:fontRef>
         </p:style>
         <p:txBody>
@@ -14580,7 +14815,100 @@
 </p:sld>
 </file>
 
-<file path=ppt/slides/slide23.xml><?xml version="1.0" encoding="utf-8"?>
+<file path=ppt/slides/slide24.xml><?xml version="1.0" encoding="utf-8"?>
+<p:sld xmlns:a="http://schemas.openxmlformats.org/drawingml/2006/main" xmlns:r="http://schemas.openxmlformats.org/officeDocument/2006/relationships" xmlns:p="http://schemas.openxmlformats.org/presentationml/2006/main">
+  <p:cSld>
+    <p:spTree>
+      <p:nvGrpSpPr>
+        <p:cNvPr id="1" name=""/>
+        <p:cNvGrpSpPr/>
+        <p:nvPr/>
+      </p:nvGrpSpPr>
+      <p:grpSpPr>
+        <a:xfrm>
+          <a:off x="0" y="0"/>
+          <a:ext cx="0" cy="0"/>
+          <a:chOff x="0" y="0"/>
+          <a:chExt cx="0" cy="0"/>
+        </a:xfrm>
+      </p:grpSpPr>
+      <p:sp>
+        <p:nvSpPr>
+          <p:cNvPr id="2" name="Titel 1">
+            <a:extLst>
+              <a:ext uri="{FF2B5EF4-FFF2-40B4-BE49-F238E27FC236}">
+                <a16:creationId xmlns:a16="http://schemas.microsoft.com/office/drawing/2014/main" id="{406CFFC1-1F2E-4FCC-9A3F-AE73A32273B0}"/>
+              </a:ext>
+            </a:extLst>
+          </p:cNvPr>
+          <p:cNvSpPr>
+            <a:spLocks noGrp="1"/>
+          </p:cNvSpPr>
+          <p:nvPr>
+            <p:ph type="title"/>
+          </p:nvPr>
+        </p:nvSpPr>
+        <p:spPr/>
+        <p:txBody>
+          <a:bodyPr/>
+          <a:lstStyle/>
+          <a:p>
+            <a:r>
+              <a:rPr lang="de-DE" dirty="0"/>
+              <a:t>Vergleich verschiedener Verfahren</a:t>
+            </a:r>
+          </a:p>
+        </p:txBody>
+      </p:sp>
+      <p:pic>
+        <p:nvPicPr>
+          <p:cNvPr id="5" name="Inhaltsplatzhalter 4" descr="Ein Bild, das Text, Karte enthält.&#10;&#10;Automatisch generierte Beschreibung">
+            <a:extLst>
+              <a:ext uri="{FF2B5EF4-FFF2-40B4-BE49-F238E27FC236}">
+                <a16:creationId xmlns:a16="http://schemas.microsoft.com/office/drawing/2014/main" id="{41BFD04D-E415-49FA-A72F-C1DD4E156418}"/>
+              </a:ext>
+            </a:extLst>
+          </p:cNvPr>
+          <p:cNvPicPr>
+            <a:picLocks noGrp="1" noChangeAspect="1"/>
+          </p:cNvPicPr>
+          <p:nvPr>
+            <p:ph idx="1"/>
+          </p:nvPr>
+        </p:nvPicPr>
+        <p:blipFill>
+          <a:blip r:embed="rId2">
+            <a:extLst>
+              <a:ext uri="{28A0092B-C50C-407E-A947-70E740481C1C}">
+                <a14:useLocalDpi xmlns:a14="http://schemas.microsoft.com/office/drawing/2010/main" val="0"/>
+              </a:ext>
+            </a:extLst>
+          </a:blip>
+          <a:stretch>
+            <a:fillRect/>
+          </a:stretch>
+        </p:blipFill>
+        <p:spPr>
+          <a:xfrm>
+            <a:off x="2908300" y="1911748"/>
+            <a:ext cx="6436360" cy="4022725"/>
+          </a:xfrm>
+        </p:spPr>
+      </p:pic>
+    </p:spTree>
+    <p:extLst>
+      <p:ext uri="{BB962C8B-B14F-4D97-AF65-F5344CB8AC3E}">
+        <p14:creationId xmlns:p14="http://schemas.microsoft.com/office/powerpoint/2010/main" val="3963924222"/>
+      </p:ext>
+    </p:extLst>
+  </p:cSld>
+  <p:clrMapOvr>
+    <a:masterClrMapping/>
+  </p:clrMapOvr>
+</p:sld>
+</file>
+
+<file path=ppt/slides/slide25.xml><?xml version="1.0" encoding="utf-8"?>
 <p:sld xmlns:a="http://schemas.openxmlformats.org/drawingml/2006/main" xmlns:r="http://schemas.openxmlformats.org/officeDocument/2006/relationships" xmlns:p="http://schemas.openxmlformats.org/presentationml/2006/main">
   <p:cSld>
     <p:spTree>
@@ -14653,7 +14981,7 @@
 </p:sld>
 </file>
 
-<file path=ppt/slides/slide24.xml><?xml version="1.0" encoding="utf-8"?>
+<file path=ppt/slides/slide26.xml><?xml version="1.0" encoding="utf-8"?>
 <p:sld xmlns:a="http://schemas.openxmlformats.org/drawingml/2006/main" xmlns:r="http://schemas.openxmlformats.org/officeDocument/2006/relationships" xmlns:p="http://schemas.openxmlformats.org/presentationml/2006/main">
   <p:cSld>
     <p:spTree>
@@ -14783,7 +15111,7 @@
 </p:sld>
 </file>
 
-<file path=ppt/slides/slide25.xml><?xml version="1.0" encoding="utf-8"?>
+<file path=ppt/slides/slide27.xml><?xml version="1.0" encoding="utf-8"?>
 <p:sld xmlns:a="http://schemas.openxmlformats.org/drawingml/2006/main" xmlns:r="http://schemas.openxmlformats.org/officeDocument/2006/relationships" xmlns:p="http://schemas.openxmlformats.org/presentationml/2006/main">
   <p:cSld>
     <p:spTree>
@@ -15266,7 +15594,7 @@
 </p:sld>
 </file>
 
-<file path=ppt/slides/slide26.xml><?xml version="1.0" encoding="utf-8"?>
+<file path=ppt/slides/slide28.xml><?xml version="1.0" encoding="utf-8"?>
 <p:sld xmlns:a="http://schemas.openxmlformats.org/drawingml/2006/main" xmlns:r="http://schemas.openxmlformats.org/officeDocument/2006/relationships" xmlns:p="http://schemas.openxmlformats.org/presentationml/2006/main">
   <p:cSld>
     <p:spTree>

--- a/Simulation des Sonnensytem.pptx
+++ b/Simulation des Sonnensytem.pptx
@@ -33,6 +33,8 @@
     <p:sldId id="263" r:id="rId27"/>
     <p:sldId id="264" r:id="rId28"/>
     <p:sldId id="265" r:id="rId29"/>
+    <p:sldId id="287" r:id="rId30"/>
+    <p:sldId id="288" r:id="rId31"/>
   </p:sldIdLst>
   <p:sldSz cx="12192000" cy="6858000"/>
   <p:notesSz cx="6858000" cy="9144000"/>
@@ -365,7 +367,7 @@
           <a:p>
             <a:fld id="{632FED3B-1EFD-46F0-A65D-A3CA3E79B04B}" type="datetimeFigureOut">
               <a:rPr lang="de-DE" smtClean="0"/>
-              <a:t>05.02.2019</a:t>
+              <a:t>06.02.2019</a:t>
             </a:fld>
             <a:endParaRPr lang="de-DE"/>
           </a:p>
@@ -573,7 +575,7 @@
           <a:p>
             <a:fld id="{632FED3B-1EFD-46F0-A65D-A3CA3E79B04B}" type="datetimeFigureOut">
               <a:rPr lang="de-DE" smtClean="0"/>
-              <a:t>05.02.2019</a:t>
+              <a:t>06.02.2019</a:t>
             </a:fld>
             <a:endParaRPr lang="de-DE"/>
           </a:p>
@@ -829,7 +831,7 @@
           <a:p>
             <a:fld id="{632FED3B-1EFD-46F0-A65D-A3CA3E79B04B}" type="datetimeFigureOut">
               <a:rPr lang="de-DE" smtClean="0"/>
-              <a:t>05.02.2019</a:t>
+              <a:t>06.02.2019</a:t>
             </a:fld>
             <a:endParaRPr lang="de-DE"/>
           </a:p>
@@ -1003,7 +1005,7 @@
           <a:p>
             <a:fld id="{632FED3B-1EFD-46F0-A65D-A3CA3E79B04B}" type="datetimeFigureOut">
               <a:rPr lang="de-DE" smtClean="0"/>
-              <a:t>05.02.2019</a:t>
+              <a:t>06.02.2019</a:t>
             </a:fld>
             <a:endParaRPr lang="de-DE"/>
           </a:p>
@@ -1346,7 +1348,7 @@
           <a:p>
             <a:fld id="{632FED3B-1EFD-46F0-A65D-A3CA3E79B04B}" type="datetimeFigureOut">
               <a:rPr lang="de-DE" smtClean="0"/>
-              <a:t>05.02.2019</a:t>
+              <a:t>06.02.2019</a:t>
             </a:fld>
             <a:endParaRPr lang="de-DE"/>
           </a:p>
@@ -1621,7 +1623,7 @@
           <a:p>
             <a:fld id="{632FED3B-1EFD-46F0-A65D-A3CA3E79B04B}" type="datetimeFigureOut">
               <a:rPr lang="de-DE" smtClean="0"/>
-              <a:t>05.02.2019</a:t>
+              <a:t>06.02.2019</a:t>
             </a:fld>
             <a:endParaRPr lang="de-DE"/>
           </a:p>
@@ -2000,7 +2002,7 @@
           <a:p>
             <a:fld id="{632FED3B-1EFD-46F0-A65D-A3CA3E79B04B}" type="datetimeFigureOut">
               <a:rPr lang="de-DE" smtClean="0"/>
-              <a:t>05.02.2019</a:t>
+              <a:t>06.02.2019</a:t>
             </a:fld>
             <a:endParaRPr lang="de-DE"/>
           </a:p>
@@ -2118,7 +2120,7 @@
           <a:p>
             <a:fld id="{632FED3B-1EFD-46F0-A65D-A3CA3E79B04B}" type="datetimeFigureOut">
               <a:rPr lang="de-DE" smtClean="0"/>
-              <a:t>05.02.2019</a:t>
+              <a:t>06.02.2019</a:t>
             </a:fld>
             <a:endParaRPr lang="de-DE"/>
           </a:p>
@@ -2289,7 +2291,7 @@
           <a:p>
             <a:fld id="{632FED3B-1EFD-46F0-A65D-A3CA3E79B04B}" type="datetimeFigureOut">
               <a:rPr lang="de-DE" smtClean="0"/>
-              <a:t>05.02.2019</a:t>
+              <a:t>06.02.2019</a:t>
             </a:fld>
             <a:endParaRPr lang="de-DE"/>
           </a:p>
@@ -2643,7 +2645,7 @@
           <a:p>
             <a:fld id="{632FED3B-1EFD-46F0-A65D-A3CA3E79B04B}" type="datetimeFigureOut">
               <a:rPr lang="de-DE" smtClean="0"/>
-              <a:t>05.02.2019</a:t>
+              <a:t>06.02.2019</a:t>
             </a:fld>
             <a:endParaRPr lang="de-DE"/>
           </a:p>
@@ -3025,7 +3027,7 @@
           <a:p>
             <a:fld id="{632FED3B-1EFD-46F0-A65D-A3CA3E79B04B}" type="datetimeFigureOut">
               <a:rPr lang="de-DE" smtClean="0"/>
-              <a:t>05.02.2019</a:t>
+              <a:t>06.02.2019</a:t>
             </a:fld>
             <a:endParaRPr lang="de-DE"/>
           </a:p>
@@ -3312,7 +3314,7 @@
           <a:p>
             <a:fld id="{632FED3B-1EFD-46F0-A65D-A3CA3E79B04B}" type="datetimeFigureOut">
               <a:rPr lang="de-DE" smtClean="0"/>
-              <a:t>05.02.2019</a:t>
+              <a:t>06.02.2019</a:t>
             </a:fld>
             <a:endParaRPr lang="de-DE"/>
           </a:p>
@@ -4716,8 +4718,8 @@
           </a:p>
         </p:txBody>
       </p:sp>
-      <mc:AlternateContent xmlns:mc="http://schemas.openxmlformats.org/markup-compatibility/2006">
-        <mc:Choice xmlns:a14="http://schemas.microsoft.com/office/drawing/2010/main" Requires="a14">
+      <mc:AlternateContent xmlns:mc="http://schemas.openxmlformats.org/markup-compatibility/2006" xmlns:a14="http://schemas.microsoft.com/office/drawing/2010/main">
+        <mc:Choice Requires="a14">
           <p:sp>
             <p:nvSpPr>
               <p:cNvPr id="3" name="Inhaltsplatzhalter 2">
@@ -4921,7 +4923,7 @@
             </p:txBody>
           </p:sp>
         </mc:Choice>
-        <mc:Fallback>
+        <mc:Fallback xmlns="">
           <p:sp>
             <p:nvSpPr>
               <p:cNvPr id="3" name="Inhaltsplatzhalter 2">
@@ -7147,7 +7149,71 @@
           <a:bodyPr/>
           <a:lstStyle/>
           <a:p>
-            <a:endParaRPr lang="de-DE"/>
+            <a:pPr marL="457200" indent="-457200">
+              <a:buFont typeface="+mj-lt"/>
+              <a:buAutoNum type="arabicPeriod"/>
+            </a:pPr>
+            <a:r>
+              <a:rPr lang="de-DE" dirty="0"/>
+              <a:t>Allgemeines</a:t>
+            </a:r>
+          </a:p>
+          <a:p>
+            <a:pPr marL="457200" indent="-457200">
+              <a:buFont typeface="+mj-lt"/>
+              <a:buAutoNum type="arabicPeriod"/>
+            </a:pPr>
+            <a:r>
+              <a:rPr lang="de-DE" dirty="0"/>
+              <a:t>Berechnung der Umlaufbahnen</a:t>
+            </a:r>
+          </a:p>
+          <a:p>
+            <a:pPr marL="457200" indent="-457200">
+              <a:buFont typeface="+mj-lt"/>
+              <a:buAutoNum type="arabicPeriod"/>
+            </a:pPr>
+            <a:r>
+              <a:rPr lang="de-DE" dirty="0"/>
+              <a:t>N-Körperproblem</a:t>
+            </a:r>
+          </a:p>
+          <a:p>
+            <a:pPr marL="457200" indent="-457200">
+              <a:buFont typeface="+mj-lt"/>
+              <a:buAutoNum type="arabicPeriod"/>
+            </a:pPr>
+            <a:r>
+              <a:rPr lang="de-DE" dirty="0"/>
+              <a:t>Programmvorstellung</a:t>
+            </a:r>
+          </a:p>
+          <a:p>
+            <a:pPr marL="457200" indent="-457200">
+              <a:buFont typeface="+mj-lt"/>
+              <a:buAutoNum type="arabicPeriod"/>
+            </a:pPr>
+            <a:r>
+              <a:rPr lang="de-DE" dirty="0"/>
+              <a:t>Fehlerabschätzung</a:t>
+            </a:r>
+          </a:p>
+          <a:p>
+            <a:pPr marL="457200" indent="-457200">
+              <a:buFont typeface="+mj-lt"/>
+              <a:buAutoNum type="arabicPeriod"/>
+            </a:pPr>
+            <a:r>
+              <a:rPr lang="de-DE" dirty="0"/>
+              <a:t>Fazit</a:t>
+            </a:r>
+          </a:p>
+          <a:p>
+            <a:pPr marL="457200" indent="-457200">
+              <a:buFont typeface="+mj-lt"/>
+              <a:buAutoNum type="arabicPeriod"/>
+            </a:pPr>
+            <a:endParaRPr lang="de-DE" dirty="0"/>
           </a:p>
         </p:txBody>
       </p:sp>
@@ -8464,8 +8530,8 @@
           </a:p>
         </p:txBody>
       </p:sp>
-      <mc:AlternateContent xmlns:mc="http://schemas.openxmlformats.org/markup-compatibility/2006">
-        <mc:Choice xmlns:a14="http://schemas.microsoft.com/office/drawing/2010/main" Requires="a14">
+      <mc:AlternateContent xmlns:mc="http://schemas.openxmlformats.org/markup-compatibility/2006" xmlns:a14="http://schemas.microsoft.com/office/drawing/2010/main">
+        <mc:Choice Requires="a14">
           <p:sp>
             <p:nvSpPr>
               <p:cNvPr id="10" name="Textfeld 9">
@@ -8659,7 +8725,7 @@
             </p:txBody>
           </p:sp>
         </mc:Choice>
-        <mc:Fallback>
+        <mc:Fallback xmlns="">
           <p:sp>
             <p:nvSpPr>
               <p:cNvPr id="10" name="Textfeld 9">
@@ -8957,8 +9023,8 @@
           </p:sp>
         </mc:Fallback>
       </mc:AlternateContent>
-      <mc:AlternateContent xmlns:mc="http://schemas.openxmlformats.org/markup-compatibility/2006">
-        <mc:Choice xmlns:a14="http://schemas.microsoft.com/office/drawing/2010/main" Requires="a14">
+      <mc:AlternateContent xmlns:mc="http://schemas.openxmlformats.org/markup-compatibility/2006" xmlns:a14="http://schemas.microsoft.com/office/drawing/2010/main">
+        <mc:Choice Requires="a14">
           <p:sp>
             <p:nvSpPr>
               <p:cNvPr id="12" name="Textfeld 11">
@@ -9025,7 +9091,7 @@
             </p:txBody>
           </p:sp>
         </mc:Choice>
-        <mc:Fallback>
+        <mc:Fallback xmlns="">
           <p:sp>
             <p:nvSpPr>
               <p:cNvPr id="12" name="Textfeld 11">
@@ -9276,8 +9342,8 @@
           </a:p>
         </p:txBody>
       </p:sp>
-      <mc:AlternateContent xmlns:mc="http://schemas.openxmlformats.org/markup-compatibility/2006">
-        <mc:Choice xmlns:a14="http://schemas.microsoft.com/office/drawing/2010/main" Requires="a14">
+      <mc:AlternateContent xmlns:mc="http://schemas.openxmlformats.org/markup-compatibility/2006" xmlns:a14="http://schemas.microsoft.com/office/drawing/2010/main">
+        <mc:Choice Requires="a14">
           <p:sp>
             <p:nvSpPr>
               <p:cNvPr id="16" name="Textfeld 15">
@@ -9346,7 +9412,7 @@
             </p:txBody>
           </p:sp>
         </mc:Choice>
-        <mc:Fallback>
+        <mc:Fallback xmlns="">
           <p:sp>
             <p:nvSpPr>
               <p:cNvPr id="16" name="Textfeld 15">
@@ -9433,8 +9499,8 @@
           </a:fontRef>
         </p:style>
       </p:cxnSp>
-      <mc:AlternateContent xmlns:mc="http://schemas.openxmlformats.org/markup-compatibility/2006">
-        <mc:Choice xmlns:a14="http://schemas.microsoft.com/office/drawing/2010/main" Requires="a14">
+      <mc:AlternateContent xmlns:mc="http://schemas.openxmlformats.org/markup-compatibility/2006" xmlns:a14="http://schemas.microsoft.com/office/drawing/2010/main">
+        <mc:Choice Requires="a14">
           <p:sp>
             <p:nvSpPr>
               <p:cNvPr id="23" name="Textfeld 22">
@@ -9536,7 +9602,7 @@
             </p:txBody>
           </p:sp>
         </mc:Choice>
-        <mc:Fallback>
+        <mc:Fallback xmlns="">
           <p:sp>
             <p:nvSpPr>
               <p:cNvPr id="23" name="Textfeld 22">
@@ -9581,8 +9647,8 @@
           </p:sp>
         </mc:Fallback>
       </mc:AlternateContent>
-      <mc:AlternateContent xmlns:mc="http://schemas.openxmlformats.org/markup-compatibility/2006">
-        <mc:Choice xmlns:a14="http://schemas.microsoft.com/office/drawing/2010/main" Requires="a14">
+      <mc:AlternateContent xmlns:mc="http://schemas.openxmlformats.org/markup-compatibility/2006" xmlns:a14="http://schemas.microsoft.com/office/drawing/2010/main">
+        <mc:Choice Requires="a14">
           <p:sp>
             <p:nvSpPr>
               <p:cNvPr id="25" name="Textfeld 24">
@@ -9657,7 +9723,7 @@
             </p:txBody>
           </p:sp>
         </mc:Choice>
-        <mc:Fallback>
+        <mc:Fallback xmlns="">
           <p:sp>
             <p:nvSpPr>
               <p:cNvPr id="25" name="Textfeld 24">
@@ -9794,8 +9860,8 @@
           </a:p>
         </p:txBody>
       </p:sp>
-      <mc:AlternateContent xmlns:mc="http://schemas.openxmlformats.org/markup-compatibility/2006">
-        <mc:Choice xmlns:a14="http://schemas.microsoft.com/office/drawing/2010/main" Requires="a14">
+      <mc:AlternateContent xmlns:mc="http://schemas.openxmlformats.org/markup-compatibility/2006" xmlns:a14="http://schemas.microsoft.com/office/drawing/2010/main">
+        <mc:Choice Requires="a14">
           <p:sp>
             <p:nvSpPr>
               <p:cNvPr id="30" name="Textfeld 29">
@@ -9870,7 +9936,7 @@
             </p:txBody>
           </p:sp>
         </mc:Choice>
-        <mc:Fallback>
+        <mc:Fallback xmlns="">
           <p:sp>
             <p:nvSpPr>
               <p:cNvPr id="30" name="Textfeld 29">
@@ -9915,8 +9981,8 @@
           </p:sp>
         </mc:Fallback>
       </mc:AlternateContent>
-      <mc:AlternateContent xmlns:mc="http://schemas.openxmlformats.org/markup-compatibility/2006">
-        <mc:Choice xmlns:a14="http://schemas.microsoft.com/office/drawing/2010/main" Requires="a14">
+      <mc:AlternateContent xmlns:mc="http://schemas.openxmlformats.org/markup-compatibility/2006" xmlns:a14="http://schemas.microsoft.com/office/drawing/2010/main">
+        <mc:Choice Requires="a14">
           <p:sp>
             <p:nvSpPr>
               <p:cNvPr id="32" name="Rechteck 31">
@@ -10038,7 +10104,7 @@
             </p:txBody>
           </p:sp>
         </mc:Choice>
-        <mc:Fallback>
+        <mc:Fallback xmlns="">
           <p:sp>
             <p:nvSpPr>
               <p:cNvPr id="32" name="Rechteck 31">
@@ -10339,8 +10405,8 @@
           </p:sp>
         </mc:Fallback>
       </mc:AlternateContent>
-      <mc:AlternateContent xmlns:mc="http://schemas.openxmlformats.org/markup-compatibility/2006">
-        <mc:Choice xmlns:a14="http://schemas.microsoft.com/office/drawing/2010/main" Requires="a14">
+      <mc:AlternateContent xmlns:mc="http://schemas.openxmlformats.org/markup-compatibility/2006" xmlns:a14="http://schemas.microsoft.com/office/drawing/2010/main">
+        <mc:Choice Requires="a14">
           <p:sp>
             <p:nvSpPr>
               <p:cNvPr id="38" name="Textfeld 37">
@@ -10415,7 +10481,7 @@
             </p:txBody>
           </p:sp>
         </mc:Choice>
-        <mc:Fallback>
+        <mc:Fallback xmlns="">
           <p:sp>
             <p:nvSpPr>
               <p:cNvPr id="38" name="Textfeld 37">
@@ -15748,6 +15814,71 @@
 </p:sld>
 </file>
 
+<file path=ppt/slides/slide29.xml><?xml version="1.0" encoding="utf-8"?>
+<p:sld xmlns:a="http://schemas.openxmlformats.org/drawingml/2006/main" xmlns:r="http://schemas.openxmlformats.org/officeDocument/2006/relationships" xmlns:p="http://schemas.openxmlformats.org/presentationml/2006/main">
+  <p:cSld>
+    <p:spTree>
+      <p:nvGrpSpPr>
+        <p:cNvPr id="1" name=""/>
+        <p:cNvGrpSpPr/>
+        <p:nvPr/>
+      </p:nvGrpSpPr>
+      <p:grpSpPr>
+        <a:xfrm>
+          <a:off x="0" y="0"/>
+          <a:ext cx="0" cy="0"/>
+          <a:chOff x="0" y="0"/>
+          <a:chExt cx="0" cy="0"/>
+        </a:xfrm>
+      </p:grpSpPr>
+      <p:sp>
+        <p:nvSpPr>
+          <p:cNvPr id="2" name="Textfeld 1">
+            <a:extLst>
+              <a:ext uri="{FF2B5EF4-FFF2-40B4-BE49-F238E27FC236}">
+                <a16:creationId xmlns:a16="http://schemas.microsoft.com/office/drawing/2014/main" id="{E8D65369-0BB6-4B8D-AB59-7C5E2BF8571D}"/>
+              </a:ext>
+            </a:extLst>
+          </p:cNvPr>
+          <p:cNvSpPr txBox="1"/>
+          <p:nvPr/>
+        </p:nvSpPr>
+        <p:spPr>
+          <a:xfrm>
+            <a:off x="5427643" y="2598003"/>
+            <a:ext cx="1336713" cy="830997"/>
+          </a:xfrm>
+          <a:prstGeom prst="rect">
+            <a:avLst/>
+          </a:prstGeom>
+          <a:noFill/>
+        </p:spPr>
+        <p:txBody>
+          <a:bodyPr wrap="none" rtlCol="0">
+            <a:spAutoFit/>
+          </a:bodyPr>
+          <a:lstStyle/>
+          <a:p>
+            <a:r>
+              <a:rPr lang="de-DE" sz="4800" dirty="0"/>
+              <a:t>Fazit</a:t>
+            </a:r>
+          </a:p>
+        </p:txBody>
+      </p:sp>
+    </p:spTree>
+    <p:extLst>
+      <p:ext uri="{BB962C8B-B14F-4D97-AF65-F5344CB8AC3E}">
+        <p14:creationId xmlns:p14="http://schemas.microsoft.com/office/powerpoint/2010/main" val="3190874811"/>
+      </p:ext>
+    </p:extLst>
+  </p:cSld>
+  <p:clrMapOvr>
+    <a:masterClrMapping/>
+  </p:clrMapOvr>
+</p:sld>
+</file>
+
 <file path=ppt/slides/slide3.xml><?xml version="1.0" encoding="utf-8"?>
 <p:sld xmlns:a="http://schemas.openxmlformats.org/drawingml/2006/main" xmlns:r="http://schemas.openxmlformats.org/officeDocument/2006/relationships" xmlns:p="http://schemas.openxmlformats.org/presentationml/2006/main">
   <p:cSld>
@@ -15934,6 +16065,78 @@
     <p:extLst>
       <p:ext uri="{BB962C8B-B14F-4D97-AF65-F5344CB8AC3E}">
         <p14:creationId xmlns:p14="http://schemas.microsoft.com/office/powerpoint/2010/main" val="507724446"/>
+      </p:ext>
+    </p:extLst>
+  </p:cSld>
+  <p:clrMapOvr>
+    <a:masterClrMapping/>
+  </p:clrMapOvr>
+</p:sld>
+</file>
+
+<file path=ppt/slides/slide30.xml><?xml version="1.0" encoding="utf-8"?>
+<p:sld xmlns:a="http://schemas.openxmlformats.org/drawingml/2006/main" xmlns:r="http://schemas.openxmlformats.org/officeDocument/2006/relationships" xmlns:p="http://schemas.openxmlformats.org/presentationml/2006/main">
+  <p:cSld>
+    <p:spTree>
+      <p:nvGrpSpPr>
+        <p:cNvPr id="1" name=""/>
+        <p:cNvGrpSpPr/>
+        <p:nvPr/>
+      </p:nvGrpSpPr>
+      <p:grpSpPr>
+        <a:xfrm>
+          <a:off x="0" y="0"/>
+          <a:ext cx="0" cy="0"/>
+          <a:chOff x="0" y="0"/>
+          <a:chExt cx="0" cy="0"/>
+        </a:xfrm>
+      </p:grpSpPr>
+      <p:sp>
+        <p:nvSpPr>
+          <p:cNvPr id="2" name="Textfeld 1">
+            <a:extLst>
+              <a:ext uri="{FF2B5EF4-FFF2-40B4-BE49-F238E27FC236}">
+                <a16:creationId xmlns:a16="http://schemas.microsoft.com/office/drawing/2014/main" id="{E8D65369-0BB6-4B8D-AB59-7C5E2BF8571D}"/>
+              </a:ext>
+            </a:extLst>
+          </p:cNvPr>
+          <p:cNvSpPr txBox="1"/>
+          <p:nvPr/>
+        </p:nvSpPr>
+        <p:spPr>
+          <a:xfrm>
+            <a:off x="3850096" y="2598003"/>
+            <a:ext cx="4491807" cy="830997"/>
+          </a:xfrm>
+          <a:prstGeom prst="rect">
+            <a:avLst/>
+          </a:prstGeom>
+          <a:noFill/>
+        </p:spPr>
+        <p:txBody>
+          <a:bodyPr wrap="none" rtlCol="0">
+            <a:spAutoFit/>
+          </a:bodyPr>
+          <a:lstStyle/>
+          <a:p>
+            <a:r>
+              <a:rPr lang="de-DE" sz="4800" dirty="0"/>
+              <a:t>Fragen &amp; Ende </a:t>
+            </a:r>
+            <a:r>
+              <a:rPr lang="de-DE" sz="4800" dirty="0">
+                <a:sym typeface="Wingdings" panose="05000000000000000000" pitchFamily="2" charset="2"/>
+              </a:rPr>
+              <a:t></a:t>
+            </a:r>
+            <a:endParaRPr lang="de-DE" sz="4800" dirty="0"/>
+          </a:p>
+        </p:txBody>
+      </p:sp>
+    </p:spTree>
+    <p:extLst>
+      <p:ext uri="{BB962C8B-B14F-4D97-AF65-F5344CB8AC3E}">
+        <p14:creationId xmlns:p14="http://schemas.microsoft.com/office/powerpoint/2010/main" val="884513563"/>
       </p:ext>
     </p:extLst>
   </p:cSld>

--- a/Simulation des Sonnensytem.pptx
+++ b/Simulation des Sonnensytem.pptx
@@ -4,6 +4,9 @@
   <p:sldMasterIdLst>
     <p:sldMasterId id="2147483684" r:id="rId1"/>
   </p:sldMasterIdLst>
+  <p:notesMasterIdLst>
+    <p:notesMasterId r:id="rId32"/>
+  </p:notesMasterIdLst>
   <p:sldIdLst>
     <p:sldId id="256" r:id="rId2"/>
     <p:sldId id="257" r:id="rId3"/>
@@ -141,6 +144,440 @@
 </p:presentation>
 </file>
 
+<file path=ppt/notesMasters/notesMaster1.xml><?xml version="1.0" encoding="utf-8"?>
+<p:notesMaster xmlns:a="http://schemas.openxmlformats.org/drawingml/2006/main" xmlns:r="http://schemas.openxmlformats.org/officeDocument/2006/relationships" xmlns:p="http://schemas.openxmlformats.org/presentationml/2006/main">
+  <p:cSld>
+    <p:bg>
+      <p:bgRef idx="1001">
+        <a:schemeClr val="bg1"/>
+      </p:bgRef>
+    </p:bg>
+    <p:spTree>
+      <p:nvGrpSpPr>
+        <p:cNvPr id="1" name=""/>
+        <p:cNvGrpSpPr/>
+        <p:nvPr/>
+      </p:nvGrpSpPr>
+      <p:grpSpPr>
+        <a:xfrm>
+          <a:off x="0" y="0"/>
+          <a:ext cx="0" cy="0"/>
+          <a:chOff x="0" y="0"/>
+          <a:chExt cx="0" cy="0"/>
+        </a:xfrm>
+      </p:grpSpPr>
+      <p:sp>
+        <p:nvSpPr>
+          <p:cNvPr id="2" name="Kopfzeilenplatzhalter 1"/>
+          <p:cNvSpPr>
+            <a:spLocks noGrp="1"/>
+          </p:cNvSpPr>
+          <p:nvPr>
+            <p:ph type="hdr" sz="quarter"/>
+          </p:nvPr>
+        </p:nvSpPr>
+        <p:spPr>
+          <a:xfrm>
+            <a:off x="0" y="0"/>
+            <a:ext cx="2971800" cy="458788"/>
+          </a:xfrm>
+          <a:prstGeom prst="rect">
+            <a:avLst/>
+          </a:prstGeom>
+        </p:spPr>
+        <p:txBody>
+          <a:bodyPr vert="horz" lIns="91440" tIns="45720" rIns="91440" bIns="45720" rtlCol="0"/>
+          <a:lstStyle>
+            <a:lvl1pPr algn="l">
+              <a:defRPr sz="1200"/>
+            </a:lvl1pPr>
+          </a:lstStyle>
+          <a:p>
+            <a:endParaRPr lang="de-DE"/>
+          </a:p>
+        </p:txBody>
+      </p:sp>
+      <p:sp>
+        <p:nvSpPr>
+          <p:cNvPr id="3" name="Datumsplatzhalter 2"/>
+          <p:cNvSpPr>
+            <a:spLocks noGrp="1"/>
+          </p:cNvSpPr>
+          <p:nvPr>
+            <p:ph type="dt" idx="1"/>
+          </p:nvPr>
+        </p:nvSpPr>
+        <p:spPr>
+          <a:xfrm>
+            <a:off x="3884613" y="0"/>
+            <a:ext cx="2971800" cy="458788"/>
+          </a:xfrm>
+          <a:prstGeom prst="rect">
+            <a:avLst/>
+          </a:prstGeom>
+        </p:spPr>
+        <p:txBody>
+          <a:bodyPr vert="horz" lIns="91440" tIns="45720" rIns="91440" bIns="45720" rtlCol="0"/>
+          <a:lstStyle>
+            <a:lvl1pPr algn="r">
+              <a:defRPr sz="1200"/>
+            </a:lvl1pPr>
+          </a:lstStyle>
+          <a:p>
+            <a:fld id="{5A65ED3D-FBFA-41FC-BE9B-39C7249806C2}" type="datetimeFigureOut">
+              <a:rPr lang="de-DE" smtClean="0"/>
+              <a:t>06.02.2019</a:t>
+            </a:fld>
+            <a:endParaRPr lang="de-DE"/>
+          </a:p>
+        </p:txBody>
+      </p:sp>
+      <p:sp>
+        <p:nvSpPr>
+          <p:cNvPr id="4" name="Folienbildplatzhalter 3"/>
+          <p:cNvSpPr>
+            <a:spLocks noGrp="1" noRot="1" noChangeAspect="1"/>
+          </p:cNvSpPr>
+          <p:nvPr>
+            <p:ph type="sldImg" idx="2"/>
+          </p:nvPr>
+        </p:nvSpPr>
+        <p:spPr>
+          <a:xfrm>
+            <a:off x="685800" y="1143000"/>
+            <a:ext cx="5486400" cy="3086100"/>
+          </a:xfrm>
+          <a:prstGeom prst="rect">
+            <a:avLst/>
+          </a:prstGeom>
+          <a:noFill/>
+          <a:ln w="12700">
+            <a:solidFill>
+              <a:prstClr val="black"/>
+            </a:solidFill>
+          </a:ln>
+        </p:spPr>
+        <p:txBody>
+          <a:bodyPr vert="horz" lIns="91440" tIns="45720" rIns="91440" bIns="45720" rtlCol="0" anchor="ctr"/>
+          <a:lstStyle/>
+          <a:p>
+            <a:endParaRPr lang="de-DE"/>
+          </a:p>
+        </p:txBody>
+      </p:sp>
+      <p:sp>
+        <p:nvSpPr>
+          <p:cNvPr id="5" name="Notizenplatzhalter 4"/>
+          <p:cNvSpPr>
+            <a:spLocks noGrp="1"/>
+          </p:cNvSpPr>
+          <p:nvPr>
+            <p:ph type="body" sz="quarter" idx="3"/>
+          </p:nvPr>
+        </p:nvSpPr>
+        <p:spPr>
+          <a:xfrm>
+            <a:off x="685800" y="4400550"/>
+            <a:ext cx="5486400" cy="3600450"/>
+          </a:xfrm>
+          <a:prstGeom prst="rect">
+            <a:avLst/>
+          </a:prstGeom>
+        </p:spPr>
+        <p:txBody>
+          <a:bodyPr vert="horz" lIns="91440" tIns="45720" rIns="91440" bIns="45720" rtlCol="0"/>
+          <a:lstStyle/>
+          <a:p>
+            <a:pPr lvl="0"/>
+            <a:r>
+              <a:rPr lang="de-DE" smtClean="0"/>
+              <a:t>Textmasterformat bearbeiten</a:t>
+            </a:r>
+          </a:p>
+          <a:p>
+            <a:pPr lvl="1"/>
+            <a:r>
+              <a:rPr lang="de-DE" smtClean="0"/>
+              <a:t>Zweite Ebene</a:t>
+            </a:r>
+          </a:p>
+          <a:p>
+            <a:pPr lvl="2"/>
+            <a:r>
+              <a:rPr lang="de-DE" smtClean="0"/>
+              <a:t>Dritte Ebene</a:t>
+            </a:r>
+          </a:p>
+          <a:p>
+            <a:pPr lvl="3"/>
+            <a:r>
+              <a:rPr lang="de-DE" smtClean="0"/>
+              <a:t>Vierte Ebene</a:t>
+            </a:r>
+          </a:p>
+          <a:p>
+            <a:pPr lvl="4"/>
+            <a:r>
+              <a:rPr lang="de-DE" smtClean="0"/>
+              <a:t>Fünfte Ebene</a:t>
+            </a:r>
+            <a:endParaRPr lang="de-DE"/>
+          </a:p>
+        </p:txBody>
+      </p:sp>
+      <p:sp>
+        <p:nvSpPr>
+          <p:cNvPr id="6" name="Fußzeilenplatzhalter 5"/>
+          <p:cNvSpPr>
+            <a:spLocks noGrp="1"/>
+          </p:cNvSpPr>
+          <p:nvPr>
+            <p:ph type="ftr" sz="quarter" idx="4"/>
+          </p:nvPr>
+        </p:nvSpPr>
+        <p:spPr>
+          <a:xfrm>
+            <a:off x="0" y="8685213"/>
+            <a:ext cx="2971800" cy="458787"/>
+          </a:xfrm>
+          <a:prstGeom prst="rect">
+            <a:avLst/>
+          </a:prstGeom>
+        </p:spPr>
+        <p:txBody>
+          <a:bodyPr vert="horz" lIns="91440" tIns="45720" rIns="91440" bIns="45720" rtlCol="0" anchor="b"/>
+          <a:lstStyle>
+            <a:lvl1pPr algn="l">
+              <a:defRPr sz="1200"/>
+            </a:lvl1pPr>
+          </a:lstStyle>
+          <a:p>
+            <a:endParaRPr lang="de-DE"/>
+          </a:p>
+        </p:txBody>
+      </p:sp>
+      <p:sp>
+        <p:nvSpPr>
+          <p:cNvPr id="7" name="Foliennummernplatzhalter 6"/>
+          <p:cNvSpPr>
+            <a:spLocks noGrp="1"/>
+          </p:cNvSpPr>
+          <p:nvPr>
+            <p:ph type="sldNum" sz="quarter" idx="5"/>
+          </p:nvPr>
+        </p:nvSpPr>
+        <p:spPr>
+          <a:xfrm>
+            <a:off x="3884613" y="8685213"/>
+            <a:ext cx="2971800" cy="458787"/>
+          </a:xfrm>
+          <a:prstGeom prst="rect">
+            <a:avLst/>
+          </a:prstGeom>
+        </p:spPr>
+        <p:txBody>
+          <a:bodyPr vert="horz" lIns="91440" tIns="45720" rIns="91440" bIns="45720" rtlCol="0" anchor="b"/>
+          <a:lstStyle>
+            <a:lvl1pPr algn="r">
+              <a:defRPr sz="1200"/>
+            </a:lvl1pPr>
+          </a:lstStyle>
+          <a:p>
+            <a:fld id="{2C42DA59-0B17-4BA7-BC89-CAED6F562DD9}" type="slidenum">
+              <a:rPr lang="de-DE" smtClean="0"/>
+              <a:t>‹Nr.›</a:t>
+            </a:fld>
+            <a:endParaRPr lang="de-DE"/>
+          </a:p>
+        </p:txBody>
+      </p:sp>
+    </p:spTree>
+    <p:extLst>
+      <p:ext uri="{BB962C8B-B14F-4D97-AF65-F5344CB8AC3E}">
+        <p14:creationId xmlns:p14="http://schemas.microsoft.com/office/powerpoint/2010/main" val="4291912701"/>
+      </p:ext>
+    </p:extLst>
+  </p:cSld>
+  <p:clrMap bg1="lt1" tx1="dk1" bg2="lt2" tx2="dk2" accent1="accent1" accent2="accent2" accent3="accent3" accent4="accent4" accent5="accent5" accent6="accent6" hlink="hlink" folHlink="folHlink"/>
+  <p:notesStyle>
+    <a:lvl1pPr marL="0" algn="l" defTabSz="914400" rtl="0" eaLnBrk="1" latinLnBrk="0" hangingPunct="1">
+      <a:defRPr sz="1200" kern="1200">
+        <a:solidFill>
+          <a:schemeClr val="tx1"/>
+        </a:solidFill>
+        <a:latin typeface="+mn-lt"/>
+        <a:ea typeface="+mn-ea"/>
+        <a:cs typeface="+mn-cs"/>
+      </a:defRPr>
+    </a:lvl1pPr>
+    <a:lvl2pPr marL="457200" algn="l" defTabSz="914400" rtl="0" eaLnBrk="1" latinLnBrk="0" hangingPunct="1">
+      <a:defRPr sz="1200" kern="1200">
+        <a:solidFill>
+          <a:schemeClr val="tx1"/>
+        </a:solidFill>
+        <a:latin typeface="+mn-lt"/>
+        <a:ea typeface="+mn-ea"/>
+        <a:cs typeface="+mn-cs"/>
+      </a:defRPr>
+    </a:lvl2pPr>
+    <a:lvl3pPr marL="914400" algn="l" defTabSz="914400" rtl="0" eaLnBrk="1" latinLnBrk="0" hangingPunct="1">
+      <a:defRPr sz="1200" kern="1200">
+        <a:solidFill>
+          <a:schemeClr val="tx1"/>
+        </a:solidFill>
+        <a:latin typeface="+mn-lt"/>
+        <a:ea typeface="+mn-ea"/>
+        <a:cs typeface="+mn-cs"/>
+      </a:defRPr>
+    </a:lvl3pPr>
+    <a:lvl4pPr marL="1371600" algn="l" defTabSz="914400" rtl="0" eaLnBrk="1" latinLnBrk="0" hangingPunct="1">
+      <a:defRPr sz="1200" kern="1200">
+        <a:solidFill>
+          <a:schemeClr val="tx1"/>
+        </a:solidFill>
+        <a:latin typeface="+mn-lt"/>
+        <a:ea typeface="+mn-ea"/>
+        <a:cs typeface="+mn-cs"/>
+      </a:defRPr>
+    </a:lvl4pPr>
+    <a:lvl5pPr marL="1828800" algn="l" defTabSz="914400" rtl="0" eaLnBrk="1" latinLnBrk="0" hangingPunct="1">
+      <a:defRPr sz="1200" kern="1200">
+        <a:solidFill>
+          <a:schemeClr val="tx1"/>
+        </a:solidFill>
+        <a:latin typeface="+mn-lt"/>
+        <a:ea typeface="+mn-ea"/>
+        <a:cs typeface="+mn-cs"/>
+      </a:defRPr>
+    </a:lvl5pPr>
+    <a:lvl6pPr marL="2286000" algn="l" defTabSz="914400" rtl="0" eaLnBrk="1" latinLnBrk="0" hangingPunct="1">
+      <a:defRPr sz="1200" kern="1200">
+        <a:solidFill>
+          <a:schemeClr val="tx1"/>
+        </a:solidFill>
+        <a:latin typeface="+mn-lt"/>
+        <a:ea typeface="+mn-ea"/>
+        <a:cs typeface="+mn-cs"/>
+      </a:defRPr>
+    </a:lvl6pPr>
+    <a:lvl7pPr marL="2743200" algn="l" defTabSz="914400" rtl="0" eaLnBrk="1" latinLnBrk="0" hangingPunct="1">
+      <a:defRPr sz="1200" kern="1200">
+        <a:solidFill>
+          <a:schemeClr val="tx1"/>
+        </a:solidFill>
+        <a:latin typeface="+mn-lt"/>
+        <a:ea typeface="+mn-ea"/>
+        <a:cs typeface="+mn-cs"/>
+      </a:defRPr>
+    </a:lvl7pPr>
+    <a:lvl8pPr marL="3200400" algn="l" defTabSz="914400" rtl="0" eaLnBrk="1" latinLnBrk="0" hangingPunct="1">
+      <a:defRPr sz="1200" kern="1200">
+        <a:solidFill>
+          <a:schemeClr val="tx1"/>
+        </a:solidFill>
+        <a:latin typeface="+mn-lt"/>
+        <a:ea typeface="+mn-ea"/>
+        <a:cs typeface="+mn-cs"/>
+      </a:defRPr>
+    </a:lvl8pPr>
+    <a:lvl9pPr marL="3657600" algn="l" defTabSz="914400" rtl="0" eaLnBrk="1" latinLnBrk="0" hangingPunct="1">
+      <a:defRPr sz="1200" kern="1200">
+        <a:solidFill>
+          <a:schemeClr val="tx1"/>
+        </a:solidFill>
+        <a:latin typeface="+mn-lt"/>
+        <a:ea typeface="+mn-ea"/>
+        <a:cs typeface="+mn-cs"/>
+      </a:defRPr>
+    </a:lvl9pPr>
+  </p:notesStyle>
+</p:notesMaster>
+</file>
+
+<file path=ppt/notesSlides/notesSlide1.xml><?xml version="1.0" encoding="utf-8"?>
+<p:notes xmlns:a="http://schemas.openxmlformats.org/drawingml/2006/main" xmlns:r="http://schemas.openxmlformats.org/officeDocument/2006/relationships" xmlns:p="http://schemas.openxmlformats.org/presentationml/2006/main">
+  <p:cSld>
+    <p:spTree>
+      <p:nvGrpSpPr>
+        <p:cNvPr id="1" name=""/>
+        <p:cNvGrpSpPr/>
+        <p:nvPr/>
+      </p:nvGrpSpPr>
+      <p:grpSpPr>
+        <a:xfrm>
+          <a:off x="0" y="0"/>
+          <a:ext cx="0" cy="0"/>
+          <a:chOff x="0" y="0"/>
+          <a:chExt cx="0" cy="0"/>
+        </a:xfrm>
+      </p:grpSpPr>
+      <p:sp>
+        <p:nvSpPr>
+          <p:cNvPr id="2" name="Folienbildplatzhalter 1"/>
+          <p:cNvSpPr>
+            <a:spLocks noGrp="1" noRot="1" noChangeAspect="1"/>
+          </p:cNvSpPr>
+          <p:nvPr>
+            <p:ph type="sldImg"/>
+          </p:nvPr>
+        </p:nvSpPr>
+        <p:spPr/>
+      </p:sp>
+      <p:sp>
+        <p:nvSpPr>
+          <p:cNvPr id="3" name="Notizenplatzhalter 2"/>
+          <p:cNvSpPr>
+            <a:spLocks noGrp="1"/>
+          </p:cNvSpPr>
+          <p:nvPr>
+            <p:ph type="body" idx="1"/>
+          </p:nvPr>
+        </p:nvSpPr>
+        <p:spPr/>
+        <p:txBody>
+          <a:bodyPr/>
+          <a:lstStyle/>
+          <a:p>
+            <a:endParaRPr lang="de-DE"/>
+          </a:p>
+        </p:txBody>
+      </p:sp>
+      <p:sp>
+        <p:nvSpPr>
+          <p:cNvPr id="4" name="Foliennummernplatzhalter 3"/>
+          <p:cNvSpPr>
+            <a:spLocks noGrp="1"/>
+          </p:cNvSpPr>
+          <p:nvPr>
+            <p:ph type="sldNum" sz="quarter" idx="10"/>
+          </p:nvPr>
+        </p:nvSpPr>
+        <p:spPr/>
+        <p:txBody>
+          <a:bodyPr/>
+          <a:lstStyle/>
+          <a:p>
+            <a:fld id="{2C42DA59-0B17-4BA7-BC89-CAED6F562DD9}" type="slidenum">
+              <a:rPr lang="de-DE" smtClean="0"/>
+              <a:t>2</a:t>
+            </a:fld>
+            <a:endParaRPr lang="de-DE"/>
+          </a:p>
+        </p:txBody>
+      </p:sp>
+    </p:spTree>
+    <p:extLst>
+      <p:ext uri="{BB962C8B-B14F-4D97-AF65-F5344CB8AC3E}">
+        <p14:creationId xmlns:p14="http://schemas.microsoft.com/office/powerpoint/2010/main" val="346967332"/>
+      </p:ext>
+    </p:extLst>
+  </p:cSld>
+  <p:clrMapOvr>
+    <a:masterClrMapping/>
+  </p:clrMapOvr>
+</p:notes>
+</file>
+
 <file path=ppt/slideLayouts/slideLayout1.xml><?xml version="1.0" encoding="utf-8"?>
 <p:sldLayout xmlns:a="http://schemas.openxmlformats.org/drawingml/2006/main" xmlns:r="http://schemas.openxmlformats.org/officeDocument/2006/relationships" xmlns:p="http://schemas.openxmlformats.org/presentationml/2006/main" showMasterSp="0" type="title" preserve="1">
   <p:cSld name="Titelfolie">
@@ -365,7 +802,7 @@
           <a:bodyPr/>
           <a:lstStyle/>
           <a:p>
-            <a:fld id="{632FED3B-1EFD-46F0-A65D-A3CA3E79B04B}" type="datetimeFigureOut">
+            <a:fld id="{940A5F09-4A7D-4E92-80E6-1B1D9C87842D}" type="datetime1">
               <a:rPr lang="de-DE" smtClean="0"/>
               <a:t>06.02.2019</a:t>
             </a:fld>
@@ -573,7 +1010,7 @@
           <a:bodyPr/>
           <a:lstStyle/>
           <a:p>
-            <a:fld id="{632FED3B-1EFD-46F0-A65D-A3CA3E79B04B}" type="datetimeFigureOut">
+            <a:fld id="{BC27207A-9729-4586-A64E-507233D52616}" type="datetime1">
               <a:rPr lang="de-DE" smtClean="0"/>
               <a:t>06.02.2019</a:t>
             </a:fld>
@@ -829,7 +1266,7 @@
           <a:bodyPr/>
           <a:lstStyle/>
           <a:p>
-            <a:fld id="{632FED3B-1EFD-46F0-A65D-A3CA3E79B04B}" type="datetimeFigureOut">
+            <a:fld id="{67DAD78B-7737-4CBE-912A-67316517CFF6}" type="datetime1">
               <a:rPr lang="de-DE" smtClean="0"/>
               <a:t>06.02.2019</a:t>
             </a:fld>
@@ -1003,7 +1440,7 @@
           <a:bodyPr/>
           <a:lstStyle/>
           <a:p>
-            <a:fld id="{632FED3B-1EFD-46F0-A65D-A3CA3E79B04B}" type="datetimeFigureOut">
+            <a:fld id="{FBD30F71-F7C4-4EC9-8CDB-B2C108E08D33}" type="datetime1">
               <a:rPr lang="de-DE" smtClean="0"/>
               <a:t>06.02.2019</a:t>
             </a:fld>
@@ -1346,7 +1783,7 @@
           <a:bodyPr/>
           <a:lstStyle/>
           <a:p>
-            <a:fld id="{632FED3B-1EFD-46F0-A65D-A3CA3E79B04B}" type="datetimeFigureOut">
+            <a:fld id="{09DDB458-FAAF-4548-A126-059BEDBC9EDF}" type="datetime1">
               <a:rPr lang="de-DE" smtClean="0"/>
               <a:t>06.02.2019</a:t>
             </a:fld>
@@ -1621,7 +2058,7 @@
           <a:bodyPr/>
           <a:lstStyle/>
           <a:p>
-            <a:fld id="{632FED3B-1EFD-46F0-A65D-A3CA3E79B04B}" type="datetimeFigureOut">
+            <a:fld id="{56C9E151-DD2E-4C06-8DD2-357DEA3761A2}" type="datetime1">
               <a:rPr lang="de-DE" smtClean="0"/>
               <a:t>06.02.2019</a:t>
             </a:fld>
@@ -2000,7 +2437,7 @@
           <a:bodyPr/>
           <a:lstStyle/>
           <a:p>
-            <a:fld id="{632FED3B-1EFD-46F0-A65D-A3CA3E79B04B}" type="datetimeFigureOut">
+            <a:fld id="{457DEB12-AE15-461B-B81F-B8AC2D27A20F}" type="datetime1">
               <a:rPr lang="de-DE" smtClean="0"/>
               <a:t>06.02.2019</a:t>
             </a:fld>
@@ -2118,7 +2555,7 @@
           <a:bodyPr/>
           <a:lstStyle/>
           <a:p>
-            <a:fld id="{632FED3B-1EFD-46F0-A65D-A3CA3E79B04B}" type="datetimeFigureOut">
+            <a:fld id="{EA098727-9AB3-4A21-94C4-2B075C3D7B96}" type="datetime1">
               <a:rPr lang="de-DE" smtClean="0"/>
               <a:t>06.02.2019</a:t>
             </a:fld>
@@ -2289,7 +2726,7 @@
           <a:bodyPr/>
           <a:lstStyle/>
           <a:p>
-            <a:fld id="{632FED3B-1EFD-46F0-A65D-A3CA3E79B04B}" type="datetimeFigureOut">
+            <a:fld id="{BA78F425-933D-4F88-8915-5152A18BCADE}" type="datetime1">
               <a:rPr lang="de-DE" smtClean="0"/>
               <a:t>06.02.2019</a:t>
             </a:fld>
@@ -2643,7 +3080,7 @@
             </a:lvl1pPr>
           </a:lstStyle>
           <a:p>
-            <a:fld id="{632FED3B-1EFD-46F0-A65D-A3CA3E79B04B}" type="datetimeFigureOut">
+            <a:fld id="{3B2DFD41-6387-4695-B54C-45DAA8E3D882}" type="datetime1">
               <a:rPr lang="de-DE" smtClean="0"/>
               <a:t>06.02.2019</a:t>
             </a:fld>
@@ -3025,7 +3462,7 @@
           <a:bodyPr/>
           <a:lstStyle/>
           <a:p>
-            <a:fld id="{632FED3B-1EFD-46F0-A65D-A3CA3E79B04B}" type="datetimeFigureOut">
+            <a:fld id="{3417863D-46CF-4100-A9EF-A84B7A1A1F00}" type="datetime1">
               <a:rPr lang="de-DE" smtClean="0"/>
               <a:t>06.02.2019</a:t>
             </a:fld>
@@ -3312,7 +3749,7 @@
             </a:lvl1pPr>
           </a:lstStyle>
           <a:p>
-            <a:fld id="{632FED3B-1EFD-46F0-A65D-A3CA3E79B04B}" type="datetimeFigureOut">
+            <a:fld id="{8D13306F-8AB8-4A88-8A31-6B3D24B131CF}" type="datetime1">
               <a:rPr lang="de-DE" smtClean="0"/>
               <a:t>06.02.2019</a:t>
             </a:fld>
@@ -3453,6 +3890,7 @@
     <p:sldLayoutId id="2147483694" r:id="rId10"/>
     <p:sldLayoutId id="2147483695" r:id="rId11"/>
   </p:sldLayoutIdLst>
+  <p:hf hdr="0" ftr="0" dt="0"/>
   <p:txStyles>
     <p:titleStyle>
       <a:lvl1pPr algn="l" defTabSz="914400" rtl="0" eaLnBrk="1" latinLnBrk="0" hangingPunct="1">
@@ -3843,7 +4281,7 @@
           <p:cNvPr id="2" name="Titel 1">
             <a:extLst>
               <a:ext uri="{FF2B5EF4-FFF2-40B4-BE49-F238E27FC236}">
-                <a16:creationId xmlns:a16="http://schemas.microsoft.com/office/drawing/2014/main" id="{33EBFFFD-14FA-4C80-ABE8-8CCD333EE16B}"/>
+                <a16:creationId xmlns:a16="http://schemas.microsoft.com/office/drawing/2014/main" xmlns="" id="{33EBFFFD-14FA-4C80-ABE8-8CCD333EE16B}"/>
               </a:ext>
             </a:extLst>
           </p:cNvPr>
@@ -3876,7 +4314,7 @@
           <p:cNvPr id="3" name="Untertitel 2">
             <a:extLst>
               <a:ext uri="{FF2B5EF4-FFF2-40B4-BE49-F238E27FC236}">
-                <a16:creationId xmlns:a16="http://schemas.microsoft.com/office/drawing/2014/main" id="{4416947C-715C-4A2D-924A-F17C0BAD0DC0}"/>
+                <a16:creationId xmlns:a16="http://schemas.microsoft.com/office/drawing/2014/main" xmlns="" id="{4416947C-715C-4A2D-924A-F17C0BAD0DC0}"/>
               </a:ext>
             </a:extLst>
           </p:cNvPr>
@@ -3944,6 +4382,29 @@
           </a:p>
         </p:txBody>
       </p:sp>
+      <p:sp>
+        <p:nvSpPr>
+          <p:cNvPr id="4" name="Foliennummernplatzhalter 3"/>
+          <p:cNvSpPr>
+            <a:spLocks noGrp="1"/>
+          </p:cNvSpPr>
+          <p:nvPr>
+            <p:ph type="sldNum" sz="quarter" idx="12"/>
+          </p:nvPr>
+        </p:nvSpPr>
+        <p:spPr/>
+        <p:txBody>
+          <a:bodyPr/>
+          <a:lstStyle/>
+          <a:p>
+            <a:fld id="{37FB3165-7B6B-4B29-A206-BA97BFDD26CD}" type="slidenum">
+              <a:rPr lang="de-DE" smtClean="0"/>
+              <a:t>1</a:t>
+            </a:fld>
+            <a:endParaRPr lang="de-DE"/>
+          </a:p>
+        </p:txBody>
+      </p:sp>
     </p:spTree>
     <p:extLst>
       <p:ext uri="{BB962C8B-B14F-4D97-AF65-F5344CB8AC3E}">
@@ -3954,6 +4415,13 @@
   <p:clrMapOvr>
     <a:masterClrMapping/>
   </p:clrMapOvr>
+  <p:timing>
+    <p:tnLst>
+      <p:par>
+        <p:cTn id="1" dur="indefinite" restart="never" nodeType="tmRoot"/>
+      </p:par>
+    </p:tnLst>
+  </p:timing>
 </p:sld>
 </file>
 
@@ -3979,7 +4447,7 @@
           <p:cNvPr id="2" name="Titel 1">
             <a:extLst>
               <a:ext uri="{FF2B5EF4-FFF2-40B4-BE49-F238E27FC236}">
-                <a16:creationId xmlns:a16="http://schemas.microsoft.com/office/drawing/2014/main" id="{F13E0713-AB48-471E-8395-53A35199A25A}"/>
+                <a16:creationId xmlns:a16="http://schemas.microsoft.com/office/drawing/2014/main" xmlns="" id="{F13E0713-AB48-471E-8395-53A35199A25A}"/>
               </a:ext>
             </a:extLst>
           </p:cNvPr>
@@ -4007,7 +4475,7 @@
           <p:cNvPr id="4" name="Inhaltsplatzhalter 4">
             <a:extLst>
               <a:ext uri="{FF2B5EF4-FFF2-40B4-BE49-F238E27FC236}">
-                <a16:creationId xmlns:a16="http://schemas.microsoft.com/office/drawing/2014/main" id="{291F4B1B-4CC2-4DDE-902F-864D97535ED5}"/>
+                <a16:creationId xmlns:a16="http://schemas.microsoft.com/office/drawing/2014/main" xmlns="" id="{291F4B1B-4CC2-4DDE-902F-864D97535ED5}"/>
               </a:ext>
             </a:extLst>
           </p:cNvPr>
@@ -4017,7 +4485,7 @@
           <p:nvPr/>
         </p:nvPicPr>
         <p:blipFill>
-          <a:blip r:embed="rId2">
+          <a:blip r:embed="rId2" cstate="print">
             <a:extLst>
               <a:ext uri="{28A0092B-C50C-407E-A947-70E740481C1C}">
                 <a14:useLocalDpi xmlns:a14="http://schemas.microsoft.com/office/drawing/2010/main" val="0"/>
@@ -4043,7 +4511,7 @@
           <p:cNvPr id="5" name="Grafik 4">
             <a:extLst>
               <a:ext uri="{FF2B5EF4-FFF2-40B4-BE49-F238E27FC236}">
-                <a16:creationId xmlns:a16="http://schemas.microsoft.com/office/drawing/2014/main" id="{7C88E6DB-EB10-4CB9-813A-34DFA3A1ABDF}"/>
+                <a16:creationId xmlns:a16="http://schemas.microsoft.com/office/drawing/2014/main" xmlns="" id="{7C88E6DB-EB10-4CB9-813A-34DFA3A1ABDF}"/>
               </a:ext>
             </a:extLst>
           </p:cNvPr>
@@ -4053,7 +4521,7 @@
           <p:nvPr/>
         </p:nvPicPr>
         <p:blipFill>
-          <a:blip r:embed="rId3">
+          <a:blip r:embed="rId3" cstate="print">
             <a:extLst>
               <a:ext uri="{28A0092B-C50C-407E-A947-70E740481C1C}">
                 <a14:useLocalDpi xmlns:a14="http://schemas.microsoft.com/office/drawing/2010/main" val="0"/>
@@ -4074,6 +4542,29 @@
           </a:prstGeom>
         </p:spPr>
       </p:pic>
+      <p:sp>
+        <p:nvSpPr>
+          <p:cNvPr id="3" name="Foliennummernplatzhalter 2"/>
+          <p:cNvSpPr>
+            <a:spLocks noGrp="1"/>
+          </p:cNvSpPr>
+          <p:nvPr>
+            <p:ph type="sldNum" sz="quarter" idx="12"/>
+          </p:nvPr>
+        </p:nvSpPr>
+        <p:spPr/>
+        <p:txBody>
+          <a:bodyPr/>
+          <a:lstStyle/>
+          <a:p>
+            <a:fld id="{37FB3165-7B6B-4B29-A206-BA97BFDD26CD}" type="slidenum">
+              <a:rPr lang="de-DE" smtClean="0"/>
+              <a:t>10</a:t>
+            </a:fld>
+            <a:endParaRPr lang="de-DE"/>
+          </a:p>
+        </p:txBody>
+      </p:sp>
     </p:spTree>
     <p:extLst>
       <p:ext uri="{BB962C8B-B14F-4D97-AF65-F5344CB8AC3E}">
@@ -4084,6 +4575,13 @@
   <p:clrMapOvr>
     <a:masterClrMapping/>
   </p:clrMapOvr>
+  <p:timing>
+    <p:tnLst>
+      <p:par>
+        <p:cTn id="1" dur="indefinite" restart="never" nodeType="tmRoot"/>
+      </p:par>
+    </p:tnLst>
+  </p:timing>
 </p:sld>
 </file>
 
@@ -4109,7 +4607,7 @@
           <p:cNvPr id="2" name="Titel 1">
             <a:extLst>
               <a:ext uri="{FF2B5EF4-FFF2-40B4-BE49-F238E27FC236}">
-                <a16:creationId xmlns:a16="http://schemas.microsoft.com/office/drawing/2014/main" id="{8936B36D-583F-46D6-89EC-D4356E037F85}"/>
+                <a16:creationId xmlns:a16="http://schemas.microsoft.com/office/drawing/2014/main" xmlns="" id="{8936B36D-583F-46D6-89EC-D4356E037F85}"/>
               </a:ext>
             </a:extLst>
           </p:cNvPr>
@@ -4137,7 +4635,7 @@
           <p:cNvPr id="3" name="Inhaltsplatzhalter 2">
             <a:extLst>
               <a:ext uri="{FF2B5EF4-FFF2-40B4-BE49-F238E27FC236}">
-                <a16:creationId xmlns:a16="http://schemas.microsoft.com/office/drawing/2014/main" id="{711D8B92-76A7-4998-B341-9AC583436B7C}"/>
+                <a16:creationId xmlns:a16="http://schemas.microsoft.com/office/drawing/2014/main" xmlns="" id="{711D8B92-76A7-4998-B341-9AC583436B7C}"/>
               </a:ext>
             </a:extLst>
           </p:cNvPr>
@@ -4174,7 +4672,7 @@
           <p:cNvPr id="4" name="Inhaltsplatzhalter 4">
             <a:extLst>
               <a:ext uri="{FF2B5EF4-FFF2-40B4-BE49-F238E27FC236}">
-                <a16:creationId xmlns:a16="http://schemas.microsoft.com/office/drawing/2014/main" id="{439954A9-A0B7-44BB-8670-8D2D0B4EBE18}"/>
+                <a16:creationId xmlns:a16="http://schemas.microsoft.com/office/drawing/2014/main" xmlns="" id="{439954A9-A0B7-44BB-8670-8D2D0B4EBE18}"/>
               </a:ext>
             </a:extLst>
           </p:cNvPr>
@@ -4205,6 +4703,29 @@
           </a:prstGeom>
         </p:spPr>
       </p:pic>
+      <p:sp>
+        <p:nvSpPr>
+          <p:cNvPr id="5" name="Foliennummernplatzhalter 4"/>
+          <p:cNvSpPr>
+            <a:spLocks noGrp="1"/>
+          </p:cNvSpPr>
+          <p:nvPr>
+            <p:ph type="sldNum" sz="quarter" idx="12"/>
+          </p:nvPr>
+        </p:nvSpPr>
+        <p:spPr/>
+        <p:txBody>
+          <a:bodyPr/>
+          <a:lstStyle/>
+          <a:p>
+            <a:fld id="{37FB3165-7B6B-4B29-A206-BA97BFDD26CD}" type="slidenum">
+              <a:rPr lang="de-DE" smtClean="0"/>
+              <a:t>11</a:t>
+            </a:fld>
+            <a:endParaRPr lang="de-DE"/>
+          </a:p>
+        </p:txBody>
+      </p:sp>
     </p:spTree>
     <p:extLst>
       <p:ext uri="{BB962C8B-B14F-4D97-AF65-F5344CB8AC3E}">
@@ -4215,6 +4736,13 @@
   <p:clrMapOvr>
     <a:masterClrMapping/>
   </p:clrMapOvr>
+  <p:timing>
+    <p:tnLst>
+      <p:par>
+        <p:cTn id="1" dur="indefinite" restart="never" nodeType="tmRoot"/>
+      </p:par>
+    </p:tnLst>
+  </p:timing>
 </p:sld>
 </file>
 
@@ -4240,7 +4768,7 @@
           <p:cNvPr id="2" name="Titel 1">
             <a:extLst>
               <a:ext uri="{FF2B5EF4-FFF2-40B4-BE49-F238E27FC236}">
-                <a16:creationId xmlns:a16="http://schemas.microsoft.com/office/drawing/2014/main" id="{CB56E28E-8051-45D1-8B90-2D2DA49AC07C}"/>
+                <a16:creationId xmlns:a16="http://schemas.microsoft.com/office/drawing/2014/main" xmlns="" id="{CB56E28E-8051-45D1-8B90-2D2DA49AC07C}"/>
               </a:ext>
             </a:extLst>
           </p:cNvPr>
@@ -4268,7 +4796,7 @@
           <p:cNvPr id="3" name="Inhaltsplatzhalter 2">
             <a:extLst>
               <a:ext uri="{FF2B5EF4-FFF2-40B4-BE49-F238E27FC236}">
-                <a16:creationId xmlns:a16="http://schemas.microsoft.com/office/drawing/2014/main" id="{A788712B-8AE9-4352-A77D-D0676CED2A3C}"/>
+                <a16:creationId xmlns:a16="http://schemas.microsoft.com/office/drawing/2014/main" xmlns="" id="{A788712B-8AE9-4352-A77D-D0676CED2A3C}"/>
               </a:ext>
             </a:extLst>
           </p:cNvPr>
@@ -4319,7 +4847,7 @@
           <p:cNvPr id="4" name="Grafik 3">
             <a:extLst>
               <a:ext uri="{FF2B5EF4-FFF2-40B4-BE49-F238E27FC236}">
-                <a16:creationId xmlns:a16="http://schemas.microsoft.com/office/drawing/2014/main" id="{BFB4F82F-0041-4C49-9172-44B4EDA085F6}"/>
+                <a16:creationId xmlns:a16="http://schemas.microsoft.com/office/drawing/2014/main" xmlns="" id="{BFB4F82F-0041-4C49-9172-44B4EDA085F6}"/>
               </a:ext>
             </a:extLst>
           </p:cNvPr>
@@ -4350,6 +4878,29 @@
           </a:prstGeom>
         </p:spPr>
       </p:pic>
+      <p:sp>
+        <p:nvSpPr>
+          <p:cNvPr id="5" name="Foliennummernplatzhalter 4"/>
+          <p:cNvSpPr>
+            <a:spLocks noGrp="1"/>
+          </p:cNvSpPr>
+          <p:nvPr>
+            <p:ph type="sldNum" sz="quarter" idx="12"/>
+          </p:nvPr>
+        </p:nvSpPr>
+        <p:spPr/>
+        <p:txBody>
+          <a:bodyPr/>
+          <a:lstStyle/>
+          <a:p>
+            <a:fld id="{37FB3165-7B6B-4B29-A206-BA97BFDD26CD}" type="slidenum">
+              <a:rPr lang="de-DE" smtClean="0"/>
+              <a:t>12</a:t>
+            </a:fld>
+            <a:endParaRPr lang="de-DE"/>
+          </a:p>
+        </p:txBody>
+      </p:sp>
     </p:spTree>
     <p:extLst>
       <p:ext uri="{BB962C8B-B14F-4D97-AF65-F5344CB8AC3E}">
@@ -4360,6 +4911,13 @@
   <p:clrMapOvr>
     <a:masterClrMapping/>
   </p:clrMapOvr>
+  <p:timing>
+    <p:tnLst>
+      <p:par>
+        <p:cTn id="1" dur="indefinite" restart="never" nodeType="tmRoot"/>
+      </p:par>
+    </p:tnLst>
+  </p:timing>
 </p:sld>
 </file>
 
@@ -4385,7 +4943,7 @@
           <p:cNvPr id="2" name="Titel 1">
             <a:extLst>
               <a:ext uri="{FF2B5EF4-FFF2-40B4-BE49-F238E27FC236}">
-                <a16:creationId xmlns:a16="http://schemas.microsoft.com/office/drawing/2014/main" id="{AF999897-E2A4-47FC-A235-7CD966EB509A}"/>
+                <a16:creationId xmlns:a16="http://schemas.microsoft.com/office/drawing/2014/main" xmlns="" id="{AF999897-E2A4-47FC-A235-7CD966EB509A}"/>
               </a:ext>
             </a:extLst>
           </p:cNvPr>
@@ -4413,7 +4971,7 @@
           <p:cNvPr id="4" name="Inhaltsplatzhalter 4">
             <a:extLst>
               <a:ext uri="{FF2B5EF4-FFF2-40B4-BE49-F238E27FC236}">
-                <a16:creationId xmlns:a16="http://schemas.microsoft.com/office/drawing/2014/main" id="{A4DDF90A-5D17-49E4-8B61-3887B2AB2C8B}"/>
+                <a16:creationId xmlns:a16="http://schemas.microsoft.com/office/drawing/2014/main" xmlns="" id="{A4DDF90A-5D17-49E4-8B61-3887B2AB2C8B}"/>
               </a:ext>
             </a:extLst>
           </p:cNvPr>
@@ -4425,7 +4983,7 @@
           </p:nvPr>
         </p:nvPicPr>
         <p:blipFill>
-          <a:blip r:embed="rId2">
+          <a:blip r:embed="rId2" cstate="print">
             <a:extLst>
               <a:ext uri="{28A0092B-C50C-407E-A947-70E740481C1C}">
                 <a14:useLocalDpi xmlns:a14="http://schemas.microsoft.com/office/drawing/2010/main" val="0"/>
@@ -4448,7 +5006,7 @@
           <p:cNvPr id="5" name="Grafik 4">
             <a:extLst>
               <a:ext uri="{FF2B5EF4-FFF2-40B4-BE49-F238E27FC236}">
-                <a16:creationId xmlns:a16="http://schemas.microsoft.com/office/drawing/2014/main" id="{0B2618BB-52EE-4D5C-A735-EF5B7C958479}"/>
+                <a16:creationId xmlns:a16="http://schemas.microsoft.com/office/drawing/2014/main" xmlns="" id="{0B2618BB-52EE-4D5C-A735-EF5B7C958479}"/>
               </a:ext>
             </a:extLst>
           </p:cNvPr>
@@ -4479,6 +5037,29 @@
           </a:prstGeom>
         </p:spPr>
       </p:pic>
+      <p:sp>
+        <p:nvSpPr>
+          <p:cNvPr id="3" name="Foliennummernplatzhalter 2"/>
+          <p:cNvSpPr>
+            <a:spLocks noGrp="1"/>
+          </p:cNvSpPr>
+          <p:nvPr>
+            <p:ph type="sldNum" sz="quarter" idx="12"/>
+          </p:nvPr>
+        </p:nvSpPr>
+        <p:spPr/>
+        <p:txBody>
+          <a:bodyPr/>
+          <a:lstStyle/>
+          <a:p>
+            <a:fld id="{37FB3165-7B6B-4B29-A206-BA97BFDD26CD}" type="slidenum">
+              <a:rPr lang="de-DE" smtClean="0"/>
+              <a:t>13</a:t>
+            </a:fld>
+            <a:endParaRPr lang="de-DE"/>
+          </a:p>
+        </p:txBody>
+      </p:sp>
     </p:spTree>
     <p:extLst>
       <p:ext uri="{BB962C8B-B14F-4D97-AF65-F5344CB8AC3E}">
@@ -4489,6 +5070,13 @@
   <p:clrMapOvr>
     <a:masterClrMapping/>
   </p:clrMapOvr>
+  <p:timing>
+    <p:tnLst>
+      <p:par>
+        <p:cTn id="1" dur="indefinite" restart="never" nodeType="tmRoot"/>
+      </p:par>
+    </p:tnLst>
+  </p:timing>
 </p:sld>
 </file>
 
@@ -4514,7 +5102,7 @@
           <p:cNvPr id="2" name="Titel 1">
             <a:extLst>
               <a:ext uri="{FF2B5EF4-FFF2-40B4-BE49-F238E27FC236}">
-                <a16:creationId xmlns:a16="http://schemas.microsoft.com/office/drawing/2014/main" id="{528EFA4A-682B-4D0C-A349-59E27EAADC02}"/>
+                <a16:creationId xmlns:a16="http://schemas.microsoft.com/office/drawing/2014/main" xmlns="" id="{528EFA4A-682B-4D0C-A349-59E27EAADC02}"/>
               </a:ext>
             </a:extLst>
           </p:cNvPr>
@@ -4542,7 +5130,7 @@
           <p:cNvPr id="3" name="Inhaltsplatzhalter 2">
             <a:extLst>
               <a:ext uri="{FF2B5EF4-FFF2-40B4-BE49-F238E27FC236}">
-                <a16:creationId xmlns:a16="http://schemas.microsoft.com/office/drawing/2014/main" id="{9B59C435-4F43-40EF-A4A0-845434CB5367}"/>
+                <a16:creationId xmlns:a16="http://schemas.microsoft.com/office/drawing/2014/main" xmlns="" id="{9B59C435-4F43-40EF-A4A0-845434CB5367}"/>
               </a:ext>
             </a:extLst>
           </p:cNvPr>
@@ -4599,7 +5187,7 @@
           <p:cNvPr id="4" name="Grafik 3">
             <a:extLst>
               <a:ext uri="{FF2B5EF4-FFF2-40B4-BE49-F238E27FC236}">
-                <a16:creationId xmlns:a16="http://schemas.microsoft.com/office/drawing/2014/main" id="{08CAFD06-E2F7-418B-BBC3-2E14617256EF}"/>
+                <a16:creationId xmlns:a16="http://schemas.microsoft.com/office/drawing/2014/main" xmlns="" id="{08CAFD06-E2F7-418B-BBC3-2E14617256EF}"/>
               </a:ext>
             </a:extLst>
           </p:cNvPr>
@@ -4630,6 +5218,29 @@
           </a:prstGeom>
         </p:spPr>
       </p:pic>
+      <p:sp>
+        <p:nvSpPr>
+          <p:cNvPr id="5" name="Foliennummernplatzhalter 4"/>
+          <p:cNvSpPr>
+            <a:spLocks noGrp="1"/>
+          </p:cNvSpPr>
+          <p:nvPr>
+            <p:ph type="sldNum" sz="quarter" idx="12"/>
+          </p:nvPr>
+        </p:nvSpPr>
+        <p:spPr/>
+        <p:txBody>
+          <a:bodyPr/>
+          <a:lstStyle/>
+          <a:p>
+            <a:fld id="{37FB3165-7B6B-4B29-A206-BA97BFDD26CD}" type="slidenum">
+              <a:rPr lang="de-DE" smtClean="0"/>
+              <a:t>14</a:t>
+            </a:fld>
+            <a:endParaRPr lang="de-DE"/>
+          </a:p>
+        </p:txBody>
+      </p:sp>
     </p:spTree>
     <p:extLst>
       <p:ext uri="{BB962C8B-B14F-4D97-AF65-F5344CB8AC3E}">
@@ -4640,6 +5251,13 @@
   <p:clrMapOvr>
     <a:masterClrMapping/>
   </p:clrMapOvr>
+  <p:timing>
+    <p:tnLst>
+      <p:par>
+        <p:cTn id="1" dur="indefinite" restart="never" nodeType="tmRoot"/>
+      </p:par>
+    </p:tnLst>
+  </p:timing>
 </p:sld>
 </file>
 
@@ -4665,7 +5283,7 @@
           <p:cNvPr id="4" name="Grafik 3">
             <a:extLst>
               <a:ext uri="{FF2B5EF4-FFF2-40B4-BE49-F238E27FC236}">
-                <a16:creationId xmlns:a16="http://schemas.microsoft.com/office/drawing/2014/main" id="{21BBF382-990F-4B63-91BA-FAC48CFF97FA}"/>
+                <a16:creationId xmlns:a16="http://schemas.microsoft.com/office/drawing/2014/main" xmlns="" id="{21BBF382-990F-4B63-91BA-FAC48CFF97FA}"/>
               </a:ext>
             </a:extLst>
           </p:cNvPr>
@@ -4695,7 +5313,7 @@
           <p:cNvPr id="2" name="Titel 1">
             <a:extLst>
               <a:ext uri="{FF2B5EF4-FFF2-40B4-BE49-F238E27FC236}">
-                <a16:creationId xmlns:a16="http://schemas.microsoft.com/office/drawing/2014/main" id="{42C7900E-ADA3-492B-9B10-61FE62ECAF16}"/>
+                <a16:creationId xmlns:a16="http://schemas.microsoft.com/office/drawing/2014/main" xmlns="" id="{42C7900E-ADA3-492B-9B10-61FE62ECAF16}"/>
               </a:ext>
             </a:extLst>
           </p:cNvPr>
@@ -4725,7 +5343,7 @@
               <p:cNvPr id="3" name="Inhaltsplatzhalter 2">
                 <a:extLst>
                   <a:ext uri="{FF2B5EF4-FFF2-40B4-BE49-F238E27FC236}">
-                    <a16:creationId xmlns:a16="http://schemas.microsoft.com/office/drawing/2014/main" id="{2B956305-ED2D-4F15-8B20-611DA4D5CBF5}"/>
+                    <a16:creationId xmlns:a16="http://schemas.microsoft.com/office/drawing/2014/main" xmlns="" id="{2B956305-ED2D-4F15-8B20-611DA4D5CBF5}"/>
                   </a:ext>
                 </a:extLst>
               </p:cNvPr>
@@ -4974,7 +5592,7 @@
               <p:cNvPr id="5" name="Rechteck 4">
                 <a:extLst>
                   <a:ext uri="{FF2B5EF4-FFF2-40B4-BE49-F238E27FC236}">
-                    <a16:creationId xmlns:a16="http://schemas.microsoft.com/office/drawing/2014/main" id="{3AD3C72B-C35D-4B45-88D3-78D9A870C6B1}"/>
+                    <a16:creationId xmlns:a16="http://schemas.microsoft.com/office/drawing/2014/main" xmlns="" id="{3AD3C72B-C35D-4B45-88D3-78D9A870C6B1}"/>
                   </a:ext>
                 </a:extLst>
               </p:cNvPr>
@@ -5209,7 +5827,7 @@
               <p:cNvPr id="6" name="Rechteck 5">
                 <a:extLst>
                   <a:ext uri="{FF2B5EF4-FFF2-40B4-BE49-F238E27FC236}">
-                    <a16:creationId xmlns:a16="http://schemas.microsoft.com/office/drawing/2014/main" id="{D05A27B2-D8CF-4F6C-9B8B-1B753FF916D4}"/>
+                    <a16:creationId xmlns:a16="http://schemas.microsoft.com/office/drawing/2014/main" xmlns="" id="{D05A27B2-D8CF-4F6C-9B8B-1B753FF916D4}"/>
                   </a:ext>
                 </a:extLst>
               </p:cNvPr>
@@ -5365,6 +5983,29 @@
           </p:sp>
         </mc:Fallback>
       </mc:AlternateContent>
+      <p:sp>
+        <p:nvSpPr>
+          <p:cNvPr id="7" name="Foliennummernplatzhalter 6"/>
+          <p:cNvSpPr>
+            <a:spLocks noGrp="1"/>
+          </p:cNvSpPr>
+          <p:nvPr>
+            <p:ph type="sldNum" sz="quarter" idx="12"/>
+          </p:nvPr>
+        </p:nvSpPr>
+        <p:spPr/>
+        <p:txBody>
+          <a:bodyPr/>
+          <a:lstStyle/>
+          <a:p>
+            <a:fld id="{37FB3165-7B6B-4B29-A206-BA97BFDD26CD}" type="slidenum">
+              <a:rPr lang="de-DE" smtClean="0"/>
+              <a:t>15</a:t>
+            </a:fld>
+            <a:endParaRPr lang="de-DE"/>
+          </a:p>
+        </p:txBody>
+      </p:sp>
     </p:spTree>
     <p:extLst>
       <p:ext uri="{BB962C8B-B14F-4D97-AF65-F5344CB8AC3E}">
@@ -5375,6 +6016,13 @@
   <p:clrMapOvr>
     <a:masterClrMapping/>
   </p:clrMapOvr>
+  <p:timing>
+    <p:tnLst>
+      <p:par>
+        <p:cTn id="1" dur="indefinite" restart="never" nodeType="tmRoot"/>
+      </p:par>
+    </p:tnLst>
+  </p:timing>
 </p:sld>
 </file>
 
@@ -5400,7 +6048,7 @@
           <p:cNvPr id="4" name="Grafik 3">
             <a:extLst>
               <a:ext uri="{FF2B5EF4-FFF2-40B4-BE49-F238E27FC236}">
-                <a16:creationId xmlns:a16="http://schemas.microsoft.com/office/drawing/2014/main" id="{B05B27BC-6DB0-49C0-AC46-AFA8CA7AD7DB}"/>
+                <a16:creationId xmlns:a16="http://schemas.microsoft.com/office/drawing/2014/main" xmlns="" id="{B05B27BC-6DB0-49C0-AC46-AFA8CA7AD7DB}"/>
               </a:ext>
             </a:extLst>
           </p:cNvPr>
@@ -5430,7 +6078,7 @@
           <p:cNvPr id="2" name="Titel 1">
             <a:extLst>
               <a:ext uri="{FF2B5EF4-FFF2-40B4-BE49-F238E27FC236}">
-                <a16:creationId xmlns:a16="http://schemas.microsoft.com/office/drawing/2014/main" id="{5A822936-64A0-4A3F-8A52-5F7EE3947714}"/>
+                <a16:creationId xmlns:a16="http://schemas.microsoft.com/office/drawing/2014/main" xmlns="" id="{5A822936-64A0-4A3F-8A52-5F7EE3947714}"/>
               </a:ext>
             </a:extLst>
           </p:cNvPr>
@@ -5460,7 +6108,7 @@
               <p:cNvPr id="3" name="Inhaltsplatzhalter 2">
                 <a:extLst>
                   <a:ext uri="{FF2B5EF4-FFF2-40B4-BE49-F238E27FC236}">
-                    <a16:creationId xmlns:a16="http://schemas.microsoft.com/office/drawing/2014/main" id="{7A1DA469-6245-46B3-B515-85E0A6A94F76}"/>
+                    <a16:creationId xmlns:a16="http://schemas.microsoft.com/office/drawing/2014/main" xmlns="" id="{7A1DA469-6245-46B3-B515-85E0A6A94F76}"/>
                   </a:ext>
                 </a:extLst>
               </p:cNvPr>
@@ -5598,6 +6246,29 @@
           </p:sp>
         </mc:Fallback>
       </mc:AlternateContent>
+      <p:sp>
+        <p:nvSpPr>
+          <p:cNvPr id="5" name="Foliennummernplatzhalter 4"/>
+          <p:cNvSpPr>
+            <a:spLocks noGrp="1"/>
+          </p:cNvSpPr>
+          <p:nvPr>
+            <p:ph type="sldNum" sz="quarter" idx="12"/>
+          </p:nvPr>
+        </p:nvSpPr>
+        <p:spPr/>
+        <p:txBody>
+          <a:bodyPr/>
+          <a:lstStyle/>
+          <a:p>
+            <a:fld id="{37FB3165-7B6B-4B29-A206-BA97BFDD26CD}" type="slidenum">
+              <a:rPr lang="de-DE" smtClean="0"/>
+              <a:t>16</a:t>
+            </a:fld>
+            <a:endParaRPr lang="de-DE"/>
+          </a:p>
+        </p:txBody>
+      </p:sp>
     </p:spTree>
     <p:extLst>
       <p:ext uri="{BB962C8B-B14F-4D97-AF65-F5344CB8AC3E}">
@@ -5608,6 +6279,13 @@
   <p:clrMapOvr>
     <a:masterClrMapping/>
   </p:clrMapOvr>
+  <p:timing>
+    <p:tnLst>
+      <p:par>
+        <p:cTn id="1" dur="indefinite" restart="never" nodeType="tmRoot"/>
+      </p:par>
+    </p:tnLst>
+  </p:timing>
 </p:sld>
 </file>
 
@@ -5633,7 +6311,7 @@
           <p:cNvPr id="3" name="Untertitel 2">
             <a:extLst>
               <a:ext uri="{FF2B5EF4-FFF2-40B4-BE49-F238E27FC236}">
-                <a16:creationId xmlns:a16="http://schemas.microsoft.com/office/drawing/2014/main" id="{6DF055AC-EB51-4367-ACD1-C954B2854764}"/>
+                <a16:creationId xmlns:a16="http://schemas.microsoft.com/office/drawing/2014/main" xmlns="" id="{6DF055AC-EB51-4367-ACD1-C954B2854764}"/>
               </a:ext>
             </a:extLst>
           </p:cNvPr>
@@ -5664,6 +6342,29 @@
           </a:p>
         </p:txBody>
       </p:sp>
+      <p:sp>
+        <p:nvSpPr>
+          <p:cNvPr id="2" name="Foliennummernplatzhalter 1"/>
+          <p:cNvSpPr>
+            <a:spLocks noGrp="1"/>
+          </p:cNvSpPr>
+          <p:nvPr>
+            <p:ph type="sldNum" sz="quarter" idx="12"/>
+          </p:nvPr>
+        </p:nvSpPr>
+        <p:spPr/>
+        <p:txBody>
+          <a:bodyPr/>
+          <a:lstStyle/>
+          <a:p>
+            <a:fld id="{37FB3165-7B6B-4B29-A206-BA97BFDD26CD}" type="slidenum">
+              <a:rPr lang="de-DE" smtClean="0"/>
+              <a:t>17</a:t>
+            </a:fld>
+            <a:endParaRPr lang="de-DE"/>
+          </a:p>
+        </p:txBody>
+      </p:sp>
     </p:spTree>
     <p:extLst>
       <p:ext uri="{BB962C8B-B14F-4D97-AF65-F5344CB8AC3E}">
@@ -5674,6 +6375,13 @@
   <p:clrMapOvr>
     <a:masterClrMapping/>
   </p:clrMapOvr>
+  <p:timing>
+    <p:tnLst>
+      <p:par>
+        <p:cTn id="1" dur="indefinite" restart="never" nodeType="tmRoot"/>
+      </p:par>
+    </p:tnLst>
+  </p:timing>
 </p:sld>
 </file>
 
@@ -5699,7 +6407,7 @@
           <p:cNvPr id="2" name="Titel 1">
             <a:extLst>
               <a:ext uri="{FF2B5EF4-FFF2-40B4-BE49-F238E27FC236}">
-                <a16:creationId xmlns:a16="http://schemas.microsoft.com/office/drawing/2014/main" id="{5A822936-64A0-4A3F-8A52-5F7EE3947714}"/>
+                <a16:creationId xmlns:a16="http://schemas.microsoft.com/office/drawing/2014/main" xmlns="" id="{5A822936-64A0-4A3F-8A52-5F7EE3947714}"/>
               </a:ext>
             </a:extLst>
           </p:cNvPr>
@@ -5727,7 +6435,7 @@
           <p:cNvPr id="3" name="Inhaltsplatzhalter 2">
             <a:extLst>
               <a:ext uri="{FF2B5EF4-FFF2-40B4-BE49-F238E27FC236}">
-                <a16:creationId xmlns:a16="http://schemas.microsoft.com/office/drawing/2014/main" id="{7A1DA469-6245-46B3-B515-85E0A6A94F76}"/>
+                <a16:creationId xmlns:a16="http://schemas.microsoft.com/office/drawing/2014/main" xmlns="" id="{7A1DA469-6245-46B3-B515-85E0A6A94F76}"/>
               </a:ext>
             </a:extLst>
           </p:cNvPr>
@@ -5809,7 +6517,7 @@
           <p:cNvPr id="6" name="Grafik 5">
             <a:extLst>
               <a:ext uri="{FF2B5EF4-FFF2-40B4-BE49-F238E27FC236}">
-                <a16:creationId xmlns:a16="http://schemas.microsoft.com/office/drawing/2014/main" id="{6FC36FF9-2399-4769-A3C3-73ED419EDB43}"/>
+                <a16:creationId xmlns:a16="http://schemas.microsoft.com/office/drawing/2014/main" xmlns="" id="{6FC36FF9-2399-4769-A3C3-73ED419EDB43}"/>
               </a:ext>
             </a:extLst>
           </p:cNvPr>
@@ -5840,6 +6548,29 @@
           </a:prstGeom>
         </p:spPr>
       </p:pic>
+      <p:sp>
+        <p:nvSpPr>
+          <p:cNvPr id="4" name="Foliennummernplatzhalter 3"/>
+          <p:cNvSpPr>
+            <a:spLocks noGrp="1"/>
+          </p:cNvSpPr>
+          <p:nvPr>
+            <p:ph type="sldNum" sz="quarter" idx="12"/>
+          </p:nvPr>
+        </p:nvSpPr>
+        <p:spPr/>
+        <p:txBody>
+          <a:bodyPr/>
+          <a:lstStyle/>
+          <a:p>
+            <a:fld id="{37FB3165-7B6B-4B29-A206-BA97BFDD26CD}" type="slidenum">
+              <a:rPr lang="de-DE" smtClean="0"/>
+              <a:t>18</a:t>
+            </a:fld>
+            <a:endParaRPr lang="de-DE"/>
+          </a:p>
+        </p:txBody>
+      </p:sp>
     </p:spTree>
     <p:extLst>
       <p:ext uri="{BB962C8B-B14F-4D97-AF65-F5344CB8AC3E}">
@@ -5850,6 +6581,13 @@
   <p:clrMapOvr>
     <a:masterClrMapping/>
   </p:clrMapOvr>
+  <p:timing>
+    <p:tnLst>
+      <p:par>
+        <p:cTn id="1" dur="indefinite" restart="never" nodeType="tmRoot"/>
+      </p:par>
+    </p:tnLst>
+  </p:timing>
 </p:sld>
 </file>
 
@@ -5875,7 +6613,7 @@
           <p:cNvPr id="4" name="Ellipse 3">
             <a:extLst>
               <a:ext uri="{FF2B5EF4-FFF2-40B4-BE49-F238E27FC236}">
-                <a16:creationId xmlns:a16="http://schemas.microsoft.com/office/drawing/2014/main" id="{140C0BC4-A530-468E-9B53-3A4C8D73A68E}"/>
+                <a16:creationId xmlns:a16="http://schemas.microsoft.com/office/drawing/2014/main" xmlns="" id="{140C0BC4-A530-468E-9B53-3A4C8D73A68E}"/>
               </a:ext>
             </a:extLst>
           </p:cNvPr>
@@ -5919,7 +6657,7 @@
           <p:cNvPr id="8" name="Ellipse 7">
             <a:extLst>
               <a:ext uri="{FF2B5EF4-FFF2-40B4-BE49-F238E27FC236}">
-                <a16:creationId xmlns:a16="http://schemas.microsoft.com/office/drawing/2014/main" id="{0D129BEB-8341-47B2-86DB-31C26330D41C}"/>
+                <a16:creationId xmlns:a16="http://schemas.microsoft.com/office/drawing/2014/main" xmlns="" id="{0D129BEB-8341-47B2-86DB-31C26330D41C}"/>
               </a:ext>
             </a:extLst>
           </p:cNvPr>
@@ -5963,7 +6701,7 @@
           <p:cNvPr id="5" name="Ellipse 4">
             <a:extLst>
               <a:ext uri="{FF2B5EF4-FFF2-40B4-BE49-F238E27FC236}">
-                <a16:creationId xmlns:a16="http://schemas.microsoft.com/office/drawing/2014/main" id="{D02A94BE-24B7-4875-9DF9-7486316010D4}"/>
+                <a16:creationId xmlns:a16="http://schemas.microsoft.com/office/drawing/2014/main" xmlns="" id="{D02A94BE-24B7-4875-9DF9-7486316010D4}"/>
               </a:ext>
             </a:extLst>
           </p:cNvPr>
@@ -6010,7 +6748,7 @@
           <p:cNvPr id="6" name="Ellipse 5">
             <a:extLst>
               <a:ext uri="{FF2B5EF4-FFF2-40B4-BE49-F238E27FC236}">
-                <a16:creationId xmlns:a16="http://schemas.microsoft.com/office/drawing/2014/main" id="{CAAB70A7-5770-4DE1-B099-536204E4C1CE}"/>
+                <a16:creationId xmlns:a16="http://schemas.microsoft.com/office/drawing/2014/main" xmlns="" id="{CAAB70A7-5770-4DE1-B099-536204E4C1CE}"/>
               </a:ext>
             </a:extLst>
           </p:cNvPr>
@@ -6062,7 +6800,7 @@
           <p:cNvPr id="7" name="Ellipse 6">
             <a:extLst>
               <a:ext uri="{FF2B5EF4-FFF2-40B4-BE49-F238E27FC236}">
-                <a16:creationId xmlns:a16="http://schemas.microsoft.com/office/drawing/2014/main" id="{1238BC71-FAD5-4D0C-9259-8B6D852331F5}"/>
+                <a16:creationId xmlns:a16="http://schemas.microsoft.com/office/drawing/2014/main" xmlns="" id="{1238BC71-FAD5-4D0C-9259-8B6D852331F5}"/>
               </a:ext>
             </a:extLst>
           </p:cNvPr>
@@ -6108,7 +6846,7 @@
           <p:cNvPr id="10" name="Gerade Verbindung mit Pfeil 9">
             <a:extLst>
               <a:ext uri="{FF2B5EF4-FFF2-40B4-BE49-F238E27FC236}">
-                <a16:creationId xmlns:a16="http://schemas.microsoft.com/office/drawing/2014/main" id="{3E2918D5-3ACB-492E-86A2-202E88A8C3AE}"/>
+                <a16:creationId xmlns:a16="http://schemas.microsoft.com/office/drawing/2014/main" xmlns="" id="{3E2918D5-3ACB-492E-86A2-202E88A8C3AE}"/>
               </a:ext>
             </a:extLst>
           </p:cNvPr>
@@ -6147,7 +6885,7 @@
           <p:cNvPr id="12" name="Gerade Verbindung mit Pfeil 11">
             <a:extLst>
               <a:ext uri="{FF2B5EF4-FFF2-40B4-BE49-F238E27FC236}">
-                <a16:creationId xmlns:a16="http://schemas.microsoft.com/office/drawing/2014/main" id="{A69ED436-32D7-4DC3-8919-364DAC6AFEE7}"/>
+                <a16:creationId xmlns:a16="http://schemas.microsoft.com/office/drawing/2014/main" xmlns="" id="{A69ED436-32D7-4DC3-8919-364DAC6AFEE7}"/>
               </a:ext>
             </a:extLst>
           </p:cNvPr>
@@ -6188,7 +6926,7 @@
           <p:cNvPr id="14" name="Gerade Verbindung mit Pfeil 13">
             <a:extLst>
               <a:ext uri="{FF2B5EF4-FFF2-40B4-BE49-F238E27FC236}">
-                <a16:creationId xmlns:a16="http://schemas.microsoft.com/office/drawing/2014/main" id="{258B7A9A-005B-4225-9CA0-9C83FBF13614}"/>
+                <a16:creationId xmlns:a16="http://schemas.microsoft.com/office/drawing/2014/main" xmlns="" id="{258B7A9A-005B-4225-9CA0-9C83FBF13614}"/>
               </a:ext>
             </a:extLst>
           </p:cNvPr>
@@ -6229,7 +6967,7 @@
           <p:cNvPr id="23" name="Ellipse 22">
             <a:extLst>
               <a:ext uri="{FF2B5EF4-FFF2-40B4-BE49-F238E27FC236}">
-                <a16:creationId xmlns:a16="http://schemas.microsoft.com/office/drawing/2014/main" id="{21046CEE-8457-4D3D-BA82-476036D3B07A}"/>
+                <a16:creationId xmlns:a16="http://schemas.microsoft.com/office/drawing/2014/main" xmlns="" id="{21046CEE-8457-4D3D-BA82-476036D3B07A}"/>
               </a:ext>
             </a:extLst>
           </p:cNvPr>
@@ -6276,7 +7014,7 @@
           <p:cNvPr id="24" name="Ellipse 23">
             <a:extLst>
               <a:ext uri="{FF2B5EF4-FFF2-40B4-BE49-F238E27FC236}">
-                <a16:creationId xmlns:a16="http://schemas.microsoft.com/office/drawing/2014/main" id="{223CA4F5-9B54-4FB9-B0FF-005EABD504E1}"/>
+                <a16:creationId xmlns:a16="http://schemas.microsoft.com/office/drawing/2014/main" xmlns="" id="{223CA4F5-9B54-4FB9-B0FF-005EABD504E1}"/>
               </a:ext>
             </a:extLst>
           </p:cNvPr>
@@ -6322,7 +7060,7 @@
           <p:cNvPr id="25" name="Gerade Verbindung mit Pfeil 24">
             <a:extLst>
               <a:ext uri="{FF2B5EF4-FFF2-40B4-BE49-F238E27FC236}">
-                <a16:creationId xmlns:a16="http://schemas.microsoft.com/office/drawing/2014/main" id="{5C4D31FA-7F7B-4C6A-A211-BA8618A032D5}"/>
+                <a16:creationId xmlns:a16="http://schemas.microsoft.com/office/drawing/2014/main" xmlns="" id="{5C4D31FA-7F7B-4C6A-A211-BA8618A032D5}"/>
               </a:ext>
             </a:extLst>
           </p:cNvPr>
@@ -6365,7 +7103,7 @@
           <p:cNvPr id="28" name="Gerade Verbindung mit Pfeil 27">
             <a:extLst>
               <a:ext uri="{FF2B5EF4-FFF2-40B4-BE49-F238E27FC236}">
-                <a16:creationId xmlns:a16="http://schemas.microsoft.com/office/drawing/2014/main" id="{527C4CDB-6136-441F-884F-F087DDF07F94}"/>
+                <a16:creationId xmlns:a16="http://schemas.microsoft.com/office/drawing/2014/main" xmlns="" id="{527C4CDB-6136-441F-884F-F087DDF07F94}"/>
               </a:ext>
             </a:extLst>
           </p:cNvPr>
@@ -6407,7 +7145,7 @@
           <p:cNvPr id="15" name="Titel 1">
             <a:extLst>
               <a:ext uri="{FF2B5EF4-FFF2-40B4-BE49-F238E27FC236}">
-                <a16:creationId xmlns:a16="http://schemas.microsoft.com/office/drawing/2014/main" id="{44F202C9-FE31-4BD3-AC5A-8CD824379E06}"/>
+                <a16:creationId xmlns:a16="http://schemas.microsoft.com/office/drawing/2014/main" xmlns="" id="{44F202C9-FE31-4BD3-AC5A-8CD824379E06}"/>
               </a:ext>
             </a:extLst>
           </p:cNvPr>
@@ -6432,6 +7170,29 @@
               <a:rPr lang="de-DE" dirty="0"/>
               <a:t>Das N-Körperproblem</a:t>
             </a:r>
+          </a:p>
+        </p:txBody>
+      </p:sp>
+      <p:sp>
+        <p:nvSpPr>
+          <p:cNvPr id="2" name="Foliennummernplatzhalter 1"/>
+          <p:cNvSpPr>
+            <a:spLocks noGrp="1"/>
+          </p:cNvSpPr>
+          <p:nvPr>
+            <p:ph type="sldNum" sz="quarter" idx="12"/>
+          </p:nvPr>
+        </p:nvSpPr>
+        <p:spPr/>
+        <p:txBody>
+          <a:bodyPr/>
+          <a:lstStyle/>
+          <a:p>
+            <a:fld id="{37FB3165-7B6B-4B29-A206-BA97BFDD26CD}" type="slidenum">
+              <a:rPr lang="de-DE" smtClean="0"/>
+              <a:t>19</a:t>
+            </a:fld>
+            <a:endParaRPr lang="de-DE"/>
           </a:p>
         </p:txBody>
       </p:sp>
@@ -7105,7 +7866,7 @@
           <p:cNvPr id="2" name="Titel 1">
             <a:extLst>
               <a:ext uri="{FF2B5EF4-FFF2-40B4-BE49-F238E27FC236}">
-                <a16:creationId xmlns:a16="http://schemas.microsoft.com/office/drawing/2014/main" id="{F34C9E2D-611E-48D5-9E3F-60BCC33CC164}"/>
+                <a16:creationId xmlns:a16="http://schemas.microsoft.com/office/drawing/2014/main" xmlns="" id="{F34C9E2D-611E-48D5-9E3F-60BCC33CC164}"/>
               </a:ext>
             </a:extLst>
           </p:cNvPr>
@@ -7133,7 +7894,7 @@
           <p:cNvPr id="3" name="Inhaltsplatzhalter 2">
             <a:extLst>
               <a:ext uri="{FF2B5EF4-FFF2-40B4-BE49-F238E27FC236}">
-                <a16:creationId xmlns:a16="http://schemas.microsoft.com/office/drawing/2014/main" id="{E8DBC05B-1845-42D4-965C-63A607DCC327}"/>
+                <a16:creationId xmlns:a16="http://schemas.microsoft.com/office/drawing/2014/main" xmlns="" id="{E8DBC05B-1845-42D4-965C-63A607DCC327}"/>
               </a:ext>
             </a:extLst>
           </p:cNvPr>
@@ -7217,6 +7978,29 @@
           </a:p>
         </p:txBody>
       </p:sp>
+      <p:sp>
+        <p:nvSpPr>
+          <p:cNvPr id="4" name="Foliennummernplatzhalter 3"/>
+          <p:cNvSpPr>
+            <a:spLocks noGrp="1"/>
+          </p:cNvSpPr>
+          <p:nvPr>
+            <p:ph type="sldNum" sz="quarter" idx="12"/>
+          </p:nvPr>
+        </p:nvSpPr>
+        <p:spPr/>
+        <p:txBody>
+          <a:bodyPr/>
+          <a:lstStyle/>
+          <a:p>
+            <a:fld id="{37FB3165-7B6B-4B29-A206-BA97BFDD26CD}" type="slidenum">
+              <a:rPr lang="de-DE" smtClean="0"/>
+              <a:t>2</a:t>
+            </a:fld>
+            <a:endParaRPr lang="de-DE"/>
+          </a:p>
+        </p:txBody>
+      </p:sp>
     </p:spTree>
     <p:extLst>
       <p:ext uri="{BB962C8B-B14F-4D97-AF65-F5344CB8AC3E}">
@@ -7227,6 +8011,13 @@
   <p:clrMapOvr>
     <a:masterClrMapping/>
   </p:clrMapOvr>
+  <p:timing>
+    <p:tnLst>
+      <p:par>
+        <p:cTn id="1" dur="indefinite" restart="never" nodeType="tmRoot"/>
+      </p:par>
+    </p:tnLst>
+  </p:timing>
 </p:sld>
 </file>
 
@@ -7252,7 +8043,7 @@
           <p:cNvPr id="2" name="Titel 1">
             <a:extLst>
               <a:ext uri="{FF2B5EF4-FFF2-40B4-BE49-F238E27FC236}">
-                <a16:creationId xmlns:a16="http://schemas.microsoft.com/office/drawing/2014/main" id="{3D758F7E-CADC-4CFA-842E-2FE3EE11029B}"/>
+                <a16:creationId xmlns:a16="http://schemas.microsoft.com/office/drawing/2014/main" xmlns="" id="{3D758F7E-CADC-4CFA-842E-2FE3EE11029B}"/>
               </a:ext>
             </a:extLst>
           </p:cNvPr>
@@ -7280,7 +8071,7 @@
           <p:cNvPr id="1028" name="Picture 4" descr="Bildergebnis für numerische integration">
             <a:extLst>
               <a:ext uri="{FF2B5EF4-FFF2-40B4-BE49-F238E27FC236}">
-                <a16:creationId xmlns:a16="http://schemas.microsoft.com/office/drawing/2014/main" id="{90573B2F-315B-40E8-AD0D-90C35A30D6E3}"/>
+                <a16:creationId xmlns:a16="http://schemas.microsoft.com/office/drawing/2014/main" xmlns="" id="{90573B2F-315B-40E8-AD0D-90C35A30D6E3}"/>
               </a:ext>
             </a:extLst>
           </p:cNvPr>
@@ -7327,7 +8118,7 @@
           <p:cNvPr id="19" name="Textfeld 18">
             <a:extLst>
               <a:ext uri="{FF2B5EF4-FFF2-40B4-BE49-F238E27FC236}">
-                <a16:creationId xmlns:a16="http://schemas.microsoft.com/office/drawing/2014/main" id="{C72BD406-91B2-42C3-8720-B719F35E4C0C}"/>
+                <a16:creationId xmlns:a16="http://schemas.microsoft.com/office/drawing/2014/main" xmlns="" id="{C72BD406-91B2-42C3-8720-B719F35E4C0C}"/>
               </a:ext>
             </a:extLst>
           </p:cNvPr>
@@ -7390,6 +8181,29 @@
           </a:p>
         </p:txBody>
       </p:sp>
+      <p:sp>
+        <p:nvSpPr>
+          <p:cNvPr id="3" name="Foliennummernplatzhalter 2"/>
+          <p:cNvSpPr>
+            <a:spLocks noGrp="1"/>
+          </p:cNvSpPr>
+          <p:nvPr>
+            <p:ph type="sldNum" sz="quarter" idx="12"/>
+          </p:nvPr>
+        </p:nvSpPr>
+        <p:spPr/>
+        <p:txBody>
+          <a:bodyPr/>
+          <a:lstStyle/>
+          <a:p>
+            <a:fld id="{37FB3165-7B6B-4B29-A206-BA97BFDD26CD}" type="slidenum">
+              <a:rPr lang="de-DE" smtClean="0"/>
+              <a:t>20</a:t>
+            </a:fld>
+            <a:endParaRPr lang="de-DE"/>
+          </a:p>
+        </p:txBody>
+      </p:sp>
     </p:spTree>
     <p:extLst>
       <p:ext uri="{BB962C8B-B14F-4D97-AF65-F5344CB8AC3E}">
@@ -7400,6 +8214,13 @@
   <p:clrMapOvr>
     <a:masterClrMapping/>
   </p:clrMapOvr>
+  <p:timing>
+    <p:tnLst>
+      <p:par>
+        <p:cTn id="1" dur="indefinite" restart="never" nodeType="tmRoot"/>
+      </p:par>
+    </p:tnLst>
+  </p:timing>
 </p:sld>
 </file>
 
@@ -7425,7 +8246,7 @@
           <p:cNvPr id="2" name="Titel 1">
             <a:extLst>
               <a:ext uri="{FF2B5EF4-FFF2-40B4-BE49-F238E27FC236}">
-                <a16:creationId xmlns:a16="http://schemas.microsoft.com/office/drawing/2014/main" id="{3D758F7E-CADC-4CFA-842E-2FE3EE11029B}"/>
+                <a16:creationId xmlns:a16="http://schemas.microsoft.com/office/drawing/2014/main" xmlns="" id="{3D758F7E-CADC-4CFA-842E-2FE3EE11029B}"/>
               </a:ext>
             </a:extLst>
           </p:cNvPr>
@@ -7455,7 +8276,7 @@
               <p:cNvPr id="4" name="Textfeld 3">
                 <a:extLst>
                   <a:ext uri="{FF2B5EF4-FFF2-40B4-BE49-F238E27FC236}">
-                    <a16:creationId xmlns:a16="http://schemas.microsoft.com/office/drawing/2014/main" id="{2278AFD7-98DB-4CB0-902E-1AE8508923B8}"/>
+                    <a16:creationId xmlns:a16="http://schemas.microsoft.com/office/drawing/2014/main" xmlns="" id="{2278AFD7-98DB-4CB0-902E-1AE8508923B8}"/>
                   </a:ext>
                 </a:extLst>
               </p:cNvPr>
@@ -7573,7 +8394,7 @@
           <p:cNvPr id="6" name="Verbinder: gewinkelt 5">
             <a:extLst>
               <a:ext uri="{FF2B5EF4-FFF2-40B4-BE49-F238E27FC236}">
-                <a16:creationId xmlns:a16="http://schemas.microsoft.com/office/drawing/2014/main" id="{EC1DCD1B-3C69-4937-832B-66ED16A875F0}"/>
+                <a16:creationId xmlns:a16="http://schemas.microsoft.com/office/drawing/2014/main" xmlns="" id="{EC1DCD1B-3C69-4937-832B-66ED16A875F0}"/>
               </a:ext>
             </a:extLst>
           </p:cNvPr>
@@ -7616,7 +8437,7 @@
               <p:cNvPr id="7" name="Textfeld 6">
                 <a:extLst>
                   <a:ext uri="{FF2B5EF4-FFF2-40B4-BE49-F238E27FC236}">
-                    <a16:creationId xmlns:a16="http://schemas.microsoft.com/office/drawing/2014/main" id="{8028247A-050A-4AC5-B44B-A6FE87669940}"/>
+                    <a16:creationId xmlns:a16="http://schemas.microsoft.com/office/drawing/2014/main" xmlns="" id="{8028247A-050A-4AC5-B44B-A6FE87669940}"/>
                   </a:ext>
                 </a:extLst>
               </p:cNvPr>
@@ -7734,7 +8555,7 @@
           <p:cNvPr id="8" name="Textfeld 7">
             <a:extLst>
               <a:ext uri="{FF2B5EF4-FFF2-40B4-BE49-F238E27FC236}">
-                <a16:creationId xmlns:a16="http://schemas.microsoft.com/office/drawing/2014/main" id="{B376C27D-2ABE-4447-88F7-8E94891F456C}"/>
+                <a16:creationId xmlns:a16="http://schemas.microsoft.com/office/drawing/2014/main" xmlns="" id="{B376C27D-2ABE-4447-88F7-8E94891F456C}"/>
               </a:ext>
             </a:extLst>
           </p:cNvPr>
@@ -7769,7 +8590,7 @@
           <p:cNvPr id="9" name="Textfeld 8">
             <a:extLst>
               <a:ext uri="{FF2B5EF4-FFF2-40B4-BE49-F238E27FC236}">
-                <a16:creationId xmlns:a16="http://schemas.microsoft.com/office/drawing/2014/main" id="{3F1EB1B6-3E85-4B80-BC71-15F963A4C1EF}"/>
+                <a16:creationId xmlns:a16="http://schemas.microsoft.com/office/drawing/2014/main" xmlns="" id="{3F1EB1B6-3E85-4B80-BC71-15F963A4C1EF}"/>
               </a:ext>
             </a:extLst>
           </p:cNvPr>
@@ -7804,7 +8625,7 @@
           <p:cNvPr id="11" name="Gerade Verbindung mit Pfeil 10">
             <a:extLst>
               <a:ext uri="{FF2B5EF4-FFF2-40B4-BE49-F238E27FC236}">
-                <a16:creationId xmlns:a16="http://schemas.microsoft.com/office/drawing/2014/main" id="{C92812C7-849B-4F9F-9A81-1FE579F03D64}"/>
+                <a16:creationId xmlns:a16="http://schemas.microsoft.com/office/drawing/2014/main" xmlns="" id="{C92812C7-849B-4F9F-9A81-1FE579F03D64}"/>
               </a:ext>
             </a:extLst>
           </p:cNvPr>
@@ -7847,7 +8668,7 @@
               <p:cNvPr id="12" name="Textfeld 11">
                 <a:extLst>
                   <a:ext uri="{FF2B5EF4-FFF2-40B4-BE49-F238E27FC236}">
-                    <a16:creationId xmlns:a16="http://schemas.microsoft.com/office/drawing/2014/main" id="{66D4B41E-2455-41D2-B684-0C65AF61F3CE}"/>
+                    <a16:creationId xmlns:a16="http://schemas.microsoft.com/office/drawing/2014/main" xmlns="" id="{66D4B41E-2455-41D2-B684-0C65AF61F3CE}"/>
                   </a:ext>
                 </a:extLst>
               </p:cNvPr>
@@ -7972,7 +8793,7 @@
           <p:cNvPr id="13" name="Textfeld 12">
             <a:extLst>
               <a:ext uri="{FF2B5EF4-FFF2-40B4-BE49-F238E27FC236}">
-                <a16:creationId xmlns:a16="http://schemas.microsoft.com/office/drawing/2014/main" id="{AB10EE11-2435-4759-B176-360B7BEAE89B}"/>
+                <a16:creationId xmlns:a16="http://schemas.microsoft.com/office/drawing/2014/main" xmlns="" id="{AB10EE11-2435-4759-B176-360B7BEAE89B}"/>
               </a:ext>
             </a:extLst>
           </p:cNvPr>
@@ -8007,7 +8828,7 @@
           <p:cNvPr id="14" name="Gerade Verbindung mit Pfeil 13">
             <a:extLst>
               <a:ext uri="{FF2B5EF4-FFF2-40B4-BE49-F238E27FC236}">
-                <a16:creationId xmlns:a16="http://schemas.microsoft.com/office/drawing/2014/main" id="{145FB2DB-2161-4924-8D07-8B4FA4B3B40A}"/>
+                <a16:creationId xmlns:a16="http://schemas.microsoft.com/office/drawing/2014/main" xmlns="" id="{145FB2DB-2161-4924-8D07-8B4FA4B3B40A}"/>
               </a:ext>
             </a:extLst>
           </p:cNvPr>
@@ -8048,7 +8869,7 @@
               <p:cNvPr id="15" name="Textfeld 14">
                 <a:extLst>
                   <a:ext uri="{FF2B5EF4-FFF2-40B4-BE49-F238E27FC236}">
-                    <a16:creationId xmlns:a16="http://schemas.microsoft.com/office/drawing/2014/main" id="{50D66CCD-4799-4908-841D-6F40A119F206}"/>
+                    <a16:creationId xmlns:a16="http://schemas.microsoft.com/office/drawing/2014/main" xmlns="" id="{50D66CCD-4799-4908-841D-6F40A119F206}"/>
                   </a:ext>
                 </a:extLst>
               </p:cNvPr>
@@ -8168,6 +8989,29 @@
           </p:sp>
         </mc:Fallback>
       </mc:AlternateContent>
+      <p:sp>
+        <p:nvSpPr>
+          <p:cNvPr id="3" name="Foliennummernplatzhalter 2"/>
+          <p:cNvSpPr>
+            <a:spLocks noGrp="1"/>
+          </p:cNvSpPr>
+          <p:nvPr>
+            <p:ph type="sldNum" sz="quarter" idx="12"/>
+          </p:nvPr>
+        </p:nvSpPr>
+        <p:spPr/>
+        <p:txBody>
+          <a:bodyPr/>
+          <a:lstStyle/>
+          <a:p>
+            <a:fld id="{37FB3165-7B6B-4B29-A206-BA97BFDD26CD}" type="slidenum">
+              <a:rPr lang="de-DE" smtClean="0"/>
+              <a:t>21</a:t>
+            </a:fld>
+            <a:endParaRPr lang="de-DE"/>
+          </a:p>
+        </p:txBody>
+      </p:sp>
     </p:spTree>
     <p:extLst>
       <p:ext uri="{BB962C8B-B14F-4D97-AF65-F5344CB8AC3E}">
@@ -8437,7 +9281,7 @@
           <p:cNvPr id="2" name="Titel 1">
             <a:extLst>
               <a:ext uri="{FF2B5EF4-FFF2-40B4-BE49-F238E27FC236}">
-                <a16:creationId xmlns:a16="http://schemas.microsoft.com/office/drawing/2014/main" id="{42A4BF16-9436-4725-9104-80CB704D1AB3}"/>
+                <a16:creationId xmlns:a16="http://schemas.microsoft.com/office/drawing/2014/main" xmlns="" id="{42A4BF16-9436-4725-9104-80CB704D1AB3}"/>
               </a:ext>
             </a:extLst>
           </p:cNvPr>
@@ -8465,7 +9309,7 @@
           <p:cNvPr id="5" name="Textfeld 4">
             <a:extLst>
               <a:ext uri="{FF2B5EF4-FFF2-40B4-BE49-F238E27FC236}">
-                <a16:creationId xmlns:a16="http://schemas.microsoft.com/office/drawing/2014/main" id="{8C5DA050-B659-4D65-AD20-8B301F9FEB10}"/>
+                <a16:creationId xmlns:a16="http://schemas.microsoft.com/office/drawing/2014/main" xmlns="" id="{8C5DA050-B659-4D65-AD20-8B301F9FEB10}"/>
               </a:ext>
             </a:extLst>
           </p:cNvPr>
@@ -8500,7 +9344,7 @@
           <p:cNvPr id="6" name="Textfeld 5">
             <a:extLst>
               <a:ext uri="{FF2B5EF4-FFF2-40B4-BE49-F238E27FC236}">
-                <a16:creationId xmlns:a16="http://schemas.microsoft.com/office/drawing/2014/main" id="{9731FDAB-B9D9-4229-AD15-D481A86D8969}"/>
+                <a16:creationId xmlns:a16="http://schemas.microsoft.com/office/drawing/2014/main" xmlns="" id="{9731FDAB-B9D9-4229-AD15-D481A86D8969}"/>
               </a:ext>
             </a:extLst>
           </p:cNvPr>
@@ -8537,7 +9381,7 @@
               <p:cNvPr id="10" name="Textfeld 9">
                 <a:extLst>
                   <a:ext uri="{FF2B5EF4-FFF2-40B4-BE49-F238E27FC236}">
-                    <a16:creationId xmlns:a16="http://schemas.microsoft.com/office/drawing/2014/main" id="{29A068FF-B407-4B83-A30B-93870E9BB5A9}"/>
+                    <a16:creationId xmlns:a16="http://schemas.microsoft.com/office/drawing/2014/main" xmlns="" id="{29A068FF-B407-4B83-A30B-93870E9BB5A9}"/>
                   </a:ext>
                 </a:extLst>
               </p:cNvPr>
@@ -8777,7 +9621,7 @@
               <p:cNvPr id="11" name="Textfeld 10">
                 <a:extLst>
                   <a:ext uri="{FF2B5EF4-FFF2-40B4-BE49-F238E27FC236}">
-                    <a16:creationId xmlns:a16="http://schemas.microsoft.com/office/drawing/2014/main" id="{DDCF665D-FC42-4611-AFFD-3B458ED79415}"/>
+                    <a16:creationId xmlns:a16="http://schemas.microsoft.com/office/drawing/2014/main" xmlns="" id="{DDCF665D-FC42-4611-AFFD-3B458ED79415}"/>
                   </a:ext>
                 </a:extLst>
               </p:cNvPr>
@@ -9030,7 +9874,7 @@
               <p:cNvPr id="12" name="Textfeld 11">
                 <a:extLst>
                   <a:ext uri="{FF2B5EF4-FFF2-40B4-BE49-F238E27FC236}">
-                    <a16:creationId xmlns:a16="http://schemas.microsoft.com/office/drawing/2014/main" id="{38D6BF69-067D-47EA-B1C3-37032EA73EBE}"/>
+                    <a16:creationId xmlns:a16="http://schemas.microsoft.com/office/drawing/2014/main" xmlns="" id="{38D6BF69-067D-47EA-B1C3-37032EA73EBE}"/>
                   </a:ext>
                 </a:extLst>
               </p:cNvPr>
@@ -9143,7 +9987,7 @@
               <p:cNvPr id="13" name="Textfeld 12">
                 <a:extLst>
                   <a:ext uri="{FF2B5EF4-FFF2-40B4-BE49-F238E27FC236}">
-                    <a16:creationId xmlns:a16="http://schemas.microsoft.com/office/drawing/2014/main" id="{43B105A8-F268-4473-A4BC-CA19D53F44B7}"/>
+                    <a16:creationId xmlns:a16="http://schemas.microsoft.com/office/drawing/2014/main" xmlns="" id="{43B105A8-F268-4473-A4BC-CA19D53F44B7}"/>
                   </a:ext>
                 </a:extLst>
               </p:cNvPr>
@@ -9254,7 +10098,7 @@
           <p:cNvPr id="14" name="Bogen 13">
             <a:extLst>
               <a:ext uri="{FF2B5EF4-FFF2-40B4-BE49-F238E27FC236}">
-                <a16:creationId xmlns:a16="http://schemas.microsoft.com/office/drawing/2014/main" id="{EF6EDD51-E49B-4A4D-B9C0-CB89E7DFE513}"/>
+                <a16:creationId xmlns:a16="http://schemas.microsoft.com/office/drawing/2014/main" xmlns="" id="{EF6EDD51-E49B-4A4D-B9C0-CB89E7DFE513}"/>
               </a:ext>
             </a:extLst>
           </p:cNvPr>
@@ -9301,7 +10145,7 @@
           <p:cNvPr id="15" name="Ellipse 14">
             <a:extLst>
               <a:ext uri="{FF2B5EF4-FFF2-40B4-BE49-F238E27FC236}">
-                <a16:creationId xmlns:a16="http://schemas.microsoft.com/office/drawing/2014/main" id="{EB25B2BA-3307-492B-972F-54618826E102}"/>
+                <a16:creationId xmlns:a16="http://schemas.microsoft.com/office/drawing/2014/main" xmlns="" id="{EB25B2BA-3307-492B-972F-54618826E102}"/>
               </a:ext>
             </a:extLst>
           </p:cNvPr>
@@ -9349,7 +10193,7 @@
               <p:cNvPr id="16" name="Textfeld 15">
                 <a:extLst>
                   <a:ext uri="{FF2B5EF4-FFF2-40B4-BE49-F238E27FC236}">
-                    <a16:creationId xmlns:a16="http://schemas.microsoft.com/office/drawing/2014/main" id="{D232E09C-C5CE-425A-A76F-922051689FA0}"/>
+                    <a16:creationId xmlns:a16="http://schemas.microsoft.com/office/drawing/2014/main" xmlns="" id="{D232E09C-C5CE-425A-A76F-922051689FA0}"/>
                   </a:ext>
                 </a:extLst>
               </p:cNvPr>
@@ -9462,7 +10306,7 @@
           <p:cNvPr id="18" name="Gerade Verbindung mit Pfeil 17">
             <a:extLst>
               <a:ext uri="{FF2B5EF4-FFF2-40B4-BE49-F238E27FC236}">
-                <a16:creationId xmlns:a16="http://schemas.microsoft.com/office/drawing/2014/main" id="{8090EB2F-186B-4A6A-BFA1-ECAE77B5909A}"/>
+                <a16:creationId xmlns:a16="http://schemas.microsoft.com/office/drawing/2014/main" xmlns="" id="{8090EB2F-186B-4A6A-BFA1-ECAE77B5909A}"/>
               </a:ext>
             </a:extLst>
           </p:cNvPr>
@@ -9506,7 +10350,7 @@
               <p:cNvPr id="23" name="Textfeld 22">
                 <a:extLst>
                   <a:ext uri="{FF2B5EF4-FFF2-40B4-BE49-F238E27FC236}">
-                    <a16:creationId xmlns:a16="http://schemas.microsoft.com/office/drawing/2014/main" id="{A41B79FF-134D-4377-AC76-4F014562C7B5}"/>
+                    <a16:creationId xmlns:a16="http://schemas.microsoft.com/office/drawing/2014/main" xmlns="" id="{A41B79FF-134D-4377-AC76-4F014562C7B5}"/>
                   </a:ext>
                 </a:extLst>
               </p:cNvPr>
@@ -9654,7 +10498,7 @@
               <p:cNvPr id="25" name="Textfeld 24">
                 <a:extLst>
                   <a:ext uri="{FF2B5EF4-FFF2-40B4-BE49-F238E27FC236}">
-                    <a16:creationId xmlns:a16="http://schemas.microsoft.com/office/drawing/2014/main" id="{97C79F3C-F1FD-486C-976B-BAADCF5AB4D8}"/>
+                    <a16:creationId xmlns:a16="http://schemas.microsoft.com/office/drawing/2014/main" xmlns="" id="{97C79F3C-F1FD-486C-976B-BAADCF5AB4D8}"/>
                   </a:ext>
                 </a:extLst>
               </p:cNvPr>
@@ -9773,7 +10617,7 @@
           <p:cNvPr id="26" name="Ellipse 25">
             <a:extLst>
               <a:ext uri="{FF2B5EF4-FFF2-40B4-BE49-F238E27FC236}">
-                <a16:creationId xmlns:a16="http://schemas.microsoft.com/office/drawing/2014/main" id="{E0D43BD3-5BB8-4980-85CC-7127562B8DEE}"/>
+                <a16:creationId xmlns:a16="http://schemas.microsoft.com/office/drawing/2014/main" xmlns="" id="{E0D43BD3-5BB8-4980-85CC-7127562B8DEE}"/>
               </a:ext>
             </a:extLst>
           </p:cNvPr>
@@ -9819,7 +10663,7 @@
           <p:cNvPr id="29" name="Ellipse 28">
             <a:extLst>
               <a:ext uri="{FF2B5EF4-FFF2-40B4-BE49-F238E27FC236}">
-                <a16:creationId xmlns:a16="http://schemas.microsoft.com/office/drawing/2014/main" id="{18A015F3-88A5-4BA7-9C05-0B3ABD075B92}"/>
+                <a16:creationId xmlns:a16="http://schemas.microsoft.com/office/drawing/2014/main" xmlns="" id="{18A015F3-88A5-4BA7-9C05-0B3ABD075B92}"/>
               </a:ext>
             </a:extLst>
           </p:cNvPr>
@@ -9867,7 +10711,7 @@
               <p:cNvPr id="30" name="Textfeld 29">
                 <a:extLst>
                   <a:ext uri="{FF2B5EF4-FFF2-40B4-BE49-F238E27FC236}">
-                    <a16:creationId xmlns:a16="http://schemas.microsoft.com/office/drawing/2014/main" id="{F916E6E3-4169-4D92-8E6E-60B806F89DA9}"/>
+                    <a16:creationId xmlns:a16="http://schemas.microsoft.com/office/drawing/2014/main" xmlns="" id="{F916E6E3-4169-4D92-8E6E-60B806F89DA9}"/>
                   </a:ext>
                 </a:extLst>
               </p:cNvPr>
@@ -9988,7 +10832,7 @@
               <p:cNvPr id="32" name="Rechteck 31">
                 <a:extLst>
                   <a:ext uri="{FF2B5EF4-FFF2-40B4-BE49-F238E27FC236}">
-                    <a16:creationId xmlns:a16="http://schemas.microsoft.com/office/drawing/2014/main" id="{28280A1E-7891-41E3-87FC-DDB399295564}"/>
+                    <a16:creationId xmlns:a16="http://schemas.microsoft.com/office/drawing/2014/main" xmlns="" id="{28280A1E-7891-41E3-87FC-DDB399295564}"/>
                   </a:ext>
                 </a:extLst>
               </p:cNvPr>
@@ -10154,7 +10998,7 @@
           <p:cNvPr id="33" name="Gerade Verbindung mit Pfeil 32">
             <a:extLst>
               <a:ext uri="{FF2B5EF4-FFF2-40B4-BE49-F238E27FC236}">
-                <a16:creationId xmlns:a16="http://schemas.microsoft.com/office/drawing/2014/main" id="{0610A389-93E8-45D9-B225-271BBF768CD5}"/>
+                <a16:creationId xmlns:a16="http://schemas.microsoft.com/office/drawing/2014/main" xmlns="" id="{0610A389-93E8-45D9-B225-271BBF768CD5}"/>
               </a:ext>
             </a:extLst>
           </p:cNvPr>
@@ -10195,7 +11039,7 @@
           <p:cNvPr id="35" name="Gerade Verbindung mit Pfeil 34">
             <a:extLst>
               <a:ext uri="{FF2B5EF4-FFF2-40B4-BE49-F238E27FC236}">
-                <a16:creationId xmlns:a16="http://schemas.microsoft.com/office/drawing/2014/main" id="{D05E56F5-B990-4ACC-A627-B964A5CA67A8}"/>
+                <a16:creationId xmlns:a16="http://schemas.microsoft.com/office/drawing/2014/main" xmlns="" id="{D05E56F5-B990-4ACC-A627-B964A5CA67A8}"/>
               </a:ext>
             </a:extLst>
           </p:cNvPr>
@@ -10238,7 +11082,7 @@
               <p:cNvPr id="37" name="Rechteck 36">
                 <a:extLst>
                   <a:ext uri="{FF2B5EF4-FFF2-40B4-BE49-F238E27FC236}">
-                    <a16:creationId xmlns:a16="http://schemas.microsoft.com/office/drawing/2014/main" id="{70FA4314-BE49-426C-B0FC-DA2256946956}"/>
+                    <a16:creationId xmlns:a16="http://schemas.microsoft.com/office/drawing/2014/main" xmlns="" id="{70FA4314-BE49-426C-B0FC-DA2256946956}"/>
                   </a:ext>
                 </a:extLst>
               </p:cNvPr>
@@ -10412,7 +11256,7 @@
               <p:cNvPr id="38" name="Textfeld 37">
                 <a:extLst>
                   <a:ext uri="{FF2B5EF4-FFF2-40B4-BE49-F238E27FC236}">
-                    <a16:creationId xmlns:a16="http://schemas.microsoft.com/office/drawing/2014/main" id="{12917002-98B2-474C-B7A3-8C6578EF4F6D}"/>
+                    <a16:creationId xmlns:a16="http://schemas.microsoft.com/office/drawing/2014/main" xmlns="" id="{12917002-98B2-474C-B7A3-8C6578EF4F6D}"/>
                   </a:ext>
                 </a:extLst>
               </p:cNvPr>
@@ -10531,7 +11375,7 @@
           <p:cNvPr id="39" name="Ellipse 38">
             <a:extLst>
               <a:ext uri="{FF2B5EF4-FFF2-40B4-BE49-F238E27FC236}">
-                <a16:creationId xmlns:a16="http://schemas.microsoft.com/office/drawing/2014/main" id="{95A03AA9-0314-4A1A-B237-872414244725}"/>
+                <a16:creationId xmlns:a16="http://schemas.microsoft.com/office/drawing/2014/main" xmlns="" id="{95A03AA9-0314-4A1A-B237-872414244725}"/>
               </a:ext>
             </a:extLst>
           </p:cNvPr>
@@ -10566,6 +11410,29 @@
           <a:lstStyle/>
           <a:p>
             <a:pPr algn="ctr"/>
+            <a:endParaRPr lang="de-DE"/>
+          </a:p>
+        </p:txBody>
+      </p:sp>
+      <p:sp>
+        <p:nvSpPr>
+          <p:cNvPr id="3" name="Foliennummernplatzhalter 2"/>
+          <p:cNvSpPr>
+            <a:spLocks noGrp="1"/>
+          </p:cNvSpPr>
+          <p:nvPr>
+            <p:ph type="sldNum" sz="quarter" idx="12"/>
+          </p:nvPr>
+        </p:nvSpPr>
+        <p:spPr/>
+        <p:txBody>
+          <a:bodyPr/>
+          <a:lstStyle/>
+          <a:p>
+            <a:fld id="{37FB3165-7B6B-4B29-A206-BA97BFDD26CD}" type="slidenum">
+              <a:rPr lang="de-DE" smtClean="0"/>
+              <a:t>22</a:t>
+            </a:fld>
             <a:endParaRPr lang="de-DE"/>
           </a:p>
         </p:txBody>
@@ -11274,7 +12141,7 @@
           <p:cNvPr id="2" name="Titel 1">
             <a:extLst>
               <a:ext uri="{FF2B5EF4-FFF2-40B4-BE49-F238E27FC236}">
-                <a16:creationId xmlns:a16="http://schemas.microsoft.com/office/drawing/2014/main" id="{53C7705D-F3E1-4610-A2B7-62F191AC008C}"/>
+                <a16:creationId xmlns:a16="http://schemas.microsoft.com/office/drawing/2014/main" xmlns="" id="{53C7705D-F3E1-4610-A2B7-62F191AC008C}"/>
               </a:ext>
             </a:extLst>
           </p:cNvPr>
@@ -11310,7 +12177,7 @@
           <p:cNvPr id="5" name="Gerade Verbindung mit Pfeil 4">
             <a:extLst>
               <a:ext uri="{FF2B5EF4-FFF2-40B4-BE49-F238E27FC236}">
-                <a16:creationId xmlns:a16="http://schemas.microsoft.com/office/drawing/2014/main" id="{0EF4FD4E-3E21-4CB1-B330-A8ACB18F55F6}"/>
+                <a16:creationId xmlns:a16="http://schemas.microsoft.com/office/drawing/2014/main" xmlns="" id="{0EF4FD4E-3E21-4CB1-B330-A8ACB18F55F6}"/>
               </a:ext>
             </a:extLst>
           </p:cNvPr>
@@ -11351,7 +12218,7 @@
           <p:cNvPr id="8" name="Gerade Verbindung mit Pfeil 7">
             <a:extLst>
               <a:ext uri="{FF2B5EF4-FFF2-40B4-BE49-F238E27FC236}">
-                <a16:creationId xmlns:a16="http://schemas.microsoft.com/office/drawing/2014/main" id="{2FD73A52-230C-4E8B-AF29-3A2D8125B341}"/>
+                <a16:creationId xmlns:a16="http://schemas.microsoft.com/office/drawing/2014/main" xmlns="" id="{2FD73A52-230C-4E8B-AF29-3A2D8125B341}"/>
               </a:ext>
             </a:extLst>
           </p:cNvPr>
@@ -11392,7 +12259,7 @@
           <p:cNvPr id="14" name="Ellipse 13">
             <a:extLst>
               <a:ext uri="{FF2B5EF4-FFF2-40B4-BE49-F238E27FC236}">
-                <a16:creationId xmlns:a16="http://schemas.microsoft.com/office/drawing/2014/main" id="{014C0FE7-FCF6-42B6-9F24-3A9B268610A7}"/>
+                <a16:creationId xmlns:a16="http://schemas.microsoft.com/office/drawing/2014/main" xmlns="" id="{014C0FE7-FCF6-42B6-9F24-3A9B268610A7}"/>
               </a:ext>
             </a:extLst>
           </p:cNvPr>
@@ -11440,7 +12307,7 @@
               <p:cNvPr id="15" name="Textfeld 14">
                 <a:extLst>
                   <a:ext uri="{FF2B5EF4-FFF2-40B4-BE49-F238E27FC236}">
-                    <a16:creationId xmlns:a16="http://schemas.microsoft.com/office/drawing/2014/main" id="{2F0E5031-05F3-450D-A2A0-52920973987B}"/>
+                    <a16:creationId xmlns:a16="http://schemas.microsoft.com/office/drawing/2014/main" xmlns="" id="{2F0E5031-05F3-450D-A2A0-52920973987B}"/>
                   </a:ext>
                 </a:extLst>
               </p:cNvPr>
@@ -11553,7 +12420,7 @@
           <p:cNvPr id="17" name="Ellipse 16">
             <a:extLst>
               <a:ext uri="{FF2B5EF4-FFF2-40B4-BE49-F238E27FC236}">
-                <a16:creationId xmlns:a16="http://schemas.microsoft.com/office/drawing/2014/main" id="{5F9B91BE-EFDC-4E11-AA61-57A952F8B21D}"/>
+                <a16:creationId xmlns:a16="http://schemas.microsoft.com/office/drawing/2014/main" xmlns="" id="{5F9B91BE-EFDC-4E11-AA61-57A952F8B21D}"/>
               </a:ext>
             </a:extLst>
           </p:cNvPr>
@@ -11599,7 +12466,7 @@
           <p:cNvPr id="18" name="Ellipse 17">
             <a:extLst>
               <a:ext uri="{FF2B5EF4-FFF2-40B4-BE49-F238E27FC236}">
-                <a16:creationId xmlns:a16="http://schemas.microsoft.com/office/drawing/2014/main" id="{CF094B5C-FF10-4A89-BA67-8729160065C0}"/>
+                <a16:creationId xmlns:a16="http://schemas.microsoft.com/office/drawing/2014/main" xmlns="" id="{CF094B5C-FF10-4A89-BA67-8729160065C0}"/>
               </a:ext>
             </a:extLst>
           </p:cNvPr>
@@ -11645,7 +12512,7 @@
           <p:cNvPr id="25" name="Freihandform: Form 24">
             <a:extLst>
               <a:ext uri="{FF2B5EF4-FFF2-40B4-BE49-F238E27FC236}">
-                <a16:creationId xmlns:a16="http://schemas.microsoft.com/office/drawing/2014/main" id="{C3AC4A48-822B-4864-A874-5676275251F1}"/>
+                <a16:creationId xmlns:a16="http://schemas.microsoft.com/office/drawing/2014/main" xmlns="" id="{C3AC4A48-822B-4864-A874-5676275251F1}"/>
               </a:ext>
             </a:extLst>
           </p:cNvPr>
@@ -11777,7 +12644,7 @@
           <p:cNvPr id="27" name="Gerade Verbindung mit Pfeil 26">
             <a:extLst>
               <a:ext uri="{FF2B5EF4-FFF2-40B4-BE49-F238E27FC236}">
-                <a16:creationId xmlns:a16="http://schemas.microsoft.com/office/drawing/2014/main" id="{2262EA05-A3D0-4DA0-9E73-556E194AF24D}"/>
+                <a16:creationId xmlns:a16="http://schemas.microsoft.com/office/drawing/2014/main" xmlns="" id="{2262EA05-A3D0-4DA0-9E73-556E194AF24D}"/>
               </a:ext>
             </a:extLst>
           </p:cNvPr>
@@ -11819,7 +12686,7 @@
           <p:cNvPr id="31" name="Gerade Verbindung mit Pfeil 30">
             <a:extLst>
               <a:ext uri="{FF2B5EF4-FFF2-40B4-BE49-F238E27FC236}">
-                <a16:creationId xmlns:a16="http://schemas.microsoft.com/office/drawing/2014/main" id="{EB8F3D3A-8533-4EDD-9B3F-3ECC44B2169F}"/>
+                <a16:creationId xmlns:a16="http://schemas.microsoft.com/office/drawing/2014/main" xmlns="" id="{EB8F3D3A-8533-4EDD-9B3F-3ECC44B2169F}"/>
               </a:ext>
             </a:extLst>
           </p:cNvPr>
@@ -11867,7 +12734,7 @@
           <p:cNvPr id="33" name="Gerade Verbindung mit Pfeil 32">
             <a:extLst>
               <a:ext uri="{FF2B5EF4-FFF2-40B4-BE49-F238E27FC236}">
-                <a16:creationId xmlns:a16="http://schemas.microsoft.com/office/drawing/2014/main" id="{686EA2D8-1A25-42DE-8EAC-591BB6C289E6}"/>
+                <a16:creationId xmlns:a16="http://schemas.microsoft.com/office/drawing/2014/main" xmlns="" id="{686EA2D8-1A25-42DE-8EAC-591BB6C289E6}"/>
               </a:ext>
             </a:extLst>
           </p:cNvPr>
@@ -11916,7 +12783,7 @@
               <p:cNvPr id="37" name="Textfeld 36">
                 <a:extLst>
                   <a:ext uri="{FF2B5EF4-FFF2-40B4-BE49-F238E27FC236}">
-                    <a16:creationId xmlns:a16="http://schemas.microsoft.com/office/drawing/2014/main" id="{078FA9EF-7847-449C-BD5E-CA99E9553822}"/>
+                    <a16:creationId xmlns:a16="http://schemas.microsoft.com/office/drawing/2014/main" xmlns="" id="{078FA9EF-7847-449C-BD5E-CA99E9553822}"/>
                   </a:ext>
                 </a:extLst>
               </p:cNvPr>
@@ -12049,7 +12916,7 @@
               <p:cNvPr id="38" name="Textfeld 37">
                 <a:extLst>
                   <a:ext uri="{FF2B5EF4-FFF2-40B4-BE49-F238E27FC236}">
-                    <a16:creationId xmlns:a16="http://schemas.microsoft.com/office/drawing/2014/main" id="{531D7BDE-D45E-4FC7-B04A-10D89C9DEB83}"/>
+                    <a16:creationId xmlns:a16="http://schemas.microsoft.com/office/drawing/2014/main" xmlns="" id="{531D7BDE-D45E-4FC7-B04A-10D89C9DEB83}"/>
                   </a:ext>
                 </a:extLst>
               </p:cNvPr>
@@ -12176,7 +13043,7 @@
               <p:cNvPr id="39" name="Textfeld 38">
                 <a:extLst>
                   <a:ext uri="{FF2B5EF4-FFF2-40B4-BE49-F238E27FC236}">
-                    <a16:creationId xmlns:a16="http://schemas.microsoft.com/office/drawing/2014/main" id="{3BD7C934-E4FF-4280-8548-C76C969776F3}"/>
+                    <a16:creationId xmlns:a16="http://schemas.microsoft.com/office/drawing/2014/main" xmlns="" id="{3BD7C934-E4FF-4280-8548-C76C969776F3}"/>
                   </a:ext>
                 </a:extLst>
               </p:cNvPr>
@@ -12291,7 +13158,7 @@
               <p:cNvPr id="41" name="Textfeld 40">
                 <a:extLst>
                   <a:ext uri="{FF2B5EF4-FFF2-40B4-BE49-F238E27FC236}">
-                    <a16:creationId xmlns:a16="http://schemas.microsoft.com/office/drawing/2014/main" id="{3F96CD39-0C6A-450E-BF33-ACFA1D6F85FE}"/>
+                    <a16:creationId xmlns:a16="http://schemas.microsoft.com/office/drawing/2014/main" xmlns="" id="{3F96CD39-0C6A-450E-BF33-ACFA1D6F85FE}"/>
                   </a:ext>
                 </a:extLst>
               </p:cNvPr>
@@ -12404,7 +13271,7 @@
           <p:cNvPr id="43" name="Gerade Verbindung mit Pfeil 42">
             <a:extLst>
               <a:ext uri="{FF2B5EF4-FFF2-40B4-BE49-F238E27FC236}">
-                <a16:creationId xmlns:a16="http://schemas.microsoft.com/office/drawing/2014/main" id="{09F2E85B-FE72-40EA-ABE9-3985130B40F0}"/>
+                <a16:creationId xmlns:a16="http://schemas.microsoft.com/office/drawing/2014/main" xmlns="" id="{09F2E85B-FE72-40EA-ABE9-3985130B40F0}"/>
               </a:ext>
             </a:extLst>
           </p:cNvPr>
@@ -12446,7 +13313,7 @@
           <p:cNvPr id="50" name="Gerade Verbindung mit Pfeil 49">
             <a:extLst>
               <a:ext uri="{FF2B5EF4-FFF2-40B4-BE49-F238E27FC236}">
-                <a16:creationId xmlns:a16="http://schemas.microsoft.com/office/drawing/2014/main" id="{921C31EB-A9F0-4675-BF41-D0D1F79B774A}"/>
+                <a16:creationId xmlns:a16="http://schemas.microsoft.com/office/drawing/2014/main" xmlns="" id="{921C31EB-A9F0-4675-BF41-D0D1F79B774A}"/>
               </a:ext>
             </a:extLst>
           </p:cNvPr>
@@ -12488,7 +13355,7 @@
           <p:cNvPr id="53" name="Gerade Verbindung mit Pfeil 52">
             <a:extLst>
               <a:ext uri="{FF2B5EF4-FFF2-40B4-BE49-F238E27FC236}">
-                <a16:creationId xmlns:a16="http://schemas.microsoft.com/office/drawing/2014/main" id="{5A7A9BD2-0A8E-41CE-ACCC-DBBB81EC3E4B}"/>
+                <a16:creationId xmlns:a16="http://schemas.microsoft.com/office/drawing/2014/main" xmlns="" id="{5A7A9BD2-0A8E-41CE-ACCC-DBBB81EC3E4B}"/>
               </a:ext>
             </a:extLst>
           </p:cNvPr>
@@ -12530,7 +13397,7 @@
           <p:cNvPr id="55" name="Gerade Verbindung mit Pfeil 54">
             <a:extLst>
               <a:ext uri="{FF2B5EF4-FFF2-40B4-BE49-F238E27FC236}">
-                <a16:creationId xmlns:a16="http://schemas.microsoft.com/office/drawing/2014/main" id="{7BE7C815-9BD8-45FB-B246-3EF13E281A8B}"/>
+                <a16:creationId xmlns:a16="http://schemas.microsoft.com/office/drawing/2014/main" xmlns="" id="{7BE7C815-9BD8-45FB-B246-3EF13E281A8B}"/>
               </a:ext>
             </a:extLst>
           </p:cNvPr>
@@ -12571,7 +13438,7 @@
           <p:cNvPr id="57" name="Gerade Verbindung mit Pfeil 56">
             <a:extLst>
               <a:ext uri="{FF2B5EF4-FFF2-40B4-BE49-F238E27FC236}">
-                <a16:creationId xmlns:a16="http://schemas.microsoft.com/office/drawing/2014/main" id="{6FCBC802-73FB-4FF2-8896-4A8CEE70A1C6}"/>
+                <a16:creationId xmlns:a16="http://schemas.microsoft.com/office/drawing/2014/main" xmlns="" id="{6FCBC802-73FB-4FF2-8896-4A8CEE70A1C6}"/>
               </a:ext>
             </a:extLst>
           </p:cNvPr>
@@ -12621,7 +13488,7 @@
               <p:cNvPr id="62" name="Textfeld 61">
                 <a:extLst>
                   <a:ext uri="{FF2B5EF4-FFF2-40B4-BE49-F238E27FC236}">
-                    <a16:creationId xmlns:a16="http://schemas.microsoft.com/office/drawing/2014/main" id="{AAFAE737-6542-4856-98AD-B23450AF6A59}"/>
+                    <a16:creationId xmlns:a16="http://schemas.microsoft.com/office/drawing/2014/main" xmlns="" id="{AAFAE737-6542-4856-98AD-B23450AF6A59}"/>
                   </a:ext>
                 </a:extLst>
               </p:cNvPr>
@@ -12798,7 +13665,7 @@
               <p:cNvPr id="63" name="Textfeld 62">
                 <a:extLst>
                   <a:ext uri="{FF2B5EF4-FFF2-40B4-BE49-F238E27FC236}">
-                    <a16:creationId xmlns:a16="http://schemas.microsoft.com/office/drawing/2014/main" id="{BD079805-98B8-4BBD-8602-3457B2413235}"/>
+                    <a16:creationId xmlns:a16="http://schemas.microsoft.com/office/drawing/2014/main" xmlns="" id="{BD079805-98B8-4BBD-8602-3457B2413235}"/>
                   </a:ext>
                 </a:extLst>
               </p:cNvPr>
@@ -12973,7 +13840,7 @@
           <p:cNvPr id="64" name="Gerade Verbindung mit Pfeil 63">
             <a:extLst>
               <a:ext uri="{FF2B5EF4-FFF2-40B4-BE49-F238E27FC236}">
-                <a16:creationId xmlns:a16="http://schemas.microsoft.com/office/drawing/2014/main" id="{B07AC4AF-A1BE-4F9D-855E-42F870418345}"/>
+                <a16:creationId xmlns:a16="http://schemas.microsoft.com/office/drawing/2014/main" xmlns="" id="{B07AC4AF-A1BE-4F9D-855E-42F870418345}"/>
               </a:ext>
             </a:extLst>
           </p:cNvPr>
@@ -13022,7 +13889,7 @@
               <p:cNvPr id="66" name="Textfeld 65">
                 <a:extLst>
                   <a:ext uri="{FF2B5EF4-FFF2-40B4-BE49-F238E27FC236}">
-                    <a16:creationId xmlns:a16="http://schemas.microsoft.com/office/drawing/2014/main" id="{E11FC8C0-150F-430B-86F4-50F8324CBFFF}"/>
+                    <a16:creationId xmlns:a16="http://schemas.microsoft.com/office/drawing/2014/main" xmlns="" id="{E11FC8C0-150F-430B-86F4-50F8324CBFFF}"/>
                   </a:ext>
                 </a:extLst>
               </p:cNvPr>
@@ -13197,7 +14064,7 @@
           <p:cNvPr id="67" name="Gerade Verbindung mit Pfeil 66">
             <a:extLst>
               <a:ext uri="{FF2B5EF4-FFF2-40B4-BE49-F238E27FC236}">
-                <a16:creationId xmlns:a16="http://schemas.microsoft.com/office/drawing/2014/main" id="{B6655BF5-66BD-4242-8DFD-8F896B2B564C}"/>
+                <a16:creationId xmlns:a16="http://schemas.microsoft.com/office/drawing/2014/main" xmlns="" id="{B6655BF5-66BD-4242-8DFD-8F896B2B564C}"/>
               </a:ext>
             </a:extLst>
           </p:cNvPr>
@@ -13246,7 +14113,7 @@
               <p:cNvPr id="69" name="Textfeld 68">
                 <a:extLst>
                   <a:ext uri="{FF2B5EF4-FFF2-40B4-BE49-F238E27FC236}">
-                    <a16:creationId xmlns:a16="http://schemas.microsoft.com/office/drawing/2014/main" id="{D61E703B-540A-4A01-8DA9-C41A7BBBBA6A}"/>
+                    <a16:creationId xmlns:a16="http://schemas.microsoft.com/office/drawing/2014/main" xmlns="" id="{D61E703B-540A-4A01-8DA9-C41A7BBBBA6A}"/>
                   </a:ext>
                 </a:extLst>
               </p:cNvPr>
@@ -13401,7 +14268,7 @@
           <p:cNvPr id="72" name="Textfeld 71">
             <a:extLst>
               <a:ext uri="{FF2B5EF4-FFF2-40B4-BE49-F238E27FC236}">
-                <a16:creationId xmlns:a16="http://schemas.microsoft.com/office/drawing/2014/main" id="{85FBCA3C-E2EE-43CB-A6B6-E235CC0E1317}"/>
+                <a16:creationId xmlns:a16="http://schemas.microsoft.com/office/drawing/2014/main" xmlns="" id="{85FBCA3C-E2EE-43CB-A6B6-E235CC0E1317}"/>
               </a:ext>
             </a:extLst>
           </p:cNvPr>
@@ -13470,7 +14337,7 @@
               <p:cNvPr id="73" name="Textfeld 72">
                 <a:extLst>
                   <a:ext uri="{FF2B5EF4-FFF2-40B4-BE49-F238E27FC236}">
-                    <a16:creationId xmlns:a16="http://schemas.microsoft.com/office/drawing/2014/main" id="{79A33489-4037-4670-8AF2-724FFA09BC93}"/>
+                    <a16:creationId xmlns:a16="http://schemas.microsoft.com/office/drawing/2014/main" xmlns="" id="{79A33489-4037-4670-8AF2-724FFA09BC93}"/>
                   </a:ext>
                 </a:extLst>
               </p:cNvPr>
@@ -13585,7 +14452,7 @@
               <p:cNvPr id="74" name="Textfeld 73">
                 <a:extLst>
                   <a:ext uri="{FF2B5EF4-FFF2-40B4-BE49-F238E27FC236}">
-                    <a16:creationId xmlns:a16="http://schemas.microsoft.com/office/drawing/2014/main" id="{D44950D8-5944-419A-A4F9-125AB93969F5}"/>
+                    <a16:creationId xmlns:a16="http://schemas.microsoft.com/office/drawing/2014/main" xmlns="" id="{D44950D8-5944-419A-A4F9-125AB93969F5}"/>
                   </a:ext>
                 </a:extLst>
               </p:cNvPr>
@@ -13700,7 +14567,7 @@
               <p:cNvPr id="75" name="Textfeld 74">
                 <a:extLst>
                   <a:ext uri="{FF2B5EF4-FFF2-40B4-BE49-F238E27FC236}">
-                    <a16:creationId xmlns:a16="http://schemas.microsoft.com/office/drawing/2014/main" id="{0A240E59-8D71-4DA3-87E0-5A64486FAF9D}"/>
+                    <a16:creationId xmlns:a16="http://schemas.microsoft.com/office/drawing/2014/main" xmlns="" id="{0A240E59-8D71-4DA3-87E0-5A64486FAF9D}"/>
                   </a:ext>
                 </a:extLst>
               </p:cNvPr>
@@ -13813,7 +14680,7 @@
           <p:cNvPr id="76" name="Gerade Verbindung mit Pfeil 75">
             <a:extLst>
               <a:ext uri="{FF2B5EF4-FFF2-40B4-BE49-F238E27FC236}">
-                <a16:creationId xmlns:a16="http://schemas.microsoft.com/office/drawing/2014/main" id="{238BE3D5-B49E-4ADD-B4D1-7E46AF4A50E6}"/>
+                <a16:creationId xmlns:a16="http://schemas.microsoft.com/office/drawing/2014/main" xmlns="" id="{238BE3D5-B49E-4ADD-B4D1-7E46AF4A50E6}"/>
               </a:ext>
             </a:extLst>
           </p:cNvPr>
@@ -13855,7 +14722,7 @@
           <p:cNvPr id="79" name="Gerade Verbindung mit Pfeil 78">
             <a:extLst>
               <a:ext uri="{FF2B5EF4-FFF2-40B4-BE49-F238E27FC236}">
-                <a16:creationId xmlns:a16="http://schemas.microsoft.com/office/drawing/2014/main" id="{68351F8D-F7D4-4143-85AC-A384E5CE9FF2}"/>
+                <a16:creationId xmlns:a16="http://schemas.microsoft.com/office/drawing/2014/main" xmlns="" id="{68351F8D-F7D4-4143-85AC-A384E5CE9FF2}"/>
               </a:ext>
             </a:extLst>
           </p:cNvPr>
@@ -13898,7 +14765,7 @@
           <p:cNvPr id="82" name="Stern: 5 Zacken 81">
             <a:extLst>
               <a:ext uri="{FF2B5EF4-FFF2-40B4-BE49-F238E27FC236}">
-                <a16:creationId xmlns:a16="http://schemas.microsoft.com/office/drawing/2014/main" id="{D71B3DFB-EC83-4C34-99B7-4536E681C473}"/>
+                <a16:creationId xmlns:a16="http://schemas.microsoft.com/office/drawing/2014/main" xmlns="" id="{D71B3DFB-EC83-4C34-99B7-4536E681C473}"/>
               </a:ext>
             </a:extLst>
           </p:cNvPr>
@@ -13944,7 +14811,7 @@
           <p:cNvPr id="19" name="Ellipse 18">
             <a:extLst>
               <a:ext uri="{FF2B5EF4-FFF2-40B4-BE49-F238E27FC236}">
-                <a16:creationId xmlns:a16="http://schemas.microsoft.com/office/drawing/2014/main" id="{9F6E5D9F-3390-4806-84A0-1A6CF4307411}"/>
+                <a16:creationId xmlns:a16="http://schemas.microsoft.com/office/drawing/2014/main" xmlns="" id="{9F6E5D9F-3390-4806-84A0-1A6CF4307411}"/>
               </a:ext>
             </a:extLst>
           </p:cNvPr>
@@ -13981,6 +14848,29 @@
           <a:lstStyle/>
           <a:p>
             <a:pPr algn="ctr"/>
+            <a:endParaRPr lang="de-DE"/>
+          </a:p>
+        </p:txBody>
+      </p:sp>
+      <p:sp>
+        <p:nvSpPr>
+          <p:cNvPr id="3" name="Foliennummernplatzhalter 2"/>
+          <p:cNvSpPr>
+            <a:spLocks noGrp="1"/>
+          </p:cNvSpPr>
+          <p:nvPr>
+            <p:ph type="sldNum" sz="quarter" idx="12"/>
+          </p:nvPr>
+        </p:nvSpPr>
+        <p:spPr/>
+        <p:txBody>
+          <a:bodyPr/>
+          <a:lstStyle/>
+          <a:p>
+            <a:fld id="{37FB3165-7B6B-4B29-A206-BA97BFDD26CD}" type="slidenum">
+              <a:rPr lang="de-DE" smtClean="0"/>
+              <a:t>23</a:t>
+            </a:fld>
             <a:endParaRPr lang="de-DE"/>
           </a:p>
         </p:txBody>
@@ -14903,7 +15793,7 @@
           <p:cNvPr id="2" name="Titel 1">
             <a:extLst>
               <a:ext uri="{FF2B5EF4-FFF2-40B4-BE49-F238E27FC236}">
-                <a16:creationId xmlns:a16="http://schemas.microsoft.com/office/drawing/2014/main" id="{406CFFC1-1F2E-4FCC-9A3F-AE73A32273B0}"/>
+                <a16:creationId xmlns:a16="http://schemas.microsoft.com/office/drawing/2014/main" xmlns="" id="{406CFFC1-1F2E-4FCC-9A3F-AE73A32273B0}"/>
               </a:ext>
             </a:extLst>
           </p:cNvPr>
@@ -14931,7 +15821,7 @@
           <p:cNvPr id="5" name="Inhaltsplatzhalter 4" descr="Ein Bild, das Text, Karte enthält.&#10;&#10;Automatisch generierte Beschreibung">
             <a:extLst>
               <a:ext uri="{FF2B5EF4-FFF2-40B4-BE49-F238E27FC236}">
-                <a16:creationId xmlns:a16="http://schemas.microsoft.com/office/drawing/2014/main" id="{41BFD04D-E415-49FA-A72F-C1DD4E156418}"/>
+                <a16:creationId xmlns:a16="http://schemas.microsoft.com/office/drawing/2014/main" xmlns="" id="{41BFD04D-E415-49FA-A72F-C1DD4E156418}"/>
               </a:ext>
             </a:extLst>
           </p:cNvPr>
@@ -14943,7 +15833,7 @@
           </p:nvPr>
         </p:nvPicPr>
         <p:blipFill>
-          <a:blip r:embed="rId2">
+          <a:blip r:embed="rId2" cstate="print">
             <a:extLst>
               <a:ext uri="{28A0092B-C50C-407E-A947-70E740481C1C}">
                 <a14:useLocalDpi xmlns:a14="http://schemas.microsoft.com/office/drawing/2010/main" val="0"/>
@@ -14961,6 +15851,29 @@
           </a:xfrm>
         </p:spPr>
       </p:pic>
+      <p:sp>
+        <p:nvSpPr>
+          <p:cNvPr id="3" name="Foliennummernplatzhalter 2"/>
+          <p:cNvSpPr>
+            <a:spLocks noGrp="1"/>
+          </p:cNvSpPr>
+          <p:nvPr>
+            <p:ph type="sldNum" sz="quarter" idx="12"/>
+          </p:nvPr>
+        </p:nvSpPr>
+        <p:spPr/>
+        <p:txBody>
+          <a:bodyPr/>
+          <a:lstStyle/>
+          <a:p>
+            <a:fld id="{37FB3165-7B6B-4B29-A206-BA97BFDD26CD}" type="slidenum">
+              <a:rPr lang="de-DE" smtClean="0"/>
+              <a:t>24</a:t>
+            </a:fld>
+            <a:endParaRPr lang="de-DE"/>
+          </a:p>
+        </p:txBody>
+      </p:sp>
     </p:spTree>
     <p:extLst>
       <p:ext uri="{BB962C8B-B14F-4D97-AF65-F5344CB8AC3E}">
@@ -14971,6 +15884,13 @@
   <p:clrMapOvr>
     <a:masterClrMapping/>
   </p:clrMapOvr>
+  <p:timing>
+    <p:tnLst>
+      <p:par>
+        <p:cTn id="1" dur="indefinite" restart="never" nodeType="tmRoot"/>
+      </p:par>
+    </p:tnLst>
+  </p:timing>
 </p:sld>
 </file>
 
@@ -14996,7 +15916,7 @@
           <p:cNvPr id="2" name="Textfeld 1">
             <a:extLst>
               <a:ext uri="{FF2B5EF4-FFF2-40B4-BE49-F238E27FC236}">
-                <a16:creationId xmlns:a16="http://schemas.microsoft.com/office/drawing/2014/main" id="{63B187C0-C636-4DF9-BEF3-02B7CAF8B31A}"/>
+                <a16:creationId xmlns:a16="http://schemas.microsoft.com/office/drawing/2014/main" xmlns="" id="{63B187C0-C636-4DF9-BEF3-02B7CAF8B31A}"/>
               </a:ext>
             </a:extLst>
           </p:cNvPr>
@@ -15034,6 +15954,29 @@
           </a:p>
         </p:txBody>
       </p:sp>
+      <p:sp>
+        <p:nvSpPr>
+          <p:cNvPr id="3" name="Foliennummernplatzhalter 2"/>
+          <p:cNvSpPr>
+            <a:spLocks noGrp="1"/>
+          </p:cNvSpPr>
+          <p:nvPr>
+            <p:ph type="sldNum" sz="quarter" idx="12"/>
+          </p:nvPr>
+        </p:nvSpPr>
+        <p:spPr/>
+        <p:txBody>
+          <a:bodyPr/>
+          <a:lstStyle/>
+          <a:p>
+            <a:fld id="{37FB3165-7B6B-4B29-A206-BA97BFDD26CD}" type="slidenum">
+              <a:rPr lang="de-DE" smtClean="0"/>
+              <a:t>25</a:t>
+            </a:fld>
+            <a:endParaRPr lang="de-DE"/>
+          </a:p>
+        </p:txBody>
+      </p:sp>
     </p:spTree>
     <p:extLst>
       <p:ext uri="{BB962C8B-B14F-4D97-AF65-F5344CB8AC3E}">
@@ -15044,6 +15987,13 @@
   <p:clrMapOvr>
     <a:masterClrMapping/>
   </p:clrMapOvr>
+  <p:timing>
+    <p:tnLst>
+      <p:par>
+        <p:cTn id="1" dur="indefinite" restart="never" nodeType="tmRoot"/>
+      </p:par>
+    </p:tnLst>
+  </p:timing>
 </p:sld>
 </file>
 
@@ -15069,7 +16019,7 @@
           <p:cNvPr id="2" name="Titel 1">
             <a:extLst>
               <a:ext uri="{FF2B5EF4-FFF2-40B4-BE49-F238E27FC236}">
-                <a16:creationId xmlns:a16="http://schemas.microsoft.com/office/drawing/2014/main" id="{A946177F-4B2C-44D6-BAC9-92959A63D816}"/>
+                <a16:creationId xmlns:a16="http://schemas.microsoft.com/office/drawing/2014/main" xmlns="" id="{A946177F-4B2C-44D6-BAC9-92959A63D816}"/>
               </a:ext>
             </a:extLst>
           </p:cNvPr>
@@ -15097,7 +16047,7 @@
           <p:cNvPr id="3" name="Inhaltsplatzhalter 2">
             <a:extLst>
               <a:ext uri="{FF2B5EF4-FFF2-40B4-BE49-F238E27FC236}">
-                <a16:creationId xmlns:a16="http://schemas.microsoft.com/office/drawing/2014/main" id="{3E8E3630-6F10-48F5-A08A-84D379C5FB25}"/>
+                <a16:creationId xmlns:a16="http://schemas.microsoft.com/office/drawing/2014/main" xmlns="" id="{3E8E3630-6F10-48F5-A08A-84D379C5FB25}"/>
               </a:ext>
             </a:extLst>
           </p:cNvPr>
@@ -15164,6 +16114,29 @@
           </a:p>
         </p:txBody>
       </p:sp>
+      <p:sp>
+        <p:nvSpPr>
+          <p:cNvPr id="4" name="Foliennummernplatzhalter 3"/>
+          <p:cNvSpPr>
+            <a:spLocks noGrp="1"/>
+          </p:cNvSpPr>
+          <p:nvPr>
+            <p:ph type="sldNum" sz="quarter" idx="12"/>
+          </p:nvPr>
+        </p:nvSpPr>
+        <p:spPr/>
+        <p:txBody>
+          <a:bodyPr/>
+          <a:lstStyle/>
+          <a:p>
+            <a:fld id="{37FB3165-7B6B-4B29-A206-BA97BFDD26CD}" type="slidenum">
+              <a:rPr lang="de-DE" smtClean="0"/>
+              <a:t>26</a:t>
+            </a:fld>
+            <a:endParaRPr lang="de-DE"/>
+          </a:p>
+        </p:txBody>
+      </p:sp>
     </p:spTree>
     <p:extLst>
       <p:ext uri="{BB962C8B-B14F-4D97-AF65-F5344CB8AC3E}">
@@ -15174,6 +16147,13 @@
   <p:clrMapOvr>
     <a:masterClrMapping/>
   </p:clrMapOvr>
+  <p:timing>
+    <p:tnLst>
+      <p:par>
+        <p:cTn id="1" dur="indefinite" restart="never" nodeType="tmRoot"/>
+      </p:par>
+    </p:tnLst>
+  </p:timing>
 </p:sld>
 </file>
 
@@ -15199,7 +16179,7 @@
           <p:cNvPr id="2" name="Titel 1">
             <a:extLst>
               <a:ext uri="{FF2B5EF4-FFF2-40B4-BE49-F238E27FC236}">
-                <a16:creationId xmlns:a16="http://schemas.microsoft.com/office/drawing/2014/main" id="{F1728863-B374-42BF-A93D-54E809BCF11C}"/>
+                <a16:creationId xmlns:a16="http://schemas.microsoft.com/office/drawing/2014/main" xmlns="" id="{F1728863-B374-42BF-A93D-54E809BCF11C}"/>
               </a:ext>
             </a:extLst>
           </p:cNvPr>
@@ -15229,7 +16209,7 @@
               <p:cNvPr id="3" name="Inhaltsplatzhalter 2">
                 <a:extLst>
                   <a:ext uri="{FF2B5EF4-FFF2-40B4-BE49-F238E27FC236}">
-                    <a16:creationId xmlns:a16="http://schemas.microsoft.com/office/drawing/2014/main" id="{5B4A198D-388F-443A-879A-2CA568653509}"/>
+                    <a16:creationId xmlns:a16="http://schemas.microsoft.com/office/drawing/2014/main" xmlns="" id="{5B4A198D-388F-443A-879A-2CA568653509}"/>
                   </a:ext>
                 </a:extLst>
               </p:cNvPr>
@@ -15647,6 +16627,29 @@
           </p:sp>
         </mc:Fallback>
       </mc:AlternateContent>
+      <p:sp>
+        <p:nvSpPr>
+          <p:cNvPr id="4" name="Foliennummernplatzhalter 3"/>
+          <p:cNvSpPr>
+            <a:spLocks noGrp="1"/>
+          </p:cNvSpPr>
+          <p:nvPr>
+            <p:ph type="sldNum" sz="quarter" idx="12"/>
+          </p:nvPr>
+        </p:nvSpPr>
+        <p:spPr/>
+        <p:txBody>
+          <a:bodyPr/>
+          <a:lstStyle/>
+          <a:p>
+            <a:fld id="{37FB3165-7B6B-4B29-A206-BA97BFDD26CD}" type="slidenum">
+              <a:rPr lang="de-DE" smtClean="0"/>
+              <a:t>27</a:t>
+            </a:fld>
+            <a:endParaRPr lang="de-DE"/>
+          </a:p>
+        </p:txBody>
+      </p:sp>
     </p:spTree>
     <p:extLst>
       <p:ext uri="{BB962C8B-B14F-4D97-AF65-F5344CB8AC3E}">
@@ -15657,6 +16660,13 @@
   <p:clrMapOvr>
     <a:masterClrMapping/>
   </p:clrMapOvr>
+  <p:timing>
+    <p:tnLst>
+      <p:par>
+        <p:cTn id="1" dur="indefinite" restart="never" nodeType="tmRoot"/>
+      </p:par>
+    </p:tnLst>
+  </p:timing>
 </p:sld>
 </file>
 
@@ -15682,7 +16692,7 @@
           <p:cNvPr id="2" name="Titel 1">
             <a:extLst>
               <a:ext uri="{FF2B5EF4-FFF2-40B4-BE49-F238E27FC236}">
-                <a16:creationId xmlns:a16="http://schemas.microsoft.com/office/drawing/2014/main" id="{AE3AAEDD-E44D-4735-A501-E4242C2B783F}"/>
+                <a16:creationId xmlns:a16="http://schemas.microsoft.com/office/drawing/2014/main" xmlns="" id="{AE3AAEDD-E44D-4735-A501-E4242C2B783F}"/>
               </a:ext>
             </a:extLst>
           </p:cNvPr>
@@ -15710,7 +16720,7 @@
           <p:cNvPr id="3" name="Inhaltsplatzhalter 2">
             <a:extLst>
               <a:ext uri="{FF2B5EF4-FFF2-40B4-BE49-F238E27FC236}">
-                <a16:creationId xmlns:a16="http://schemas.microsoft.com/office/drawing/2014/main" id="{85132FF6-5D44-4D83-941B-42CDC2ACB340}"/>
+                <a16:creationId xmlns:a16="http://schemas.microsoft.com/office/drawing/2014/main" xmlns="" id="{85132FF6-5D44-4D83-941B-42CDC2ACB340}"/>
               </a:ext>
             </a:extLst>
           </p:cNvPr>
@@ -15801,6 +16811,29 @@
           </a:p>
         </p:txBody>
       </p:sp>
+      <p:sp>
+        <p:nvSpPr>
+          <p:cNvPr id="4" name="Foliennummernplatzhalter 3"/>
+          <p:cNvSpPr>
+            <a:spLocks noGrp="1"/>
+          </p:cNvSpPr>
+          <p:nvPr>
+            <p:ph type="sldNum" sz="quarter" idx="12"/>
+          </p:nvPr>
+        </p:nvSpPr>
+        <p:spPr/>
+        <p:txBody>
+          <a:bodyPr/>
+          <a:lstStyle/>
+          <a:p>
+            <a:fld id="{37FB3165-7B6B-4B29-A206-BA97BFDD26CD}" type="slidenum">
+              <a:rPr lang="de-DE" smtClean="0"/>
+              <a:t>28</a:t>
+            </a:fld>
+            <a:endParaRPr lang="de-DE"/>
+          </a:p>
+        </p:txBody>
+      </p:sp>
     </p:spTree>
     <p:extLst>
       <p:ext uri="{BB962C8B-B14F-4D97-AF65-F5344CB8AC3E}">
@@ -15811,6 +16844,13 @@
   <p:clrMapOvr>
     <a:masterClrMapping/>
   </p:clrMapOvr>
+  <p:timing>
+    <p:tnLst>
+      <p:par>
+        <p:cTn id="1" dur="indefinite" restart="never" nodeType="tmRoot"/>
+      </p:par>
+    </p:tnLst>
+  </p:timing>
 </p:sld>
 </file>
 
@@ -15836,7 +16876,7 @@
           <p:cNvPr id="2" name="Textfeld 1">
             <a:extLst>
               <a:ext uri="{FF2B5EF4-FFF2-40B4-BE49-F238E27FC236}">
-                <a16:creationId xmlns:a16="http://schemas.microsoft.com/office/drawing/2014/main" id="{E8D65369-0BB6-4B8D-AB59-7C5E2BF8571D}"/>
+                <a16:creationId xmlns:a16="http://schemas.microsoft.com/office/drawing/2014/main" xmlns="" id="{E8D65369-0BB6-4B8D-AB59-7C5E2BF8571D}"/>
               </a:ext>
             </a:extLst>
           </p:cNvPr>
@@ -15866,6 +16906,29 @@
           </a:p>
         </p:txBody>
       </p:sp>
+      <p:sp>
+        <p:nvSpPr>
+          <p:cNvPr id="3" name="Foliennummernplatzhalter 2"/>
+          <p:cNvSpPr>
+            <a:spLocks noGrp="1"/>
+          </p:cNvSpPr>
+          <p:nvPr>
+            <p:ph type="sldNum" sz="quarter" idx="12"/>
+          </p:nvPr>
+        </p:nvSpPr>
+        <p:spPr/>
+        <p:txBody>
+          <a:bodyPr/>
+          <a:lstStyle/>
+          <a:p>
+            <a:fld id="{37FB3165-7B6B-4B29-A206-BA97BFDD26CD}" type="slidenum">
+              <a:rPr lang="de-DE" smtClean="0"/>
+              <a:t>29</a:t>
+            </a:fld>
+            <a:endParaRPr lang="de-DE"/>
+          </a:p>
+        </p:txBody>
+      </p:sp>
     </p:spTree>
     <p:extLst>
       <p:ext uri="{BB962C8B-B14F-4D97-AF65-F5344CB8AC3E}">
@@ -15876,6 +16939,13 @@
   <p:clrMapOvr>
     <a:masterClrMapping/>
   </p:clrMapOvr>
+  <p:timing>
+    <p:tnLst>
+      <p:par>
+        <p:cTn id="1" dur="indefinite" restart="never" nodeType="tmRoot"/>
+      </p:par>
+    </p:tnLst>
+  </p:timing>
 </p:sld>
 </file>
 
@@ -15901,7 +16971,7 @@
           <p:cNvPr id="2" name="Titel 1">
             <a:extLst>
               <a:ext uri="{FF2B5EF4-FFF2-40B4-BE49-F238E27FC236}">
-                <a16:creationId xmlns:a16="http://schemas.microsoft.com/office/drawing/2014/main" id="{E717D70C-2838-4A73-B529-89BC40A123AA}"/>
+                <a16:creationId xmlns:a16="http://schemas.microsoft.com/office/drawing/2014/main" xmlns="" id="{E717D70C-2838-4A73-B529-89BC40A123AA}"/>
               </a:ext>
             </a:extLst>
           </p:cNvPr>
@@ -15929,7 +16999,7 @@
           <p:cNvPr id="3" name="Inhaltsplatzhalter 2">
             <a:extLst>
               <a:ext uri="{FF2B5EF4-FFF2-40B4-BE49-F238E27FC236}">
-                <a16:creationId xmlns:a16="http://schemas.microsoft.com/office/drawing/2014/main" id="{B90872BD-90A5-4A6D-987E-395BF48837F2}"/>
+                <a16:creationId xmlns:a16="http://schemas.microsoft.com/office/drawing/2014/main" xmlns="" id="{B90872BD-90A5-4A6D-987E-395BF48837F2}"/>
               </a:ext>
             </a:extLst>
           </p:cNvPr>
@@ -16061,6 +17131,29 @@
           </a:p>
         </p:txBody>
       </p:sp>
+      <p:sp>
+        <p:nvSpPr>
+          <p:cNvPr id="4" name="Foliennummernplatzhalter 3"/>
+          <p:cNvSpPr>
+            <a:spLocks noGrp="1"/>
+          </p:cNvSpPr>
+          <p:nvPr>
+            <p:ph type="sldNum" sz="quarter" idx="12"/>
+          </p:nvPr>
+        </p:nvSpPr>
+        <p:spPr/>
+        <p:txBody>
+          <a:bodyPr/>
+          <a:lstStyle/>
+          <a:p>
+            <a:fld id="{37FB3165-7B6B-4B29-A206-BA97BFDD26CD}" type="slidenum">
+              <a:rPr lang="de-DE" smtClean="0"/>
+              <a:t>3</a:t>
+            </a:fld>
+            <a:endParaRPr lang="de-DE"/>
+          </a:p>
+        </p:txBody>
+      </p:sp>
     </p:spTree>
     <p:extLst>
       <p:ext uri="{BB962C8B-B14F-4D97-AF65-F5344CB8AC3E}">
@@ -16071,6 +17164,13 @@
   <p:clrMapOvr>
     <a:masterClrMapping/>
   </p:clrMapOvr>
+  <p:timing>
+    <p:tnLst>
+      <p:par>
+        <p:cTn id="1" dur="indefinite" restart="never" nodeType="tmRoot"/>
+      </p:par>
+    </p:tnLst>
+  </p:timing>
 </p:sld>
 </file>
 
@@ -16096,7 +17196,7 @@
           <p:cNvPr id="2" name="Textfeld 1">
             <a:extLst>
               <a:ext uri="{FF2B5EF4-FFF2-40B4-BE49-F238E27FC236}">
-                <a16:creationId xmlns:a16="http://schemas.microsoft.com/office/drawing/2014/main" id="{E8D65369-0BB6-4B8D-AB59-7C5E2BF8571D}"/>
+                <a16:creationId xmlns:a16="http://schemas.microsoft.com/office/drawing/2014/main" xmlns="" id="{E8D65369-0BB6-4B8D-AB59-7C5E2BF8571D}"/>
               </a:ext>
             </a:extLst>
           </p:cNvPr>
@@ -16133,6 +17233,29 @@
           </a:p>
         </p:txBody>
       </p:sp>
+      <p:sp>
+        <p:nvSpPr>
+          <p:cNvPr id="3" name="Foliennummernplatzhalter 2"/>
+          <p:cNvSpPr>
+            <a:spLocks noGrp="1"/>
+          </p:cNvSpPr>
+          <p:nvPr>
+            <p:ph type="sldNum" sz="quarter" idx="12"/>
+          </p:nvPr>
+        </p:nvSpPr>
+        <p:spPr/>
+        <p:txBody>
+          <a:bodyPr/>
+          <a:lstStyle/>
+          <a:p>
+            <a:fld id="{37FB3165-7B6B-4B29-A206-BA97BFDD26CD}" type="slidenum">
+              <a:rPr lang="de-DE" smtClean="0"/>
+              <a:t>30</a:t>
+            </a:fld>
+            <a:endParaRPr lang="de-DE"/>
+          </a:p>
+        </p:txBody>
+      </p:sp>
     </p:spTree>
     <p:extLst>
       <p:ext uri="{BB962C8B-B14F-4D97-AF65-F5344CB8AC3E}">
@@ -16143,6 +17266,13 @@
   <p:clrMapOvr>
     <a:masterClrMapping/>
   </p:clrMapOvr>
+  <p:timing>
+    <p:tnLst>
+      <p:par>
+        <p:cTn id="1" dur="indefinite" restart="never" nodeType="tmRoot"/>
+      </p:par>
+    </p:tnLst>
+  </p:timing>
 </p:sld>
 </file>
 
@@ -16168,7 +17298,7 @@
           <p:cNvPr id="6" name="Grafik 5">
             <a:extLst>
               <a:ext uri="{FF2B5EF4-FFF2-40B4-BE49-F238E27FC236}">
-                <a16:creationId xmlns:a16="http://schemas.microsoft.com/office/drawing/2014/main" id="{7944C31D-C537-47E0-9432-4018BE054DB5}"/>
+                <a16:creationId xmlns:a16="http://schemas.microsoft.com/office/drawing/2014/main" xmlns="" id="{7944C31D-C537-47E0-9432-4018BE054DB5}"/>
               </a:ext>
             </a:extLst>
           </p:cNvPr>
@@ -16198,7 +17328,7 @@
           <p:cNvPr id="2" name="Titel 1">
             <a:extLst>
               <a:ext uri="{FF2B5EF4-FFF2-40B4-BE49-F238E27FC236}">
-                <a16:creationId xmlns:a16="http://schemas.microsoft.com/office/drawing/2014/main" id="{CB3AEFDA-080A-4F4B-B6EF-F660BA29B1D4}"/>
+                <a16:creationId xmlns:a16="http://schemas.microsoft.com/office/drawing/2014/main" xmlns="" id="{CB3AEFDA-080A-4F4B-B6EF-F660BA29B1D4}"/>
               </a:ext>
             </a:extLst>
           </p:cNvPr>
@@ -16228,7 +17358,7 @@
               <p:cNvPr id="5" name="Textfeld 4">
                 <a:extLst>
                   <a:ext uri="{FF2B5EF4-FFF2-40B4-BE49-F238E27FC236}">
-                    <a16:creationId xmlns:a16="http://schemas.microsoft.com/office/drawing/2014/main" id="{E3782390-F5B1-4604-BF86-2D1A26F2C6BB}"/>
+                    <a16:creationId xmlns:a16="http://schemas.microsoft.com/office/drawing/2014/main" xmlns="" id="{E3782390-F5B1-4604-BF86-2D1A26F2C6BB}"/>
                   </a:ext>
                 </a:extLst>
               </p:cNvPr>
@@ -16393,7 +17523,7 @@
           <p:cNvPr id="8" name="Textfeld 7">
             <a:extLst>
               <a:ext uri="{FF2B5EF4-FFF2-40B4-BE49-F238E27FC236}">
-                <a16:creationId xmlns:a16="http://schemas.microsoft.com/office/drawing/2014/main" id="{9A9EF480-B834-44A7-B751-860F4F9C7E8B}"/>
+                <a16:creationId xmlns:a16="http://schemas.microsoft.com/office/drawing/2014/main" xmlns="" id="{9A9EF480-B834-44A7-B751-860F4F9C7E8B}"/>
               </a:ext>
             </a:extLst>
           </p:cNvPr>
@@ -16423,6 +17553,29 @@
           </a:p>
         </p:txBody>
       </p:sp>
+      <p:sp>
+        <p:nvSpPr>
+          <p:cNvPr id="3" name="Foliennummernplatzhalter 2"/>
+          <p:cNvSpPr>
+            <a:spLocks noGrp="1"/>
+          </p:cNvSpPr>
+          <p:nvPr>
+            <p:ph type="sldNum" sz="quarter" idx="12"/>
+          </p:nvPr>
+        </p:nvSpPr>
+        <p:spPr/>
+        <p:txBody>
+          <a:bodyPr/>
+          <a:lstStyle/>
+          <a:p>
+            <a:fld id="{37FB3165-7B6B-4B29-A206-BA97BFDD26CD}" type="slidenum">
+              <a:rPr lang="de-DE" smtClean="0"/>
+              <a:t>4</a:t>
+            </a:fld>
+            <a:endParaRPr lang="de-DE"/>
+          </a:p>
+        </p:txBody>
+      </p:sp>
     </p:spTree>
     <p:extLst>
       <p:ext uri="{BB962C8B-B14F-4D97-AF65-F5344CB8AC3E}">
@@ -16433,6 +17586,13 @@
   <p:clrMapOvr>
     <a:masterClrMapping/>
   </p:clrMapOvr>
+  <p:timing>
+    <p:tnLst>
+      <p:par>
+        <p:cTn id="1" dur="indefinite" restart="never" nodeType="tmRoot"/>
+      </p:par>
+    </p:tnLst>
+  </p:timing>
 </p:sld>
 </file>
 
@@ -16458,7 +17618,7 @@
           <p:cNvPr id="7" name="Grafik 6">
             <a:extLst>
               <a:ext uri="{FF2B5EF4-FFF2-40B4-BE49-F238E27FC236}">
-                <a16:creationId xmlns:a16="http://schemas.microsoft.com/office/drawing/2014/main" id="{73E34D0B-E35D-4ED2-A428-5351806E80D0}"/>
+                <a16:creationId xmlns:a16="http://schemas.microsoft.com/office/drawing/2014/main" xmlns="" id="{73E34D0B-E35D-4ED2-A428-5351806E80D0}"/>
               </a:ext>
             </a:extLst>
           </p:cNvPr>
@@ -16488,7 +17648,7 @@
           <p:cNvPr id="2" name="Titel 1">
             <a:extLst>
               <a:ext uri="{FF2B5EF4-FFF2-40B4-BE49-F238E27FC236}">
-                <a16:creationId xmlns:a16="http://schemas.microsoft.com/office/drawing/2014/main" id="{F776A91C-2F55-4A34-A958-2E07FA93466B}"/>
+                <a16:creationId xmlns:a16="http://schemas.microsoft.com/office/drawing/2014/main" xmlns="" id="{F776A91C-2F55-4A34-A958-2E07FA93466B}"/>
               </a:ext>
             </a:extLst>
           </p:cNvPr>
@@ -16518,7 +17678,7 @@
               <p:cNvPr id="5" name="Textfeld 4">
                 <a:extLst>
                   <a:ext uri="{FF2B5EF4-FFF2-40B4-BE49-F238E27FC236}">
-                    <a16:creationId xmlns:a16="http://schemas.microsoft.com/office/drawing/2014/main" id="{F2028A3F-C171-44B5-8FD7-3EA20EEB43CE}"/>
+                    <a16:creationId xmlns:a16="http://schemas.microsoft.com/office/drawing/2014/main" xmlns="" id="{F2028A3F-C171-44B5-8FD7-3EA20EEB43CE}"/>
                   </a:ext>
                 </a:extLst>
               </p:cNvPr>
@@ -16685,7 +17845,7 @@
               <p:cNvPr id="6" name="Textfeld 5">
                 <a:extLst>
                   <a:ext uri="{FF2B5EF4-FFF2-40B4-BE49-F238E27FC236}">
-                    <a16:creationId xmlns:a16="http://schemas.microsoft.com/office/drawing/2014/main" id="{994AF172-00EE-4A68-A8D8-4DA1692F0F29}"/>
+                    <a16:creationId xmlns:a16="http://schemas.microsoft.com/office/drawing/2014/main" xmlns="" id="{994AF172-00EE-4A68-A8D8-4DA1692F0F29}"/>
                   </a:ext>
                 </a:extLst>
               </p:cNvPr>
@@ -16813,7 +17973,7 @@
           <p:cNvPr id="8" name="Textfeld 7">
             <a:extLst>
               <a:ext uri="{FF2B5EF4-FFF2-40B4-BE49-F238E27FC236}">
-                <a16:creationId xmlns:a16="http://schemas.microsoft.com/office/drawing/2014/main" id="{E0A3926D-AB6C-4400-8190-F4E4201C7FA5}"/>
+                <a16:creationId xmlns:a16="http://schemas.microsoft.com/office/drawing/2014/main" xmlns="" id="{E0A3926D-AB6C-4400-8190-F4E4201C7FA5}"/>
               </a:ext>
             </a:extLst>
           </p:cNvPr>
@@ -16843,6 +18003,29 @@
           </a:p>
         </p:txBody>
       </p:sp>
+      <p:sp>
+        <p:nvSpPr>
+          <p:cNvPr id="3" name="Foliennummernplatzhalter 2"/>
+          <p:cNvSpPr>
+            <a:spLocks noGrp="1"/>
+          </p:cNvSpPr>
+          <p:nvPr>
+            <p:ph type="sldNum" sz="quarter" idx="12"/>
+          </p:nvPr>
+        </p:nvSpPr>
+        <p:spPr/>
+        <p:txBody>
+          <a:bodyPr/>
+          <a:lstStyle/>
+          <a:p>
+            <a:fld id="{37FB3165-7B6B-4B29-A206-BA97BFDD26CD}" type="slidenum">
+              <a:rPr lang="de-DE" smtClean="0"/>
+              <a:t>5</a:t>
+            </a:fld>
+            <a:endParaRPr lang="de-DE"/>
+          </a:p>
+        </p:txBody>
+      </p:sp>
     </p:spTree>
     <p:extLst>
       <p:ext uri="{BB962C8B-B14F-4D97-AF65-F5344CB8AC3E}">
@@ -16853,6 +18036,13 @@
   <p:clrMapOvr>
     <a:masterClrMapping/>
   </p:clrMapOvr>
+  <p:timing>
+    <p:tnLst>
+      <p:par>
+        <p:cTn id="1" dur="indefinite" restart="never" nodeType="tmRoot"/>
+      </p:par>
+    </p:tnLst>
+  </p:timing>
 </p:sld>
 </file>
 
@@ -16878,7 +18068,7 @@
           <p:cNvPr id="4" name="Grafik 3">
             <a:extLst>
               <a:ext uri="{FF2B5EF4-FFF2-40B4-BE49-F238E27FC236}">
-                <a16:creationId xmlns:a16="http://schemas.microsoft.com/office/drawing/2014/main" id="{B53D92F0-4653-4AF6-A628-67333F687D28}"/>
+                <a16:creationId xmlns:a16="http://schemas.microsoft.com/office/drawing/2014/main" xmlns="" id="{B53D92F0-4653-4AF6-A628-67333F687D28}"/>
               </a:ext>
             </a:extLst>
           </p:cNvPr>
@@ -16908,7 +18098,7 @@
           <p:cNvPr id="2" name="Titel 1">
             <a:extLst>
               <a:ext uri="{FF2B5EF4-FFF2-40B4-BE49-F238E27FC236}">
-                <a16:creationId xmlns:a16="http://schemas.microsoft.com/office/drawing/2014/main" id="{6B07DC93-74A4-42E7-8D9F-A6EB5E11594F}"/>
+                <a16:creationId xmlns:a16="http://schemas.microsoft.com/office/drawing/2014/main" xmlns="" id="{6B07DC93-74A4-42E7-8D9F-A6EB5E11594F}"/>
               </a:ext>
             </a:extLst>
           </p:cNvPr>
@@ -16936,7 +18126,7 @@
           <p:cNvPr id="3" name="Inhaltsplatzhalter 2">
             <a:extLst>
               <a:ext uri="{FF2B5EF4-FFF2-40B4-BE49-F238E27FC236}">
-                <a16:creationId xmlns:a16="http://schemas.microsoft.com/office/drawing/2014/main" id="{3A92F2CB-18D0-4DAB-A52E-A07F6AF4EF33}"/>
+                <a16:creationId xmlns:a16="http://schemas.microsoft.com/office/drawing/2014/main" xmlns="" id="{3A92F2CB-18D0-4DAB-A52E-A07F6AF4EF33}"/>
               </a:ext>
             </a:extLst>
           </p:cNvPr>
@@ -16964,6 +18154,29 @@
           </a:p>
         </p:txBody>
       </p:sp>
+      <p:sp>
+        <p:nvSpPr>
+          <p:cNvPr id="5" name="Foliennummernplatzhalter 4"/>
+          <p:cNvSpPr>
+            <a:spLocks noGrp="1"/>
+          </p:cNvSpPr>
+          <p:nvPr>
+            <p:ph type="sldNum" sz="quarter" idx="12"/>
+          </p:nvPr>
+        </p:nvSpPr>
+        <p:spPr/>
+        <p:txBody>
+          <a:bodyPr/>
+          <a:lstStyle/>
+          <a:p>
+            <a:fld id="{37FB3165-7B6B-4B29-A206-BA97BFDD26CD}" type="slidenum">
+              <a:rPr lang="de-DE" smtClean="0"/>
+              <a:t>6</a:t>
+            </a:fld>
+            <a:endParaRPr lang="de-DE"/>
+          </a:p>
+        </p:txBody>
+      </p:sp>
     </p:spTree>
     <p:extLst>
       <p:ext uri="{BB962C8B-B14F-4D97-AF65-F5344CB8AC3E}">
@@ -16974,6 +18187,13 @@
   <p:clrMapOvr>
     <a:masterClrMapping/>
   </p:clrMapOvr>
+  <p:timing>
+    <p:tnLst>
+      <p:par>
+        <p:cTn id="1" dur="indefinite" restart="never" nodeType="tmRoot"/>
+      </p:par>
+    </p:tnLst>
+  </p:timing>
 </p:sld>
 </file>
 
@@ -16999,7 +18219,7 @@
           <p:cNvPr id="4" name="Grafik 3">
             <a:extLst>
               <a:ext uri="{FF2B5EF4-FFF2-40B4-BE49-F238E27FC236}">
-                <a16:creationId xmlns:a16="http://schemas.microsoft.com/office/drawing/2014/main" id="{FE363B70-7D7C-4F67-BD36-9F56552D8FCC}"/>
+                <a16:creationId xmlns:a16="http://schemas.microsoft.com/office/drawing/2014/main" xmlns="" id="{FE363B70-7D7C-4F67-BD36-9F56552D8FCC}"/>
               </a:ext>
             </a:extLst>
           </p:cNvPr>
@@ -17029,7 +18249,7 @@
           <p:cNvPr id="2" name="Titel 1">
             <a:extLst>
               <a:ext uri="{FF2B5EF4-FFF2-40B4-BE49-F238E27FC236}">
-                <a16:creationId xmlns:a16="http://schemas.microsoft.com/office/drawing/2014/main" id="{77FCCA17-28E7-4D3B-8465-7DA8A95D586C}"/>
+                <a16:creationId xmlns:a16="http://schemas.microsoft.com/office/drawing/2014/main" xmlns="" id="{77FCCA17-28E7-4D3B-8465-7DA8A95D586C}"/>
               </a:ext>
             </a:extLst>
           </p:cNvPr>
@@ -17057,7 +18277,7 @@
           <p:cNvPr id="3" name="Inhaltsplatzhalter 2">
             <a:extLst>
               <a:ext uri="{FF2B5EF4-FFF2-40B4-BE49-F238E27FC236}">
-                <a16:creationId xmlns:a16="http://schemas.microsoft.com/office/drawing/2014/main" id="{A6E43457-BBEE-4989-B75D-9CFD6E1077C0}"/>
+                <a16:creationId xmlns:a16="http://schemas.microsoft.com/office/drawing/2014/main" xmlns="" id="{A6E43457-BBEE-4989-B75D-9CFD6E1077C0}"/>
               </a:ext>
             </a:extLst>
           </p:cNvPr>
@@ -17110,6 +18330,29 @@
           </a:p>
         </p:txBody>
       </p:sp>
+      <p:sp>
+        <p:nvSpPr>
+          <p:cNvPr id="5" name="Foliennummernplatzhalter 4"/>
+          <p:cNvSpPr>
+            <a:spLocks noGrp="1"/>
+          </p:cNvSpPr>
+          <p:nvPr>
+            <p:ph type="sldNum" sz="quarter" idx="12"/>
+          </p:nvPr>
+        </p:nvSpPr>
+        <p:spPr/>
+        <p:txBody>
+          <a:bodyPr/>
+          <a:lstStyle/>
+          <a:p>
+            <a:fld id="{37FB3165-7B6B-4B29-A206-BA97BFDD26CD}" type="slidenum">
+              <a:rPr lang="de-DE" smtClean="0"/>
+              <a:t>7</a:t>
+            </a:fld>
+            <a:endParaRPr lang="de-DE"/>
+          </a:p>
+        </p:txBody>
+      </p:sp>
     </p:spTree>
     <p:extLst>
       <p:ext uri="{BB962C8B-B14F-4D97-AF65-F5344CB8AC3E}">
@@ -17120,6 +18363,13 @@
   <p:clrMapOvr>
     <a:masterClrMapping/>
   </p:clrMapOvr>
+  <p:timing>
+    <p:tnLst>
+      <p:par>
+        <p:cTn id="1" dur="indefinite" restart="never" nodeType="tmRoot"/>
+      </p:par>
+    </p:tnLst>
+  </p:timing>
 </p:sld>
 </file>
 
@@ -17145,7 +18395,7 @@
           <p:cNvPr id="4" name="Grafik 3">
             <a:extLst>
               <a:ext uri="{FF2B5EF4-FFF2-40B4-BE49-F238E27FC236}">
-                <a16:creationId xmlns:a16="http://schemas.microsoft.com/office/drawing/2014/main" id="{6C682E71-EFD0-478E-B6EC-FBD1FDE2577C}"/>
+                <a16:creationId xmlns:a16="http://schemas.microsoft.com/office/drawing/2014/main" xmlns="" id="{6C682E71-EFD0-478E-B6EC-FBD1FDE2577C}"/>
               </a:ext>
             </a:extLst>
           </p:cNvPr>
@@ -17175,7 +18425,7 @@
           <p:cNvPr id="2" name="Titel 1">
             <a:extLst>
               <a:ext uri="{FF2B5EF4-FFF2-40B4-BE49-F238E27FC236}">
-                <a16:creationId xmlns:a16="http://schemas.microsoft.com/office/drawing/2014/main" id="{1D7E0ACF-991B-4FE0-9DB0-70DCCBC8A0DB}"/>
+                <a16:creationId xmlns:a16="http://schemas.microsoft.com/office/drawing/2014/main" xmlns="" id="{1D7E0ACF-991B-4FE0-9DB0-70DCCBC8A0DB}"/>
               </a:ext>
             </a:extLst>
           </p:cNvPr>
@@ -17203,7 +18453,7 @@
           <p:cNvPr id="3" name="Inhaltsplatzhalter 2">
             <a:extLst>
               <a:ext uri="{FF2B5EF4-FFF2-40B4-BE49-F238E27FC236}">
-                <a16:creationId xmlns:a16="http://schemas.microsoft.com/office/drawing/2014/main" id="{FE51EEFC-8D8F-40AE-9A38-677518DB16F7}"/>
+                <a16:creationId xmlns:a16="http://schemas.microsoft.com/office/drawing/2014/main" xmlns="" id="{FE51EEFC-8D8F-40AE-9A38-677518DB16F7}"/>
               </a:ext>
             </a:extLst>
           </p:cNvPr>
@@ -17250,6 +18500,29 @@
           </a:p>
         </p:txBody>
       </p:sp>
+      <p:sp>
+        <p:nvSpPr>
+          <p:cNvPr id="5" name="Foliennummernplatzhalter 4"/>
+          <p:cNvSpPr>
+            <a:spLocks noGrp="1"/>
+          </p:cNvSpPr>
+          <p:nvPr>
+            <p:ph type="sldNum" sz="quarter" idx="12"/>
+          </p:nvPr>
+        </p:nvSpPr>
+        <p:spPr/>
+        <p:txBody>
+          <a:bodyPr/>
+          <a:lstStyle/>
+          <a:p>
+            <a:fld id="{37FB3165-7B6B-4B29-A206-BA97BFDD26CD}" type="slidenum">
+              <a:rPr lang="de-DE" smtClean="0"/>
+              <a:t>8</a:t>
+            </a:fld>
+            <a:endParaRPr lang="de-DE"/>
+          </a:p>
+        </p:txBody>
+      </p:sp>
     </p:spTree>
     <p:extLst>
       <p:ext uri="{BB962C8B-B14F-4D97-AF65-F5344CB8AC3E}">
@@ -17260,6 +18533,13 @@
   <p:clrMapOvr>
     <a:masterClrMapping/>
   </p:clrMapOvr>
+  <p:timing>
+    <p:tnLst>
+      <p:par>
+        <p:cTn id="1" dur="indefinite" restart="never" nodeType="tmRoot"/>
+      </p:par>
+    </p:tnLst>
+  </p:timing>
 </p:sld>
 </file>
 
@@ -17285,7 +18565,7 @@
           <p:cNvPr id="2" name="Titel 1">
             <a:extLst>
               <a:ext uri="{FF2B5EF4-FFF2-40B4-BE49-F238E27FC236}">
-                <a16:creationId xmlns:a16="http://schemas.microsoft.com/office/drawing/2014/main" id="{2BBBB310-2A5C-44B8-BFF9-07AF0AD489C7}"/>
+                <a16:creationId xmlns:a16="http://schemas.microsoft.com/office/drawing/2014/main" xmlns="" id="{2BBBB310-2A5C-44B8-BFF9-07AF0AD489C7}"/>
               </a:ext>
             </a:extLst>
           </p:cNvPr>
@@ -17313,7 +18593,7 @@
           <p:cNvPr id="4" name="Grafik 3">
             <a:extLst>
               <a:ext uri="{FF2B5EF4-FFF2-40B4-BE49-F238E27FC236}">
-                <a16:creationId xmlns:a16="http://schemas.microsoft.com/office/drawing/2014/main" id="{9E5B9982-6225-4186-98E6-DF3335EBBE65}"/>
+                <a16:creationId xmlns:a16="http://schemas.microsoft.com/office/drawing/2014/main" xmlns="" id="{9E5B9982-6225-4186-98E6-DF3335EBBE65}"/>
               </a:ext>
             </a:extLst>
           </p:cNvPr>
@@ -17323,7 +18603,7 @@
           <p:nvPr/>
         </p:nvPicPr>
         <p:blipFill>
-          <a:blip r:embed="rId2">
+          <a:blip r:embed="rId2" cstate="print">
             <a:extLst>
               <a:ext uri="{28A0092B-C50C-407E-A947-70E740481C1C}">
                 <a14:useLocalDpi xmlns:a14="http://schemas.microsoft.com/office/drawing/2010/main" val="0"/>
@@ -17349,7 +18629,7 @@
           <p:cNvPr id="5" name="Grafik 4">
             <a:extLst>
               <a:ext uri="{FF2B5EF4-FFF2-40B4-BE49-F238E27FC236}">
-                <a16:creationId xmlns:a16="http://schemas.microsoft.com/office/drawing/2014/main" id="{1456A0D1-F21B-418D-8511-080281F6D257}"/>
+                <a16:creationId xmlns:a16="http://schemas.microsoft.com/office/drawing/2014/main" xmlns="" id="{1456A0D1-F21B-418D-8511-080281F6D257}"/>
               </a:ext>
             </a:extLst>
           </p:cNvPr>
@@ -17359,7 +18639,7 @@
           <p:nvPr/>
         </p:nvPicPr>
         <p:blipFill>
-          <a:blip r:embed="rId3">
+          <a:blip r:embed="rId3" cstate="print">
             <a:extLst>
               <a:ext uri="{28A0092B-C50C-407E-A947-70E740481C1C}">
                 <a14:useLocalDpi xmlns:a14="http://schemas.microsoft.com/office/drawing/2010/main" val="0"/>
@@ -17380,6 +18660,29 @@
           </a:prstGeom>
         </p:spPr>
       </p:pic>
+      <p:sp>
+        <p:nvSpPr>
+          <p:cNvPr id="3" name="Foliennummernplatzhalter 2"/>
+          <p:cNvSpPr>
+            <a:spLocks noGrp="1"/>
+          </p:cNvSpPr>
+          <p:nvPr>
+            <p:ph type="sldNum" sz="quarter" idx="12"/>
+          </p:nvPr>
+        </p:nvSpPr>
+        <p:spPr/>
+        <p:txBody>
+          <a:bodyPr/>
+          <a:lstStyle/>
+          <a:p>
+            <a:fld id="{37FB3165-7B6B-4B29-A206-BA97BFDD26CD}" type="slidenum">
+              <a:rPr lang="de-DE" smtClean="0"/>
+              <a:t>9</a:t>
+            </a:fld>
+            <a:endParaRPr lang="de-DE"/>
+          </a:p>
+        </p:txBody>
+      </p:sp>
     </p:spTree>
     <p:extLst>
       <p:ext uri="{BB962C8B-B14F-4D97-AF65-F5344CB8AC3E}">
@@ -17390,6 +18693,13 @@
   <p:clrMapOvr>
     <a:masterClrMapping/>
   </p:clrMapOvr>
+  <p:timing>
+    <p:tnLst>
+      <p:par>
+        <p:cTn id="1" dur="indefinite" restart="never" nodeType="tmRoot"/>
+      </p:par>
+    </p:tnLst>
+  </p:timing>
 </p:sld>
 </file>
 
@@ -17674,4 +18984,265 @@
     </a:ext>
   </a:extLst>
 </a:theme>
+</file>
+
+<file path=ppt/theme/theme2.xml><?xml version="1.0" encoding="utf-8"?>
+<a:theme xmlns:a="http://schemas.openxmlformats.org/drawingml/2006/main" name="Office Theme">
+  <a:themeElements>
+    <a:clrScheme name="Office">
+      <a:dk1>
+        <a:sysClr val="windowText" lastClr="000000"/>
+      </a:dk1>
+      <a:lt1>
+        <a:sysClr val="window" lastClr="FFFFFF"/>
+      </a:lt1>
+      <a:dk2>
+        <a:srgbClr val="44546A"/>
+      </a:dk2>
+      <a:lt2>
+        <a:srgbClr val="E7E6E6"/>
+      </a:lt2>
+      <a:accent1>
+        <a:srgbClr val="5B9BD5"/>
+      </a:accent1>
+      <a:accent2>
+        <a:srgbClr val="ED7D31"/>
+      </a:accent2>
+      <a:accent3>
+        <a:srgbClr val="A5A5A5"/>
+      </a:accent3>
+      <a:accent4>
+        <a:srgbClr val="FFC000"/>
+      </a:accent4>
+      <a:accent5>
+        <a:srgbClr val="4472C4"/>
+      </a:accent5>
+      <a:accent6>
+        <a:srgbClr val="70AD47"/>
+      </a:accent6>
+      <a:hlink>
+        <a:srgbClr val="0563C1"/>
+      </a:hlink>
+      <a:folHlink>
+        <a:srgbClr val="954F72"/>
+      </a:folHlink>
+    </a:clrScheme>
+    <a:fontScheme name="Office">
+      <a:majorFont>
+        <a:latin typeface="Calibri Light" panose="020F0302020204030204"/>
+        <a:ea typeface=""/>
+        <a:cs typeface=""/>
+        <a:font script="Jpan" typeface="ＭＳ Ｐゴシック"/>
+        <a:font script="Hang" typeface="맑은 고딕"/>
+        <a:font script="Hans" typeface="宋体"/>
+        <a:font script="Hant" typeface="新細明體"/>
+        <a:font script="Arab" typeface="Times New Roman"/>
+        <a:font script="Hebr" typeface="Times New Roman"/>
+        <a:font script="Thai" typeface="Angsana New"/>
+        <a:font script="Ethi" typeface="Nyala"/>
+        <a:font script="Beng" typeface="Vrinda"/>
+        <a:font script="Gujr" typeface="Shruti"/>
+        <a:font script="Khmr" typeface="MoolBoran"/>
+        <a:font script="Knda" typeface="Tunga"/>
+        <a:font script="Guru" typeface="Raavi"/>
+        <a:font script="Cans" typeface="Euphemia"/>
+        <a:font script="Cher" typeface="Plantagenet Cherokee"/>
+        <a:font script="Yiii" typeface="Microsoft Yi Baiti"/>
+        <a:font script="Tibt" typeface="Microsoft Himalaya"/>
+        <a:font script="Thaa" typeface="MV Boli"/>
+        <a:font script="Deva" typeface="Mangal"/>
+        <a:font script="Telu" typeface="Gautami"/>
+        <a:font script="Taml" typeface="Latha"/>
+        <a:font script="Syrc" typeface="Estrangelo Edessa"/>
+        <a:font script="Orya" typeface="Kalinga"/>
+        <a:font script="Mlym" typeface="Kartika"/>
+        <a:font script="Laoo" typeface="DokChampa"/>
+        <a:font script="Sinh" typeface="Iskoola Pota"/>
+        <a:font script="Mong" typeface="Mongolian Baiti"/>
+        <a:font script="Viet" typeface="Times New Roman"/>
+        <a:font script="Uigh" typeface="Microsoft Uighur"/>
+        <a:font script="Geor" typeface="Sylfaen"/>
+      </a:majorFont>
+      <a:minorFont>
+        <a:latin typeface="Calibri" panose="020F0502020204030204"/>
+        <a:ea typeface=""/>
+        <a:cs typeface=""/>
+        <a:font script="Jpan" typeface="ＭＳ Ｐゴシック"/>
+        <a:font script="Hang" typeface="맑은 고딕"/>
+        <a:font script="Hans" typeface="宋体"/>
+        <a:font script="Hant" typeface="新細明體"/>
+        <a:font script="Arab" typeface="Arial"/>
+        <a:font script="Hebr" typeface="Arial"/>
+        <a:font script="Thai" typeface="Cordia New"/>
+        <a:font script="Ethi" typeface="Nyala"/>
+        <a:font script="Beng" typeface="Vrinda"/>
+        <a:font script="Gujr" typeface="Shruti"/>
+        <a:font script="Khmr" typeface="DaunPenh"/>
+        <a:font script="Knda" typeface="Tunga"/>
+        <a:font script="Guru" typeface="Raavi"/>
+        <a:font script="Cans" typeface="Euphemia"/>
+        <a:font script="Cher" typeface="Plantagenet Cherokee"/>
+        <a:font script="Yiii" typeface="Microsoft Yi Baiti"/>
+        <a:font script="Tibt" typeface="Microsoft Himalaya"/>
+        <a:font script="Thaa" typeface="MV Boli"/>
+        <a:font script="Deva" typeface="Mangal"/>
+        <a:font script="Telu" typeface="Gautami"/>
+        <a:font script="Taml" typeface="Latha"/>
+        <a:font script="Syrc" typeface="Estrangelo Edessa"/>
+        <a:font script="Orya" typeface="Kalinga"/>
+        <a:font script="Mlym" typeface="Kartika"/>
+        <a:font script="Laoo" typeface="DokChampa"/>
+        <a:font script="Sinh" typeface="Iskoola Pota"/>
+        <a:font script="Mong" typeface="Mongolian Baiti"/>
+        <a:font script="Viet" typeface="Arial"/>
+        <a:font script="Uigh" typeface="Microsoft Uighur"/>
+        <a:font script="Geor" typeface="Sylfaen"/>
+      </a:minorFont>
+    </a:fontScheme>
+    <a:fmtScheme name="Office">
+      <a:fillStyleLst>
+        <a:solidFill>
+          <a:schemeClr val="phClr"/>
+        </a:solidFill>
+        <a:gradFill rotWithShape="1">
+          <a:gsLst>
+            <a:gs pos="0">
+              <a:schemeClr val="phClr">
+                <a:lumMod val="110000"/>
+                <a:satMod val="105000"/>
+                <a:tint val="67000"/>
+              </a:schemeClr>
+            </a:gs>
+            <a:gs pos="50000">
+              <a:schemeClr val="phClr">
+                <a:lumMod val="105000"/>
+                <a:satMod val="103000"/>
+                <a:tint val="73000"/>
+              </a:schemeClr>
+            </a:gs>
+            <a:gs pos="100000">
+              <a:schemeClr val="phClr">
+                <a:lumMod val="105000"/>
+                <a:satMod val="109000"/>
+                <a:tint val="81000"/>
+              </a:schemeClr>
+            </a:gs>
+          </a:gsLst>
+          <a:lin ang="5400000" scaled="0"/>
+        </a:gradFill>
+        <a:gradFill rotWithShape="1">
+          <a:gsLst>
+            <a:gs pos="0">
+              <a:schemeClr val="phClr">
+                <a:satMod val="103000"/>
+                <a:lumMod val="102000"/>
+                <a:tint val="94000"/>
+              </a:schemeClr>
+            </a:gs>
+            <a:gs pos="50000">
+              <a:schemeClr val="phClr">
+                <a:satMod val="110000"/>
+                <a:lumMod val="100000"/>
+                <a:shade val="100000"/>
+              </a:schemeClr>
+            </a:gs>
+            <a:gs pos="100000">
+              <a:schemeClr val="phClr">
+                <a:lumMod val="99000"/>
+                <a:satMod val="120000"/>
+                <a:shade val="78000"/>
+              </a:schemeClr>
+            </a:gs>
+          </a:gsLst>
+          <a:lin ang="5400000" scaled="0"/>
+        </a:gradFill>
+      </a:fillStyleLst>
+      <a:lnStyleLst>
+        <a:ln w="6350" cap="flat" cmpd="sng" algn="ctr">
+          <a:solidFill>
+            <a:schemeClr val="phClr"/>
+          </a:solidFill>
+          <a:prstDash val="solid"/>
+          <a:miter lim="800000"/>
+        </a:ln>
+        <a:ln w="12700" cap="flat" cmpd="sng" algn="ctr">
+          <a:solidFill>
+            <a:schemeClr val="phClr"/>
+          </a:solidFill>
+          <a:prstDash val="solid"/>
+          <a:miter lim="800000"/>
+        </a:ln>
+        <a:ln w="19050" cap="flat" cmpd="sng" algn="ctr">
+          <a:solidFill>
+            <a:schemeClr val="phClr"/>
+          </a:solidFill>
+          <a:prstDash val="solid"/>
+          <a:miter lim="800000"/>
+        </a:ln>
+      </a:lnStyleLst>
+      <a:effectStyleLst>
+        <a:effectStyle>
+          <a:effectLst/>
+        </a:effectStyle>
+        <a:effectStyle>
+          <a:effectLst/>
+        </a:effectStyle>
+        <a:effectStyle>
+          <a:effectLst>
+            <a:outerShdw blurRad="57150" dist="19050" dir="5400000" algn="ctr" rotWithShape="0">
+              <a:srgbClr val="000000">
+                <a:alpha val="63000"/>
+              </a:srgbClr>
+            </a:outerShdw>
+          </a:effectLst>
+        </a:effectStyle>
+      </a:effectStyleLst>
+      <a:bgFillStyleLst>
+        <a:solidFill>
+          <a:schemeClr val="phClr"/>
+        </a:solidFill>
+        <a:solidFill>
+          <a:schemeClr val="phClr">
+            <a:tint val="95000"/>
+            <a:satMod val="170000"/>
+          </a:schemeClr>
+        </a:solidFill>
+        <a:gradFill rotWithShape="1">
+          <a:gsLst>
+            <a:gs pos="0">
+              <a:schemeClr val="phClr">
+                <a:tint val="93000"/>
+                <a:satMod val="150000"/>
+                <a:shade val="98000"/>
+                <a:lumMod val="102000"/>
+              </a:schemeClr>
+            </a:gs>
+            <a:gs pos="50000">
+              <a:schemeClr val="phClr">
+                <a:tint val="98000"/>
+                <a:satMod val="130000"/>
+                <a:shade val="90000"/>
+                <a:lumMod val="103000"/>
+              </a:schemeClr>
+            </a:gs>
+            <a:gs pos="100000">
+              <a:schemeClr val="phClr">
+                <a:shade val="63000"/>
+                <a:satMod val="120000"/>
+              </a:schemeClr>
+            </a:gs>
+          </a:gsLst>
+          <a:lin ang="5400000" scaled="0"/>
+        </a:gradFill>
+      </a:bgFillStyleLst>
+    </a:fmtScheme>
+  </a:themeElements>
+  <a:objectDefaults/>
+  <a:extraClrSchemeLst/>
+  <a:extLst>
+    <a:ext uri="{05A4C25C-085E-4340-85A3-A5531E510DB2}">
+      <thm15:themeFamily xmlns:thm15="http://schemas.microsoft.com/office/thememl/2012/main" name="Office Theme" id="{62F939B6-93AF-4DB8-9C6B-D6C7DFDC589F}" vid="{4A3C46E8-61CC-4603-A589-7422A47A8E4A}"/>
+    </a:ext>
+  </a:extLst>
+</a:theme>
 </file>